--- a/figures/drawing-board.pptx
+++ b/figures/drawing-board.pptx
@@ -105,6 +105,11 @@
       </a:defRPr>
     </a:lvl9pPr>
   </p:defaultTextStyle>
+  <p:extLst>
+    <p:ext uri="{EFAFB233-063F-42B5-8137-9DF3F51BA10A}">
+      <p15:sldGuideLst xmlns:p15="http://schemas.microsoft.com/office/powerpoint/2012/main"/>
+    </p:ext>
+  </p:extLst>
 </p:presentation>
 </file>
 

--- a/figures/drawing-board.pptx
+++ b/figures/drawing-board.pptx
@@ -6654,8 +6654,8 @@
         </p:nvSpPr>
         <p:spPr>
           <a:xfrm>
-            <a:off x="299498" y="297952"/>
-            <a:ext cx="3053686" cy="584775"/>
+            <a:off x="719300" y="666920"/>
+            <a:ext cx="2238258" cy="400110"/>
           </a:xfrm>
           <a:prstGeom prst="rect">
             <a:avLst/>
@@ -6669,13 +6669,13 @@
           <a:lstStyle/>
           <a:p>
             <a:r>
-              <a:rPr lang="en-US" sz="3200" dirty="0">
+              <a:rPr lang="en-US" sz="2000" dirty="0">
                 <a:latin typeface="Roboto Medium" panose="02000000000000000000" pitchFamily="2" charset="0"/>
                 <a:ea typeface="Roboto Medium" panose="02000000000000000000" pitchFamily="2" charset="0"/>
               </a:rPr>
               <a:t>Ratings model</a:t>
             </a:r>
-            <a:endParaRPr lang="en-NZ" sz="3200" dirty="0">
+            <a:endParaRPr lang="en-NZ" sz="2000" dirty="0">
               <a:latin typeface="Roboto Medium" panose="02000000000000000000" pitchFamily="2" charset="0"/>
               <a:ea typeface="Roboto Medium" panose="02000000000000000000" pitchFamily="2" charset="0"/>
             </a:endParaRPr>
@@ -11837,8 +11837,8 @@
         </p:nvSpPr>
         <p:spPr>
           <a:xfrm>
-            <a:off x="350025" y="346381"/>
-            <a:ext cx="3053686" cy="584775"/>
+            <a:off x="761114" y="687410"/>
+            <a:ext cx="3053686" cy="400110"/>
           </a:xfrm>
           <a:prstGeom prst="rect">
             <a:avLst/>
@@ -11852,13 +11852,55 @@
           <a:lstStyle/>
           <a:p>
             <a:r>
-              <a:rPr lang="en-US" sz="3200" dirty="0">
+              <a:rPr lang="en-US" sz="2000" dirty="0">
                 <a:latin typeface="Roboto Medium" panose="02000000000000000000" pitchFamily="2" charset="0"/>
                 <a:ea typeface="Roboto Medium" panose="02000000000000000000" pitchFamily="2" charset="0"/>
               </a:rPr>
               <a:t>Genre model</a:t>
             </a:r>
-            <a:endParaRPr lang="en-NZ" sz="3200" dirty="0">
+            <a:endParaRPr lang="en-NZ" sz="2000" dirty="0">
+              <a:latin typeface="Roboto Medium" panose="02000000000000000000" pitchFamily="2" charset="0"/>
+              <a:ea typeface="Roboto Medium" panose="02000000000000000000" pitchFamily="2" charset="0"/>
+            </a:endParaRPr>
+          </a:p>
+        </p:txBody>
+      </p:sp>
+      <p:sp>
+        <p:nvSpPr>
+          <p:cNvPr id="125" name="TextBox 124">
+            <a:extLst>
+              <a:ext uri="{FF2B5EF4-FFF2-40B4-BE49-F238E27FC236}">
+                <a16:creationId xmlns:a16="http://schemas.microsoft.com/office/drawing/2014/main" id="{D4652CC3-502F-4963-8221-A2A4E987240D}"/>
+              </a:ext>
+            </a:extLst>
+          </p:cNvPr>
+          <p:cNvSpPr txBox="1"/>
+          <p:nvPr/>
+        </p:nvSpPr>
+        <p:spPr>
+          <a:xfrm>
+            <a:off x="4090989" y="4214307"/>
+            <a:ext cx="2238258" cy="738664"/>
+          </a:xfrm>
+          <a:prstGeom prst="rect">
+            <a:avLst/>
+          </a:prstGeom>
+          <a:noFill/>
+        </p:spPr>
+        <p:txBody>
+          <a:bodyPr wrap="square" rtlCol="0">
+            <a:spAutoFit/>
+          </a:bodyPr>
+          <a:lstStyle/>
+          <a:p>
+            <a:r>
+              <a:rPr lang="en-US" sz="1400" dirty="0">
+                <a:latin typeface="Roboto Medium" panose="02000000000000000000" pitchFamily="2" charset="0"/>
+                <a:ea typeface="Roboto Medium" panose="02000000000000000000" pitchFamily="2" charset="0"/>
+              </a:rPr>
+              <a:t>Re-use pre-trained item embedding layer for genre prediction</a:t>
+            </a:r>
+            <a:endParaRPr lang="en-NZ" sz="1400" dirty="0">
               <a:latin typeface="Roboto Medium" panose="02000000000000000000" pitchFamily="2" charset="0"/>
               <a:ea typeface="Roboto Medium" panose="02000000000000000000" pitchFamily="2" charset="0"/>
             </a:endParaRPr>

--- a/figures/drawing-board.pptx
+++ b/figures/drawing-board.pptx
@@ -5,8 +5,9 @@
     <p:sldMasterId id="2147483648" r:id="rId1"/>
   </p:sldMasterIdLst>
   <p:sldIdLst>
-    <p:sldId id="256" r:id="rId2"/>
-    <p:sldId id="257" r:id="rId3"/>
+    <p:sldId id="258" r:id="rId2"/>
+    <p:sldId id="259" r:id="rId3"/>
+    <p:sldId id="257" r:id="rId4"/>
   </p:sldIdLst>
   <p:sldSz cx="12192000" cy="6858000"/>
   <p:notesSz cx="6858000" cy="9144000"/>
@@ -262,7 +263,7 @@
           <a:p>
             <a:fld id="{7FCAF9BE-84FA-4DCA-8252-942D07F2383A}" type="datetimeFigureOut">
               <a:rPr lang="en-NZ" smtClean="0"/>
-              <a:t>2/08/2019</a:t>
+              <a:t>3/09/2019</a:t>
             </a:fld>
             <a:endParaRPr lang="en-NZ"/>
           </a:p>
@@ -462,7 +463,7 @@
           <a:p>
             <a:fld id="{7FCAF9BE-84FA-4DCA-8252-942D07F2383A}" type="datetimeFigureOut">
               <a:rPr lang="en-NZ" smtClean="0"/>
-              <a:t>2/08/2019</a:t>
+              <a:t>3/09/2019</a:t>
             </a:fld>
             <a:endParaRPr lang="en-NZ"/>
           </a:p>
@@ -672,7 +673,7 @@
           <a:p>
             <a:fld id="{7FCAF9BE-84FA-4DCA-8252-942D07F2383A}" type="datetimeFigureOut">
               <a:rPr lang="en-NZ" smtClean="0"/>
-              <a:t>2/08/2019</a:t>
+              <a:t>3/09/2019</a:t>
             </a:fld>
             <a:endParaRPr lang="en-NZ"/>
           </a:p>
@@ -872,7 +873,7 @@
           <a:p>
             <a:fld id="{7FCAF9BE-84FA-4DCA-8252-942D07F2383A}" type="datetimeFigureOut">
               <a:rPr lang="en-NZ" smtClean="0"/>
-              <a:t>2/08/2019</a:t>
+              <a:t>3/09/2019</a:t>
             </a:fld>
             <a:endParaRPr lang="en-NZ"/>
           </a:p>
@@ -1148,7 +1149,7 @@
           <a:p>
             <a:fld id="{7FCAF9BE-84FA-4DCA-8252-942D07F2383A}" type="datetimeFigureOut">
               <a:rPr lang="en-NZ" smtClean="0"/>
-              <a:t>2/08/2019</a:t>
+              <a:t>3/09/2019</a:t>
             </a:fld>
             <a:endParaRPr lang="en-NZ"/>
           </a:p>
@@ -1416,7 +1417,7 @@
           <a:p>
             <a:fld id="{7FCAF9BE-84FA-4DCA-8252-942D07F2383A}" type="datetimeFigureOut">
               <a:rPr lang="en-NZ" smtClean="0"/>
-              <a:t>2/08/2019</a:t>
+              <a:t>3/09/2019</a:t>
             </a:fld>
             <a:endParaRPr lang="en-NZ"/>
           </a:p>
@@ -1831,7 +1832,7 @@
           <a:p>
             <a:fld id="{7FCAF9BE-84FA-4DCA-8252-942D07F2383A}" type="datetimeFigureOut">
               <a:rPr lang="en-NZ" smtClean="0"/>
-              <a:t>2/08/2019</a:t>
+              <a:t>3/09/2019</a:t>
             </a:fld>
             <a:endParaRPr lang="en-NZ"/>
           </a:p>
@@ -1973,7 +1974,7 @@
           <a:p>
             <a:fld id="{7FCAF9BE-84FA-4DCA-8252-942D07F2383A}" type="datetimeFigureOut">
               <a:rPr lang="en-NZ" smtClean="0"/>
-              <a:t>2/08/2019</a:t>
+              <a:t>3/09/2019</a:t>
             </a:fld>
             <a:endParaRPr lang="en-NZ"/>
           </a:p>
@@ -2086,7 +2087,7 @@
           <a:p>
             <a:fld id="{7FCAF9BE-84FA-4DCA-8252-942D07F2383A}" type="datetimeFigureOut">
               <a:rPr lang="en-NZ" smtClean="0"/>
-              <a:t>2/08/2019</a:t>
+              <a:t>3/09/2019</a:t>
             </a:fld>
             <a:endParaRPr lang="en-NZ"/>
           </a:p>
@@ -2399,7 +2400,7 @@
           <a:p>
             <a:fld id="{7FCAF9BE-84FA-4DCA-8252-942D07F2383A}" type="datetimeFigureOut">
               <a:rPr lang="en-NZ" smtClean="0"/>
-              <a:t>2/08/2019</a:t>
+              <a:t>3/09/2019</a:t>
             </a:fld>
             <a:endParaRPr lang="en-NZ"/>
           </a:p>
@@ -2688,7 +2689,7 @@
           <a:p>
             <a:fld id="{7FCAF9BE-84FA-4DCA-8252-942D07F2383A}" type="datetimeFigureOut">
               <a:rPr lang="en-NZ" smtClean="0"/>
-              <a:t>2/08/2019</a:t>
+              <a:t>3/09/2019</a:t>
             </a:fld>
             <a:endParaRPr lang="en-NZ"/>
           </a:p>
@@ -2931,7 +2932,7 @@
           <a:p>
             <a:fld id="{7FCAF9BE-84FA-4DCA-8252-942D07F2383A}" type="datetimeFigureOut">
               <a:rPr lang="en-NZ" smtClean="0"/>
-              <a:t>2/08/2019</a:t>
+              <a:t>3/09/2019</a:t>
             </a:fld>
             <a:endParaRPr lang="en-NZ"/>
           </a:p>
@@ -6640,52 +6641,10 @@
           </a:p>
         </p:txBody>
       </p:sp>
-      <p:sp>
-        <p:nvSpPr>
-          <p:cNvPr id="280" name="TextBox 279">
-            <a:extLst>
-              <a:ext uri="{FF2B5EF4-FFF2-40B4-BE49-F238E27FC236}">
-                <a16:creationId xmlns:a16="http://schemas.microsoft.com/office/drawing/2014/main" id="{014EF51D-6B3F-4E6C-91FA-3F2BB4A1F54D}"/>
-              </a:ext>
-            </a:extLst>
-          </p:cNvPr>
-          <p:cNvSpPr txBox="1"/>
-          <p:nvPr/>
-        </p:nvSpPr>
-        <p:spPr>
-          <a:xfrm>
-            <a:off x="719300" y="666920"/>
-            <a:ext cx="2238258" cy="400110"/>
-          </a:xfrm>
-          <a:prstGeom prst="rect">
-            <a:avLst/>
-          </a:prstGeom>
-          <a:noFill/>
-        </p:spPr>
-        <p:txBody>
-          <a:bodyPr wrap="square" rtlCol="0">
-            <a:spAutoFit/>
-          </a:bodyPr>
-          <a:lstStyle/>
-          <a:p>
-            <a:r>
-              <a:rPr lang="en-US" sz="2000" dirty="0">
-                <a:latin typeface="Roboto Medium" panose="02000000000000000000" pitchFamily="2" charset="0"/>
-                <a:ea typeface="Roboto Medium" panose="02000000000000000000" pitchFamily="2" charset="0"/>
-              </a:rPr>
-              <a:t>Ratings model</a:t>
-            </a:r>
-            <a:endParaRPr lang="en-NZ" sz="2000" dirty="0">
-              <a:latin typeface="Roboto Medium" panose="02000000000000000000" pitchFamily="2" charset="0"/>
-              <a:ea typeface="Roboto Medium" panose="02000000000000000000" pitchFamily="2" charset="0"/>
-            </a:endParaRPr>
-          </a:p>
-        </p:txBody>
-      </p:sp>
     </p:spTree>
     <p:extLst>
       <p:ext uri="{BB962C8B-B14F-4D97-AF65-F5344CB8AC3E}">
-        <p14:creationId xmlns:p14="http://schemas.microsoft.com/office/powerpoint/2010/main" val="3053196277"/>
+        <p14:creationId xmlns:p14="http://schemas.microsoft.com/office/powerpoint/2010/main" val="360633783"/>
       </p:ext>
     </p:extLst>
   </p:cSld>
@@ -6696,6 +6655,838 @@
 </file>
 
 <file path=ppt/slides/slide2.xml><?xml version="1.0" encoding="utf-8"?>
+<p:sld xmlns:a="http://schemas.openxmlformats.org/drawingml/2006/main" xmlns:r="http://schemas.openxmlformats.org/officeDocument/2006/relationships" xmlns:p="http://schemas.openxmlformats.org/presentationml/2006/main" show="0">
+  <p:cSld>
+    <p:spTree>
+      <p:nvGrpSpPr>
+        <p:cNvPr id="1" name=""/>
+        <p:cNvGrpSpPr/>
+        <p:nvPr/>
+      </p:nvGrpSpPr>
+      <p:grpSpPr>
+        <a:xfrm>
+          <a:off x="0" y="0"/>
+          <a:ext cx="0" cy="0"/>
+          <a:chOff x="0" y="0"/>
+          <a:chExt cx="0" cy="0"/>
+        </a:xfrm>
+      </p:grpSpPr>
+      <p:sp>
+        <p:nvSpPr>
+          <p:cNvPr id="2" name="Rectangle: Rounded Corners 1">
+            <a:extLst>
+              <a:ext uri="{FF2B5EF4-FFF2-40B4-BE49-F238E27FC236}">
+                <a16:creationId xmlns:a16="http://schemas.microsoft.com/office/drawing/2014/main" id="{EDCC2EFA-58BA-4333-9B08-A1F35F212FC7}"/>
+              </a:ext>
+            </a:extLst>
+          </p:cNvPr>
+          <p:cNvSpPr/>
+          <p:nvPr/>
+        </p:nvSpPr>
+        <p:spPr>
+          <a:xfrm>
+            <a:off x="1476599" y="2103520"/>
+            <a:ext cx="1264227" cy="2650960"/>
+          </a:xfrm>
+          <a:prstGeom prst="roundRect">
+            <a:avLst/>
+          </a:prstGeom>
+          <a:noFill/>
+          <a:ln w="57150">
+            <a:solidFill>
+              <a:schemeClr val="tx1"/>
+            </a:solidFill>
+          </a:ln>
+        </p:spPr>
+        <p:style>
+          <a:lnRef idx="2">
+            <a:schemeClr val="accent1">
+              <a:shade val="50000"/>
+            </a:schemeClr>
+          </a:lnRef>
+          <a:fillRef idx="1">
+            <a:schemeClr val="accent1"/>
+          </a:fillRef>
+          <a:effectRef idx="0">
+            <a:schemeClr val="accent1"/>
+          </a:effectRef>
+          <a:fontRef idx="minor">
+            <a:schemeClr val="lt1"/>
+          </a:fontRef>
+        </p:style>
+        <p:txBody>
+          <a:bodyPr rtlCol="0" anchor="ctr"/>
+          <a:lstStyle/>
+          <a:p>
+            <a:pPr algn="ctr"/>
+            <a:endParaRPr lang="en-NZ"/>
+          </a:p>
+        </p:txBody>
+      </p:sp>
+      <p:sp>
+        <p:nvSpPr>
+          <p:cNvPr id="82" name="Rectangle: Rounded Corners 81">
+            <a:extLst>
+              <a:ext uri="{FF2B5EF4-FFF2-40B4-BE49-F238E27FC236}">
+                <a16:creationId xmlns:a16="http://schemas.microsoft.com/office/drawing/2014/main" id="{E0F92BB3-2AC8-4EE5-9213-1BD73D3ADDA7}"/>
+              </a:ext>
+            </a:extLst>
+          </p:cNvPr>
+          <p:cNvSpPr/>
+          <p:nvPr/>
+        </p:nvSpPr>
+        <p:spPr>
+          <a:xfrm>
+            <a:off x="7435513" y="332873"/>
+            <a:ext cx="2839451" cy="2650959"/>
+          </a:xfrm>
+          <a:prstGeom prst="roundRect">
+            <a:avLst/>
+          </a:prstGeom>
+          <a:noFill/>
+          <a:ln w="57150">
+            <a:solidFill>
+              <a:schemeClr val="tx1"/>
+            </a:solidFill>
+          </a:ln>
+        </p:spPr>
+        <p:style>
+          <a:lnRef idx="2">
+            <a:schemeClr val="accent1">
+              <a:shade val="50000"/>
+            </a:schemeClr>
+          </a:lnRef>
+          <a:fillRef idx="1">
+            <a:schemeClr val="accent1"/>
+          </a:fillRef>
+          <a:effectRef idx="0">
+            <a:schemeClr val="accent1"/>
+          </a:effectRef>
+          <a:fontRef idx="minor">
+            <a:schemeClr val="lt1"/>
+          </a:fontRef>
+        </p:style>
+        <p:txBody>
+          <a:bodyPr rtlCol="0" anchor="ctr"/>
+          <a:lstStyle/>
+          <a:p>
+            <a:pPr algn="ctr"/>
+            <a:r>
+              <a:rPr lang="en-NZ" dirty="0">
+                <a:solidFill>
+                  <a:schemeClr val="tx1"/>
+                </a:solidFill>
+              </a:rPr>
+              <a:t>Rating model</a:t>
+            </a:r>
+          </a:p>
+        </p:txBody>
+      </p:sp>
+      <p:sp>
+        <p:nvSpPr>
+          <p:cNvPr id="85" name="Rectangle: Rounded Corners 84">
+            <a:extLst>
+              <a:ext uri="{FF2B5EF4-FFF2-40B4-BE49-F238E27FC236}">
+                <a16:creationId xmlns:a16="http://schemas.microsoft.com/office/drawing/2014/main" id="{68AB004F-8E3D-4A6C-A4D2-7720F317A0C1}"/>
+              </a:ext>
+            </a:extLst>
+          </p:cNvPr>
+          <p:cNvSpPr/>
+          <p:nvPr/>
+        </p:nvSpPr>
+        <p:spPr>
+          <a:xfrm>
+            <a:off x="7395410" y="3874168"/>
+            <a:ext cx="2839451" cy="2650959"/>
+          </a:xfrm>
+          <a:prstGeom prst="roundRect">
+            <a:avLst/>
+          </a:prstGeom>
+          <a:noFill/>
+          <a:ln w="57150">
+            <a:solidFill>
+              <a:schemeClr val="tx1"/>
+            </a:solidFill>
+          </a:ln>
+        </p:spPr>
+        <p:style>
+          <a:lnRef idx="2">
+            <a:schemeClr val="accent1">
+              <a:shade val="50000"/>
+            </a:schemeClr>
+          </a:lnRef>
+          <a:fillRef idx="1">
+            <a:schemeClr val="accent1"/>
+          </a:fillRef>
+          <a:effectRef idx="0">
+            <a:schemeClr val="accent1"/>
+          </a:effectRef>
+          <a:fontRef idx="minor">
+            <a:schemeClr val="lt1"/>
+          </a:fontRef>
+        </p:style>
+        <p:txBody>
+          <a:bodyPr rtlCol="0" anchor="ctr"/>
+          <a:lstStyle/>
+          <a:p>
+            <a:pPr algn="ctr"/>
+            <a:r>
+              <a:rPr lang="en-NZ" dirty="0">
+                <a:solidFill>
+                  <a:schemeClr val="tx1"/>
+                </a:solidFill>
+              </a:rPr>
+              <a:t>Genre model</a:t>
+            </a:r>
+          </a:p>
+        </p:txBody>
+      </p:sp>
+      <p:sp>
+        <p:nvSpPr>
+          <p:cNvPr id="86" name="Flowchart: Connector 85">
+            <a:extLst>
+              <a:ext uri="{FF2B5EF4-FFF2-40B4-BE49-F238E27FC236}">
+                <a16:creationId xmlns:a16="http://schemas.microsoft.com/office/drawing/2014/main" id="{867A8189-9FB4-4948-B09B-81BE54587D11}"/>
+              </a:ext>
+            </a:extLst>
+          </p:cNvPr>
+          <p:cNvSpPr/>
+          <p:nvPr/>
+        </p:nvSpPr>
+        <p:spPr>
+          <a:xfrm>
+            <a:off x="1838713" y="2396416"/>
+            <a:ext cx="540000" cy="540000"/>
+          </a:xfrm>
+          <a:prstGeom prst="flowChartConnector">
+            <a:avLst/>
+          </a:prstGeom>
+        </p:spPr>
+        <p:style>
+          <a:lnRef idx="2">
+            <a:schemeClr val="accent1">
+              <a:shade val="50000"/>
+            </a:schemeClr>
+          </a:lnRef>
+          <a:fillRef idx="1">
+            <a:schemeClr val="accent1"/>
+          </a:fillRef>
+          <a:effectRef idx="0">
+            <a:schemeClr val="accent1"/>
+          </a:effectRef>
+          <a:fontRef idx="minor">
+            <a:schemeClr val="lt1"/>
+          </a:fontRef>
+        </p:style>
+        <p:txBody>
+          <a:bodyPr rtlCol="0" anchor="ctr"/>
+          <a:lstStyle/>
+          <a:p>
+            <a:pPr algn="ctr"/>
+            <a:endParaRPr lang="en-NZ"/>
+          </a:p>
+        </p:txBody>
+      </p:sp>
+      <p:sp>
+        <p:nvSpPr>
+          <p:cNvPr id="87" name="Flowchart: Connector 86">
+            <a:extLst>
+              <a:ext uri="{FF2B5EF4-FFF2-40B4-BE49-F238E27FC236}">
+                <a16:creationId xmlns:a16="http://schemas.microsoft.com/office/drawing/2014/main" id="{8A9D1DB8-5AB8-4C92-8725-EC4A3AF4ECAD}"/>
+              </a:ext>
+            </a:extLst>
+          </p:cNvPr>
+          <p:cNvSpPr/>
+          <p:nvPr/>
+        </p:nvSpPr>
+        <p:spPr>
+          <a:xfrm>
+            <a:off x="1838713" y="3921584"/>
+            <a:ext cx="540000" cy="540000"/>
+          </a:xfrm>
+          <a:prstGeom prst="flowChartConnector">
+            <a:avLst/>
+          </a:prstGeom>
+        </p:spPr>
+        <p:style>
+          <a:lnRef idx="2">
+            <a:schemeClr val="accent1">
+              <a:shade val="50000"/>
+            </a:schemeClr>
+          </a:lnRef>
+          <a:fillRef idx="1">
+            <a:schemeClr val="accent1"/>
+          </a:fillRef>
+          <a:effectRef idx="0">
+            <a:schemeClr val="accent1"/>
+          </a:effectRef>
+          <a:fontRef idx="minor">
+            <a:schemeClr val="lt1"/>
+          </a:fontRef>
+        </p:style>
+        <p:txBody>
+          <a:bodyPr rtlCol="0" anchor="ctr"/>
+          <a:lstStyle/>
+          <a:p>
+            <a:pPr algn="ctr"/>
+            <a:endParaRPr lang="en-NZ"/>
+          </a:p>
+        </p:txBody>
+      </p:sp>
+      <p:sp>
+        <p:nvSpPr>
+          <p:cNvPr id="88" name="Flowchart: Connector 87">
+            <a:extLst>
+              <a:ext uri="{FF2B5EF4-FFF2-40B4-BE49-F238E27FC236}">
+                <a16:creationId xmlns:a16="http://schemas.microsoft.com/office/drawing/2014/main" id="{2D54B7D9-0772-4635-A12B-53A3933AFB64}"/>
+              </a:ext>
+            </a:extLst>
+          </p:cNvPr>
+          <p:cNvSpPr/>
+          <p:nvPr/>
+        </p:nvSpPr>
+        <p:spPr>
+          <a:xfrm>
+            <a:off x="1838713" y="3159000"/>
+            <a:ext cx="540000" cy="540000"/>
+          </a:xfrm>
+          <a:prstGeom prst="flowChartConnector">
+            <a:avLst/>
+          </a:prstGeom>
+        </p:spPr>
+        <p:style>
+          <a:lnRef idx="2">
+            <a:schemeClr val="accent1">
+              <a:shade val="50000"/>
+            </a:schemeClr>
+          </a:lnRef>
+          <a:fillRef idx="1">
+            <a:schemeClr val="accent1"/>
+          </a:fillRef>
+          <a:effectRef idx="0">
+            <a:schemeClr val="accent1"/>
+          </a:effectRef>
+          <a:fontRef idx="minor">
+            <a:schemeClr val="lt1"/>
+          </a:fontRef>
+        </p:style>
+        <p:txBody>
+          <a:bodyPr rtlCol="0" anchor="ctr"/>
+          <a:lstStyle/>
+          <a:p>
+            <a:pPr algn="ctr"/>
+            <a:endParaRPr lang="en-NZ"/>
+          </a:p>
+        </p:txBody>
+      </p:sp>
+      <p:cxnSp>
+        <p:nvCxnSpPr>
+          <p:cNvPr id="7" name="Straight Arrow Connector 6">
+            <a:extLst>
+              <a:ext uri="{FF2B5EF4-FFF2-40B4-BE49-F238E27FC236}">
+                <a16:creationId xmlns:a16="http://schemas.microsoft.com/office/drawing/2014/main" id="{84D81D6A-5FCB-44E6-A0E3-6FD09E3D913A}"/>
+              </a:ext>
+            </a:extLst>
+          </p:cNvPr>
+          <p:cNvCxnSpPr>
+            <a:cxnSpLocks/>
+          </p:cNvCxnSpPr>
+          <p:nvPr/>
+        </p:nvCxnSpPr>
+        <p:spPr>
+          <a:xfrm flipV="1">
+            <a:off x="2943726" y="1658353"/>
+            <a:ext cx="2646948" cy="1500647"/>
+          </a:xfrm>
+          <a:prstGeom prst="straightConnector1">
+            <a:avLst/>
+          </a:prstGeom>
+          <a:ln w="57150">
+            <a:solidFill>
+              <a:schemeClr val="tx1"/>
+            </a:solidFill>
+            <a:tailEnd type="triangle"/>
+          </a:ln>
+        </p:spPr>
+        <p:style>
+          <a:lnRef idx="1">
+            <a:schemeClr val="accent1"/>
+          </a:lnRef>
+          <a:fillRef idx="0">
+            <a:schemeClr val="accent1"/>
+          </a:fillRef>
+          <a:effectRef idx="0">
+            <a:schemeClr val="accent1"/>
+          </a:effectRef>
+          <a:fontRef idx="minor">
+            <a:schemeClr val="tx1"/>
+          </a:fontRef>
+        </p:style>
+      </p:cxnSp>
+      <p:cxnSp>
+        <p:nvCxnSpPr>
+          <p:cNvPr id="99" name="Straight Arrow Connector 98">
+            <a:extLst>
+              <a:ext uri="{FF2B5EF4-FFF2-40B4-BE49-F238E27FC236}">
+                <a16:creationId xmlns:a16="http://schemas.microsoft.com/office/drawing/2014/main" id="{4D816D40-D20F-4E94-9D0A-1FC14C90C60C}"/>
+              </a:ext>
+            </a:extLst>
+          </p:cNvPr>
+          <p:cNvCxnSpPr>
+            <a:cxnSpLocks/>
+          </p:cNvCxnSpPr>
+          <p:nvPr/>
+        </p:nvCxnSpPr>
+        <p:spPr>
+          <a:xfrm>
+            <a:off x="2943726" y="3698999"/>
+            <a:ext cx="2646948" cy="1500647"/>
+          </a:xfrm>
+          <a:prstGeom prst="straightConnector1">
+            <a:avLst/>
+          </a:prstGeom>
+          <a:ln w="57150">
+            <a:solidFill>
+              <a:schemeClr val="tx1"/>
+            </a:solidFill>
+            <a:tailEnd type="triangle"/>
+          </a:ln>
+        </p:spPr>
+        <p:style>
+          <a:lnRef idx="1">
+            <a:schemeClr val="accent1"/>
+          </a:lnRef>
+          <a:fillRef idx="0">
+            <a:schemeClr val="accent1"/>
+          </a:fillRef>
+          <a:effectRef idx="0">
+            <a:schemeClr val="accent1"/>
+          </a:effectRef>
+          <a:fontRef idx="minor">
+            <a:schemeClr val="tx1"/>
+          </a:fontRef>
+        </p:style>
+      </p:cxnSp>
+      <p:sp>
+        <p:nvSpPr>
+          <p:cNvPr id="19" name="TextBox 18">
+            <a:extLst>
+              <a:ext uri="{FF2B5EF4-FFF2-40B4-BE49-F238E27FC236}">
+                <a16:creationId xmlns:a16="http://schemas.microsoft.com/office/drawing/2014/main" id="{1E8C21F1-CDC6-44D7-A59C-9BD98DDB954F}"/>
+              </a:ext>
+            </a:extLst>
+          </p:cNvPr>
+          <p:cNvSpPr txBox="1"/>
+          <p:nvPr/>
+        </p:nvSpPr>
+        <p:spPr>
+          <a:xfrm>
+            <a:off x="1398849" y="1234605"/>
+            <a:ext cx="1419726" cy="646331"/>
+          </a:xfrm>
+          <a:prstGeom prst="rect">
+            <a:avLst/>
+          </a:prstGeom>
+          <a:noFill/>
+        </p:spPr>
+        <p:txBody>
+          <a:bodyPr wrap="square" rtlCol="0">
+            <a:spAutoFit/>
+          </a:bodyPr>
+          <a:lstStyle/>
+          <a:p>
+            <a:pPr algn="ctr"/>
+            <a:r>
+              <a:rPr lang="en-NZ" dirty="0"/>
+              <a:t>Item embeddings</a:t>
+            </a:r>
+          </a:p>
+        </p:txBody>
+      </p:sp>
+      <p:sp>
+        <p:nvSpPr>
+          <p:cNvPr id="101" name="TextBox 100">
+            <a:extLst>
+              <a:ext uri="{FF2B5EF4-FFF2-40B4-BE49-F238E27FC236}">
+                <a16:creationId xmlns:a16="http://schemas.microsoft.com/office/drawing/2014/main" id="{360D5ADC-DF66-42AE-A593-E4021023B7DF}"/>
+              </a:ext>
+            </a:extLst>
+          </p:cNvPr>
+          <p:cNvSpPr txBox="1"/>
+          <p:nvPr/>
+        </p:nvSpPr>
+        <p:spPr>
+          <a:xfrm>
+            <a:off x="3525635" y="1019022"/>
+            <a:ext cx="1991639" cy="738664"/>
+          </a:xfrm>
+          <a:prstGeom prst="rect">
+            <a:avLst/>
+          </a:prstGeom>
+          <a:noFill/>
+        </p:spPr>
+        <p:txBody>
+          <a:bodyPr wrap="square" rtlCol="0">
+            <a:spAutoFit/>
+          </a:bodyPr>
+          <a:lstStyle/>
+          <a:p>
+            <a:r>
+              <a:rPr lang="en-NZ" sz="1400" dirty="0"/>
+              <a:t>1. Train embeddings using CF on user-item ratings data</a:t>
+            </a:r>
+          </a:p>
+        </p:txBody>
+      </p:sp>
+      <p:sp>
+        <p:nvSpPr>
+          <p:cNvPr id="102" name="TextBox 101">
+            <a:extLst>
+              <a:ext uri="{FF2B5EF4-FFF2-40B4-BE49-F238E27FC236}">
+                <a16:creationId xmlns:a16="http://schemas.microsoft.com/office/drawing/2014/main" id="{09C0A675-B4C9-4512-8652-D7E2BC0866CB}"/>
+              </a:ext>
+            </a:extLst>
+          </p:cNvPr>
+          <p:cNvSpPr txBox="1"/>
+          <p:nvPr/>
+        </p:nvSpPr>
+        <p:spPr>
+          <a:xfrm>
+            <a:off x="3504786" y="5199646"/>
+            <a:ext cx="2033336" cy="738664"/>
+          </a:xfrm>
+          <a:prstGeom prst="rect">
+            <a:avLst/>
+          </a:prstGeom>
+          <a:noFill/>
+        </p:spPr>
+        <p:txBody>
+          <a:bodyPr wrap="square" rtlCol="0">
+            <a:spAutoFit/>
+          </a:bodyPr>
+          <a:lstStyle/>
+          <a:p>
+            <a:r>
+              <a:rPr lang="en-NZ" sz="1400" dirty="0"/>
+              <a:t>2. Re-use trained embeddings in genre model</a:t>
+            </a:r>
+          </a:p>
+        </p:txBody>
+      </p:sp>
+      <p:sp>
+        <p:nvSpPr>
+          <p:cNvPr id="103" name="TextBox 102">
+            <a:extLst>
+              <a:ext uri="{FF2B5EF4-FFF2-40B4-BE49-F238E27FC236}">
+                <a16:creationId xmlns:a16="http://schemas.microsoft.com/office/drawing/2014/main" id="{2C57A745-D98F-4314-8E1B-5C73F8F06A63}"/>
+              </a:ext>
+            </a:extLst>
+          </p:cNvPr>
+          <p:cNvSpPr txBox="1"/>
+          <p:nvPr/>
+        </p:nvSpPr>
+        <p:spPr>
+          <a:xfrm>
+            <a:off x="5673300" y="1473686"/>
+            <a:ext cx="1679585" cy="369332"/>
+          </a:xfrm>
+          <a:prstGeom prst="rect">
+            <a:avLst/>
+          </a:prstGeom>
+          <a:noFill/>
+        </p:spPr>
+        <p:txBody>
+          <a:bodyPr wrap="square" rtlCol="0">
+            <a:spAutoFit/>
+          </a:bodyPr>
+          <a:lstStyle/>
+          <a:p>
+            <a:r>
+              <a:rPr lang="en-NZ" dirty="0" err="1"/>
+              <a:t>UserID</a:t>
+            </a:r>
+            <a:r>
+              <a:rPr lang="en-NZ" dirty="0"/>
+              <a:t> + </a:t>
+            </a:r>
+            <a:r>
+              <a:rPr lang="en-NZ" dirty="0" err="1"/>
+              <a:t>ItemID</a:t>
+            </a:r>
+            <a:endParaRPr lang="en-NZ" dirty="0"/>
+          </a:p>
+        </p:txBody>
+      </p:sp>
+      <p:sp>
+        <p:nvSpPr>
+          <p:cNvPr id="104" name="TextBox 103">
+            <a:extLst>
+              <a:ext uri="{FF2B5EF4-FFF2-40B4-BE49-F238E27FC236}">
+                <a16:creationId xmlns:a16="http://schemas.microsoft.com/office/drawing/2014/main" id="{83A29FBA-094D-443B-B6B5-FBEC94325695}"/>
+              </a:ext>
+            </a:extLst>
+          </p:cNvPr>
+          <p:cNvSpPr txBox="1"/>
+          <p:nvPr/>
+        </p:nvSpPr>
+        <p:spPr>
+          <a:xfrm>
+            <a:off x="5653249" y="5014980"/>
+            <a:ext cx="1679585" cy="369332"/>
+          </a:xfrm>
+          <a:prstGeom prst="rect">
+            <a:avLst/>
+          </a:prstGeom>
+          <a:noFill/>
+        </p:spPr>
+        <p:txBody>
+          <a:bodyPr wrap="square" rtlCol="0">
+            <a:spAutoFit/>
+          </a:bodyPr>
+          <a:lstStyle/>
+          <a:p>
+            <a:pPr algn="ctr"/>
+            <a:r>
+              <a:rPr lang="en-NZ" dirty="0" err="1"/>
+              <a:t>ItemID</a:t>
+            </a:r>
+            <a:r>
+              <a:rPr lang="en-NZ" dirty="0"/>
+              <a:t> only</a:t>
+            </a:r>
+          </a:p>
+        </p:txBody>
+      </p:sp>
+      <p:sp>
+        <p:nvSpPr>
+          <p:cNvPr id="105" name="TextBox 104">
+            <a:extLst>
+              <a:ext uri="{FF2B5EF4-FFF2-40B4-BE49-F238E27FC236}">
+                <a16:creationId xmlns:a16="http://schemas.microsoft.com/office/drawing/2014/main" id="{F8F83C98-8112-4821-A85C-1E76CD2D8C25}"/>
+              </a:ext>
+            </a:extLst>
+          </p:cNvPr>
+          <p:cNvSpPr txBox="1"/>
+          <p:nvPr/>
+        </p:nvSpPr>
+        <p:spPr>
+          <a:xfrm>
+            <a:off x="10582183" y="1473686"/>
+            <a:ext cx="831776" cy="369332"/>
+          </a:xfrm>
+          <a:prstGeom prst="rect">
+            <a:avLst/>
+          </a:prstGeom>
+          <a:noFill/>
+        </p:spPr>
+        <p:txBody>
+          <a:bodyPr wrap="square" rtlCol="0">
+            <a:spAutoFit/>
+          </a:bodyPr>
+          <a:lstStyle/>
+          <a:p>
+            <a:pPr algn="ctr"/>
+            <a:r>
+              <a:rPr lang="en-NZ" dirty="0"/>
+              <a:t>Rating</a:t>
+            </a:r>
+          </a:p>
+        </p:txBody>
+      </p:sp>
+      <p:sp>
+        <p:nvSpPr>
+          <p:cNvPr id="106" name="TextBox 105">
+            <a:extLst>
+              <a:ext uri="{FF2B5EF4-FFF2-40B4-BE49-F238E27FC236}">
+                <a16:creationId xmlns:a16="http://schemas.microsoft.com/office/drawing/2014/main" id="{2442E200-BD91-40DC-B7DA-8C985AD14E15}"/>
+              </a:ext>
+            </a:extLst>
+          </p:cNvPr>
+          <p:cNvSpPr txBox="1"/>
+          <p:nvPr/>
+        </p:nvSpPr>
+        <p:spPr>
+          <a:xfrm>
+            <a:off x="10582183" y="5014980"/>
+            <a:ext cx="831776" cy="369332"/>
+          </a:xfrm>
+          <a:prstGeom prst="rect">
+            <a:avLst/>
+          </a:prstGeom>
+          <a:noFill/>
+        </p:spPr>
+        <p:txBody>
+          <a:bodyPr wrap="square" rtlCol="0">
+            <a:spAutoFit/>
+          </a:bodyPr>
+          <a:lstStyle/>
+          <a:p>
+            <a:pPr algn="ctr"/>
+            <a:r>
+              <a:rPr lang="en-NZ" dirty="0"/>
+              <a:t>Genre</a:t>
+            </a:r>
+          </a:p>
+        </p:txBody>
+      </p:sp>
+      <p:sp>
+        <p:nvSpPr>
+          <p:cNvPr id="107" name="TextBox 106">
+            <a:extLst>
+              <a:ext uri="{FF2B5EF4-FFF2-40B4-BE49-F238E27FC236}">
+                <a16:creationId xmlns:a16="http://schemas.microsoft.com/office/drawing/2014/main" id="{8BCE4FD6-0E07-412B-86A0-826C55A1EC75}"/>
+              </a:ext>
+            </a:extLst>
+          </p:cNvPr>
+          <p:cNvSpPr txBox="1"/>
+          <p:nvPr/>
+        </p:nvSpPr>
+        <p:spPr>
+          <a:xfrm>
+            <a:off x="6147337" y="865133"/>
+            <a:ext cx="731509" cy="307777"/>
+          </a:xfrm>
+          <a:prstGeom prst="rect">
+            <a:avLst/>
+          </a:prstGeom>
+          <a:noFill/>
+        </p:spPr>
+        <p:txBody>
+          <a:bodyPr wrap="square" rtlCol="0">
+            <a:spAutoFit/>
+          </a:bodyPr>
+          <a:lstStyle/>
+          <a:p>
+            <a:pPr algn="ctr"/>
+            <a:r>
+              <a:rPr lang="en-NZ" sz="1400" dirty="0"/>
+              <a:t>Inputs:</a:t>
+            </a:r>
+          </a:p>
+        </p:txBody>
+      </p:sp>
+      <p:sp>
+        <p:nvSpPr>
+          <p:cNvPr id="108" name="TextBox 107">
+            <a:extLst>
+              <a:ext uri="{FF2B5EF4-FFF2-40B4-BE49-F238E27FC236}">
+                <a16:creationId xmlns:a16="http://schemas.microsoft.com/office/drawing/2014/main" id="{94014B8D-FD5E-4AF2-8B1D-9B22E82AFFF6}"/>
+              </a:ext>
+            </a:extLst>
+          </p:cNvPr>
+          <p:cNvSpPr txBox="1"/>
+          <p:nvPr/>
+        </p:nvSpPr>
+        <p:spPr>
+          <a:xfrm>
+            <a:off x="6127286" y="4600591"/>
+            <a:ext cx="731509" cy="307777"/>
+          </a:xfrm>
+          <a:prstGeom prst="rect">
+            <a:avLst/>
+          </a:prstGeom>
+          <a:noFill/>
+        </p:spPr>
+        <p:txBody>
+          <a:bodyPr wrap="square" rtlCol="0">
+            <a:spAutoFit/>
+          </a:bodyPr>
+          <a:lstStyle/>
+          <a:p>
+            <a:pPr algn="ctr"/>
+            <a:r>
+              <a:rPr lang="en-NZ" sz="1400" dirty="0"/>
+              <a:t>Input:</a:t>
+            </a:r>
+          </a:p>
+        </p:txBody>
+      </p:sp>
+      <p:sp>
+        <p:nvSpPr>
+          <p:cNvPr id="109" name="TextBox 108">
+            <a:extLst>
+              <a:ext uri="{FF2B5EF4-FFF2-40B4-BE49-F238E27FC236}">
+                <a16:creationId xmlns:a16="http://schemas.microsoft.com/office/drawing/2014/main" id="{2AFEEE3F-1216-4D22-BA9F-5FCAC0D79D37}"/>
+              </a:ext>
+            </a:extLst>
+          </p:cNvPr>
+          <p:cNvSpPr txBox="1"/>
+          <p:nvPr/>
+        </p:nvSpPr>
+        <p:spPr>
+          <a:xfrm>
+            <a:off x="10632316" y="865133"/>
+            <a:ext cx="781643" cy="307777"/>
+          </a:xfrm>
+          <a:prstGeom prst="rect">
+            <a:avLst/>
+          </a:prstGeom>
+          <a:noFill/>
+        </p:spPr>
+        <p:txBody>
+          <a:bodyPr wrap="square" rtlCol="0">
+            <a:spAutoFit/>
+          </a:bodyPr>
+          <a:lstStyle/>
+          <a:p>
+            <a:pPr algn="ctr"/>
+            <a:r>
+              <a:rPr lang="en-NZ" sz="1400" dirty="0"/>
+              <a:t>Output:</a:t>
+            </a:r>
+          </a:p>
+        </p:txBody>
+      </p:sp>
+      <p:sp>
+        <p:nvSpPr>
+          <p:cNvPr id="110" name="TextBox 109">
+            <a:extLst>
+              <a:ext uri="{FF2B5EF4-FFF2-40B4-BE49-F238E27FC236}">
+                <a16:creationId xmlns:a16="http://schemas.microsoft.com/office/drawing/2014/main" id="{B709BDAB-581A-4421-8E1D-7808F59897D3}"/>
+              </a:ext>
+            </a:extLst>
+          </p:cNvPr>
+          <p:cNvSpPr txBox="1"/>
+          <p:nvPr/>
+        </p:nvSpPr>
+        <p:spPr>
+          <a:xfrm>
+            <a:off x="10607249" y="4602427"/>
+            <a:ext cx="781643" cy="307777"/>
+          </a:xfrm>
+          <a:prstGeom prst="rect">
+            <a:avLst/>
+          </a:prstGeom>
+          <a:noFill/>
+        </p:spPr>
+        <p:txBody>
+          <a:bodyPr wrap="square" rtlCol="0">
+            <a:spAutoFit/>
+          </a:bodyPr>
+          <a:lstStyle/>
+          <a:p>
+            <a:pPr algn="ctr"/>
+            <a:r>
+              <a:rPr lang="en-NZ" sz="1400" dirty="0"/>
+              <a:t>Output:</a:t>
+            </a:r>
+          </a:p>
+        </p:txBody>
+      </p:sp>
+    </p:spTree>
+    <p:extLst>
+      <p:ext uri="{BB962C8B-B14F-4D97-AF65-F5344CB8AC3E}">
+        <p14:creationId xmlns:p14="http://schemas.microsoft.com/office/powerpoint/2010/main" val="3929515876"/>
+      </p:ext>
+    </p:extLst>
+  </p:cSld>
+  <p:clrMapOvr>
+    <a:masterClrMapping/>
+  </p:clrMapOvr>
+</p:sld>
+</file>
+
+<file path=ppt/slides/slide3.xml><?xml version="1.0" encoding="utf-8"?>
 <p:sld xmlns:a="http://schemas.openxmlformats.org/drawingml/2006/main" xmlns:r="http://schemas.openxmlformats.org/officeDocument/2006/relationships" xmlns:p="http://schemas.openxmlformats.org/presentationml/2006/main">
   <p:cSld>
     <p:spTree>
@@ -11825,48 +12616,6 @@
       </p:sp>
       <p:sp>
         <p:nvSpPr>
-          <p:cNvPr id="207" name="TextBox 206">
-            <a:extLst>
-              <a:ext uri="{FF2B5EF4-FFF2-40B4-BE49-F238E27FC236}">
-                <a16:creationId xmlns:a16="http://schemas.microsoft.com/office/drawing/2014/main" id="{C9B9ABE1-79FF-48BD-8FAB-E1FE7BB8423D}"/>
-              </a:ext>
-            </a:extLst>
-          </p:cNvPr>
-          <p:cNvSpPr txBox="1"/>
-          <p:nvPr/>
-        </p:nvSpPr>
-        <p:spPr>
-          <a:xfrm>
-            <a:off x="761114" y="687410"/>
-            <a:ext cx="3053686" cy="400110"/>
-          </a:xfrm>
-          <a:prstGeom prst="rect">
-            <a:avLst/>
-          </a:prstGeom>
-          <a:noFill/>
-        </p:spPr>
-        <p:txBody>
-          <a:bodyPr wrap="square" rtlCol="0">
-            <a:spAutoFit/>
-          </a:bodyPr>
-          <a:lstStyle/>
-          <a:p>
-            <a:r>
-              <a:rPr lang="en-US" sz="2000" dirty="0">
-                <a:latin typeface="Roboto Medium" panose="02000000000000000000" pitchFamily="2" charset="0"/>
-                <a:ea typeface="Roboto Medium" panose="02000000000000000000" pitchFamily="2" charset="0"/>
-              </a:rPr>
-              <a:t>Genre model</a:t>
-            </a:r>
-            <a:endParaRPr lang="en-NZ" sz="2000" dirty="0">
-              <a:latin typeface="Roboto Medium" panose="02000000000000000000" pitchFamily="2" charset="0"/>
-              <a:ea typeface="Roboto Medium" panose="02000000000000000000" pitchFamily="2" charset="0"/>
-            </a:endParaRPr>
-          </a:p>
-        </p:txBody>
-      </p:sp>
-      <p:sp>
-        <p:nvSpPr>
           <p:cNvPr id="125" name="TextBox 124">
             <a:extLst>
               <a:ext uri="{FF2B5EF4-FFF2-40B4-BE49-F238E27FC236}">

--- a/figures/drawing-board.pptx
+++ b/figures/drawing-board.pptx
@@ -2,12 +2,14 @@
 <file path=ppt/presentation.xml><?xml version="1.0" encoding="utf-8"?>
 <p:presentation xmlns:a="http://schemas.openxmlformats.org/drawingml/2006/main" xmlns:r="http://schemas.openxmlformats.org/officeDocument/2006/relationships" xmlns:p="http://schemas.openxmlformats.org/presentationml/2006/main" saveSubsetFonts="1">
   <p:sldMasterIdLst>
-    <p:sldMasterId id="2147483648" r:id="rId1"/>
+    <p:sldMasterId id="2147483696" r:id="rId1"/>
   </p:sldMasterIdLst>
   <p:sldIdLst>
     <p:sldId id="258" r:id="rId2"/>
-    <p:sldId id="259" r:id="rId3"/>
-    <p:sldId id="257" r:id="rId4"/>
+    <p:sldId id="260" r:id="rId3"/>
+    <p:sldId id="261" r:id="rId4"/>
+    <p:sldId id="259" r:id="rId5"/>
+    <p:sldId id="257" r:id="rId6"/>
   </p:sldIdLst>
   <p:sldSz cx="12192000" cy="6858000"/>
   <p:notesSz cx="6858000" cy="9144000"/>
@@ -15,7 +17,7 @@
     <a:defPPr>
       <a:defRPr lang="en-US"/>
     </a:defPPr>
-    <a:lvl1pPr marL="0" algn="l" defTabSz="914400" rtl="0" eaLnBrk="1" latinLnBrk="0" hangingPunct="1">
+    <a:lvl1pPr marL="0" algn="l" defTabSz="457200" rtl="0" eaLnBrk="1" latinLnBrk="0" hangingPunct="1">
       <a:defRPr sz="1800" kern="1200">
         <a:solidFill>
           <a:schemeClr val="tx1"/>
@@ -25,7 +27,7 @@
         <a:cs typeface="+mn-cs"/>
       </a:defRPr>
     </a:lvl1pPr>
-    <a:lvl2pPr marL="457200" algn="l" defTabSz="914400" rtl="0" eaLnBrk="1" latinLnBrk="0" hangingPunct="1">
+    <a:lvl2pPr marL="457200" algn="l" defTabSz="457200" rtl="0" eaLnBrk="1" latinLnBrk="0" hangingPunct="1">
       <a:defRPr sz="1800" kern="1200">
         <a:solidFill>
           <a:schemeClr val="tx1"/>
@@ -35,7 +37,7 @@
         <a:cs typeface="+mn-cs"/>
       </a:defRPr>
     </a:lvl2pPr>
-    <a:lvl3pPr marL="914400" algn="l" defTabSz="914400" rtl="0" eaLnBrk="1" latinLnBrk="0" hangingPunct="1">
+    <a:lvl3pPr marL="914400" algn="l" defTabSz="457200" rtl="0" eaLnBrk="1" latinLnBrk="0" hangingPunct="1">
       <a:defRPr sz="1800" kern="1200">
         <a:solidFill>
           <a:schemeClr val="tx1"/>
@@ -45,7 +47,7 @@
         <a:cs typeface="+mn-cs"/>
       </a:defRPr>
     </a:lvl3pPr>
-    <a:lvl4pPr marL="1371600" algn="l" defTabSz="914400" rtl="0" eaLnBrk="1" latinLnBrk="0" hangingPunct="1">
+    <a:lvl4pPr marL="1371600" algn="l" defTabSz="457200" rtl="0" eaLnBrk="1" latinLnBrk="0" hangingPunct="1">
       <a:defRPr sz="1800" kern="1200">
         <a:solidFill>
           <a:schemeClr val="tx1"/>
@@ -55,7 +57,7 @@
         <a:cs typeface="+mn-cs"/>
       </a:defRPr>
     </a:lvl4pPr>
-    <a:lvl5pPr marL="1828800" algn="l" defTabSz="914400" rtl="0" eaLnBrk="1" latinLnBrk="0" hangingPunct="1">
+    <a:lvl5pPr marL="1828800" algn="l" defTabSz="457200" rtl="0" eaLnBrk="1" latinLnBrk="0" hangingPunct="1">
       <a:defRPr sz="1800" kern="1200">
         <a:solidFill>
           <a:schemeClr val="tx1"/>
@@ -65,7 +67,7 @@
         <a:cs typeface="+mn-cs"/>
       </a:defRPr>
     </a:lvl5pPr>
-    <a:lvl6pPr marL="2286000" algn="l" defTabSz="914400" rtl="0" eaLnBrk="1" latinLnBrk="0" hangingPunct="1">
+    <a:lvl6pPr marL="2286000" algn="l" defTabSz="457200" rtl="0" eaLnBrk="1" latinLnBrk="0" hangingPunct="1">
       <a:defRPr sz="1800" kern="1200">
         <a:solidFill>
           <a:schemeClr val="tx1"/>
@@ -75,7 +77,7 @@
         <a:cs typeface="+mn-cs"/>
       </a:defRPr>
     </a:lvl6pPr>
-    <a:lvl7pPr marL="2743200" algn="l" defTabSz="914400" rtl="0" eaLnBrk="1" latinLnBrk="0" hangingPunct="1">
+    <a:lvl7pPr marL="2743200" algn="l" defTabSz="457200" rtl="0" eaLnBrk="1" latinLnBrk="0" hangingPunct="1">
       <a:defRPr sz="1800" kern="1200">
         <a:solidFill>
           <a:schemeClr val="tx1"/>
@@ -85,7 +87,7 @@
         <a:cs typeface="+mn-cs"/>
       </a:defRPr>
     </a:lvl7pPr>
-    <a:lvl8pPr marL="3200400" algn="l" defTabSz="914400" rtl="0" eaLnBrk="1" latinLnBrk="0" hangingPunct="1">
+    <a:lvl8pPr marL="3200400" algn="l" defTabSz="457200" rtl="0" eaLnBrk="1" latinLnBrk="0" hangingPunct="1">
       <a:defRPr sz="1800" kern="1200">
         <a:solidFill>
           <a:schemeClr val="tx1"/>
@@ -95,7 +97,7 @@
         <a:cs typeface="+mn-cs"/>
       </a:defRPr>
     </a:lvl8pPr>
-    <a:lvl9pPr marL="3657600" algn="l" defTabSz="914400" rtl="0" eaLnBrk="1" latinLnBrk="0" hangingPunct="1">
+    <a:lvl9pPr marL="3657600" algn="l" defTabSz="457200" rtl="0" eaLnBrk="1" latinLnBrk="0" hangingPunct="1">
       <a:defRPr sz="1800" kern="1200">
         <a:solidFill>
           <a:schemeClr val="tx1"/>
@@ -108,7 +110,18 @@
   </p:defaultTextStyle>
   <p:extLst>
     <p:ext uri="{EFAFB233-063F-42B5-8137-9DF3F51BA10A}">
-      <p15:sldGuideLst xmlns:p15="http://schemas.microsoft.com/office/powerpoint/2012/main"/>
+      <p15:sldGuideLst xmlns:p15="http://schemas.microsoft.com/office/powerpoint/2012/main">
+        <p15:guide id="1" orient="horz" pos="2160" userDrawn="1">
+          <p15:clr>
+            <a:srgbClr val="A4A3A4"/>
+          </p15:clr>
+        </p15:guide>
+        <p15:guide id="2" pos="3885" userDrawn="1">
+          <p15:clr>
+            <a:srgbClr val="A4A3A4"/>
+          </p15:clr>
+        </p15:guide>
+      </p15:sldGuideLst>
     </p:ext>
   </p:extLst>
 </p:presentation>
@@ -133,13 +146,7 @@
       </p:grpSpPr>
       <p:sp>
         <p:nvSpPr>
-          <p:cNvPr id="2" name="Title 1">
-            <a:extLst>
-              <a:ext uri="{FF2B5EF4-FFF2-40B4-BE49-F238E27FC236}">
-                <a16:creationId xmlns:a16="http://schemas.microsoft.com/office/drawing/2014/main" id="{BD8646FB-A153-48B2-9BAA-40B7C1C7652A}"/>
-              </a:ext>
-            </a:extLst>
-          </p:cNvPr>
+          <p:cNvPr id="2" name="Title 1"/>
           <p:cNvSpPr>
             <a:spLocks noGrp="1"/>
           </p:cNvSpPr>
@@ -165,19 +172,13 @@
               <a:rPr lang="en-US"/>
               <a:t>Click to edit Master title style</a:t>
             </a:r>
-            <a:endParaRPr lang="en-NZ"/>
+            <a:endParaRPr lang="en-US" dirty="0"/>
           </a:p>
         </p:txBody>
       </p:sp>
       <p:sp>
         <p:nvSpPr>
-          <p:cNvPr id="3" name="Subtitle 2">
-            <a:extLst>
-              <a:ext uri="{FF2B5EF4-FFF2-40B4-BE49-F238E27FC236}">
-                <a16:creationId xmlns:a16="http://schemas.microsoft.com/office/drawing/2014/main" id="{A3E332B5-FD26-4E46-94D0-328F8C29412C}"/>
-              </a:ext>
-            </a:extLst>
-          </p:cNvPr>
+          <p:cNvPr id="3" name="Subtitle 2"/>
           <p:cNvSpPr>
             <a:spLocks noGrp="1"/>
           </p:cNvSpPr>
@@ -236,19 +237,13 @@
               <a:rPr lang="en-US"/>
               <a:t>Click to edit Master subtitle style</a:t>
             </a:r>
-            <a:endParaRPr lang="en-NZ"/>
+            <a:endParaRPr lang="en-US" dirty="0"/>
           </a:p>
         </p:txBody>
       </p:sp>
       <p:sp>
         <p:nvSpPr>
-          <p:cNvPr id="4" name="Date Placeholder 3">
-            <a:extLst>
-              <a:ext uri="{FF2B5EF4-FFF2-40B4-BE49-F238E27FC236}">
-                <a16:creationId xmlns:a16="http://schemas.microsoft.com/office/drawing/2014/main" id="{0725D207-034C-4987-9ED7-8E0840CBA7FF}"/>
-              </a:ext>
-            </a:extLst>
-          </p:cNvPr>
+          <p:cNvPr id="4" name="Date Placeholder 3"/>
           <p:cNvSpPr>
             <a:spLocks noGrp="1"/>
           </p:cNvSpPr>
@@ -271,13 +266,7 @@
       </p:sp>
       <p:sp>
         <p:nvSpPr>
-          <p:cNvPr id="5" name="Footer Placeholder 4">
-            <a:extLst>
-              <a:ext uri="{FF2B5EF4-FFF2-40B4-BE49-F238E27FC236}">
-                <a16:creationId xmlns:a16="http://schemas.microsoft.com/office/drawing/2014/main" id="{C51CB107-0F46-4AA5-A141-C76ACE5D80D9}"/>
-              </a:ext>
-            </a:extLst>
-          </p:cNvPr>
+          <p:cNvPr id="5" name="Footer Placeholder 4"/>
           <p:cNvSpPr>
             <a:spLocks noGrp="1"/>
           </p:cNvSpPr>
@@ -296,13 +285,7 @@
       </p:sp>
       <p:sp>
         <p:nvSpPr>
-          <p:cNvPr id="6" name="Slide Number Placeholder 5">
-            <a:extLst>
-              <a:ext uri="{FF2B5EF4-FFF2-40B4-BE49-F238E27FC236}">
-                <a16:creationId xmlns:a16="http://schemas.microsoft.com/office/drawing/2014/main" id="{05DA259F-2390-4F99-AA17-6B30249B25CF}"/>
-              </a:ext>
-            </a:extLst>
-          </p:cNvPr>
+          <p:cNvPr id="6" name="Slide Number Placeholder 5"/>
           <p:cNvSpPr>
             <a:spLocks noGrp="1"/>
           </p:cNvSpPr>
@@ -326,7 +309,7 @@
     </p:spTree>
     <p:extLst>
       <p:ext uri="{BB962C8B-B14F-4D97-AF65-F5344CB8AC3E}">
-        <p14:creationId xmlns:p14="http://schemas.microsoft.com/office/powerpoint/2010/main" val="891260798"/>
+        <p14:creationId xmlns:p14="http://schemas.microsoft.com/office/powerpoint/2010/main" val="4276688719"/>
       </p:ext>
     </p:extLst>
   </p:cSld>
@@ -355,13 +338,7 @@
       </p:grpSpPr>
       <p:sp>
         <p:nvSpPr>
-          <p:cNvPr id="2" name="Title 1">
-            <a:extLst>
-              <a:ext uri="{FF2B5EF4-FFF2-40B4-BE49-F238E27FC236}">
-                <a16:creationId xmlns:a16="http://schemas.microsoft.com/office/drawing/2014/main" id="{58F9471F-2D28-4E5A-8D79-EB74125AD417}"/>
-              </a:ext>
-            </a:extLst>
-          </p:cNvPr>
+          <p:cNvPr id="2" name="Title 1"/>
           <p:cNvSpPr>
             <a:spLocks noGrp="1"/>
           </p:cNvSpPr>
@@ -378,19 +355,13 @@
               <a:rPr lang="en-US"/>
               <a:t>Click to edit Master title style</a:t>
             </a:r>
-            <a:endParaRPr lang="en-NZ"/>
+            <a:endParaRPr lang="en-US" dirty="0"/>
           </a:p>
         </p:txBody>
       </p:sp>
       <p:sp>
         <p:nvSpPr>
-          <p:cNvPr id="3" name="Vertical Text Placeholder 2">
-            <a:extLst>
-              <a:ext uri="{FF2B5EF4-FFF2-40B4-BE49-F238E27FC236}">
-                <a16:creationId xmlns:a16="http://schemas.microsoft.com/office/drawing/2014/main" id="{327524F6-F2EF-42F3-A1BB-50E2C6D1808C}"/>
-              </a:ext>
-            </a:extLst>
-          </p:cNvPr>
+          <p:cNvPr id="3" name="Vertical Text Placeholder 2"/>
           <p:cNvSpPr>
             <a:spLocks noGrp="1"/>
           </p:cNvSpPr>
@@ -436,19 +407,13 @@
               <a:rPr lang="en-US"/>
               <a:t>Fifth level</a:t>
             </a:r>
-            <a:endParaRPr lang="en-NZ"/>
+            <a:endParaRPr lang="en-US" dirty="0"/>
           </a:p>
         </p:txBody>
       </p:sp>
       <p:sp>
         <p:nvSpPr>
-          <p:cNvPr id="4" name="Date Placeholder 3">
-            <a:extLst>
-              <a:ext uri="{FF2B5EF4-FFF2-40B4-BE49-F238E27FC236}">
-                <a16:creationId xmlns:a16="http://schemas.microsoft.com/office/drawing/2014/main" id="{14322257-B7F1-4E73-A7BF-46CB52DDA77F}"/>
-              </a:ext>
-            </a:extLst>
-          </p:cNvPr>
+          <p:cNvPr id="4" name="Date Placeholder 3"/>
           <p:cNvSpPr>
             <a:spLocks noGrp="1"/>
           </p:cNvSpPr>
@@ -471,13 +436,7 @@
       </p:sp>
       <p:sp>
         <p:nvSpPr>
-          <p:cNvPr id="5" name="Footer Placeholder 4">
-            <a:extLst>
-              <a:ext uri="{FF2B5EF4-FFF2-40B4-BE49-F238E27FC236}">
-                <a16:creationId xmlns:a16="http://schemas.microsoft.com/office/drawing/2014/main" id="{5F5B2D3C-D1BC-48A1-BE9F-BC3DB6F6A4B5}"/>
-              </a:ext>
-            </a:extLst>
-          </p:cNvPr>
+          <p:cNvPr id="5" name="Footer Placeholder 4"/>
           <p:cNvSpPr>
             <a:spLocks noGrp="1"/>
           </p:cNvSpPr>
@@ -496,13 +455,7 @@
       </p:sp>
       <p:sp>
         <p:nvSpPr>
-          <p:cNvPr id="6" name="Slide Number Placeholder 5">
-            <a:extLst>
-              <a:ext uri="{FF2B5EF4-FFF2-40B4-BE49-F238E27FC236}">
-                <a16:creationId xmlns:a16="http://schemas.microsoft.com/office/drawing/2014/main" id="{26B6A184-CAFF-4CB7-B137-C9DB66F9D5D0}"/>
-              </a:ext>
-            </a:extLst>
-          </p:cNvPr>
+          <p:cNvPr id="6" name="Slide Number Placeholder 5"/>
           <p:cNvSpPr>
             <a:spLocks noGrp="1"/>
           </p:cNvSpPr>
@@ -526,7 +479,7 @@
     </p:spTree>
     <p:extLst>
       <p:ext uri="{BB962C8B-B14F-4D97-AF65-F5344CB8AC3E}">
-        <p14:creationId xmlns:p14="http://schemas.microsoft.com/office/powerpoint/2010/main" val="3985930434"/>
+        <p14:creationId xmlns:p14="http://schemas.microsoft.com/office/powerpoint/2010/main" val="312842105"/>
       </p:ext>
     </p:extLst>
   </p:cSld>
@@ -555,13 +508,7 @@
       </p:grpSpPr>
       <p:sp>
         <p:nvSpPr>
-          <p:cNvPr id="2" name="Vertical Title 1">
-            <a:extLst>
-              <a:ext uri="{FF2B5EF4-FFF2-40B4-BE49-F238E27FC236}">
-                <a16:creationId xmlns:a16="http://schemas.microsoft.com/office/drawing/2014/main" id="{8568583B-14AF-443F-8E46-F62014FD46FB}"/>
-              </a:ext>
-            </a:extLst>
-          </p:cNvPr>
+          <p:cNvPr id="2" name="Vertical Title 1"/>
           <p:cNvSpPr>
             <a:spLocks noGrp="1"/>
           </p:cNvSpPr>
@@ -583,19 +530,13 @@
               <a:rPr lang="en-US"/>
               <a:t>Click to edit Master title style</a:t>
             </a:r>
-            <a:endParaRPr lang="en-NZ"/>
+            <a:endParaRPr lang="en-US" dirty="0"/>
           </a:p>
         </p:txBody>
       </p:sp>
       <p:sp>
         <p:nvSpPr>
-          <p:cNvPr id="3" name="Vertical Text Placeholder 2">
-            <a:extLst>
-              <a:ext uri="{FF2B5EF4-FFF2-40B4-BE49-F238E27FC236}">
-                <a16:creationId xmlns:a16="http://schemas.microsoft.com/office/drawing/2014/main" id="{310ECB5E-9103-4313-9FF6-19B51B306437}"/>
-              </a:ext>
-            </a:extLst>
-          </p:cNvPr>
+          <p:cNvPr id="3" name="Vertical Text Placeholder 2"/>
           <p:cNvSpPr>
             <a:spLocks noGrp="1"/>
           </p:cNvSpPr>
@@ -646,19 +587,13 @@
               <a:rPr lang="en-US"/>
               <a:t>Fifth level</a:t>
             </a:r>
-            <a:endParaRPr lang="en-NZ"/>
+            <a:endParaRPr lang="en-US" dirty="0"/>
           </a:p>
         </p:txBody>
       </p:sp>
       <p:sp>
         <p:nvSpPr>
-          <p:cNvPr id="4" name="Date Placeholder 3">
-            <a:extLst>
-              <a:ext uri="{FF2B5EF4-FFF2-40B4-BE49-F238E27FC236}">
-                <a16:creationId xmlns:a16="http://schemas.microsoft.com/office/drawing/2014/main" id="{15878D42-1AEA-48AB-9367-44B87B7DCD4F}"/>
-              </a:ext>
-            </a:extLst>
-          </p:cNvPr>
+          <p:cNvPr id="4" name="Date Placeholder 3"/>
           <p:cNvSpPr>
             <a:spLocks noGrp="1"/>
           </p:cNvSpPr>
@@ -681,13 +616,7 @@
       </p:sp>
       <p:sp>
         <p:nvSpPr>
-          <p:cNvPr id="5" name="Footer Placeholder 4">
-            <a:extLst>
-              <a:ext uri="{FF2B5EF4-FFF2-40B4-BE49-F238E27FC236}">
-                <a16:creationId xmlns:a16="http://schemas.microsoft.com/office/drawing/2014/main" id="{25A1A1D1-C0DE-4ED9-9B71-E5677445D61E}"/>
-              </a:ext>
-            </a:extLst>
-          </p:cNvPr>
+          <p:cNvPr id="5" name="Footer Placeholder 4"/>
           <p:cNvSpPr>
             <a:spLocks noGrp="1"/>
           </p:cNvSpPr>
@@ -706,13 +635,7 @@
       </p:sp>
       <p:sp>
         <p:nvSpPr>
-          <p:cNvPr id="6" name="Slide Number Placeholder 5">
-            <a:extLst>
-              <a:ext uri="{FF2B5EF4-FFF2-40B4-BE49-F238E27FC236}">
-                <a16:creationId xmlns:a16="http://schemas.microsoft.com/office/drawing/2014/main" id="{DBF67E07-8711-45A3-AE67-C77F0749CF3C}"/>
-              </a:ext>
-            </a:extLst>
-          </p:cNvPr>
+          <p:cNvPr id="6" name="Slide Number Placeholder 5"/>
           <p:cNvSpPr>
             <a:spLocks noGrp="1"/>
           </p:cNvSpPr>
@@ -736,7 +659,7 @@
     </p:spTree>
     <p:extLst>
       <p:ext uri="{BB962C8B-B14F-4D97-AF65-F5344CB8AC3E}">
-        <p14:creationId xmlns:p14="http://schemas.microsoft.com/office/powerpoint/2010/main" val="3424702834"/>
+        <p14:creationId xmlns:p14="http://schemas.microsoft.com/office/powerpoint/2010/main" val="233047685"/>
       </p:ext>
     </p:extLst>
   </p:cSld>
@@ -765,13 +688,7 @@
       </p:grpSpPr>
       <p:sp>
         <p:nvSpPr>
-          <p:cNvPr id="2" name="Title 1">
-            <a:extLst>
-              <a:ext uri="{FF2B5EF4-FFF2-40B4-BE49-F238E27FC236}">
-                <a16:creationId xmlns:a16="http://schemas.microsoft.com/office/drawing/2014/main" id="{8254DE8C-D197-46D8-8E3D-AC13AA2DC181}"/>
-              </a:ext>
-            </a:extLst>
-          </p:cNvPr>
+          <p:cNvPr id="2" name="Title 1"/>
           <p:cNvSpPr>
             <a:spLocks noGrp="1"/>
           </p:cNvSpPr>
@@ -788,19 +705,13 @@
               <a:rPr lang="en-US"/>
               <a:t>Click to edit Master title style</a:t>
             </a:r>
-            <a:endParaRPr lang="en-NZ"/>
+            <a:endParaRPr lang="en-US" dirty="0"/>
           </a:p>
         </p:txBody>
       </p:sp>
       <p:sp>
         <p:nvSpPr>
-          <p:cNvPr id="3" name="Content Placeholder 2">
-            <a:extLst>
-              <a:ext uri="{FF2B5EF4-FFF2-40B4-BE49-F238E27FC236}">
-                <a16:creationId xmlns:a16="http://schemas.microsoft.com/office/drawing/2014/main" id="{88264873-1A18-468B-9A5B-05265358DADE}"/>
-              </a:ext>
-            </a:extLst>
-          </p:cNvPr>
+          <p:cNvPr id="3" name="Content Placeholder 2"/>
           <p:cNvSpPr>
             <a:spLocks noGrp="1"/>
           </p:cNvSpPr>
@@ -846,19 +757,13 @@
               <a:rPr lang="en-US"/>
               <a:t>Fifth level</a:t>
             </a:r>
-            <a:endParaRPr lang="en-NZ"/>
+            <a:endParaRPr lang="en-US" dirty="0"/>
           </a:p>
         </p:txBody>
       </p:sp>
       <p:sp>
         <p:nvSpPr>
-          <p:cNvPr id="4" name="Date Placeholder 3">
-            <a:extLst>
-              <a:ext uri="{FF2B5EF4-FFF2-40B4-BE49-F238E27FC236}">
-                <a16:creationId xmlns:a16="http://schemas.microsoft.com/office/drawing/2014/main" id="{CEC7273F-D1F2-4C94-B646-FFFEB7453A4F}"/>
-              </a:ext>
-            </a:extLst>
-          </p:cNvPr>
+          <p:cNvPr id="4" name="Date Placeholder 3"/>
           <p:cNvSpPr>
             <a:spLocks noGrp="1"/>
           </p:cNvSpPr>
@@ -881,13 +786,7 @@
       </p:sp>
       <p:sp>
         <p:nvSpPr>
-          <p:cNvPr id="5" name="Footer Placeholder 4">
-            <a:extLst>
-              <a:ext uri="{FF2B5EF4-FFF2-40B4-BE49-F238E27FC236}">
-                <a16:creationId xmlns:a16="http://schemas.microsoft.com/office/drawing/2014/main" id="{0470CE85-B631-4E9F-9B9D-E81C23278649}"/>
-              </a:ext>
-            </a:extLst>
-          </p:cNvPr>
+          <p:cNvPr id="5" name="Footer Placeholder 4"/>
           <p:cNvSpPr>
             <a:spLocks noGrp="1"/>
           </p:cNvSpPr>
@@ -906,13 +805,7 @@
       </p:sp>
       <p:sp>
         <p:nvSpPr>
-          <p:cNvPr id="6" name="Slide Number Placeholder 5">
-            <a:extLst>
-              <a:ext uri="{FF2B5EF4-FFF2-40B4-BE49-F238E27FC236}">
-                <a16:creationId xmlns:a16="http://schemas.microsoft.com/office/drawing/2014/main" id="{116F0772-A44E-4F3D-B3B8-E171834EEEE0}"/>
-              </a:ext>
-            </a:extLst>
-          </p:cNvPr>
+          <p:cNvPr id="6" name="Slide Number Placeholder 5"/>
           <p:cNvSpPr>
             <a:spLocks noGrp="1"/>
           </p:cNvSpPr>
@@ -936,7 +829,7 @@
     </p:spTree>
     <p:extLst>
       <p:ext uri="{BB962C8B-B14F-4D97-AF65-F5344CB8AC3E}">
-        <p14:creationId xmlns:p14="http://schemas.microsoft.com/office/powerpoint/2010/main" val="2798035045"/>
+        <p14:creationId xmlns:p14="http://schemas.microsoft.com/office/powerpoint/2010/main" val="3562723325"/>
       </p:ext>
     </p:extLst>
   </p:cSld>
@@ -965,13 +858,7 @@
       </p:grpSpPr>
       <p:sp>
         <p:nvSpPr>
-          <p:cNvPr id="2" name="Title 1">
-            <a:extLst>
-              <a:ext uri="{FF2B5EF4-FFF2-40B4-BE49-F238E27FC236}">
-                <a16:creationId xmlns:a16="http://schemas.microsoft.com/office/drawing/2014/main" id="{07AC7461-2C56-480A-AB00-C123D4C6FA7C}"/>
-              </a:ext>
-            </a:extLst>
-          </p:cNvPr>
+          <p:cNvPr id="2" name="Title 1"/>
           <p:cNvSpPr>
             <a:spLocks noGrp="1"/>
           </p:cNvSpPr>
@@ -997,19 +884,13 @@
               <a:rPr lang="en-US"/>
               <a:t>Click to edit Master title style</a:t>
             </a:r>
-            <a:endParaRPr lang="en-NZ"/>
+            <a:endParaRPr lang="en-US" dirty="0"/>
           </a:p>
         </p:txBody>
       </p:sp>
       <p:sp>
         <p:nvSpPr>
-          <p:cNvPr id="3" name="Text Placeholder 2">
-            <a:extLst>
-              <a:ext uri="{FF2B5EF4-FFF2-40B4-BE49-F238E27FC236}">
-                <a16:creationId xmlns:a16="http://schemas.microsoft.com/office/drawing/2014/main" id="{AB4578BF-B1E7-431E-B76A-BA0B418E33BF}"/>
-              </a:ext>
-            </a:extLst>
-          </p:cNvPr>
+          <p:cNvPr id="3" name="Text Placeholder 2"/>
           <p:cNvSpPr>
             <a:spLocks noGrp="1"/>
           </p:cNvSpPr>
@@ -1128,13 +1009,7 @@
       </p:sp>
       <p:sp>
         <p:nvSpPr>
-          <p:cNvPr id="4" name="Date Placeholder 3">
-            <a:extLst>
-              <a:ext uri="{FF2B5EF4-FFF2-40B4-BE49-F238E27FC236}">
-                <a16:creationId xmlns:a16="http://schemas.microsoft.com/office/drawing/2014/main" id="{D3A8CDD0-3437-4627-9F18-C938A2E1148A}"/>
-              </a:ext>
-            </a:extLst>
-          </p:cNvPr>
+          <p:cNvPr id="4" name="Date Placeholder 3"/>
           <p:cNvSpPr>
             <a:spLocks noGrp="1"/>
           </p:cNvSpPr>
@@ -1157,13 +1032,7 @@
       </p:sp>
       <p:sp>
         <p:nvSpPr>
-          <p:cNvPr id="5" name="Footer Placeholder 4">
-            <a:extLst>
-              <a:ext uri="{FF2B5EF4-FFF2-40B4-BE49-F238E27FC236}">
-                <a16:creationId xmlns:a16="http://schemas.microsoft.com/office/drawing/2014/main" id="{8683BEBD-F72E-4A32-B60A-E4D1C1238C3C}"/>
-              </a:ext>
-            </a:extLst>
-          </p:cNvPr>
+          <p:cNvPr id="5" name="Footer Placeholder 4"/>
           <p:cNvSpPr>
             <a:spLocks noGrp="1"/>
           </p:cNvSpPr>
@@ -1182,13 +1051,7 @@
       </p:sp>
       <p:sp>
         <p:nvSpPr>
-          <p:cNvPr id="6" name="Slide Number Placeholder 5">
-            <a:extLst>
-              <a:ext uri="{FF2B5EF4-FFF2-40B4-BE49-F238E27FC236}">
-                <a16:creationId xmlns:a16="http://schemas.microsoft.com/office/drawing/2014/main" id="{B348F5F3-5DA1-4B1A-BC3C-FE8AAB99BDBE}"/>
-              </a:ext>
-            </a:extLst>
-          </p:cNvPr>
+          <p:cNvPr id="6" name="Slide Number Placeholder 5"/>
           <p:cNvSpPr>
             <a:spLocks noGrp="1"/>
           </p:cNvSpPr>
@@ -1212,7 +1075,7 @@
     </p:spTree>
     <p:extLst>
       <p:ext uri="{BB962C8B-B14F-4D97-AF65-F5344CB8AC3E}">
-        <p14:creationId xmlns:p14="http://schemas.microsoft.com/office/powerpoint/2010/main" val="1846507186"/>
+        <p14:creationId xmlns:p14="http://schemas.microsoft.com/office/powerpoint/2010/main" val="1960852470"/>
       </p:ext>
     </p:extLst>
   </p:cSld>
@@ -1241,13 +1104,7 @@
       </p:grpSpPr>
       <p:sp>
         <p:nvSpPr>
-          <p:cNvPr id="2" name="Title 1">
-            <a:extLst>
-              <a:ext uri="{FF2B5EF4-FFF2-40B4-BE49-F238E27FC236}">
-                <a16:creationId xmlns:a16="http://schemas.microsoft.com/office/drawing/2014/main" id="{03F6FFE0-2A2B-47AF-BB8B-454820BB0CEE}"/>
-              </a:ext>
-            </a:extLst>
-          </p:cNvPr>
+          <p:cNvPr id="2" name="Title 1"/>
           <p:cNvSpPr>
             <a:spLocks noGrp="1"/>
           </p:cNvSpPr>
@@ -1264,19 +1121,13 @@
               <a:rPr lang="en-US"/>
               <a:t>Click to edit Master title style</a:t>
             </a:r>
-            <a:endParaRPr lang="en-NZ"/>
+            <a:endParaRPr lang="en-US" dirty="0"/>
           </a:p>
         </p:txBody>
       </p:sp>
       <p:sp>
         <p:nvSpPr>
-          <p:cNvPr id="3" name="Content Placeholder 2">
-            <a:extLst>
-              <a:ext uri="{FF2B5EF4-FFF2-40B4-BE49-F238E27FC236}">
-                <a16:creationId xmlns:a16="http://schemas.microsoft.com/office/drawing/2014/main" id="{0EA41ED5-8F7C-4521-B15F-FE7F62F05AA4}"/>
-              </a:ext>
-            </a:extLst>
-          </p:cNvPr>
+          <p:cNvPr id="3" name="Content Placeholder 2"/>
           <p:cNvSpPr>
             <a:spLocks noGrp="1"/>
           </p:cNvSpPr>
@@ -1327,19 +1178,13 @@
               <a:rPr lang="en-US"/>
               <a:t>Fifth level</a:t>
             </a:r>
-            <a:endParaRPr lang="en-NZ"/>
+            <a:endParaRPr lang="en-US" dirty="0"/>
           </a:p>
         </p:txBody>
       </p:sp>
       <p:sp>
         <p:nvSpPr>
-          <p:cNvPr id="4" name="Content Placeholder 3">
-            <a:extLst>
-              <a:ext uri="{FF2B5EF4-FFF2-40B4-BE49-F238E27FC236}">
-                <a16:creationId xmlns:a16="http://schemas.microsoft.com/office/drawing/2014/main" id="{3F18F054-EF1A-4EE4-9B6B-2EF937C25A46}"/>
-              </a:ext>
-            </a:extLst>
-          </p:cNvPr>
+          <p:cNvPr id="4" name="Content Placeholder 3"/>
           <p:cNvSpPr>
             <a:spLocks noGrp="1"/>
           </p:cNvSpPr>
@@ -1390,19 +1235,13 @@
               <a:rPr lang="en-US"/>
               <a:t>Fifth level</a:t>
             </a:r>
-            <a:endParaRPr lang="en-NZ"/>
+            <a:endParaRPr lang="en-US" dirty="0"/>
           </a:p>
         </p:txBody>
       </p:sp>
       <p:sp>
         <p:nvSpPr>
-          <p:cNvPr id="5" name="Date Placeholder 4">
-            <a:extLst>
-              <a:ext uri="{FF2B5EF4-FFF2-40B4-BE49-F238E27FC236}">
-                <a16:creationId xmlns:a16="http://schemas.microsoft.com/office/drawing/2014/main" id="{71970436-34ED-429C-8144-0992A1641D63}"/>
-              </a:ext>
-            </a:extLst>
-          </p:cNvPr>
+          <p:cNvPr id="5" name="Date Placeholder 4"/>
           <p:cNvSpPr>
             <a:spLocks noGrp="1"/>
           </p:cNvSpPr>
@@ -1425,13 +1264,7 @@
       </p:sp>
       <p:sp>
         <p:nvSpPr>
-          <p:cNvPr id="6" name="Footer Placeholder 5">
-            <a:extLst>
-              <a:ext uri="{FF2B5EF4-FFF2-40B4-BE49-F238E27FC236}">
-                <a16:creationId xmlns:a16="http://schemas.microsoft.com/office/drawing/2014/main" id="{EB593C82-D132-4E6C-B135-1FAD61CB237F}"/>
-              </a:ext>
-            </a:extLst>
-          </p:cNvPr>
+          <p:cNvPr id="6" name="Footer Placeholder 5"/>
           <p:cNvSpPr>
             <a:spLocks noGrp="1"/>
           </p:cNvSpPr>
@@ -1450,13 +1283,7 @@
       </p:sp>
       <p:sp>
         <p:nvSpPr>
-          <p:cNvPr id="7" name="Slide Number Placeholder 6">
-            <a:extLst>
-              <a:ext uri="{FF2B5EF4-FFF2-40B4-BE49-F238E27FC236}">
-                <a16:creationId xmlns:a16="http://schemas.microsoft.com/office/drawing/2014/main" id="{2FCD45C6-BFD4-4765-9EE8-343FA059EFD9}"/>
-              </a:ext>
-            </a:extLst>
-          </p:cNvPr>
+          <p:cNvPr id="7" name="Slide Number Placeholder 6"/>
           <p:cNvSpPr>
             <a:spLocks noGrp="1"/>
           </p:cNvSpPr>
@@ -1480,7 +1307,7 @@
     </p:spTree>
     <p:extLst>
       <p:ext uri="{BB962C8B-B14F-4D97-AF65-F5344CB8AC3E}">
-        <p14:creationId xmlns:p14="http://schemas.microsoft.com/office/powerpoint/2010/main" val="1933525465"/>
+        <p14:creationId xmlns:p14="http://schemas.microsoft.com/office/powerpoint/2010/main" val="2304233054"/>
       </p:ext>
     </p:extLst>
   </p:cSld>
@@ -1509,13 +1336,7 @@
       </p:grpSpPr>
       <p:sp>
         <p:nvSpPr>
-          <p:cNvPr id="2" name="Title 1">
-            <a:extLst>
-              <a:ext uri="{FF2B5EF4-FFF2-40B4-BE49-F238E27FC236}">
-                <a16:creationId xmlns:a16="http://schemas.microsoft.com/office/drawing/2014/main" id="{E755EBBB-357A-49F2-9362-3E87262274E3}"/>
-              </a:ext>
-            </a:extLst>
-          </p:cNvPr>
+          <p:cNvPr id="2" name="Title 1"/>
           <p:cNvSpPr>
             <a:spLocks noGrp="1"/>
           </p:cNvSpPr>
@@ -1537,19 +1358,13 @@
               <a:rPr lang="en-US"/>
               <a:t>Click to edit Master title style</a:t>
             </a:r>
-            <a:endParaRPr lang="en-NZ"/>
+            <a:endParaRPr lang="en-US" dirty="0"/>
           </a:p>
         </p:txBody>
       </p:sp>
       <p:sp>
         <p:nvSpPr>
-          <p:cNvPr id="3" name="Text Placeholder 2">
-            <a:extLst>
-              <a:ext uri="{FF2B5EF4-FFF2-40B4-BE49-F238E27FC236}">
-                <a16:creationId xmlns:a16="http://schemas.microsoft.com/office/drawing/2014/main" id="{78127724-55C1-45A6-8C39-CE4762D90D89}"/>
-              </a:ext>
-            </a:extLst>
-          </p:cNvPr>
+          <p:cNvPr id="3" name="Text Placeholder 2"/>
           <p:cNvSpPr>
             <a:spLocks noGrp="1"/>
           </p:cNvSpPr>
@@ -1614,13 +1429,7 @@
       </p:sp>
       <p:sp>
         <p:nvSpPr>
-          <p:cNvPr id="4" name="Content Placeholder 3">
-            <a:extLst>
-              <a:ext uri="{FF2B5EF4-FFF2-40B4-BE49-F238E27FC236}">
-                <a16:creationId xmlns:a16="http://schemas.microsoft.com/office/drawing/2014/main" id="{92A56322-B647-4967-B815-A3A63D5B748A}"/>
-              </a:ext>
-            </a:extLst>
-          </p:cNvPr>
+          <p:cNvPr id="4" name="Content Placeholder 3"/>
           <p:cNvSpPr>
             <a:spLocks noGrp="1"/>
           </p:cNvSpPr>
@@ -1671,19 +1480,13 @@
               <a:rPr lang="en-US"/>
               <a:t>Fifth level</a:t>
             </a:r>
-            <a:endParaRPr lang="en-NZ"/>
+            <a:endParaRPr lang="en-US" dirty="0"/>
           </a:p>
         </p:txBody>
       </p:sp>
       <p:sp>
         <p:nvSpPr>
-          <p:cNvPr id="5" name="Text Placeholder 4">
-            <a:extLst>
-              <a:ext uri="{FF2B5EF4-FFF2-40B4-BE49-F238E27FC236}">
-                <a16:creationId xmlns:a16="http://schemas.microsoft.com/office/drawing/2014/main" id="{08683748-2822-4096-B9DF-CDA0CEE0186B}"/>
-              </a:ext>
-            </a:extLst>
-          </p:cNvPr>
+          <p:cNvPr id="5" name="Text Placeholder 4"/>
           <p:cNvSpPr>
             <a:spLocks noGrp="1"/>
           </p:cNvSpPr>
@@ -1748,13 +1551,7 @@
       </p:sp>
       <p:sp>
         <p:nvSpPr>
-          <p:cNvPr id="6" name="Content Placeholder 5">
-            <a:extLst>
-              <a:ext uri="{FF2B5EF4-FFF2-40B4-BE49-F238E27FC236}">
-                <a16:creationId xmlns:a16="http://schemas.microsoft.com/office/drawing/2014/main" id="{B5A13256-0382-4899-8A21-7BB42469620B}"/>
-              </a:ext>
-            </a:extLst>
-          </p:cNvPr>
+          <p:cNvPr id="6" name="Content Placeholder 5"/>
           <p:cNvSpPr>
             <a:spLocks noGrp="1"/>
           </p:cNvSpPr>
@@ -1805,19 +1602,13 @@
               <a:rPr lang="en-US"/>
               <a:t>Fifth level</a:t>
             </a:r>
-            <a:endParaRPr lang="en-NZ"/>
+            <a:endParaRPr lang="en-US" dirty="0"/>
           </a:p>
         </p:txBody>
       </p:sp>
       <p:sp>
         <p:nvSpPr>
-          <p:cNvPr id="7" name="Date Placeholder 6">
-            <a:extLst>
-              <a:ext uri="{FF2B5EF4-FFF2-40B4-BE49-F238E27FC236}">
-                <a16:creationId xmlns:a16="http://schemas.microsoft.com/office/drawing/2014/main" id="{C0D619A4-6070-41B2-B704-C127092753F1}"/>
-              </a:ext>
-            </a:extLst>
-          </p:cNvPr>
+          <p:cNvPr id="7" name="Date Placeholder 6"/>
           <p:cNvSpPr>
             <a:spLocks noGrp="1"/>
           </p:cNvSpPr>
@@ -1840,13 +1631,7 @@
       </p:sp>
       <p:sp>
         <p:nvSpPr>
-          <p:cNvPr id="8" name="Footer Placeholder 7">
-            <a:extLst>
-              <a:ext uri="{FF2B5EF4-FFF2-40B4-BE49-F238E27FC236}">
-                <a16:creationId xmlns:a16="http://schemas.microsoft.com/office/drawing/2014/main" id="{40FABA22-DC59-4E82-82C1-C5E137E6AADE}"/>
-              </a:ext>
-            </a:extLst>
-          </p:cNvPr>
+          <p:cNvPr id="8" name="Footer Placeholder 7"/>
           <p:cNvSpPr>
             <a:spLocks noGrp="1"/>
           </p:cNvSpPr>
@@ -1865,13 +1650,7 @@
       </p:sp>
       <p:sp>
         <p:nvSpPr>
-          <p:cNvPr id="9" name="Slide Number Placeholder 8">
-            <a:extLst>
-              <a:ext uri="{FF2B5EF4-FFF2-40B4-BE49-F238E27FC236}">
-                <a16:creationId xmlns:a16="http://schemas.microsoft.com/office/drawing/2014/main" id="{A04F6886-8732-49DC-A114-07AE52F45922}"/>
-              </a:ext>
-            </a:extLst>
-          </p:cNvPr>
+          <p:cNvPr id="9" name="Slide Number Placeholder 8"/>
           <p:cNvSpPr>
             <a:spLocks noGrp="1"/>
           </p:cNvSpPr>
@@ -1895,7 +1674,7 @@
     </p:spTree>
     <p:extLst>
       <p:ext uri="{BB962C8B-B14F-4D97-AF65-F5344CB8AC3E}">
-        <p14:creationId xmlns:p14="http://schemas.microsoft.com/office/powerpoint/2010/main" val="1778123971"/>
+        <p14:creationId xmlns:p14="http://schemas.microsoft.com/office/powerpoint/2010/main" val="3095464261"/>
       </p:ext>
     </p:extLst>
   </p:cSld>
@@ -1924,13 +1703,7 @@
       </p:grpSpPr>
       <p:sp>
         <p:nvSpPr>
-          <p:cNvPr id="2" name="Title 1">
-            <a:extLst>
-              <a:ext uri="{FF2B5EF4-FFF2-40B4-BE49-F238E27FC236}">
-                <a16:creationId xmlns:a16="http://schemas.microsoft.com/office/drawing/2014/main" id="{BD6C55F0-3419-40DF-BE0F-2CC438A53E3F}"/>
-              </a:ext>
-            </a:extLst>
-          </p:cNvPr>
+          <p:cNvPr id="2" name="Title 1"/>
           <p:cNvSpPr>
             <a:spLocks noGrp="1"/>
           </p:cNvSpPr>
@@ -1947,19 +1720,13 @@
               <a:rPr lang="en-US"/>
               <a:t>Click to edit Master title style</a:t>
             </a:r>
-            <a:endParaRPr lang="en-NZ"/>
+            <a:endParaRPr lang="en-US" dirty="0"/>
           </a:p>
         </p:txBody>
       </p:sp>
       <p:sp>
         <p:nvSpPr>
-          <p:cNvPr id="3" name="Date Placeholder 2">
-            <a:extLst>
-              <a:ext uri="{FF2B5EF4-FFF2-40B4-BE49-F238E27FC236}">
-                <a16:creationId xmlns:a16="http://schemas.microsoft.com/office/drawing/2014/main" id="{EA7DF696-4D71-4E1D-87EA-C83B94904557}"/>
-              </a:ext>
-            </a:extLst>
-          </p:cNvPr>
+          <p:cNvPr id="3" name="Date Placeholder 2"/>
           <p:cNvSpPr>
             <a:spLocks noGrp="1"/>
           </p:cNvSpPr>
@@ -1982,13 +1749,7 @@
       </p:sp>
       <p:sp>
         <p:nvSpPr>
-          <p:cNvPr id="4" name="Footer Placeholder 3">
-            <a:extLst>
-              <a:ext uri="{FF2B5EF4-FFF2-40B4-BE49-F238E27FC236}">
-                <a16:creationId xmlns:a16="http://schemas.microsoft.com/office/drawing/2014/main" id="{AEAF4726-F137-4F39-940C-5A0313B10783}"/>
-              </a:ext>
-            </a:extLst>
-          </p:cNvPr>
+          <p:cNvPr id="4" name="Footer Placeholder 3"/>
           <p:cNvSpPr>
             <a:spLocks noGrp="1"/>
           </p:cNvSpPr>
@@ -2007,13 +1768,7 @@
       </p:sp>
       <p:sp>
         <p:nvSpPr>
-          <p:cNvPr id="5" name="Slide Number Placeholder 4">
-            <a:extLst>
-              <a:ext uri="{FF2B5EF4-FFF2-40B4-BE49-F238E27FC236}">
-                <a16:creationId xmlns:a16="http://schemas.microsoft.com/office/drawing/2014/main" id="{7947528B-61BD-4313-81C3-BEE984BB00BB}"/>
-              </a:ext>
-            </a:extLst>
-          </p:cNvPr>
+          <p:cNvPr id="5" name="Slide Number Placeholder 4"/>
           <p:cNvSpPr>
             <a:spLocks noGrp="1"/>
           </p:cNvSpPr>
@@ -2037,7 +1792,7 @@
     </p:spTree>
     <p:extLst>
       <p:ext uri="{BB962C8B-B14F-4D97-AF65-F5344CB8AC3E}">
-        <p14:creationId xmlns:p14="http://schemas.microsoft.com/office/powerpoint/2010/main" val="514673162"/>
+        <p14:creationId xmlns:p14="http://schemas.microsoft.com/office/powerpoint/2010/main" val="428790411"/>
       </p:ext>
     </p:extLst>
   </p:cSld>
@@ -2066,13 +1821,7 @@
       </p:grpSpPr>
       <p:sp>
         <p:nvSpPr>
-          <p:cNvPr id="2" name="Date Placeholder 1">
-            <a:extLst>
-              <a:ext uri="{FF2B5EF4-FFF2-40B4-BE49-F238E27FC236}">
-                <a16:creationId xmlns:a16="http://schemas.microsoft.com/office/drawing/2014/main" id="{D9AB04AE-879D-4BAC-B1FA-C5C95D862F52}"/>
-              </a:ext>
-            </a:extLst>
-          </p:cNvPr>
+          <p:cNvPr id="2" name="Date Placeholder 1"/>
           <p:cNvSpPr>
             <a:spLocks noGrp="1"/>
           </p:cNvSpPr>
@@ -2095,13 +1844,7 @@
       </p:sp>
       <p:sp>
         <p:nvSpPr>
-          <p:cNvPr id="3" name="Footer Placeholder 2">
-            <a:extLst>
-              <a:ext uri="{FF2B5EF4-FFF2-40B4-BE49-F238E27FC236}">
-                <a16:creationId xmlns:a16="http://schemas.microsoft.com/office/drawing/2014/main" id="{019B9241-7319-44B0-8AD7-D884A746EC45}"/>
-              </a:ext>
-            </a:extLst>
-          </p:cNvPr>
+          <p:cNvPr id="3" name="Footer Placeholder 2"/>
           <p:cNvSpPr>
             <a:spLocks noGrp="1"/>
           </p:cNvSpPr>
@@ -2120,13 +1863,7 @@
       </p:sp>
       <p:sp>
         <p:nvSpPr>
-          <p:cNvPr id="4" name="Slide Number Placeholder 3">
-            <a:extLst>
-              <a:ext uri="{FF2B5EF4-FFF2-40B4-BE49-F238E27FC236}">
-                <a16:creationId xmlns:a16="http://schemas.microsoft.com/office/drawing/2014/main" id="{C15B37E4-AC67-43C6-AAFD-BD1D2D1E8E8F}"/>
-              </a:ext>
-            </a:extLst>
-          </p:cNvPr>
+          <p:cNvPr id="4" name="Slide Number Placeholder 3"/>
           <p:cNvSpPr>
             <a:spLocks noGrp="1"/>
           </p:cNvSpPr>
@@ -2150,7 +1887,7 @@
     </p:spTree>
     <p:extLst>
       <p:ext uri="{BB962C8B-B14F-4D97-AF65-F5344CB8AC3E}">
-        <p14:creationId xmlns:p14="http://schemas.microsoft.com/office/powerpoint/2010/main" val="4017736093"/>
+        <p14:creationId xmlns:p14="http://schemas.microsoft.com/office/powerpoint/2010/main" val="2085288751"/>
       </p:ext>
     </p:extLst>
   </p:cSld>
@@ -2179,13 +1916,7 @@
       </p:grpSpPr>
       <p:sp>
         <p:nvSpPr>
-          <p:cNvPr id="2" name="Title 1">
-            <a:extLst>
-              <a:ext uri="{FF2B5EF4-FFF2-40B4-BE49-F238E27FC236}">
-                <a16:creationId xmlns:a16="http://schemas.microsoft.com/office/drawing/2014/main" id="{40C70471-1060-41D6-B72F-A9C823555856}"/>
-              </a:ext>
-            </a:extLst>
-          </p:cNvPr>
+          <p:cNvPr id="2" name="Title 1"/>
           <p:cNvSpPr>
             <a:spLocks noGrp="1"/>
           </p:cNvSpPr>
@@ -2211,19 +1942,13 @@
               <a:rPr lang="en-US"/>
               <a:t>Click to edit Master title style</a:t>
             </a:r>
-            <a:endParaRPr lang="en-NZ"/>
+            <a:endParaRPr lang="en-US" dirty="0"/>
           </a:p>
         </p:txBody>
       </p:sp>
       <p:sp>
         <p:nvSpPr>
-          <p:cNvPr id="3" name="Content Placeholder 2">
-            <a:extLst>
-              <a:ext uri="{FF2B5EF4-FFF2-40B4-BE49-F238E27FC236}">
-                <a16:creationId xmlns:a16="http://schemas.microsoft.com/office/drawing/2014/main" id="{00934F87-609F-4214-B2C5-21FC5B5A4064}"/>
-              </a:ext>
-            </a:extLst>
-          </p:cNvPr>
+          <p:cNvPr id="3" name="Content Placeholder 2"/>
           <p:cNvSpPr>
             <a:spLocks noGrp="1"/>
           </p:cNvSpPr>
@@ -2302,19 +2027,13 @@
               <a:rPr lang="en-US"/>
               <a:t>Fifth level</a:t>
             </a:r>
-            <a:endParaRPr lang="en-NZ"/>
+            <a:endParaRPr lang="en-US" dirty="0"/>
           </a:p>
         </p:txBody>
       </p:sp>
       <p:sp>
         <p:nvSpPr>
-          <p:cNvPr id="4" name="Text Placeholder 3">
-            <a:extLst>
-              <a:ext uri="{FF2B5EF4-FFF2-40B4-BE49-F238E27FC236}">
-                <a16:creationId xmlns:a16="http://schemas.microsoft.com/office/drawing/2014/main" id="{318D696F-5495-4351-9B04-29C74600BE78}"/>
-              </a:ext>
-            </a:extLst>
-          </p:cNvPr>
+          <p:cNvPr id="4" name="Text Placeholder 3"/>
           <p:cNvSpPr>
             <a:spLocks noGrp="1"/>
           </p:cNvSpPr>
@@ -2379,13 +2098,7 @@
       </p:sp>
       <p:sp>
         <p:nvSpPr>
-          <p:cNvPr id="5" name="Date Placeholder 4">
-            <a:extLst>
-              <a:ext uri="{FF2B5EF4-FFF2-40B4-BE49-F238E27FC236}">
-                <a16:creationId xmlns:a16="http://schemas.microsoft.com/office/drawing/2014/main" id="{F619AE52-3620-4BA0-8547-761898A80CD0}"/>
-              </a:ext>
-            </a:extLst>
-          </p:cNvPr>
+          <p:cNvPr id="5" name="Date Placeholder 4"/>
           <p:cNvSpPr>
             <a:spLocks noGrp="1"/>
           </p:cNvSpPr>
@@ -2408,13 +2121,7 @@
       </p:sp>
       <p:sp>
         <p:nvSpPr>
-          <p:cNvPr id="6" name="Footer Placeholder 5">
-            <a:extLst>
-              <a:ext uri="{FF2B5EF4-FFF2-40B4-BE49-F238E27FC236}">
-                <a16:creationId xmlns:a16="http://schemas.microsoft.com/office/drawing/2014/main" id="{DF8A0D05-C525-4624-A654-2D1D3110A892}"/>
-              </a:ext>
-            </a:extLst>
-          </p:cNvPr>
+          <p:cNvPr id="6" name="Footer Placeholder 5"/>
           <p:cNvSpPr>
             <a:spLocks noGrp="1"/>
           </p:cNvSpPr>
@@ -2433,13 +2140,7 @@
       </p:sp>
       <p:sp>
         <p:nvSpPr>
-          <p:cNvPr id="7" name="Slide Number Placeholder 6">
-            <a:extLst>
-              <a:ext uri="{FF2B5EF4-FFF2-40B4-BE49-F238E27FC236}">
-                <a16:creationId xmlns:a16="http://schemas.microsoft.com/office/drawing/2014/main" id="{D5B47DF1-F42E-494B-87AF-8F5F41D9B32D}"/>
-              </a:ext>
-            </a:extLst>
-          </p:cNvPr>
+          <p:cNvPr id="7" name="Slide Number Placeholder 6"/>
           <p:cNvSpPr>
             <a:spLocks noGrp="1"/>
           </p:cNvSpPr>
@@ -2463,7 +2164,7 @@
     </p:spTree>
     <p:extLst>
       <p:ext uri="{BB962C8B-B14F-4D97-AF65-F5344CB8AC3E}">
-        <p14:creationId xmlns:p14="http://schemas.microsoft.com/office/powerpoint/2010/main" val="2898460683"/>
+        <p14:creationId xmlns:p14="http://schemas.microsoft.com/office/powerpoint/2010/main" val="3485039265"/>
       </p:ext>
     </p:extLst>
   </p:cSld>
@@ -2492,13 +2193,7 @@
       </p:grpSpPr>
       <p:sp>
         <p:nvSpPr>
-          <p:cNvPr id="2" name="Title 1">
-            <a:extLst>
-              <a:ext uri="{FF2B5EF4-FFF2-40B4-BE49-F238E27FC236}">
-                <a16:creationId xmlns:a16="http://schemas.microsoft.com/office/drawing/2014/main" id="{6FF54235-ADE8-4F9D-94F8-7F0954AA8992}"/>
-              </a:ext>
-            </a:extLst>
-          </p:cNvPr>
+          <p:cNvPr id="2" name="Title 1"/>
           <p:cNvSpPr>
             <a:spLocks noGrp="1"/>
           </p:cNvSpPr>
@@ -2524,21 +2219,15 @@
               <a:rPr lang="en-US"/>
               <a:t>Click to edit Master title style</a:t>
             </a:r>
-            <a:endParaRPr lang="en-NZ"/>
+            <a:endParaRPr lang="en-US" dirty="0"/>
           </a:p>
         </p:txBody>
       </p:sp>
       <p:sp>
         <p:nvSpPr>
-          <p:cNvPr id="3" name="Picture Placeholder 2">
-            <a:extLst>
-              <a:ext uri="{FF2B5EF4-FFF2-40B4-BE49-F238E27FC236}">
-                <a16:creationId xmlns:a16="http://schemas.microsoft.com/office/drawing/2014/main" id="{1AC65944-CE2A-4814-8CBF-384092919643}"/>
-              </a:ext>
-            </a:extLst>
-          </p:cNvPr>
+          <p:cNvPr id="3" name="Picture Placeholder 2"/>
           <p:cNvSpPr>
-            <a:spLocks noGrp="1"/>
+            <a:spLocks noGrp="1" noChangeAspect="1"/>
           </p:cNvSpPr>
           <p:nvPr>
             <p:ph type="pic" idx="1"/>
@@ -2551,7 +2240,7 @@
           </a:xfrm>
         </p:spPr>
         <p:txBody>
-          <a:bodyPr/>
+          <a:bodyPr anchor="t"/>
           <a:lstStyle>
             <a:lvl1pPr marL="0" indent="0">
               <a:buNone/>
@@ -2591,19 +2280,17 @@
             </a:lvl9pPr>
           </a:lstStyle>
           <a:p>
-            <a:endParaRPr lang="en-NZ"/>
+            <a:r>
+              <a:rPr lang="en-US"/>
+              <a:t>Click icon to add picture</a:t>
+            </a:r>
+            <a:endParaRPr lang="en-US" dirty="0"/>
           </a:p>
         </p:txBody>
       </p:sp>
       <p:sp>
         <p:nvSpPr>
-          <p:cNvPr id="4" name="Text Placeholder 3">
-            <a:extLst>
-              <a:ext uri="{FF2B5EF4-FFF2-40B4-BE49-F238E27FC236}">
-                <a16:creationId xmlns:a16="http://schemas.microsoft.com/office/drawing/2014/main" id="{8C486461-219F-424C-ABD5-356926613580}"/>
-              </a:ext>
-            </a:extLst>
-          </p:cNvPr>
+          <p:cNvPr id="4" name="Text Placeholder 3"/>
           <p:cNvSpPr>
             <a:spLocks noGrp="1"/>
           </p:cNvSpPr>
@@ -2668,13 +2355,7 @@
       </p:sp>
       <p:sp>
         <p:nvSpPr>
-          <p:cNvPr id="5" name="Date Placeholder 4">
-            <a:extLst>
-              <a:ext uri="{FF2B5EF4-FFF2-40B4-BE49-F238E27FC236}">
-                <a16:creationId xmlns:a16="http://schemas.microsoft.com/office/drawing/2014/main" id="{8512FA71-A9C2-4113-9731-B37B0896DD59}"/>
-              </a:ext>
-            </a:extLst>
-          </p:cNvPr>
+          <p:cNvPr id="5" name="Date Placeholder 4"/>
           <p:cNvSpPr>
             <a:spLocks noGrp="1"/>
           </p:cNvSpPr>
@@ -2697,13 +2378,7 @@
       </p:sp>
       <p:sp>
         <p:nvSpPr>
-          <p:cNvPr id="6" name="Footer Placeholder 5">
-            <a:extLst>
-              <a:ext uri="{FF2B5EF4-FFF2-40B4-BE49-F238E27FC236}">
-                <a16:creationId xmlns:a16="http://schemas.microsoft.com/office/drawing/2014/main" id="{C0888B10-3E7C-4F07-AE3E-FDEA400E6F0A}"/>
-              </a:ext>
-            </a:extLst>
-          </p:cNvPr>
+          <p:cNvPr id="6" name="Footer Placeholder 5"/>
           <p:cNvSpPr>
             <a:spLocks noGrp="1"/>
           </p:cNvSpPr>
@@ -2722,13 +2397,7 @@
       </p:sp>
       <p:sp>
         <p:nvSpPr>
-          <p:cNvPr id="7" name="Slide Number Placeholder 6">
-            <a:extLst>
-              <a:ext uri="{FF2B5EF4-FFF2-40B4-BE49-F238E27FC236}">
-                <a16:creationId xmlns:a16="http://schemas.microsoft.com/office/drawing/2014/main" id="{575CDC47-4A48-41FC-8F98-00F96F789055}"/>
-              </a:ext>
-            </a:extLst>
-          </p:cNvPr>
+          <p:cNvPr id="7" name="Slide Number Placeholder 6"/>
           <p:cNvSpPr>
             <a:spLocks noGrp="1"/>
           </p:cNvSpPr>
@@ -2752,7 +2421,7 @@
     </p:spTree>
     <p:extLst>
       <p:ext uri="{BB962C8B-B14F-4D97-AF65-F5344CB8AC3E}">
-        <p14:creationId xmlns:p14="http://schemas.microsoft.com/office/powerpoint/2010/main" val="4125928371"/>
+        <p14:creationId xmlns:p14="http://schemas.microsoft.com/office/powerpoint/2010/main" val="2174831518"/>
       </p:ext>
     </p:extLst>
   </p:cSld>
@@ -2786,13 +2455,7 @@
       </p:grpSpPr>
       <p:sp>
         <p:nvSpPr>
-          <p:cNvPr id="2" name="Title Placeholder 1">
-            <a:extLst>
-              <a:ext uri="{FF2B5EF4-FFF2-40B4-BE49-F238E27FC236}">
-                <a16:creationId xmlns:a16="http://schemas.microsoft.com/office/drawing/2014/main" id="{B6B72169-3221-462A-B03D-780FC6C2FF0E}"/>
-              </a:ext>
-            </a:extLst>
-          </p:cNvPr>
+          <p:cNvPr id="2" name="Title Placeholder 1"/>
           <p:cNvSpPr>
             <a:spLocks noGrp="1"/>
           </p:cNvSpPr>
@@ -2819,19 +2482,13 @@
               <a:rPr lang="en-US"/>
               <a:t>Click to edit Master title style</a:t>
             </a:r>
-            <a:endParaRPr lang="en-NZ"/>
+            <a:endParaRPr lang="en-US" dirty="0"/>
           </a:p>
         </p:txBody>
       </p:sp>
       <p:sp>
         <p:nvSpPr>
-          <p:cNvPr id="3" name="Text Placeholder 2">
-            <a:extLst>
-              <a:ext uri="{FF2B5EF4-FFF2-40B4-BE49-F238E27FC236}">
-                <a16:creationId xmlns:a16="http://schemas.microsoft.com/office/drawing/2014/main" id="{65E33AF4-2BC3-43FD-875B-AA8EE9BB3757}"/>
-              </a:ext>
-            </a:extLst>
-          </p:cNvPr>
+          <p:cNvPr id="3" name="Text Placeholder 2"/>
           <p:cNvSpPr>
             <a:spLocks noGrp="1"/>
           </p:cNvSpPr>
@@ -2887,19 +2544,13 @@
               <a:rPr lang="en-US"/>
               <a:t>Fifth level</a:t>
             </a:r>
-            <a:endParaRPr lang="en-NZ"/>
+            <a:endParaRPr lang="en-US" dirty="0"/>
           </a:p>
         </p:txBody>
       </p:sp>
       <p:sp>
         <p:nvSpPr>
-          <p:cNvPr id="4" name="Date Placeholder 3">
-            <a:extLst>
-              <a:ext uri="{FF2B5EF4-FFF2-40B4-BE49-F238E27FC236}">
-                <a16:creationId xmlns:a16="http://schemas.microsoft.com/office/drawing/2014/main" id="{C4A279F5-86A0-44BA-B9DE-403080674667}"/>
-              </a:ext>
-            </a:extLst>
-          </p:cNvPr>
+          <p:cNvPr id="4" name="Date Placeholder 3"/>
           <p:cNvSpPr>
             <a:spLocks noGrp="1"/>
           </p:cNvSpPr>
@@ -2940,13 +2591,7 @@
       </p:sp>
       <p:sp>
         <p:nvSpPr>
-          <p:cNvPr id="5" name="Footer Placeholder 4">
-            <a:extLst>
-              <a:ext uri="{FF2B5EF4-FFF2-40B4-BE49-F238E27FC236}">
-                <a16:creationId xmlns:a16="http://schemas.microsoft.com/office/drawing/2014/main" id="{B31504CB-7598-4C3C-B16F-94F8CE953036}"/>
-              </a:ext>
-            </a:extLst>
-          </p:cNvPr>
+          <p:cNvPr id="5" name="Footer Placeholder 4"/>
           <p:cNvSpPr>
             <a:spLocks noGrp="1"/>
           </p:cNvSpPr>
@@ -2983,13 +2628,7 @@
       </p:sp>
       <p:sp>
         <p:nvSpPr>
-          <p:cNvPr id="6" name="Slide Number Placeholder 5">
-            <a:extLst>
-              <a:ext uri="{FF2B5EF4-FFF2-40B4-BE49-F238E27FC236}">
-                <a16:creationId xmlns:a16="http://schemas.microsoft.com/office/drawing/2014/main" id="{FA82760F-6B32-4F18-B81B-AD7F8B5FEBFA}"/>
-              </a:ext>
-            </a:extLst>
-          </p:cNvPr>
+          <p:cNvPr id="6" name="Slide Number Placeholder 5"/>
           <p:cNvSpPr>
             <a:spLocks noGrp="1"/>
           </p:cNvSpPr>
@@ -3031,23 +2670,23 @@
     </p:spTree>
     <p:extLst>
       <p:ext uri="{BB962C8B-B14F-4D97-AF65-F5344CB8AC3E}">
-        <p14:creationId xmlns:p14="http://schemas.microsoft.com/office/powerpoint/2010/main" val="3003971857"/>
+        <p14:creationId xmlns:p14="http://schemas.microsoft.com/office/powerpoint/2010/main" val="1708161505"/>
       </p:ext>
     </p:extLst>
   </p:cSld>
   <p:clrMap bg1="lt1" tx1="dk1" bg2="lt2" tx2="dk2" accent1="accent1" accent2="accent2" accent3="accent3" accent4="accent4" accent5="accent5" accent6="accent6" hlink="hlink" folHlink="folHlink"/>
   <p:sldLayoutIdLst>
-    <p:sldLayoutId id="2147483649" r:id="rId1"/>
-    <p:sldLayoutId id="2147483650" r:id="rId2"/>
-    <p:sldLayoutId id="2147483651" r:id="rId3"/>
-    <p:sldLayoutId id="2147483652" r:id="rId4"/>
-    <p:sldLayoutId id="2147483653" r:id="rId5"/>
-    <p:sldLayoutId id="2147483654" r:id="rId6"/>
-    <p:sldLayoutId id="2147483655" r:id="rId7"/>
-    <p:sldLayoutId id="2147483656" r:id="rId8"/>
-    <p:sldLayoutId id="2147483657" r:id="rId9"/>
-    <p:sldLayoutId id="2147483658" r:id="rId10"/>
-    <p:sldLayoutId id="2147483659" r:id="rId11"/>
+    <p:sldLayoutId id="2147483697" r:id="rId1"/>
+    <p:sldLayoutId id="2147483698" r:id="rId2"/>
+    <p:sldLayoutId id="2147483699" r:id="rId3"/>
+    <p:sldLayoutId id="2147483700" r:id="rId4"/>
+    <p:sldLayoutId id="2147483701" r:id="rId5"/>
+    <p:sldLayoutId id="2147483702" r:id="rId6"/>
+    <p:sldLayoutId id="2147483703" r:id="rId7"/>
+    <p:sldLayoutId id="2147483704" r:id="rId8"/>
+    <p:sldLayoutId id="2147483705" r:id="rId9"/>
+    <p:sldLayoutId id="2147483706" r:id="rId10"/>
+    <p:sldLayoutId id="2147483707" r:id="rId11"/>
   </p:sldLayoutIdLst>
   <p:txStyles>
     <p:titleStyle>
@@ -3333,7 +2972,7 @@
 </file>
 
 <file path=ppt/slides/slide1.xml><?xml version="1.0" encoding="utf-8"?>
-<p:sld xmlns:a="http://schemas.openxmlformats.org/drawingml/2006/main" xmlns:r="http://schemas.openxmlformats.org/officeDocument/2006/relationships" xmlns:p="http://schemas.openxmlformats.org/presentationml/2006/main">
+<p:sld xmlns:a="http://schemas.openxmlformats.org/drawingml/2006/main" xmlns:r="http://schemas.openxmlformats.org/officeDocument/2006/relationships" xmlns:p="http://schemas.openxmlformats.org/presentationml/2006/main" show="0">
   <p:cSld>
     <p:spTree>
       <p:nvGrpSpPr>
@@ -4057,7 +3696,7 @@
         </p:nvCxnSpPr>
         <p:spPr>
           <a:xfrm>
-            <a:off x="7590758" y="3816601"/>
+            <a:off x="7590764" y="3816607"/>
             <a:ext cx="1983787" cy="1260725"/>
           </a:xfrm>
           <a:prstGeom prst="line">
@@ -4097,7 +3736,7 @@
         </p:nvCxnSpPr>
         <p:spPr>
           <a:xfrm>
-            <a:off x="4436023" y="3816601"/>
+            <a:off x="4436023" y="3816607"/>
             <a:ext cx="5138522" cy="1260725"/>
           </a:xfrm>
           <a:prstGeom prst="line">
@@ -4137,7 +3776,7 @@
         </p:nvCxnSpPr>
         <p:spPr>
           <a:xfrm>
-            <a:off x="5066970" y="3816601"/>
+            <a:off x="5066976" y="3816607"/>
             <a:ext cx="4507575" cy="1260725"/>
           </a:xfrm>
           <a:prstGeom prst="line">
@@ -4177,7 +3816,7 @@
         </p:nvCxnSpPr>
         <p:spPr>
           <a:xfrm>
-            <a:off x="5697917" y="3816601"/>
+            <a:off x="5697917" y="3816607"/>
             <a:ext cx="3876628" cy="1260725"/>
           </a:xfrm>
           <a:prstGeom prst="line">
@@ -4217,7 +3856,7 @@
         </p:nvCxnSpPr>
         <p:spPr>
           <a:xfrm>
-            <a:off x="6328864" y="3816601"/>
+            <a:off x="6328870" y="3816607"/>
             <a:ext cx="3245681" cy="1260725"/>
           </a:xfrm>
           <a:prstGeom prst="line">
@@ -4257,7 +3896,7 @@
         </p:nvCxnSpPr>
         <p:spPr>
           <a:xfrm>
-            <a:off x="6959811" y="3816601"/>
+            <a:off x="6959811" y="3816607"/>
             <a:ext cx="2614734" cy="1260725"/>
           </a:xfrm>
           <a:prstGeom prst="line">
@@ -4297,7 +3936,7 @@
         </p:nvCxnSpPr>
         <p:spPr>
           <a:xfrm>
-            <a:off x="4436023" y="3816601"/>
+            <a:off x="4436029" y="3816607"/>
             <a:ext cx="3154735" cy="1260725"/>
           </a:xfrm>
           <a:prstGeom prst="line">
@@ -4337,7 +3976,7 @@
         </p:nvCxnSpPr>
         <p:spPr>
           <a:xfrm>
-            <a:off x="5066970" y="3816601"/>
+            <a:off x="5066970" y="3816607"/>
             <a:ext cx="2523788" cy="1260725"/>
           </a:xfrm>
           <a:prstGeom prst="line">
@@ -4377,7 +4016,7 @@
         </p:nvCxnSpPr>
         <p:spPr>
           <a:xfrm>
-            <a:off x="5697917" y="3816601"/>
+            <a:off x="5697923" y="3816607"/>
             <a:ext cx="1892841" cy="1260725"/>
           </a:xfrm>
           <a:prstGeom prst="line">
@@ -4417,7 +4056,7 @@
         </p:nvCxnSpPr>
         <p:spPr>
           <a:xfrm>
-            <a:off x="6328864" y="3816601"/>
+            <a:off x="6328864" y="3816607"/>
             <a:ext cx="1261894" cy="1260725"/>
           </a:xfrm>
           <a:prstGeom prst="line">
@@ -4457,7 +4096,7 @@
         </p:nvCxnSpPr>
         <p:spPr>
           <a:xfrm>
-            <a:off x="6959811" y="3816601"/>
+            <a:off x="6959817" y="3816607"/>
             <a:ext cx="630947" cy="1260725"/>
           </a:xfrm>
           <a:prstGeom prst="line">
@@ -4497,7 +4136,7 @@
         </p:nvCxnSpPr>
         <p:spPr>
           <a:xfrm>
-            <a:off x="7590758" y="3816601"/>
+            <a:off x="7590758" y="3816607"/>
             <a:ext cx="0" cy="1260725"/>
           </a:xfrm>
           <a:prstGeom prst="line">
@@ -4537,7 +4176,7 @@
         </p:nvCxnSpPr>
         <p:spPr>
           <a:xfrm>
-            <a:off x="4436023" y="3816601"/>
+            <a:off x="4436023" y="3816607"/>
             <a:ext cx="2523788" cy="1260725"/>
           </a:xfrm>
           <a:prstGeom prst="line">
@@ -4577,7 +4216,7 @@
         </p:nvCxnSpPr>
         <p:spPr>
           <a:xfrm>
-            <a:off x="5066970" y="3816601"/>
+            <a:off x="5066976" y="3816607"/>
             <a:ext cx="1892841" cy="1260725"/>
           </a:xfrm>
           <a:prstGeom prst="line">
@@ -4617,7 +4256,7 @@
         </p:nvCxnSpPr>
         <p:spPr>
           <a:xfrm>
-            <a:off x="5697917" y="3816601"/>
+            <a:off x="5697917" y="3816607"/>
             <a:ext cx="1261894" cy="1260725"/>
           </a:xfrm>
           <a:prstGeom prst="line">
@@ -4657,7 +4296,7 @@
         </p:nvCxnSpPr>
         <p:spPr>
           <a:xfrm>
-            <a:off x="6328864" y="3816601"/>
+            <a:off x="6328870" y="3816607"/>
             <a:ext cx="630947" cy="1260725"/>
           </a:xfrm>
           <a:prstGeom prst="line">
@@ -4697,7 +4336,7 @@
         </p:nvCxnSpPr>
         <p:spPr>
           <a:xfrm>
-            <a:off x="6959811" y="3816601"/>
+            <a:off x="6959811" y="3816607"/>
             <a:ext cx="0" cy="1260725"/>
           </a:xfrm>
           <a:prstGeom prst="line">
@@ -4737,7 +4376,7 @@
         </p:nvCxnSpPr>
         <p:spPr>
           <a:xfrm flipH="1">
-            <a:off x="6959811" y="3816601"/>
+            <a:off x="6959817" y="3816607"/>
             <a:ext cx="630947" cy="1260725"/>
           </a:xfrm>
           <a:prstGeom prst="line">
@@ -4777,7 +4416,7 @@
         </p:nvCxnSpPr>
         <p:spPr>
           <a:xfrm>
-            <a:off x="4436023" y="3816601"/>
+            <a:off x="4436029" y="3816607"/>
             <a:ext cx="1892841" cy="1260725"/>
           </a:xfrm>
           <a:prstGeom prst="line">
@@ -4817,7 +4456,7 @@
         </p:nvCxnSpPr>
         <p:spPr>
           <a:xfrm>
-            <a:off x="5066970" y="3816601"/>
+            <a:off x="5066970" y="3816607"/>
             <a:ext cx="1261894" cy="1260725"/>
           </a:xfrm>
           <a:prstGeom prst="line">
@@ -4857,7 +4496,7 @@
         </p:nvCxnSpPr>
         <p:spPr>
           <a:xfrm>
-            <a:off x="5697917" y="3816601"/>
+            <a:off x="5697923" y="3816607"/>
             <a:ext cx="630947" cy="1260725"/>
           </a:xfrm>
           <a:prstGeom prst="line">
@@ -4897,7 +4536,7 @@
         </p:nvCxnSpPr>
         <p:spPr>
           <a:xfrm>
-            <a:off x="6328864" y="3816601"/>
+            <a:off x="6328864" y="3816607"/>
             <a:ext cx="0" cy="1260725"/>
           </a:xfrm>
           <a:prstGeom prst="line">
@@ -4937,7 +4576,7 @@
         </p:nvCxnSpPr>
         <p:spPr>
           <a:xfrm flipH="1">
-            <a:off x="6328864" y="3816601"/>
+            <a:off x="6328870" y="3816607"/>
             <a:ext cx="630947" cy="1260725"/>
           </a:xfrm>
           <a:prstGeom prst="line">
@@ -4977,7 +4616,7 @@
         </p:nvCxnSpPr>
         <p:spPr>
           <a:xfrm flipH="1">
-            <a:off x="6328864" y="3816601"/>
+            <a:off x="6328864" y="3816607"/>
             <a:ext cx="1261894" cy="1260725"/>
           </a:xfrm>
           <a:prstGeom prst="line">
@@ -5013,7 +4652,7 @@
         </p:nvSpPr>
         <p:spPr>
           <a:xfrm>
-            <a:off x="7953061" y="5077326"/>
+            <a:off x="7953067" y="5077332"/>
             <a:ext cx="1259181" cy="539999"/>
           </a:xfrm>
           <a:prstGeom prst="roundRect">
@@ -5063,7 +4702,7 @@
         </p:nvSpPr>
         <p:spPr>
           <a:xfrm>
-            <a:off x="4076433" y="5077326"/>
+            <a:off x="4076439" y="5077332"/>
             <a:ext cx="1259181" cy="539999"/>
           </a:xfrm>
           <a:prstGeom prst="roundRect">
@@ -5117,7 +4756,7 @@
         </p:nvCxnSpPr>
         <p:spPr>
           <a:xfrm>
-            <a:off x="4436023" y="3816601"/>
+            <a:off x="4436023" y="3816607"/>
             <a:ext cx="1261894" cy="1260725"/>
           </a:xfrm>
           <a:prstGeom prst="line">
@@ -5157,7 +4796,7 @@
         </p:nvCxnSpPr>
         <p:spPr>
           <a:xfrm>
-            <a:off x="5066970" y="3816601"/>
+            <a:off x="5066976" y="3816607"/>
             <a:ext cx="630947" cy="1260725"/>
           </a:xfrm>
           <a:prstGeom prst="line">
@@ -5197,7 +4836,7 @@
         </p:nvCxnSpPr>
         <p:spPr>
           <a:xfrm>
-            <a:off x="5697917" y="3816601"/>
+            <a:off x="5697917" y="3816607"/>
             <a:ext cx="0" cy="1260725"/>
           </a:xfrm>
           <a:prstGeom prst="line">
@@ -5237,7 +4876,7 @@
         </p:nvCxnSpPr>
         <p:spPr>
           <a:xfrm flipH="1">
-            <a:off x="5697917" y="3816601"/>
+            <a:off x="5697923" y="3816607"/>
             <a:ext cx="630947" cy="1260725"/>
           </a:xfrm>
           <a:prstGeom prst="line">
@@ -5277,7 +4916,7 @@
         </p:nvCxnSpPr>
         <p:spPr>
           <a:xfrm flipH="1">
-            <a:off x="5697917" y="3816601"/>
+            <a:off x="5697917" y="3816607"/>
             <a:ext cx="1261894" cy="1260725"/>
           </a:xfrm>
           <a:prstGeom prst="line">
@@ -5317,7 +4956,7 @@
         </p:nvCxnSpPr>
         <p:spPr>
           <a:xfrm flipH="1">
-            <a:off x="5697917" y="3816601"/>
+            <a:off x="5697923" y="3816607"/>
             <a:ext cx="1892841" cy="1260725"/>
           </a:xfrm>
           <a:prstGeom prst="line">
@@ -5397,7 +5036,7 @@
         </p:nvCxnSpPr>
         <p:spPr>
           <a:xfrm flipV="1">
-            <a:off x="3714131" y="3816601"/>
+            <a:off x="3714137" y="3816601"/>
             <a:ext cx="1352839" cy="1260724"/>
           </a:xfrm>
           <a:prstGeom prst="line">
@@ -5477,7 +5116,7 @@
         </p:nvCxnSpPr>
         <p:spPr>
           <a:xfrm flipV="1">
-            <a:off x="3714131" y="3816601"/>
+            <a:off x="3714137" y="3816601"/>
             <a:ext cx="2614733" cy="1260724"/>
           </a:xfrm>
           <a:prstGeom prst="line">
@@ -5557,7 +5196,7 @@
         </p:nvCxnSpPr>
         <p:spPr>
           <a:xfrm flipV="1">
-            <a:off x="3714131" y="3816601"/>
+            <a:off x="3714137" y="3816601"/>
             <a:ext cx="3876627" cy="1260724"/>
           </a:xfrm>
           <a:prstGeom prst="line">
@@ -5597,7 +5236,7 @@
         </p:nvCxnSpPr>
         <p:spPr>
           <a:xfrm flipV="1">
-            <a:off x="3083184" y="3816601"/>
+            <a:off x="3083190" y="3816601"/>
             <a:ext cx="1352839" cy="1260724"/>
           </a:xfrm>
           <a:prstGeom prst="line">
@@ -5677,7 +5316,7 @@
         </p:nvCxnSpPr>
         <p:spPr>
           <a:xfrm flipV="1">
-            <a:off x="3083184" y="3816601"/>
+            <a:off x="3083190" y="3816601"/>
             <a:ext cx="2614733" cy="1260724"/>
           </a:xfrm>
           <a:prstGeom prst="line">
@@ -5757,7 +5396,7 @@
         </p:nvCxnSpPr>
         <p:spPr>
           <a:xfrm flipV="1">
-            <a:off x="3083184" y="3816601"/>
+            <a:off x="3083190" y="3816601"/>
             <a:ext cx="3876627" cy="1260724"/>
           </a:xfrm>
           <a:prstGeom prst="line">
@@ -5877,7 +5516,7 @@
         </p:nvCxnSpPr>
         <p:spPr>
           <a:xfrm flipV="1">
-            <a:off x="2452237" y="3816601"/>
+            <a:off x="2452243" y="3816601"/>
             <a:ext cx="2614733" cy="1260724"/>
           </a:xfrm>
           <a:prstGeom prst="line">
@@ -5957,7 +5596,7 @@
         </p:nvCxnSpPr>
         <p:spPr>
           <a:xfrm flipV="1">
-            <a:off x="2452237" y="3816601"/>
+            <a:off x="2452243" y="3816601"/>
             <a:ext cx="3876627" cy="1260724"/>
           </a:xfrm>
           <a:prstGeom prst="line">
@@ -6037,7 +5676,7 @@
         </p:nvCxnSpPr>
         <p:spPr>
           <a:xfrm flipV="1">
-            <a:off x="2452237" y="3816601"/>
+            <a:off x="2452243" y="3816601"/>
             <a:ext cx="5138521" cy="1260724"/>
           </a:xfrm>
           <a:prstGeom prst="line">
@@ -6077,7 +5716,7 @@
         </p:nvCxnSpPr>
         <p:spPr>
           <a:xfrm flipV="1">
-            <a:off x="4436023" y="2015876"/>
+            <a:off x="4436029" y="2015882"/>
             <a:ext cx="1577367" cy="1260725"/>
           </a:xfrm>
           <a:prstGeom prst="line">
@@ -6117,7 +5756,7 @@
         </p:nvCxnSpPr>
         <p:spPr>
           <a:xfrm flipV="1">
-            <a:off x="5066970" y="2015876"/>
+            <a:off x="5066970" y="2015882"/>
             <a:ext cx="946420" cy="1260725"/>
           </a:xfrm>
           <a:prstGeom prst="line">
@@ -6157,7 +5796,7 @@
         </p:nvCxnSpPr>
         <p:spPr>
           <a:xfrm flipV="1">
-            <a:off x="5697917" y="2015876"/>
+            <a:off x="5697923" y="2015882"/>
             <a:ext cx="315473" cy="1260725"/>
           </a:xfrm>
           <a:prstGeom prst="line">
@@ -6197,7 +5836,7 @@
         </p:nvCxnSpPr>
         <p:spPr>
           <a:xfrm flipH="1" flipV="1">
-            <a:off x="6013390" y="2015876"/>
+            <a:off x="6013390" y="2015882"/>
             <a:ext cx="315474" cy="1260725"/>
           </a:xfrm>
           <a:prstGeom prst="line">
@@ -6237,7 +5876,7 @@
         </p:nvCxnSpPr>
         <p:spPr>
           <a:xfrm flipH="1" flipV="1">
-            <a:off x="6013390" y="2015876"/>
+            <a:off x="6013396" y="2015882"/>
             <a:ext cx="946421" cy="1260725"/>
           </a:xfrm>
           <a:prstGeom prst="line">
@@ -6277,7 +5916,7 @@
         </p:nvCxnSpPr>
         <p:spPr>
           <a:xfrm flipH="1" flipV="1">
-            <a:off x="6013390" y="2015876"/>
+            <a:off x="6013390" y="2015882"/>
             <a:ext cx="1577368" cy="1260725"/>
           </a:xfrm>
           <a:prstGeom prst="line">
@@ -6313,7 +5952,7 @@
         </p:nvSpPr>
         <p:spPr>
           <a:xfrm>
-            <a:off x="3398657" y="5951621"/>
+            <a:off x="3398663" y="5951627"/>
             <a:ext cx="1170947" cy="442575"/>
           </a:xfrm>
           <a:prstGeom prst="rect">
@@ -6369,7 +6008,7 @@
         </p:nvSpPr>
         <p:spPr>
           <a:xfrm>
-            <a:off x="7320757" y="5951620"/>
+            <a:off x="7320763" y="5951626"/>
             <a:ext cx="1170947" cy="442575"/>
           </a:xfrm>
           <a:prstGeom prst="rect">
@@ -6425,7 +6064,7 @@
         </p:nvSpPr>
         <p:spPr>
           <a:xfrm>
-            <a:off x="719300" y="3906963"/>
+            <a:off x="719302" y="3906963"/>
             <a:ext cx="1898155" cy="540000"/>
           </a:xfrm>
           <a:prstGeom prst="wedgeRoundRectCallout">
@@ -6483,7 +6122,7 @@
         </p:nvSpPr>
         <p:spPr>
           <a:xfrm>
-            <a:off x="9507659" y="3906963"/>
+            <a:off x="9507665" y="3906963"/>
             <a:ext cx="1898155" cy="540000"/>
           </a:xfrm>
           <a:prstGeom prst="wedgeRoundRectCallout">
@@ -6541,7 +6180,7 @@
         </p:nvSpPr>
         <p:spPr>
           <a:xfrm>
-            <a:off x="2267868" y="2456575"/>
+            <a:off x="2267874" y="2456575"/>
             <a:ext cx="1898155" cy="540000"/>
           </a:xfrm>
           <a:prstGeom prst="wedgeRoundRectCallout">
@@ -6599,7 +6238,7 @@
         </p:nvSpPr>
         <p:spPr>
           <a:xfrm>
-            <a:off x="5427917" y="755152"/>
+            <a:off x="5427923" y="755158"/>
             <a:ext cx="1170947" cy="442575"/>
           </a:xfrm>
           <a:prstGeom prst="rect">
@@ -6673,6 +6312,5486 @@
       </p:grpSpPr>
       <p:sp>
         <p:nvSpPr>
+          <p:cNvPr id="273" name="Rectangle 272">
+            <a:extLst>
+              <a:ext uri="{FF2B5EF4-FFF2-40B4-BE49-F238E27FC236}">
+                <a16:creationId xmlns:a16="http://schemas.microsoft.com/office/drawing/2014/main" id="{3FEBD1D1-9C55-4443-B1A2-3F97BD5D70EB}"/>
+              </a:ext>
+            </a:extLst>
+          </p:cNvPr>
+          <p:cNvSpPr/>
+          <p:nvPr/>
+        </p:nvSpPr>
+        <p:spPr>
+          <a:xfrm>
+            <a:off x="2810039" y="5187937"/>
+            <a:ext cx="1170947" cy="442575"/>
+          </a:xfrm>
+          <a:prstGeom prst="rect">
+            <a:avLst/>
+          </a:prstGeom>
+        </p:spPr>
+        <p:style>
+          <a:lnRef idx="2">
+            <a:schemeClr val="accent1">
+              <a:shade val="50000"/>
+            </a:schemeClr>
+          </a:lnRef>
+          <a:fillRef idx="1">
+            <a:schemeClr val="accent1"/>
+          </a:fillRef>
+          <a:effectRef idx="0">
+            <a:schemeClr val="accent1"/>
+          </a:effectRef>
+          <a:fontRef idx="minor">
+            <a:schemeClr val="lt1"/>
+          </a:fontRef>
+        </p:style>
+        <p:txBody>
+          <a:bodyPr rtlCol="0" anchor="ctr"/>
+          <a:lstStyle/>
+          <a:p>
+            <a:pPr algn="ctr"/>
+            <a:r>
+              <a:rPr lang="en-US" dirty="0">
+                <a:latin typeface="Roboto Medium" panose="02000000000000000000" pitchFamily="2" charset="0"/>
+                <a:ea typeface="Roboto Medium" panose="02000000000000000000" pitchFamily="2" charset="0"/>
+              </a:rPr>
+              <a:t>Item ID</a:t>
+            </a:r>
+            <a:endParaRPr lang="en-NZ" dirty="0">
+              <a:latin typeface="Roboto Medium" panose="02000000000000000000" pitchFamily="2" charset="0"/>
+              <a:ea typeface="Roboto Medium" panose="02000000000000000000" pitchFamily="2" charset="0"/>
+            </a:endParaRPr>
+          </a:p>
+        </p:txBody>
+      </p:sp>
+      <p:sp>
+        <p:nvSpPr>
+          <p:cNvPr id="79" name="Rectangle 78">
+            <a:extLst>
+              <a:ext uri="{FF2B5EF4-FFF2-40B4-BE49-F238E27FC236}">
+                <a16:creationId xmlns:a16="http://schemas.microsoft.com/office/drawing/2014/main" id="{8030916F-A96C-452B-8130-155BD1501654}"/>
+              </a:ext>
+            </a:extLst>
+          </p:cNvPr>
+          <p:cNvSpPr/>
+          <p:nvPr/>
+        </p:nvSpPr>
+        <p:spPr>
+          <a:xfrm>
+            <a:off x="2810040" y="1865042"/>
+            <a:ext cx="1170947" cy="442575"/>
+          </a:xfrm>
+          <a:prstGeom prst="rect">
+            <a:avLst/>
+          </a:prstGeom>
+        </p:spPr>
+        <p:style>
+          <a:lnRef idx="2">
+            <a:schemeClr val="accent2">
+              <a:shade val="50000"/>
+            </a:schemeClr>
+          </a:lnRef>
+          <a:fillRef idx="1">
+            <a:schemeClr val="accent2"/>
+          </a:fillRef>
+          <a:effectRef idx="0">
+            <a:schemeClr val="accent2"/>
+          </a:effectRef>
+          <a:fontRef idx="minor">
+            <a:schemeClr val="lt1"/>
+          </a:fontRef>
+        </p:style>
+        <p:txBody>
+          <a:bodyPr rtlCol="0" anchor="ctr"/>
+          <a:lstStyle/>
+          <a:p>
+            <a:pPr algn="ctr"/>
+            <a:r>
+              <a:rPr lang="en-US" dirty="0">
+                <a:latin typeface="Roboto Medium" panose="02000000000000000000" pitchFamily="2" charset="0"/>
+                <a:ea typeface="Roboto Medium" panose="02000000000000000000" pitchFamily="2" charset="0"/>
+              </a:rPr>
+              <a:t>User ID</a:t>
+            </a:r>
+            <a:endParaRPr lang="en-NZ" dirty="0">
+              <a:latin typeface="Roboto Medium" panose="02000000000000000000" pitchFamily="2" charset="0"/>
+              <a:ea typeface="Roboto Medium" panose="02000000000000000000" pitchFamily="2" charset="0"/>
+            </a:endParaRPr>
+          </a:p>
+        </p:txBody>
+      </p:sp>
+      <p:grpSp>
+        <p:nvGrpSpPr>
+          <p:cNvPr id="15" name="Group 14">
+            <a:extLst>
+              <a:ext uri="{FF2B5EF4-FFF2-40B4-BE49-F238E27FC236}">
+                <a16:creationId xmlns:a16="http://schemas.microsoft.com/office/drawing/2014/main" id="{919C9DBC-8FCF-4C5A-9452-E19B808ADF88}"/>
+              </a:ext>
+            </a:extLst>
+          </p:cNvPr>
+          <p:cNvGrpSpPr/>
+          <p:nvPr/>
+        </p:nvGrpSpPr>
+        <p:grpSpPr>
+          <a:xfrm>
+            <a:off x="5113103" y="1042214"/>
+            <a:ext cx="2088232" cy="2088233"/>
+            <a:chOff x="2880856" y="502148"/>
+            <a:chExt cx="2088232" cy="2088233"/>
+          </a:xfrm>
+        </p:grpSpPr>
+        <p:sp>
+          <p:nvSpPr>
+            <p:cNvPr id="86" name="Flowchart: Connector 85">
+              <a:extLst>
+                <a:ext uri="{FF2B5EF4-FFF2-40B4-BE49-F238E27FC236}">
+                  <a16:creationId xmlns:a16="http://schemas.microsoft.com/office/drawing/2014/main" id="{30986369-D283-4BEE-B405-8107B5E5C40C}"/>
+                </a:ext>
+              </a:extLst>
+            </p:cNvPr>
+            <p:cNvSpPr/>
+            <p:nvPr/>
+          </p:nvSpPr>
+          <p:spPr>
+            <a:xfrm>
+              <a:off x="2880856" y="502148"/>
+              <a:ext cx="360040" cy="360041"/>
+            </a:xfrm>
+            <a:prstGeom prst="flowChartConnector">
+              <a:avLst/>
+            </a:prstGeom>
+            <a:solidFill>
+              <a:srgbClr val="E7E6E6"/>
+            </a:solidFill>
+            <a:ln>
+              <a:solidFill>
+                <a:schemeClr val="tx1">
+                  <a:lumMod val="50000"/>
+                  <a:lumOff val="50000"/>
+                </a:schemeClr>
+              </a:solidFill>
+            </a:ln>
+          </p:spPr>
+          <p:style>
+            <a:lnRef idx="2">
+              <a:schemeClr val="accent2">
+                <a:shade val="50000"/>
+              </a:schemeClr>
+            </a:lnRef>
+            <a:fillRef idx="1">
+              <a:schemeClr val="accent2"/>
+            </a:fillRef>
+            <a:effectRef idx="0">
+              <a:schemeClr val="accent2"/>
+            </a:effectRef>
+            <a:fontRef idx="minor">
+              <a:schemeClr val="lt1"/>
+            </a:fontRef>
+          </p:style>
+          <p:txBody>
+            <a:bodyPr rtlCol="0" anchor="ctr"/>
+            <a:lstStyle/>
+            <a:p>
+              <a:pPr algn="ctr"/>
+              <a:endParaRPr lang="en-NZ"/>
+            </a:p>
+          </p:txBody>
+        </p:sp>
+        <p:sp>
+          <p:nvSpPr>
+            <p:cNvPr id="87" name="Flowchart: Connector 86">
+              <a:extLst>
+                <a:ext uri="{FF2B5EF4-FFF2-40B4-BE49-F238E27FC236}">
+                  <a16:creationId xmlns:a16="http://schemas.microsoft.com/office/drawing/2014/main" id="{618475B0-EDDC-4455-A33F-EADFC7C03A7A}"/>
+                </a:ext>
+              </a:extLst>
+            </p:cNvPr>
+            <p:cNvSpPr/>
+            <p:nvPr/>
+          </p:nvSpPr>
+          <p:spPr>
+            <a:xfrm>
+              <a:off x="3312904" y="502148"/>
+              <a:ext cx="360040" cy="360041"/>
+            </a:xfrm>
+            <a:prstGeom prst="flowChartConnector">
+              <a:avLst/>
+            </a:prstGeom>
+            <a:solidFill>
+              <a:srgbClr val="E7E6E6"/>
+            </a:solidFill>
+            <a:ln>
+              <a:solidFill>
+                <a:schemeClr val="tx1">
+                  <a:lumMod val="50000"/>
+                  <a:lumOff val="50000"/>
+                </a:schemeClr>
+              </a:solidFill>
+            </a:ln>
+          </p:spPr>
+          <p:style>
+            <a:lnRef idx="2">
+              <a:schemeClr val="accent2">
+                <a:shade val="50000"/>
+              </a:schemeClr>
+            </a:lnRef>
+            <a:fillRef idx="1">
+              <a:schemeClr val="accent2"/>
+            </a:fillRef>
+            <a:effectRef idx="0">
+              <a:schemeClr val="accent2"/>
+            </a:effectRef>
+            <a:fontRef idx="minor">
+              <a:schemeClr val="lt1"/>
+            </a:fontRef>
+          </p:style>
+          <p:txBody>
+            <a:bodyPr rtlCol="0" anchor="ctr"/>
+            <a:lstStyle/>
+            <a:p>
+              <a:pPr algn="ctr"/>
+              <a:endParaRPr lang="en-NZ"/>
+            </a:p>
+          </p:txBody>
+        </p:sp>
+        <p:sp>
+          <p:nvSpPr>
+            <p:cNvPr id="88" name="Flowchart: Connector 87">
+              <a:extLst>
+                <a:ext uri="{FF2B5EF4-FFF2-40B4-BE49-F238E27FC236}">
+                  <a16:creationId xmlns:a16="http://schemas.microsoft.com/office/drawing/2014/main" id="{15723654-1137-4418-8336-017E43B35589}"/>
+                </a:ext>
+              </a:extLst>
+            </p:cNvPr>
+            <p:cNvSpPr/>
+            <p:nvPr/>
+          </p:nvSpPr>
+          <p:spPr>
+            <a:xfrm>
+              <a:off x="3744952" y="502148"/>
+              <a:ext cx="360040" cy="360041"/>
+            </a:xfrm>
+            <a:prstGeom prst="flowChartConnector">
+              <a:avLst/>
+            </a:prstGeom>
+            <a:solidFill>
+              <a:srgbClr val="E7E6E6"/>
+            </a:solidFill>
+            <a:ln>
+              <a:solidFill>
+                <a:schemeClr val="tx1">
+                  <a:lumMod val="50000"/>
+                  <a:lumOff val="50000"/>
+                </a:schemeClr>
+              </a:solidFill>
+            </a:ln>
+          </p:spPr>
+          <p:style>
+            <a:lnRef idx="2">
+              <a:schemeClr val="accent2">
+                <a:shade val="50000"/>
+              </a:schemeClr>
+            </a:lnRef>
+            <a:fillRef idx="1">
+              <a:schemeClr val="accent2"/>
+            </a:fillRef>
+            <a:effectRef idx="0">
+              <a:schemeClr val="accent2"/>
+            </a:effectRef>
+            <a:fontRef idx="minor">
+              <a:schemeClr val="lt1"/>
+            </a:fontRef>
+          </p:style>
+          <p:txBody>
+            <a:bodyPr rtlCol="0" anchor="ctr"/>
+            <a:lstStyle/>
+            <a:p>
+              <a:pPr algn="ctr"/>
+              <a:endParaRPr lang="en-NZ"/>
+            </a:p>
+          </p:txBody>
+        </p:sp>
+        <p:sp>
+          <p:nvSpPr>
+            <p:cNvPr id="89" name="Flowchart: Connector 88">
+              <a:extLst>
+                <a:ext uri="{FF2B5EF4-FFF2-40B4-BE49-F238E27FC236}">
+                  <a16:creationId xmlns:a16="http://schemas.microsoft.com/office/drawing/2014/main" id="{3EC00D18-2823-4351-9131-80ED2B5677EC}"/>
+                </a:ext>
+              </a:extLst>
+            </p:cNvPr>
+            <p:cNvSpPr/>
+            <p:nvPr/>
+          </p:nvSpPr>
+          <p:spPr>
+            <a:xfrm>
+              <a:off x="4177000" y="502148"/>
+              <a:ext cx="360040" cy="360041"/>
+            </a:xfrm>
+            <a:prstGeom prst="flowChartConnector">
+              <a:avLst/>
+            </a:prstGeom>
+            <a:solidFill>
+              <a:srgbClr val="E7E6E6"/>
+            </a:solidFill>
+            <a:ln>
+              <a:solidFill>
+                <a:schemeClr val="tx1">
+                  <a:lumMod val="50000"/>
+                  <a:lumOff val="50000"/>
+                </a:schemeClr>
+              </a:solidFill>
+            </a:ln>
+          </p:spPr>
+          <p:style>
+            <a:lnRef idx="2">
+              <a:schemeClr val="accent2">
+                <a:shade val="50000"/>
+              </a:schemeClr>
+            </a:lnRef>
+            <a:fillRef idx="1">
+              <a:schemeClr val="accent2"/>
+            </a:fillRef>
+            <a:effectRef idx="0">
+              <a:schemeClr val="accent2"/>
+            </a:effectRef>
+            <a:fontRef idx="minor">
+              <a:schemeClr val="lt1"/>
+            </a:fontRef>
+          </p:style>
+          <p:txBody>
+            <a:bodyPr rtlCol="0" anchor="ctr"/>
+            <a:lstStyle/>
+            <a:p>
+              <a:pPr algn="ctr"/>
+              <a:endParaRPr lang="en-NZ"/>
+            </a:p>
+          </p:txBody>
+        </p:sp>
+        <p:sp>
+          <p:nvSpPr>
+            <p:cNvPr id="90" name="Flowchart: Connector 89">
+              <a:extLst>
+                <a:ext uri="{FF2B5EF4-FFF2-40B4-BE49-F238E27FC236}">
+                  <a16:creationId xmlns:a16="http://schemas.microsoft.com/office/drawing/2014/main" id="{43AA1231-2068-417A-8D4E-63FE58437BC5}"/>
+                </a:ext>
+              </a:extLst>
+            </p:cNvPr>
+            <p:cNvSpPr/>
+            <p:nvPr/>
+          </p:nvSpPr>
+          <p:spPr>
+            <a:xfrm>
+              <a:off x="4609048" y="502148"/>
+              <a:ext cx="360040" cy="360041"/>
+            </a:xfrm>
+            <a:prstGeom prst="flowChartConnector">
+              <a:avLst/>
+            </a:prstGeom>
+            <a:solidFill>
+              <a:srgbClr val="E7E6E6"/>
+            </a:solidFill>
+            <a:ln>
+              <a:solidFill>
+                <a:schemeClr val="tx1">
+                  <a:lumMod val="50000"/>
+                  <a:lumOff val="50000"/>
+                </a:schemeClr>
+              </a:solidFill>
+            </a:ln>
+          </p:spPr>
+          <p:style>
+            <a:lnRef idx="2">
+              <a:schemeClr val="accent2">
+                <a:shade val="50000"/>
+              </a:schemeClr>
+            </a:lnRef>
+            <a:fillRef idx="1">
+              <a:schemeClr val="accent2"/>
+            </a:fillRef>
+            <a:effectRef idx="0">
+              <a:schemeClr val="accent2"/>
+            </a:effectRef>
+            <a:fontRef idx="minor">
+              <a:schemeClr val="lt1"/>
+            </a:fontRef>
+          </p:style>
+          <p:txBody>
+            <a:bodyPr rtlCol="0" anchor="ctr"/>
+            <a:lstStyle/>
+            <a:p>
+              <a:pPr algn="ctr"/>
+              <a:endParaRPr lang="en-NZ"/>
+            </a:p>
+          </p:txBody>
+        </p:sp>
+        <p:sp>
+          <p:nvSpPr>
+            <p:cNvPr id="91" name="Flowchart: Connector 90">
+              <a:extLst>
+                <a:ext uri="{FF2B5EF4-FFF2-40B4-BE49-F238E27FC236}">
+                  <a16:creationId xmlns:a16="http://schemas.microsoft.com/office/drawing/2014/main" id="{0C3DC0DB-EFFD-4094-AD83-3022ED2D040F}"/>
+                </a:ext>
+              </a:extLst>
+            </p:cNvPr>
+            <p:cNvSpPr/>
+            <p:nvPr/>
+          </p:nvSpPr>
+          <p:spPr>
+            <a:xfrm>
+              <a:off x="2880856" y="934196"/>
+              <a:ext cx="360040" cy="360041"/>
+            </a:xfrm>
+            <a:prstGeom prst="flowChartConnector">
+              <a:avLst/>
+            </a:prstGeom>
+            <a:solidFill>
+              <a:srgbClr val="F4B183"/>
+            </a:solidFill>
+            <a:ln>
+              <a:solidFill>
+                <a:schemeClr val="accent2">
+                  <a:lumMod val="75000"/>
+                </a:schemeClr>
+              </a:solidFill>
+            </a:ln>
+          </p:spPr>
+          <p:style>
+            <a:lnRef idx="2">
+              <a:schemeClr val="accent2">
+                <a:shade val="50000"/>
+              </a:schemeClr>
+            </a:lnRef>
+            <a:fillRef idx="1">
+              <a:schemeClr val="accent2"/>
+            </a:fillRef>
+            <a:effectRef idx="0">
+              <a:schemeClr val="accent2"/>
+            </a:effectRef>
+            <a:fontRef idx="minor">
+              <a:schemeClr val="lt1"/>
+            </a:fontRef>
+          </p:style>
+          <p:txBody>
+            <a:bodyPr rtlCol="0" anchor="ctr"/>
+            <a:lstStyle/>
+            <a:p>
+              <a:pPr algn="ctr"/>
+              <a:endParaRPr lang="en-NZ"/>
+            </a:p>
+          </p:txBody>
+        </p:sp>
+        <p:sp>
+          <p:nvSpPr>
+            <p:cNvPr id="92" name="Flowchart: Connector 91">
+              <a:extLst>
+                <a:ext uri="{FF2B5EF4-FFF2-40B4-BE49-F238E27FC236}">
+                  <a16:creationId xmlns:a16="http://schemas.microsoft.com/office/drawing/2014/main" id="{6A444B31-2033-4387-9312-341BB3626EC1}"/>
+                </a:ext>
+              </a:extLst>
+            </p:cNvPr>
+            <p:cNvSpPr/>
+            <p:nvPr/>
+          </p:nvSpPr>
+          <p:spPr>
+            <a:xfrm>
+              <a:off x="3312904" y="934196"/>
+              <a:ext cx="360040" cy="360041"/>
+            </a:xfrm>
+            <a:prstGeom prst="flowChartConnector">
+              <a:avLst/>
+            </a:prstGeom>
+            <a:solidFill>
+              <a:srgbClr val="F4B183"/>
+            </a:solidFill>
+            <a:ln>
+              <a:solidFill>
+                <a:schemeClr val="accent2">
+                  <a:lumMod val="75000"/>
+                </a:schemeClr>
+              </a:solidFill>
+            </a:ln>
+          </p:spPr>
+          <p:style>
+            <a:lnRef idx="2">
+              <a:schemeClr val="accent2">
+                <a:shade val="50000"/>
+              </a:schemeClr>
+            </a:lnRef>
+            <a:fillRef idx="1">
+              <a:schemeClr val="accent2"/>
+            </a:fillRef>
+            <a:effectRef idx="0">
+              <a:schemeClr val="accent2"/>
+            </a:effectRef>
+            <a:fontRef idx="minor">
+              <a:schemeClr val="lt1"/>
+            </a:fontRef>
+          </p:style>
+          <p:txBody>
+            <a:bodyPr rtlCol="0" anchor="ctr"/>
+            <a:lstStyle/>
+            <a:p>
+              <a:pPr algn="ctr"/>
+              <a:endParaRPr lang="en-NZ"/>
+            </a:p>
+          </p:txBody>
+        </p:sp>
+        <p:sp>
+          <p:nvSpPr>
+            <p:cNvPr id="93" name="Flowchart: Connector 92">
+              <a:extLst>
+                <a:ext uri="{FF2B5EF4-FFF2-40B4-BE49-F238E27FC236}">
+                  <a16:creationId xmlns:a16="http://schemas.microsoft.com/office/drawing/2014/main" id="{1F99AB99-3D18-42DE-B037-FC7C79B2D408}"/>
+                </a:ext>
+              </a:extLst>
+            </p:cNvPr>
+            <p:cNvSpPr/>
+            <p:nvPr/>
+          </p:nvSpPr>
+          <p:spPr>
+            <a:xfrm>
+              <a:off x="3744952" y="934196"/>
+              <a:ext cx="360040" cy="360041"/>
+            </a:xfrm>
+            <a:prstGeom prst="flowChartConnector">
+              <a:avLst/>
+            </a:prstGeom>
+            <a:solidFill>
+              <a:srgbClr val="F4B183"/>
+            </a:solidFill>
+            <a:ln>
+              <a:solidFill>
+                <a:schemeClr val="accent2">
+                  <a:lumMod val="75000"/>
+                </a:schemeClr>
+              </a:solidFill>
+            </a:ln>
+          </p:spPr>
+          <p:style>
+            <a:lnRef idx="2">
+              <a:schemeClr val="accent2">
+                <a:shade val="50000"/>
+              </a:schemeClr>
+            </a:lnRef>
+            <a:fillRef idx="1">
+              <a:schemeClr val="accent2"/>
+            </a:fillRef>
+            <a:effectRef idx="0">
+              <a:schemeClr val="accent2"/>
+            </a:effectRef>
+            <a:fontRef idx="minor">
+              <a:schemeClr val="lt1"/>
+            </a:fontRef>
+          </p:style>
+          <p:txBody>
+            <a:bodyPr rtlCol="0" anchor="ctr"/>
+            <a:lstStyle/>
+            <a:p>
+              <a:pPr algn="ctr"/>
+              <a:endParaRPr lang="en-NZ"/>
+            </a:p>
+          </p:txBody>
+        </p:sp>
+        <p:sp>
+          <p:nvSpPr>
+            <p:cNvPr id="94" name="Flowchart: Connector 93">
+              <a:extLst>
+                <a:ext uri="{FF2B5EF4-FFF2-40B4-BE49-F238E27FC236}">
+                  <a16:creationId xmlns:a16="http://schemas.microsoft.com/office/drawing/2014/main" id="{5E94910F-58D9-4D99-AA13-76C3C3FC7805}"/>
+                </a:ext>
+              </a:extLst>
+            </p:cNvPr>
+            <p:cNvSpPr/>
+            <p:nvPr/>
+          </p:nvSpPr>
+          <p:spPr>
+            <a:xfrm>
+              <a:off x="4177000" y="934196"/>
+              <a:ext cx="360040" cy="360041"/>
+            </a:xfrm>
+            <a:prstGeom prst="flowChartConnector">
+              <a:avLst/>
+            </a:prstGeom>
+            <a:solidFill>
+              <a:srgbClr val="F4B183"/>
+            </a:solidFill>
+            <a:ln>
+              <a:solidFill>
+                <a:schemeClr val="accent2">
+                  <a:lumMod val="75000"/>
+                </a:schemeClr>
+              </a:solidFill>
+            </a:ln>
+          </p:spPr>
+          <p:style>
+            <a:lnRef idx="2">
+              <a:schemeClr val="accent2">
+                <a:shade val="50000"/>
+              </a:schemeClr>
+            </a:lnRef>
+            <a:fillRef idx="1">
+              <a:schemeClr val="accent2"/>
+            </a:fillRef>
+            <a:effectRef idx="0">
+              <a:schemeClr val="accent2"/>
+            </a:effectRef>
+            <a:fontRef idx="minor">
+              <a:schemeClr val="lt1"/>
+            </a:fontRef>
+          </p:style>
+          <p:txBody>
+            <a:bodyPr rtlCol="0" anchor="ctr"/>
+            <a:lstStyle/>
+            <a:p>
+              <a:pPr algn="ctr"/>
+              <a:endParaRPr lang="en-NZ"/>
+            </a:p>
+          </p:txBody>
+        </p:sp>
+        <p:sp>
+          <p:nvSpPr>
+            <p:cNvPr id="95" name="Flowchart: Connector 94">
+              <a:extLst>
+                <a:ext uri="{FF2B5EF4-FFF2-40B4-BE49-F238E27FC236}">
+                  <a16:creationId xmlns:a16="http://schemas.microsoft.com/office/drawing/2014/main" id="{83579C2F-187E-4C9B-8E69-7AFF3AFF95EB}"/>
+                </a:ext>
+              </a:extLst>
+            </p:cNvPr>
+            <p:cNvSpPr/>
+            <p:nvPr/>
+          </p:nvSpPr>
+          <p:spPr>
+            <a:xfrm>
+              <a:off x="4609048" y="934196"/>
+              <a:ext cx="360040" cy="360041"/>
+            </a:xfrm>
+            <a:prstGeom prst="flowChartConnector">
+              <a:avLst/>
+            </a:prstGeom>
+            <a:solidFill>
+              <a:srgbClr val="F4B183"/>
+            </a:solidFill>
+            <a:ln>
+              <a:solidFill>
+                <a:schemeClr val="accent2">
+                  <a:lumMod val="75000"/>
+                </a:schemeClr>
+              </a:solidFill>
+            </a:ln>
+          </p:spPr>
+          <p:style>
+            <a:lnRef idx="2">
+              <a:schemeClr val="accent2">
+                <a:shade val="50000"/>
+              </a:schemeClr>
+            </a:lnRef>
+            <a:fillRef idx="1">
+              <a:schemeClr val="accent2"/>
+            </a:fillRef>
+            <a:effectRef idx="0">
+              <a:schemeClr val="accent2"/>
+            </a:effectRef>
+            <a:fontRef idx="minor">
+              <a:schemeClr val="lt1"/>
+            </a:fontRef>
+          </p:style>
+          <p:txBody>
+            <a:bodyPr rtlCol="0" anchor="ctr"/>
+            <a:lstStyle/>
+            <a:p>
+              <a:pPr algn="ctr"/>
+              <a:endParaRPr lang="en-NZ"/>
+            </a:p>
+          </p:txBody>
+        </p:sp>
+        <p:sp>
+          <p:nvSpPr>
+            <p:cNvPr id="96" name="Flowchart: Connector 95">
+              <a:extLst>
+                <a:ext uri="{FF2B5EF4-FFF2-40B4-BE49-F238E27FC236}">
+                  <a16:creationId xmlns:a16="http://schemas.microsoft.com/office/drawing/2014/main" id="{4D658D83-AF4B-4F86-B507-B942BE36E6EB}"/>
+                </a:ext>
+              </a:extLst>
+            </p:cNvPr>
+            <p:cNvSpPr/>
+            <p:nvPr/>
+          </p:nvSpPr>
+          <p:spPr>
+            <a:xfrm>
+              <a:off x="2880856" y="1366244"/>
+              <a:ext cx="360040" cy="360041"/>
+            </a:xfrm>
+            <a:prstGeom prst="flowChartConnector">
+              <a:avLst/>
+            </a:prstGeom>
+            <a:solidFill>
+              <a:srgbClr val="E7E6E6"/>
+            </a:solidFill>
+            <a:ln>
+              <a:solidFill>
+                <a:schemeClr val="tx1">
+                  <a:lumMod val="50000"/>
+                  <a:lumOff val="50000"/>
+                </a:schemeClr>
+              </a:solidFill>
+            </a:ln>
+          </p:spPr>
+          <p:style>
+            <a:lnRef idx="2">
+              <a:schemeClr val="accent2">
+                <a:shade val="50000"/>
+              </a:schemeClr>
+            </a:lnRef>
+            <a:fillRef idx="1">
+              <a:schemeClr val="accent2"/>
+            </a:fillRef>
+            <a:effectRef idx="0">
+              <a:schemeClr val="accent2"/>
+            </a:effectRef>
+            <a:fontRef idx="minor">
+              <a:schemeClr val="lt1"/>
+            </a:fontRef>
+          </p:style>
+          <p:txBody>
+            <a:bodyPr rtlCol="0" anchor="ctr"/>
+            <a:lstStyle/>
+            <a:p>
+              <a:pPr algn="ctr"/>
+              <a:endParaRPr lang="en-NZ"/>
+            </a:p>
+          </p:txBody>
+        </p:sp>
+        <p:sp>
+          <p:nvSpPr>
+            <p:cNvPr id="97" name="Flowchart: Connector 96">
+              <a:extLst>
+                <a:ext uri="{FF2B5EF4-FFF2-40B4-BE49-F238E27FC236}">
+                  <a16:creationId xmlns:a16="http://schemas.microsoft.com/office/drawing/2014/main" id="{AF98D725-D8E2-44FB-A3E5-E589122CA446}"/>
+                </a:ext>
+              </a:extLst>
+            </p:cNvPr>
+            <p:cNvSpPr/>
+            <p:nvPr/>
+          </p:nvSpPr>
+          <p:spPr>
+            <a:xfrm>
+              <a:off x="3312904" y="1366244"/>
+              <a:ext cx="360040" cy="360041"/>
+            </a:xfrm>
+            <a:prstGeom prst="flowChartConnector">
+              <a:avLst/>
+            </a:prstGeom>
+            <a:solidFill>
+              <a:srgbClr val="E7E6E6"/>
+            </a:solidFill>
+            <a:ln>
+              <a:solidFill>
+                <a:schemeClr val="tx1">
+                  <a:lumMod val="50000"/>
+                  <a:lumOff val="50000"/>
+                </a:schemeClr>
+              </a:solidFill>
+            </a:ln>
+          </p:spPr>
+          <p:style>
+            <a:lnRef idx="2">
+              <a:schemeClr val="accent2">
+                <a:shade val="50000"/>
+              </a:schemeClr>
+            </a:lnRef>
+            <a:fillRef idx="1">
+              <a:schemeClr val="accent2"/>
+            </a:fillRef>
+            <a:effectRef idx="0">
+              <a:schemeClr val="accent2"/>
+            </a:effectRef>
+            <a:fontRef idx="minor">
+              <a:schemeClr val="lt1"/>
+            </a:fontRef>
+          </p:style>
+          <p:txBody>
+            <a:bodyPr rtlCol="0" anchor="ctr"/>
+            <a:lstStyle/>
+            <a:p>
+              <a:pPr algn="ctr"/>
+              <a:endParaRPr lang="en-NZ"/>
+            </a:p>
+          </p:txBody>
+        </p:sp>
+        <p:sp>
+          <p:nvSpPr>
+            <p:cNvPr id="98" name="Flowchart: Connector 97">
+              <a:extLst>
+                <a:ext uri="{FF2B5EF4-FFF2-40B4-BE49-F238E27FC236}">
+                  <a16:creationId xmlns:a16="http://schemas.microsoft.com/office/drawing/2014/main" id="{48095982-15C2-4E30-BB4F-DA67FFDAADC8}"/>
+                </a:ext>
+              </a:extLst>
+            </p:cNvPr>
+            <p:cNvSpPr/>
+            <p:nvPr/>
+          </p:nvSpPr>
+          <p:spPr>
+            <a:xfrm>
+              <a:off x="3744952" y="1366244"/>
+              <a:ext cx="360040" cy="360041"/>
+            </a:xfrm>
+            <a:prstGeom prst="flowChartConnector">
+              <a:avLst/>
+            </a:prstGeom>
+            <a:solidFill>
+              <a:srgbClr val="E7E6E6"/>
+            </a:solidFill>
+            <a:ln>
+              <a:solidFill>
+                <a:schemeClr val="tx1">
+                  <a:lumMod val="50000"/>
+                  <a:lumOff val="50000"/>
+                </a:schemeClr>
+              </a:solidFill>
+            </a:ln>
+          </p:spPr>
+          <p:style>
+            <a:lnRef idx="2">
+              <a:schemeClr val="accent2">
+                <a:shade val="50000"/>
+              </a:schemeClr>
+            </a:lnRef>
+            <a:fillRef idx="1">
+              <a:schemeClr val="accent2"/>
+            </a:fillRef>
+            <a:effectRef idx="0">
+              <a:schemeClr val="accent2"/>
+            </a:effectRef>
+            <a:fontRef idx="minor">
+              <a:schemeClr val="lt1"/>
+            </a:fontRef>
+          </p:style>
+          <p:txBody>
+            <a:bodyPr rtlCol="0" anchor="ctr"/>
+            <a:lstStyle/>
+            <a:p>
+              <a:pPr algn="ctr"/>
+              <a:endParaRPr lang="en-NZ"/>
+            </a:p>
+          </p:txBody>
+        </p:sp>
+        <p:sp>
+          <p:nvSpPr>
+            <p:cNvPr id="99" name="Flowchart: Connector 98">
+              <a:extLst>
+                <a:ext uri="{FF2B5EF4-FFF2-40B4-BE49-F238E27FC236}">
+                  <a16:creationId xmlns:a16="http://schemas.microsoft.com/office/drawing/2014/main" id="{8330EC54-3A90-4802-9757-0513DC6D900C}"/>
+                </a:ext>
+              </a:extLst>
+            </p:cNvPr>
+            <p:cNvSpPr/>
+            <p:nvPr/>
+          </p:nvSpPr>
+          <p:spPr>
+            <a:xfrm>
+              <a:off x="4177000" y="1366244"/>
+              <a:ext cx="360040" cy="360041"/>
+            </a:xfrm>
+            <a:prstGeom prst="flowChartConnector">
+              <a:avLst/>
+            </a:prstGeom>
+            <a:solidFill>
+              <a:srgbClr val="E7E6E6"/>
+            </a:solidFill>
+            <a:ln>
+              <a:solidFill>
+                <a:schemeClr val="tx1">
+                  <a:lumMod val="50000"/>
+                  <a:lumOff val="50000"/>
+                </a:schemeClr>
+              </a:solidFill>
+            </a:ln>
+          </p:spPr>
+          <p:style>
+            <a:lnRef idx="2">
+              <a:schemeClr val="accent2">
+                <a:shade val="50000"/>
+              </a:schemeClr>
+            </a:lnRef>
+            <a:fillRef idx="1">
+              <a:schemeClr val="accent2"/>
+            </a:fillRef>
+            <a:effectRef idx="0">
+              <a:schemeClr val="accent2"/>
+            </a:effectRef>
+            <a:fontRef idx="minor">
+              <a:schemeClr val="lt1"/>
+            </a:fontRef>
+          </p:style>
+          <p:txBody>
+            <a:bodyPr rtlCol="0" anchor="ctr"/>
+            <a:lstStyle/>
+            <a:p>
+              <a:pPr algn="ctr"/>
+              <a:endParaRPr lang="en-NZ"/>
+            </a:p>
+          </p:txBody>
+        </p:sp>
+        <p:sp>
+          <p:nvSpPr>
+            <p:cNvPr id="100" name="Flowchart: Connector 99">
+              <a:extLst>
+                <a:ext uri="{FF2B5EF4-FFF2-40B4-BE49-F238E27FC236}">
+                  <a16:creationId xmlns:a16="http://schemas.microsoft.com/office/drawing/2014/main" id="{8083AAA1-98FA-4C50-A31C-2942620B4781}"/>
+                </a:ext>
+              </a:extLst>
+            </p:cNvPr>
+            <p:cNvSpPr/>
+            <p:nvPr/>
+          </p:nvSpPr>
+          <p:spPr>
+            <a:xfrm>
+              <a:off x="4609048" y="1366244"/>
+              <a:ext cx="360040" cy="360041"/>
+            </a:xfrm>
+            <a:prstGeom prst="flowChartConnector">
+              <a:avLst/>
+            </a:prstGeom>
+            <a:solidFill>
+              <a:srgbClr val="E7E6E6"/>
+            </a:solidFill>
+            <a:ln>
+              <a:solidFill>
+                <a:schemeClr val="tx1">
+                  <a:lumMod val="50000"/>
+                  <a:lumOff val="50000"/>
+                </a:schemeClr>
+              </a:solidFill>
+            </a:ln>
+          </p:spPr>
+          <p:style>
+            <a:lnRef idx="2">
+              <a:schemeClr val="accent2">
+                <a:shade val="50000"/>
+              </a:schemeClr>
+            </a:lnRef>
+            <a:fillRef idx="1">
+              <a:schemeClr val="accent2"/>
+            </a:fillRef>
+            <a:effectRef idx="0">
+              <a:schemeClr val="accent2"/>
+            </a:effectRef>
+            <a:fontRef idx="minor">
+              <a:schemeClr val="lt1"/>
+            </a:fontRef>
+          </p:style>
+          <p:txBody>
+            <a:bodyPr rtlCol="0" anchor="ctr"/>
+            <a:lstStyle/>
+            <a:p>
+              <a:pPr algn="ctr"/>
+              <a:endParaRPr lang="en-NZ"/>
+            </a:p>
+          </p:txBody>
+        </p:sp>
+        <p:sp>
+          <p:nvSpPr>
+            <p:cNvPr id="101" name="Flowchart: Connector 100">
+              <a:extLst>
+                <a:ext uri="{FF2B5EF4-FFF2-40B4-BE49-F238E27FC236}">
+                  <a16:creationId xmlns:a16="http://schemas.microsoft.com/office/drawing/2014/main" id="{F4E4A8E7-08C5-430B-A70B-151567A9EF3B}"/>
+                </a:ext>
+              </a:extLst>
+            </p:cNvPr>
+            <p:cNvSpPr/>
+            <p:nvPr/>
+          </p:nvSpPr>
+          <p:spPr>
+            <a:xfrm>
+              <a:off x="2880856" y="1798292"/>
+              <a:ext cx="360040" cy="360041"/>
+            </a:xfrm>
+            <a:prstGeom prst="flowChartConnector">
+              <a:avLst/>
+            </a:prstGeom>
+            <a:solidFill>
+              <a:srgbClr val="E7E6E6"/>
+            </a:solidFill>
+            <a:ln>
+              <a:solidFill>
+                <a:schemeClr val="tx1">
+                  <a:lumMod val="50000"/>
+                  <a:lumOff val="50000"/>
+                </a:schemeClr>
+              </a:solidFill>
+            </a:ln>
+          </p:spPr>
+          <p:style>
+            <a:lnRef idx="2">
+              <a:schemeClr val="accent2">
+                <a:shade val="50000"/>
+              </a:schemeClr>
+            </a:lnRef>
+            <a:fillRef idx="1">
+              <a:schemeClr val="accent2"/>
+            </a:fillRef>
+            <a:effectRef idx="0">
+              <a:schemeClr val="accent2"/>
+            </a:effectRef>
+            <a:fontRef idx="minor">
+              <a:schemeClr val="lt1"/>
+            </a:fontRef>
+          </p:style>
+          <p:txBody>
+            <a:bodyPr rtlCol="0" anchor="ctr"/>
+            <a:lstStyle/>
+            <a:p>
+              <a:pPr algn="ctr"/>
+              <a:endParaRPr lang="en-NZ"/>
+            </a:p>
+          </p:txBody>
+        </p:sp>
+        <p:sp>
+          <p:nvSpPr>
+            <p:cNvPr id="102" name="Flowchart: Connector 101">
+              <a:extLst>
+                <a:ext uri="{FF2B5EF4-FFF2-40B4-BE49-F238E27FC236}">
+                  <a16:creationId xmlns:a16="http://schemas.microsoft.com/office/drawing/2014/main" id="{840F592B-B27F-421A-8719-3FC30D19A619}"/>
+                </a:ext>
+              </a:extLst>
+            </p:cNvPr>
+            <p:cNvSpPr/>
+            <p:nvPr/>
+          </p:nvSpPr>
+          <p:spPr>
+            <a:xfrm>
+              <a:off x="3312904" y="1798292"/>
+              <a:ext cx="360040" cy="360041"/>
+            </a:xfrm>
+            <a:prstGeom prst="flowChartConnector">
+              <a:avLst/>
+            </a:prstGeom>
+            <a:solidFill>
+              <a:srgbClr val="E7E6E6"/>
+            </a:solidFill>
+            <a:ln>
+              <a:solidFill>
+                <a:schemeClr val="tx1">
+                  <a:lumMod val="50000"/>
+                  <a:lumOff val="50000"/>
+                </a:schemeClr>
+              </a:solidFill>
+            </a:ln>
+          </p:spPr>
+          <p:style>
+            <a:lnRef idx="2">
+              <a:schemeClr val="accent2">
+                <a:shade val="50000"/>
+              </a:schemeClr>
+            </a:lnRef>
+            <a:fillRef idx="1">
+              <a:schemeClr val="accent2"/>
+            </a:fillRef>
+            <a:effectRef idx="0">
+              <a:schemeClr val="accent2"/>
+            </a:effectRef>
+            <a:fontRef idx="minor">
+              <a:schemeClr val="lt1"/>
+            </a:fontRef>
+          </p:style>
+          <p:txBody>
+            <a:bodyPr rtlCol="0" anchor="ctr"/>
+            <a:lstStyle/>
+            <a:p>
+              <a:pPr algn="ctr"/>
+              <a:endParaRPr lang="en-NZ"/>
+            </a:p>
+          </p:txBody>
+        </p:sp>
+        <p:sp>
+          <p:nvSpPr>
+            <p:cNvPr id="103" name="Flowchart: Connector 102">
+              <a:extLst>
+                <a:ext uri="{FF2B5EF4-FFF2-40B4-BE49-F238E27FC236}">
+                  <a16:creationId xmlns:a16="http://schemas.microsoft.com/office/drawing/2014/main" id="{CB566529-A3A2-472A-B65B-8A99379B202B}"/>
+                </a:ext>
+              </a:extLst>
+            </p:cNvPr>
+            <p:cNvSpPr/>
+            <p:nvPr/>
+          </p:nvSpPr>
+          <p:spPr>
+            <a:xfrm>
+              <a:off x="3744952" y="1798292"/>
+              <a:ext cx="360040" cy="360041"/>
+            </a:xfrm>
+            <a:prstGeom prst="flowChartConnector">
+              <a:avLst/>
+            </a:prstGeom>
+            <a:solidFill>
+              <a:srgbClr val="E7E6E6"/>
+            </a:solidFill>
+            <a:ln>
+              <a:solidFill>
+                <a:schemeClr val="tx1">
+                  <a:lumMod val="50000"/>
+                  <a:lumOff val="50000"/>
+                </a:schemeClr>
+              </a:solidFill>
+            </a:ln>
+          </p:spPr>
+          <p:style>
+            <a:lnRef idx="2">
+              <a:schemeClr val="accent2">
+                <a:shade val="50000"/>
+              </a:schemeClr>
+            </a:lnRef>
+            <a:fillRef idx="1">
+              <a:schemeClr val="accent2"/>
+            </a:fillRef>
+            <a:effectRef idx="0">
+              <a:schemeClr val="accent2"/>
+            </a:effectRef>
+            <a:fontRef idx="minor">
+              <a:schemeClr val="lt1"/>
+            </a:fontRef>
+          </p:style>
+          <p:txBody>
+            <a:bodyPr rtlCol="0" anchor="ctr"/>
+            <a:lstStyle/>
+            <a:p>
+              <a:pPr algn="ctr"/>
+              <a:endParaRPr lang="en-NZ"/>
+            </a:p>
+          </p:txBody>
+        </p:sp>
+        <p:sp>
+          <p:nvSpPr>
+            <p:cNvPr id="104" name="Flowchart: Connector 103">
+              <a:extLst>
+                <a:ext uri="{FF2B5EF4-FFF2-40B4-BE49-F238E27FC236}">
+                  <a16:creationId xmlns:a16="http://schemas.microsoft.com/office/drawing/2014/main" id="{5063E0A0-AC7D-401E-9633-3EEBDD39DB91}"/>
+                </a:ext>
+              </a:extLst>
+            </p:cNvPr>
+            <p:cNvSpPr/>
+            <p:nvPr/>
+          </p:nvSpPr>
+          <p:spPr>
+            <a:xfrm>
+              <a:off x="4177000" y="1798292"/>
+              <a:ext cx="360040" cy="360041"/>
+            </a:xfrm>
+            <a:prstGeom prst="flowChartConnector">
+              <a:avLst/>
+            </a:prstGeom>
+            <a:solidFill>
+              <a:srgbClr val="E7E6E6"/>
+            </a:solidFill>
+            <a:ln>
+              <a:solidFill>
+                <a:schemeClr val="tx1">
+                  <a:lumMod val="50000"/>
+                  <a:lumOff val="50000"/>
+                </a:schemeClr>
+              </a:solidFill>
+            </a:ln>
+          </p:spPr>
+          <p:style>
+            <a:lnRef idx="2">
+              <a:schemeClr val="accent2">
+                <a:shade val="50000"/>
+              </a:schemeClr>
+            </a:lnRef>
+            <a:fillRef idx="1">
+              <a:schemeClr val="accent2"/>
+            </a:fillRef>
+            <a:effectRef idx="0">
+              <a:schemeClr val="accent2"/>
+            </a:effectRef>
+            <a:fontRef idx="minor">
+              <a:schemeClr val="lt1"/>
+            </a:fontRef>
+          </p:style>
+          <p:txBody>
+            <a:bodyPr rtlCol="0" anchor="ctr"/>
+            <a:lstStyle/>
+            <a:p>
+              <a:pPr algn="ctr"/>
+              <a:endParaRPr lang="en-NZ"/>
+            </a:p>
+          </p:txBody>
+        </p:sp>
+        <p:sp>
+          <p:nvSpPr>
+            <p:cNvPr id="105" name="Flowchart: Connector 104">
+              <a:extLst>
+                <a:ext uri="{FF2B5EF4-FFF2-40B4-BE49-F238E27FC236}">
+                  <a16:creationId xmlns:a16="http://schemas.microsoft.com/office/drawing/2014/main" id="{4D1153F6-3A18-4359-9A7B-2E89205B2D3B}"/>
+                </a:ext>
+              </a:extLst>
+            </p:cNvPr>
+            <p:cNvSpPr/>
+            <p:nvPr/>
+          </p:nvSpPr>
+          <p:spPr>
+            <a:xfrm>
+              <a:off x="4609048" y="1798292"/>
+              <a:ext cx="360040" cy="360041"/>
+            </a:xfrm>
+            <a:prstGeom prst="flowChartConnector">
+              <a:avLst/>
+            </a:prstGeom>
+            <a:solidFill>
+              <a:srgbClr val="E7E6E6"/>
+            </a:solidFill>
+            <a:ln>
+              <a:solidFill>
+                <a:schemeClr val="tx1">
+                  <a:lumMod val="50000"/>
+                  <a:lumOff val="50000"/>
+                </a:schemeClr>
+              </a:solidFill>
+            </a:ln>
+          </p:spPr>
+          <p:style>
+            <a:lnRef idx="2">
+              <a:schemeClr val="accent2">
+                <a:shade val="50000"/>
+              </a:schemeClr>
+            </a:lnRef>
+            <a:fillRef idx="1">
+              <a:schemeClr val="accent2"/>
+            </a:fillRef>
+            <a:effectRef idx="0">
+              <a:schemeClr val="accent2"/>
+            </a:effectRef>
+            <a:fontRef idx="minor">
+              <a:schemeClr val="lt1"/>
+            </a:fontRef>
+          </p:style>
+          <p:txBody>
+            <a:bodyPr rtlCol="0" anchor="ctr"/>
+            <a:lstStyle/>
+            <a:p>
+              <a:pPr algn="ctr"/>
+              <a:endParaRPr lang="en-NZ"/>
+            </a:p>
+          </p:txBody>
+        </p:sp>
+        <p:sp>
+          <p:nvSpPr>
+            <p:cNvPr id="106" name="Flowchart: Connector 105">
+              <a:extLst>
+                <a:ext uri="{FF2B5EF4-FFF2-40B4-BE49-F238E27FC236}">
+                  <a16:creationId xmlns:a16="http://schemas.microsoft.com/office/drawing/2014/main" id="{4A2170C2-0D72-4B0F-8C01-8AE184B0AAE3}"/>
+                </a:ext>
+              </a:extLst>
+            </p:cNvPr>
+            <p:cNvSpPr/>
+            <p:nvPr/>
+          </p:nvSpPr>
+          <p:spPr>
+            <a:xfrm>
+              <a:off x="2880856" y="2230340"/>
+              <a:ext cx="360040" cy="360041"/>
+            </a:xfrm>
+            <a:prstGeom prst="flowChartConnector">
+              <a:avLst/>
+            </a:prstGeom>
+            <a:solidFill>
+              <a:srgbClr val="E7E6E6"/>
+            </a:solidFill>
+            <a:ln>
+              <a:solidFill>
+                <a:schemeClr val="tx1">
+                  <a:lumMod val="50000"/>
+                  <a:lumOff val="50000"/>
+                </a:schemeClr>
+              </a:solidFill>
+            </a:ln>
+          </p:spPr>
+          <p:style>
+            <a:lnRef idx="2">
+              <a:schemeClr val="accent2">
+                <a:shade val="50000"/>
+              </a:schemeClr>
+            </a:lnRef>
+            <a:fillRef idx="1">
+              <a:schemeClr val="accent2"/>
+            </a:fillRef>
+            <a:effectRef idx="0">
+              <a:schemeClr val="accent2"/>
+            </a:effectRef>
+            <a:fontRef idx="minor">
+              <a:schemeClr val="lt1"/>
+            </a:fontRef>
+          </p:style>
+          <p:txBody>
+            <a:bodyPr rtlCol="0" anchor="ctr"/>
+            <a:lstStyle/>
+            <a:p>
+              <a:pPr algn="ctr"/>
+              <a:endParaRPr lang="en-NZ"/>
+            </a:p>
+          </p:txBody>
+        </p:sp>
+        <p:sp>
+          <p:nvSpPr>
+            <p:cNvPr id="107" name="Flowchart: Connector 106">
+              <a:extLst>
+                <a:ext uri="{FF2B5EF4-FFF2-40B4-BE49-F238E27FC236}">
+                  <a16:creationId xmlns:a16="http://schemas.microsoft.com/office/drawing/2014/main" id="{A92BFBCD-4F4D-4210-9A98-D60DFA7B8FC0}"/>
+                </a:ext>
+              </a:extLst>
+            </p:cNvPr>
+            <p:cNvSpPr/>
+            <p:nvPr/>
+          </p:nvSpPr>
+          <p:spPr>
+            <a:xfrm>
+              <a:off x="3312904" y="2230340"/>
+              <a:ext cx="360040" cy="360041"/>
+            </a:xfrm>
+            <a:prstGeom prst="flowChartConnector">
+              <a:avLst/>
+            </a:prstGeom>
+            <a:solidFill>
+              <a:srgbClr val="E7E6E6"/>
+            </a:solidFill>
+            <a:ln>
+              <a:solidFill>
+                <a:schemeClr val="tx1">
+                  <a:lumMod val="50000"/>
+                  <a:lumOff val="50000"/>
+                </a:schemeClr>
+              </a:solidFill>
+            </a:ln>
+          </p:spPr>
+          <p:style>
+            <a:lnRef idx="2">
+              <a:schemeClr val="accent2">
+                <a:shade val="50000"/>
+              </a:schemeClr>
+            </a:lnRef>
+            <a:fillRef idx="1">
+              <a:schemeClr val="accent2"/>
+            </a:fillRef>
+            <a:effectRef idx="0">
+              <a:schemeClr val="accent2"/>
+            </a:effectRef>
+            <a:fontRef idx="minor">
+              <a:schemeClr val="lt1"/>
+            </a:fontRef>
+          </p:style>
+          <p:txBody>
+            <a:bodyPr rtlCol="0" anchor="ctr"/>
+            <a:lstStyle/>
+            <a:p>
+              <a:pPr algn="ctr"/>
+              <a:endParaRPr lang="en-NZ"/>
+            </a:p>
+          </p:txBody>
+        </p:sp>
+        <p:sp>
+          <p:nvSpPr>
+            <p:cNvPr id="108" name="Flowchart: Connector 107">
+              <a:extLst>
+                <a:ext uri="{FF2B5EF4-FFF2-40B4-BE49-F238E27FC236}">
+                  <a16:creationId xmlns:a16="http://schemas.microsoft.com/office/drawing/2014/main" id="{49DD7779-B367-4580-AA58-B062DF32B696}"/>
+                </a:ext>
+              </a:extLst>
+            </p:cNvPr>
+            <p:cNvSpPr/>
+            <p:nvPr/>
+          </p:nvSpPr>
+          <p:spPr>
+            <a:xfrm>
+              <a:off x="3744952" y="2230340"/>
+              <a:ext cx="360040" cy="360041"/>
+            </a:xfrm>
+            <a:prstGeom prst="flowChartConnector">
+              <a:avLst/>
+            </a:prstGeom>
+            <a:solidFill>
+              <a:srgbClr val="E7E6E6"/>
+            </a:solidFill>
+            <a:ln>
+              <a:solidFill>
+                <a:schemeClr val="tx1">
+                  <a:lumMod val="50000"/>
+                  <a:lumOff val="50000"/>
+                </a:schemeClr>
+              </a:solidFill>
+            </a:ln>
+          </p:spPr>
+          <p:style>
+            <a:lnRef idx="2">
+              <a:schemeClr val="accent2">
+                <a:shade val="50000"/>
+              </a:schemeClr>
+            </a:lnRef>
+            <a:fillRef idx="1">
+              <a:schemeClr val="accent2"/>
+            </a:fillRef>
+            <a:effectRef idx="0">
+              <a:schemeClr val="accent2"/>
+            </a:effectRef>
+            <a:fontRef idx="minor">
+              <a:schemeClr val="lt1"/>
+            </a:fontRef>
+          </p:style>
+          <p:txBody>
+            <a:bodyPr rtlCol="0" anchor="ctr"/>
+            <a:lstStyle/>
+            <a:p>
+              <a:pPr algn="ctr"/>
+              <a:endParaRPr lang="en-NZ"/>
+            </a:p>
+          </p:txBody>
+        </p:sp>
+        <p:sp>
+          <p:nvSpPr>
+            <p:cNvPr id="109" name="Flowchart: Connector 108">
+              <a:extLst>
+                <a:ext uri="{FF2B5EF4-FFF2-40B4-BE49-F238E27FC236}">
+                  <a16:creationId xmlns:a16="http://schemas.microsoft.com/office/drawing/2014/main" id="{BB74B8C8-E1C3-4290-9CA5-D2ADDD6C9A68}"/>
+                </a:ext>
+              </a:extLst>
+            </p:cNvPr>
+            <p:cNvSpPr/>
+            <p:nvPr/>
+          </p:nvSpPr>
+          <p:spPr>
+            <a:xfrm>
+              <a:off x="4177000" y="2230340"/>
+              <a:ext cx="360040" cy="360041"/>
+            </a:xfrm>
+            <a:prstGeom prst="flowChartConnector">
+              <a:avLst/>
+            </a:prstGeom>
+            <a:solidFill>
+              <a:srgbClr val="E7E6E6"/>
+            </a:solidFill>
+            <a:ln>
+              <a:solidFill>
+                <a:schemeClr val="tx1">
+                  <a:lumMod val="50000"/>
+                  <a:lumOff val="50000"/>
+                </a:schemeClr>
+              </a:solidFill>
+            </a:ln>
+          </p:spPr>
+          <p:style>
+            <a:lnRef idx="2">
+              <a:schemeClr val="accent2">
+                <a:shade val="50000"/>
+              </a:schemeClr>
+            </a:lnRef>
+            <a:fillRef idx="1">
+              <a:schemeClr val="accent2"/>
+            </a:fillRef>
+            <a:effectRef idx="0">
+              <a:schemeClr val="accent2"/>
+            </a:effectRef>
+            <a:fontRef idx="minor">
+              <a:schemeClr val="lt1"/>
+            </a:fontRef>
+          </p:style>
+          <p:txBody>
+            <a:bodyPr rtlCol="0" anchor="ctr"/>
+            <a:lstStyle/>
+            <a:p>
+              <a:pPr algn="ctr"/>
+              <a:endParaRPr lang="en-NZ"/>
+            </a:p>
+          </p:txBody>
+        </p:sp>
+        <p:sp>
+          <p:nvSpPr>
+            <p:cNvPr id="110" name="Flowchart: Connector 109">
+              <a:extLst>
+                <a:ext uri="{FF2B5EF4-FFF2-40B4-BE49-F238E27FC236}">
+                  <a16:creationId xmlns:a16="http://schemas.microsoft.com/office/drawing/2014/main" id="{54B4169B-6653-464A-8DFB-0A5830A38A78}"/>
+                </a:ext>
+              </a:extLst>
+            </p:cNvPr>
+            <p:cNvSpPr/>
+            <p:nvPr/>
+          </p:nvSpPr>
+          <p:spPr>
+            <a:xfrm>
+              <a:off x="4609048" y="2230340"/>
+              <a:ext cx="360040" cy="360041"/>
+            </a:xfrm>
+            <a:prstGeom prst="flowChartConnector">
+              <a:avLst/>
+            </a:prstGeom>
+            <a:solidFill>
+              <a:srgbClr val="E7E6E6"/>
+            </a:solidFill>
+            <a:ln>
+              <a:solidFill>
+                <a:schemeClr val="tx1">
+                  <a:lumMod val="50000"/>
+                  <a:lumOff val="50000"/>
+                </a:schemeClr>
+              </a:solidFill>
+            </a:ln>
+          </p:spPr>
+          <p:style>
+            <a:lnRef idx="2">
+              <a:schemeClr val="accent2">
+                <a:shade val="50000"/>
+              </a:schemeClr>
+            </a:lnRef>
+            <a:fillRef idx="1">
+              <a:schemeClr val="accent2"/>
+            </a:fillRef>
+            <a:effectRef idx="0">
+              <a:schemeClr val="accent2"/>
+            </a:effectRef>
+            <a:fontRef idx="minor">
+              <a:schemeClr val="lt1"/>
+            </a:fontRef>
+          </p:style>
+          <p:txBody>
+            <a:bodyPr rtlCol="0" anchor="ctr"/>
+            <a:lstStyle/>
+            <a:p>
+              <a:pPr algn="ctr"/>
+              <a:endParaRPr lang="en-NZ"/>
+            </a:p>
+          </p:txBody>
+        </p:sp>
+      </p:grpSp>
+      <p:grpSp>
+        <p:nvGrpSpPr>
+          <p:cNvPr id="14" name="Group 13">
+            <a:extLst>
+              <a:ext uri="{FF2B5EF4-FFF2-40B4-BE49-F238E27FC236}">
+                <a16:creationId xmlns:a16="http://schemas.microsoft.com/office/drawing/2014/main" id="{5E9B9297-36BE-4EA9-91DB-81F904CBF667}"/>
+              </a:ext>
+            </a:extLst>
+          </p:cNvPr>
+          <p:cNvGrpSpPr/>
+          <p:nvPr/>
+        </p:nvGrpSpPr>
+        <p:grpSpPr>
+          <a:xfrm>
+            <a:off x="5113103" y="4365109"/>
+            <a:ext cx="2088232" cy="2088233"/>
+            <a:chOff x="2880856" y="4267619"/>
+            <a:chExt cx="2088232" cy="2088233"/>
+          </a:xfrm>
+        </p:grpSpPr>
+        <p:sp>
+          <p:nvSpPr>
+            <p:cNvPr id="111" name="Flowchart: Connector 110">
+              <a:extLst>
+                <a:ext uri="{FF2B5EF4-FFF2-40B4-BE49-F238E27FC236}">
+                  <a16:creationId xmlns:a16="http://schemas.microsoft.com/office/drawing/2014/main" id="{5E0ACF0B-0559-45C4-8654-EB001AF2C92E}"/>
+                </a:ext>
+              </a:extLst>
+            </p:cNvPr>
+            <p:cNvSpPr/>
+            <p:nvPr/>
+          </p:nvSpPr>
+          <p:spPr>
+            <a:xfrm>
+              <a:off x="2880856" y="4267619"/>
+              <a:ext cx="360040" cy="360041"/>
+            </a:xfrm>
+            <a:prstGeom prst="flowChartConnector">
+              <a:avLst/>
+            </a:prstGeom>
+            <a:solidFill>
+              <a:srgbClr val="E7E6E6"/>
+            </a:solidFill>
+            <a:ln>
+              <a:solidFill>
+                <a:schemeClr val="tx1">
+                  <a:lumMod val="50000"/>
+                  <a:lumOff val="50000"/>
+                </a:schemeClr>
+              </a:solidFill>
+            </a:ln>
+          </p:spPr>
+          <p:style>
+            <a:lnRef idx="2">
+              <a:schemeClr val="accent2">
+                <a:shade val="50000"/>
+              </a:schemeClr>
+            </a:lnRef>
+            <a:fillRef idx="1">
+              <a:schemeClr val="accent2"/>
+            </a:fillRef>
+            <a:effectRef idx="0">
+              <a:schemeClr val="accent2"/>
+            </a:effectRef>
+            <a:fontRef idx="minor">
+              <a:schemeClr val="lt1"/>
+            </a:fontRef>
+          </p:style>
+          <p:txBody>
+            <a:bodyPr rtlCol="0" anchor="ctr"/>
+            <a:lstStyle/>
+            <a:p>
+              <a:pPr algn="ctr"/>
+              <a:endParaRPr lang="en-NZ"/>
+            </a:p>
+          </p:txBody>
+        </p:sp>
+        <p:sp>
+          <p:nvSpPr>
+            <p:cNvPr id="112" name="Flowchart: Connector 111">
+              <a:extLst>
+                <a:ext uri="{FF2B5EF4-FFF2-40B4-BE49-F238E27FC236}">
+                  <a16:creationId xmlns:a16="http://schemas.microsoft.com/office/drawing/2014/main" id="{346EE0C3-07FF-4C0F-B031-D5CAD24910AE}"/>
+                </a:ext>
+              </a:extLst>
+            </p:cNvPr>
+            <p:cNvSpPr/>
+            <p:nvPr/>
+          </p:nvSpPr>
+          <p:spPr>
+            <a:xfrm>
+              <a:off x="3312904" y="4267619"/>
+              <a:ext cx="360040" cy="360041"/>
+            </a:xfrm>
+            <a:prstGeom prst="flowChartConnector">
+              <a:avLst/>
+            </a:prstGeom>
+            <a:solidFill>
+              <a:srgbClr val="E7E6E6"/>
+            </a:solidFill>
+            <a:ln>
+              <a:solidFill>
+                <a:schemeClr val="tx1">
+                  <a:lumMod val="50000"/>
+                  <a:lumOff val="50000"/>
+                </a:schemeClr>
+              </a:solidFill>
+            </a:ln>
+          </p:spPr>
+          <p:style>
+            <a:lnRef idx="2">
+              <a:schemeClr val="accent2">
+                <a:shade val="50000"/>
+              </a:schemeClr>
+            </a:lnRef>
+            <a:fillRef idx="1">
+              <a:schemeClr val="accent2"/>
+            </a:fillRef>
+            <a:effectRef idx="0">
+              <a:schemeClr val="accent2"/>
+            </a:effectRef>
+            <a:fontRef idx="minor">
+              <a:schemeClr val="lt1"/>
+            </a:fontRef>
+          </p:style>
+          <p:txBody>
+            <a:bodyPr rtlCol="0" anchor="ctr"/>
+            <a:lstStyle/>
+            <a:p>
+              <a:pPr algn="ctr"/>
+              <a:endParaRPr lang="en-NZ"/>
+            </a:p>
+          </p:txBody>
+        </p:sp>
+        <p:sp>
+          <p:nvSpPr>
+            <p:cNvPr id="113" name="Flowchart: Connector 112">
+              <a:extLst>
+                <a:ext uri="{FF2B5EF4-FFF2-40B4-BE49-F238E27FC236}">
+                  <a16:creationId xmlns:a16="http://schemas.microsoft.com/office/drawing/2014/main" id="{EF2705BD-338C-4090-A5EC-950DDC216CA3}"/>
+                </a:ext>
+              </a:extLst>
+            </p:cNvPr>
+            <p:cNvSpPr/>
+            <p:nvPr/>
+          </p:nvSpPr>
+          <p:spPr>
+            <a:xfrm>
+              <a:off x="3744952" y="4275344"/>
+              <a:ext cx="360040" cy="360041"/>
+            </a:xfrm>
+            <a:prstGeom prst="flowChartConnector">
+              <a:avLst/>
+            </a:prstGeom>
+            <a:solidFill>
+              <a:srgbClr val="E7E6E6"/>
+            </a:solidFill>
+            <a:ln>
+              <a:solidFill>
+                <a:schemeClr val="tx1">
+                  <a:lumMod val="50000"/>
+                  <a:lumOff val="50000"/>
+                </a:schemeClr>
+              </a:solidFill>
+            </a:ln>
+          </p:spPr>
+          <p:style>
+            <a:lnRef idx="2">
+              <a:schemeClr val="accent2">
+                <a:shade val="50000"/>
+              </a:schemeClr>
+            </a:lnRef>
+            <a:fillRef idx="1">
+              <a:schemeClr val="accent2"/>
+            </a:fillRef>
+            <a:effectRef idx="0">
+              <a:schemeClr val="accent2"/>
+            </a:effectRef>
+            <a:fontRef idx="minor">
+              <a:schemeClr val="lt1"/>
+            </a:fontRef>
+          </p:style>
+          <p:txBody>
+            <a:bodyPr rtlCol="0" anchor="ctr"/>
+            <a:lstStyle/>
+            <a:p>
+              <a:pPr algn="ctr"/>
+              <a:endParaRPr lang="en-NZ"/>
+            </a:p>
+          </p:txBody>
+        </p:sp>
+        <p:sp>
+          <p:nvSpPr>
+            <p:cNvPr id="115" name="Flowchart: Connector 114">
+              <a:extLst>
+                <a:ext uri="{FF2B5EF4-FFF2-40B4-BE49-F238E27FC236}">
+                  <a16:creationId xmlns:a16="http://schemas.microsoft.com/office/drawing/2014/main" id="{A4D0C6AA-94AA-4BED-8D95-31E8AEAFDC21}"/>
+                </a:ext>
+              </a:extLst>
+            </p:cNvPr>
+            <p:cNvSpPr/>
+            <p:nvPr/>
+          </p:nvSpPr>
+          <p:spPr>
+            <a:xfrm>
+              <a:off x="4177000" y="4267619"/>
+              <a:ext cx="360040" cy="360041"/>
+            </a:xfrm>
+            <a:prstGeom prst="flowChartConnector">
+              <a:avLst/>
+            </a:prstGeom>
+            <a:solidFill>
+              <a:srgbClr val="E7E6E6"/>
+            </a:solidFill>
+            <a:ln>
+              <a:solidFill>
+                <a:schemeClr val="tx1">
+                  <a:lumMod val="50000"/>
+                  <a:lumOff val="50000"/>
+                </a:schemeClr>
+              </a:solidFill>
+            </a:ln>
+          </p:spPr>
+          <p:style>
+            <a:lnRef idx="2">
+              <a:schemeClr val="accent2">
+                <a:shade val="50000"/>
+              </a:schemeClr>
+            </a:lnRef>
+            <a:fillRef idx="1">
+              <a:schemeClr val="accent2"/>
+            </a:fillRef>
+            <a:effectRef idx="0">
+              <a:schemeClr val="accent2"/>
+            </a:effectRef>
+            <a:fontRef idx="minor">
+              <a:schemeClr val="lt1"/>
+            </a:fontRef>
+          </p:style>
+          <p:txBody>
+            <a:bodyPr rtlCol="0" anchor="ctr"/>
+            <a:lstStyle/>
+            <a:p>
+              <a:pPr algn="ctr"/>
+              <a:endParaRPr lang="en-NZ"/>
+            </a:p>
+          </p:txBody>
+        </p:sp>
+        <p:sp>
+          <p:nvSpPr>
+            <p:cNvPr id="116" name="Flowchart: Connector 115">
+              <a:extLst>
+                <a:ext uri="{FF2B5EF4-FFF2-40B4-BE49-F238E27FC236}">
+                  <a16:creationId xmlns:a16="http://schemas.microsoft.com/office/drawing/2014/main" id="{C85669DE-8E8E-4048-BE9E-186D8616097D}"/>
+                </a:ext>
+              </a:extLst>
+            </p:cNvPr>
+            <p:cNvSpPr/>
+            <p:nvPr/>
+          </p:nvSpPr>
+          <p:spPr>
+            <a:xfrm>
+              <a:off x="4609048" y="4267619"/>
+              <a:ext cx="360040" cy="360041"/>
+            </a:xfrm>
+            <a:prstGeom prst="flowChartConnector">
+              <a:avLst/>
+            </a:prstGeom>
+            <a:solidFill>
+              <a:srgbClr val="E7E6E6"/>
+            </a:solidFill>
+            <a:ln>
+              <a:solidFill>
+                <a:schemeClr val="tx1">
+                  <a:lumMod val="50000"/>
+                  <a:lumOff val="50000"/>
+                </a:schemeClr>
+              </a:solidFill>
+            </a:ln>
+          </p:spPr>
+          <p:style>
+            <a:lnRef idx="2">
+              <a:schemeClr val="accent2">
+                <a:shade val="50000"/>
+              </a:schemeClr>
+            </a:lnRef>
+            <a:fillRef idx="1">
+              <a:schemeClr val="accent2"/>
+            </a:fillRef>
+            <a:effectRef idx="0">
+              <a:schemeClr val="accent2"/>
+            </a:effectRef>
+            <a:fontRef idx="minor">
+              <a:schemeClr val="lt1"/>
+            </a:fontRef>
+          </p:style>
+          <p:txBody>
+            <a:bodyPr rtlCol="0" anchor="ctr"/>
+            <a:lstStyle/>
+            <a:p>
+              <a:pPr algn="ctr"/>
+              <a:endParaRPr lang="en-NZ"/>
+            </a:p>
+          </p:txBody>
+        </p:sp>
+        <p:sp>
+          <p:nvSpPr>
+            <p:cNvPr id="118" name="Flowchart: Connector 117">
+              <a:extLst>
+                <a:ext uri="{FF2B5EF4-FFF2-40B4-BE49-F238E27FC236}">
+                  <a16:creationId xmlns:a16="http://schemas.microsoft.com/office/drawing/2014/main" id="{DDC2729E-EE62-4C71-9744-A3917AAD2036}"/>
+                </a:ext>
+              </a:extLst>
+            </p:cNvPr>
+            <p:cNvSpPr/>
+            <p:nvPr/>
+          </p:nvSpPr>
+          <p:spPr>
+            <a:xfrm>
+              <a:off x="2880856" y="4699667"/>
+              <a:ext cx="360040" cy="360041"/>
+            </a:xfrm>
+            <a:prstGeom prst="flowChartConnector">
+              <a:avLst/>
+            </a:prstGeom>
+            <a:solidFill>
+              <a:srgbClr val="E7E6E6"/>
+            </a:solidFill>
+            <a:ln>
+              <a:solidFill>
+                <a:schemeClr val="tx1">
+                  <a:lumMod val="50000"/>
+                  <a:lumOff val="50000"/>
+                </a:schemeClr>
+              </a:solidFill>
+            </a:ln>
+          </p:spPr>
+          <p:style>
+            <a:lnRef idx="2">
+              <a:schemeClr val="accent2">
+                <a:shade val="50000"/>
+              </a:schemeClr>
+            </a:lnRef>
+            <a:fillRef idx="1">
+              <a:schemeClr val="accent2"/>
+            </a:fillRef>
+            <a:effectRef idx="0">
+              <a:schemeClr val="accent2"/>
+            </a:effectRef>
+            <a:fontRef idx="minor">
+              <a:schemeClr val="lt1"/>
+            </a:fontRef>
+          </p:style>
+          <p:txBody>
+            <a:bodyPr rtlCol="0" anchor="ctr"/>
+            <a:lstStyle/>
+            <a:p>
+              <a:pPr algn="ctr"/>
+              <a:endParaRPr lang="en-NZ"/>
+            </a:p>
+          </p:txBody>
+        </p:sp>
+        <p:sp>
+          <p:nvSpPr>
+            <p:cNvPr id="119" name="Flowchart: Connector 118">
+              <a:extLst>
+                <a:ext uri="{FF2B5EF4-FFF2-40B4-BE49-F238E27FC236}">
+                  <a16:creationId xmlns:a16="http://schemas.microsoft.com/office/drawing/2014/main" id="{E4AA5D6D-8E79-4AB0-BE3F-DEED09B38B6E}"/>
+                </a:ext>
+              </a:extLst>
+            </p:cNvPr>
+            <p:cNvSpPr/>
+            <p:nvPr/>
+          </p:nvSpPr>
+          <p:spPr>
+            <a:xfrm>
+              <a:off x="3312904" y="4699667"/>
+              <a:ext cx="360040" cy="360041"/>
+            </a:xfrm>
+            <a:prstGeom prst="flowChartConnector">
+              <a:avLst/>
+            </a:prstGeom>
+            <a:solidFill>
+              <a:srgbClr val="E7E6E6"/>
+            </a:solidFill>
+            <a:ln>
+              <a:solidFill>
+                <a:schemeClr val="tx1">
+                  <a:lumMod val="50000"/>
+                  <a:lumOff val="50000"/>
+                </a:schemeClr>
+              </a:solidFill>
+            </a:ln>
+          </p:spPr>
+          <p:style>
+            <a:lnRef idx="2">
+              <a:schemeClr val="accent2">
+                <a:shade val="50000"/>
+              </a:schemeClr>
+            </a:lnRef>
+            <a:fillRef idx="1">
+              <a:schemeClr val="accent2"/>
+            </a:fillRef>
+            <a:effectRef idx="0">
+              <a:schemeClr val="accent2"/>
+            </a:effectRef>
+            <a:fontRef idx="minor">
+              <a:schemeClr val="lt1"/>
+            </a:fontRef>
+          </p:style>
+          <p:txBody>
+            <a:bodyPr rtlCol="0" anchor="ctr"/>
+            <a:lstStyle/>
+            <a:p>
+              <a:pPr algn="ctr"/>
+              <a:endParaRPr lang="en-NZ"/>
+            </a:p>
+          </p:txBody>
+        </p:sp>
+        <p:sp>
+          <p:nvSpPr>
+            <p:cNvPr id="121" name="Flowchart: Connector 120">
+              <a:extLst>
+                <a:ext uri="{FF2B5EF4-FFF2-40B4-BE49-F238E27FC236}">
+                  <a16:creationId xmlns:a16="http://schemas.microsoft.com/office/drawing/2014/main" id="{6C855275-1A5E-4022-957C-6879E8C08846}"/>
+                </a:ext>
+              </a:extLst>
+            </p:cNvPr>
+            <p:cNvSpPr/>
+            <p:nvPr/>
+          </p:nvSpPr>
+          <p:spPr>
+            <a:xfrm>
+              <a:off x="3744952" y="4699667"/>
+              <a:ext cx="360040" cy="360041"/>
+            </a:xfrm>
+            <a:prstGeom prst="flowChartConnector">
+              <a:avLst/>
+            </a:prstGeom>
+            <a:solidFill>
+              <a:srgbClr val="E7E6E6"/>
+            </a:solidFill>
+            <a:ln>
+              <a:solidFill>
+                <a:schemeClr val="tx1">
+                  <a:lumMod val="50000"/>
+                  <a:lumOff val="50000"/>
+                </a:schemeClr>
+              </a:solidFill>
+            </a:ln>
+          </p:spPr>
+          <p:style>
+            <a:lnRef idx="2">
+              <a:schemeClr val="accent2">
+                <a:shade val="50000"/>
+              </a:schemeClr>
+            </a:lnRef>
+            <a:fillRef idx="1">
+              <a:schemeClr val="accent2"/>
+            </a:fillRef>
+            <a:effectRef idx="0">
+              <a:schemeClr val="accent2"/>
+            </a:effectRef>
+            <a:fontRef idx="minor">
+              <a:schemeClr val="lt1"/>
+            </a:fontRef>
+          </p:style>
+          <p:txBody>
+            <a:bodyPr rtlCol="0" anchor="ctr"/>
+            <a:lstStyle/>
+            <a:p>
+              <a:pPr algn="ctr"/>
+              <a:endParaRPr lang="en-NZ"/>
+            </a:p>
+          </p:txBody>
+        </p:sp>
+        <p:sp>
+          <p:nvSpPr>
+            <p:cNvPr id="122" name="Flowchart: Connector 121">
+              <a:extLst>
+                <a:ext uri="{FF2B5EF4-FFF2-40B4-BE49-F238E27FC236}">
+                  <a16:creationId xmlns:a16="http://schemas.microsoft.com/office/drawing/2014/main" id="{F5A0F87B-D9AD-4ACA-968F-7FA4CF18236E}"/>
+                </a:ext>
+              </a:extLst>
+            </p:cNvPr>
+            <p:cNvSpPr/>
+            <p:nvPr/>
+          </p:nvSpPr>
+          <p:spPr>
+            <a:xfrm>
+              <a:off x="4177000" y="4699667"/>
+              <a:ext cx="360040" cy="360041"/>
+            </a:xfrm>
+            <a:prstGeom prst="flowChartConnector">
+              <a:avLst/>
+            </a:prstGeom>
+            <a:solidFill>
+              <a:srgbClr val="E7E6E6"/>
+            </a:solidFill>
+            <a:ln>
+              <a:solidFill>
+                <a:schemeClr val="tx1">
+                  <a:lumMod val="50000"/>
+                  <a:lumOff val="50000"/>
+                </a:schemeClr>
+              </a:solidFill>
+            </a:ln>
+          </p:spPr>
+          <p:style>
+            <a:lnRef idx="2">
+              <a:schemeClr val="accent2">
+                <a:shade val="50000"/>
+              </a:schemeClr>
+            </a:lnRef>
+            <a:fillRef idx="1">
+              <a:schemeClr val="accent2"/>
+            </a:fillRef>
+            <a:effectRef idx="0">
+              <a:schemeClr val="accent2"/>
+            </a:effectRef>
+            <a:fontRef idx="minor">
+              <a:schemeClr val="lt1"/>
+            </a:fontRef>
+          </p:style>
+          <p:txBody>
+            <a:bodyPr rtlCol="0" anchor="ctr"/>
+            <a:lstStyle/>
+            <a:p>
+              <a:pPr algn="ctr"/>
+              <a:endParaRPr lang="en-NZ"/>
+            </a:p>
+          </p:txBody>
+        </p:sp>
+        <p:sp>
+          <p:nvSpPr>
+            <p:cNvPr id="124" name="Flowchart: Connector 123">
+              <a:extLst>
+                <a:ext uri="{FF2B5EF4-FFF2-40B4-BE49-F238E27FC236}">
+                  <a16:creationId xmlns:a16="http://schemas.microsoft.com/office/drawing/2014/main" id="{EB80F309-4160-4B85-BE5F-B2DB6EAC89DF}"/>
+                </a:ext>
+              </a:extLst>
+            </p:cNvPr>
+            <p:cNvSpPr/>
+            <p:nvPr/>
+          </p:nvSpPr>
+          <p:spPr>
+            <a:xfrm>
+              <a:off x="4609048" y="4699667"/>
+              <a:ext cx="360040" cy="360041"/>
+            </a:xfrm>
+            <a:prstGeom prst="flowChartConnector">
+              <a:avLst/>
+            </a:prstGeom>
+            <a:solidFill>
+              <a:srgbClr val="E7E6E6"/>
+            </a:solidFill>
+            <a:ln>
+              <a:solidFill>
+                <a:schemeClr val="tx1">
+                  <a:lumMod val="50000"/>
+                  <a:lumOff val="50000"/>
+                </a:schemeClr>
+              </a:solidFill>
+            </a:ln>
+          </p:spPr>
+          <p:style>
+            <a:lnRef idx="2">
+              <a:schemeClr val="accent2">
+                <a:shade val="50000"/>
+              </a:schemeClr>
+            </a:lnRef>
+            <a:fillRef idx="1">
+              <a:schemeClr val="accent2"/>
+            </a:fillRef>
+            <a:effectRef idx="0">
+              <a:schemeClr val="accent2"/>
+            </a:effectRef>
+            <a:fontRef idx="minor">
+              <a:schemeClr val="lt1"/>
+            </a:fontRef>
+          </p:style>
+          <p:txBody>
+            <a:bodyPr rtlCol="0" anchor="ctr"/>
+            <a:lstStyle/>
+            <a:p>
+              <a:pPr algn="ctr"/>
+              <a:endParaRPr lang="en-NZ"/>
+            </a:p>
+          </p:txBody>
+        </p:sp>
+        <p:sp>
+          <p:nvSpPr>
+            <p:cNvPr id="125" name="Flowchart: Connector 124">
+              <a:extLst>
+                <a:ext uri="{FF2B5EF4-FFF2-40B4-BE49-F238E27FC236}">
+                  <a16:creationId xmlns:a16="http://schemas.microsoft.com/office/drawing/2014/main" id="{6D455639-962F-4309-8BE6-366117B72C8E}"/>
+                </a:ext>
+              </a:extLst>
+            </p:cNvPr>
+            <p:cNvSpPr/>
+            <p:nvPr/>
+          </p:nvSpPr>
+          <p:spPr>
+            <a:xfrm>
+              <a:off x="2880856" y="5131715"/>
+              <a:ext cx="360040" cy="360041"/>
+            </a:xfrm>
+            <a:prstGeom prst="flowChartConnector">
+              <a:avLst/>
+            </a:prstGeom>
+            <a:solidFill>
+              <a:schemeClr val="accent1">
+                <a:lumMod val="60000"/>
+                <a:lumOff val="40000"/>
+              </a:schemeClr>
+            </a:solidFill>
+            <a:ln>
+              <a:solidFill>
+                <a:schemeClr val="accent1">
+                  <a:lumMod val="75000"/>
+                </a:schemeClr>
+              </a:solidFill>
+            </a:ln>
+          </p:spPr>
+          <p:style>
+            <a:lnRef idx="2">
+              <a:schemeClr val="accent2">
+                <a:shade val="50000"/>
+              </a:schemeClr>
+            </a:lnRef>
+            <a:fillRef idx="1">
+              <a:schemeClr val="accent2"/>
+            </a:fillRef>
+            <a:effectRef idx="0">
+              <a:schemeClr val="accent2"/>
+            </a:effectRef>
+            <a:fontRef idx="minor">
+              <a:schemeClr val="lt1"/>
+            </a:fontRef>
+          </p:style>
+          <p:txBody>
+            <a:bodyPr rtlCol="0" anchor="ctr"/>
+            <a:lstStyle/>
+            <a:p>
+              <a:pPr algn="ctr"/>
+              <a:endParaRPr lang="en-NZ"/>
+            </a:p>
+          </p:txBody>
+        </p:sp>
+        <p:sp>
+          <p:nvSpPr>
+            <p:cNvPr id="127" name="Flowchart: Connector 126">
+              <a:extLst>
+                <a:ext uri="{FF2B5EF4-FFF2-40B4-BE49-F238E27FC236}">
+                  <a16:creationId xmlns:a16="http://schemas.microsoft.com/office/drawing/2014/main" id="{0548545F-E27F-46AA-8722-7D5AB6B29592}"/>
+                </a:ext>
+              </a:extLst>
+            </p:cNvPr>
+            <p:cNvSpPr/>
+            <p:nvPr/>
+          </p:nvSpPr>
+          <p:spPr>
+            <a:xfrm>
+              <a:off x="3312904" y="5131715"/>
+              <a:ext cx="360040" cy="360041"/>
+            </a:xfrm>
+            <a:prstGeom prst="flowChartConnector">
+              <a:avLst/>
+            </a:prstGeom>
+            <a:solidFill>
+              <a:schemeClr val="accent1">
+                <a:lumMod val="60000"/>
+                <a:lumOff val="40000"/>
+              </a:schemeClr>
+            </a:solidFill>
+            <a:ln>
+              <a:solidFill>
+                <a:schemeClr val="accent1">
+                  <a:lumMod val="75000"/>
+                </a:schemeClr>
+              </a:solidFill>
+            </a:ln>
+          </p:spPr>
+          <p:style>
+            <a:lnRef idx="2">
+              <a:schemeClr val="accent2">
+                <a:shade val="50000"/>
+              </a:schemeClr>
+            </a:lnRef>
+            <a:fillRef idx="1">
+              <a:schemeClr val="accent2"/>
+            </a:fillRef>
+            <a:effectRef idx="0">
+              <a:schemeClr val="accent2"/>
+            </a:effectRef>
+            <a:fontRef idx="minor">
+              <a:schemeClr val="lt1"/>
+            </a:fontRef>
+          </p:style>
+          <p:txBody>
+            <a:bodyPr rtlCol="0" anchor="ctr"/>
+            <a:lstStyle/>
+            <a:p>
+              <a:pPr algn="ctr"/>
+              <a:endParaRPr lang="en-NZ"/>
+            </a:p>
+          </p:txBody>
+        </p:sp>
+        <p:sp>
+          <p:nvSpPr>
+            <p:cNvPr id="128" name="Flowchart: Connector 127">
+              <a:extLst>
+                <a:ext uri="{FF2B5EF4-FFF2-40B4-BE49-F238E27FC236}">
+                  <a16:creationId xmlns:a16="http://schemas.microsoft.com/office/drawing/2014/main" id="{43B11721-ADF6-442C-BFAA-08610579AB42}"/>
+                </a:ext>
+              </a:extLst>
+            </p:cNvPr>
+            <p:cNvSpPr/>
+            <p:nvPr/>
+          </p:nvSpPr>
+          <p:spPr>
+            <a:xfrm>
+              <a:off x="3744952" y="5131715"/>
+              <a:ext cx="360040" cy="360041"/>
+            </a:xfrm>
+            <a:prstGeom prst="flowChartConnector">
+              <a:avLst/>
+            </a:prstGeom>
+            <a:solidFill>
+              <a:schemeClr val="accent1">
+                <a:lumMod val="60000"/>
+                <a:lumOff val="40000"/>
+              </a:schemeClr>
+            </a:solidFill>
+            <a:ln>
+              <a:solidFill>
+                <a:schemeClr val="accent1">
+                  <a:lumMod val="75000"/>
+                </a:schemeClr>
+              </a:solidFill>
+            </a:ln>
+          </p:spPr>
+          <p:style>
+            <a:lnRef idx="2">
+              <a:schemeClr val="accent2">
+                <a:shade val="50000"/>
+              </a:schemeClr>
+            </a:lnRef>
+            <a:fillRef idx="1">
+              <a:schemeClr val="accent2"/>
+            </a:fillRef>
+            <a:effectRef idx="0">
+              <a:schemeClr val="accent2"/>
+            </a:effectRef>
+            <a:fontRef idx="minor">
+              <a:schemeClr val="lt1"/>
+            </a:fontRef>
+          </p:style>
+          <p:txBody>
+            <a:bodyPr rtlCol="0" anchor="ctr"/>
+            <a:lstStyle/>
+            <a:p>
+              <a:pPr algn="ctr"/>
+              <a:endParaRPr lang="en-NZ"/>
+            </a:p>
+          </p:txBody>
+        </p:sp>
+        <p:sp>
+          <p:nvSpPr>
+            <p:cNvPr id="130" name="Flowchart: Connector 129">
+              <a:extLst>
+                <a:ext uri="{FF2B5EF4-FFF2-40B4-BE49-F238E27FC236}">
+                  <a16:creationId xmlns:a16="http://schemas.microsoft.com/office/drawing/2014/main" id="{F3791C57-72C1-48BD-8029-A2DF5BB6C2B5}"/>
+                </a:ext>
+              </a:extLst>
+            </p:cNvPr>
+            <p:cNvSpPr/>
+            <p:nvPr/>
+          </p:nvSpPr>
+          <p:spPr>
+            <a:xfrm>
+              <a:off x="4177000" y="5131715"/>
+              <a:ext cx="360040" cy="360041"/>
+            </a:xfrm>
+            <a:prstGeom prst="flowChartConnector">
+              <a:avLst/>
+            </a:prstGeom>
+            <a:solidFill>
+              <a:schemeClr val="accent1">
+                <a:lumMod val="60000"/>
+                <a:lumOff val="40000"/>
+              </a:schemeClr>
+            </a:solidFill>
+            <a:ln>
+              <a:solidFill>
+                <a:schemeClr val="accent1">
+                  <a:lumMod val="75000"/>
+                </a:schemeClr>
+              </a:solidFill>
+            </a:ln>
+          </p:spPr>
+          <p:style>
+            <a:lnRef idx="2">
+              <a:schemeClr val="accent2">
+                <a:shade val="50000"/>
+              </a:schemeClr>
+            </a:lnRef>
+            <a:fillRef idx="1">
+              <a:schemeClr val="accent2"/>
+            </a:fillRef>
+            <a:effectRef idx="0">
+              <a:schemeClr val="accent2"/>
+            </a:effectRef>
+            <a:fontRef idx="minor">
+              <a:schemeClr val="lt1"/>
+            </a:fontRef>
+          </p:style>
+          <p:txBody>
+            <a:bodyPr rtlCol="0" anchor="ctr"/>
+            <a:lstStyle/>
+            <a:p>
+              <a:pPr algn="ctr"/>
+              <a:endParaRPr lang="en-NZ"/>
+            </a:p>
+          </p:txBody>
+        </p:sp>
+        <p:sp>
+          <p:nvSpPr>
+            <p:cNvPr id="131" name="Flowchart: Connector 130">
+              <a:extLst>
+                <a:ext uri="{FF2B5EF4-FFF2-40B4-BE49-F238E27FC236}">
+                  <a16:creationId xmlns:a16="http://schemas.microsoft.com/office/drawing/2014/main" id="{DEA598E1-51BF-4411-B243-E28F15428CF7}"/>
+                </a:ext>
+              </a:extLst>
+            </p:cNvPr>
+            <p:cNvSpPr/>
+            <p:nvPr/>
+          </p:nvSpPr>
+          <p:spPr>
+            <a:xfrm>
+              <a:off x="4609048" y="5131715"/>
+              <a:ext cx="360040" cy="360041"/>
+            </a:xfrm>
+            <a:prstGeom prst="flowChartConnector">
+              <a:avLst/>
+            </a:prstGeom>
+            <a:solidFill>
+              <a:schemeClr val="accent1">
+                <a:lumMod val="60000"/>
+                <a:lumOff val="40000"/>
+              </a:schemeClr>
+            </a:solidFill>
+            <a:ln>
+              <a:solidFill>
+                <a:schemeClr val="accent1">
+                  <a:lumMod val="75000"/>
+                </a:schemeClr>
+              </a:solidFill>
+            </a:ln>
+          </p:spPr>
+          <p:style>
+            <a:lnRef idx="2">
+              <a:schemeClr val="accent2">
+                <a:shade val="50000"/>
+              </a:schemeClr>
+            </a:lnRef>
+            <a:fillRef idx="1">
+              <a:schemeClr val="accent2"/>
+            </a:fillRef>
+            <a:effectRef idx="0">
+              <a:schemeClr val="accent2"/>
+            </a:effectRef>
+            <a:fontRef idx="minor">
+              <a:schemeClr val="lt1"/>
+            </a:fontRef>
+          </p:style>
+          <p:txBody>
+            <a:bodyPr rtlCol="0" anchor="ctr"/>
+            <a:lstStyle/>
+            <a:p>
+              <a:pPr algn="ctr"/>
+              <a:endParaRPr lang="en-NZ"/>
+            </a:p>
+          </p:txBody>
+        </p:sp>
+        <p:sp>
+          <p:nvSpPr>
+            <p:cNvPr id="133" name="Flowchart: Connector 132">
+              <a:extLst>
+                <a:ext uri="{FF2B5EF4-FFF2-40B4-BE49-F238E27FC236}">
+                  <a16:creationId xmlns:a16="http://schemas.microsoft.com/office/drawing/2014/main" id="{57764C78-28A5-4C66-B7C5-1C0B0E2231B0}"/>
+                </a:ext>
+              </a:extLst>
+            </p:cNvPr>
+            <p:cNvSpPr/>
+            <p:nvPr/>
+          </p:nvSpPr>
+          <p:spPr>
+            <a:xfrm>
+              <a:off x="2880856" y="5563763"/>
+              <a:ext cx="360040" cy="360041"/>
+            </a:xfrm>
+            <a:prstGeom prst="flowChartConnector">
+              <a:avLst/>
+            </a:prstGeom>
+            <a:solidFill>
+              <a:srgbClr val="E7E6E6"/>
+            </a:solidFill>
+            <a:ln>
+              <a:solidFill>
+                <a:schemeClr val="tx1">
+                  <a:lumMod val="50000"/>
+                  <a:lumOff val="50000"/>
+                </a:schemeClr>
+              </a:solidFill>
+            </a:ln>
+          </p:spPr>
+          <p:style>
+            <a:lnRef idx="2">
+              <a:schemeClr val="accent2">
+                <a:shade val="50000"/>
+              </a:schemeClr>
+            </a:lnRef>
+            <a:fillRef idx="1">
+              <a:schemeClr val="accent2"/>
+            </a:fillRef>
+            <a:effectRef idx="0">
+              <a:schemeClr val="accent2"/>
+            </a:effectRef>
+            <a:fontRef idx="minor">
+              <a:schemeClr val="lt1"/>
+            </a:fontRef>
+          </p:style>
+          <p:txBody>
+            <a:bodyPr rtlCol="0" anchor="ctr"/>
+            <a:lstStyle/>
+            <a:p>
+              <a:pPr algn="ctr"/>
+              <a:endParaRPr lang="en-NZ"/>
+            </a:p>
+          </p:txBody>
+        </p:sp>
+        <p:sp>
+          <p:nvSpPr>
+            <p:cNvPr id="134" name="Flowchart: Connector 133">
+              <a:extLst>
+                <a:ext uri="{FF2B5EF4-FFF2-40B4-BE49-F238E27FC236}">
+                  <a16:creationId xmlns:a16="http://schemas.microsoft.com/office/drawing/2014/main" id="{A710F7EC-3E3B-45EA-A420-30D76486ACA9}"/>
+                </a:ext>
+              </a:extLst>
+            </p:cNvPr>
+            <p:cNvSpPr/>
+            <p:nvPr/>
+          </p:nvSpPr>
+          <p:spPr>
+            <a:xfrm>
+              <a:off x="3312904" y="5563763"/>
+              <a:ext cx="360040" cy="360041"/>
+            </a:xfrm>
+            <a:prstGeom prst="flowChartConnector">
+              <a:avLst/>
+            </a:prstGeom>
+            <a:solidFill>
+              <a:srgbClr val="E7E6E6"/>
+            </a:solidFill>
+            <a:ln>
+              <a:solidFill>
+                <a:schemeClr val="tx1">
+                  <a:lumMod val="50000"/>
+                  <a:lumOff val="50000"/>
+                </a:schemeClr>
+              </a:solidFill>
+            </a:ln>
+          </p:spPr>
+          <p:style>
+            <a:lnRef idx="2">
+              <a:schemeClr val="accent2">
+                <a:shade val="50000"/>
+              </a:schemeClr>
+            </a:lnRef>
+            <a:fillRef idx="1">
+              <a:schemeClr val="accent2"/>
+            </a:fillRef>
+            <a:effectRef idx="0">
+              <a:schemeClr val="accent2"/>
+            </a:effectRef>
+            <a:fontRef idx="minor">
+              <a:schemeClr val="lt1"/>
+            </a:fontRef>
+          </p:style>
+          <p:txBody>
+            <a:bodyPr rtlCol="0" anchor="ctr"/>
+            <a:lstStyle/>
+            <a:p>
+              <a:pPr algn="ctr"/>
+              <a:endParaRPr lang="en-NZ"/>
+            </a:p>
+          </p:txBody>
+        </p:sp>
+        <p:sp>
+          <p:nvSpPr>
+            <p:cNvPr id="136" name="Flowchart: Connector 135">
+              <a:extLst>
+                <a:ext uri="{FF2B5EF4-FFF2-40B4-BE49-F238E27FC236}">
+                  <a16:creationId xmlns:a16="http://schemas.microsoft.com/office/drawing/2014/main" id="{F8B64125-ED40-4A94-823E-542413D44DA4}"/>
+                </a:ext>
+              </a:extLst>
+            </p:cNvPr>
+            <p:cNvSpPr/>
+            <p:nvPr/>
+          </p:nvSpPr>
+          <p:spPr>
+            <a:xfrm>
+              <a:off x="3744952" y="5563763"/>
+              <a:ext cx="360040" cy="360041"/>
+            </a:xfrm>
+            <a:prstGeom prst="flowChartConnector">
+              <a:avLst/>
+            </a:prstGeom>
+            <a:solidFill>
+              <a:srgbClr val="E7E6E6"/>
+            </a:solidFill>
+            <a:ln>
+              <a:solidFill>
+                <a:schemeClr val="tx1">
+                  <a:lumMod val="50000"/>
+                  <a:lumOff val="50000"/>
+                </a:schemeClr>
+              </a:solidFill>
+            </a:ln>
+          </p:spPr>
+          <p:style>
+            <a:lnRef idx="2">
+              <a:schemeClr val="accent2">
+                <a:shade val="50000"/>
+              </a:schemeClr>
+            </a:lnRef>
+            <a:fillRef idx="1">
+              <a:schemeClr val="accent2"/>
+            </a:fillRef>
+            <a:effectRef idx="0">
+              <a:schemeClr val="accent2"/>
+            </a:effectRef>
+            <a:fontRef idx="minor">
+              <a:schemeClr val="lt1"/>
+            </a:fontRef>
+          </p:style>
+          <p:txBody>
+            <a:bodyPr rtlCol="0" anchor="ctr"/>
+            <a:lstStyle/>
+            <a:p>
+              <a:pPr algn="ctr"/>
+              <a:endParaRPr lang="en-NZ"/>
+            </a:p>
+          </p:txBody>
+        </p:sp>
+        <p:sp>
+          <p:nvSpPr>
+            <p:cNvPr id="137" name="Flowchart: Connector 136">
+              <a:extLst>
+                <a:ext uri="{FF2B5EF4-FFF2-40B4-BE49-F238E27FC236}">
+                  <a16:creationId xmlns:a16="http://schemas.microsoft.com/office/drawing/2014/main" id="{0C24EBDE-69B3-48B1-B771-0ECD594BCDA0}"/>
+                </a:ext>
+              </a:extLst>
+            </p:cNvPr>
+            <p:cNvSpPr/>
+            <p:nvPr/>
+          </p:nvSpPr>
+          <p:spPr>
+            <a:xfrm>
+              <a:off x="4177000" y="5563763"/>
+              <a:ext cx="360040" cy="360041"/>
+            </a:xfrm>
+            <a:prstGeom prst="flowChartConnector">
+              <a:avLst/>
+            </a:prstGeom>
+            <a:solidFill>
+              <a:srgbClr val="E7E6E6"/>
+            </a:solidFill>
+            <a:ln>
+              <a:solidFill>
+                <a:schemeClr val="tx1">
+                  <a:lumMod val="50000"/>
+                  <a:lumOff val="50000"/>
+                </a:schemeClr>
+              </a:solidFill>
+            </a:ln>
+          </p:spPr>
+          <p:style>
+            <a:lnRef idx="2">
+              <a:schemeClr val="accent2">
+                <a:shade val="50000"/>
+              </a:schemeClr>
+            </a:lnRef>
+            <a:fillRef idx="1">
+              <a:schemeClr val="accent2"/>
+            </a:fillRef>
+            <a:effectRef idx="0">
+              <a:schemeClr val="accent2"/>
+            </a:effectRef>
+            <a:fontRef idx="minor">
+              <a:schemeClr val="lt1"/>
+            </a:fontRef>
+          </p:style>
+          <p:txBody>
+            <a:bodyPr rtlCol="0" anchor="ctr"/>
+            <a:lstStyle/>
+            <a:p>
+              <a:pPr algn="ctr"/>
+              <a:endParaRPr lang="en-NZ"/>
+            </a:p>
+          </p:txBody>
+        </p:sp>
+        <p:sp>
+          <p:nvSpPr>
+            <p:cNvPr id="139" name="Flowchart: Connector 138">
+              <a:extLst>
+                <a:ext uri="{FF2B5EF4-FFF2-40B4-BE49-F238E27FC236}">
+                  <a16:creationId xmlns:a16="http://schemas.microsoft.com/office/drawing/2014/main" id="{29312A6E-20C5-4BEA-B94A-79C2EAA696CD}"/>
+                </a:ext>
+              </a:extLst>
+            </p:cNvPr>
+            <p:cNvSpPr/>
+            <p:nvPr/>
+          </p:nvSpPr>
+          <p:spPr>
+            <a:xfrm>
+              <a:off x="4609048" y="5563763"/>
+              <a:ext cx="360040" cy="360041"/>
+            </a:xfrm>
+            <a:prstGeom prst="flowChartConnector">
+              <a:avLst/>
+            </a:prstGeom>
+            <a:solidFill>
+              <a:srgbClr val="E7E6E6"/>
+            </a:solidFill>
+            <a:ln>
+              <a:solidFill>
+                <a:schemeClr val="tx1">
+                  <a:lumMod val="50000"/>
+                  <a:lumOff val="50000"/>
+                </a:schemeClr>
+              </a:solidFill>
+            </a:ln>
+          </p:spPr>
+          <p:style>
+            <a:lnRef idx="2">
+              <a:schemeClr val="accent2">
+                <a:shade val="50000"/>
+              </a:schemeClr>
+            </a:lnRef>
+            <a:fillRef idx="1">
+              <a:schemeClr val="accent2"/>
+            </a:fillRef>
+            <a:effectRef idx="0">
+              <a:schemeClr val="accent2"/>
+            </a:effectRef>
+            <a:fontRef idx="minor">
+              <a:schemeClr val="lt1"/>
+            </a:fontRef>
+          </p:style>
+          <p:txBody>
+            <a:bodyPr rtlCol="0" anchor="ctr"/>
+            <a:lstStyle/>
+            <a:p>
+              <a:pPr algn="ctr"/>
+              <a:endParaRPr lang="en-NZ"/>
+            </a:p>
+          </p:txBody>
+        </p:sp>
+        <p:sp>
+          <p:nvSpPr>
+            <p:cNvPr id="140" name="Flowchart: Connector 139">
+              <a:extLst>
+                <a:ext uri="{FF2B5EF4-FFF2-40B4-BE49-F238E27FC236}">
+                  <a16:creationId xmlns:a16="http://schemas.microsoft.com/office/drawing/2014/main" id="{7365E354-EA6C-4951-A730-923272AF8E9F}"/>
+                </a:ext>
+              </a:extLst>
+            </p:cNvPr>
+            <p:cNvSpPr/>
+            <p:nvPr/>
+          </p:nvSpPr>
+          <p:spPr>
+            <a:xfrm>
+              <a:off x="2880856" y="5995811"/>
+              <a:ext cx="360040" cy="360041"/>
+            </a:xfrm>
+            <a:prstGeom prst="flowChartConnector">
+              <a:avLst/>
+            </a:prstGeom>
+            <a:solidFill>
+              <a:srgbClr val="E7E6E6"/>
+            </a:solidFill>
+            <a:ln>
+              <a:solidFill>
+                <a:schemeClr val="tx1">
+                  <a:lumMod val="50000"/>
+                  <a:lumOff val="50000"/>
+                </a:schemeClr>
+              </a:solidFill>
+            </a:ln>
+          </p:spPr>
+          <p:style>
+            <a:lnRef idx="2">
+              <a:schemeClr val="accent2">
+                <a:shade val="50000"/>
+              </a:schemeClr>
+            </a:lnRef>
+            <a:fillRef idx="1">
+              <a:schemeClr val="accent2"/>
+            </a:fillRef>
+            <a:effectRef idx="0">
+              <a:schemeClr val="accent2"/>
+            </a:effectRef>
+            <a:fontRef idx="minor">
+              <a:schemeClr val="lt1"/>
+            </a:fontRef>
+          </p:style>
+          <p:txBody>
+            <a:bodyPr rtlCol="0" anchor="ctr"/>
+            <a:lstStyle/>
+            <a:p>
+              <a:pPr algn="ctr"/>
+              <a:endParaRPr lang="en-NZ"/>
+            </a:p>
+          </p:txBody>
+        </p:sp>
+        <p:sp>
+          <p:nvSpPr>
+            <p:cNvPr id="142" name="Flowchart: Connector 141">
+              <a:extLst>
+                <a:ext uri="{FF2B5EF4-FFF2-40B4-BE49-F238E27FC236}">
+                  <a16:creationId xmlns:a16="http://schemas.microsoft.com/office/drawing/2014/main" id="{CAC45FA5-8601-4F95-ADC3-58DDEE973A11}"/>
+                </a:ext>
+              </a:extLst>
+            </p:cNvPr>
+            <p:cNvSpPr/>
+            <p:nvPr/>
+          </p:nvSpPr>
+          <p:spPr>
+            <a:xfrm>
+              <a:off x="3312904" y="5995811"/>
+              <a:ext cx="360040" cy="360041"/>
+            </a:xfrm>
+            <a:prstGeom prst="flowChartConnector">
+              <a:avLst/>
+            </a:prstGeom>
+            <a:solidFill>
+              <a:srgbClr val="E7E6E6"/>
+            </a:solidFill>
+            <a:ln>
+              <a:solidFill>
+                <a:schemeClr val="tx1">
+                  <a:lumMod val="50000"/>
+                  <a:lumOff val="50000"/>
+                </a:schemeClr>
+              </a:solidFill>
+            </a:ln>
+          </p:spPr>
+          <p:style>
+            <a:lnRef idx="2">
+              <a:schemeClr val="accent2">
+                <a:shade val="50000"/>
+              </a:schemeClr>
+            </a:lnRef>
+            <a:fillRef idx="1">
+              <a:schemeClr val="accent2"/>
+            </a:fillRef>
+            <a:effectRef idx="0">
+              <a:schemeClr val="accent2"/>
+            </a:effectRef>
+            <a:fontRef idx="minor">
+              <a:schemeClr val="lt1"/>
+            </a:fontRef>
+          </p:style>
+          <p:txBody>
+            <a:bodyPr rtlCol="0" anchor="ctr"/>
+            <a:lstStyle/>
+            <a:p>
+              <a:pPr algn="ctr"/>
+              <a:endParaRPr lang="en-NZ"/>
+            </a:p>
+          </p:txBody>
+        </p:sp>
+        <p:sp>
+          <p:nvSpPr>
+            <p:cNvPr id="143" name="Flowchart: Connector 142">
+              <a:extLst>
+                <a:ext uri="{FF2B5EF4-FFF2-40B4-BE49-F238E27FC236}">
+                  <a16:creationId xmlns:a16="http://schemas.microsoft.com/office/drawing/2014/main" id="{6FED1A93-9FF1-429A-B845-B219DFE78C32}"/>
+                </a:ext>
+              </a:extLst>
+            </p:cNvPr>
+            <p:cNvSpPr/>
+            <p:nvPr/>
+          </p:nvSpPr>
+          <p:spPr>
+            <a:xfrm>
+              <a:off x="3744952" y="5995811"/>
+              <a:ext cx="360040" cy="360041"/>
+            </a:xfrm>
+            <a:prstGeom prst="flowChartConnector">
+              <a:avLst/>
+            </a:prstGeom>
+            <a:solidFill>
+              <a:srgbClr val="E7E6E6"/>
+            </a:solidFill>
+            <a:ln>
+              <a:solidFill>
+                <a:schemeClr val="tx1">
+                  <a:lumMod val="50000"/>
+                  <a:lumOff val="50000"/>
+                </a:schemeClr>
+              </a:solidFill>
+            </a:ln>
+          </p:spPr>
+          <p:style>
+            <a:lnRef idx="2">
+              <a:schemeClr val="accent2">
+                <a:shade val="50000"/>
+              </a:schemeClr>
+            </a:lnRef>
+            <a:fillRef idx="1">
+              <a:schemeClr val="accent2"/>
+            </a:fillRef>
+            <a:effectRef idx="0">
+              <a:schemeClr val="accent2"/>
+            </a:effectRef>
+            <a:fontRef idx="minor">
+              <a:schemeClr val="lt1"/>
+            </a:fontRef>
+          </p:style>
+          <p:txBody>
+            <a:bodyPr rtlCol="0" anchor="ctr"/>
+            <a:lstStyle/>
+            <a:p>
+              <a:pPr algn="ctr"/>
+              <a:endParaRPr lang="en-NZ"/>
+            </a:p>
+          </p:txBody>
+        </p:sp>
+        <p:sp>
+          <p:nvSpPr>
+            <p:cNvPr id="145" name="Flowchart: Connector 144">
+              <a:extLst>
+                <a:ext uri="{FF2B5EF4-FFF2-40B4-BE49-F238E27FC236}">
+                  <a16:creationId xmlns:a16="http://schemas.microsoft.com/office/drawing/2014/main" id="{5BA48939-8A85-45D2-9448-3A258A2D112C}"/>
+                </a:ext>
+              </a:extLst>
+            </p:cNvPr>
+            <p:cNvSpPr/>
+            <p:nvPr/>
+          </p:nvSpPr>
+          <p:spPr>
+            <a:xfrm>
+              <a:off x="4177000" y="5995811"/>
+              <a:ext cx="360040" cy="360041"/>
+            </a:xfrm>
+            <a:prstGeom prst="flowChartConnector">
+              <a:avLst/>
+            </a:prstGeom>
+            <a:solidFill>
+              <a:srgbClr val="E7E6E6"/>
+            </a:solidFill>
+            <a:ln>
+              <a:solidFill>
+                <a:schemeClr val="tx1">
+                  <a:lumMod val="50000"/>
+                  <a:lumOff val="50000"/>
+                </a:schemeClr>
+              </a:solidFill>
+            </a:ln>
+          </p:spPr>
+          <p:style>
+            <a:lnRef idx="2">
+              <a:schemeClr val="accent2">
+                <a:shade val="50000"/>
+              </a:schemeClr>
+            </a:lnRef>
+            <a:fillRef idx="1">
+              <a:schemeClr val="accent2"/>
+            </a:fillRef>
+            <a:effectRef idx="0">
+              <a:schemeClr val="accent2"/>
+            </a:effectRef>
+            <a:fontRef idx="minor">
+              <a:schemeClr val="lt1"/>
+            </a:fontRef>
+          </p:style>
+          <p:txBody>
+            <a:bodyPr rtlCol="0" anchor="ctr"/>
+            <a:lstStyle/>
+            <a:p>
+              <a:pPr algn="ctr"/>
+              <a:endParaRPr lang="en-NZ"/>
+            </a:p>
+          </p:txBody>
+        </p:sp>
+        <p:sp>
+          <p:nvSpPr>
+            <p:cNvPr id="146" name="Flowchart: Connector 145">
+              <a:extLst>
+                <a:ext uri="{FF2B5EF4-FFF2-40B4-BE49-F238E27FC236}">
+                  <a16:creationId xmlns:a16="http://schemas.microsoft.com/office/drawing/2014/main" id="{B30CC1E5-60C3-425A-9494-1C6DE16AED6A}"/>
+                </a:ext>
+              </a:extLst>
+            </p:cNvPr>
+            <p:cNvSpPr/>
+            <p:nvPr/>
+          </p:nvSpPr>
+          <p:spPr>
+            <a:xfrm>
+              <a:off x="4609048" y="5995811"/>
+              <a:ext cx="360040" cy="360041"/>
+            </a:xfrm>
+            <a:prstGeom prst="flowChartConnector">
+              <a:avLst/>
+            </a:prstGeom>
+            <a:solidFill>
+              <a:srgbClr val="E7E6E6"/>
+            </a:solidFill>
+            <a:ln>
+              <a:solidFill>
+                <a:schemeClr val="tx1">
+                  <a:lumMod val="50000"/>
+                  <a:lumOff val="50000"/>
+                </a:schemeClr>
+              </a:solidFill>
+            </a:ln>
+          </p:spPr>
+          <p:style>
+            <a:lnRef idx="2">
+              <a:schemeClr val="accent2">
+                <a:shade val="50000"/>
+              </a:schemeClr>
+            </a:lnRef>
+            <a:fillRef idx="1">
+              <a:schemeClr val="accent2"/>
+            </a:fillRef>
+            <a:effectRef idx="0">
+              <a:schemeClr val="accent2"/>
+            </a:effectRef>
+            <a:fontRef idx="minor">
+              <a:schemeClr val="lt1"/>
+            </a:fontRef>
+          </p:style>
+          <p:txBody>
+            <a:bodyPr rtlCol="0" anchor="ctr"/>
+            <a:lstStyle/>
+            <a:p>
+              <a:pPr algn="ctr"/>
+              <a:endParaRPr lang="en-NZ"/>
+            </a:p>
+          </p:txBody>
+        </p:sp>
+      </p:grpSp>
+      <p:grpSp>
+        <p:nvGrpSpPr>
+          <p:cNvPr id="12" name="Group 11">
+            <a:extLst>
+              <a:ext uri="{FF2B5EF4-FFF2-40B4-BE49-F238E27FC236}">
+                <a16:creationId xmlns:a16="http://schemas.microsoft.com/office/drawing/2014/main" id="{5EB93533-0ABA-44D3-A071-EA98CAA4B898}"/>
+              </a:ext>
+            </a:extLst>
+          </p:cNvPr>
+          <p:cNvGrpSpPr/>
+          <p:nvPr/>
+        </p:nvGrpSpPr>
+        <p:grpSpPr>
+          <a:xfrm>
+            <a:off x="8904317" y="1402249"/>
+            <a:ext cx="360041" cy="4248472"/>
+            <a:chOff x="7104111" y="1268761"/>
+            <a:chExt cx="360041" cy="4248472"/>
+          </a:xfrm>
+        </p:grpSpPr>
+        <p:grpSp>
+          <p:nvGrpSpPr>
+            <p:cNvPr id="7" name="Group 6">
+              <a:extLst>
+                <a:ext uri="{FF2B5EF4-FFF2-40B4-BE49-F238E27FC236}">
+                  <a16:creationId xmlns:a16="http://schemas.microsoft.com/office/drawing/2014/main" id="{7FF3323F-7014-4C99-A10D-693CDE049D73}"/>
+                </a:ext>
+              </a:extLst>
+            </p:cNvPr>
+            <p:cNvGrpSpPr/>
+            <p:nvPr/>
+          </p:nvGrpSpPr>
+          <p:grpSpPr>
+            <a:xfrm rot="5400000">
+              <a:off x="6240016" y="2132856"/>
+              <a:ext cx="2088232" cy="360041"/>
+              <a:chOff x="5735960" y="1808819"/>
+              <a:chExt cx="2088232" cy="360041"/>
+            </a:xfrm>
+          </p:grpSpPr>
+          <p:sp>
+            <p:nvSpPr>
+              <p:cNvPr id="148" name="Flowchart: Connector 147">
+                <a:extLst>
+                  <a:ext uri="{FF2B5EF4-FFF2-40B4-BE49-F238E27FC236}">
+                    <a16:creationId xmlns:a16="http://schemas.microsoft.com/office/drawing/2014/main" id="{5BED4CDB-B174-4EF4-AE2D-DBB2E6A4405F}"/>
+                  </a:ext>
+                </a:extLst>
+              </p:cNvPr>
+              <p:cNvSpPr/>
+              <p:nvPr/>
+            </p:nvSpPr>
+            <p:spPr>
+              <a:xfrm>
+                <a:off x="5735960" y="1808819"/>
+                <a:ext cx="360040" cy="360041"/>
+              </a:xfrm>
+              <a:prstGeom prst="flowChartConnector">
+                <a:avLst/>
+              </a:prstGeom>
+              <a:solidFill>
+                <a:srgbClr val="F4B183"/>
+              </a:solidFill>
+              <a:ln>
+                <a:solidFill>
+                  <a:schemeClr val="accent2">
+                    <a:lumMod val="75000"/>
+                  </a:schemeClr>
+                </a:solidFill>
+              </a:ln>
+            </p:spPr>
+            <p:style>
+              <a:lnRef idx="2">
+                <a:schemeClr val="accent2">
+                  <a:shade val="50000"/>
+                </a:schemeClr>
+              </a:lnRef>
+              <a:fillRef idx="1">
+                <a:schemeClr val="accent2"/>
+              </a:fillRef>
+              <a:effectRef idx="0">
+                <a:schemeClr val="accent2"/>
+              </a:effectRef>
+              <a:fontRef idx="minor">
+                <a:schemeClr val="lt1"/>
+              </a:fontRef>
+            </p:style>
+            <p:txBody>
+              <a:bodyPr rtlCol="0" anchor="ctr"/>
+              <a:lstStyle/>
+              <a:p>
+                <a:pPr algn="ctr"/>
+                <a:endParaRPr lang="en-NZ"/>
+              </a:p>
+            </p:txBody>
+          </p:sp>
+          <p:sp>
+            <p:nvSpPr>
+              <p:cNvPr id="149" name="Flowchart: Connector 148">
+                <a:extLst>
+                  <a:ext uri="{FF2B5EF4-FFF2-40B4-BE49-F238E27FC236}">
+                    <a16:creationId xmlns:a16="http://schemas.microsoft.com/office/drawing/2014/main" id="{7D655473-999D-4B6F-BCEE-07B05E321317}"/>
+                  </a:ext>
+                </a:extLst>
+              </p:cNvPr>
+              <p:cNvSpPr/>
+              <p:nvPr/>
+            </p:nvSpPr>
+            <p:spPr>
+              <a:xfrm>
+                <a:off x="6168008" y="1808819"/>
+                <a:ext cx="360040" cy="360041"/>
+              </a:xfrm>
+              <a:prstGeom prst="flowChartConnector">
+                <a:avLst/>
+              </a:prstGeom>
+              <a:solidFill>
+                <a:srgbClr val="F4B183"/>
+              </a:solidFill>
+              <a:ln>
+                <a:solidFill>
+                  <a:schemeClr val="accent2">
+                    <a:lumMod val="75000"/>
+                  </a:schemeClr>
+                </a:solidFill>
+              </a:ln>
+            </p:spPr>
+            <p:style>
+              <a:lnRef idx="2">
+                <a:schemeClr val="accent2">
+                  <a:shade val="50000"/>
+                </a:schemeClr>
+              </a:lnRef>
+              <a:fillRef idx="1">
+                <a:schemeClr val="accent2"/>
+              </a:fillRef>
+              <a:effectRef idx="0">
+                <a:schemeClr val="accent2"/>
+              </a:effectRef>
+              <a:fontRef idx="minor">
+                <a:schemeClr val="lt1"/>
+              </a:fontRef>
+            </p:style>
+            <p:txBody>
+              <a:bodyPr rtlCol="0" anchor="ctr"/>
+              <a:lstStyle/>
+              <a:p>
+                <a:pPr algn="ctr"/>
+                <a:endParaRPr lang="en-NZ"/>
+              </a:p>
+            </p:txBody>
+          </p:sp>
+          <p:sp>
+            <p:nvSpPr>
+              <p:cNvPr id="151" name="Flowchart: Connector 150">
+                <a:extLst>
+                  <a:ext uri="{FF2B5EF4-FFF2-40B4-BE49-F238E27FC236}">
+                    <a16:creationId xmlns:a16="http://schemas.microsoft.com/office/drawing/2014/main" id="{E65C2CF1-E5AC-4956-A314-9281F60B9147}"/>
+                  </a:ext>
+                </a:extLst>
+              </p:cNvPr>
+              <p:cNvSpPr/>
+              <p:nvPr/>
+            </p:nvSpPr>
+            <p:spPr>
+              <a:xfrm>
+                <a:off x="6600056" y="1808819"/>
+                <a:ext cx="360040" cy="360041"/>
+              </a:xfrm>
+              <a:prstGeom prst="flowChartConnector">
+                <a:avLst/>
+              </a:prstGeom>
+              <a:solidFill>
+                <a:srgbClr val="F4B183"/>
+              </a:solidFill>
+              <a:ln>
+                <a:solidFill>
+                  <a:schemeClr val="accent2">
+                    <a:lumMod val="75000"/>
+                  </a:schemeClr>
+                </a:solidFill>
+              </a:ln>
+            </p:spPr>
+            <p:style>
+              <a:lnRef idx="2">
+                <a:schemeClr val="accent2">
+                  <a:shade val="50000"/>
+                </a:schemeClr>
+              </a:lnRef>
+              <a:fillRef idx="1">
+                <a:schemeClr val="accent2"/>
+              </a:fillRef>
+              <a:effectRef idx="0">
+                <a:schemeClr val="accent2"/>
+              </a:effectRef>
+              <a:fontRef idx="minor">
+                <a:schemeClr val="lt1"/>
+              </a:fontRef>
+            </p:style>
+            <p:txBody>
+              <a:bodyPr rtlCol="0" anchor="ctr"/>
+              <a:lstStyle/>
+              <a:p>
+                <a:pPr algn="ctr"/>
+                <a:endParaRPr lang="en-NZ"/>
+              </a:p>
+            </p:txBody>
+          </p:sp>
+          <p:sp>
+            <p:nvSpPr>
+              <p:cNvPr id="152" name="Flowchart: Connector 151">
+                <a:extLst>
+                  <a:ext uri="{FF2B5EF4-FFF2-40B4-BE49-F238E27FC236}">
+                    <a16:creationId xmlns:a16="http://schemas.microsoft.com/office/drawing/2014/main" id="{F08B5D7A-F230-4830-A41F-4B6B7C19F4F0}"/>
+                  </a:ext>
+                </a:extLst>
+              </p:cNvPr>
+              <p:cNvSpPr/>
+              <p:nvPr/>
+            </p:nvSpPr>
+            <p:spPr>
+              <a:xfrm>
+                <a:off x="7032104" y="1808819"/>
+                <a:ext cx="360040" cy="360041"/>
+              </a:xfrm>
+              <a:prstGeom prst="flowChartConnector">
+                <a:avLst/>
+              </a:prstGeom>
+              <a:solidFill>
+                <a:srgbClr val="F4B183"/>
+              </a:solidFill>
+              <a:ln>
+                <a:solidFill>
+                  <a:schemeClr val="accent2">
+                    <a:lumMod val="75000"/>
+                  </a:schemeClr>
+                </a:solidFill>
+              </a:ln>
+            </p:spPr>
+            <p:style>
+              <a:lnRef idx="2">
+                <a:schemeClr val="accent2">
+                  <a:shade val="50000"/>
+                </a:schemeClr>
+              </a:lnRef>
+              <a:fillRef idx="1">
+                <a:schemeClr val="accent2"/>
+              </a:fillRef>
+              <a:effectRef idx="0">
+                <a:schemeClr val="accent2"/>
+              </a:effectRef>
+              <a:fontRef idx="minor">
+                <a:schemeClr val="lt1"/>
+              </a:fontRef>
+            </p:style>
+            <p:txBody>
+              <a:bodyPr rtlCol="0" anchor="ctr"/>
+              <a:lstStyle/>
+              <a:p>
+                <a:pPr algn="ctr"/>
+                <a:endParaRPr lang="en-NZ"/>
+              </a:p>
+            </p:txBody>
+          </p:sp>
+          <p:sp>
+            <p:nvSpPr>
+              <p:cNvPr id="154" name="Flowchart: Connector 153">
+                <a:extLst>
+                  <a:ext uri="{FF2B5EF4-FFF2-40B4-BE49-F238E27FC236}">
+                    <a16:creationId xmlns:a16="http://schemas.microsoft.com/office/drawing/2014/main" id="{A52CF5F1-3763-4B19-960A-588F20A842B0}"/>
+                  </a:ext>
+                </a:extLst>
+              </p:cNvPr>
+              <p:cNvSpPr/>
+              <p:nvPr/>
+            </p:nvSpPr>
+            <p:spPr>
+              <a:xfrm>
+                <a:off x="7464152" y="1808819"/>
+                <a:ext cx="360040" cy="360041"/>
+              </a:xfrm>
+              <a:prstGeom prst="flowChartConnector">
+                <a:avLst/>
+              </a:prstGeom>
+              <a:solidFill>
+                <a:srgbClr val="F4B183"/>
+              </a:solidFill>
+              <a:ln>
+                <a:solidFill>
+                  <a:schemeClr val="accent2">
+                    <a:lumMod val="75000"/>
+                  </a:schemeClr>
+                </a:solidFill>
+              </a:ln>
+            </p:spPr>
+            <p:style>
+              <a:lnRef idx="2">
+                <a:schemeClr val="accent2">
+                  <a:shade val="50000"/>
+                </a:schemeClr>
+              </a:lnRef>
+              <a:fillRef idx="1">
+                <a:schemeClr val="accent2"/>
+              </a:fillRef>
+              <a:effectRef idx="0">
+                <a:schemeClr val="accent2"/>
+              </a:effectRef>
+              <a:fontRef idx="minor">
+                <a:schemeClr val="lt1"/>
+              </a:fontRef>
+            </p:style>
+            <p:txBody>
+              <a:bodyPr rtlCol="0" anchor="ctr"/>
+              <a:lstStyle/>
+              <a:p>
+                <a:pPr algn="ctr"/>
+                <a:endParaRPr lang="en-NZ"/>
+              </a:p>
+            </p:txBody>
+          </p:sp>
+        </p:grpSp>
+        <p:grpSp>
+          <p:nvGrpSpPr>
+            <p:cNvPr id="155" name="Group 154">
+              <a:extLst>
+                <a:ext uri="{FF2B5EF4-FFF2-40B4-BE49-F238E27FC236}">
+                  <a16:creationId xmlns:a16="http://schemas.microsoft.com/office/drawing/2014/main" id="{7C9999D7-17AF-4B4A-BD5A-762869463081}"/>
+                </a:ext>
+              </a:extLst>
+            </p:cNvPr>
+            <p:cNvGrpSpPr/>
+            <p:nvPr/>
+          </p:nvGrpSpPr>
+          <p:grpSpPr>
+            <a:xfrm rot="5400000">
+              <a:off x="6240016" y="4293096"/>
+              <a:ext cx="2088232" cy="360041"/>
+              <a:chOff x="5735960" y="1808819"/>
+              <a:chExt cx="2088232" cy="360041"/>
+            </a:xfrm>
+            <a:solidFill>
+              <a:schemeClr val="accent1">
+                <a:lumMod val="60000"/>
+                <a:lumOff val="40000"/>
+              </a:schemeClr>
+            </a:solidFill>
+          </p:grpSpPr>
+          <p:sp>
+            <p:nvSpPr>
+              <p:cNvPr id="157" name="Flowchart: Connector 156">
+                <a:extLst>
+                  <a:ext uri="{FF2B5EF4-FFF2-40B4-BE49-F238E27FC236}">
+                    <a16:creationId xmlns:a16="http://schemas.microsoft.com/office/drawing/2014/main" id="{B8EE990F-91FE-44B0-869F-44099F43E635}"/>
+                  </a:ext>
+                </a:extLst>
+              </p:cNvPr>
+              <p:cNvSpPr/>
+              <p:nvPr/>
+            </p:nvSpPr>
+            <p:spPr>
+              <a:xfrm>
+                <a:off x="5735960" y="1808819"/>
+                <a:ext cx="360040" cy="360041"/>
+              </a:xfrm>
+              <a:prstGeom prst="flowChartConnector">
+                <a:avLst/>
+              </a:prstGeom>
+              <a:grpFill/>
+              <a:ln>
+                <a:solidFill>
+                  <a:schemeClr val="accent1">
+                    <a:lumMod val="75000"/>
+                  </a:schemeClr>
+                </a:solidFill>
+              </a:ln>
+            </p:spPr>
+            <p:style>
+              <a:lnRef idx="2">
+                <a:schemeClr val="accent2">
+                  <a:shade val="50000"/>
+                </a:schemeClr>
+              </a:lnRef>
+              <a:fillRef idx="1">
+                <a:schemeClr val="accent2"/>
+              </a:fillRef>
+              <a:effectRef idx="0">
+                <a:schemeClr val="accent2"/>
+              </a:effectRef>
+              <a:fontRef idx="minor">
+                <a:schemeClr val="lt1"/>
+              </a:fontRef>
+            </p:style>
+            <p:txBody>
+              <a:bodyPr rtlCol="0" anchor="ctr"/>
+              <a:lstStyle/>
+              <a:p>
+                <a:pPr algn="ctr"/>
+                <a:endParaRPr lang="en-NZ"/>
+              </a:p>
+            </p:txBody>
+          </p:sp>
+          <p:sp>
+            <p:nvSpPr>
+              <p:cNvPr id="158" name="Flowchart: Connector 157">
+                <a:extLst>
+                  <a:ext uri="{FF2B5EF4-FFF2-40B4-BE49-F238E27FC236}">
+                    <a16:creationId xmlns:a16="http://schemas.microsoft.com/office/drawing/2014/main" id="{E3F450E8-285F-449E-8364-3F03F00042B2}"/>
+                  </a:ext>
+                </a:extLst>
+              </p:cNvPr>
+              <p:cNvSpPr/>
+              <p:nvPr/>
+            </p:nvSpPr>
+            <p:spPr>
+              <a:xfrm>
+                <a:off x="6168008" y="1808819"/>
+                <a:ext cx="360040" cy="360041"/>
+              </a:xfrm>
+              <a:prstGeom prst="flowChartConnector">
+                <a:avLst/>
+              </a:prstGeom>
+              <a:grpFill/>
+              <a:ln>
+                <a:solidFill>
+                  <a:schemeClr val="accent1">
+                    <a:lumMod val="75000"/>
+                  </a:schemeClr>
+                </a:solidFill>
+              </a:ln>
+            </p:spPr>
+            <p:style>
+              <a:lnRef idx="2">
+                <a:schemeClr val="accent2">
+                  <a:shade val="50000"/>
+                </a:schemeClr>
+              </a:lnRef>
+              <a:fillRef idx="1">
+                <a:schemeClr val="accent2"/>
+              </a:fillRef>
+              <a:effectRef idx="0">
+                <a:schemeClr val="accent2"/>
+              </a:effectRef>
+              <a:fontRef idx="minor">
+                <a:schemeClr val="lt1"/>
+              </a:fontRef>
+            </p:style>
+            <p:txBody>
+              <a:bodyPr rtlCol="0" anchor="ctr"/>
+              <a:lstStyle/>
+              <a:p>
+                <a:pPr algn="ctr"/>
+                <a:endParaRPr lang="en-NZ"/>
+              </a:p>
+            </p:txBody>
+          </p:sp>
+          <p:sp>
+            <p:nvSpPr>
+              <p:cNvPr id="160" name="Flowchart: Connector 159">
+                <a:extLst>
+                  <a:ext uri="{FF2B5EF4-FFF2-40B4-BE49-F238E27FC236}">
+                    <a16:creationId xmlns:a16="http://schemas.microsoft.com/office/drawing/2014/main" id="{78074E9B-81A4-40D2-932D-6C8FC67B894D}"/>
+                  </a:ext>
+                </a:extLst>
+              </p:cNvPr>
+              <p:cNvSpPr/>
+              <p:nvPr/>
+            </p:nvSpPr>
+            <p:spPr>
+              <a:xfrm>
+                <a:off x="6600056" y="1808819"/>
+                <a:ext cx="360040" cy="360041"/>
+              </a:xfrm>
+              <a:prstGeom prst="flowChartConnector">
+                <a:avLst/>
+              </a:prstGeom>
+              <a:grpFill/>
+              <a:ln>
+                <a:solidFill>
+                  <a:schemeClr val="accent1">
+                    <a:lumMod val="75000"/>
+                  </a:schemeClr>
+                </a:solidFill>
+              </a:ln>
+            </p:spPr>
+            <p:style>
+              <a:lnRef idx="2">
+                <a:schemeClr val="accent2">
+                  <a:shade val="50000"/>
+                </a:schemeClr>
+              </a:lnRef>
+              <a:fillRef idx="1">
+                <a:schemeClr val="accent2"/>
+              </a:fillRef>
+              <a:effectRef idx="0">
+                <a:schemeClr val="accent2"/>
+              </a:effectRef>
+              <a:fontRef idx="minor">
+                <a:schemeClr val="lt1"/>
+              </a:fontRef>
+            </p:style>
+            <p:txBody>
+              <a:bodyPr rtlCol="0" anchor="ctr"/>
+              <a:lstStyle/>
+              <a:p>
+                <a:pPr algn="ctr"/>
+                <a:endParaRPr lang="en-NZ"/>
+              </a:p>
+            </p:txBody>
+          </p:sp>
+          <p:sp>
+            <p:nvSpPr>
+              <p:cNvPr id="161" name="Flowchart: Connector 160">
+                <a:extLst>
+                  <a:ext uri="{FF2B5EF4-FFF2-40B4-BE49-F238E27FC236}">
+                    <a16:creationId xmlns:a16="http://schemas.microsoft.com/office/drawing/2014/main" id="{CD38F6E1-99AE-44E1-9968-D80CF406776E}"/>
+                  </a:ext>
+                </a:extLst>
+              </p:cNvPr>
+              <p:cNvSpPr/>
+              <p:nvPr/>
+            </p:nvSpPr>
+            <p:spPr>
+              <a:xfrm>
+                <a:off x="7032104" y="1808819"/>
+                <a:ext cx="360040" cy="360041"/>
+              </a:xfrm>
+              <a:prstGeom prst="flowChartConnector">
+                <a:avLst/>
+              </a:prstGeom>
+              <a:grpFill/>
+              <a:ln>
+                <a:solidFill>
+                  <a:schemeClr val="accent1">
+                    <a:lumMod val="75000"/>
+                  </a:schemeClr>
+                </a:solidFill>
+              </a:ln>
+            </p:spPr>
+            <p:style>
+              <a:lnRef idx="2">
+                <a:schemeClr val="accent2">
+                  <a:shade val="50000"/>
+                </a:schemeClr>
+              </a:lnRef>
+              <a:fillRef idx="1">
+                <a:schemeClr val="accent2"/>
+              </a:fillRef>
+              <a:effectRef idx="0">
+                <a:schemeClr val="accent2"/>
+              </a:effectRef>
+              <a:fontRef idx="minor">
+                <a:schemeClr val="lt1"/>
+              </a:fontRef>
+            </p:style>
+            <p:txBody>
+              <a:bodyPr rtlCol="0" anchor="ctr"/>
+              <a:lstStyle/>
+              <a:p>
+                <a:pPr algn="ctr"/>
+                <a:endParaRPr lang="en-NZ"/>
+              </a:p>
+            </p:txBody>
+          </p:sp>
+          <p:sp>
+            <p:nvSpPr>
+              <p:cNvPr id="163" name="Flowchart: Connector 162">
+                <a:extLst>
+                  <a:ext uri="{FF2B5EF4-FFF2-40B4-BE49-F238E27FC236}">
+                    <a16:creationId xmlns:a16="http://schemas.microsoft.com/office/drawing/2014/main" id="{1F377F27-6E62-43D5-970E-1A58F1A23707}"/>
+                  </a:ext>
+                </a:extLst>
+              </p:cNvPr>
+              <p:cNvSpPr/>
+              <p:nvPr/>
+            </p:nvSpPr>
+            <p:spPr>
+              <a:xfrm>
+                <a:off x="7464152" y="1808819"/>
+                <a:ext cx="360040" cy="360041"/>
+              </a:xfrm>
+              <a:prstGeom prst="flowChartConnector">
+                <a:avLst/>
+              </a:prstGeom>
+              <a:grpFill/>
+              <a:ln>
+                <a:solidFill>
+                  <a:schemeClr val="accent1">
+                    <a:lumMod val="75000"/>
+                  </a:schemeClr>
+                </a:solidFill>
+              </a:ln>
+            </p:spPr>
+            <p:style>
+              <a:lnRef idx="2">
+                <a:schemeClr val="accent2">
+                  <a:shade val="50000"/>
+                </a:schemeClr>
+              </a:lnRef>
+              <a:fillRef idx="1">
+                <a:schemeClr val="accent2"/>
+              </a:fillRef>
+              <a:effectRef idx="0">
+                <a:schemeClr val="accent2"/>
+              </a:effectRef>
+              <a:fontRef idx="minor">
+                <a:schemeClr val="lt1"/>
+              </a:fontRef>
+            </p:style>
+            <p:txBody>
+              <a:bodyPr rtlCol="0" anchor="ctr"/>
+              <a:lstStyle/>
+              <a:p>
+                <a:pPr algn="ctr"/>
+                <a:endParaRPr lang="en-NZ"/>
+              </a:p>
+            </p:txBody>
+          </p:sp>
+        </p:grpSp>
+      </p:grpSp>
+      <p:cxnSp>
+        <p:nvCxnSpPr>
+          <p:cNvPr id="164" name="Straight Arrow Connector 163">
+            <a:extLst>
+              <a:ext uri="{FF2B5EF4-FFF2-40B4-BE49-F238E27FC236}">
+                <a16:creationId xmlns:a16="http://schemas.microsoft.com/office/drawing/2014/main" id="{67785042-378B-4931-9195-232AD29670FE}"/>
+              </a:ext>
+            </a:extLst>
+          </p:cNvPr>
+          <p:cNvCxnSpPr>
+            <a:cxnSpLocks/>
+          </p:cNvCxnSpPr>
+          <p:nvPr/>
+        </p:nvCxnSpPr>
+        <p:spPr>
+          <a:xfrm flipV="1">
+            <a:off x="4333623" y="1762289"/>
+            <a:ext cx="504056" cy="324034"/>
+          </a:xfrm>
+          <a:prstGeom prst="straightConnector1">
+            <a:avLst/>
+          </a:prstGeom>
+          <a:ln w="28575">
+            <a:solidFill>
+              <a:schemeClr val="tx1"/>
+            </a:solidFill>
+            <a:tailEnd type="triangle"/>
+          </a:ln>
+        </p:spPr>
+        <p:style>
+          <a:lnRef idx="1">
+            <a:schemeClr val="accent1"/>
+          </a:lnRef>
+          <a:fillRef idx="0">
+            <a:schemeClr val="accent1"/>
+          </a:fillRef>
+          <a:effectRef idx="0">
+            <a:schemeClr val="accent1"/>
+          </a:effectRef>
+          <a:fontRef idx="minor">
+            <a:schemeClr val="tx1"/>
+          </a:fontRef>
+        </p:style>
+      </p:cxnSp>
+      <p:cxnSp>
+        <p:nvCxnSpPr>
+          <p:cNvPr id="166" name="Straight Arrow Connector 165">
+            <a:extLst>
+              <a:ext uri="{FF2B5EF4-FFF2-40B4-BE49-F238E27FC236}">
+                <a16:creationId xmlns:a16="http://schemas.microsoft.com/office/drawing/2014/main" id="{E86F0700-9985-43A6-ACE9-394346E6BBB5}"/>
+              </a:ext>
+            </a:extLst>
+          </p:cNvPr>
+          <p:cNvCxnSpPr>
+            <a:cxnSpLocks/>
+          </p:cNvCxnSpPr>
+          <p:nvPr/>
+        </p:nvCxnSpPr>
+        <p:spPr>
+          <a:xfrm>
+            <a:off x="4333623" y="5409218"/>
+            <a:ext cx="492592" cy="0"/>
+          </a:xfrm>
+          <a:prstGeom prst="straightConnector1">
+            <a:avLst/>
+          </a:prstGeom>
+          <a:ln w="28575">
+            <a:solidFill>
+              <a:schemeClr val="tx1"/>
+            </a:solidFill>
+            <a:tailEnd type="triangle"/>
+          </a:ln>
+        </p:spPr>
+        <p:style>
+          <a:lnRef idx="1">
+            <a:schemeClr val="accent1"/>
+          </a:lnRef>
+          <a:fillRef idx="0">
+            <a:schemeClr val="accent1"/>
+          </a:fillRef>
+          <a:effectRef idx="0">
+            <a:schemeClr val="accent1"/>
+          </a:effectRef>
+          <a:fontRef idx="minor">
+            <a:schemeClr val="tx1"/>
+          </a:fontRef>
+        </p:style>
+      </p:cxnSp>
+      <p:sp>
+        <p:nvSpPr>
+          <p:cNvPr id="20" name="Right Brace 19">
+            <a:extLst>
+              <a:ext uri="{FF2B5EF4-FFF2-40B4-BE49-F238E27FC236}">
+                <a16:creationId xmlns:a16="http://schemas.microsoft.com/office/drawing/2014/main" id="{B3B20B95-AE65-4065-BCB5-B44A17ED32C2}"/>
+              </a:ext>
+            </a:extLst>
+          </p:cNvPr>
+          <p:cNvSpPr/>
+          <p:nvPr/>
+        </p:nvSpPr>
+        <p:spPr>
+          <a:xfrm>
+            <a:off x="7872804" y="1628800"/>
+            <a:ext cx="360040" cy="3780418"/>
+          </a:xfrm>
+          <a:prstGeom prst="rightBrace">
+            <a:avLst/>
+          </a:prstGeom>
+          <a:ln w="19050">
+            <a:solidFill>
+              <a:schemeClr val="tx1"/>
+            </a:solidFill>
+          </a:ln>
+        </p:spPr>
+        <p:style>
+          <a:lnRef idx="1">
+            <a:schemeClr val="accent1"/>
+          </a:lnRef>
+          <a:fillRef idx="0">
+            <a:schemeClr val="accent1"/>
+          </a:fillRef>
+          <a:effectRef idx="0">
+            <a:schemeClr val="accent1"/>
+          </a:effectRef>
+          <a:fontRef idx="minor">
+            <a:schemeClr val="tx1"/>
+          </a:fontRef>
+        </p:style>
+        <p:txBody>
+          <a:bodyPr rot="0" spcFirstLastPara="0" vertOverflow="overflow" horzOverflow="overflow" vert="horz" wrap="square" lIns="91440" tIns="45720" rIns="91440" bIns="45720" numCol="1" spcCol="0" rtlCol="0" fromWordArt="0" anchor="ctr" anchorCtr="0" forceAA="0" compatLnSpc="1">
+            <a:prstTxWarp prst="textNoShape">
+              <a:avLst/>
+            </a:prstTxWarp>
+            <a:noAutofit/>
+          </a:bodyPr>
+          <a:lstStyle/>
+          <a:p>
+            <a:pPr algn="ctr"/>
+            <a:endParaRPr lang="en-GB"/>
+          </a:p>
+        </p:txBody>
+      </p:sp>
+      <p:sp>
+        <p:nvSpPr>
+          <p:cNvPr id="167" name="TextBox 166">
+            <a:extLst>
+              <a:ext uri="{FF2B5EF4-FFF2-40B4-BE49-F238E27FC236}">
+                <a16:creationId xmlns:a16="http://schemas.microsoft.com/office/drawing/2014/main" id="{4203AABF-499B-4851-AED4-200255FE5F36}"/>
+              </a:ext>
+            </a:extLst>
+          </p:cNvPr>
+          <p:cNvSpPr txBox="1"/>
+          <p:nvPr/>
+        </p:nvSpPr>
+        <p:spPr>
+          <a:xfrm>
+            <a:off x="2699160" y="163271"/>
+            <a:ext cx="1392703" cy="584775"/>
+          </a:xfrm>
+          <a:prstGeom prst="rect">
+            <a:avLst/>
+          </a:prstGeom>
+          <a:noFill/>
+        </p:spPr>
+        <p:txBody>
+          <a:bodyPr wrap="square" rtlCol="0">
+            <a:spAutoFit/>
+          </a:bodyPr>
+          <a:lstStyle/>
+          <a:p>
+            <a:pPr algn="ctr"/>
+            <a:r>
+              <a:rPr lang="en-NZ" sz="1600" dirty="0"/>
+              <a:t>1. User-item ID pair</a:t>
+            </a:r>
+          </a:p>
+        </p:txBody>
+      </p:sp>
+      <p:sp>
+        <p:nvSpPr>
+          <p:cNvPr id="169" name="TextBox 168">
+            <a:extLst>
+              <a:ext uri="{FF2B5EF4-FFF2-40B4-BE49-F238E27FC236}">
+                <a16:creationId xmlns:a16="http://schemas.microsoft.com/office/drawing/2014/main" id="{2C4DC682-21E1-4222-929A-B4CC0928D97B}"/>
+              </a:ext>
+            </a:extLst>
+          </p:cNvPr>
+          <p:cNvSpPr txBox="1"/>
+          <p:nvPr/>
+        </p:nvSpPr>
+        <p:spPr>
+          <a:xfrm>
+            <a:off x="5376587" y="163271"/>
+            <a:ext cx="1392703" cy="584775"/>
+          </a:xfrm>
+          <a:prstGeom prst="rect">
+            <a:avLst/>
+          </a:prstGeom>
+          <a:noFill/>
+        </p:spPr>
+        <p:txBody>
+          <a:bodyPr wrap="square" rtlCol="0">
+            <a:spAutoFit/>
+          </a:bodyPr>
+          <a:lstStyle/>
+          <a:p>
+            <a:pPr algn="ctr"/>
+            <a:r>
+              <a:rPr lang="en-NZ" sz="1600" dirty="0"/>
+              <a:t>2. Embedding matrix lookup</a:t>
+            </a:r>
+          </a:p>
+        </p:txBody>
+      </p:sp>
+      <p:sp>
+        <p:nvSpPr>
+          <p:cNvPr id="170" name="TextBox 169">
+            <a:extLst>
+              <a:ext uri="{FF2B5EF4-FFF2-40B4-BE49-F238E27FC236}">
+                <a16:creationId xmlns:a16="http://schemas.microsoft.com/office/drawing/2014/main" id="{BA4CA226-FD79-475A-913E-7384C1B9A6D5}"/>
+              </a:ext>
+            </a:extLst>
+          </p:cNvPr>
+          <p:cNvSpPr txBox="1"/>
+          <p:nvPr/>
+        </p:nvSpPr>
+        <p:spPr>
+          <a:xfrm>
+            <a:off x="8253179" y="163271"/>
+            <a:ext cx="1662317" cy="584775"/>
+          </a:xfrm>
+          <a:prstGeom prst="rect">
+            <a:avLst/>
+          </a:prstGeom>
+          <a:noFill/>
+        </p:spPr>
+        <p:txBody>
+          <a:bodyPr wrap="square" rtlCol="0">
+            <a:spAutoFit/>
+          </a:bodyPr>
+          <a:lstStyle/>
+          <a:p>
+            <a:pPr algn="ctr"/>
+            <a:r>
+              <a:rPr lang="en-NZ" sz="1600" dirty="0"/>
+              <a:t>3. Concatenated embedding layer</a:t>
+            </a:r>
+          </a:p>
+        </p:txBody>
+      </p:sp>
+      <p:cxnSp>
+        <p:nvCxnSpPr>
+          <p:cNvPr id="22" name="Straight Arrow Connector 21">
+            <a:extLst>
+              <a:ext uri="{FF2B5EF4-FFF2-40B4-BE49-F238E27FC236}">
+                <a16:creationId xmlns:a16="http://schemas.microsoft.com/office/drawing/2014/main" id="{B439E567-9FB5-4F82-ACDD-81E4E9A21789}"/>
+              </a:ext>
+            </a:extLst>
+          </p:cNvPr>
+          <p:cNvCxnSpPr/>
+          <p:nvPr/>
+        </p:nvCxnSpPr>
+        <p:spPr>
+          <a:xfrm>
+            <a:off x="5179719" y="3722569"/>
+            <a:ext cx="1991009" cy="0"/>
+          </a:xfrm>
+          <a:prstGeom prst="straightConnector1">
+            <a:avLst/>
+          </a:prstGeom>
+          <a:ln>
+            <a:solidFill>
+              <a:schemeClr val="bg2">
+                <a:lumMod val="25000"/>
+              </a:schemeClr>
+            </a:solidFill>
+            <a:headEnd type="triangle"/>
+            <a:tailEnd type="triangle"/>
+          </a:ln>
+        </p:spPr>
+        <p:style>
+          <a:lnRef idx="1">
+            <a:schemeClr val="accent1"/>
+          </a:lnRef>
+          <a:fillRef idx="0">
+            <a:schemeClr val="accent1"/>
+          </a:fillRef>
+          <a:effectRef idx="0">
+            <a:schemeClr val="accent1"/>
+          </a:effectRef>
+          <a:fontRef idx="minor">
+            <a:schemeClr val="tx1"/>
+          </a:fontRef>
+        </p:style>
+      </p:cxnSp>
+      <p:sp>
+        <p:nvSpPr>
+          <p:cNvPr id="172" name="TextBox 171">
+            <a:extLst>
+              <a:ext uri="{FF2B5EF4-FFF2-40B4-BE49-F238E27FC236}">
+                <a16:creationId xmlns:a16="http://schemas.microsoft.com/office/drawing/2014/main" id="{5D3A940E-0C44-4B39-AAE7-A0E0A3075810}"/>
+              </a:ext>
+            </a:extLst>
+          </p:cNvPr>
+          <p:cNvSpPr txBox="1"/>
+          <p:nvPr/>
+        </p:nvSpPr>
+        <p:spPr>
+          <a:xfrm>
+            <a:off x="5995201" y="3429000"/>
+            <a:ext cx="360040" cy="338554"/>
+          </a:xfrm>
+          <a:prstGeom prst="rect">
+            <a:avLst/>
+          </a:prstGeom>
+          <a:noFill/>
+        </p:spPr>
+        <p:txBody>
+          <a:bodyPr wrap="square" rtlCol="0">
+            <a:spAutoFit/>
+          </a:bodyPr>
+          <a:lstStyle/>
+          <a:p>
+            <a:pPr algn="ctr"/>
+            <a:r>
+              <a:rPr lang="en-NZ" sz="1600" b="1" dirty="0"/>
+              <a:t>k</a:t>
+            </a:r>
+          </a:p>
+        </p:txBody>
+      </p:sp>
+      <p:sp>
+        <p:nvSpPr>
+          <p:cNvPr id="173" name="TextBox 172">
+            <a:extLst>
+              <a:ext uri="{FF2B5EF4-FFF2-40B4-BE49-F238E27FC236}">
+                <a16:creationId xmlns:a16="http://schemas.microsoft.com/office/drawing/2014/main" id="{F681A2C9-D936-49FD-8E61-ACDCA09471A5}"/>
+              </a:ext>
+            </a:extLst>
+          </p:cNvPr>
+          <p:cNvSpPr txBox="1"/>
+          <p:nvPr/>
+        </p:nvSpPr>
+        <p:spPr>
+          <a:xfrm>
+            <a:off x="7357049" y="5250690"/>
+            <a:ext cx="360040" cy="338554"/>
+          </a:xfrm>
+          <a:prstGeom prst="rect">
+            <a:avLst/>
+          </a:prstGeom>
+          <a:noFill/>
+        </p:spPr>
+        <p:txBody>
+          <a:bodyPr wrap="square" rtlCol="0">
+            <a:spAutoFit/>
+          </a:bodyPr>
+          <a:lstStyle/>
+          <a:p>
+            <a:pPr algn="ctr"/>
+            <a:r>
+              <a:rPr lang="en-NZ" sz="1600" b="1" dirty="0"/>
+              <a:t>n</a:t>
+            </a:r>
+          </a:p>
+        </p:txBody>
+      </p:sp>
+      <p:cxnSp>
+        <p:nvCxnSpPr>
+          <p:cNvPr id="174" name="Straight Arrow Connector 173">
+            <a:extLst>
+              <a:ext uri="{FF2B5EF4-FFF2-40B4-BE49-F238E27FC236}">
+                <a16:creationId xmlns:a16="http://schemas.microsoft.com/office/drawing/2014/main" id="{E6AB6EB8-AC74-449F-8657-E8F1B560574C}"/>
+              </a:ext>
+            </a:extLst>
+          </p:cNvPr>
+          <p:cNvCxnSpPr>
+            <a:cxnSpLocks/>
+          </p:cNvCxnSpPr>
+          <p:nvPr/>
+        </p:nvCxnSpPr>
+        <p:spPr>
+          <a:xfrm>
+            <a:off x="7393059" y="1126320"/>
+            <a:ext cx="0" cy="1954744"/>
+          </a:xfrm>
+          <a:prstGeom prst="straightConnector1">
+            <a:avLst/>
+          </a:prstGeom>
+          <a:ln>
+            <a:solidFill>
+              <a:schemeClr val="accent2">
+                <a:lumMod val="75000"/>
+              </a:schemeClr>
+            </a:solidFill>
+            <a:headEnd type="triangle"/>
+            <a:tailEnd type="triangle"/>
+          </a:ln>
+        </p:spPr>
+        <p:style>
+          <a:lnRef idx="1">
+            <a:schemeClr val="accent1"/>
+          </a:lnRef>
+          <a:fillRef idx="0">
+            <a:schemeClr val="accent1"/>
+          </a:fillRef>
+          <a:effectRef idx="0">
+            <a:schemeClr val="accent1"/>
+          </a:effectRef>
+          <a:fontRef idx="minor">
+            <a:schemeClr val="tx1"/>
+          </a:fontRef>
+        </p:style>
+      </p:cxnSp>
+      <p:sp>
+        <p:nvSpPr>
+          <p:cNvPr id="175" name="TextBox 174">
+            <a:extLst>
+              <a:ext uri="{FF2B5EF4-FFF2-40B4-BE49-F238E27FC236}">
+                <a16:creationId xmlns:a16="http://schemas.microsoft.com/office/drawing/2014/main" id="{8A4A36C3-FFA4-4CAE-A80C-7C6DD6523535}"/>
+              </a:ext>
+            </a:extLst>
+          </p:cNvPr>
+          <p:cNvSpPr txBox="1"/>
+          <p:nvPr/>
+        </p:nvSpPr>
+        <p:spPr>
+          <a:xfrm>
+            <a:off x="7357049" y="1917046"/>
+            <a:ext cx="360040" cy="338554"/>
+          </a:xfrm>
+          <a:prstGeom prst="rect">
+            <a:avLst/>
+          </a:prstGeom>
+          <a:noFill/>
+        </p:spPr>
+        <p:txBody>
+          <a:bodyPr wrap="square" rtlCol="0">
+            <a:spAutoFit/>
+          </a:bodyPr>
+          <a:lstStyle/>
+          <a:p>
+            <a:pPr algn="ctr"/>
+            <a:r>
+              <a:rPr lang="en-NZ" sz="1600" b="1" dirty="0"/>
+              <a:t>m</a:t>
+            </a:r>
+          </a:p>
+        </p:txBody>
+      </p:sp>
+      <p:cxnSp>
+        <p:nvCxnSpPr>
+          <p:cNvPr id="176" name="Straight Arrow Connector 175">
+            <a:extLst>
+              <a:ext uri="{FF2B5EF4-FFF2-40B4-BE49-F238E27FC236}">
+                <a16:creationId xmlns:a16="http://schemas.microsoft.com/office/drawing/2014/main" id="{DF9E9B74-08D2-4C24-B42D-73026AB4EF52}"/>
+              </a:ext>
+            </a:extLst>
+          </p:cNvPr>
+          <p:cNvCxnSpPr>
+            <a:cxnSpLocks/>
+          </p:cNvCxnSpPr>
+          <p:nvPr/>
+        </p:nvCxnSpPr>
+        <p:spPr>
+          <a:xfrm>
+            <a:off x="7393059" y="4426584"/>
+            <a:ext cx="0" cy="1954744"/>
+          </a:xfrm>
+          <a:prstGeom prst="straightConnector1">
+            <a:avLst/>
+          </a:prstGeom>
+          <a:ln>
+            <a:headEnd type="triangle"/>
+            <a:tailEnd type="triangle"/>
+          </a:ln>
+        </p:spPr>
+        <p:style>
+          <a:lnRef idx="1">
+            <a:schemeClr val="accent1"/>
+          </a:lnRef>
+          <a:fillRef idx="0">
+            <a:schemeClr val="accent1"/>
+          </a:fillRef>
+          <a:effectRef idx="0">
+            <a:schemeClr val="accent1"/>
+          </a:effectRef>
+          <a:fontRef idx="minor">
+            <a:schemeClr val="tx1"/>
+          </a:fontRef>
+        </p:style>
+      </p:cxnSp>
+    </p:spTree>
+    <p:extLst>
+      <p:ext uri="{BB962C8B-B14F-4D97-AF65-F5344CB8AC3E}">
+        <p14:creationId xmlns:p14="http://schemas.microsoft.com/office/powerpoint/2010/main" val="3802479986"/>
+      </p:ext>
+    </p:extLst>
+  </p:cSld>
+  <p:clrMapOvr>
+    <a:masterClrMapping/>
+  </p:clrMapOvr>
+</p:sld>
+</file>
+
+<file path=ppt/slides/slide3.xml><?xml version="1.0" encoding="utf-8"?>
+<p:sld xmlns:a="http://schemas.openxmlformats.org/drawingml/2006/main" xmlns:r="http://schemas.openxmlformats.org/officeDocument/2006/relationships" xmlns:p="http://schemas.openxmlformats.org/presentationml/2006/main">
+  <p:cSld>
+    <p:spTree>
+      <p:nvGrpSpPr>
+        <p:cNvPr id="1" name=""/>
+        <p:cNvGrpSpPr/>
+        <p:nvPr/>
+      </p:nvGrpSpPr>
+      <p:grpSpPr>
+        <a:xfrm>
+          <a:off x="0" y="0"/>
+          <a:ext cx="0" cy="0"/>
+          <a:chOff x="0" y="0"/>
+          <a:chExt cx="0" cy="0"/>
+        </a:xfrm>
+      </p:grpSpPr>
+      <p:grpSp>
+        <p:nvGrpSpPr>
+          <p:cNvPr id="2" name="Group 1">
+            <a:extLst>
+              <a:ext uri="{FF2B5EF4-FFF2-40B4-BE49-F238E27FC236}">
+                <a16:creationId xmlns:a16="http://schemas.microsoft.com/office/drawing/2014/main" id="{FE6A38F3-B1BC-4022-8D8A-A7587F5D0E4B}"/>
+              </a:ext>
+            </a:extLst>
+          </p:cNvPr>
+          <p:cNvGrpSpPr/>
+          <p:nvPr/>
+        </p:nvGrpSpPr>
+        <p:grpSpPr>
+          <a:xfrm rot="5400000">
+            <a:off x="1386547" y="2258637"/>
+            <a:ext cx="3694735" cy="2340725"/>
+            <a:chOff x="4166023" y="1475876"/>
+            <a:chExt cx="3694735" cy="2340725"/>
+          </a:xfrm>
+        </p:grpSpPr>
+        <p:sp>
+          <p:nvSpPr>
+            <p:cNvPr id="81" name="Flowchart: Connector 80">
+              <a:extLst>
+                <a:ext uri="{FF2B5EF4-FFF2-40B4-BE49-F238E27FC236}">
+                  <a16:creationId xmlns:a16="http://schemas.microsoft.com/office/drawing/2014/main" id="{D2F9F3EF-86AA-4957-8D4B-D4D91871C95D}"/>
+                </a:ext>
+              </a:extLst>
+            </p:cNvPr>
+            <p:cNvSpPr/>
+            <p:nvPr/>
+          </p:nvSpPr>
+          <p:spPr>
+            <a:xfrm>
+              <a:off x="4166023" y="3276601"/>
+              <a:ext cx="540000" cy="540000"/>
+            </a:xfrm>
+            <a:prstGeom prst="flowChartConnector">
+              <a:avLst/>
+            </a:prstGeom>
+          </p:spPr>
+          <p:style>
+            <a:lnRef idx="2">
+              <a:schemeClr val="accent3">
+                <a:shade val="50000"/>
+              </a:schemeClr>
+            </a:lnRef>
+            <a:fillRef idx="1">
+              <a:schemeClr val="accent3"/>
+            </a:fillRef>
+            <a:effectRef idx="0">
+              <a:schemeClr val="accent3"/>
+            </a:effectRef>
+            <a:fontRef idx="minor">
+              <a:schemeClr val="lt1"/>
+            </a:fontRef>
+          </p:style>
+          <p:txBody>
+            <a:bodyPr rtlCol="0" anchor="ctr"/>
+            <a:lstStyle/>
+            <a:p>
+              <a:pPr algn="ctr"/>
+              <a:endParaRPr lang="en-NZ"/>
+            </a:p>
+          </p:txBody>
+        </p:sp>
+        <p:sp>
+          <p:nvSpPr>
+            <p:cNvPr id="82" name="Flowchart: Connector 81">
+              <a:extLst>
+                <a:ext uri="{FF2B5EF4-FFF2-40B4-BE49-F238E27FC236}">
+                  <a16:creationId xmlns:a16="http://schemas.microsoft.com/office/drawing/2014/main" id="{64FA4AC9-123A-4EC4-9450-1BD935D3E47B}"/>
+                </a:ext>
+              </a:extLst>
+            </p:cNvPr>
+            <p:cNvSpPr/>
+            <p:nvPr/>
+          </p:nvSpPr>
+          <p:spPr>
+            <a:xfrm>
+              <a:off x="4796970" y="3276601"/>
+              <a:ext cx="540000" cy="540000"/>
+            </a:xfrm>
+            <a:prstGeom prst="flowChartConnector">
+              <a:avLst/>
+            </a:prstGeom>
+          </p:spPr>
+          <p:style>
+            <a:lnRef idx="2">
+              <a:schemeClr val="accent3">
+                <a:shade val="50000"/>
+              </a:schemeClr>
+            </a:lnRef>
+            <a:fillRef idx="1">
+              <a:schemeClr val="accent3"/>
+            </a:fillRef>
+            <a:effectRef idx="0">
+              <a:schemeClr val="accent3"/>
+            </a:effectRef>
+            <a:fontRef idx="minor">
+              <a:schemeClr val="lt1"/>
+            </a:fontRef>
+          </p:style>
+          <p:txBody>
+            <a:bodyPr rtlCol="0" anchor="ctr"/>
+            <a:lstStyle/>
+            <a:p>
+              <a:pPr algn="ctr"/>
+              <a:endParaRPr lang="en-NZ"/>
+            </a:p>
+          </p:txBody>
+        </p:sp>
+        <p:sp>
+          <p:nvSpPr>
+            <p:cNvPr id="83" name="Flowchart: Connector 82">
+              <a:extLst>
+                <a:ext uri="{FF2B5EF4-FFF2-40B4-BE49-F238E27FC236}">
+                  <a16:creationId xmlns:a16="http://schemas.microsoft.com/office/drawing/2014/main" id="{E59550C5-F358-4040-8D4B-26A8A120BE3D}"/>
+                </a:ext>
+              </a:extLst>
+            </p:cNvPr>
+            <p:cNvSpPr/>
+            <p:nvPr/>
+          </p:nvSpPr>
+          <p:spPr>
+            <a:xfrm>
+              <a:off x="5427917" y="3276601"/>
+              <a:ext cx="540000" cy="540000"/>
+            </a:xfrm>
+            <a:prstGeom prst="flowChartConnector">
+              <a:avLst/>
+            </a:prstGeom>
+          </p:spPr>
+          <p:style>
+            <a:lnRef idx="2">
+              <a:schemeClr val="accent3">
+                <a:shade val="50000"/>
+              </a:schemeClr>
+            </a:lnRef>
+            <a:fillRef idx="1">
+              <a:schemeClr val="accent3"/>
+            </a:fillRef>
+            <a:effectRef idx="0">
+              <a:schemeClr val="accent3"/>
+            </a:effectRef>
+            <a:fontRef idx="minor">
+              <a:schemeClr val="lt1"/>
+            </a:fontRef>
+          </p:style>
+          <p:txBody>
+            <a:bodyPr rtlCol="0" anchor="ctr"/>
+            <a:lstStyle/>
+            <a:p>
+              <a:pPr algn="ctr"/>
+              <a:endParaRPr lang="en-NZ"/>
+            </a:p>
+          </p:txBody>
+        </p:sp>
+        <p:sp>
+          <p:nvSpPr>
+            <p:cNvPr id="84" name="Flowchart: Connector 83">
+              <a:extLst>
+                <a:ext uri="{FF2B5EF4-FFF2-40B4-BE49-F238E27FC236}">
+                  <a16:creationId xmlns:a16="http://schemas.microsoft.com/office/drawing/2014/main" id="{3DF1101E-88DE-4A7C-BDF0-40669E489DCF}"/>
+                </a:ext>
+              </a:extLst>
+            </p:cNvPr>
+            <p:cNvSpPr/>
+            <p:nvPr/>
+          </p:nvSpPr>
+          <p:spPr>
+            <a:xfrm>
+              <a:off x="6689811" y="3276601"/>
+              <a:ext cx="540000" cy="540000"/>
+            </a:xfrm>
+            <a:prstGeom prst="flowChartConnector">
+              <a:avLst/>
+            </a:prstGeom>
+          </p:spPr>
+          <p:style>
+            <a:lnRef idx="2">
+              <a:schemeClr val="accent3">
+                <a:shade val="50000"/>
+              </a:schemeClr>
+            </a:lnRef>
+            <a:fillRef idx="1">
+              <a:schemeClr val="accent3"/>
+            </a:fillRef>
+            <a:effectRef idx="0">
+              <a:schemeClr val="accent3"/>
+            </a:effectRef>
+            <a:fontRef idx="minor">
+              <a:schemeClr val="lt1"/>
+            </a:fontRef>
+          </p:style>
+          <p:txBody>
+            <a:bodyPr rtlCol="0" anchor="ctr"/>
+            <a:lstStyle/>
+            <a:p>
+              <a:pPr algn="ctr"/>
+              <a:endParaRPr lang="en-NZ"/>
+            </a:p>
+          </p:txBody>
+        </p:sp>
+        <p:sp>
+          <p:nvSpPr>
+            <p:cNvPr id="85" name="Flowchart: Connector 84">
+              <a:extLst>
+                <a:ext uri="{FF2B5EF4-FFF2-40B4-BE49-F238E27FC236}">
+                  <a16:creationId xmlns:a16="http://schemas.microsoft.com/office/drawing/2014/main" id="{931A7667-0670-4400-8599-76928B546818}"/>
+                </a:ext>
+              </a:extLst>
+            </p:cNvPr>
+            <p:cNvSpPr/>
+            <p:nvPr/>
+          </p:nvSpPr>
+          <p:spPr>
+            <a:xfrm>
+              <a:off x="6058864" y="3276601"/>
+              <a:ext cx="540000" cy="540000"/>
+            </a:xfrm>
+            <a:prstGeom prst="flowChartConnector">
+              <a:avLst/>
+            </a:prstGeom>
+          </p:spPr>
+          <p:style>
+            <a:lnRef idx="2">
+              <a:schemeClr val="accent3">
+                <a:shade val="50000"/>
+              </a:schemeClr>
+            </a:lnRef>
+            <a:fillRef idx="1">
+              <a:schemeClr val="accent3"/>
+            </a:fillRef>
+            <a:effectRef idx="0">
+              <a:schemeClr val="accent3"/>
+            </a:effectRef>
+            <a:fontRef idx="minor">
+              <a:schemeClr val="lt1"/>
+            </a:fontRef>
+          </p:style>
+          <p:txBody>
+            <a:bodyPr rtlCol="0" anchor="ctr"/>
+            <a:lstStyle/>
+            <a:p>
+              <a:pPr algn="ctr"/>
+              <a:endParaRPr lang="en-NZ"/>
+            </a:p>
+          </p:txBody>
+        </p:sp>
+        <p:sp>
+          <p:nvSpPr>
+            <p:cNvPr id="114" name="Flowchart: Connector 113">
+              <a:extLst>
+                <a:ext uri="{FF2B5EF4-FFF2-40B4-BE49-F238E27FC236}">
+                  <a16:creationId xmlns:a16="http://schemas.microsoft.com/office/drawing/2014/main" id="{4AEE23D3-64DF-4E7B-97BB-C30ADF68B140}"/>
+                </a:ext>
+              </a:extLst>
+            </p:cNvPr>
+            <p:cNvSpPr/>
+            <p:nvPr/>
+          </p:nvSpPr>
+          <p:spPr>
+            <a:xfrm>
+              <a:off x="7320758" y="3276601"/>
+              <a:ext cx="540000" cy="540000"/>
+            </a:xfrm>
+            <a:prstGeom prst="flowChartConnector">
+              <a:avLst/>
+            </a:prstGeom>
+          </p:spPr>
+          <p:style>
+            <a:lnRef idx="2">
+              <a:schemeClr val="accent3">
+                <a:shade val="50000"/>
+              </a:schemeClr>
+            </a:lnRef>
+            <a:fillRef idx="1">
+              <a:schemeClr val="accent3"/>
+            </a:fillRef>
+            <a:effectRef idx="0">
+              <a:schemeClr val="accent3"/>
+            </a:effectRef>
+            <a:fontRef idx="minor">
+              <a:schemeClr val="lt1"/>
+            </a:fontRef>
+          </p:style>
+          <p:txBody>
+            <a:bodyPr rtlCol="0" anchor="ctr"/>
+            <a:lstStyle/>
+            <a:p>
+              <a:pPr algn="ctr"/>
+              <a:endParaRPr lang="en-NZ"/>
+            </a:p>
+          </p:txBody>
+        </p:sp>
+        <p:sp>
+          <p:nvSpPr>
+            <p:cNvPr id="117" name="Flowchart: Connector 116">
+              <a:extLst>
+                <a:ext uri="{FF2B5EF4-FFF2-40B4-BE49-F238E27FC236}">
+                  <a16:creationId xmlns:a16="http://schemas.microsoft.com/office/drawing/2014/main" id="{721B2F6D-25DB-4452-9BEC-AAF8CBFA931B}"/>
+                </a:ext>
+              </a:extLst>
+            </p:cNvPr>
+            <p:cNvSpPr/>
+            <p:nvPr/>
+          </p:nvSpPr>
+          <p:spPr>
+            <a:xfrm>
+              <a:off x="5743390" y="1475876"/>
+              <a:ext cx="540000" cy="540000"/>
+            </a:xfrm>
+            <a:prstGeom prst="flowChartConnector">
+              <a:avLst/>
+            </a:prstGeom>
+            <a:solidFill>
+              <a:schemeClr val="accent6">
+                <a:lumMod val="20000"/>
+                <a:lumOff val="80000"/>
+              </a:schemeClr>
+            </a:solidFill>
+            <a:ln>
+              <a:solidFill>
+                <a:schemeClr val="accent6">
+                  <a:lumMod val="60000"/>
+                  <a:lumOff val="40000"/>
+                </a:schemeClr>
+              </a:solidFill>
+            </a:ln>
+          </p:spPr>
+          <p:style>
+            <a:lnRef idx="2">
+              <a:schemeClr val="accent6">
+                <a:shade val="50000"/>
+              </a:schemeClr>
+            </a:lnRef>
+            <a:fillRef idx="1">
+              <a:schemeClr val="accent6"/>
+            </a:fillRef>
+            <a:effectRef idx="0">
+              <a:schemeClr val="accent6"/>
+            </a:effectRef>
+            <a:fontRef idx="minor">
+              <a:schemeClr val="lt1"/>
+            </a:fontRef>
+          </p:style>
+          <p:txBody>
+            <a:bodyPr rtlCol="0" anchor="ctr"/>
+            <a:lstStyle/>
+            <a:p>
+              <a:pPr algn="ctr"/>
+              <a:endParaRPr lang="en-NZ"/>
+            </a:p>
+          </p:txBody>
+        </p:sp>
+        <p:cxnSp>
+          <p:nvCxnSpPr>
+            <p:cNvPr id="120" name="Straight Connector 119">
+              <a:extLst>
+                <a:ext uri="{FF2B5EF4-FFF2-40B4-BE49-F238E27FC236}">
+                  <a16:creationId xmlns:a16="http://schemas.microsoft.com/office/drawing/2014/main" id="{541EA70B-328D-4FF9-A43D-0FBE5D11EE9E}"/>
+                </a:ext>
+              </a:extLst>
+            </p:cNvPr>
+            <p:cNvCxnSpPr>
+              <a:cxnSpLocks/>
+              <a:stCxn id="81" idx="0"/>
+              <a:endCxn id="117" idx="4"/>
+            </p:cNvCxnSpPr>
+            <p:nvPr/>
+          </p:nvCxnSpPr>
+          <p:spPr>
+            <a:xfrm flipV="1">
+              <a:off x="4436029" y="2015882"/>
+              <a:ext cx="1577367" cy="1260725"/>
+            </a:xfrm>
+            <a:prstGeom prst="line">
+              <a:avLst/>
+            </a:prstGeom>
+          </p:spPr>
+          <p:style>
+            <a:lnRef idx="1">
+              <a:schemeClr val="dk1"/>
+            </a:lnRef>
+            <a:fillRef idx="0">
+              <a:schemeClr val="dk1"/>
+            </a:fillRef>
+            <a:effectRef idx="0">
+              <a:schemeClr val="dk1"/>
+            </a:effectRef>
+            <a:fontRef idx="minor">
+              <a:schemeClr val="tx1"/>
+            </a:fontRef>
+          </p:style>
+        </p:cxnSp>
+        <p:cxnSp>
+          <p:nvCxnSpPr>
+            <p:cNvPr id="123" name="Straight Connector 122">
+              <a:extLst>
+                <a:ext uri="{FF2B5EF4-FFF2-40B4-BE49-F238E27FC236}">
+                  <a16:creationId xmlns:a16="http://schemas.microsoft.com/office/drawing/2014/main" id="{3456E06E-B104-4038-94CA-FAC1C5D6C015}"/>
+                </a:ext>
+              </a:extLst>
+            </p:cNvPr>
+            <p:cNvCxnSpPr>
+              <a:cxnSpLocks/>
+              <a:stCxn id="82" idx="0"/>
+              <a:endCxn id="117" idx="4"/>
+            </p:cNvCxnSpPr>
+            <p:nvPr/>
+          </p:nvCxnSpPr>
+          <p:spPr>
+            <a:xfrm flipV="1">
+              <a:off x="5066970" y="2015882"/>
+              <a:ext cx="946420" cy="1260725"/>
+            </a:xfrm>
+            <a:prstGeom prst="line">
+              <a:avLst/>
+            </a:prstGeom>
+          </p:spPr>
+          <p:style>
+            <a:lnRef idx="1">
+              <a:schemeClr val="dk1"/>
+            </a:lnRef>
+            <a:fillRef idx="0">
+              <a:schemeClr val="dk1"/>
+            </a:fillRef>
+            <a:effectRef idx="0">
+              <a:schemeClr val="dk1"/>
+            </a:effectRef>
+            <a:fontRef idx="minor">
+              <a:schemeClr val="tx1"/>
+            </a:fontRef>
+          </p:style>
+        </p:cxnSp>
+        <p:cxnSp>
+          <p:nvCxnSpPr>
+            <p:cNvPr id="126" name="Straight Connector 125">
+              <a:extLst>
+                <a:ext uri="{FF2B5EF4-FFF2-40B4-BE49-F238E27FC236}">
+                  <a16:creationId xmlns:a16="http://schemas.microsoft.com/office/drawing/2014/main" id="{8E8E922D-A53D-4FCF-B95E-62F01E316BF2}"/>
+                </a:ext>
+              </a:extLst>
+            </p:cNvPr>
+            <p:cNvCxnSpPr>
+              <a:cxnSpLocks/>
+              <a:stCxn id="83" idx="0"/>
+              <a:endCxn id="117" idx="4"/>
+            </p:cNvCxnSpPr>
+            <p:nvPr/>
+          </p:nvCxnSpPr>
+          <p:spPr>
+            <a:xfrm flipV="1">
+              <a:off x="5697923" y="2015882"/>
+              <a:ext cx="315473" cy="1260725"/>
+            </a:xfrm>
+            <a:prstGeom prst="line">
+              <a:avLst/>
+            </a:prstGeom>
+          </p:spPr>
+          <p:style>
+            <a:lnRef idx="1">
+              <a:schemeClr val="dk1"/>
+            </a:lnRef>
+            <a:fillRef idx="0">
+              <a:schemeClr val="dk1"/>
+            </a:fillRef>
+            <a:effectRef idx="0">
+              <a:schemeClr val="dk1"/>
+            </a:effectRef>
+            <a:fontRef idx="minor">
+              <a:schemeClr val="tx1"/>
+            </a:fontRef>
+          </p:style>
+        </p:cxnSp>
+        <p:cxnSp>
+          <p:nvCxnSpPr>
+            <p:cNvPr id="129" name="Straight Connector 128">
+              <a:extLst>
+                <a:ext uri="{FF2B5EF4-FFF2-40B4-BE49-F238E27FC236}">
+                  <a16:creationId xmlns:a16="http://schemas.microsoft.com/office/drawing/2014/main" id="{05FAAD1E-D47F-44CC-8E20-89FCD028B0FD}"/>
+                </a:ext>
+              </a:extLst>
+            </p:cNvPr>
+            <p:cNvCxnSpPr>
+              <a:cxnSpLocks/>
+              <a:stCxn id="85" idx="0"/>
+              <a:endCxn id="117" idx="4"/>
+            </p:cNvCxnSpPr>
+            <p:nvPr/>
+          </p:nvCxnSpPr>
+          <p:spPr>
+            <a:xfrm flipH="1" flipV="1">
+              <a:off x="6013390" y="2015882"/>
+              <a:ext cx="315474" cy="1260725"/>
+            </a:xfrm>
+            <a:prstGeom prst="line">
+              <a:avLst/>
+            </a:prstGeom>
+          </p:spPr>
+          <p:style>
+            <a:lnRef idx="1">
+              <a:schemeClr val="dk1"/>
+            </a:lnRef>
+            <a:fillRef idx="0">
+              <a:schemeClr val="dk1"/>
+            </a:fillRef>
+            <a:effectRef idx="0">
+              <a:schemeClr val="dk1"/>
+            </a:effectRef>
+            <a:fontRef idx="minor">
+              <a:schemeClr val="tx1"/>
+            </a:fontRef>
+          </p:style>
+        </p:cxnSp>
+        <p:cxnSp>
+          <p:nvCxnSpPr>
+            <p:cNvPr id="132" name="Straight Connector 131">
+              <a:extLst>
+                <a:ext uri="{FF2B5EF4-FFF2-40B4-BE49-F238E27FC236}">
+                  <a16:creationId xmlns:a16="http://schemas.microsoft.com/office/drawing/2014/main" id="{FCDA2BC6-C764-4320-A5C1-99F48FB667E1}"/>
+                </a:ext>
+              </a:extLst>
+            </p:cNvPr>
+            <p:cNvCxnSpPr>
+              <a:cxnSpLocks/>
+              <a:stCxn id="84" idx="0"/>
+              <a:endCxn id="117" idx="4"/>
+            </p:cNvCxnSpPr>
+            <p:nvPr/>
+          </p:nvCxnSpPr>
+          <p:spPr>
+            <a:xfrm flipH="1" flipV="1">
+              <a:off x="6013396" y="2015882"/>
+              <a:ext cx="946421" cy="1260725"/>
+            </a:xfrm>
+            <a:prstGeom prst="line">
+              <a:avLst/>
+            </a:prstGeom>
+          </p:spPr>
+          <p:style>
+            <a:lnRef idx="1">
+              <a:schemeClr val="dk1"/>
+            </a:lnRef>
+            <a:fillRef idx="0">
+              <a:schemeClr val="dk1"/>
+            </a:fillRef>
+            <a:effectRef idx="0">
+              <a:schemeClr val="dk1"/>
+            </a:effectRef>
+            <a:fontRef idx="minor">
+              <a:schemeClr val="tx1"/>
+            </a:fontRef>
+          </p:style>
+        </p:cxnSp>
+        <p:cxnSp>
+          <p:nvCxnSpPr>
+            <p:cNvPr id="135" name="Straight Connector 134">
+              <a:extLst>
+                <a:ext uri="{FF2B5EF4-FFF2-40B4-BE49-F238E27FC236}">
+                  <a16:creationId xmlns:a16="http://schemas.microsoft.com/office/drawing/2014/main" id="{23ED7B12-99C3-42D6-B2D6-38AF931DBC6B}"/>
+                </a:ext>
+              </a:extLst>
+            </p:cNvPr>
+            <p:cNvCxnSpPr>
+              <a:cxnSpLocks/>
+              <a:stCxn id="114" idx="0"/>
+              <a:endCxn id="117" idx="4"/>
+            </p:cNvCxnSpPr>
+            <p:nvPr/>
+          </p:nvCxnSpPr>
+          <p:spPr>
+            <a:xfrm flipH="1" flipV="1">
+              <a:off x="6013390" y="2015882"/>
+              <a:ext cx="1577368" cy="1260725"/>
+            </a:xfrm>
+            <a:prstGeom prst="line">
+              <a:avLst/>
+            </a:prstGeom>
+          </p:spPr>
+          <p:style>
+            <a:lnRef idx="1">
+              <a:schemeClr val="dk1"/>
+            </a:lnRef>
+            <a:fillRef idx="0">
+              <a:schemeClr val="dk1"/>
+            </a:fillRef>
+            <a:effectRef idx="0">
+              <a:schemeClr val="dk1"/>
+            </a:effectRef>
+            <a:fontRef idx="minor">
+              <a:schemeClr val="tx1"/>
+            </a:fontRef>
+          </p:style>
+        </p:cxnSp>
+      </p:grpSp>
+      <p:sp>
+        <p:nvSpPr>
+          <p:cNvPr id="138" name="Flowchart: Connector 137">
+            <a:extLst>
+              <a:ext uri="{FF2B5EF4-FFF2-40B4-BE49-F238E27FC236}">
+                <a16:creationId xmlns:a16="http://schemas.microsoft.com/office/drawing/2014/main" id="{AA4EAFE9-3EA2-4A67-BF8F-AC2569753793}"/>
+              </a:ext>
+            </a:extLst>
+          </p:cNvPr>
+          <p:cNvSpPr/>
+          <p:nvPr/>
+        </p:nvSpPr>
+        <p:spPr>
+          <a:xfrm rot="5400000">
+            <a:off x="6383629" y="3158453"/>
+            <a:ext cx="540000" cy="540000"/>
+          </a:xfrm>
+          <a:prstGeom prst="flowChartConnector">
+            <a:avLst/>
+          </a:prstGeom>
+          <a:solidFill>
+            <a:schemeClr val="accent6">
+              <a:lumMod val="40000"/>
+              <a:lumOff val="60000"/>
+            </a:schemeClr>
+          </a:solidFill>
+          <a:ln>
+            <a:solidFill>
+              <a:schemeClr val="accent6">
+                <a:lumMod val="60000"/>
+                <a:lumOff val="40000"/>
+              </a:schemeClr>
+            </a:solidFill>
+          </a:ln>
+        </p:spPr>
+        <p:style>
+          <a:lnRef idx="2">
+            <a:schemeClr val="accent6">
+              <a:shade val="50000"/>
+            </a:schemeClr>
+          </a:lnRef>
+          <a:fillRef idx="1">
+            <a:schemeClr val="accent6"/>
+          </a:fillRef>
+          <a:effectRef idx="0">
+            <a:schemeClr val="accent6"/>
+          </a:effectRef>
+          <a:fontRef idx="minor">
+            <a:schemeClr val="lt1"/>
+          </a:fontRef>
+        </p:style>
+        <p:txBody>
+          <a:bodyPr rtlCol="0" anchor="ctr"/>
+          <a:lstStyle/>
+          <a:p>
+            <a:pPr algn="ctr"/>
+            <a:endParaRPr lang="en-NZ"/>
+          </a:p>
+        </p:txBody>
+      </p:sp>
+      <p:sp>
+        <p:nvSpPr>
+          <p:cNvPr id="141" name="Flowchart: Connector 140">
+            <a:extLst>
+              <a:ext uri="{FF2B5EF4-FFF2-40B4-BE49-F238E27FC236}">
+                <a16:creationId xmlns:a16="http://schemas.microsoft.com/office/drawing/2014/main" id="{5FADA3B6-3EC4-4DC6-B5FA-21A7A4F72AF0}"/>
+              </a:ext>
+            </a:extLst>
+          </p:cNvPr>
+          <p:cNvSpPr/>
+          <p:nvPr/>
+        </p:nvSpPr>
+        <p:spPr>
+          <a:xfrm rot="5400000">
+            <a:off x="8902986" y="3159000"/>
+            <a:ext cx="540000" cy="540000"/>
+          </a:xfrm>
+          <a:prstGeom prst="flowChartConnector">
+            <a:avLst/>
+          </a:prstGeom>
+          <a:solidFill>
+            <a:schemeClr val="accent6">
+              <a:lumMod val="60000"/>
+              <a:lumOff val="40000"/>
+            </a:schemeClr>
+          </a:solidFill>
+        </p:spPr>
+        <p:style>
+          <a:lnRef idx="2">
+            <a:schemeClr val="accent6">
+              <a:shade val="50000"/>
+            </a:schemeClr>
+          </a:lnRef>
+          <a:fillRef idx="1">
+            <a:schemeClr val="accent6"/>
+          </a:fillRef>
+          <a:effectRef idx="0">
+            <a:schemeClr val="accent6"/>
+          </a:effectRef>
+          <a:fontRef idx="minor">
+            <a:schemeClr val="lt1"/>
+          </a:fontRef>
+        </p:style>
+        <p:txBody>
+          <a:bodyPr rtlCol="0" anchor="ctr"/>
+          <a:lstStyle/>
+          <a:p>
+            <a:pPr algn="ctr"/>
+            <a:endParaRPr lang="en-NZ"/>
+          </a:p>
+        </p:txBody>
+      </p:sp>
+      <p:cxnSp>
+        <p:nvCxnSpPr>
+          <p:cNvPr id="4" name="Straight Arrow Connector 3">
+            <a:extLst>
+              <a:ext uri="{FF2B5EF4-FFF2-40B4-BE49-F238E27FC236}">
+                <a16:creationId xmlns:a16="http://schemas.microsoft.com/office/drawing/2014/main" id="{4D342E15-EAC4-40F5-81DB-054436EA897F}"/>
+              </a:ext>
+            </a:extLst>
+          </p:cNvPr>
+          <p:cNvCxnSpPr>
+            <a:cxnSpLocks/>
+          </p:cNvCxnSpPr>
+          <p:nvPr/>
+        </p:nvCxnSpPr>
+        <p:spPr>
+          <a:xfrm flipV="1">
+            <a:off x="4943872" y="3429000"/>
+            <a:ext cx="792088" cy="1"/>
+          </a:xfrm>
+          <a:prstGeom prst="straightConnector1">
+            <a:avLst/>
+          </a:prstGeom>
+          <a:ln>
+            <a:solidFill>
+              <a:schemeClr val="tx1"/>
+            </a:solidFill>
+            <a:tailEnd type="triangle"/>
+          </a:ln>
+        </p:spPr>
+        <p:style>
+          <a:lnRef idx="1">
+            <a:schemeClr val="accent1"/>
+          </a:lnRef>
+          <a:fillRef idx="0">
+            <a:schemeClr val="accent1"/>
+          </a:fillRef>
+          <a:effectRef idx="0">
+            <a:schemeClr val="accent1"/>
+          </a:effectRef>
+          <a:fontRef idx="minor">
+            <a:schemeClr val="tx1"/>
+          </a:fontRef>
+        </p:style>
+      </p:cxnSp>
+      <p:cxnSp>
+        <p:nvCxnSpPr>
+          <p:cNvPr id="144" name="Straight Arrow Connector 143">
+            <a:extLst>
+              <a:ext uri="{FF2B5EF4-FFF2-40B4-BE49-F238E27FC236}">
+                <a16:creationId xmlns:a16="http://schemas.microsoft.com/office/drawing/2014/main" id="{F1C49370-B975-4EA1-BECA-D3AD73CAA7DD}"/>
+              </a:ext>
+            </a:extLst>
+          </p:cNvPr>
+          <p:cNvCxnSpPr>
+            <a:cxnSpLocks/>
+          </p:cNvCxnSpPr>
+          <p:nvPr/>
+        </p:nvCxnSpPr>
+        <p:spPr>
+          <a:xfrm flipV="1">
+            <a:off x="7536160" y="3428453"/>
+            <a:ext cx="900966" cy="547"/>
+          </a:xfrm>
+          <a:prstGeom prst="straightConnector1">
+            <a:avLst/>
+          </a:prstGeom>
+          <a:ln>
+            <a:solidFill>
+              <a:schemeClr val="tx1"/>
+            </a:solidFill>
+            <a:tailEnd type="triangle"/>
+          </a:ln>
+        </p:spPr>
+        <p:style>
+          <a:lnRef idx="1">
+            <a:schemeClr val="accent1"/>
+          </a:lnRef>
+          <a:fillRef idx="0">
+            <a:schemeClr val="accent1"/>
+          </a:fillRef>
+          <a:effectRef idx="0">
+            <a:schemeClr val="accent1"/>
+          </a:effectRef>
+          <a:fontRef idx="minor">
+            <a:schemeClr val="tx1"/>
+          </a:fontRef>
+        </p:style>
+      </p:cxnSp>
+      <p:sp>
+        <p:nvSpPr>
+          <p:cNvPr id="147" name="TextBox 146">
+            <a:extLst>
+              <a:ext uri="{FF2B5EF4-FFF2-40B4-BE49-F238E27FC236}">
+                <a16:creationId xmlns:a16="http://schemas.microsoft.com/office/drawing/2014/main" id="{FAB81294-9BE7-4284-B1A1-738F87F8B4E5}"/>
+              </a:ext>
+            </a:extLst>
+          </p:cNvPr>
+          <p:cNvSpPr txBox="1"/>
+          <p:nvPr/>
+        </p:nvSpPr>
+        <p:spPr>
+          <a:xfrm>
+            <a:off x="3437925" y="1920624"/>
+            <a:ext cx="1392703" cy="584775"/>
+          </a:xfrm>
+          <a:prstGeom prst="rect">
+            <a:avLst/>
+          </a:prstGeom>
+          <a:noFill/>
+        </p:spPr>
+        <p:txBody>
+          <a:bodyPr wrap="square" rtlCol="0">
+            <a:spAutoFit/>
+          </a:bodyPr>
+          <a:lstStyle/>
+          <a:p>
+            <a:pPr algn="ctr"/>
+            <a:r>
+              <a:rPr lang="en-NZ" sz="1600" dirty="0"/>
+              <a:t>1. Raw prediction</a:t>
+            </a:r>
+          </a:p>
+        </p:txBody>
+      </p:sp>
+      <p:sp>
+        <p:nvSpPr>
+          <p:cNvPr id="150" name="TextBox 149">
+            <a:extLst>
+              <a:ext uri="{FF2B5EF4-FFF2-40B4-BE49-F238E27FC236}">
+                <a16:creationId xmlns:a16="http://schemas.microsoft.com/office/drawing/2014/main" id="{B82E9D46-4AE2-4F8B-9BD9-C04306B15244}"/>
+              </a:ext>
+            </a:extLst>
+          </p:cNvPr>
+          <p:cNvSpPr txBox="1"/>
+          <p:nvPr/>
+        </p:nvSpPr>
+        <p:spPr>
+          <a:xfrm>
+            <a:off x="5900191" y="1920190"/>
+            <a:ext cx="1506875" cy="584775"/>
+          </a:xfrm>
+          <a:prstGeom prst="rect">
+            <a:avLst/>
+          </a:prstGeom>
+          <a:noFill/>
+        </p:spPr>
+        <p:txBody>
+          <a:bodyPr wrap="square" rtlCol="0">
+            <a:spAutoFit/>
+          </a:bodyPr>
+          <a:lstStyle/>
+          <a:p>
+            <a:pPr algn="ctr"/>
+            <a:r>
+              <a:rPr lang="en-NZ" sz="1600" dirty="0"/>
+              <a:t>2. Add baseline prediction</a:t>
+            </a:r>
+          </a:p>
+        </p:txBody>
+      </p:sp>
+      <p:sp>
+        <p:nvSpPr>
+          <p:cNvPr id="153" name="TextBox 152">
+            <a:extLst>
+              <a:ext uri="{FF2B5EF4-FFF2-40B4-BE49-F238E27FC236}">
+                <a16:creationId xmlns:a16="http://schemas.microsoft.com/office/drawing/2014/main" id="{97D629D4-8B62-4628-B37E-848CD1FF9784}"/>
+              </a:ext>
+            </a:extLst>
+          </p:cNvPr>
+          <p:cNvSpPr txBox="1"/>
+          <p:nvPr/>
+        </p:nvSpPr>
+        <p:spPr>
+          <a:xfrm>
+            <a:off x="8419548" y="1920190"/>
+            <a:ext cx="1506875" cy="584775"/>
+          </a:xfrm>
+          <a:prstGeom prst="rect">
+            <a:avLst/>
+          </a:prstGeom>
+          <a:noFill/>
+        </p:spPr>
+        <p:txBody>
+          <a:bodyPr wrap="square" rtlCol="0">
+            <a:spAutoFit/>
+          </a:bodyPr>
+          <a:lstStyle/>
+          <a:p>
+            <a:pPr algn="ctr"/>
+            <a:r>
+              <a:rPr lang="en-NZ" sz="1600" dirty="0"/>
+              <a:t>3. Add global mean</a:t>
+            </a:r>
+          </a:p>
+        </p:txBody>
+      </p:sp>
+      <mc:AlternateContent xmlns:mc="http://schemas.openxmlformats.org/markup-compatibility/2006">
+        <mc:Choice xmlns:a14="http://schemas.microsoft.com/office/drawing/2010/main" Requires="a14">
+          <p:sp>
+            <p:nvSpPr>
+              <p:cNvPr id="17" name="TextBox 16">
+                <a:extLst>
+                  <a:ext uri="{FF2B5EF4-FFF2-40B4-BE49-F238E27FC236}">
+                    <a16:creationId xmlns:a16="http://schemas.microsoft.com/office/drawing/2014/main" id="{DBA451FE-05DC-4BB6-89CA-1185BBD35A07}"/>
+                  </a:ext>
+                </a:extLst>
+              </p:cNvPr>
+              <p:cNvSpPr txBox="1"/>
+              <p:nvPr/>
+            </p:nvSpPr>
+            <p:spPr>
+              <a:xfrm>
+                <a:off x="4040917" y="4345043"/>
+                <a:ext cx="186718" cy="276999"/>
+              </a:xfrm>
+              <a:prstGeom prst="rect">
+                <a:avLst/>
+              </a:prstGeom>
+              <a:noFill/>
+            </p:spPr>
+            <p:txBody>
+              <a:bodyPr wrap="none" lIns="0" tIns="0" rIns="0" bIns="0" rtlCol="0">
+                <a:spAutoFit/>
+              </a:bodyPr>
+              <a:lstStyle/>
+              <a:p>
+                <a14:m>
+                  <m:oMathPara xmlns:m="http://schemas.openxmlformats.org/officeDocument/2006/math">
+                    <m:oMathParaPr>
+                      <m:jc m:val="centerGroup"/>
+                    </m:oMathParaPr>
+                    <m:oMath xmlns:m="http://schemas.openxmlformats.org/officeDocument/2006/math">
+                      <m:acc>
+                        <m:accPr>
+                          <m:chr m:val="̂"/>
+                          <m:ctrlPr>
+                            <a:rPr lang="en-ZA" b="0" i="1" smtClean="0">
+                              <a:latin typeface="Cambria Math" panose="02040503050406030204" pitchFamily="18" charset="0"/>
+                            </a:rPr>
+                          </m:ctrlPr>
+                        </m:accPr>
+                        <m:e>
+                          <m:r>
+                            <a:rPr lang="en-ZA" b="0" i="1" smtClean="0">
+                              <a:latin typeface="Cambria Math" panose="02040503050406030204" pitchFamily="18" charset="0"/>
+                            </a:rPr>
+                            <m:t>𝑦</m:t>
+                          </m:r>
+                        </m:e>
+                      </m:acc>
+                    </m:oMath>
+                  </m:oMathPara>
+                </a14:m>
+                <a:endParaRPr lang="en-GB" dirty="0"/>
+              </a:p>
+            </p:txBody>
+          </p:sp>
+        </mc:Choice>
+        <mc:Fallback>
+          <p:sp>
+            <p:nvSpPr>
+              <p:cNvPr id="17" name="TextBox 16">
+                <a:extLst>
+                  <a:ext uri="{FF2B5EF4-FFF2-40B4-BE49-F238E27FC236}">
+                    <a16:creationId xmlns:a16="http://schemas.microsoft.com/office/drawing/2014/main" id="{DBA451FE-05DC-4BB6-89CA-1185BBD35A07}"/>
+                  </a:ext>
+                </a:extLst>
+              </p:cNvPr>
+              <p:cNvSpPr txBox="1">
+                <a:spLocks noRot="1" noChangeAspect="1" noMove="1" noResize="1" noEditPoints="1" noAdjustHandles="1" noChangeArrowheads="1" noChangeShapeType="1" noTextEdit="1"/>
+              </p:cNvSpPr>
+              <p:nvPr/>
+            </p:nvSpPr>
+            <p:spPr>
+              <a:xfrm>
+                <a:off x="4040917" y="4345043"/>
+                <a:ext cx="186718" cy="276999"/>
+              </a:xfrm>
+              <a:prstGeom prst="rect">
+                <a:avLst/>
+              </a:prstGeom>
+              <a:blipFill>
+                <a:blip r:embed="rId2"/>
+                <a:stretch>
+                  <a:fillRect l="-32258" t="-26667" r="-74194" b="-26667"/>
+                </a:stretch>
+              </a:blipFill>
+            </p:spPr>
+            <p:txBody>
+              <a:bodyPr/>
+              <a:lstStyle/>
+              <a:p>
+                <a:r>
+                  <a:rPr lang="en-GB">
+                    <a:noFill/>
+                  </a:rPr>
+                  <a:t> </a:t>
+                </a:r>
+              </a:p>
+            </p:txBody>
+          </p:sp>
+        </mc:Fallback>
+      </mc:AlternateContent>
+      <mc:AlternateContent xmlns:mc="http://schemas.openxmlformats.org/markup-compatibility/2006">
+        <mc:Choice xmlns:a14="http://schemas.microsoft.com/office/drawing/2010/main" Requires="a14">
+          <p:sp>
+            <p:nvSpPr>
+              <p:cNvPr id="156" name="TextBox 155">
+                <a:extLst>
+                  <a:ext uri="{FF2B5EF4-FFF2-40B4-BE49-F238E27FC236}">
+                    <a16:creationId xmlns:a16="http://schemas.microsoft.com/office/drawing/2014/main" id="{3261E9DB-707D-421B-95ED-C9DAAC7D392C}"/>
+                  </a:ext>
+                </a:extLst>
+              </p:cNvPr>
+              <p:cNvSpPr txBox="1"/>
+              <p:nvPr/>
+            </p:nvSpPr>
+            <p:spPr>
+              <a:xfrm>
+                <a:off x="6271728" y="4345042"/>
+                <a:ext cx="763799" cy="276999"/>
+              </a:xfrm>
+              <a:prstGeom prst="rect">
+                <a:avLst/>
+              </a:prstGeom>
+              <a:noFill/>
+            </p:spPr>
+            <p:txBody>
+              <a:bodyPr wrap="none" lIns="0" tIns="0" rIns="0" bIns="0" rtlCol="0">
+                <a:spAutoFit/>
+              </a:bodyPr>
+              <a:lstStyle/>
+              <a:p>
+                <a14:m>
+                  <m:oMathPara xmlns:m="http://schemas.openxmlformats.org/officeDocument/2006/math">
+                    <m:oMathParaPr>
+                      <m:jc m:val="centerGroup"/>
+                    </m:oMathParaPr>
+                    <m:oMath xmlns:m="http://schemas.openxmlformats.org/officeDocument/2006/math">
+                      <m:acc>
+                        <m:accPr>
+                          <m:chr m:val="̂"/>
+                          <m:ctrlPr>
+                            <a:rPr lang="en-ZA" b="0" i="1" smtClean="0">
+                              <a:latin typeface="Cambria Math" panose="02040503050406030204" pitchFamily="18" charset="0"/>
+                            </a:rPr>
+                          </m:ctrlPr>
+                        </m:accPr>
+                        <m:e>
+                          <m:r>
+                            <a:rPr lang="en-ZA" b="0" i="1" smtClean="0">
+                              <a:latin typeface="Cambria Math" panose="02040503050406030204" pitchFamily="18" charset="0"/>
+                            </a:rPr>
+                            <m:t>𝑦</m:t>
+                          </m:r>
+                        </m:e>
+                      </m:acc>
+                      <m:r>
+                        <a:rPr lang="en-ZA" b="0" i="1" smtClean="0">
+                          <a:latin typeface="Cambria Math" panose="02040503050406030204" pitchFamily="18" charset="0"/>
+                        </a:rPr>
+                        <m:t>+</m:t>
+                      </m:r>
+                      <m:sSub>
+                        <m:sSubPr>
+                          <m:ctrlPr>
+                            <a:rPr lang="pt-BR" b="0" i="1" smtClean="0">
+                              <a:latin typeface="Cambria Math" panose="02040503050406030204" pitchFamily="18" charset="0"/>
+                            </a:rPr>
+                          </m:ctrlPr>
+                        </m:sSubPr>
+                        <m:e>
+                          <m:r>
+                            <a:rPr lang="en-ZA" b="0" i="1" smtClean="0">
+                              <a:latin typeface="Cambria Math" panose="02040503050406030204" pitchFamily="18" charset="0"/>
+                            </a:rPr>
+                            <m:t>𝑏</m:t>
+                          </m:r>
+                        </m:e>
+                        <m:sub>
+                          <m:r>
+                            <a:rPr lang="en-ZA" b="0" i="1" smtClean="0">
+                              <a:latin typeface="Cambria Math" panose="02040503050406030204" pitchFamily="18" charset="0"/>
+                            </a:rPr>
+                            <m:t>𝑢𝑖</m:t>
+                          </m:r>
+                        </m:sub>
+                      </m:sSub>
+                    </m:oMath>
+                  </m:oMathPara>
+                </a14:m>
+                <a:endParaRPr lang="en-GB" dirty="0"/>
+              </a:p>
+            </p:txBody>
+          </p:sp>
+        </mc:Choice>
+        <mc:Fallback>
+          <p:sp>
+            <p:nvSpPr>
+              <p:cNvPr id="156" name="TextBox 155">
+                <a:extLst>
+                  <a:ext uri="{FF2B5EF4-FFF2-40B4-BE49-F238E27FC236}">
+                    <a16:creationId xmlns:a16="http://schemas.microsoft.com/office/drawing/2014/main" id="{3261E9DB-707D-421B-95ED-C9DAAC7D392C}"/>
+                  </a:ext>
+                </a:extLst>
+              </p:cNvPr>
+              <p:cNvSpPr txBox="1">
+                <a:spLocks noRot="1" noChangeAspect="1" noMove="1" noResize="1" noEditPoints="1" noAdjustHandles="1" noChangeArrowheads="1" noChangeShapeType="1" noTextEdit="1"/>
+              </p:cNvSpPr>
+              <p:nvPr/>
+            </p:nvSpPr>
+            <p:spPr>
+              <a:xfrm>
+                <a:off x="6271728" y="4345042"/>
+                <a:ext cx="763799" cy="276999"/>
+              </a:xfrm>
+              <a:prstGeom prst="rect">
+                <a:avLst/>
+              </a:prstGeom>
+              <a:blipFill>
+                <a:blip r:embed="rId3"/>
+                <a:stretch>
+                  <a:fillRect l="-7200" t="-26667" r="-2400" b="-26667"/>
+                </a:stretch>
+              </a:blipFill>
+            </p:spPr>
+            <p:txBody>
+              <a:bodyPr/>
+              <a:lstStyle/>
+              <a:p>
+                <a:r>
+                  <a:rPr lang="en-GB">
+                    <a:noFill/>
+                  </a:rPr>
+                  <a:t> </a:t>
+                </a:r>
+              </a:p>
+            </p:txBody>
+          </p:sp>
+        </mc:Fallback>
+      </mc:AlternateContent>
+      <mc:AlternateContent xmlns:mc="http://schemas.openxmlformats.org/markup-compatibility/2006">
+        <mc:Choice xmlns:a14="http://schemas.microsoft.com/office/drawing/2010/main" Requires="a14">
+          <p:sp>
+            <p:nvSpPr>
+              <p:cNvPr id="159" name="TextBox 158">
+                <a:extLst>
+                  <a:ext uri="{FF2B5EF4-FFF2-40B4-BE49-F238E27FC236}">
+                    <a16:creationId xmlns:a16="http://schemas.microsoft.com/office/drawing/2014/main" id="{D65382DA-2D7C-4B16-AB20-350C4DB027E5}"/>
+                  </a:ext>
+                </a:extLst>
+              </p:cNvPr>
+              <p:cNvSpPr txBox="1"/>
+              <p:nvPr/>
+            </p:nvSpPr>
+            <p:spPr>
+              <a:xfrm>
+                <a:off x="8561151" y="4345041"/>
+                <a:ext cx="1223668" cy="276999"/>
+              </a:xfrm>
+              <a:prstGeom prst="rect">
+                <a:avLst/>
+              </a:prstGeom>
+              <a:noFill/>
+            </p:spPr>
+            <p:txBody>
+              <a:bodyPr wrap="none" lIns="0" tIns="0" rIns="0" bIns="0" rtlCol="0">
+                <a:spAutoFit/>
+              </a:bodyPr>
+              <a:lstStyle/>
+              <a:p>
+                <a14:m>
+                  <m:oMathPara xmlns:m="http://schemas.openxmlformats.org/officeDocument/2006/math">
+                    <m:oMathParaPr>
+                      <m:jc m:val="centerGroup"/>
+                    </m:oMathParaPr>
+                    <m:oMath xmlns:m="http://schemas.openxmlformats.org/officeDocument/2006/math">
+                      <m:acc>
+                        <m:accPr>
+                          <m:chr m:val="̂"/>
+                          <m:ctrlPr>
+                            <a:rPr lang="en-ZA" b="0" i="1" smtClean="0">
+                              <a:latin typeface="Cambria Math" panose="02040503050406030204" pitchFamily="18" charset="0"/>
+                            </a:rPr>
+                          </m:ctrlPr>
+                        </m:accPr>
+                        <m:e>
+                          <m:r>
+                            <a:rPr lang="en-ZA" b="0" i="1" smtClean="0">
+                              <a:latin typeface="Cambria Math" panose="02040503050406030204" pitchFamily="18" charset="0"/>
+                            </a:rPr>
+                            <m:t>𝑦</m:t>
+                          </m:r>
+                        </m:e>
+                      </m:acc>
+                      <m:r>
+                        <a:rPr lang="en-ZA" b="0" i="1" smtClean="0">
+                          <a:latin typeface="Cambria Math" panose="02040503050406030204" pitchFamily="18" charset="0"/>
+                        </a:rPr>
+                        <m:t>+</m:t>
+                      </m:r>
+                      <m:sSub>
+                        <m:sSubPr>
+                          <m:ctrlPr>
+                            <a:rPr lang="pt-BR" b="0" i="1" smtClean="0">
+                              <a:latin typeface="Cambria Math" panose="02040503050406030204" pitchFamily="18" charset="0"/>
+                            </a:rPr>
+                          </m:ctrlPr>
+                        </m:sSubPr>
+                        <m:e>
+                          <m:r>
+                            <a:rPr lang="en-ZA" b="0" i="1" smtClean="0">
+                              <a:latin typeface="Cambria Math" panose="02040503050406030204" pitchFamily="18" charset="0"/>
+                            </a:rPr>
+                            <m:t>𝑏</m:t>
+                          </m:r>
+                        </m:e>
+                        <m:sub>
+                          <m:r>
+                            <a:rPr lang="en-ZA" b="0" i="1" smtClean="0">
+                              <a:latin typeface="Cambria Math" panose="02040503050406030204" pitchFamily="18" charset="0"/>
+                            </a:rPr>
+                            <m:t>𝑢𝑖</m:t>
+                          </m:r>
+                        </m:sub>
+                      </m:sSub>
+                      <m:r>
+                        <a:rPr lang="en-ZA" b="0" i="1" smtClean="0">
+                          <a:latin typeface="Cambria Math" panose="02040503050406030204" pitchFamily="18" charset="0"/>
+                        </a:rPr>
+                        <m:t>+ </m:t>
+                      </m:r>
+                      <m:r>
+                        <a:rPr lang="en-GB" i="1" dirty="0" smtClean="0">
+                          <a:latin typeface="Cambria Math" panose="02040503050406030204" pitchFamily="18" charset="0"/>
+                        </a:rPr>
+                        <m:t>𝜇</m:t>
+                      </m:r>
+                    </m:oMath>
+                  </m:oMathPara>
+                </a14:m>
+                <a:endParaRPr lang="en-GB" dirty="0"/>
+              </a:p>
+            </p:txBody>
+          </p:sp>
+        </mc:Choice>
+        <mc:Fallback>
+          <p:sp>
+            <p:nvSpPr>
+              <p:cNvPr id="159" name="TextBox 158">
+                <a:extLst>
+                  <a:ext uri="{FF2B5EF4-FFF2-40B4-BE49-F238E27FC236}">
+                    <a16:creationId xmlns:a16="http://schemas.microsoft.com/office/drawing/2014/main" id="{D65382DA-2D7C-4B16-AB20-350C4DB027E5}"/>
+                  </a:ext>
+                </a:extLst>
+              </p:cNvPr>
+              <p:cNvSpPr txBox="1">
+                <a:spLocks noRot="1" noChangeAspect="1" noMove="1" noResize="1" noEditPoints="1" noAdjustHandles="1" noChangeArrowheads="1" noChangeShapeType="1" noTextEdit="1"/>
+              </p:cNvSpPr>
+              <p:nvPr/>
+            </p:nvSpPr>
+            <p:spPr>
+              <a:xfrm>
+                <a:off x="8561151" y="4345041"/>
+                <a:ext cx="1223668" cy="276999"/>
+              </a:xfrm>
+              <a:prstGeom prst="rect">
+                <a:avLst/>
+              </a:prstGeom>
+              <a:blipFill>
+                <a:blip r:embed="rId4"/>
+                <a:stretch>
+                  <a:fillRect l="-4478" t="-26667" r="-3980" b="-26667"/>
+                </a:stretch>
+              </a:blipFill>
+            </p:spPr>
+            <p:txBody>
+              <a:bodyPr/>
+              <a:lstStyle/>
+              <a:p>
+                <a:r>
+                  <a:rPr lang="en-GB">
+                    <a:noFill/>
+                  </a:rPr>
+                  <a:t> </a:t>
+                </a:r>
+              </a:p>
+            </p:txBody>
+          </p:sp>
+        </mc:Fallback>
+      </mc:AlternateContent>
+    </p:spTree>
+    <p:extLst>
+      <p:ext uri="{BB962C8B-B14F-4D97-AF65-F5344CB8AC3E}">
+        <p14:creationId xmlns:p14="http://schemas.microsoft.com/office/powerpoint/2010/main" val="580539460"/>
+      </p:ext>
+    </p:extLst>
+  </p:cSld>
+  <p:clrMapOvr>
+    <a:masterClrMapping/>
+  </p:clrMapOvr>
+</p:sld>
+</file>
+
+<file path=ppt/slides/slide4.xml><?xml version="1.0" encoding="utf-8"?>
+<p:sld xmlns:a="http://schemas.openxmlformats.org/drawingml/2006/main" xmlns:r="http://schemas.openxmlformats.org/officeDocument/2006/relationships" xmlns:p="http://schemas.openxmlformats.org/presentationml/2006/main" show="0">
+  <p:cSld>
+    <p:spTree>
+      <p:nvGrpSpPr>
+        <p:cNvPr id="1" name=""/>
+        <p:cNvGrpSpPr/>
+        <p:nvPr/>
+      </p:nvGrpSpPr>
+      <p:grpSpPr>
+        <a:xfrm>
+          <a:off x="0" y="0"/>
+          <a:ext cx="0" cy="0"/>
+          <a:chOff x="0" y="0"/>
+          <a:chExt cx="0" cy="0"/>
+        </a:xfrm>
+      </p:grpSpPr>
+      <p:sp>
+        <p:nvSpPr>
           <p:cNvPr id="2" name="Rectangle: Rounded Corners 1">
             <a:extLst>
               <a:ext uri="{FF2B5EF4-FFF2-40B4-BE49-F238E27FC236}">
@@ -6685,7 +11804,7 @@
         </p:nvSpPr>
         <p:spPr>
           <a:xfrm>
-            <a:off x="1476599" y="2103520"/>
+            <a:off x="1476601" y="2103520"/>
             <a:ext cx="1264227" cy="2650960"/>
           </a:xfrm>
           <a:prstGeom prst="roundRect">
@@ -6737,7 +11856,7 @@
         </p:nvSpPr>
         <p:spPr>
           <a:xfrm>
-            <a:off x="7435513" y="332873"/>
+            <a:off x="7435519" y="332879"/>
             <a:ext cx="2839451" cy="2650959"/>
           </a:xfrm>
           <a:prstGeom prst="roundRect">
@@ -6796,7 +11915,7 @@
         </p:nvSpPr>
         <p:spPr>
           <a:xfrm>
-            <a:off x="7395410" y="3874168"/>
+            <a:off x="7395416" y="3874174"/>
             <a:ext cx="2839451" cy="2650959"/>
           </a:xfrm>
           <a:prstGeom prst="roundRect">
@@ -6995,7 +12114,7 @@
         </p:nvCxnSpPr>
         <p:spPr>
           <a:xfrm flipV="1">
-            <a:off x="2943726" y="1658353"/>
+            <a:off x="2943726" y="1658359"/>
             <a:ext cx="2646948" cy="1500647"/>
           </a:xfrm>
           <a:prstGeom prst="straightConnector1">
@@ -7039,7 +12158,7 @@
         </p:nvCxnSpPr>
         <p:spPr>
           <a:xfrm>
-            <a:off x="2943726" y="3698999"/>
+            <a:off x="2943726" y="3699005"/>
             <a:ext cx="2646948" cy="1500647"/>
           </a:xfrm>
           <a:prstGeom prst="straightConnector1">
@@ -7081,7 +12200,7 @@
         </p:nvSpPr>
         <p:spPr>
           <a:xfrm>
-            <a:off x="1398849" y="1234605"/>
+            <a:off x="1398849" y="1234609"/>
             <a:ext cx="1419726" cy="646331"/>
           </a:xfrm>
           <a:prstGeom prst="rect">
@@ -7117,7 +12236,7 @@
         </p:nvSpPr>
         <p:spPr>
           <a:xfrm>
-            <a:off x="3525635" y="1019022"/>
+            <a:off x="3525641" y="1019022"/>
             <a:ext cx="1991639" cy="738664"/>
           </a:xfrm>
           <a:prstGeom prst="rect">
@@ -7187,7 +12306,7 @@
         </p:nvSpPr>
         <p:spPr>
           <a:xfrm>
-            <a:off x="5673300" y="1473686"/>
+            <a:off x="5673306" y="1473686"/>
             <a:ext cx="1679585" cy="369332"/>
           </a:xfrm>
           <a:prstGeom prst="rect">
@@ -7231,7 +12350,7 @@
         </p:nvSpPr>
         <p:spPr>
           <a:xfrm>
-            <a:off x="5653249" y="5014980"/>
+            <a:off x="5653255" y="5014980"/>
             <a:ext cx="1679585" cy="369332"/>
           </a:xfrm>
           <a:prstGeom prst="rect">
@@ -7343,7 +12462,7 @@
         </p:nvSpPr>
         <p:spPr>
           <a:xfrm>
-            <a:off x="6147337" y="865133"/>
+            <a:off x="6147343" y="865139"/>
             <a:ext cx="731509" cy="307777"/>
           </a:xfrm>
           <a:prstGeom prst="rect">
@@ -7379,7 +12498,7 @@
         </p:nvSpPr>
         <p:spPr>
           <a:xfrm>
-            <a:off x="6127286" y="4600591"/>
+            <a:off x="6127292" y="4600597"/>
             <a:ext cx="731509" cy="307777"/>
           </a:xfrm>
           <a:prstGeom prst="rect">
@@ -7415,7 +12534,7 @@
         </p:nvSpPr>
         <p:spPr>
           <a:xfrm>
-            <a:off x="10632316" y="865133"/>
+            <a:off x="10632322" y="865139"/>
             <a:ext cx="781643" cy="307777"/>
           </a:xfrm>
           <a:prstGeom prst="rect">
@@ -7451,7 +12570,7 @@
         </p:nvSpPr>
         <p:spPr>
           <a:xfrm>
-            <a:off x="10607249" y="4602427"/>
+            <a:off x="10607255" y="4602433"/>
             <a:ext cx="781643" cy="307777"/>
           </a:xfrm>
           <a:prstGeom prst="rect">
@@ -7486,8 +12605,8 @@
 </p:sld>
 </file>
 
-<file path=ppt/slides/slide3.xml><?xml version="1.0" encoding="utf-8"?>
-<p:sld xmlns:a="http://schemas.openxmlformats.org/drawingml/2006/main" xmlns:r="http://schemas.openxmlformats.org/officeDocument/2006/relationships" xmlns:p="http://schemas.openxmlformats.org/presentationml/2006/main">
+<file path=ppt/slides/slide5.xml><?xml version="1.0" encoding="utf-8"?>
+<p:sld xmlns:a="http://schemas.openxmlformats.org/drawingml/2006/main" xmlns:r="http://schemas.openxmlformats.org/officeDocument/2006/relationships" xmlns:p="http://schemas.openxmlformats.org/presentationml/2006/main" show="0">
   <p:cSld>
     <p:spTree>
       <p:nvGrpSpPr>
@@ -10488,7 +15607,7 @@
         </p:nvSpPr>
         <p:spPr>
           <a:xfrm>
-            <a:off x="6931928" y="4395536"/>
+            <a:off x="7661771" y="3908974"/>
             <a:ext cx="540000" cy="540000"/>
           </a:xfrm>
           <a:prstGeom prst="flowChartConnector">
@@ -10534,7 +15653,7 @@
         </p:nvSpPr>
         <p:spPr>
           <a:xfrm>
-            <a:off x="6300981" y="4395536"/>
+            <a:off x="7030824" y="3908974"/>
             <a:ext cx="540000" cy="540000"/>
           </a:xfrm>
           <a:prstGeom prst="flowChartConnector">
@@ -10580,7 +15699,7 @@
         </p:nvSpPr>
         <p:spPr>
           <a:xfrm>
-            <a:off x="7562875" y="4395536"/>
+            <a:off x="8292718" y="3908974"/>
             <a:ext cx="540000" cy="540000"/>
           </a:xfrm>
           <a:prstGeom prst="flowChartConnector">
@@ -10626,7 +15745,7 @@
         </p:nvSpPr>
         <p:spPr>
           <a:xfrm>
-            <a:off x="9546662" y="4395536"/>
+            <a:off x="10276505" y="3908974"/>
             <a:ext cx="540000" cy="540000"/>
           </a:xfrm>
           <a:prstGeom prst="flowChartConnector">
@@ -10672,7 +15791,7 @@
         </p:nvSpPr>
         <p:spPr>
           <a:xfrm>
-            <a:off x="8195178" y="4395536"/>
+            <a:off x="8925027" y="3908980"/>
             <a:ext cx="1259181" cy="539999"/>
           </a:xfrm>
           <a:prstGeom prst="roundRect">
@@ -10722,7 +15841,7 @@
         </p:nvSpPr>
         <p:spPr>
           <a:xfrm>
-            <a:off x="6931928" y="3043990"/>
+            <a:off x="7661771" y="2557428"/>
             <a:ext cx="540000" cy="540000"/>
           </a:xfrm>
           <a:prstGeom prst="flowChartConnector">
@@ -10768,7 +15887,7 @@
         </p:nvSpPr>
         <p:spPr>
           <a:xfrm>
-            <a:off x="7562875" y="3043990"/>
+            <a:off x="8292718" y="2557428"/>
             <a:ext cx="540000" cy="540000"/>
           </a:xfrm>
           <a:prstGeom prst="flowChartConnector">
@@ -10814,7 +15933,7 @@
         </p:nvSpPr>
         <p:spPr>
           <a:xfrm>
-            <a:off x="8193822" y="3043990"/>
+            <a:off x="8923665" y="2557428"/>
             <a:ext cx="540000" cy="540000"/>
           </a:xfrm>
           <a:prstGeom prst="flowChartConnector">
@@ -10860,7 +15979,7 @@
         </p:nvSpPr>
         <p:spPr>
           <a:xfrm>
-            <a:off x="8824769" y="3043990"/>
+            <a:off x="9554612" y="2557428"/>
             <a:ext cx="540000" cy="540000"/>
           </a:xfrm>
           <a:prstGeom prst="flowChartConnector">
@@ -10906,7 +16025,7 @@
         </p:nvSpPr>
         <p:spPr>
           <a:xfrm>
-            <a:off x="6931928" y="1692444"/>
+            <a:off x="7661771" y="1205882"/>
             <a:ext cx="540000" cy="540000"/>
           </a:xfrm>
           <a:prstGeom prst="flowChartConnector">
@@ -10952,7 +16071,7 @@
         </p:nvSpPr>
         <p:spPr>
           <a:xfrm>
-            <a:off x="6300981" y="1692444"/>
+            <a:off x="7030824" y="1205882"/>
             <a:ext cx="540000" cy="540000"/>
           </a:xfrm>
           <a:prstGeom prst="flowChartConnector">
@@ -10998,7 +16117,7 @@
         </p:nvSpPr>
         <p:spPr>
           <a:xfrm>
-            <a:off x="7562875" y="1692444"/>
+            <a:off x="8292718" y="1205882"/>
             <a:ext cx="540000" cy="540000"/>
           </a:xfrm>
           <a:prstGeom prst="flowChartConnector">
@@ -11044,7 +16163,7 @@
         </p:nvSpPr>
         <p:spPr>
           <a:xfrm>
-            <a:off x="9546662" y="1692444"/>
+            <a:off x="10276505" y="1205882"/>
             <a:ext cx="540000" cy="540000"/>
           </a:xfrm>
           <a:prstGeom prst="flowChartConnector">
@@ -11090,7 +16209,7 @@
         </p:nvSpPr>
         <p:spPr>
           <a:xfrm>
-            <a:off x="8195178" y="1692444"/>
+            <a:off x="8925027" y="1205888"/>
             <a:ext cx="1259181" cy="539999"/>
           </a:xfrm>
           <a:prstGeom prst="roundRect">
@@ -11144,7 +16263,7 @@
         </p:nvCxnSpPr>
         <p:spPr>
           <a:xfrm flipH="1" flipV="1">
-            <a:off x="6570981" y="2232444"/>
+            <a:off x="7300830" y="1745882"/>
             <a:ext cx="630947" cy="811546"/>
           </a:xfrm>
           <a:prstGeom prst="line">
@@ -11184,7 +16303,7 @@
         </p:nvCxnSpPr>
         <p:spPr>
           <a:xfrm flipH="1" flipV="1">
-            <a:off x="6570981" y="2232444"/>
+            <a:off x="7300824" y="1745882"/>
             <a:ext cx="1261894" cy="811546"/>
           </a:xfrm>
           <a:prstGeom prst="line">
@@ -11224,7 +16343,7 @@
         </p:nvCxnSpPr>
         <p:spPr>
           <a:xfrm flipH="1" flipV="1">
-            <a:off x="6570981" y="2232444"/>
+            <a:off x="7300830" y="1745882"/>
             <a:ext cx="1892841" cy="811546"/>
           </a:xfrm>
           <a:prstGeom prst="line">
@@ -11264,7 +16383,7 @@
         </p:nvCxnSpPr>
         <p:spPr>
           <a:xfrm flipH="1" flipV="1">
-            <a:off x="6570981" y="2232444"/>
+            <a:off x="7300824" y="1745882"/>
             <a:ext cx="2523788" cy="811546"/>
           </a:xfrm>
           <a:prstGeom prst="line">
@@ -11304,7 +16423,7 @@
         </p:nvCxnSpPr>
         <p:spPr>
           <a:xfrm flipV="1">
-            <a:off x="7201928" y="2232444"/>
+            <a:off x="7931771" y="1745882"/>
             <a:ext cx="0" cy="811546"/>
           </a:xfrm>
           <a:prstGeom prst="line">
@@ -11344,7 +16463,7 @@
         </p:nvCxnSpPr>
         <p:spPr>
           <a:xfrm flipH="1" flipV="1">
-            <a:off x="7201928" y="2232444"/>
+            <a:off x="7931777" y="1745882"/>
             <a:ext cx="630947" cy="811546"/>
           </a:xfrm>
           <a:prstGeom prst="line">
@@ -11384,7 +16503,7 @@
         </p:nvCxnSpPr>
         <p:spPr>
           <a:xfrm flipH="1" flipV="1">
-            <a:off x="7201928" y="2232444"/>
+            <a:off x="7931771" y="1745882"/>
             <a:ext cx="1261894" cy="811546"/>
           </a:xfrm>
           <a:prstGeom prst="line">
@@ -11424,7 +16543,7 @@
         </p:nvCxnSpPr>
         <p:spPr>
           <a:xfrm flipH="1" flipV="1">
-            <a:off x="7201928" y="2232444"/>
+            <a:off x="7931777" y="1745882"/>
             <a:ext cx="1892841" cy="811546"/>
           </a:xfrm>
           <a:prstGeom prst="line">
@@ -11464,7 +16583,7 @@
         </p:nvCxnSpPr>
         <p:spPr>
           <a:xfrm flipV="1">
-            <a:off x="7201928" y="2232444"/>
+            <a:off x="7931777" y="1745882"/>
             <a:ext cx="630947" cy="811546"/>
           </a:xfrm>
           <a:prstGeom prst="line">
@@ -11504,7 +16623,7 @@
         </p:nvCxnSpPr>
         <p:spPr>
           <a:xfrm flipV="1">
-            <a:off x="7832875" y="2232444"/>
+            <a:off x="8562718" y="1745882"/>
             <a:ext cx="0" cy="811546"/>
           </a:xfrm>
           <a:prstGeom prst="line">
@@ -11544,7 +16663,7 @@
         </p:nvCxnSpPr>
         <p:spPr>
           <a:xfrm flipH="1" flipV="1">
-            <a:off x="7832875" y="2232444"/>
+            <a:off x="8562724" y="1745882"/>
             <a:ext cx="630947" cy="811546"/>
           </a:xfrm>
           <a:prstGeom prst="line">
@@ -11584,7 +16703,7 @@
         </p:nvCxnSpPr>
         <p:spPr>
           <a:xfrm flipH="1" flipV="1">
-            <a:off x="7832875" y="2232444"/>
+            <a:off x="8562718" y="1745882"/>
             <a:ext cx="1261894" cy="811546"/>
           </a:xfrm>
           <a:prstGeom prst="line">
@@ -11624,7 +16743,7 @@
         </p:nvCxnSpPr>
         <p:spPr>
           <a:xfrm flipV="1">
-            <a:off x="7201928" y="2232444"/>
+            <a:off x="7931771" y="1745882"/>
             <a:ext cx="2614734" cy="811546"/>
           </a:xfrm>
           <a:prstGeom prst="line">
@@ -11664,7 +16783,7 @@
         </p:nvCxnSpPr>
         <p:spPr>
           <a:xfrm flipV="1">
-            <a:off x="7832875" y="2232444"/>
+            <a:off x="8562724" y="1745882"/>
             <a:ext cx="1983787" cy="811546"/>
           </a:xfrm>
           <a:prstGeom prst="line">
@@ -11704,7 +16823,7 @@
         </p:nvCxnSpPr>
         <p:spPr>
           <a:xfrm flipV="1">
-            <a:off x="8463822" y="2232444"/>
+            <a:off x="9193665" y="1745882"/>
             <a:ext cx="1352840" cy="811546"/>
           </a:xfrm>
           <a:prstGeom prst="line">
@@ -11744,7 +16863,7 @@
         </p:nvCxnSpPr>
         <p:spPr>
           <a:xfrm flipV="1">
-            <a:off x="9094769" y="2232444"/>
+            <a:off x="9824618" y="1745882"/>
             <a:ext cx="721893" cy="811546"/>
           </a:xfrm>
           <a:prstGeom prst="line">
@@ -11784,7 +16903,7 @@
         </p:nvCxnSpPr>
         <p:spPr>
           <a:xfrm flipH="1">
-            <a:off x="6570981" y="3583990"/>
+            <a:off x="7300830" y="3097428"/>
             <a:ext cx="630947" cy="811546"/>
           </a:xfrm>
           <a:prstGeom prst="line">
@@ -11824,7 +16943,7 @@
         </p:nvCxnSpPr>
         <p:spPr>
           <a:xfrm flipH="1">
-            <a:off x="6570981" y="3583990"/>
+            <a:off x="7300824" y="3097428"/>
             <a:ext cx="1261894" cy="811546"/>
           </a:xfrm>
           <a:prstGeom prst="line">
@@ -11864,7 +16983,7 @@
         </p:nvCxnSpPr>
         <p:spPr>
           <a:xfrm flipH="1">
-            <a:off x="6570981" y="3583990"/>
+            <a:off x="7300830" y="3097428"/>
             <a:ext cx="1892841" cy="811546"/>
           </a:xfrm>
           <a:prstGeom prst="line">
@@ -11904,7 +17023,7 @@
         </p:nvCxnSpPr>
         <p:spPr>
           <a:xfrm flipH="1">
-            <a:off x="6570981" y="3583990"/>
+            <a:off x="7300824" y="3097428"/>
             <a:ext cx="2523788" cy="811546"/>
           </a:xfrm>
           <a:prstGeom prst="line">
@@ -11944,7 +17063,7 @@
         </p:nvCxnSpPr>
         <p:spPr>
           <a:xfrm>
-            <a:off x="7201928" y="3583990"/>
+            <a:off x="7931771" y="3097428"/>
             <a:ext cx="0" cy="811546"/>
           </a:xfrm>
           <a:prstGeom prst="line">
@@ -11984,7 +17103,7 @@
         </p:nvCxnSpPr>
         <p:spPr>
           <a:xfrm flipH="1">
-            <a:off x="7201928" y="3583990"/>
+            <a:off x="7931771" y="3097428"/>
             <a:ext cx="1261894" cy="811546"/>
           </a:xfrm>
           <a:prstGeom prst="line">
@@ -12024,7 +17143,7 @@
         </p:nvCxnSpPr>
         <p:spPr>
           <a:xfrm flipH="1">
-            <a:off x="7201928" y="3583990"/>
+            <a:off x="7931777" y="3097428"/>
             <a:ext cx="630947" cy="811546"/>
           </a:xfrm>
           <a:prstGeom prst="line">
@@ -12064,7 +17183,7 @@
         </p:nvCxnSpPr>
         <p:spPr>
           <a:xfrm flipH="1">
-            <a:off x="7201928" y="3583990"/>
+            <a:off x="7931777" y="3097428"/>
             <a:ext cx="1892841" cy="811546"/>
           </a:xfrm>
           <a:prstGeom prst="line">
@@ -12104,7 +17223,7 @@
         </p:nvCxnSpPr>
         <p:spPr>
           <a:xfrm>
-            <a:off x="7201928" y="3583990"/>
+            <a:off x="7931777" y="3097428"/>
             <a:ext cx="630947" cy="811546"/>
           </a:xfrm>
           <a:prstGeom prst="line">
@@ -12144,7 +17263,7 @@
         </p:nvCxnSpPr>
         <p:spPr>
           <a:xfrm>
-            <a:off x="7832875" y="3583990"/>
+            <a:off x="8562718" y="3097428"/>
             <a:ext cx="0" cy="811546"/>
           </a:xfrm>
           <a:prstGeom prst="line">
@@ -12184,7 +17303,7 @@
         </p:nvCxnSpPr>
         <p:spPr>
           <a:xfrm flipH="1">
-            <a:off x="7832875" y="3583990"/>
+            <a:off x="8562724" y="3097428"/>
             <a:ext cx="630947" cy="811546"/>
           </a:xfrm>
           <a:prstGeom prst="line">
@@ -12224,7 +17343,7 @@
         </p:nvCxnSpPr>
         <p:spPr>
           <a:xfrm flipH="1">
-            <a:off x="7832875" y="3583990"/>
+            <a:off x="8562718" y="3097428"/>
             <a:ext cx="1261894" cy="811546"/>
           </a:xfrm>
           <a:prstGeom prst="line">
@@ -12264,7 +17383,7 @@
         </p:nvCxnSpPr>
         <p:spPr>
           <a:xfrm flipH="1" flipV="1">
-            <a:off x="7201928" y="3583990"/>
+            <a:off x="7931771" y="3097428"/>
             <a:ext cx="2614734" cy="811546"/>
           </a:xfrm>
           <a:prstGeom prst="line">
@@ -12304,7 +17423,7 @@
         </p:nvCxnSpPr>
         <p:spPr>
           <a:xfrm flipH="1" flipV="1">
-            <a:off x="7832875" y="3583990"/>
+            <a:off x="8562724" y="3097428"/>
             <a:ext cx="1983787" cy="811546"/>
           </a:xfrm>
           <a:prstGeom prst="line">
@@ -12344,7 +17463,7 @@
         </p:nvCxnSpPr>
         <p:spPr>
           <a:xfrm flipH="1" flipV="1">
-            <a:off x="8463822" y="3583990"/>
+            <a:off x="9193665" y="3097428"/>
             <a:ext cx="1352840" cy="811546"/>
           </a:xfrm>
           <a:prstGeom prst="line">
@@ -12384,7 +17503,7 @@
         </p:nvCxnSpPr>
         <p:spPr>
           <a:xfrm flipH="1" flipV="1">
-            <a:off x="9094769" y="3583990"/>
+            <a:off x="9824618" y="3097428"/>
             <a:ext cx="721893" cy="811546"/>
           </a:xfrm>
           <a:prstGeom prst="line">
@@ -12420,7 +17539,7 @@
         </p:nvSpPr>
         <p:spPr>
           <a:xfrm>
-            <a:off x="2845834" y="5558589"/>
+            <a:off x="2845840" y="5558589"/>
             <a:ext cx="2006121" cy="555518"/>
           </a:xfrm>
           <a:prstGeom prst="rect">
@@ -12474,8 +17593,8 @@
         </p:nvCxnSpPr>
         <p:spPr>
           <a:xfrm flipV="1">
-            <a:off x="4922211" y="4997116"/>
-            <a:ext cx="1280907" cy="701884"/>
+            <a:off x="4922217" y="4681063"/>
+            <a:ext cx="2090985" cy="1017943"/>
           </a:xfrm>
           <a:prstGeom prst="straightConnector1">
             <a:avLst/>
@@ -12516,7 +17635,7 @@
         </p:nvSpPr>
         <p:spPr>
           <a:xfrm>
-            <a:off x="7608348" y="5207082"/>
+            <a:off x="8338197" y="4720526"/>
             <a:ext cx="1170947" cy="442575"/>
           </a:xfrm>
           <a:prstGeom prst="rect">
@@ -12572,7 +17691,7 @@
         </p:nvSpPr>
         <p:spPr>
           <a:xfrm>
-            <a:off x="7608347" y="931156"/>
+            <a:off x="8338196" y="444600"/>
             <a:ext cx="1170947" cy="442575"/>
           </a:xfrm>
           <a:prstGeom prst="rect">
@@ -12628,8 +17747,8 @@
         </p:nvSpPr>
         <p:spPr>
           <a:xfrm>
-            <a:off x="4090989" y="4214307"/>
-            <a:ext cx="2238258" cy="738664"/>
+            <a:off x="6079185" y="5489440"/>
+            <a:ext cx="2477591" cy="830997"/>
           </a:xfrm>
           <a:prstGeom prst="rect">
             <a:avLst/>
@@ -12643,13 +17762,55 @@
           <a:lstStyle/>
           <a:p>
             <a:r>
-              <a:rPr lang="en-US" sz="1400" dirty="0">
+              <a:rPr lang="en-US" sz="1600" dirty="0">
                 <a:latin typeface="Roboto Medium" panose="02000000000000000000" pitchFamily="2" charset="0"/>
                 <a:ea typeface="Roboto Medium" panose="02000000000000000000" pitchFamily="2" charset="0"/>
               </a:rPr>
-              <a:t>Re-use pre-trained item embedding layer for genre prediction</a:t>
+              <a:t>Re-use trained item embedding layer for genre prediction</a:t>
             </a:r>
-            <a:endParaRPr lang="en-NZ" sz="1400" dirty="0">
+            <a:endParaRPr lang="en-NZ" sz="1600" dirty="0">
+              <a:latin typeface="Roboto Medium" panose="02000000000000000000" pitchFamily="2" charset="0"/>
+              <a:ea typeface="Roboto Medium" panose="02000000000000000000" pitchFamily="2" charset="0"/>
+            </a:endParaRPr>
+          </a:p>
+        </p:txBody>
+      </p:sp>
+      <p:sp>
+        <p:nvSpPr>
+          <p:cNvPr id="128" name="TextBox 127">
+            <a:extLst>
+              <a:ext uri="{FF2B5EF4-FFF2-40B4-BE49-F238E27FC236}">
+                <a16:creationId xmlns:a16="http://schemas.microsoft.com/office/drawing/2014/main" id="{2A079563-515E-4B8B-A700-E1BAE17B3123}"/>
+              </a:ext>
+            </a:extLst>
+          </p:cNvPr>
+          <p:cNvSpPr txBox="1"/>
+          <p:nvPr/>
+        </p:nvSpPr>
+        <p:spPr>
+          <a:xfrm>
+            <a:off x="1332410" y="3024473"/>
+            <a:ext cx="2560083" cy="584775"/>
+          </a:xfrm>
+          <a:prstGeom prst="rect">
+            <a:avLst/>
+          </a:prstGeom>
+          <a:noFill/>
+        </p:spPr>
+        <p:txBody>
+          <a:bodyPr wrap="square" rtlCol="0">
+            <a:spAutoFit/>
+          </a:bodyPr>
+          <a:lstStyle/>
+          <a:p>
+            <a:r>
+              <a:rPr lang="en-US" sz="1600" dirty="0">
+                <a:latin typeface="Roboto Medium" panose="02000000000000000000" pitchFamily="2" charset="0"/>
+                <a:ea typeface="Roboto Medium" panose="02000000000000000000" pitchFamily="2" charset="0"/>
+              </a:rPr>
+              <a:t>Train embedding layer on user-item interactions</a:t>
+            </a:r>
+            <a:endParaRPr lang="en-NZ" sz="1600" dirty="0">
               <a:latin typeface="Roboto Medium" panose="02000000000000000000" pitchFamily="2" charset="0"/>
               <a:ea typeface="Roboto Medium" panose="02000000000000000000" pitchFamily="2" charset="0"/>
             </a:endParaRPr>
@@ -12672,7 +17833,7 @@
 <file path=ppt/theme/theme1.xml><?xml version="1.0" encoding="utf-8"?>
 <a:theme xmlns:a="http://schemas.openxmlformats.org/drawingml/2006/main" name="Office Theme">
   <a:themeElements>
-    <a:clrScheme name="Office">
+    <a:clrScheme name="Office Theme">
       <a:dk1>
         <a:sysClr val="windowText" lastClr="000000"/>
       </a:dk1>
@@ -12710,7 +17871,7 @@
         <a:srgbClr val="954F72"/>
       </a:folHlink>
     </a:clrScheme>
-    <a:fontScheme name="Office">
+    <a:fontScheme name="Office Theme">
       <a:majorFont>
         <a:latin typeface="Calibri Light" panose="020F0302020204030204"/>
         <a:ea typeface=""/>
@@ -12745,23 +17906,6 @@
         <a:font script="Viet" typeface="Times New Roman"/>
         <a:font script="Uigh" typeface="Microsoft Uighur"/>
         <a:font script="Geor" typeface="Sylfaen"/>
-        <a:font script="Armn" typeface="Arial"/>
-        <a:font script="Bugi" typeface="Leelawadee UI"/>
-        <a:font script="Bopo" typeface="Microsoft JhengHei"/>
-        <a:font script="Java" typeface="Javanese Text"/>
-        <a:font script="Lisu" typeface="Segoe UI"/>
-        <a:font script="Mymr" typeface="Myanmar Text"/>
-        <a:font script="Nkoo" typeface="Ebrima"/>
-        <a:font script="Olck" typeface="Nirmala UI"/>
-        <a:font script="Osma" typeface="Ebrima"/>
-        <a:font script="Phag" typeface="Phagspa"/>
-        <a:font script="Syrn" typeface="Estrangelo Edessa"/>
-        <a:font script="Syrj" typeface="Estrangelo Edessa"/>
-        <a:font script="Syre" typeface="Estrangelo Edessa"/>
-        <a:font script="Sora" typeface="Nirmala UI"/>
-        <a:font script="Tale" typeface="Microsoft Tai Le"/>
-        <a:font script="Talu" typeface="Microsoft New Tai Lue"/>
-        <a:font script="Tfng" typeface="Ebrima"/>
       </a:majorFont>
       <a:minorFont>
         <a:latin typeface="Calibri" panose="020F0502020204030204"/>
@@ -12797,26 +17941,9 @@
         <a:font script="Viet" typeface="Arial"/>
         <a:font script="Uigh" typeface="Microsoft Uighur"/>
         <a:font script="Geor" typeface="Sylfaen"/>
-        <a:font script="Armn" typeface="Arial"/>
-        <a:font script="Bugi" typeface="Leelawadee UI"/>
-        <a:font script="Bopo" typeface="Microsoft JhengHei"/>
-        <a:font script="Java" typeface="Javanese Text"/>
-        <a:font script="Lisu" typeface="Segoe UI"/>
-        <a:font script="Mymr" typeface="Myanmar Text"/>
-        <a:font script="Nkoo" typeface="Ebrima"/>
-        <a:font script="Olck" typeface="Nirmala UI"/>
-        <a:font script="Osma" typeface="Ebrima"/>
-        <a:font script="Phag" typeface="Phagspa"/>
-        <a:font script="Syrn" typeface="Estrangelo Edessa"/>
-        <a:font script="Syrj" typeface="Estrangelo Edessa"/>
-        <a:font script="Syre" typeface="Estrangelo Edessa"/>
-        <a:font script="Sora" typeface="Nirmala UI"/>
-        <a:font script="Tale" typeface="Microsoft Tai Le"/>
-        <a:font script="Talu" typeface="Microsoft New Tai Lue"/>
-        <a:font script="Tfng" typeface="Ebrima"/>
       </a:minorFont>
     </a:fontScheme>
-    <a:fmtScheme name="Office">
+    <a:fmtScheme name="Office Theme">
       <a:fillStyleLst>
         <a:solidFill>
           <a:schemeClr val="phClr"/>

--- a/figures/drawing-board.pptx
+++ b/figures/drawing-board.pptx
@@ -2,14 +2,15 @@
 <file path=ppt/presentation.xml><?xml version="1.0" encoding="utf-8"?>
 <p:presentation xmlns:a="http://schemas.openxmlformats.org/drawingml/2006/main" xmlns:r="http://schemas.openxmlformats.org/officeDocument/2006/relationships" xmlns:p="http://schemas.openxmlformats.org/presentationml/2006/main" saveSubsetFonts="1">
   <p:sldMasterIdLst>
-    <p:sldMasterId id="2147483696" r:id="rId1"/>
+    <p:sldMasterId id="2147483720" r:id="rId1"/>
   </p:sldMasterIdLst>
   <p:sldIdLst>
     <p:sldId id="258" r:id="rId2"/>
     <p:sldId id="260" r:id="rId3"/>
-    <p:sldId id="261" r:id="rId4"/>
-    <p:sldId id="259" r:id="rId5"/>
-    <p:sldId id="257" r:id="rId6"/>
+    <p:sldId id="262" r:id="rId4"/>
+    <p:sldId id="261" r:id="rId5"/>
+    <p:sldId id="259" r:id="rId6"/>
+    <p:sldId id="257" r:id="rId7"/>
   </p:sldIdLst>
   <p:sldSz cx="12192000" cy="6858000"/>
   <p:notesSz cx="6858000" cy="9144000"/>
@@ -258,7 +259,7 @@
           <a:p>
             <a:fld id="{7FCAF9BE-84FA-4DCA-8252-942D07F2383A}" type="datetimeFigureOut">
               <a:rPr lang="en-NZ" smtClean="0"/>
-              <a:t>3/09/2019</a:t>
+              <a:t>9/09/2019</a:t>
             </a:fld>
             <a:endParaRPr lang="en-NZ"/>
           </a:p>
@@ -309,7 +310,7 @@
     </p:spTree>
     <p:extLst>
       <p:ext uri="{BB962C8B-B14F-4D97-AF65-F5344CB8AC3E}">
-        <p14:creationId xmlns:p14="http://schemas.microsoft.com/office/powerpoint/2010/main" val="4276688719"/>
+        <p14:creationId xmlns:p14="http://schemas.microsoft.com/office/powerpoint/2010/main" val="354541146"/>
       </p:ext>
     </p:extLst>
   </p:cSld>
@@ -428,7 +429,7 @@
           <a:p>
             <a:fld id="{7FCAF9BE-84FA-4DCA-8252-942D07F2383A}" type="datetimeFigureOut">
               <a:rPr lang="en-NZ" smtClean="0"/>
-              <a:t>3/09/2019</a:t>
+              <a:t>9/09/2019</a:t>
             </a:fld>
             <a:endParaRPr lang="en-NZ"/>
           </a:p>
@@ -479,7 +480,7 @@
     </p:spTree>
     <p:extLst>
       <p:ext uri="{BB962C8B-B14F-4D97-AF65-F5344CB8AC3E}">
-        <p14:creationId xmlns:p14="http://schemas.microsoft.com/office/powerpoint/2010/main" val="312842105"/>
+        <p14:creationId xmlns:p14="http://schemas.microsoft.com/office/powerpoint/2010/main" val="944312351"/>
       </p:ext>
     </p:extLst>
   </p:cSld>
@@ -608,7 +609,7 @@
           <a:p>
             <a:fld id="{7FCAF9BE-84FA-4DCA-8252-942D07F2383A}" type="datetimeFigureOut">
               <a:rPr lang="en-NZ" smtClean="0"/>
-              <a:t>3/09/2019</a:t>
+              <a:t>9/09/2019</a:t>
             </a:fld>
             <a:endParaRPr lang="en-NZ"/>
           </a:p>
@@ -659,7 +660,7 @@
     </p:spTree>
     <p:extLst>
       <p:ext uri="{BB962C8B-B14F-4D97-AF65-F5344CB8AC3E}">
-        <p14:creationId xmlns:p14="http://schemas.microsoft.com/office/powerpoint/2010/main" val="233047685"/>
+        <p14:creationId xmlns:p14="http://schemas.microsoft.com/office/powerpoint/2010/main" val="3620296674"/>
       </p:ext>
     </p:extLst>
   </p:cSld>
@@ -778,7 +779,7 @@
           <a:p>
             <a:fld id="{7FCAF9BE-84FA-4DCA-8252-942D07F2383A}" type="datetimeFigureOut">
               <a:rPr lang="en-NZ" smtClean="0"/>
-              <a:t>3/09/2019</a:t>
+              <a:t>9/09/2019</a:t>
             </a:fld>
             <a:endParaRPr lang="en-NZ"/>
           </a:p>
@@ -829,7 +830,7 @@
     </p:spTree>
     <p:extLst>
       <p:ext uri="{BB962C8B-B14F-4D97-AF65-F5344CB8AC3E}">
-        <p14:creationId xmlns:p14="http://schemas.microsoft.com/office/powerpoint/2010/main" val="3562723325"/>
+        <p14:creationId xmlns:p14="http://schemas.microsoft.com/office/powerpoint/2010/main" val="3744134600"/>
       </p:ext>
     </p:extLst>
   </p:cSld>
@@ -1024,7 +1025,7 @@
           <a:p>
             <a:fld id="{7FCAF9BE-84FA-4DCA-8252-942D07F2383A}" type="datetimeFigureOut">
               <a:rPr lang="en-NZ" smtClean="0"/>
-              <a:t>3/09/2019</a:t>
+              <a:t>9/09/2019</a:t>
             </a:fld>
             <a:endParaRPr lang="en-NZ"/>
           </a:p>
@@ -1075,7 +1076,7 @@
     </p:spTree>
     <p:extLst>
       <p:ext uri="{BB962C8B-B14F-4D97-AF65-F5344CB8AC3E}">
-        <p14:creationId xmlns:p14="http://schemas.microsoft.com/office/powerpoint/2010/main" val="1960852470"/>
+        <p14:creationId xmlns:p14="http://schemas.microsoft.com/office/powerpoint/2010/main" val="3619879486"/>
       </p:ext>
     </p:extLst>
   </p:cSld>
@@ -1256,7 +1257,7 @@
           <a:p>
             <a:fld id="{7FCAF9BE-84FA-4DCA-8252-942D07F2383A}" type="datetimeFigureOut">
               <a:rPr lang="en-NZ" smtClean="0"/>
-              <a:t>3/09/2019</a:t>
+              <a:t>9/09/2019</a:t>
             </a:fld>
             <a:endParaRPr lang="en-NZ"/>
           </a:p>
@@ -1307,7 +1308,7 @@
     </p:spTree>
     <p:extLst>
       <p:ext uri="{BB962C8B-B14F-4D97-AF65-F5344CB8AC3E}">
-        <p14:creationId xmlns:p14="http://schemas.microsoft.com/office/powerpoint/2010/main" val="2304233054"/>
+        <p14:creationId xmlns:p14="http://schemas.microsoft.com/office/powerpoint/2010/main" val="2918286135"/>
       </p:ext>
     </p:extLst>
   </p:cSld>
@@ -1623,7 +1624,7 @@
           <a:p>
             <a:fld id="{7FCAF9BE-84FA-4DCA-8252-942D07F2383A}" type="datetimeFigureOut">
               <a:rPr lang="en-NZ" smtClean="0"/>
-              <a:t>3/09/2019</a:t>
+              <a:t>9/09/2019</a:t>
             </a:fld>
             <a:endParaRPr lang="en-NZ"/>
           </a:p>
@@ -1674,7 +1675,7 @@
     </p:spTree>
     <p:extLst>
       <p:ext uri="{BB962C8B-B14F-4D97-AF65-F5344CB8AC3E}">
-        <p14:creationId xmlns:p14="http://schemas.microsoft.com/office/powerpoint/2010/main" val="3095464261"/>
+        <p14:creationId xmlns:p14="http://schemas.microsoft.com/office/powerpoint/2010/main" val="3480016870"/>
       </p:ext>
     </p:extLst>
   </p:cSld>
@@ -1741,7 +1742,7 @@
           <a:p>
             <a:fld id="{7FCAF9BE-84FA-4DCA-8252-942D07F2383A}" type="datetimeFigureOut">
               <a:rPr lang="en-NZ" smtClean="0"/>
-              <a:t>3/09/2019</a:t>
+              <a:t>9/09/2019</a:t>
             </a:fld>
             <a:endParaRPr lang="en-NZ"/>
           </a:p>
@@ -1792,7 +1793,7 @@
     </p:spTree>
     <p:extLst>
       <p:ext uri="{BB962C8B-B14F-4D97-AF65-F5344CB8AC3E}">
-        <p14:creationId xmlns:p14="http://schemas.microsoft.com/office/powerpoint/2010/main" val="428790411"/>
+        <p14:creationId xmlns:p14="http://schemas.microsoft.com/office/powerpoint/2010/main" val="1299956459"/>
       </p:ext>
     </p:extLst>
   </p:cSld>
@@ -1836,7 +1837,7 @@
           <a:p>
             <a:fld id="{7FCAF9BE-84FA-4DCA-8252-942D07F2383A}" type="datetimeFigureOut">
               <a:rPr lang="en-NZ" smtClean="0"/>
-              <a:t>3/09/2019</a:t>
+              <a:t>9/09/2019</a:t>
             </a:fld>
             <a:endParaRPr lang="en-NZ"/>
           </a:p>
@@ -1887,7 +1888,7 @@
     </p:spTree>
     <p:extLst>
       <p:ext uri="{BB962C8B-B14F-4D97-AF65-F5344CB8AC3E}">
-        <p14:creationId xmlns:p14="http://schemas.microsoft.com/office/powerpoint/2010/main" val="2085288751"/>
+        <p14:creationId xmlns:p14="http://schemas.microsoft.com/office/powerpoint/2010/main" val="94176666"/>
       </p:ext>
     </p:extLst>
   </p:cSld>
@@ -2113,7 +2114,7 @@
           <a:p>
             <a:fld id="{7FCAF9BE-84FA-4DCA-8252-942D07F2383A}" type="datetimeFigureOut">
               <a:rPr lang="en-NZ" smtClean="0"/>
-              <a:t>3/09/2019</a:t>
+              <a:t>9/09/2019</a:t>
             </a:fld>
             <a:endParaRPr lang="en-NZ"/>
           </a:p>
@@ -2164,7 +2165,7 @@
     </p:spTree>
     <p:extLst>
       <p:ext uri="{BB962C8B-B14F-4D97-AF65-F5344CB8AC3E}">
-        <p14:creationId xmlns:p14="http://schemas.microsoft.com/office/powerpoint/2010/main" val="3485039265"/>
+        <p14:creationId xmlns:p14="http://schemas.microsoft.com/office/powerpoint/2010/main" val="497573765"/>
       </p:ext>
     </p:extLst>
   </p:cSld>
@@ -2370,7 +2371,7 @@
           <a:p>
             <a:fld id="{7FCAF9BE-84FA-4DCA-8252-942D07F2383A}" type="datetimeFigureOut">
               <a:rPr lang="en-NZ" smtClean="0"/>
-              <a:t>3/09/2019</a:t>
+              <a:t>9/09/2019</a:t>
             </a:fld>
             <a:endParaRPr lang="en-NZ"/>
           </a:p>
@@ -2421,7 +2422,7 @@
     </p:spTree>
     <p:extLst>
       <p:ext uri="{BB962C8B-B14F-4D97-AF65-F5344CB8AC3E}">
-        <p14:creationId xmlns:p14="http://schemas.microsoft.com/office/powerpoint/2010/main" val="2174831518"/>
+        <p14:creationId xmlns:p14="http://schemas.microsoft.com/office/powerpoint/2010/main" val="2247359936"/>
       </p:ext>
     </p:extLst>
   </p:cSld>
@@ -2583,7 +2584,7 @@
           <a:p>
             <a:fld id="{7FCAF9BE-84FA-4DCA-8252-942D07F2383A}" type="datetimeFigureOut">
               <a:rPr lang="en-NZ" smtClean="0"/>
-              <a:t>3/09/2019</a:t>
+              <a:t>9/09/2019</a:t>
             </a:fld>
             <a:endParaRPr lang="en-NZ"/>
           </a:p>
@@ -2670,23 +2671,23 @@
     </p:spTree>
     <p:extLst>
       <p:ext uri="{BB962C8B-B14F-4D97-AF65-F5344CB8AC3E}">
-        <p14:creationId xmlns:p14="http://schemas.microsoft.com/office/powerpoint/2010/main" val="1708161505"/>
+        <p14:creationId xmlns:p14="http://schemas.microsoft.com/office/powerpoint/2010/main" val="3419635749"/>
       </p:ext>
     </p:extLst>
   </p:cSld>
   <p:clrMap bg1="lt1" tx1="dk1" bg2="lt2" tx2="dk2" accent1="accent1" accent2="accent2" accent3="accent3" accent4="accent4" accent5="accent5" accent6="accent6" hlink="hlink" folHlink="folHlink"/>
   <p:sldLayoutIdLst>
-    <p:sldLayoutId id="2147483697" r:id="rId1"/>
-    <p:sldLayoutId id="2147483698" r:id="rId2"/>
-    <p:sldLayoutId id="2147483699" r:id="rId3"/>
-    <p:sldLayoutId id="2147483700" r:id="rId4"/>
-    <p:sldLayoutId id="2147483701" r:id="rId5"/>
-    <p:sldLayoutId id="2147483702" r:id="rId6"/>
-    <p:sldLayoutId id="2147483703" r:id="rId7"/>
-    <p:sldLayoutId id="2147483704" r:id="rId8"/>
-    <p:sldLayoutId id="2147483705" r:id="rId9"/>
-    <p:sldLayoutId id="2147483706" r:id="rId10"/>
-    <p:sldLayoutId id="2147483707" r:id="rId11"/>
+    <p:sldLayoutId id="2147483721" r:id="rId1"/>
+    <p:sldLayoutId id="2147483722" r:id="rId2"/>
+    <p:sldLayoutId id="2147483723" r:id="rId3"/>
+    <p:sldLayoutId id="2147483724" r:id="rId4"/>
+    <p:sldLayoutId id="2147483725" r:id="rId5"/>
+    <p:sldLayoutId id="2147483726" r:id="rId6"/>
+    <p:sldLayoutId id="2147483727" r:id="rId7"/>
+    <p:sldLayoutId id="2147483728" r:id="rId8"/>
+    <p:sldLayoutId id="2147483729" r:id="rId9"/>
+    <p:sldLayoutId id="2147483730" r:id="rId10"/>
+    <p:sldLayoutId id="2147483731" r:id="rId11"/>
   </p:sldLayoutIdLst>
   <p:txStyles>
     <p:titleStyle>
@@ -3008,6 +3009,12 @@
           <a:prstGeom prst="flowChartConnector">
             <a:avLst/>
           </a:prstGeom>
+          <a:solidFill>
+            <a:schemeClr val="accent2">
+              <a:lumMod val="60000"/>
+              <a:lumOff val="40000"/>
+            </a:schemeClr>
+          </a:solidFill>
         </p:spPr>
         <p:style>
           <a:lnRef idx="2">
@@ -3054,6 +3061,12 @@
           <a:prstGeom prst="flowChartConnector">
             <a:avLst/>
           </a:prstGeom>
+          <a:solidFill>
+            <a:schemeClr val="accent2">
+              <a:lumMod val="60000"/>
+              <a:lumOff val="40000"/>
+            </a:schemeClr>
+          </a:solidFill>
         </p:spPr>
         <p:style>
           <a:lnRef idx="2">
@@ -3100,6 +3113,12 @@
           <a:prstGeom prst="flowChartConnector">
             <a:avLst/>
           </a:prstGeom>
+          <a:solidFill>
+            <a:schemeClr val="accent2">
+              <a:lumMod val="60000"/>
+              <a:lumOff val="40000"/>
+            </a:schemeClr>
+          </a:solidFill>
         </p:spPr>
         <p:style>
           <a:lnRef idx="2">
@@ -3146,6 +3165,12 @@
           <a:prstGeom prst="flowChartConnector">
             <a:avLst/>
           </a:prstGeom>
+          <a:solidFill>
+            <a:schemeClr val="accent2">
+              <a:lumMod val="60000"/>
+              <a:lumOff val="40000"/>
+            </a:schemeClr>
+          </a:solidFill>
         </p:spPr>
         <p:style>
           <a:lnRef idx="2">
@@ -3192,6 +3217,12 @@
           <a:prstGeom prst="flowChartConnector">
             <a:avLst/>
           </a:prstGeom>
+          <a:solidFill>
+            <a:schemeClr val="accent1">
+              <a:lumMod val="60000"/>
+              <a:lumOff val="40000"/>
+            </a:schemeClr>
+          </a:solidFill>
         </p:spPr>
         <p:style>
           <a:lnRef idx="2">
@@ -3238,6 +3269,12 @@
           <a:prstGeom prst="flowChartConnector">
             <a:avLst/>
           </a:prstGeom>
+          <a:solidFill>
+            <a:schemeClr val="accent1">
+              <a:lumMod val="60000"/>
+              <a:lumOff val="40000"/>
+            </a:schemeClr>
+          </a:solidFill>
         </p:spPr>
         <p:style>
           <a:lnRef idx="2">
@@ -3284,6 +3321,12 @@
           <a:prstGeom prst="flowChartConnector">
             <a:avLst/>
           </a:prstGeom>
+          <a:solidFill>
+            <a:schemeClr val="accent1">
+              <a:lumMod val="60000"/>
+              <a:lumOff val="40000"/>
+            </a:schemeClr>
+          </a:solidFill>
         </p:spPr>
         <p:style>
           <a:lnRef idx="2">
@@ -3330,6 +3373,12 @@
           <a:prstGeom prst="flowChartConnector">
             <a:avLst/>
           </a:prstGeom>
+          <a:solidFill>
+            <a:schemeClr val="accent1">
+              <a:lumMod val="60000"/>
+              <a:lumOff val="40000"/>
+            </a:schemeClr>
+          </a:solidFill>
         </p:spPr>
         <p:style>
           <a:lnRef idx="2">
@@ -3652,6 +3701,12 @@
           <a:prstGeom prst="flowChartConnector">
             <a:avLst/>
           </a:prstGeom>
+          <a:solidFill>
+            <a:schemeClr val="accent6">
+              <a:lumMod val="60000"/>
+              <a:lumOff val="40000"/>
+            </a:schemeClr>
+          </a:solidFill>
         </p:spPr>
         <p:style>
           <a:lnRef idx="2">
@@ -3696,7 +3751,7 @@
         </p:nvCxnSpPr>
         <p:spPr>
           <a:xfrm>
-            <a:off x="7590764" y="3816607"/>
+            <a:off x="7590766" y="3816609"/>
             <a:ext cx="1983787" cy="1260725"/>
           </a:xfrm>
           <a:prstGeom prst="line">
@@ -3736,7 +3791,7 @@
         </p:nvCxnSpPr>
         <p:spPr>
           <a:xfrm>
-            <a:off x="4436023" y="3816607"/>
+            <a:off x="4436023" y="3816609"/>
             <a:ext cx="5138522" cy="1260725"/>
           </a:xfrm>
           <a:prstGeom prst="line">
@@ -3776,7 +3831,7 @@
         </p:nvCxnSpPr>
         <p:spPr>
           <a:xfrm>
-            <a:off x="5066976" y="3816607"/>
+            <a:off x="5066978" y="3816609"/>
             <a:ext cx="4507575" cy="1260725"/>
           </a:xfrm>
           <a:prstGeom prst="line">
@@ -3816,7 +3871,7 @@
         </p:nvCxnSpPr>
         <p:spPr>
           <a:xfrm>
-            <a:off x="5697917" y="3816607"/>
+            <a:off x="5697917" y="3816609"/>
             <a:ext cx="3876628" cy="1260725"/>
           </a:xfrm>
           <a:prstGeom prst="line">
@@ -3856,7 +3911,7 @@
         </p:nvCxnSpPr>
         <p:spPr>
           <a:xfrm>
-            <a:off x="6328870" y="3816607"/>
+            <a:off x="6328872" y="3816609"/>
             <a:ext cx="3245681" cy="1260725"/>
           </a:xfrm>
           <a:prstGeom prst="line">
@@ -3896,7 +3951,7 @@
         </p:nvCxnSpPr>
         <p:spPr>
           <a:xfrm>
-            <a:off x="6959811" y="3816607"/>
+            <a:off x="6959811" y="3816609"/>
             <a:ext cx="2614734" cy="1260725"/>
           </a:xfrm>
           <a:prstGeom prst="line">
@@ -3936,7 +3991,7 @@
         </p:nvCxnSpPr>
         <p:spPr>
           <a:xfrm>
-            <a:off x="4436029" y="3816607"/>
+            <a:off x="4436031" y="3816609"/>
             <a:ext cx="3154735" cy="1260725"/>
           </a:xfrm>
           <a:prstGeom prst="line">
@@ -3976,7 +4031,7 @@
         </p:nvCxnSpPr>
         <p:spPr>
           <a:xfrm>
-            <a:off x="5066970" y="3816607"/>
+            <a:off x="5066970" y="3816609"/>
             <a:ext cx="2523788" cy="1260725"/>
           </a:xfrm>
           <a:prstGeom prst="line">
@@ -4016,7 +4071,7 @@
         </p:nvCxnSpPr>
         <p:spPr>
           <a:xfrm>
-            <a:off x="5697923" y="3816607"/>
+            <a:off x="5697925" y="3816609"/>
             <a:ext cx="1892841" cy="1260725"/>
           </a:xfrm>
           <a:prstGeom prst="line">
@@ -4056,7 +4111,7 @@
         </p:nvCxnSpPr>
         <p:spPr>
           <a:xfrm>
-            <a:off x="6328864" y="3816607"/>
+            <a:off x="6328864" y="3816609"/>
             <a:ext cx="1261894" cy="1260725"/>
           </a:xfrm>
           <a:prstGeom prst="line">
@@ -4096,7 +4151,7 @@
         </p:nvCxnSpPr>
         <p:spPr>
           <a:xfrm>
-            <a:off x="6959817" y="3816607"/>
+            <a:off x="6959819" y="3816609"/>
             <a:ext cx="630947" cy="1260725"/>
           </a:xfrm>
           <a:prstGeom prst="line">
@@ -4136,7 +4191,7 @@
         </p:nvCxnSpPr>
         <p:spPr>
           <a:xfrm>
-            <a:off x="7590758" y="3816607"/>
+            <a:off x="7590758" y="3816609"/>
             <a:ext cx="0" cy="1260725"/>
           </a:xfrm>
           <a:prstGeom prst="line">
@@ -4176,7 +4231,7 @@
         </p:nvCxnSpPr>
         <p:spPr>
           <a:xfrm>
-            <a:off x="4436023" y="3816607"/>
+            <a:off x="4436023" y="3816609"/>
             <a:ext cx="2523788" cy="1260725"/>
           </a:xfrm>
           <a:prstGeom prst="line">
@@ -4216,7 +4271,7 @@
         </p:nvCxnSpPr>
         <p:spPr>
           <a:xfrm>
-            <a:off x="5066976" y="3816607"/>
+            <a:off x="5066978" y="3816609"/>
             <a:ext cx="1892841" cy="1260725"/>
           </a:xfrm>
           <a:prstGeom prst="line">
@@ -4256,7 +4311,7 @@
         </p:nvCxnSpPr>
         <p:spPr>
           <a:xfrm>
-            <a:off x="5697917" y="3816607"/>
+            <a:off x="5697917" y="3816609"/>
             <a:ext cx="1261894" cy="1260725"/>
           </a:xfrm>
           <a:prstGeom prst="line">
@@ -4296,7 +4351,7 @@
         </p:nvCxnSpPr>
         <p:spPr>
           <a:xfrm>
-            <a:off x="6328870" y="3816607"/>
+            <a:off x="6328872" y="3816609"/>
             <a:ext cx="630947" cy="1260725"/>
           </a:xfrm>
           <a:prstGeom prst="line">
@@ -4336,7 +4391,7 @@
         </p:nvCxnSpPr>
         <p:spPr>
           <a:xfrm>
-            <a:off x="6959811" y="3816607"/>
+            <a:off x="6959811" y="3816609"/>
             <a:ext cx="0" cy="1260725"/>
           </a:xfrm>
           <a:prstGeom prst="line">
@@ -4376,7 +4431,7 @@
         </p:nvCxnSpPr>
         <p:spPr>
           <a:xfrm flipH="1">
-            <a:off x="6959817" y="3816607"/>
+            <a:off x="6959819" y="3816609"/>
             <a:ext cx="630947" cy="1260725"/>
           </a:xfrm>
           <a:prstGeom prst="line">
@@ -4416,7 +4471,7 @@
         </p:nvCxnSpPr>
         <p:spPr>
           <a:xfrm>
-            <a:off x="4436029" y="3816607"/>
+            <a:off x="4436031" y="3816609"/>
             <a:ext cx="1892841" cy="1260725"/>
           </a:xfrm>
           <a:prstGeom prst="line">
@@ -4456,7 +4511,7 @@
         </p:nvCxnSpPr>
         <p:spPr>
           <a:xfrm>
-            <a:off x="5066970" y="3816607"/>
+            <a:off x="5066970" y="3816609"/>
             <a:ext cx="1261894" cy="1260725"/>
           </a:xfrm>
           <a:prstGeom prst="line">
@@ -4496,7 +4551,7 @@
         </p:nvCxnSpPr>
         <p:spPr>
           <a:xfrm>
-            <a:off x="5697923" y="3816607"/>
+            <a:off x="5697925" y="3816609"/>
             <a:ext cx="630947" cy="1260725"/>
           </a:xfrm>
           <a:prstGeom prst="line">
@@ -4536,7 +4591,7 @@
         </p:nvCxnSpPr>
         <p:spPr>
           <a:xfrm>
-            <a:off x="6328864" y="3816607"/>
+            <a:off x="6328864" y="3816609"/>
             <a:ext cx="0" cy="1260725"/>
           </a:xfrm>
           <a:prstGeom prst="line">
@@ -4576,7 +4631,7 @@
         </p:nvCxnSpPr>
         <p:spPr>
           <a:xfrm flipH="1">
-            <a:off x="6328870" y="3816607"/>
+            <a:off x="6328872" y="3816609"/>
             <a:ext cx="630947" cy="1260725"/>
           </a:xfrm>
           <a:prstGeom prst="line">
@@ -4616,7 +4671,7 @@
         </p:nvCxnSpPr>
         <p:spPr>
           <a:xfrm flipH="1">
-            <a:off x="6328864" y="3816607"/>
+            <a:off x="6328864" y="3816609"/>
             <a:ext cx="1261894" cy="1260725"/>
           </a:xfrm>
           <a:prstGeom prst="line">
@@ -4652,12 +4707,18 @@
         </p:nvSpPr>
         <p:spPr>
           <a:xfrm>
-            <a:off x="7953067" y="5077332"/>
+            <a:off x="7953069" y="5077334"/>
             <a:ext cx="1259181" cy="539999"/>
           </a:xfrm>
           <a:prstGeom prst="roundRect">
             <a:avLst/>
           </a:prstGeom>
+          <a:solidFill>
+            <a:schemeClr val="accent1">
+              <a:lumMod val="60000"/>
+              <a:lumOff val="40000"/>
+            </a:schemeClr>
+          </a:solidFill>
         </p:spPr>
         <p:style>
           <a:lnRef idx="2">
@@ -4702,12 +4763,18 @@
         </p:nvSpPr>
         <p:spPr>
           <a:xfrm>
-            <a:off x="4076439" y="5077332"/>
+            <a:off x="4076441" y="5077334"/>
             <a:ext cx="1259181" cy="539999"/>
           </a:xfrm>
           <a:prstGeom prst="roundRect">
             <a:avLst/>
           </a:prstGeom>
+          <a:solidFill>
+            <a:schemeClr val="accent2">
+              <a:lumMod val="60000"/>
+              <a:lumOff val="40000"/>
+            </a:schemeClr>
+          </a:solidFill>
         </p:spPr>
         <p:style>
           <a:lnRef idx="2">
@@ -4756,7 +4823,7 @@
         </p:nvCxnSpPr>
         <p:spPr>
           <a:xfrm>
-            <a:off x="4436023" y="3816607"/>
+            <a:off x="4436023" y="3816609"/>
             <a:ext cx="1261894" cy="1260725"/>
           </a:xfrm>
           <a:prstGeom prst="line">
@@ -4796,7 +4863,7 @@
         </p:nvCxnSpPr>
         <p:spPr>
           <a:xfrm>
-            <a:off x="5066976" y="3816607"/>
+            <a:off x="5066978" y="3816609"/>
             <a:ext cx="630947" cy="1260725"/>
           </a:xfrm>
           <a:prstGeom prst="line">
@@ -4836,7 +4903,7 @@
         </p:nvCxnSpPr>
         <p:spPr>
           <a:xfrm>
-            <a:off x="5697917" y="3816607"/>
+            <a:off x="5697917" y="3816609"/>
             <a:ext cx="0" cy="1260725"/>
           </a:xfrm>
           <a:prstGeom prst="line">
@@ -4876,7 +4943,7 @@
         </p:nvCxnSpPr>
         <p:spPr>
           <a:xfrm flipH="1">
-            <a:off x="5697923" y="3816607"/>
+            <a:off x="5697925" y="3816609"/>
             <a:ext cx="630947" cy="1260725"/>
           </a:xfrm>
           <a:prstGeom prst="line">
@@ -4916,7 +4983,7 @@
         </p:nvCxnSpPr>
         <p:spPr>
           <a:xfrm flipH="1">
-            <a:off x="5697917" y="3816607"/>
+            <a:off x="5697917" y="3816609"/>
             <a:ext cx="1261894" cy="1260725"/>
           </a:xfrm>
           <a:prstGeom prst="line">
@@ -4956,7 +5023,7 @@
         </p:nvCxnSpPr>
         <p:spPr>
           <a:xfrm flipH="1">
-            <a:off x="5697923" y="3816607"/>
+            <a:off x="5697925" y="3816609"/>
             <a:ext cx="1892841" cy="1260725"/>
           </a:xfrm>
           <a:prstGeom prst="line">
@@ -5036,7 +5103,7 @@
         </p:nvCxnSpPr>
         <p:spPr>
           <a:xfrm flipV="1">
-            <a:off x="3714137" y="3816601"/>
+            <a:off x="3714139" y="3816601"/>
             <a:ext cx="1352839" cy="1260724"/>
           </a:xfrm>
           <a:prstGeom prst="line">
@@ -5116,7 +5183,7 @@
         </p:nvCxnSpPr>
         <p:spPr>
           <a:xfrm flipV="1">
-            <a:off x="3714137" y="3816601"/>
+            <a:off x="3714139" y="3816601"/>
             <a:ext cx="2614733" cy="1260724"/>
           </a:xfrm>
           <a:prstGeom prst="line">
@@ -5196,7 +5263,7 @@
         </p:nvCxnSpPr>
         <p:spPr>
           <a:xfrm flipV="1">
-            <a:off x="3714137" y="3816601"/>
+            <a:off x="3714139" y="3816601"/>
             <a:ext cx="3876627" cy="1260724"/>
           </a:xfrm>
           <a:prstGeom prst="line">
@@ -5236,7 +5303,7 @@
         </p:nvCxnSpPr>
         <p:spPr>
           <a:xfrm flipV="1">
-            <a:off x="3083190" y="3816601"/>
+            <a:off x="3083192" y="3816601"/>
             <a:ext cx="1352839" cy="1260724"/>
           </a:xfrm>
           <a:prstGeom prst="line">
@@ -5316,7 +5383,7 @@
         </p:nvCxnSpPr>
         <p:spPr>
           <a:xfrm flipV="1">
-            <a:off x="3083190" y="3816601"/>
+            <a:off x="3083192" y="3816601"/>
             <a:ext cx="2614733" cy="1260724"/>
           </a:xfrm>
           <a:prstGeom prst="line">
@@ -5396,7 +5463,7 @@
         </p:nvCxnSpPr>
         <p:spPr>
           <a:xfrm flipV="1">
-            <a:off x="3083190" y="3816601"/>
+            <a:off x="3083192" y="3816601"/>
             <a:ext cx="3876627" cy="1260724"/>
           </a:xfrm>
           <a:prstGeom prst="line">
@@ -5516,7 +5583,7 @@
         </p:nvCxnSpPr>
         <p:spPr>
           <a:xfrm flipV="1">
-            <a:off x="2452243" y="3816601"/>
+            <a:off x="2452245" y="3816601"/>
             <a:ext cx="2614733" cy="1260724"/>
           </a:xfrm>
           <a:prstGeom prst="line">
@@ -5596,7 +5663,7 @@
         </p:nvCxnSpPr>
         <p:spPr>
           <a:xfrm flipV="1">
-            <a:off x="2452243" y="3816601"/>
+            <a:off x="2452245" y="3816601"/>
             <a:ext cx="3876627" cy="1260724"/>
           </a:xfrm>
           <a:prstGeom prst="line">
@@ -5676,7 +5743,7 @@
         </p:nvCxnSpPr>
         <p:spPr>
           <a:xfrm flipV="1">
-            <a:off x="2452243" y="3816601"/>
+            <a:off x="2452245" y="3816601"/>
             <a:ext cx="5138521" cy="1260724"/>
           </a:xfrm>
           <a:prstGeom prst="line">
@@ -5716,7 +5783,7 @@
         </p:nvCxnSpPr>
         <p:spPr>
           <a:xfrm flipV="1">
-            <a:off x="4436029" y="2015882"/>
+            <a:off x="4436031" y="2015884"/>
             <a:ext cx="1577367" cy="1260725"/>
           </a:xfrm>
           <a:prstGeom prst="line">
@@ -5756,7 +5823,7 @@
         </p:nvCxnSpPr>
         <p:spPr>
           <a:xfrm flipV="1">
-            <a:off x="5066970" y="2015882"/>
+            <a:off x="5066970" y="2015884"/>
             <a:ext cx="946420" cy="1260725"/>
           </a:xfrm>
           <a:prstGeom prst="line">
@@ -5796,7 +5863,7 @@
         </p:nvCxnSpPr>
         <p:spPr>
           <a:xfrm flipV="1">
-            <a:off x="5697923" y="2015882"/>
+            <a:off x="5697925" y="2015884"/>
             <a:ext cx="315473" cy="1260725"/>
           </a:xfrm>
           <a:prstGeom prst="line">
@@ -5836,7 +5903,7 @@
         </p:nvCxnSpPr>
         <p:spPr>
           <a:xfrm flipH="1" flipV="1">
-            <a:off x="6013390" y="2015882"/>
+            <a:off x="6013390" y="2015884"/>
             <a:ext cx="315474" cy="1260725"/>
           </a:xfrm>
           <a:prstGeom prst="line">
@@ -5876,7 +5943,7 @@
         </p:nvCxnSpPr>
         <p:spPr>
           <a:xfrm flipH="1" flipV="1">
-            <a:off x="6013396" y="2015882"/>
+            <a:off x="6013398" y="2015884"/>
             <a:ext cx="946421" cy="1260725"/>
           </a:xfrm>
           <a:prstGeom prst="line">
@@ -5916,7 +5983,7 @@
         </p:nvCxnSpPr>
         <p:spPr>
           <a:xfrm flipH="1" flipV="1">
-            <a:off x="6013390" y="2015882"/>
+            <a:off x="6013390" y="2015884"/>
             <a:ext cx="1577368" cy="1260725"/>
           </a:xfrm>
           <a:prstGeom prst="line">
@@ -5952,7 +6019,7 @@
         </p:nvSpPr>
         <p:spPr>
           <a:xfrm>
-            <a:off x="3398663" y="5951627"/>
+            <a:off x="3398665" y="5951629"/>
             <a:ext cx="1170947" cy="442575"/>
           </a:xfrm>
           <a:prstGeom prst="rect">
@@ -6008,7 +6075,7 @@
         </p:nvSpPr>
         <p:spPr>
           <a:xfrm>
-            <a:off x="7320763" y="5951626"/>
+            <a:off x="7320765" y="5951628"/>
             <a:ext cx="1170947" cy="442575"/>
           </a:xfrm>
           <a:prstGeom prst="rect">
@@ -6064,7 +6131,7 @@
         </p:nvSpPr>
         <p:spPr>
           <a:xfrm>
-            <a:off x="719302" y="3906963"/>
+            <a:off x="719303" y="3906963"/>
             <a:ext cx="1898155" cy="540000"/>
           </a:xfrm>
           <a:prstGeom prst="wedgeRoundRectCallout">
@@ -6122,7 +6189,7 @@
         </p:nvSpPr>
         <p:spPr>
           <a:xfrm>
-            <a:off x="9507665" y="3906963"/>
+            <a:off x="9507667" y="3906963"/>
             <a:ext cx="1898155" cy="540000"/>
           </a:xfrm>
           <a:prstGeom prst="wedgeRoundRectCallout">
@@ -6180,7 +6247,7 @@
         </p:nvSpPr>
         <p:spPr>
           <a:xfrm>
-            <a:off x="2267874" y="2456575"/>
+            <a:off x="2267876" y="2456575"/>
             <a:ext cx="1898155" cy="540000"/>
           </a:xfrm>
           <a:prstGeom prst="wedgeRoundRectCallout">
@@ -6238,7 +6305,7 @@
         </p:nvSpPr>
         <p:spPr>
           <a:xfrm>
-            <a:off x="5427923" y="755158"/>
+            <a:off x="5427925" y="755160"/>
             <a:ext cx="1170947" cy="442575"/>
           </a:xfrm>
           <a:prstGeom prst="rect">
@@ -6324,7 +6391,7 @@
         </p:nvSpPr>
         <p:spPr>
           <a:xfrm>
-            <a:off x="2810039" y="5187937"/>
+            <a:off x="2810041" y="5187939"/>
             <a:ext cx="1170947" cy="442575"/>
           </a:xfrm>
           <a:prstGeom prst="rect">
@@ -6380,7 +6447,7 @@
         </p:nvSpPr>
         <p:spPr>
           <a:xfrm>
-            <a:off x="2810040" y="1865042"/>
+            <a:off x="2810042" y="1865044"/>
             <a:ext cx="1170947" cy="442575"/>
           </a:xfrm>
           <a:prstGeom prst="rect">
@@ -6436,7 +6503,7 @@
         </p:nvGrpSpPr>
         <p:grpSpPr>
           <a:xfrm>
-            <a:off x="5113103" y="1042214"/>
+            <a:off x="5113103" y="1042216"/>
             <a:ext cx="2088232" cy="2088233"/>
             <a:chOff x="2880856" y="502148"/>
             <a:chExt cx="2088232" cy="2088233"/>
@@ -7877,7 +7944,7 @@
         </p:nvGrpSpPr>
         <p:grpSpPr>
           <a:xfrm>
-            <a:off x="5113103" y="4365109"/>
+            <a:off x="5113103" y="4365111"/>
             <a:ext cx="2088232" cy="2088233"/>
             <a:chOff x="2880856" y="4267619"/>
             <a:chExt cx="2088232" cy="2088233"/>
@@ -9333,7 +9400,7 @@
         </p:nvGrpSpPr>
         <p:grpSpPr>
           <a:xfrm>
-            <a:off x="8904317" y="1402249"/>
+            <a:off x="8904319" y="1402249"/>
             <a:ext cx="360041" cy="4248472"/>
             <a:chOff x="7104111" y="1268761"/>
             <a:chExt cx="360041" cy="4248472"/>
@@ -10094,7 +10161,7 @@
         </p:nvSpPr>
         <p:spPr>
           <a:xfrm>
-            <a:off x="2699160" y="163271"/>
+            <a:off x="2699162" y="163273"/>
             <a:ext cx="1392703" cy="584775"/>
           </a:xfrm>
           <a:prstGeom prst="rect">
@@ -10130,7 +10197,7 @@
         </p:nvSpPr>
         <p:spPr>
           <a:xfrm>
-            <a:off x="5376587" y="163271"/>
+            <a:off x="5376589" y="163273"/>
             <a:ext cx="1392703" cy="584775"/>
           </a:xfrm>
           <a:prstGeom prst="rect">
@@ -10166,7 +10233,7 @@
         </p:nvSpPr>
         <p:spPr>
           <a:xfrm>
-            <a:off x="8253179" y="163271"/>
+            <a:off x="8253181" y="163273"/>
             <a:ext cx="1662317" cy="584775"/>
           </a:xfrm>
           <a:prstGeom prst="rect">
@@ -10202,7 +10269,7 @@
         </p:nvCxnSpPr>
         <p:spPr>
           <a:xfrm>
-            <a:off x="5179719" y="3722569"/>
+            <a:off x="5179721" y="3722569"/>
             <a:ext cx="1991009" cy="0"/>
           </a:xfrm>
           <a:prstGeom prst="straightConnector1">
@@ -10444,7 +10511,3313 @@
 </file>
 
 <file path=ppt/slides/slide3.xml><?xml version="1.0" encoding="utf-8"?>
-<p:sld xmlns:a="http://schemas.openxmlformats.org/drawingml/2006/main" xmlns:r="http://schemas.openxmlformats.org/officeDocument/2006/relationships" xmlns:p="http://schemas.openxmlformats.org/presentationml/2006/main">
+<p:sld xmlns:a="http://schemas.openxmlformats.org/drawingml/2006/main" xmlns:r="http://schemas.openxmlformats.org/officeDocument/2006/relationships" xmlns:p="http://schemas.openxmlformats.org/presentationml/2006/main" show="0">
+  <p:cSld>
+    <p:spTree>
+      <p:nvGrpSpPr>
+        <p:cNvPr id="1" name=""/>
+        <p:cNvGrpSpPr/>
+        <p:nvPr/>
+      </p:nvGrpSpPr>
+      <p:grpSpPr>
+        <a:xfrm>
+          <a:off x="0" y="0"/>
+          <a:ext cx="0" cy="0"/>
+          <a:chOff x="0" y="0"/>
+          <a:chExt cx="0" cy="0"/>
+        </a:xfrm>
+      </p:grpSpPr>
+      <p:grpSp>
+        <p:nvGrpSpPr>
+          <p:cNvPr id="12" name="Group 11">
+            <a:extLst>
+              <a:ext uri="{FF2B5EF4-FFF2-40B4-BE49-F238E27FC236}">
+                <a16:creationId xmlns:a16="http://schemas.microsoft.com/office/drawing/2014/main" id="{5EB93533-0ABA-44D3-A071-EA98CAA4B898}"/>
+              </a:ext>
+            </a:extLst>
+          </p:cNvPr>
+          <p:cNvGrpSpPr/>
+          <p:nvPr/>
+        </p:nvGrpSpPr>
+        <p:grpSpPr>
+          <a:xfrm>
+            <a:off x="3538185" y="1628800"/>
+            <a:ext cx="360041" cy="4248472"/>
+            <a:chOff x="7104111" y="1268761"/>
+            <a:chExt cx="360041" cy="4248472"/>
+          </a:xfrm>
+        </p:grpSpPr>
+        <p:grpSp>
+          <p:nvGrpSpPr>
+            <p:cNvPr id="7" name="Group 6">
+              <a:extLst>
+                <a:ext uri="{FF2B5EF4-FFF2-40B4-BE49-F238E27FC236}">
+                  <a16:creationId xmlns:a16="http://schemas.microsoft.com/office/drawing/2014/main" id="{7FF3323F-7014-4C99-A10D-693CDE049D73}"/>
+                </a:ext>
+              </a:extLst>
+            </p:cNvPr>
+            <p:cNvGrpSpPr/>
+            <p:nvPr/>
+          </p:nvGrpSpPr>
+          <p:grpSpPr>
+            <a:xfrm rot="5400000">
+              <a:off x="6240016" y="2132856"/>
+              <a:ext cx="2088232" cy="360041"/>
+              <a:chOff x="5735960" y="1808819"/>
+              <a:chExt cx="2088232" cy="360041"/>
+            </a:xfrm>
+          </p:grpSpPr>
+          <p:sp>
+            <p:nvSpPr>
+              <p:cNvPr id="148" name="Flowchart: Connector 147">
+                <a:extLst>
+                  <a:ext uri="{FF2B5EF4-FFF2-40B4-BE49-F238E27FC236}">
+                    <a16:creationId xmlns:a16="http://schemas.microsoft.com/office/drawing/2014/main" id="{5BED4CDB-B174-4EF4-AE2D-DBB2E6A4405F}"/>
+                  </a:ext>
+                </a:extLst>
+              </p:cNvPr>
+              <p:cNvSpPr/>
+              <p:nvPr/>
+            </p:nvSpPr>
+            <p:spPr>
+              <a:xfrm>
+                <a:off x="5735960" y="1808819"/>
+                <a:ext cx="360040" cy="360041"/>
+              </a:xfrm>
+              <a:prstGeom prst="flowChartConnector">
+                <a:avLst/>
+              </a:prstGeom>
+              <a:solidFill>
+                <a:srgbClr val="F4B183"/>
+              </a:solidFill>
+              <a:ln>
+                <a:solidFill>
+                  <a:schemeClr val="accent2">
+                    <a:lumMod val="75000"/>
+                  </a:schemeClr>
+                </a:solidFill>
+              </a:ln>
+            </p:spPr>
+            <p:style>
+              <a:lnRef idx="2">
+                <a:schemeClr val="accent2">
+                  <a:shade val="50000"/>
+                </a:schemeClr>
+              </a:lnRef>
+              <a:fillRef idx="1">
+                <a:schemeClr val="accent2"/>
+              </a:fillRef>
+              <a:effectRef idx="0">
+                <a:schemeClr val="accent2"/>
+              </a:effectRef>
+              <a:fontRef idx="minor">
+                <a:schemeClr val="lt1"/>
+              </a:fontRef>
+            </p:style>
+            <p:txBody>
+              <a:bodyPr rtlCol="0" anchor="ctr"/>
+              <a:lstStyle/>
+              <a:p>
+                <a:pPr algn="ctr"/>
+                <a:endParaRPr lang="en-NZ"/>
+              </a:p>
+            </p:txBody>
+          </p:sp>
+          <p:sp>
+            <p:nvSpPr>
+              <p:cNvPr id="149" name="Flowchart: Connector 148">
+                <a:extLst>
+                  <a:ext uri="{FF2B5EF4-FFF2-40B4-BE49-F238E27FC236}">
+                    <a16:creationId xmlns:a16="http://schemas.microsoft.com/office/drawing/2014/main" id="{7D655473-999D-4B6F-BCEE-07B05E321317}"/>
+                  </a:ext>
+                </a:extLst>
+              </p:cNvPr>
+              <p:cNvSpPr/>
+              <p:nvPr/>
+            </p:nvSpPr>
+            <p:spPr>
+              <a:xfrm>
+                <a:off x="6168008" y="1808819"/>
+                <a:ext cx="360040" cy="360041"/>
+              </a:xfrm>
+              <a:prstGeom prst="flowChartConnector">
+                <a:avLst/>
+              </a:prstGeom>
+              <a:solidFill>
+                <a:srgbClr val="F4B183"/>
+              </a:solidFill>
+              <a:ln>
+                <a:solidFill>
+                  <a:schemeClr val="accent2">
+                    <a:lumMod val="75000"/>
+                  </a:schemeClr>
+                </a:solidFill>
+              </a:ln>
+            </p:spPr>
+            <p:style>
+              <a:lnRef idx="2">
+                <a:schemeClr val="accent2">
+                  <a:shade val="50000"/>
+                </a:schemeClr>
+              </a:lnRef>
+              <a:fillRef idx="1">
+                <a:schemeClr val="accent2"/>
+              </a:fillRef>
+              <a:effectRef idx="0">
+                <a:schemeClr val="accent2"/>
+              </a:effectRef>
+              <a:fontRef idx="minor">
+                <a:schemeClr val="lt1"/>
+              </a:fontRef>
+            </p:style>
+            <p:txBody>
+              <a:bodyPr rtlCol="0" anchor="ctr"/>
+              <a:lstStyle/>
+              <a:p>
+                <a:pPr algn="ctr"/>
+                <a:endParaRPr lang="en-NZ"/>
+              </a:p>
+            </p:txBody>
+          </p:sp>
+          <p:sp>
+            <p:nvSpPr>
+              <p:cNvPr id="151" name="Flowchart: Connector 150">
+                <a:extLst>
+                  <a:ext uri="{FF2B5EF4-FFF2-40B4-BE49-F238E27FC236}">
+                    <a16:creationId xmlns:a16="http://schemas.microsoft.com/office/drawing/2014/main" id="{E65C2CF1-E5AC-4956-A314-9281F60B9147}"/>
+                  </a:ext>
+                </a:extLst>
+              </p:cNvPr>
+              <p:cNvSpPr/>
+              <p:nvPr/>
+            </p:nvSpPr>
+            <p:spPr>
+              <a:xfrm>
+                <a:off x="6600056" y="1808819"/>
+                <a:ext cx="360040" cy="360041"/>
+              </a:xfrm>
+              <a:prstGeom prst="flowChartConnector">
+                <a:avLst/>
+              </a:prstGeom>
+              <a:solidFill>
+                <a:srgbClr val="F4B183"/>
+              </a:solidFill>
+              <a:ln>
+                <a:solidFill>
+                  <a:schemeClr val="accent2">
+                    <a:lumMod val="75000"/>
+                  </a:schemeClr>
+                </a:solidFill>
+              </a:ln>
+            </p:spPr>
+            <p:style>
+              <a:lnRef idx="2">
+                <a:schemeClr val="accent2">
+                  <a:shade val="50000"/>
+                </a:schemeClr>
+              </a:lnRef>
+              <a:fillRef idx="1">
+                <a:schemeClr val="accent2"/>
+              </a:fillRef>
+              <a:effectRef idx="0">
+                <a:schemeClr val="accent2"/>
+              </a:effectRef>
+              <a:fontRef idx="minor">
+                <a:schemeClr val="lt1"/>
+              </a:fontRef>
+            </p:style>
+            <p:txBody>
+              <a:bodyPr rtlCol="0" anchor="ctr"/>
+              <a:lstStyle/>
+              <a:p>
+                <a:pPr algn="ctr"/>
+                <a:endParaRPr lang="en-NZ"/>
+              </a:p>
+            </p:txBody>
+          </p:sp>
+          <p:sp>
+            <p:nvSpPr>
+              <p:cNvPr id="152" name="Flowchart: Connector 151">
+                <a:extLst>
+                  <a:ext uri="{FF2B5EF4-FFF2-40B4-BE49-F238E27FC236}">
+                    <a16:creationId xmlns:a16="http://schemas.microsoft.com/office/drawing/2014/main" id="{F08B5D7A-F230-4830-A41F-4B6B7C19F4F0}"/>
+                  </a:ext>
+                </a:extLst>
+              </p:cNvPr>
+              <p:cNvSpPr/>
+              <p:nvPr/>
+            </p:nvSpPr>
+            <p:spPr>
+              <a:xfrm>
+                <a:off x="7032104" y="1808819"/>
+                <a:ext cx="360040" cy="360041"/>
+              </a:xfrm>
+              <a:prstGeom prst="flowChartConnector">
+                <a:avLst/>
+              </a:prstGeom>
+              <a:solidFill>
+                <a:srgbClr val="F4B183"/>
+              </a:solidFill>
+              <a:ln>
+                <a:solidFill>
+                  <a:schemeClr val="accent2">
+                    <a:lumMod val="75000"/>
+                  </a:schemeClr>
+                </a:solidFill>
+              </a:ln>
+            </p:spPr>
+            <p:style>
+              <a:lnRef idx="2">
+                <a:schemeClr val="accent2">
+                  <a:shade val="50000"/>
+                </a:schemeClr>
+              </a:lnRef>
+              <a:fillRef idx="1">
+                <a:schemeClr val="accent2"/>
+              </a:fillRef>
+              <a:effectRef idx="0">
+                <a:schemeClr val="accent2"/>
+              </a:effectRef>
+              <a:fontRef idx="minor">
+                <a:schemeClr val="lt1"/>
+              </a:fontRef>
+            </p:style>
+            <p:txBody>
+              <a:bodyPr rtlCol="0" anchor="ctr"/>
+              <a:lstStyle/>
+              <a:p>
+                <a:pPr algn="ctr"/>
+                <a:endParaRPr lang="en-NZ"/>
+              </a:p>
+            </p:txBody>
+          </p:sp>
+          <p:sp>
+            <p:nvSpPr>
+              <p:cNvPr id="154" name="Flowchart: Connector 153">
+                <a:extLst>
+                  <a:ext uri="{FF2B5EF4-FFF2-40B4-BE49-F238E27FC236}">
+                    <a16:creationId xmlns:a16="http://schemas.microsoft.com/office/drawing/2014/main" id="{A52CF5F1-3763-4B19-960A-588F20A842B0}"/>
+                  </a:ext>
+                </a:extLst>
+              </p:cNvPr>
+              <p:cNvSpPr/>
+              <p:nvPr/>
+            </p:nvSpPr>
+            <p:spPr>
+              <a:xfrm>
+                <a:off x="7464152" y="1808819"/>
+                <a:ext cx="360040" cy="360041"/>
+              </a:xfrm>
+              <a:prstGeom prst="flowChartConnector">
+                <a:avLst/>
+              </a:prstGeom>
+              <a:solidFill>
+                <a:srgbClr val="F4B183"/>
+              </a:solidFill>
+              <a:ln>
+                <a:solidFill>
+                  <a:schemeClr val="accent2">
+                    <a:lumMod val="75000"/>
+                  </a:schemeClr>
+                </a:solidFill>
+              </a:ln>
+            </p:spPr>
+            <p:style>
+              <a:lnRef idx="2">
+                <a:schemeClr val="accent2">
+                  <a:shade val="50000"/>
+                </a:schemeClr>
+              </a:lnRef>
+              <a:fillRef idx="1">
+                <a:schemeClr val="accent2"/>
+              </a:fillRef>
+              <a:effectRef idx="0">
+                <a:schemeClr val="accent2"/>
+              </a:effectRef>
+              <a:fontRef idx="minor">
+                <a:schemeClr val="lt1"/>
+              </a:fontRef>
+            </p:style>
+            <p:txBody>
+              <a:bodyPr rtlCol="0" anchor="ctr"/>
+              <a:lstStyle/>
+              <a:p>
+                <a:pPr algn="ctr"/>
+                <a:endParaRPr lang="en-NZ"/>
+              </a:p>
+            </p:txBody>
+          </p:sp>
+        </p:grpSp>
+        <p:grpSp>
+          <p:nvGrpSpPr>
+            <p:cNvPr id="155" name="Group 154">
+              <a:extLst>
+                <a:ext uri="{FF2B5EF4-FFF2-40B4-BE49-F238E27FC236}">
+                  <a16:creationId xmlns:a16="http://schemas.microsoft.com/office/drawing/2014/main" id="{7C9999D7-17AF-4B4A-BD5A-762869463081}"/>
+                </a:ext>
+              </a:extLst>
+            </p:cNvPr>
+            <p:cNvGrpSpPr/>
+            <p:nvPr/>
+          </p:nvGrpSpPr>
+          <p:grpSpPr>
+            <a:xfrm rot="5400000">
+              <a:off x="6240016" y="4293096"/>
+              <a:ext cx="2088232" cy="360041"/>
+              <a:chOff x="5735960" y="1808819"/>
+              <a:chExt cx="2088232" cy="360041"/>
+            </a:xfrm>
+            <a:solidFill>
+              <a:schemeClr val="accent1">
+                <a:lumMod val="60000"/>
+                <a:lumOff val="40000"/>
+              </a:schemeClr>
+            </a:solidFill>
+          </p:grpSpPr>
+          <p:sp>
+            <p:nvSpPr>
+              <p:cNvPr id="157" name="Flowchart: Connector 156">
+                <a:extLst>
+                  <a:ext uri="{FF2B5EF4-FFF2-40B4-BE49-F238E27FC236}">
+                    <a16:creationId xmlns:a16="http://schemas.microsoft.com/office/drawing/2014/main" id="{B8EE990F-91FE-44B0-869F-44099F43E635}"/>
+                  </a:ext>
+                </a:extLst>
+              </p:cNvPr>
+              <p:cNvSpPr/>
+              <p:nvPr/>
+            </p:nvSpPr>
+            <p:spPr>
+              <a:xfrm>
+                <a:off x="5735960" y="1808819"/>
+                <a:ext cx="360040" cy="360041"/>
+              </a:xfrm>
+              <a:prstGeom prst="flowChartConnector">
+                <a:avLst/>
+              </a:prstGeom>
+              <a:grpFill/>
+              <a:ln>
+                <a:solidFill>
+                  <a:schemeClr val="accent1">
+                    <a:lumMod val="75000"/>
+                  </a:schemeClr>
+                </a:solidFill>
+              </a:ln>
+            </p:spPr>
+            <p:style>
+              <a:lnRef idx="2">
+                <a:schemeClr val="accent2">
+                  <a:shade val="50000"/>
+                </a:schemeClr>
+              </a:lnRef>
+              <a:fillRef idx="1">
+                <a:schemeClr val="accent2"/>
+              </a:fillRef>
+              <a:effectRef idx="0">
+                <a:schemeClr val="accent2"/>
+              </a:effectRef>
+              <a:fontRef idx="minor">
+                <a:schemeClr val="lt1"/>
+              </a:fontRef>
+            </p:style>
+            <p:txBody>
+              <a:bodyPr rtlCol="0" anchor="ctr"/>
+              <a:lstStyle/>
+              <a:p>
+                <a:pPr algn="ctr"/>
+                <a:endParaRPr lang="en-NZ"/>
+              </a:p>
+            </p:txBody>
+          </p:sp>
+          <p:sp>
+            <p:nvSpPr>
+              <p:cNvPr id="158" name="Flowchart: Connector 157">
+                <a:extLst>
+                  <a:ext uri="{FF2B5EF4-FFF2-40B4-BE49-F238E27FC236}">
+                    <a16:creationId xmlns:a16="http://schemas.microsoft.com/office/drawing/2014/main" id="{E3F450E8-285F-449E-8364-3F03F00042B2}"/>
+                  </a:ext>
+                </a:extLst>
+              </p:cNvPr>
+              <p:cNvSpPr/>
+              <p:nvPr/>
+            </p:nvSpPr>
+            <p:spPr>
+              <a:xfrm>
+                <a:off x="6168008" y="1808819"/>
+                <a:ext cx="360040" cy="360041"/>
+              </a:xfrm>
+              <a:prstGeom prst="flowChartConnector">
+                <a:avLst/>
+              </a:prstGeom>
+              <a:grpFill/>
+              <a:ln>
+                <a:solidFill>
+                  <a:schemeClr val="accent1">
+                    <a:lumMod val="75000"/>
+                  </a:schemeClr>
+                </a:solidFill>
+              </a:ln>
+            </p:spPr>
+            <p:style>
+              <a:lnRef idx="2">
+                <a:schemeClr val="accent2">
+                  <a:shade val="50000"/>
+                </a:schemeClr>
+              </a:lnRef>
+              <a:fillRef idx="1">
+                <a:schemeClr val="accent2"/>
+              </a:fillRef>
+              <a:effectRef idx="0">
+                <a:schemeClr val="accent2"/>
+              </a:effectRef>
+              <a:fontRef idx="minor">
+                <a:schemeClr val="lt1"/>
+              </a:fontRef>
+            </p:style>
+            <p:txBody>
+              <a:bodyPr rtlCol="0" anchor="ctr"/>
+              <a:lstStyle/>
+              <a:p>
+                <a:pPr algn="ctr"/>
+                <a:endParaRPr lang="en-NZ"/>
+              </a:p>
+            </p:txBody>
+          </p:sp>
+          <p:sp>
+            <p:nvSpPr>
+              <p:cNvPr id="160" name="Flowchart: Connector 159">
+                <a:extLst>
+                  <a:ext uri="{FF2B5EF4-FFF2-40B4-BE49-F238E27FC236}">
+                    <a16:creationId xmlns:a16="http://schemas.microsoft.com/office/drawing/2014/main" id="{78074E9B-81A4-40D2-932D-6C8FC67B894D}"/>
+                  </a:ext>
+                </a:extLst>
+              </p:cNvPr>
+              <p:cNvSpPr/>
+              <p:nvPr/>
+            </p:nvSpPr>
+            <p:spPr>
+              <a:xfrm>
+                <a:off x="6600056" y="1808819"/>
+                <a:ext cx="360040" cy="360041"/>
+              </a:xfrm>
+              <a:prstGeom prst="flowChartConnector">
+                <a:avLst/>
+              </a:prstGeom>
+              <a:grpFill/>
+              <a:ln>
+                <a:solidFill>
+                  <a:schemeClr val="accent1">
+                    <a:lumMod val="75000"/>
+                  </a:schemeClr>
+                </a:solidFill>
+              </a:ln>
+            </p:spPr>
+            <p:style>
+              <a:lnRef idx="2">
+                <a:schemeClr val="accent2">
+                  <a:shade val="50000"/>
+                </a:schemeClr>
+              </a:lnRef>
+              <a:fillRef idx="1">
+                <a:schemeClr val="accent2"/>
+              </a:fillRef>
+              <a:effectRef idx="0">
+                <a:schemeClr val="accent2"/>
+              </a:effectRef>
+              <a:fontRef idx="minor">
+                <a:schemeClr val="lt1"/>
+              </a:fontRef>
+            </p:style>
+            <p:txBody>
+              <a:bodyPr rtlCol="0" anchor="ctr"/>
+              <a:lstStyle/>
+              <a:p>
+                <a:pPr algn="ctr"/>
+                <a:endParaRPr lang="en-NZ"/>
+              </a:p>
+            </p:txBody>
+          </p:sp>
+          <p:sp>
+            <p:nvSpPr>
+              <p:cNvPr id="161" name="Flowchart: Connector 160">
+                <a:extLst>
+                  <a:ext uri="{FF2B5EF4-FFF2-40B4-BE49-F238E27FC236}">
+                    <a16:creationId xmlns:a16="http://schemas.microsoft.com/office/drawing/2014/main" id="{CD38F6E1-99AE-44E1-9968-D80CF406776E}"/>
+                  </a:ext>
+                </a:extLst>
+              </p:cNvPr>
+              <p:cNvSpPr/>
+              <p:nvPr/>
+            </p:nvSpPr>
+            <p:spPr>
+              <a:xfrm>
+                <a:off x="7032104" y="1808819"/>
+                <a:ext cx="360040" cy="360041"/>
+              </a:xfrm>
+              <a:prstGeom prst="flowChartConnector">
+                <a:avLst/>
+              </a:prstGeom>
+              <a:grpFill/>
+              <a:ln>
+                <a:solidFill>
+                  <a:schemeClr val="accent1">
+                    <a:lumMod val="75000"/>
+                  </a:schemeClr>
+                </a:solidFill>
+              </a:ln>
+            </p:spPr>
+            <p:style>
+              <a:lnRef idx="2">
+                <a:schemeClr val="accent2">
+                  <a:shade val="50000"/>
+                </a:schemeClr>
+              </a:lnRef>
+              <a:fillRef idx="1">
+                <a:schemeClr val="accent2"/>
+              </a:fillRef>
+              <a:effectRef idx="0">
+                <a:schemeClr val="accent2"/>
+              </a:effectRef>
+              <a:fontRef idx="minor">
+                <a:schemeClr val="lt1"/>
+              </a:fontRef>
+            </p:style>
+            <p:txBody>
+              <a:bodyPr rtlCol="0" anchor="ctr"/>
+              <a:lstStyle/>
+              <a:p>
+                <a:pPr algn="ctr"/>
+                <a:endParaRPr lang="en-NZ"/>
+              </a:p>
+            </p:txBody>
+          </p:sp>
+          <p:sp>
+            <p:nvSpPr>
+              <p:cNvPr id="163" name="Flowchart: Connector 162">
+                <a:extLst>
+                  <a:ext uri="{FF2B5EF4-FFF2-40B4-BE49-F238E27FC236}">
+                    <a16:creationId xmlns:a16="http://schemas.microsoft.com/office/drawing/2014/main" id="{1F377F27-6E62-43D5-970E-1A58F1A23707}"/>
+                  </a:ext>
+                </a:extLst>
+              </p:cNvPr>
+              <p:cNvSpPr/>
+              <p:nvPr/>
+            </p:nvSpPr>
+            <p:spPr>
+              <a:xfrm>
+                <a:off x="7464152" y="1808819"/>
+                <a:ext cx="360040" cy="360041"/>
+              </a:xfrm>
+              <a:prstGeom prst="flowChartConnector">
+                <a:avLst/>
+              </a:prstGeom>
+              <a:grpFill/>
+              <a:ln>
+                <a:solidFill>
+                  <a:schemeClr val="accent1">
+                    <a:lumMod val="75000"/>
+                  </a:schemeClr>
+                </a:solidFill>
+              </a:ln>
+            </p:spPr>
+            <p:style>
+              <a:lnRef idx="2">
+                <a:schemeClr val="accent2">
+                  <a:shade val="50000"/>
+                </a:schemeClr>
+              </a:lnRef>
+              <a:fillRef idx="1">
+                <a:schemeClr val="accent2"/>
+              </a:fillRef>
+              <a:effectRef idx="0">
+                <a:schemeClr val="accent2"/>
+              </a:effectRef>
+              <a:fontRef idx="minor">
+                <a:schemeClr val="lt1"/>
+              </a:fontRef>
+            </p:style>
+            <p:txBody>
+              <a:bodyPr rtlCol="0" anchor="ctr"/>
+              <a:lstStyle/>
+              <a:p>
+                <a:pPr algn="ctr"/>
+                <a:endParaRPr lang="en-NZ"/>
+              </a:p>
+            </p:txBody>
+          </p:sp>
+        </p:grpSp>
+      </p:grpSp>
+      <p:sp>
+        <p:nvSpPr>
+          <p:cNvPr id="170" name="TextBox 169">
+            <a:extLst>
+              <a:ext uri="{FF2B5EF4-FFF2-40B4-BE49-F238E27FC236}">
+                <a16:creationId xmlns:a16="http://schemas.microsoft.com/office/drawing/2014/main" id="{BA4CA226-FD79-475A-913E-7384C1B9A6D5}"/>
+              </a:ext>
+            </a:extLst>
+          </p:cNvPr>
+          <p:cNvSpPr txBox="1"/>
+          <p:nvPr/>
+        </p:nvSpPr>
+        <p:spPr>
+          <a:xfrm>
+            <a:off x="2887047" y="703749"/>
+            <a:ext cx="1662317" cy="584775"/>
+          </a:xfrm>
+          <a:prstGeom prst="rect">
+            <a:avLst/>
+          </a:prstGeom>
+          <a:noFill/>
+        </p:spPr>
+        <p:txBody>
+          <a:bodyPr wrap="square" rtlCol="0">
+            <a:spAutoFit/>
+          </a:bodyPr>
+          <a:lstStyle/>
+          <a:p>
+            <a:pPr algn="ctr"/>
+            <a:r>
+              <a:rPr lang="en-NZ" sz="1600" dirty="0"/>
+              <a:t>Concatenated embedding layer</a:t>
+            </a:r>
+          </a:p>
+        </p:txBody>
+      </p:sp>
+      <p:sp>
+        <p:nvSpPr>
+          <p:cNvPr id="81" name="Flowchart: Connector 80">
+            <a:extLst>
+              <a:ext uri="{FF2B5EF4-FFF2-40B4-BE49-F238E27FC236}">
+                <a16:creationId xmlns:a16="http://schemas.microsoft.com/office/drawing/2014/main" id="{34AC97BE-A5C5-4FA5-99BB-2EDA638491C6}"/>
+              </a:ext>
+            </a:extLst>
+          </p:cNvPr>
+          <p:cNvSpPr/>
+          <p:nvPr/>
+        </p:nvSpPr>
+        <p:spPr>
+          <a:xfrm rot="5400000">
+            <a:off x="5842440" y="2708923"/>
+            <a:ext cx="360040" cy="360041"/>
+          </a:xfrm>
+          <a:prstGeom prst="flowChartConnector">
+            <a:avLst/>
+          </a:prstGeom>
+          <a:solidFill>
+            <a:schemeClr val="bg2">
+              <a:lumMod val="75000"/>
+            </a:schemeClr>
+          </a:solidFill>
+          <a:ln>
+            <a:solidFill>
+              <a:schemeClr val="bg2">
+                <a:lumMod val="50000"/>
+              </a:schemeClr>
+            </a:solidFill>
+          </a:ln>
+        </p:spPr>
+        <p:style>
+          <a:lnRef idx="2">
+            <a:schemeClr val="accent2">
+              <a:shade val="50000"/>
+            </a:schemeClr>
+          </a:lnRef>
+          <a:fillRef idx="1">
+            <a:schemeClr val="accent2"/>
+          </a:fillRef>
+          <a:effectRef idx="0">
+            <a:schemeClr val="accent2"/>
+          </a:effectRef>
+          <a:fontRef idx="minor">
+            <a:schemeClr val="lt1"/>
+          </a:fontRef>
+        </p:style>
+        <p:txBody>
+          <a:bodyPr rtlCol="0" anchor="ctr"/>
+          <a:lstStyle/>
+          <a:p>
+            <a:pPr algn="ctr"/>
+            <a:endParaRPr lang="en-NZ"/>
+          </a:p>
+        </p:txBody>
+      </p:sp>
+      <p:sp>
+        <p:nvSpPr>
+          <p:cNvPr id="82" name="Flowchart: Connector 81">
+            <a:extLst>
+              <a:ext uri="{FF2B5EF4-FFF2-40B4-BE49-F238E27FC236}">
+                <a16:creationId xmlns:a16="http://schemas.microsoft.com/office/drawing/2014/main" id="{8D7A9E7D-F73E-43BC-BDEE-98394F3DA9B5}"/>
+              </a:ext>
+            </a:extLst>
+          </p:cNvPr>
+          <p:cNvSpPr/>
+          <p:nvPr/>
+        </p:nvSpPr>
+        <p:spPr>
+          <a:xfrm rot="5400000">
+            <a:off x="5842440" y="3140971"/>
+            <a:ext cx="360040" cy="360041"/>
+          </a:xfrm>
+          <a:prstGeom prst="flowChartConnector">
+            <a:avLst/>
+          </a:prstGeom>
+          <a:solidFill>
+            <a:schemeClr val="bg2">
+              <a:lumMod val="75000"/>
+            </a:schemeClr>
+          </a:solidFill>
+          <a:ln>
+            <a:solidFill>
+              <a:schemeClr val="bg2">
+                <a:lumMod val="50000"/>
+              </a:schemeClr>
+            </a:solidFill>
+          </a:ln>
+        </p:spPr>
+        <p:style>
+          <a:lnRef idx="2">
+            <a:schemeClr val="accent2">
+              <a:shade val="50000"/>
+            </a:schemeClr>
+          </a:lnRef>
+          <a:fillRef idx="1">
+            <a:schemeClr val="accent2"/>
+          </a:fillRef>
+          <a:effectRef idx="0">
+            <a:schemeClr val="accent2"/>
+          </a:effectRef>
+          <a:fontRef idx="minor">
+            <a:schemeClr val="lt1"/>
+          </a:fontRef>
+        </p:style>
+        <p:txBody>
+          <a:bodyPr rtlCol="0" anchor="ctr"/>
+          <a:lstStyle/>
+          <a:p>
+            <a:pPr algn="ctr"/>
+            <a:endParaRPr lang="en-NZ"/>
+          </a:p>
+        </p:txBody>
+      </p:sp>
+      <p:sp>
+        <p:nvSpPr>
+          <p:cNvPr id="83" name="Flowchart: Connector 82">
+            <a:extLst>
+              <a:ext uri="{FF2B5EF4-FFF2-40B4-BE49-F238E27FC236}">
+                <a16:creationId xmlns:a16="http://schemas.microsoft.com/office/drawing/2014/main" id="{FD426C81-47FC-45E4-8074-EF9535931AA9}"/>
+              </a:ext>
+            </a:extLst>
+          </p:cNvPr>
+          <p:cNvSpPr/>
+          <p:nvPr/>
+        </p:nvSpPr>
+        <p:spPr>
+          <a:xfrm rot="5400000">
+            <a:off x="5842440" y="3573019"/>
+            <a:ext cx="360040" cy="360041"/>
+          </a:xfrm>
+          <a:prstGeom prst="flowChartConnector">
+            <a:avLst/>
+          </a:prstGeom>
+          <a:solidFill>
+            <a:schemeClr val="bg2">
+              <a:lumMod val="75000"/>
+            </a:schemeClr>
+          </a:solidFill>
+          <a:ln>
+            <a:solidFill>
+              <a:schemeClr val="bg2">
+                <a:lumMod val="50000"/>
+              </a:schemeClr>
+            </a:solidFill>
+          </a:ln>
+        </p:spPr>
+        <p:style>
+          <a:lnRef idx="2">
+            <a:schemeClr val="accent2">
+              <a:shade val="50000"/>
+            </a:schemeClr>
+          </a:lnRef>
+          <a:fillRef idx="1">
+            <a:schemeClr val="accent2"/>
+          </a:fillRef>
+          <a:effectRef idx="0">
+            <a:schemeClr val="accent2"/>
+          </a:effectRef>
+          <a:fontRef idx="minor">
+            <a:schemeClr val="lt1"/>
+          </a:fontRef>
+        </p:style>
+        <p:txBody>
+          <a:bodyPr rtlCol="0" anchor="ctr"/>
+          <a:lstStyle/>
+          <a:p>
+            <a:pPr algn="ctr"/>
+            <a:endParaRPr lang="en-NZ"/>
+          </a:p>
+        </p:txBody>
+      </p:sp>
+      <p:sp>
+        <p:nvSpPr>
+          <p:cNvPr id="84" name="Flowchart: Connector 83">
+            <a:extLst>
+              <a:ext uri="{FF2B5EF4-FFF2-40B4-BE49-F238E27FC236}">
+                <a16:creationId xmlns:a16="http://schemas.microsoft.com/office/drawing/2014/main" id="{24CBCF8F-0114-4E11-9EC1-DCD016A09DDD}"/>
+              </a:ext>
+            </a:extLst>
+          </p:cNvPr>
+          <p:cNvSpPr/>
+          <p:nvPr/>
+        </p:nvSpPr>
+        <p:spPr>
+          <a:xfrm rot="5400000">
+            <a:off x="5842440" y="4005067"/>
+            <a:ext cx="360040" cy="360041"/>
+          </a:xfrm>
+          <a:prstGeom prst="flowChartConnector">
+            <a:avLst/>
+          </a:prstGeom>
+          <a:solidFill>
+            <a:schemeClr val="bg2">
+              <a:lumMod val="75000"/>
+            </a:schemeClr>
+          </a:solidFill>
+          <a:ln>
+            <a:solidFill>
+              <a:schemeClr val="bg2">
+                <a:lumMod val="50000"/>
+              </a:schemeClr>
+            </a:solidFill>
+          </a:ln>
+        </p:spPr>
+        <p:style>
+          <a:lnRef idx="2">
+            <a:schemeClr val="accent2">
+              <a:shade val="50000"/>
+            </a:schemeClr>
+          </a:lnRef>
+          <a:fillRef idx="1">
+            <a:schemeClr val="accent2"/>
+          </a:fillRef>
+          <a:effectRef idx="0">
+            <a:schemeClr val="accent2"/>
+          </a:effectRef>
+          <a:fontRef idx="minor">
+            <a:schemeClr val="lt1"/>
+          </a:fontRef>
+        </p:style>
+        <p:txBody>
+          <a:bodyPr rtlCol="0" anchor="ctr"/>
+          <a:lstStyle/>
+          <a:p>
+            <a:pPr algn="ctr"/>
+            <a:endParaRPr lang="en-NZ"/>
+          </a:p>
+        </p:txBody>
+      </p:sp>
+      <p:sp>
+        <p:nvSpPr>
+          <p:cNvPr id="85" name="Flowchart: Connector 84">
+            <a:extLst>
+              <a:ext uri="{FF2B5EF4-FFF2-40B4-BE49-F238E27FC236}">
+                <a16:creationId xmlns:a16="http://schemas.microsoft.com/office/drawing/2014/main" id="{F9313F81-8CF4-4DBB-B24B-EBF2ADE85993}"/>
+              </a:ext>
+            </a:extLst>
+          </p:cNvPr>
+          <p:cNvSpPr/>
+          <p:nvPr/>
+        </p:nvSpPr>
+        <p:spPr>
+          <a:xfrm rot="5400000">
+            <a:off x="5842440" y="4437115"/>
+            <a:ext cx="360040" cy="360041"/>
+          </a:xfrm>
+          <a:prstGeom prst="flowChartConnector">
+            <a:avLst/>
+          </a:prstGeom>
+          <a:solidFill>
+            <a:schemeClr val="bg2">
+              <a:lumMod val="75000"/>
+            </a:schemeClr>
+          </a:solidFill>
+          <a:ln>
+            <a:solidFill>
+              <a:schemeClr val="bg2">
+                <a:lumMod val="50000"/>
+              </a:schemeClr>
+            </a:solidFill>
+          </a:ln>
+        </p:spPr>
+        <p:style>
+          <a:lnRef idx="2">
+            <a:schemeClr val="accent2">
+              <a:shade val="50000"/>
+            </a:schemeClr>
+          </a:lnRef>
+          <a:fillRef idx="1">
+            <a:schemeClr val="accent2"/>
+          </a:fillRef>
+          <a:effectRef idx="0">
+            <a:schemeClr val="accent2"/>
+          </a:effectRef>
+          <a:fontRef idx="minor">
+            <a:schemeClr val="lt1"/>
+          </a:fontRef>
+        </p:style>
+        <p:txBody>
+          <a:bodyPr rtlCol="0" anchor="ctr"/>
+          <a:lstStyle/>
+          <a:p>
+            <a:pPr algn="ctr"/>
+            <a:endParaRPr lang="en-NZ"/>
+          </a:p>
+        </p:txBody>
+      </p:sp>
+      <p:cxnSp>
+        <p:nvCxnSpPr>
+          <p:cNvPr id="114" name="Straight Connector 113">
+            <a:extLst>
+              <a:ext uri="{FF2B5EF4-FFF2-40B4-BE49-F238E27FC236}">
+                <a16:creationId xmlns:a16="http://schemas.microsoft.com/office/drawing/2014/main" id="{A02D6204-EEF7-4717-91EF-8E7F8C3967DB}"/>
+              </a:ext>
+            </a:extLst>
+          </p:cNvPr>
+          <p:cNvCxnSpPr>
+            <a:cxnSpLocks/>
+            <a:stCxn id="148" idx="0"/>
+            <a:endCxn id="81" idx="4"/>
+          </p:cNvCxnSpPr>
+          <p:nvPr/>
+        </p:nvCxnSpPr>
+        <p:spPr>
+          <a:xfrm>
+            <a:off x="3898227" y="1808820"/>
+            <a:ext cx="1944215" cy="1080122"/>
+          </a:xfrm>
+          <a:prstGeom prst="line">
+            <a:avLst/>
+          </a:prstGeom>
+        </p:spPr>
+        <p:style>
+          <a:lnRef idx="1">
+            <a:schemeClr val="dk1"/>
+          </a:lnRef>
+          <a:fillRef idx="0">
+            <a:schemeClr val="dk1"/>
+          </a:fillRef>
+          <a:effectRef idx="0">
+            <a:schemeClr val="dk1"/>
+          </a:effectRef>
+          <a:fontRef idx="minor">
+            <a:schemeClr val="tx1"/>
+          </a:fontRef>
+        </p:style>
+      </p:cxnSp>
+      <p:cxnSp>
+        <p:nvCxnSpPr>
+          <p:cNvPr id="117" name="Straight Connector 116">
+            <a:extLst>
+              <a:ext uri="{FF2B5EF4-FFF2-40B4-BE49-F238E27FC236}">
+                <a16:creationId xmlns:a16="http://schemas.microsoft.com/office/drawing/2014/main" id="{CE727D28-4351-49B8-A99C-DA30BA358844}"/>
+              </a:ext>
+            </a:extLst>
+          </p:cNvPr>
+          <p:cNvCxnSpPr>
+            <a:cxnSpLocks/>
+            <a:stCxn id="148" idx="0"/>
+            <a:endCxn id="82" idx="4"/>
+          </p:cNvCxnSpPr>
+          <p:nvPr/>
+        </p:nvCxnSpPr>
+        <p:spPr>
+          <a:xfrm>
+            <a:off x="3898227" y="1808820"/>
+            <a:ext cx="1944215" cy="1512170"/>
+          </a:xfrm>
+          <a:prstGeom prst="line">
+            <a:avLst/>
+          </a:prstGeom>
+        </p:spPr>
+        <p:style>
+          <a:lnRef idx="1">
+            <a:schemeClr val="dk1"/>
+          </a:lnRef>
+          <a:fillRef idx="0">
+            <a:schemeClr val="dk1"/>
+          </a:fillRef>
+          <a:effectRef idx="0">
+            <a:schemeClr val="dk1"/>
+          </a:effectRef>
+          <a:fontRef idx="minor">
+            <a:schemeClr val="tx1"/>
+          </a:fontRef>
+        </p:style>
+      </p:cxnSp>
+      <p:cxnSp>
+        <p:nvCxnSpPr>
+          <p:cNvPr id="120" name="Straight Connector 119">
+            <a:extLst>
+              <a:ext uri="{FF2B5EF4-FFF2-40B4-BE49-F238E27FC236}">
+                <a16:creationId xmlns:a16="http://schemas.microsoft.com/office/drawing/2014/main" id="{56E17048-52FC-4EBC-B0D2-6287DA40D9AE}"/>
+              </a:ext>
+            </a:extLst>
+          </p:cNvPr>
+          <p:cNvCxnSpPr>
+            <a:cxnSpLocks/>
+            <a:stCxn id="148" idx="0"/>
+            <a:endCxn id="85" idx="4"/>
+          </p:cNvCxnSpPr>
+          <p:nvPr/>
+        </p:nvCxnSpPr>
+        <p:spPr>
+          <a:xfrm>
+            <a:off x="3898227" y="1808820"/>
+            <a:ext cx="1944215" cy="2808314"/>
+          </a:xfrm>
+          <a:prstGeom prst="line">
+            <a:avLst/>
+          </a:prstGeom>
+        </p:spPr>
+        <p:style>
+          <a:lnRef idx="1">
+            <a:schemeClr val="dk1"/>
+          </a:lnRef>
+          <a:fillRef idx="0">
+            <a:schemeClr val="dk1"/>
+          </a:fillRef>
+          <a:effectRef idx="0">
+            <a:schemeClr val="dk1"/>
+          </a:effectRef>
+          <a:fontRef idx="minor">
+            <a:schemeClr val="tx1"/>
+          </a:fontRef>
+        </p:style>
+      </p:cxnSp>
+      <p:cxnSp>
+        <p:nvCxnSpPr>
+          <p:cNvPr id="123" name="Straight Connector 122">
+            <a:extLst>
+              <a:ext uri="{FF2B5EF4-FFF2-40B4-BE49-F238E27FC236}">
+                <a16:creationId xmlns:a16="http://schemas.microsoft.com/office/drawing/2014/main" id="{CEE1B603-A341-40D0-B4DC-1FF4EE632860}"/>
+              </a:ext>
+            </a:extLst>
+          </p:cNvPr>
+          <p:cNvCxnSpPr>
+            <a:cxnSpLocks/>
+            <a:stCxn id="148" idx="0"/>
+            <a:endCxn id="84" idx="4"/>
+          </p:cNvCxnSpPr>
+          <p:nvPr/>
+        </p:nvCxnSpPr>
+        <p:spPr>
+          <a:xfrm>
+            <a:off x="3898227" y="1808820"/>
+            <a:ext cx="1944215" cy="2376266"/>
+          </a:xfrm>
+          <a:prstGeom prst="line">
+            <a:avLst/>
+          </a:prstGeom>
+        </p:spPr>
+        <p:style>
+          <a:lnRef idx="1">
+            <a:schemeClr val="dk1"/>
+          </a:lnRef>
+          <a:fillRef idx="0">
+            <a:schemeClr val="dk1"/>
+          </a:fillRef>
+          <a:effectRef idx="0">
+            <a:schemeClr val="dk1"/>
+          </a:effectRef>
+          <a:fontRef idx="minor">
+            <a:schemeClr val="tx1"/>
+          </a:fontRef>
+        </p:style>
+      </p:cxnSp>
+      <p:cxnSp>
+        <p:nvCxnSpPr>
+          <p:cNvPr id="126" name="Straight Connector 125">
+            <a:extLst>
+              <a:ext uri="{FF2B5EF4-FFF2-40B4-BE49-F238E27FC236}">
+                <a16:creationId xmlns:a16="http://schemas.microsoft.com/office/drawing/2014/main" id="{023A4FE4-04EA-491F-B026-A0B4BFFE2C8B}"/>
+              </a:ext>
+            </a:extLst>
+          </p:cNvPr>
+          <p:cNvCxnSpPr>
+            <a:cxnSpLocks/>
+            <a:stCxn id="149" idx="0"/>
+            <a:endCxn id="81" idx="4"/>
+          </p:cNvCxnSpPr>
+          <p:nvPr/>
+        </p:nvCxnSpPr>
+        <p:spPr>
+          <a:xfrm>
+            <a:off x="3898227" y="2240868"/>
+            <a:ext cx="1944215" cy="648074"/>
+          </a:xfrm>
+          <a:prstGeom prst="line">
+            <a:avLst/>
+          </a:prstGeom>
+        </p:spPr>
+        <p:style>
+          <a:lnRef idx="1">
+            <a:schemeClr val="dk1"/>
+          </a:lnRef>
+          <a:fillRef idx="0">
+            <a:schemeClr val="dk1"/>
+          </a:fillRef>
+          <a:effectRef idx="0">
+            <a:schemeClr val="dk1"/>
+          </a:effectRef>
+          <a:fontRef idx="minor">
+            <a:schemeClr val="tx1"/>
+          </a:fontRef>
+        </p:style>
+      </p:cxnSp>
+      <p:cxnSp>
+        <p:nvCxnSpPr>
+          <p:cNvPr id="129" name="Straight Connector 128">
+            <a:extLst>
+              <a:ext uri="{FF2B5EF4-FFF2-40B4-BE49-F238E27FC236}">
+                <a16:creationId xmlns:a16="http://schemas.microsoft.com/office/drawing/2014/main" id="{C0084276-F945-47D5-8D14-9D4B76D283E2}"/>
+              </a:ext>
+            </a:extLst>
+          </p:cNvPr>
+          <p:cNvCxnSpPr>
+            <a:cxnSpLocks/>
+            <a:stCxn id="149" idx="0"/>
+            <a:endCxn id="82" idx="4"/>
+          </p:cNvCxnSpPr>
+          <p:nvPr/>
+        </p:nvCxnSpPr>
+        <p:spPr>
+          <a:xfrm>
+            <a:off x="3898227" y="2240868"/>
+            <a:ext cx="1944215" cy="1080122"/>
+          </a:xfrm>
+          <a:prstGeom prst="line">
+            <a:avLst/>
+          </a:prstGeom>
+        </p:spPr>
+        <p:style>
+          <a:lnRef idx="1">
+            <a:schemeClr val="dk1"/>
+          </a:lnRef>
+          <a:fillRef idx="0">
+            <a:schemeClr val="dk1"/>
+          </a:fillRef>
+          <a:effectRef idx="0">
+            <a:schemeClr val="dk1"/>
+          </a:effectRef>
+          <a:fontRef idx="minor">
+            <a:schemeClr val="tx1"/>
+          </a:fontRef>
+        </p:style>
+      </p:cxnSp>
+      <p:cxnSp>
+        <p:nvCxnSpPr>
+          <p:cNvPr id="132" name="Straight Connector 131">
+            <a:extLst>
+              <a:ext uri="{FF2B5EF4-FFF2-40B4-BE49-F238E27FC236}">
+                <a16:creationId xmlns:a16="http://schemas.microsoft.com/office/drawing/2014/main" id="{FC881EFC-A3F6-4186-ADB9-9F6253C87EF2}"/>
+              </a:ext>
+            </a:extLst>
+          </p:cNvPr>
+          <p:cNvCxnSpPr>
+            <a:cxnSpLocks/>
+            <a:stCxn id="149" idx="0"/>
+            <a:endCxn id="83" idx="4"/>
+          </p:cNvCxnSpPr>
+          <p:nvPr/>
+        </p:nvCxnSpPr>
+        <p:spPr>
+          <a:xfrm>
+            <a:off x="3898227" y="2240868"/>
+            <a:ext cx="1944215" cy="1512170"/>
+          </a:xfrm>
+          <a:prstGeom prst="line">
+            <a:avLst/>
+          </a:prstGeom>
+        </p:spPr>
+        <p:style>
+          <a:lnRef idx="1">
+            <a:schemeClr val="dk1"/>
+          </a:lnRef>
+          <a:fillRef idx="0">
+            <a:schemeClr val="dk1"/>
+          </a:fillRef>
+          <a:effectRef idx="0">
+            <a:schemeClr val="dk1"/>
+          </a:effectRef>
+          <a:fontRef idx="minor">
+            <a:schemeClr val="tx1"/>
+          </a:fontRef>
+        </p:style>
+      </p:cxnSp>
+      <p:cxnSp>
+        <p:nvCxnSpPr>
+          <p:cNvPr id="135" name="Straight Connector 134">
+            <a:extLst>
+              <a:ext uri="{FF2B5EF4-FFF2-40B4-BE49-F238E27FC236}">
+                <a16:creationId xmlns:a16="http://schemas.microsoft.com/office/drawing/2014/main" id="{CA048FE8-3FDF-47DF-A6A3-1F0AD0963972}"/>
+              </a:ext>
+            </a:extLst>
+          </p:cNvPr>
+          <p:cNvCxnSpPr>
+            <a:cxnSpLocks/>
+            <a:stCxn id="149" idx="0"/>
+            <a:endCxn id="84" idx="4"/>
+          </p:cNvCxnSpPr>
+          <p:nvPr/>
+        </p:nvCxnSpPr>
+        <p:spPr>
+          <a:xfrm>
+            <a:off x="3898227" y="2240868"/>
+            <a:ext cx="1944215" cy="1944218"/>
+          </a:xfrm>
+          <a:prstGeom prst="line">
+            <a:avLst/>
+          </a:prstGeom>
+        </p:spPr>
+        <p:style>
+          <a:lnRef idx="1">
+            <a:schemeClr val="dk1"/>
+          </a:lnRef>
+          <a:fillRef idx="0">
+            <a:schemeClr val="dk1"/>
+          </a:fillRef>
+          <a:effectRef idx="0">
+            <a:schemeClr val="dk1"/>
+          </a:effectRef>
+          <a:fontRef idx="minor">
+            <a:schemeClr val="tx1"/>
+          </a:fontRef>
+        </p:style>
+      </p:cxnSp>
+      <p:cxnSp>
+        <p:nvCxnSpPr>
+          <p:cNvPr id="138" name="Straight Connector 137">
+            <a:extLst>
+              <a:ext uri="{FF2B5EF4-FFF2-40B4-BE49-F238E27FC236}">
+                <a16:creationId xmlns:a16="http://schemas.microsoft.com/office/drawing/2014/main" id="{745A16C7-EACC-4B38-8928-EE3C62814000}"/>
+              </a:ext>
+            </a:extLst>
+          </p:cNvPr>
+          <p:cNvCxnSpPr>
+            <a:cxnSpLocks/>
+            <a:stCxn id="149" idx="0"/>
+            <a:endCxn id="85" idx="4"/>
+          </p:cNvCxnSpPr>
+          <p:nvPr/>
+        </p:nvCxnSpPr>
+        <p:spPr>
+          <a:xfrm>
+            <a:off x="3898227" y="2240868"/>
+            <a:ext cx="1944215" cy="2376266"/>
+          </a:xfrm>
+          <a:prstGeom prst="line">
+            <a:avLst/>
+          </a:prstGeom>
+        </p:spPr>
+        <p:style>
+          <a:lnRef idx="1">
+            <a:schemeClr val="dk1"/>
+          </a:lnRef>
+          <a:fillRef idx="0">
+            <a:schemeClr val="dk1"/>
+          </a:fillRef>
+          <a:effectRef idx="0">
+            <a:schemeClr val="dk1"/>
+          </a:effectRef>
+          <a:fontRef idx="minor">
+            <a:schemeClr val="tx1"/>
+          </a:fontRef>
+        </p:style>
+      </p:cxnSp>
+      <p:cxnSp>
+        <p:nvCxnSpPr>
+          <p:cNvPr id="141" name="Straight Connector 140">
+            <a:extLst>
+              <a:ext uri="{FF2B5EF4-FFF2-40B4-BE49-F238E27FC236}">
+                <a16:creationId xmlns:a16="http://schemas.microsoft.com/office/drawing/2014/main" id="{925261E8-6767-4ECA-855F-CC4C99D64803}"/>
+              </a:ext>
+            </a:extLst>
+          </p:cNvPr>
+          <p:cNvCxnSpPr>
+            <a:cxnSpLocks/>
+            <a:stCxn id="151" idx="0"/>
+            <a:endCxn id="81" idx="4"/>
+          </p:cNvCxnSpPr>
+          <p:nvPr/>
+        </p:nvCxnSpPr>
+        <p:spPr>
+          <a:xfrm>
+            <a:off x="3898227" y="2672916"/>
+            <a:ext cx="1944215" cy="216026"/>
+          </a:xfrm>
+          <a:prstGeom prst="line">
+            <a:avLst/>
+          </a:prstGeom>
+        </p:spPr>
+        <p:style>
+          <a:lnRef idx="1">
+            <a:schemeClr val="dk1"/>
+          </a:lnRef>
+          <a:fillRef idx="0">
+            <a:schemeClr val="dk1"/>
+          </a:fillRef>
+          <a:effectRef idx="0">
+            <a:schemeClr val="dk1"/>
+          </a:effectRef>
+          <a:fontRef idx="minor">
+            <a:schemeClr val="tx1"/>
+          </a:fontRef>
+        </p:style>
+      </p:cxnSp>
+      <p:cxnSp>
+        <p:nvCxnSpPr>
+          <p:cNvPr id="144" name="Straight Connector 143">
+            <a:extLst>
+              <a:ext uri="{FF2B5EF4-FFF2-40B4-BE49-F238E27FC236}">
+                <a16:creationId xmlns:a16="http://schemas.microsoft.com/office/drawing/2014/main" id="{4706ADFC-43A2-4628-B96F-4BC9EA2F6167}"/>
+              </a:ext>
+            </a:extLst>
+          </p:cNvPr>
+          <p:cNvCxnSpPr>
+            <a:cxnSpLocks/>
+            <a:stCxn id="151" idx="0"/>
+            <a:endCxn id="82" idx="4"/>
+          </p:cNvCxnSpPr>
+          <p:nvPr/>
+        </p:nvCxnSpPr>
+        <p:spPr>
+          <a:xfrm>
+            <a:off x="3898227" y="2672916"/>
+            <a:ext cx="1944215" cy="648074"/>
+          </a:xfrm>
+          <a:prstGeom prst="line">
+            <a:avLst/>
+          </a:prstGeom>
+        </p:spPr>
+        <p:style>
+          <a:lnRef idx="1">
+            <a:schemeClr val="dk1"/>
+          </a:lnRef>
+          <a:fillRef idx="0">
+            <a:schemeClr val="dk1"/>
+          </a:fillRef>
+          <a:effectRef idx="0">
+            <a:schemeClr val="dk1"/>
+          </a:effectRef>
+          <a:fontRef idx="minor">
+            <a:schemeClr val="tx1"/>
+          </a:fontRef>
+        </p:style>
+      </p:cxnSp>
+      <p:cxnSp>
+        <p:nvCxnSpPr>
+          <p:cNvPr id="147" name="Straight Connector 146">
+            <a:extLst>
+              <a:ext uri="{FF2B5EF4-FFF2-40B4-BE49-F238E27FC236}">
+                <a16:creationId xmlns:a16="http://schemas.microsoft.com/office/drawing/2014/main" id="{4ACFBEDB-4435-463E-BBD7-BF09936D8E4F}"/>
+              </a:ext>
+            </a:extLst>
+          </p:cNvPr>
+          <p:cNvCxnSpPr>
+            <a:cxnSpLocks/>
+            <a:stCxn id="151" idx="0"/>
+            <a:endCxn id="83" idx="4"/>
+          </p:cNvCxnSpPr>
+          <p:nvPr/>
+        </p:nvCxnSpPr>
+        <p:spPr>
+          <a:xfrm>
+            <a:off x="3898227" y="2672916"/>
+            <a:ext cx="1944215" cy="1080122"/>
+          </a:xfrm>
+          <a:prstGeom prst="line">
+            <a:avLst/>
+          </a:prstGeom>
+        </p:spPr>
+        <p:style>
+          <a:lnRef idx="1">
+            <a:schemeClr val="dk1"/>
+          </a:lnRef>
+          <a:fillRef idx="0">
+            <a:schemeClr val="dk1"/>
+          </a:fillRef>
+          <a:effectRef idx="0">
+            <a:schemeClr val="dk1"/>
+          </a:effectRef>
+          <a:fontRef idx="minor">
+            <a:schemeClr val="tx1"/>
+          </a:fontRef>
+        </p:style>
+      </p:cxnSp>
+      <p:cxnSp>
+        <p:nvCxnSpPr>
+          <p:cNvPr id="150" name="Straight Connector 149">
+            <a:extLst>
+              <a:ext uri="{FF2B5EF4-FFF2-40B4-BE49-F238E27FC236}">
+                <a16:creationId xmlns:a16="http://schemas.microsoft.com/office/drawing/2014/main" id="{F342DF03-D304-48DC-BD27-56C6DD2CF51A}"/>
+              </a:ext>
+            </a:extLst>
+          </p:cNvPr>
+          <p:cNvCxnSpPr>
+            <a:cxnSpLocks/>
+            <a:stCxn id="151" idx="0"/>
+            <a:endCxn id="84" idx="4"/>
+          </p:cNvCxnSpPr>
+          <p:nvPr/>
+        </p:nvCxnSpPr>
+        <p:spPr>
+          <a:xfrm>
+            <a:off x="3898227" y="2672916"/>
+            <a:ext cx="1944215" cy="1512170"/>
+          </a:xfrm>
+          <a:prstGeom prst="line">
+            <a:avLst/>
+          </a:prstGeom>
+        </p:spPr>
+        <p:style>
+          <a:lnRef idx="1">
+            <a:schemeClr val="dk1"/>
+          </a:lnRef>
+          <a:fillRef idx="0">
+            <a:schemeClr val="dk1"/>
+          </a:fillRef>
+          <a:effectRef idx="0">
+            <a:schemeClr val="dk1"/>
+          </a:effectRef>
+          <a:fontRef idx="minor">
+            <a:schemeClr val="tx1"/>
+          </a:fontRef>
+        </p:style>
+      </p:cxnSp>
+      <p:cxnSp>
+        <p:nvCxnSpPr>
+          <p:cNvPr id="153" name="Straight Connector 152">
+            <a:extLst>
+              <a:ext uri="{FF2B5EF4-FFF2-40B4-BE49-F238E27FC236}">
+                <a16:creationId xmlns:a16="http://schemas.microsoft.com/office/drawing/2014/main" id="{B0DA5891-7F0E-4B04-B4F6-AE2F3B9D1DE9}"/>
+              </a:ext>
+            </a:extLst>
+          </p:cNvPr>
+          <p:cNvCxnSpPr>
+            <a:cxnSpLocks/>
+            <a:stCxn id="148" idx="0"/>
+            <a:endCxn id="83" idx="4"/>
+          </p:cNvCxnSpPr>
+          <p:nvPr/>
+        </p:nvCxnSpPr>
+        <p:spPr>
+          <a:xfrm>
+            <a:off x="3898227" y="1808820"/>
+            <a:ext cx="1944215" cy="1944218"/>
+          </a:xfrm>
+          <a:prstGeom prst="line">
+            <a:avLst/>
+          </a:prstGeom>
+        </p:spPr>
+        <p:style>
+          <a:lnRef idx="1">
+            <a:schemeClr val="dk1"/>
+          </a:lnRef>
+          <a:fillRef idx="0">
+            <a:schemeClr val="dk1"/>
+          </a:fillRef>
+          <a:effectRef idx="0">
+            <a:schemeClr val="dk1"/>
+          </a:effectRef>
+          <a:fontRef idx="minor">
+            <a:schemeClr val="tx1"/>
+          </a:fontRef>
+        </p:style>
+      </p:cxnSp>
+      <p:cxnSp>
+        <p:nvCxnSpPr>
+          <p:cNvPr id="156" name="Straight Connector 155">
+            <a:extLst>
+              <a:ext uri="{FF2B5EF4-FFF2-40B4-BE49-F238E27FC236}">
+                <a16:creationId xmlns:a16="http://schemas.microsoft.com/office/drawing/2014/main" id="{524EF07B-2C0F-471B-BF44-BB30DAD2DEB8}"/>
+              </a:ext>
+            </a:extLst>
+          </p:cNvPr>
+          <p:cNvCxnSpPr>
+            <a:cxnSpLocks/>
+            <a:stCxn id="152" idx="0"/>
+            <a:endCxn id="81" idx="4"/>
+          </p:cNvCxnSpPr>
+          <p:nvPr/>
+        </p:nvCxnSpPr>
+        <p:spPr>
+          <a:xfrm flipV="1">
+            <a:off x="3898227" y="2888942"/>
+            <a:ext cx="1944215" cy="216022"/>
+          </a:xfrm>
+          <a:prstGeom prst="line">
+            <a:avLst/>
+          </a:prstGeom>
+        </p:spPr>
+        <p:style>
+          <a:lnRef idx="1">
+            <a:schemeClr val="dk1"/>
+          </a:lnRef>
+          <a:fillRef idx="0">
+            <a:schemeClr val="dk1"/>
+          </a:fillRef>
+          <a:effectRef idx="0">
+            <a:schemeClr val="dk1"/>
+          </a:effectRef>
+          <a:fontRef idx="minor">
+            <a:schemeClr val="tx1"/>
+          </a:fontRef>
+        </p:style>
+      </p:cxnSp>
+      <p:cxnSp>
+        <p:nvCxnSpPr>
+          <p:cNvPr id="159" name="Straight Connector 158">
+            <a:extLst>
+              <a:ext uri="{FF2B5EF4-FFF2-40B4-BE49-F238E27FC236}">
+                <a16:creationId xmlns:a16="http://schemas.microsoft.com/office/drawing/2014/main" id="{4B848213-5CA1-4B8C-B373-5E98CAF7F04A}"/>
+              </a:ext>
+            </a:extLst>
+          </p:cNvPr>
+          <p:cNvCxnSpPr>
+            <a:cxnSpLocks/>
+            <a:stCxn id="152" idx="0"/>
+            <a:endCxn id="82" idx="4"/>
+          </p:cNvCxnSpPr>
+          <p:nvPr/>
+        </p:nvCxnSpPr>
+        <p:spPr>
+          <a:xfrm>
+            <a:off x="3898227" y="3104964"/>
+            <a:ext cx="1944215" cy="216026"/>
+          </a:xfrm>
+          <a:prstGeom prst="line">
+            <a:avLst/>
+          </a:prstGeom>
+        </p:spPr>
+        <p:style>
+          <a:lnRef idx="1">
+            <a:schemeClr val="dk1"/>
+          </a:lnRef>
+          <a:fillRef idx="0">
+            <a:schemeClr val="dk1"/>
+          </a:fillRef>
+          <a:effectRef idx="0">
+            <a:schemeClr val="dk1"/>
+          </a:effectRef>
+          <a:fontRef idx="minor">
+            <a:schemeClr val="tx1"/>
+          </a:fontRef>
+        </p:style>
+      </p:cxnSp>
+      <p:cxnSp>
+        <p:nvCxnSpPr>
+          <p:cNvPr id="162" name="Straight Connector 161">
+            <a:extLst>
+              <a:ext uri="{FF2B5EF4-FFF2-40B4-BE49-F238E27FC236}">
+                <a16:creationId xmlns:a16="http://schemas.microsoft.com/office/drawing/2014/main" id="{37A48004-6DB7-45EF-9EE4-355CE00CBFDE}"/>
+              </a:ext>
+            </a:extLst>
+          </p:cNvPr>
+          <p:cNvCxnSpPr>
+            <a:cxnSpLocks/>
+            <a:stCxn id="152" idx="0"/>
+            <a:endCxn id="84" idx="4"/>
+          </p:cNvCxnSpPr>
+          <p:nvPr/>
+        </p:nvCxnSpPr>
+        <p:spPr>
+          <a:xfrm>
+            <a:off x="3898227" y="3104964"/>
+            <a:ext cx="1944215" cy="1080122"/>
+          </a:xfrm>
+          <a:prstGeom prst="line">
+            <a:avLst/>
+          </a:prstGeom>
+        </p:spPr>
+        <p:style>
+          <a:lnRef idx="1">
+            <a:schemeClr val="dk1"/>
+          </a:lnRef>
+          <a:fillRef idx="0">
+            <a:schemeClr val="dk1"/>
+          </a:fillRef>
+          <a:effectRef idx="0">
+            <a:schemeClr val="dk1"/>
+          </a:effectRef>
+          <a:fontRef idx="minor">
+            <a:schemeClr val="tx1"/>
+          </a:fontRef>
+        </p:style>
+      </p:cxnSp>
+      <p:cxnSp>
+        <p:nvCxnSpPr>
+          <p:cNvPr id="165" name="Straight Connector 164">
+            <a:extLst>
+              <a:ext uri="{FF2B5EF4-FFF2-40B4-BE49-F238E27FC236}">
+                <a16:creationId xmlns:a16="http://schemas.microsoft.com/office/drawing/2014/main" id="{257CAF93-5173-4277-A2BB-62C40D2EB3C1}"/>
+              </a:ext>
+            </a:extLst>
+          </p:cNvPr>
+          <p:cNvCxnSpPr>
+            <a:cxnSpLocks/>
+            <a:stCxn id="152" idx="0"/>
+            <a:endCxn id="83" idx="4"/>
+          </p:cNvCxnSpPr>
+          <p:nvPr/>
+        </p:nvCxnSpPr>
+        <p:spPr>
+          <a:xfrm>
+            <a:off x="3898227" y="3104964"/>
+            <a:ext cx="1944215" cy="648074"/>
+          </a:xfrm>
+          <a:prstGeom prst="line">
+            <a:avLst/>
+          </a:prstGeom>
+        </p:spPr>
+        <p:style>
+          <a:lnRef idx="1">
+            <a:schemeClr val="dk1"/>
+          </a:lnRef>
+          <a:fillRef idx="0">
+            <a:schemeClr val="dk1"/>
+          </a:fillRef>
+          <a:effectRef idx="0">
+            <a:schemeClr val="dk1"/>
+          </a:effectRef>
+          <a:fontRef idx="minor">
+            <a:schemeClr val="tx1"/>
+          </a:fontRef>
+        </p:style>
+      </p:cxnSp>
+      <p:cxnSp>
+        <p:nvCxnSpPr>
+          <p:cNvPr id="168" name="Straight Connector 167">
+            <a:extLst>
+              <a:ext uri="{FF2B5EF4-FFF2-40B4-BE49-F238E27FC236}">
+                <a16:creationId xmlns:a16="http://schemas.microsoft.com/office/drawing/2014/main" id="{2AE7505C-E0DB-429B-9BE0-812FE1750275}"/>
+              </a:ext>
+            </a:extLst>
+          </p:cNvPr>
+          <p:cNvCxnSpPr>
+            <a:cxnSpLocks/>
+            <a:stCxn id="152" idx="0"/>
+            <a:endCxn id="85" idx="4"/>
+          </p:cNvCxnSpPr>
+          <p:nvPr/>
+        </p:nvCxnSpPr>
+        <p:spPr>
+          <a:xfrm>
+            <a:off x="3898227" y="3104964"/>
+            <a:ext cx="1944215" cy="1512170"/>
+          </a:xfrm>
+          <a:prstGeom prst="line">
+            <a:avLst/>
+          </a:prstGeom>
+        </p:spPr>
+        <p:style>
+          <a:lnRef idx="1">
+            <a:schemeClr val="dk1"/>
+          </a:lnRef>
+          <a:fillRef idx="0">
+            <a:schemeClr val="dk1"/>
+          </a:fillRef>
+          <a:effectRef idx="0">
+            <a:schemeClr val="dk1"/>
+          </a:effectRef>
+          <a:fontRef idx="minor">
+            <a:schemeClr val="tx1"/>
+          </a:fontRef>
+        </p:style>
+      </p:cxnSp>
+      <p:cxnSp>
+        <p:nvCxnSpPr>
+          <p:cNvPr id="171" name="Straight Connector 170">
+            <a:extLst>
+              <a:ext uri="{FF2B5EF4-FFF2-40B4-BE49-F238E27FC236}">
+                <a16:creationId xmlns:a16="http://schemas.microsoft.com/office/drawing/2014/main" id="{0ECA542F-BA74-43B3-9D70-EDEC2B35821A}"/>
+              </a:ext>
+            </a:extLst>
+          </p:cNvPr>
+          <p:cNvCxnSpPr>
+            <a:cxnSpLocks/>
+            <a:stCxn id="154" idx="0"/>
+            <a:endCxn id="81" idx="4"/>
+          </p:cNvCxnSpPr>
+          <p:nvPr/>
+        </p:nvCxnSpPr>
+        <p:spPr>
+          <a:xfrm flipV="1">
+            <a:off x="3898227" y="2888942"/>
+            <a:ext cx="1944215" cy="648070"/>
+          </a:xfrm>
+          <a:prstGeom prst="line">
+            <a:avLst/>
+          </a:prstGeom>
+        </p:spPr>
+        <p:style>
+          <a:lnRef idx="1">
+            <a:schemeClr val="dk1"/>
+          </a:lnRef>
+          <a:fillRef idx="0">
+            <a:schemeClr val="dk1"/>
+          </a:fillRef>
+          <a:effectRef idx="0">
+            <a:schemeClr val="dk1"/>
+          </a:effectRef>
+          <a:fontRef idx="minor">
+            <a:schemeClr val="tx1"/>
+          </a:fontRef>
+        </p:style>
+      </p:cxnSp>
+      <p:cxnSp>
+        <p:nvCxnSpPr>
+          <p:cNvPr id="177" name="Straight Connector 176">
+            <a:extLst>
+              <a:ext uri="{FF2B5EF4-FFF2-40B4-BE49-F238E27FC236}">
+                <a16:creationId xmlns:a16="http://schemas.microsoft.com/office/drawing/2014/main" id="{3D8814A8-EE44-4DAF-8676-118A30C8AFF3}"/>
+              </a:ext>
+            </a:extLst>
+          </p:cNvPr>
+          <p:cNvCxnSpPr>
+            <a:cxnSpLocks/>
+            <a:stCxn id="154" idx="0"/>
+            <a:endCxn id="82" idx="4"/>
+          </p:cNvCxnSpPr>
+          <p:nvPr/>
+        </p:nvCxnSpPr>
+        <p:spPr>
+          <a:xfrm flipV="1">
+            <a:off x="3898227" y="3320990"/>
+            <a:ext cx="1944215" cy="216022"/>
+          </a:xfrm>
+          <a:prstGeom prst="line">
+            <a:avLst/>
+          </a:prstGeom>
+        </p:spPr>
+        <p:style>
+          <a:lnRef idx="1">
+            <a:schemeClr val="dk1"/>
+          </a:lnRef>
+          <a:fillRef idx="0">
+            <a:schemeClr val="dk1"/>
+          </a:fillRef>
+          <a:effectRef idx="0">
+            <a:schemeClr val="dk1"/>
+          </a:effectRef>
+          <a:fontRef idx="minor">
+            <a:schemeClr val="tx1"/>
+          </a:fontRef>
+        </p:style>
+      </p:cxnSp>
+      <p:cxnSp>
+        <p:nvCxnSpPr>
+          <p:cNvPr id="178" name="Straight Connector 177">
+            <a:extLst>
+              <a:ext uri="{FF2B5EF4-FFF2-40B4-BE49-F238E27FC236}">
+                <a16:creationId xmlns:a16="http://schemas.microsoft.com/office/drawing/2014/main" id="{B44B49E9-C6FD-4DF7-8BDA-5A803453ED53}"/>
+              </a:ext>
+            </a:extLst>
+          </p:cNvPr>
+          <p:cNvCxnSpPr>
+            <a:cxnSpLocks/>
+            <a:stCxn id="151" idx="0"/>
+            <a:endCxn id="85" idx="4"/>
+          </p:cNvCxnSpPr>
+          <p:nvPr/>
+        </p:nvCxnSpPr>
+        <p:spPr>
+          <a:xfrm>
+            <a:off x="3898227" y="2672916"/>
+            <a:ext cx="1944215" cy="1944218"/>
+          </a:xfrm>
+          <a:prstGeom prst="line">
+            <a:avLst/>
+          </a:prstGeom>
+        </p:spPr>
+        <p:style>
+          <a:lnRef idx="1">
+            <a:schemeClr val="dk1"/>
+          </a:lnRef>
+          <a:fillRef idx="0">
+            <a:schemeClr val="dk1"/>
+          </a:fillRef>
+          <a:effectRef idx="0">
+            <a:schemeClr val="dk1"/>
+          </a:effectRef>
+          <a:fontRef idx="minor">
+            <a:schemeClr val="tx1"/>
+          </a:fontRef>
+        </p:style>
+      </p:cxnSp>
+      <p:cxnSp>
+        <p:nvCxnSpPr>
+          <p:cNvPr id="179" name="Straight Connector 178">
+            <a:extLst>
+              <a:ext uri="{FF2B5EF4-FFF2-40B4-BE49-F238E27FC236}">
+                <a16:creationId xmlns:a16="http://schemas.microsoft.com/office/drawing/2014/main" id="{77664C6E-03B3-48D2-9F9F-76E9AC461C97}"/>
+              </a:ext>
+            </a:extLst>
+          </p:cNvPr>
+          <p:cNvCxnSpPr>
+            <a:cxnSpLocks/>
+            <a:stCxn id="154" idx="0"/>
+            <a:endCxn id="84" idx="4"/>
+          </p:cNvCxnSpPr>
+          <p:nvPr/>
+        </p:nvCxnSpPr>
+        <p:spPr>
+          <a:xfrm>
+            <a:off x="3898227" y="3537012"/>
+            <a:ext cx="1944215" cy="648074"/>
+          </a:xfrm>
+          <a:prstGeom prst="line">
+            <a:avLst/>
+          </a:prstGeom>
+        </p:spPr>
+        <p:style>
+          <a:lnRef idx="1">
+            <a:schemeClr val="dk1"/>
+          </a:lnRef>
+          <a:fillRef idx="0">
+            <a:schemeClr val="dk1"/>
+          </a:fillRef>
+          <a:effectRef idx="0">
+            <a:schemeClr val="dk1"/>
+          </a:effectRef>
+          <a:fontRef idx="minor">
+            <a:schemeClr val="tx1"/>
+          </a:fontRef>
+        </p:style>
+      </p:cxnSp>
+      <p:cxnSp>
+        <p:nvCxnSpPr>
+          <p:cNvPr id="180" name="Straight Connector 179">
+            <a:extLst>
+              <a:ext uri="{FF2B5EF4-FFF2-40B4-BE49-F238E27FC236}">
+                <a16:creationId xmlns:a16="http://schemas.microsoft.com/office/drawing/2014/main" id="{08DACD9E-6D95-4C06-A2E7-DB1F421DB5F0}"/>
+              </a:ext>
+            </a:extLst>
+          </p:cNvPr>
+          <p:cNvCxnSpPr>
+            <a:cxnSpLocks/>
+            <a:stCxn id="154" idx="0"/>
+            <a:endCxn id="83" idx="4"/>
+          </p:cNvCxnSpPr>
+          <p:nvPr/>
+        </p:nvCxnSpPr>
+        <p:spPr>
+          <a:xfrm>
+            <a:off x="3898227" y="3537012"/>
+            <a:ext cx="1944215" cy="216026"/>
+          </a:xfrm>
+          <a:prstGeom prst="line">
+            <a:avLst/>
+          </a:prstGeom>
+        </p:spPr>
+        <p:style>
+          <a:lnRef idx="1">
+            <a:schemeClr val="dk1"/>
+          </a:lnRef>
+          <a:fillRef idx="0">
+            <a:schemeClr val="dk1"/>
+          </a:fillRef>
+          <a:effectRef idx="0">
+            <a:schemeClr val="dk1"/>
+          </a:effectRef>
+          <a:fontRef idx="minor">
+            <a:schemeClr val="tx1"/>
+          </a:fontRef>
+        </p:style>
+      </p:cxnSp>
+      <p:cxnSp>
+        <p:nvCxnSpPr>
+          <p:cNvPr id="181" name="Straight Connector 180">
+            <a:extLst>
+              <a:ext uri="{FF2B5EF4-FFF2-40B4-BE49-F238E27FC236}">
+                <a16:creationId xmlns:a16="http://schemas.microsoft.com/office/drawing/2014/main" id="{5E104F7D-E797-4471-B71C-02AF92E41462}"/>
+              </a:ext>
+            </a:extLst>
+          </p:cNvPr>
+          <p:cNvCxnSpPr>
+            <a:cxnSpLocks/>
+            <a:stCxn id="154" idx="0"/>
+            <a:endCxn id="85" idx="4"/>
+          </p:cNvCxnSpPr>
+          <p:nvPr/>
+        </p:nvCxnSpPr>
+        <p:spPr>
+          <a:xfrm>
+            <a:off x="3898227" y="3537012"/>
+            <a:ext cx="1944215" cy="1080122"/>
+          </a:xfrm>
+          <a:prstGeom prst="line">
+            <a:avLst/>
+          </a:prstGeom>
+        </p:spPr>
+        <p:style>
+          <a:lnRef idx="1">
+            <a:schemeClr val="dk1"/>
+          </a:lnRef>
+          <a:fillRef idx="0">
+            <a:schemeClr val="dk1"/>
+          </a:fillRef>
+          <a:effectRef idx="0">
+            <a:schemeClr val="dk1"/>
+          </a:effectRef>
+          <a:fontRef idx="minor">
+            <a:schemeClr val="tx1"/>
+          </a:fontRef>
+        </p:style>
+      </p:cxnSp>
+      <p:cxnSp>
+        <p:nvCxnSpPr>
+          <p:cNvPr id="182" name="Straight Connector 181">
+            <a:extLst>
+              <a:ext uri="{FF2B5EF4-FFF2-40B4-BE49-F238E27FC236}">
+                <a16:creationId xmlns:a16="http://schemas.microsoft.com/office/drawing/2014/main" id="{D807AB40-6B83-49A5-9EE2-1861E7580F36}"/>
+              </a:ext>
+            </a:extLst>
+          </p:cNvPr>
+          <p:cNvCxnSpPr>
+            <a:cxnSpLocks/>
+            <a:stCxn id="157" idx="0"/>
+            <a:endCxn id="81" idx="4"/>
+          </p:cNvCxnSpPr>
+          <p:nvPr/>
+        </p:nvCxnSpPr>
+        <p:spPr>
+          <a:xfrm flipV="1">
+            <a:off x="3898227" y="2888942"/>
+            <a:ext cx="1944215" cy="1080118"/>
+          </a:xfrm>
+          <a:prstGeom prst="line">
+            <a:avLst/>
+          </a:prstGeom>
+        </p:spPr>
+        <p:style>
+          <a:lnRef idx="1">
+            <a:schemeClr val="dk1"/>
+          </a:lnRef>
+          <a:fillRef idx="0">
+            <a:schemeClr val="dk1"/>
+          </a:fillRef>
+          <a:effectRef idx="0">
+            <a:schemeClr val="dk1"/>
+          </a:effectRef>
+          <a:fontRef idx="minor">
+            <a:schemeClr val="tx1"/>
+          </a:fontRef>
+        </p:style>
+      </p:cxnSp>
+      <p:cxnSp>
+        <p:nvCxnSpPr>
+          <p:cNvPr id="183" name="Straight Connector 182">
+            <a:extLst>
+              <a:ext uri="{FF2B5EF4-FFF2-40B4-BE49-F238E27FC236}">
+                <a16:creationId xmlns:a16="http://schemas.microsoft.com/office/drawing/2014/main" id="{6738E8C6-909F-43D8-A3EB-6C54BE8E92CC}"/>
+              </a:ext>
+            </a:extLst>
+          </p:cNvPr>
+          <p:cNvCxnSpPr>
+            <a:cxnSpLocks/>
+            <a:stCxn id="157" idx="0"/>
+            <a:endCxn id="83" idx="4"/>
+          </p:cNvCxnSpPr>
+          <p:nvPr/>
+        </p:nvCxnSpPr>
+        <p:spPr>
+          <a:xfrm flipV="1">
+            <a:off x="3898227" y="3753038"/>
+            <a:ext cx="1944215" cy="216022"/>
+          </a:xfrm>
+          <a:prstGeom prst="line">
+            <a:avLst/>
+          </a:prstGeom>
+        </p:spPr>
+        <p:style>
+          <a:lnRef idx="1">
+            <a:schemeClr val="dk1"/>
+          </a:lnRef>
+          <a:fillRef idx="0">
+            <a:schemeClr val="dk1"/>
+          </a:fillRef>
+          <a:effectRef idx="0">
+            <a:schemeClr val="dk1"/>
+          </a:effectRef>
+          <a:fontRef idx="minor">
+            <a:schemeClr val="tx1"/>
+          </a:fontRef>
+        </p:style>
+      </p:cxnSp>
+      <p:cxnSp>
+        <p:nvCxnSpPr>
+          <p:cNvPr id="184" name="Straight Connector 183">
+            <a:extLst>
+              <a:ext uri="{FF2B5EF4-FFF2-40B4-BE49-F238E27FC236}">
+                <a16:creationId xmlns:a16="http://schemas.microsoft.com/office/drawing/2014/main" id="{1A7C47AA-4CFC-439F-9A9D-A84902933EF1}"/>
+              </a:ext>
+            </a:extLst>
+          </p:cNvPr>
+          <p:cNvCxnSpPr>
+            <a:cxnSpLocks/>
+            <a:stCxn id="157" idx="0"/>
+            <a:endCxn id="82" idx="4"/>
+          </p:cNvCxnSpPr>
+          <p:nvPr/>
+        </p:nvCxnSpPr>
+        <p:spPr>
+          <a:xfrm flipV="1">
+            <a:off x="3898227" y="3320990"/>
+            <a:ext cx="1944215" cy="648070"/>
+          </a:xfrm>
+          <a:prstGeom prst="line">
+            <a:avLst/>
+          </a:prstGeom>
+        </p:spPr>
+        <p:style>
+          <a:lnRef idx="1">
+            <a:schemeClr val="dk1"/>
+          </a:lnRef>
+          <a:fillRef idx="0">
+            <a:schemeClr val="dk1"/>
+          </a:fillRef>
+          <a:effectRef idx="0">
+            <a:schemeClr val="dk1"/>
+          </a:effectRef>
+          <a:fontRef idx="minor">
+            <a:schemeClr val="tx1"/>
+          </a:fontRef>
+        </p:style>
+      </p:cxnSp>
+      <p:cxnSp>
+        <p:nvCxnSpPr>
+          <p:cNvPr id="185" name="Straight Connector 184">
+            <a:extLst>
+              <a:ext uri="{FF2B5EF4-FFF2-40B4-BE49-F238E27FC236}">
+                <a16:creationId xmlns:a16="http://schemas.microsoft.com/office/drawing/2014/main" id="{DC0113E1-C97F-447C-A6B6-2749EE4806EC}"/>
+              </a:ext>
+            </a:extLst>
+          </p:cNvPr>
+          <p:cNvCxnSpPr>
+            <a:cxnSpLocks/>
+            <a:stCxn id="157" idx="0"/>
+            <a:endCxn id="84" idx="4"/>
+          </p:cNvCxnSpPr>
+          <p:nvPr/>
+        </p:nvCxnSpPr>
+        <p:spPr>
+          <a:xfrm>
+            <a:off x="3898227" y="3969060"/>
+            <a:ext cx="1944215" cy="216026"/>
+          </a:xfrm>
+          <a:prstGeom prst="line">
+            <a:avLst/>
+          </a:prstGeom>
+        </p:spPr>
+        <p:style>
+          <a:lnRef idx="1">
+            <a:schemeClr val="dk1"/>
+          </a:lnRef>
+          <a:fillRef idx="0">
+            <a:schemeClr val="dk1"/>
+          </a:fillRef>
+          <a:effectRef idx="0">
+            <a:schemeClr val="dk1"/>
+          </a:effectRef>
+          <a:fontRef idx="minor">
+            <a:schemeClr val="tx1"/>
+          </a:fontRef>
+        </p:style>
+      </p:cxnSp>
+      <p:cxnSp>
+        <p:nvCxnSpPr>
+          <p:cNvPr id="186" name="Straight Connector 185">
+            <a:extLst>
+              <a:ext uri="{FF2B5EF4-FFF2-40B4-BE49-F238E27FC236}">
+                <a16:creationId xmlns:a16="http://schemas.microsoft.com/office/drawing/2014/main" id="{6BA348F0-CE72-43F6-B94E-7D1F2DF4EF95}"/>
+              </a:ext>
+            </a:extLst>
+          </p:cNvPr>
+          <p:cNvCxnSpPr>
+            <a:cxnSpLocks/>
+            <a:stCxn id="158" idx="0"/>
+            <a:endCxn id="81" idx="4"/>
+          </p:cNvCxnSpPr>
+          <p:nvPr/>
+        </p:nvCxnSpPr>
+        <p:spPr>
+          <a:xfrm flipV="1">
+            <a:off x="3898227" y="2888942"/>
+            <a:ext cx="1944215" cy="1512166"/>
+          </a:xfrm>
+          <a:prstGeom prst="line">
+            <a:avLst/>
+          </a:prstGeom>
+        </p:spPr>
+        <p:style>
+          <a:lnRef idx="1">
+            <a:schemeClr val="dk1"/>
+          </a:lnRef>
+          <a:fillRef idx="0">
+            <a:schemeClr val="dk1"/>
+          </a:fillRef>
+          <a:effectRef idx="0">
+            <a:schemeClr val="dk1"/>
+          </a:effectRef>
+          <a:fontRef idx="minor">
+            <a:schemeClr val="tx1"/>
+          </a:fontRef>
+        </p:style>
+      </p:cxnSp>
+      <p:cxnSp>
+        <p:nvCxnSpPr>
+          <p:cNvPr id="187" name="Straight Connector 186">
+            <a:extLst>
+              <a:ext uri="{FF2B5EF4-FFF2-40B4-BE49-F238E27FC236}">
+                <a16:creationId xmlns:a16="http://schemas.microsoft.com/office/drawing/2014/main" id="{0833CF10-D794-4248-9BDC-B20392F07013}"/>
+              </a:ext>
+            </a:extLst>
+          </p:cNvPr>
+          <p:cNvCxnSpPr>
+            <a:cxnSpLocks/>
+            <a:stCxn id="158" idx="0"/>
+            <a:endCxn id="82" idx="4"/>
+          </p:cNvCxnSpPr>
+          <p:nvPr/>
+        </p:nvCxnSpPr>
+        <p:spPr>
+          <a:xfrm flipV="1">
+            <a:off x="3898227" y="3320990"/>
+            <a:ext cx="1944215" cy="1080118"/>
+          </a:xfrm>
+          <a:prstGeom prst="line">
+            <a:avLst/>
+          </a:prstGeom>
+        </p:spPr>
+        <p:style>
+          <a:lnRef idx="1">
+            <a:schemeClr val="dk1"/>
+          </a:lnRef>
+          <a:fillRef idx="0">
+            <a:schemeClr val="dk1"/>
+          </a:fillRef>
+          <a:effectRef idx="0">
+            <a:schemeClr val="dk1"/>
+          </a:effectRef>
+          <a:fontRef idx="minor">
+            <a:schemeClr val="tx1"/>
+          </a:fontRef>
+        </p:style>
+      </p:cxnSp>
+      <p:cxnSp>
+        <p:nvCxnSpPr>
+          <p:cNvPr id="188" name="Straight Connector 187">
+            <a:extLst>
+              <a:ext uri="{FF2B5EF4-FFF2-40B4-BE49-F238E27FC236}">
+                <a16:creationId xmlns:a16="http://schemas.microsoft.com/office/drawing/2014/main" id="{01B9691E-C799-493D-9032-F6BF23DCB995}"/>
+              </a:ext>
+            </a:extLst>
+          </p:cNvPr>
+          <p:cNvCxnSpPr>
+            <a:cxnSpLocks/>
+            <a:stCxn id="158" idx="0"/>
+            <a:endCxn id="83" idx="4"/>
+          </p:cNvCxnSpPr>
+          <p:nvPr/>
+        </p:nvCxnSpPr>
+        <p:spPr>
+          <a:xfrm flipV="1">
+            <a:off x="3898227" y="3753038"/>
+            <a:ext cx="1944215" cy="648070"/>
+          </a:xfrm>
+          <a:prstGeom prst="line">
+            <a:avLst/>
+          </a:prstGeom>
+        </p:spPr>
+        <p:style>
+          <a:lnRef idx="1">
+            <a:schemeClr val="dk1"/>
+          </a:lnRef>
+          <a:fillRef idx="0">
+            <a:schemeClr val="dk1"/>
+          </a:fillRef>
+          <a:effectRef idx="0">
+            <a:schemeClr val="dk1"/>
+          </a:effectRef>
+          <a:fontRef idx="minor">
+            <a:schemeClr val="tx1"/>
+          </a:fontRef>
+        </p:style>
+      </p:cxnSp>
+      <p:cxnSp>
+        <p:nvCxnSpPr>
+          <p:cNvPr id="189" name="Straight Connector 188">
+            <a:extLst>
+              <a:ext uri="{FF2B5EF4-FFF2-40B4-BE49-F238E27FC236}">
+                <a16:creationId xmlns:a16="http://schemas.microsoft.com/office/drawing/2014/main" id="{7574223C-5BBA-4BB8-93B8-37E7C9D30694}"/>
+              </a:ext>
+            </a:extLst>
+          </p:cNvPr>
+          <p:cNvCxnSpPr>
+            <a:cxnSpLocks/>
+            <a:stCxn id="158" idx="0"/>
+            <a:endCxn id="84" idx="4"/>
+          </p:cNvCxnSpPr>
+          <p:nvPr/>
+        </p:nvCxnSpPr>
+        <p:spPr>
+          <a:xfrm flipV="1">
+            <a:off x="3898227" y="4185086"/>
+            <a:ext cx="1944215" cy="216022"/>
+          </a:xfrm>
+          <a:prstGeom prst="line">
+            <a:avLst/>
+          </a:prstGeom>
+        </p:spPr>
+        <p:style>
+          <a:lnRef idx="1">
+            <a:schemeClr val="dk1"/>
+          </a:lnRef>
+          <a:fillRef idx="0">
+            <a:schemeClr val="dk1"/>
+          </a:fillRef>
+          <a:effectRef idx="0">
+            <a:schemeClr val="dk1"/>
+          </a:effectRef>
+          <a:fontRef idx="minor">
+            <a:schemeClr val="tx1"/>
+          </a:fontRef>
+        </p:style>
+      </p:cxnSp>
+      <p:cxnSp>
+        <p:nvCxnSpPr>
+          <p:cNvPr id="190" name="Straight Connector 189">
+            <a:extLst>
+              <a:ext uri="{FF2B5EF4-FFF2-40B4-BE49-F238E27FC236}">
+                <a16:creationId xmlns:a16="http://schemas.microsoft.com/office/drawing/2014/main" id="{C91F434E-BEFC-47B8-AF97-FDE657C9D16B}"/>
+              </a:ext>
+            </a:extLst>
+          </p:cNvPr>
+          <p:cNvCxnSpPr>
+            <a:cxnSpLocks/>
+            <a:stCxn id="158" idx="0"/>
+            <a:endCxn id="85" idx="4"/>
+          </p:cNvCxnSpPr>
+          <p:nvPr/>
+        </p:nvCxnSpPr>
+        <p:spPr>
+          <a:xfrm>
+            <a:off x="3898227" y="4401108"/>
+            <a:ext cx="1944215" cy="216026"/>
+          </a:xfrm>
+          <a:prstGeom prst="line">
+            <a:avLst/>
+          </a:prstGeom>
+        </p:spPr>
+        <p:style>
+          <a:lnRef idx="1">
+            <a:schemeClr val="dk1"/>
+          </a:lnRef>
+          <a:fillRef idx="0">
+            <a:schemeClr val="dk1"/>
+          </a:fillRef>
+          <a:effectRef idx="0">
+            <a:schemeClr val="dk1"/>
+          </a:effectRef>
+          <a:fontRef idx="minor">
+            <a:schemeClr val="tx1"/>
+          </a:fontRef>
+        </p:style>
+      </p:cxnSp>
+      <p:cxnSp>
+        <p:nvCxnSpPr>
+          <p:cNvPr id="191" name="Straight Connector 190">
+            <a:extLst>
+              <a:ext uri="{FF2B5EF4-FFF2-40B4-BE49-F238E27FC236}">
+                <a16:creationId xmlns:a16="http://schemas.microsoft.com/office/drawing/2014/main" id="{732E435A-2439-4E8B-9610-2CE24350B6F5}"/>
+              </a:ext>
+            </a:extLst>
+          </p:cNvPr>
+          <p:cNvCxnSpPr>
+            <a:cxnSpLocks/>
+            <a:stCxn id="160" idx="0"/>
+            <a:endCxn id="81" idx="4"/>
+          </p:cNvCxnSpPr>
+          <p:nvPr/>
+        </p:nvCxnSpPr>
+        <p:spPr>
+          <a:xfrm flipV="1">
+            <a:off x="3898227" y="2888942"/>
+            <a:ext cx="1944215" cy="1944214"/>
+          </a:xfrm>
+          <a:prstGeom prst="line">
+            <a:avLst/>
+          </a:prstGeom>
+        </p:spPr>
+        <p:style>
+          <a:lnRef idx="1">
+            <a:schemeClr val="dk1"/>
+          </a:lnRef>
+          <a:fillRef idx="0">
+            <a:schemeClr val="dk1"/>
+          </a:fillRef>
+          <a:effectRef idx="0">
+            <a:schemeClr val="dk1"/>
+          </a:effectRef>
+          <a:fontRef idx="minor">
+            <a:schemeClr val="tx1"/>
+          </a:fontRef>
+        </p:style>
+      </p:cxnSp>
+      <p:cxnSp>
+        <p:nvCxnSpPr>
+          <p:cNvPr id="192" name="Straight Connector 191">
+            <a:extLst>
+              <a:ext uri="{FF2B5EF4-FFF2-40B4-BE49-F238E27FC236}">
+                <a16:creationId xmlns:a16="http://schemas.microsoft.com/office/drawing/2014/main" id="{A3B88471-1A5D-44B1-BA5A-76E1C34A24A9}"/>
+              </a:ext>
+            </a:extLst>
+          </p:cNvPr>
+          <p:cNvCxnSpPr>
+            <a:cxnSpLocks/>
+            <a:stCxn id="160" idx="0"/>
+            <a:endCxn id="82" idx="4"/>
+          </p:cNvCxnSpPr>
+          <p:nvPr/>
+        </p:nvCxnSpPr>
+        <p:spPr>
+          <a:xfrm flipV="1">
+            <a:off x="3898227" y="3320990"/>
+            <a:ext cx="1944215" cy="1512166"/>
+          </a:xfrm>
+          <a:prstGeom prst="line">
+            <a:avLst/>
+          </a:prstGeom>
+        </p:spPr>
+        <p:style>
+          <a:lnRef idx="1">
+            <a:schemeClr val="dk1"/>
+          </a:lnRef>
+          <a:fillRef idx="0">
+            <a:schemeClr val="dk1"/>
+          </a:fillRef>
+          <a:effectRef idx="0">
+            <a:schemeClr val="dk1"/>
+          </a:effectRef>
+          <a:fontRef idx="minor">
+            <a:schemeClr val="tx1"/>
+          </a:fontRef>
+        </p:style>
+      </p:cxnSp>
+      <p:cxnSp>
+        <p:nvCxnSpPr>
+          <p:cNvPr id="193" name="Straight Connector 192">
+            <a:extLst>
+              <a:ext uri="{FF2B5EF4-FFF2-40B4-BE49-F238E27FC236}">
+                <a16:creationId xmlns:a16="http://schemas.microsoft.com/office/drawing/2014/main" id="{4432EFAF-E9B2-4C7B-B3F4-24D29CE450FD}"/>
+              </a:ext>
+            </a:extLst>
+          </p:cNvPr>
+          <p:cNvCxnSpPr>
+            <a:cxnSpLocks/>
+            <a:stCxn id="160" idx="0"/>
+            <a:endCxn id="83" idx="4"/>
+          </p:cNvCxnSpPr>
+          <p:nvPr/>
+        </p:nvCxnSpPr>
+        <p:spPr>
+          <a:xfrm flipV="1">
+            <a:off x="3898227" y="3753038"/>
+            <a:ext cx="1944215" cy="1080118"/>
+          </a:xfrm>
+          <a:prstGeom prst="line">
+            <a:avLst/>
+          </a:prstGeom>
+        </p:spPr>
+        <p:style>
+          <a:lnRef idx="1">
+            <a:schemeClr val="dk1"/>
+          </a:lnRef>
+          <a:fillRef idx="0">
+            <a:schemeClr val="dk1"/>
+          </a:fillRef>
+          <a:effectRef idx="0">
+            <a:schemeClr val="dk1"/>
+          </a:effectRef>
+          <a:fontRef idx="minor">
+            <a:schemeClr val="tx1"/>
+          </a:fontRef>
+        </p:style>
+      </p:cxnSp>
+      <p:cxnSp>
+        <p:nvCxnSpPr>
+          <p:cNvPr id="194" name="Straight Connector 193">
+            <a:extLst>
+              <a:ext uri="{FF2B5EF4-FFF2-40B4-BE49-F238E27FC236}">
+                <a16:creationId xmlns:a16="http://schemas.microsoft.com/office/drawing/2014/main" id="{B2EDC9CF-504C-4140-86DE-5F4262032CDF}"/>
+              </a:ext>
+            </a:extLst>
+          </p:cNvPr>
+          <p:cNvCxnSpPr>
+            <a:cxnSpLocks/>
+            <a:stCxn id="160" idx="0"/>
+            <a:endCxn id="85" idx="4"/>
+          </p:cNvCxnSpPr>
+          <p:nvPr/>
+        </p:nvCxnSpPr>
+        <p:spPr>
+          <a:xfrm flipV="1">
+            <a:off x="3898227" y="4617134"/>
+            <a:ext cx="1944215" cy="216022"/>
+          </a:xfrm>
+          <a:prstGeom prst="line">
+            <a:avLst/>
+          </a:prstGeom>
+        </p:spPr>
+        <p:style>
+          <a:lnRef idx="1">
+            <a:schemeClr val="dk1"/>
+          </a:lnRef>
+          <a:fillRef idx="0">
+            <a:schemeClr val="dk1"/>
+          </a:fillRef>
+          <a:effectRef idx="0">
+            <a:schemeClr val="dk1"/>
+          </a:effectRef>
+          <a:fontRef idx="minor">
+            <a:schemeClr val="tx1"/>
+          </a:fontRef>
+        </p:style>
+      </p:cxnSp>
+      <p:cxnSp>
+        <p:nvCxnSpPr>
+          <p:cNvPr id="195" name="Straight Connector 194">
+            <a:extLst>
+              <a:ext uri="{FF2B5EF4-FFF2-40B4-BE49-F238E27FC236}">
+                <a16:creationId xmlns:a16="http://schemas.microsoft.com/office/drawing/2014/main" id="{9ED41790-75B6-4F2C-8D63-C4F71ADCFFDF}"/>
+              </a:ext>
+            </a:extLst>
+          </p:cNvPr>
+          <p:cNvCxnSpPr>
+            <a:cxnSpLocks/>
+            <a:stCxn id="160" idx="0"/>
+            <a:endCxn id="84" idx="4"/>
+          </p:cNvCxnSpPr>
+          <p:nvPr/>
+        </p:nvCxnSpPr>
+        <p:spPr>
+          <a:xfrm flipV="1">
+            <a:off x="3898227" y="4185086"/>
+            <a:ext cx="1944215" cy="648070"/>
+          </a:xfrm>
+          <a:prstGeom prst="line">
+            <a:avLst/>
+          </a:prstGeom>
+        </p:spPr>
+        <p:style>
+          <a:lnRef idx="1">
+            <a:schemeClr val="dk1"/>
+          </a:lnRef>
+          <a:fillRef idx="0">
+            <a:schemeClr val="dk1"/>
+          </a:fillRef>
+          <a:effectRef idx="0">
+            <a:schemeClr val="dk1"/>
+          </a:effectRef>
+          <a:fontRef idx="minor">
+            <a:schemeClr val="tx1"/>
+          </a:fontRef>
+        </p:style>
+      </p:cxnSp>
+      <p:cxnSp>
+        <p:nvCxnSpPr>
+          <p:cNvPr id="196" name="Straight Connector 195">
+            <a:extLst>
+              <a:ext uri="{FF2B5EF4-FFF2-40B4-BE49-F238E27FC236}">
+                <a16:creationId xmlns:a16="http://schemas.microsoft.com/office/drawing/2014/main" id="{FE0B0B0F-644C-440A-BF99-03D54D4AC22F}"/>
+              </a:ext>
+            </a:extLst>
+          </p:cNvPr>
+          <p:cNvCxnSpPr>
+            <a:cxnSpLocks/>
+            <a:stCxn id="157" idx="0"/>
+            <a:endCxn id="85" idx="4"/>
+          </p:cNvCxnSpPr>
+          <p:nvPr/>
+        </p:nvCxnSpPr>
+        <p:spPr>
+          <a:xfrm>
+            <a:off x="3898227" y="3969060"/>
+            <a:ext cx="1944215" cy="648074"/>
+          </a:xfrm>
+          <a:prstGeom prst="line">
+            <a:avLst/>
+          </a:prstGeom>
+        </p:spPr>
+        <p:style>
+          <a:lnRef idx="1">
+            <a:schemeClr val="dk1"/>
+          </a:lnRef>
+          <a:fillRef idx="0">
+            <a:schemeClr val="dk1"/>
+          </a:fillRef>
+          <a:effectRef idx="0">
+            <a:schemeClr val="dk1"/>
+          </a:effectRef>
+          <a:fontRef idx="minor">
+            <a:schemeClr val="tx1"/>
+          </a:fontRef>
+        </p:style>
+      </p:cxnSp>
+      <p:cxnSp>
+        <p:nvCxnSpPr>
+          <p:cNvPr id="207" name="Straight Connector 206">
+            <a:extLst>
+              <a:ext uri="{FF2B5EF4-FFF2-40B4-BE49-F238E27FC236}">
+                <a16:creationId xmlns:a16="http://schemas.microsoft.com/office/drawing/2014/main" id="{CFD6DB7C-88D6-4A7C-9CF8-2545537D383C}"/>
+              </a:ext>
+            </a:extLst>
+          </p:cNvPr>
+          <p:cNvCxnSpPr>
+            <a:cxnSpLocks/>
+            <a:stCxn id="161" idx="0"/>
+            <a:endCxn id="81" idx="4"/>
+          </p:cNvCxnSpPr>
+          <p:nvPr/>
+        </p:nvCxnSpPr>
+        <p:spPr>
+          <a:xfrm flipV="1">
+            <a:off x="3898227" y="2888942"/>
+            <a:ext cx="1944215" cy="2376262"/>
+          </a:xfrm>
+          <a:prstGeom prst="line">
+            <a:avLst/>
+          </a:prstGeom>
+        </p:spPr>
+        <p:style>
+          <a:lnRef idx="1">
+            <a:schemeClr val="dk1"/>
+          </a:lnRef>
+          <a:fillRef idx="0">
+            <a:schemeClr val="dk1"/>
+          </a:fillRef>
+          <a:effectRef idx="0">
+            <a:schemeClr val="dk1"/>
+          </a:effectRef>
+          <a:fontRef idx="minor">
+            <a:schemeClr val="tx1"/>
+          </a:fontRef>
+        </p:style>
+      </p:cxnSp>
+      <p:cxnSp>
+        <p:nvCxnSpPr>
+          <p:cNvPr id="208" name="Straight Connector 207">
+            <a:extLst>
+              <a:ext uri="{FF2B5EF4-FFF2-40B4-BE49-F238E27FC236}">
+                <a16:creationId xmlns:a16="http://schemas.microsoft.com/office/drawing/2014/main" id="{52CB17CC-93EE-4C6D-84B9-243261458071}"/>
+              </a:ext>
+            </a:extLst>
+          </p:cNvPr>
+          <p:cNvCxnSpPr>
+            <a:cxnSpLocks/>
+            <a:stCxn id="161" idx="0"/>
+            <a:endCxn id="83" idx="4"/>
+          </p:cNvCxnSpPr>
+          <p:nvPr/>
+        </p:nvCxnSpPr>
+        <p:spPr>
+          <a:xfrm flipV="1">
+            <a:off x="3898227" y="3753038"/>
+            <a:ext cx="1944215" cy="1512166"/>
+          </a:xfrm>
+          <a:prstGeom prst="line">
+            <a:avLst/>
+          </a:prstGeom>
+        </p:spPr>
+        <p:style>
+          <a:lnRef idx="1">
+            <a:schemeClr val="dk1"/>
+          </a:lnRef>
+          <a:fillRef idx="0">
+            <a:schemeClr val="dk1"/>
+          </a:fillRef>
+          <a:effectRef idx="0">
+            <a:schemeClr val="dk1"/>
+          </a:effectRef>
+          <a:fontRef idx="minor">
+            <a:schemeClr val="tx1"/>
+          </a:fontRef>
+        </p:style>
+      </p:cxnSp>
+      <p:cxnSp>
+        <p:nvCxnSpPr>
+          <p:cNvPr id="209" name="Straight Connector 208">
+            <a:extLst>
+              <a:ext uri="{FF2B5EF4-FFF2-40B4-BE49-F238E27FC236}">
+                <a16:creationId xmlns:a16="http://schemas.microsoft.com/office/drawing/2014/main" id="{099CE38C-5BE7-4ADE-9835-4167C0B6C696}"/>
+              </a:ext>
+            </a:extLst>
+          </p:cNvPr>
+          <p:cNvCxnSpPr>
+            <a:cxnSpLocks/>
+            <a:stCxn id="161" idx="0"/>
+            <a:endCxn id="84" idx="4"/>
+          </p:cNvCxnSpPr>
+          <p:nvPr/>
+        </p:nvCxnSpPr>
+        <p:spPr>
+          <a:xfrm flipV="1">
+            <a:off x="3898227" y="4185086"/>
+            <a:ext cx="1944215" cy="1080118"/>
+          </a:xfrm>
+          <a:prstGeom prst="line">
+            <a:avLst/>
+          </a:prstGeom>
+        </p:spPr>
+        <p:style>
+          <a:lnRef idx="1">
+            <a:schemeClr val="dk1"/>
+          </a:lnRef>
+          <a:fillRef idx="0">
+            <a:schemeClr val="dk1"/>
+          </a:fillRef>
+          <a:effectRef idx="0">
+            <a:schemeClr val="dk1"/>
+          </a:effectRef>
+          <a:fontRef idx="minor">
+            <a:schemeClr val="tx1"/>
+          </a:fontRef>
+        </p:style>
+      </p:cxnSp>
+      <p:cxnSp>
+        <p:nvCxnSpPr>
+          <p:cNvPr id="210" name="Straight Connector 209">
+            <a:extLst>
+              <a:ext uri="{FF2B5EF4-FFF2-40B4-BE49-F238E27FC236}">
+                <a16:creationId xmlns:a16="http://schemas.microsoft.com/office/drawing/2014/main" id="{FDEC9DE1-8130-46F1-A7FD-EC375AD072CD}"/>
+              </a:ext>
+            </a:extLst>
+          </p:cNvPr>
+          <p:cNvCxnSpPr>
+            <a:cxnSpLocks/>
+            <a:stCxn id="161" idx="0"/>
+            <a:endCxn id="85" idx="4"/>
+          </p:cNvCxnSpPr>
+          <p:nvPr/>
+        </p:nvCxnSpPr>
+        <p:spPr>
+          <a:xfrm flipV="1">
+            <a:off x="3898227" y="4617134"/>
+            <a:ext cx="1944215" cy="648070"/>
+          </a:xfrm>
+          <a:prstGeom prst="line">
+            <a:avLst/>
+          </a:prstGeom>
+        </p:spPr>
+        <p:style>
+          <a:lnRef idx="1">
+            <a:schemeClr val="dk1"/>
+          </a:lnRef>
+          <a:fillRef idx="0">
+            <a:schemeClr val="dk1"/>
+          </a:fillRef>
+          <a:effectRef idx="0">
+            <a:schemeClr val="dk1"/>
+          </a:effectRef>
+          <a:fontRef idx="minor">
+            <a:schemeClr val="tx1"/>
+          </a:fontRef>
+        </p:style>
+      </p:cxnSp>
+      <p:cxnSp>
+        <p:nvCxnSpPr>
+          <p:cNvPr id="211" name="Straight Connector 210">
+            <a:extLst>
+              <a:ext uri="{FF2B5EF4-FFF2-40B4-BE49-F238E27FC236}">
+                <a16:creationId xmlns:a16="http://schemas.microsoft.com/office/drawing/2014/main" id="{99C30F29-D9E7-4D29-817D-3E20A37F23EF}"/>
+              </a:ext>
+            </a:extLst>
+          </p:cNvPr>
+          <p:cNvCxnSpPr>
+            <a:cxnSpLocks/>
+            <a:stCxn id="163" idx="0"/>
+            <a:endCxn id="81" idx="4"/>
+          </p:cNvCxnSpPr>
+          <p:nvPr/>
+        </p:nvCxnSpPr>
+        <p:spPr>
+          <a:xfrm flipV="1">
+            <a:off x="3898227" y="2888942"/>
+            <a:ext cx="1944215" cy="2808310"/>
+          </a:xfrm>
+          <a:prstGeom prst="line">
+            <a:avLst/>
+          </a:prstGeom>
+        </p:spPr>
+        <p:style>
+          <a:lnRef idx="1">
+            <a:schemeClr val="dk1"/>
+          </a:lnRef>
+          <a:fillRef idx="0">
+            <a:schemeClr val="dk1"/>
+          </a:fillRef>
+          <a:effectRef idx="0">
+            <a:schemeClr val="dk1"/>
+          </a:effectRef>
+          <a:fontRef idx="minor">
+            <a:schemeClr val="tx1"/>
+          </a:fontRef>
+        </p:style>
+      </p:cxnSp>
+      <p:cxnSp>
+        <p:nvCxnSpPr>
+          <p:cNvPr id="212" name="Straight Connector 211">
+            <a:extLst>
+              <a:ext uri="{FF2B5EF4-FFF2-40B4-BE49-F238E27FC236}">
+                <a16:creationId xmlns:a16="http://schemas.microsoft.com/office/drawing/2014/main" id="{43A51411-874B-41B1-BD92-8B565D35853D}"/>
+              </a:ext>
+            </a:extLst>
+          </p:cNvPr>
+          <p:cNvCxnSpPr>
+            <a:cxnSpLocks/>
+            <a:stCxn id="163" idx="0"/>
+            <a:endCxn id="82" idx="4"/>
+          </p:cNvCxnSpPr>
+          <p:nvPr/>
+        </p:nvCxnSpPr>
+        <p:spPr>
+          <a:xfrm flipV="1">
+            <a:off x="3898227" y="3320990"/>
+            <a:ext cx="1944215" cy="2376262"/>
+          </a:xfrm>
+          <a:prstGeom prst="line">
+            <a:avLst/>
+          </a:prstGeom>
+        </p:spPr>
+        <p:style>
+          <a:lnRef idx="1">
+            <a:schemeClr val="dk1"/>
+          </a:lnRef>
+          <a:fillRef idx="0">
+            <a:schemeClr val="dk1"/>
+          </a:fillRef>
+          <a:effectRef idx="0">
+            <a:schemeClr val="dk1"/>
+          </a:effectRef>
+          <a:fontRef idx="minor">
+            <a:schemeClr val="tx1"/>
+          </a:fontRef>
+        </p:style>
+      </p:cxnSp>
+      <p:cxnSp>
+        <p:nvCxnSpPr>
+          <p:cNvPr id="213" name="Straight Connector 212">
+            <a:extLst>
+              <a:ext uri="{FF2B5EF4-FFF2-40B4-BE49-F238E27FC236}">
+                <a16:creationId xmlns:a16="http://schemas.microsoft.com/office/drawing/2014/main" id="{F8DDD8BA-6BC1-4EA3-A71E-649A43C9703F}"/>
+              </a:ext>
+            </a:extLst>
+          </p:cNvPr>
+          <p:cNvCxnSpPr>
+            <a:cxnSpLocks/>
+            <a:stCxn id="163" idx="0"/>
+            <a:endCxn id="83" idx="4"/>
+          </p:cNvCxnSpPr>
+          <p:nvPr/>
+        </p:nvCxnSpPr>
+        <p:spPr>
+          <a:xfrm flipV="1">
+            <a:off x="3898227" y="3753038"/>
+            <a:ext cx="1944215" cy="1944214"/>
+          </a:xfrm>
+          <a:prstGeom prst="line">
+            <a:avLst/>
+          </a:prstGeom>
+        </p:spPr>
+        <p:style>
+          <a:lnRef idx="1">
+            <a:schemeClr val="dk1"/>
+          </a:lnRef>
+          <a:fillRef idx="0">
+            <a:schemeClr val="dk1"/>
+          </a:fillRef>
+          <a:effectRef idx="0">
+            <a:schemeClr val="dk1"/>
+          </a:effectRef>
+          <a:fontRef idx="minor">
+            <a:schemeClr val="tx1"/>
+          </a:fontRef>
+        </p:style>
+      </p:cxnSp>
+      <p:cxnSp>
+        <p:nvCxnSpPr>
+          <p:cNvPr id="216" name="Straight Connector 215">
+            <a:extLst>
+              <a:ext uri="{FF2B5EF4-FFF2-40B4-BE49-F238E27FC236}">
+                <a16:creationId xmlns:a16="http://schemas.microsoft.com/office/drawing/2014/main" id="{CAB499DB-0D9C-4FE1-81A7-9C660D5FDD34}"/>
+              </a:ext>
+            </a:extLst>
+          </p:cNvPr>
+          <p:cNvCxnSpPr>
+            <a:cxnSpLocks/>
+            <a:stCxn id="161" idx="0"/>
+            <a:endCxn id="82" idx="4"/>
+          </p:cNvCxnSpPr>
+          <p:nvPr/>
+        </p:nvCxnSpPr>
+        <p:spPr>
+          <a:xfrm flipV="1">
+            <a:off x="3898227" y="3320990"/>
+            <a:ext cx="1944215" cy="1944214"/>
+          </a:xfrm>
+          <a:prstGeom prst="line">
+            <a:avLst/>
+          </a:prstGeom>
+        </p:spPr>
+        <p:style>
+          <a:lnRef idx="1">
+            <a:schemeClr val="dk1"/>
+          </a:lnRef>
+          <a:fillRef idx="0">
+            <a:schemeClr val="dk1"/>
+          </a:fillRef>
+          <a:effectRef idx="0">
+            <a:schemeClr val="dk1"/>
+          </a:effectRef>
+          <a:fontRef idx="minor">
+            <a:schemeClr val="tx1"/>
+          </a:fontRef>
+        </p:style>
+      </p:cxnSp>
+      <p:cxnSp>
+        <p:nvCxnSpPr>
+          <p:cNvPr id="234" name="Straight Connector 233">
+            <a:extLst>
+              <a:ext uri="{FF2B5EF4-FFF2-40B4-BE49-F238E27FC236}">
+                <a16:creationId xmlns:a16="http://schemas.microsoft.com/office/drawing/2014/main" id="{CE76906D-88F3-4487-AB00-ECF89DD1C5F8}"/>
+              </a:ext>
+            </a:extLst>
+          </p:cNvPr>
+          <p:cNvCxnSpPr>
+            <a:cxnSpLocks/>
+            <a:stCxn id="163" idx="0"/>
+            <a:endCxn id="84" idx="4"/>
+          </p:cNvCxnSpPr>
+          <p:nvPr/>
+        </p:nvCxnSpPr>
+        <p:spPr>
+          <a:xfrm flipV="1">
+            <a:off x="3898227" y="4185086"/>
+            <a:ext cx="1944215" cy="1512166"/>
+          </a:xfrm>
+          <a:prstGeom prst="line">
+            <a:avLst/>
+          </a:prstGeom>
+        </p:spPr>
+        <p:style>
+          <a:lnRef idx="1">
+            <a:schemeClr val="dk1"/>
+          </a:lnRef>
+          <a:fillRef idx="0">
+            <a:schemeClr val="dk1"/>
+          </a:fillRef>
+          <a:effectRef idx="0">
+            <a:schemeClr val="dk1"/>
+          </a:effectRef>
+          <a:fontRef idx="minor">
+            <a:schemeClr val="tx1"/>
+          </a:fontRef>
+        </p:style>
+      </p:cxnSp>
+      <p:cxnSp>
+        <p:nvCxnSpPr>
+          <p:cNvPr id="235" name="Straight Connector 234">
+            <a:extLst>
+              <a:ext uri="{FF2B5EF4-FFF2-40B4-BE49-F238E27FC236}">
+                <a16:creationId xmlns:a16="http://schemas.microsoft.com/office/drawing/2014/main" id="{E7548BCC-338F-482F-B90F-DE6AB072CB9F}"/>
+              </a:ext>
+            </a:extLst>
+          </p:cNvPr>
+          <p:cNvCxnSpPr>
+            <a:cxnSpLocks/>
+            <a:stCxn id="163" idx="0"/>
+            <a:endCxn id="85" idx="4"/>
+          </p:cNvCxnSpPr>
+          <p:nvPr/>
+        </p:nvCxnSpPr>
+        <p:spPr>
+          <a:xfrm flipV="1">
+            <a:off x="3898227" y="4617134"/>
+            <a:ext cx="1944215" cy="1080118"/>
+          </a:xfrm>
+          <a:prstGeom prst="line">
+            <a:avLst/>
+          </a:prstGeom>
+        </p:spPr>
+        <p:style>
+          <a:lnRef idx="1">
+            <a:schemeClr val="dk1"/>
+          </a:lnRef>
+          <a:fillRef idx="0">
+            <a:schemeClr val="dk1"/>
+          </a:fillRef>
+          <a:effectRef idx="0">
+            <a:schemeClr val="dk1"/>
+          </a:effectRef>
+          <a:fontRef idx="minor">
+            <a:schemeClr val="tx1"/>
+          </a:fontRef>
+        </p:style>
+      </p:cxnSp>
+      <p:sp>
+        <p:nvSpPr>
+          <p:cNvPr id="342" name="Flowchart: Connector 341">
+            <a:extLst>
+              <a:ext uri="{FF2B5EF4-FFF2-40B4-BE49-F238E27FC236}">
+                <a16:creationId xmlns:a16="http://schemas.microsoft.com/office/drawing/2014/main" id="{7F24DCCA-7332-4511-8709-118516AFC94B}"/>
+              </a:ext>
+            </a:extLst>
+          </p:cNvPr>
+          <p:cNvSpPr/>
+          <p:nvPr/>
+        </p:nvSpPr>
+        <p:spPr>
+          <a:xfrm rot="5400000">
+            <a:off x="7858663" y="3573018"/>
+            <a:ext cx="360040" cy="360041"/>
+          </a:xfrm>
+          <a:prstGeom prst="flowChartConnector">
+            <a:avLst/>
+          </a:prstGeom>
+          <a:solidFill>
+            <a:schemeClr val="accent6">
+              <a:lumMod val="60000"/>
+              <a:lumOff val="40000"/>
+            </a:schemeClr>
+          </a:solidFill>
+          <a:ln>
+            <a:solidFill>
+              <a:schemeClr val="accent6">
+                <a:lumMod val="75000"/>
+              </a:schemeClr>
+            </a:solidFill>
+          </a:ln>
+        </p:spPr>
+        <p:style>
+          <a:lnRef idx="2">
+            <a:schemeClr val="accent2">
+              <a:shade val="50000"/>
+            </a:schemeClr>
+          </a:lnRef>
+          <a:fillRef idx="1">
+            <a:schemeClr val="accent2"/>
+          </a:fillRef>
+          <a:effectRef idx="0">
+            <a:schemeClr val="accent2"/>
+          </a:effectRef>
+          <a:fontRef idx="minor">
+            <a:schemeClr val="lt1"/>
+          </a:fontRef>
+        </p:style>
+        <p:txBody>
+          <a:bodyPr rtlCol="0" anchor="ctr"/>
+          <a:lstStyle/>
+          <a:p>
+            <a:pPr algn="ctr"/>
+            <a:endParaRPr lang="en-NZ"/>
+          </a:p>
+        </p:txBody>
+      </p:sp>
+      <p:cxnSp>
+        <p:nvCxnSpPr>
+          <p:cNvPr id="343" name="Straight Connector 342">
+            <a:extLst>
+              <a:ext uri="{FF2B5EF4-FFF2-40B4-BE49-F238E27FC236}">
+                <a16:creationId xmlns:a16="http://schemas.microsoft.com/office/drawing/2014/main" id="{89082BDB-DB05-43B5-8FCD-847C1F041EF0}"/>
+              </a:ext>
+            </a:extLst>
+          </p:cNvPr>
+          <p:cNvCxnSpPr>
+            <a:cxnSpLocks/>
+            <a:stCxn id="81" idx="0"/>
+            <a:endCxn id="342" idx="4"/>
+          </p:cNvCxnSpPr>
+          <p:nvPr/>
+        </p:nvCxnSpPr>
+        <p:spPr>
+          <a:xfrm>
+            <a:off x="6202481" y="2888944"/>
+            <a:ext cx="1656182" cy="864095"/>
+          </a:xfrm>
+          <a:prstGeom prst="line">
+            <a:avLst/>
+          </a:prstGeom>
+        </p:spPr>
+        <p:style>
+          <a:lnRef idx="1">
+            <a:schemeClr val="dk1"/>
+          </a:lnRef>
+          <a:fillRef idx="0">
+            <a:schemeClr val="dk1"/>
+          </a:fillRef>
+          <a:effectRef idx="0">
+            <a:schemeClr val="dk1"/>
+          </a:effectRef>
+          <a:fontRef idx="minor">
+            <a:schemeClr val="tx1"/>
+          </a:fontRef>
+        </p:style>
+      </p:cxnSp>
+      <p:cxnSp>
+        <p:nvCxnSpPr>
+          <p:cNvPr id="346" name="Straight Connector 345">
+            <a:extLst>
+              <a:ext uri="{FF2B5EF4-FFF2-40B4-BE49-F238E27FC236}">
+                <a16:creationId xmlns:a16="http://schemas.microsoft.com/office/drawing/2014/main" id="{61EC6E90-30DF-402C-AADA-9656696E91AC}"/>
+              </a:ext>
+            </a:extLst>
+          </p:cNvPr>
+          <p:cNvCxnSpPr>
+            <a:cxnSpLocks/>
+            <a:stCxn id="85" idx="0"/>
+            <a:endCxn id="342" idx="4"/>
+          </p:cNvCxnSpPr>
+          <p:nvPr/>
+        </p:nvCxnSpPr>
+        <p:spPr>
+          <a:xfrm flipV="1">
+            <a:off x="6202481" y="3753039"/>
+            <a:ext cx="1656182" cy="864097"/>
+          </a:xfrm>
+          <a:prstGeom prst="line">
+            <a:avLst/>
+          </a:prstGeom>
+        </p:spPr>
+        <p:style>
+          <a:lnRef idx="1">
+            <a:schemeClr val="dk1"/>
+          </a:lnRef>
+          <a:fillRef idx="0">
+            <a:schemeClr val="dk1"/>
+          </a:fillRef>
+          <a:effectRef idx="0">
+            <a:schemeClr val="dk1"/>
+          </a:effectRef>
+          <a:fontRef idx="minor">
+            <a:schemeClr val="tx1"/>
+          </a:fontRef>
+        </p:style>
+      </p:cxnSp>
+      <p:cxnSp>
+        <p:nvCxnSpPr>
+          <p:cNvPr id="349" name="Straight Connector 348">
+            <a:extLst>
+              <a:ext uri="{FF2B5EF4-FFF2-40B4-BE49-F238E27FC236}">
+                <a16:creationId xmlns:a16="http://schemas.microsoft.com/office/drawing/2014/main" id="{3C5941DE-58E6-46DF-80CD-502E8FB43113}"/>
+              </a:ext>
+            </a:extLst>
+          </p:cNvPr>
+          <p:cNvCxnSpPr>
+            <a:cxnSpLocks/>
+            <a:stCxn id="84" idx="0"/>
+            <a:endCxn id="342" idx="4"/>
+          </p:cNvCxnSpPr>
+          <p:nvPr/>
+        </p:nvCxnSpPr>
+        <p:spPr>
+          <a:xfrm flipV="1">
+            <a:off x="6202481" y="3753039"/>
+            <a:ext cx="1656182" cy="432049"/>
+          </a:xfrm>
+          <a:prstGeom prst="line">
+            <a:avLst/>
+          </a:prstGeom>
+        </p:spPr>
+        <p:style>
+          <a:lnRef idx="1">
+            <a:schemeClr val="dk1"/>
+          </a:lnRef>
+          <a:fillRef idx="0">
+            <a:schemeClr val="dk1"/>
+          </a:fillRef>
+          <a:effectRef idx="0">
+            <a:schemeClr val="dk1"/>
+          </a:effectRef>
+          <a:fontRef idx="minor">
+            <a:schemeClr val="tx1"/>
+          </a:fontRef>
+        </p:style>
+      </p:cxnSp>
+      <p:cxnSp>
+        <p:nvCxnSpPr>
+          <p:cNvPr id="352" name="Straight Connector 351">
+            <a:extLst>
+              <a:ext uri="{FF2B5EF4-FFF2-40B4-BE49-F238E27FC236}">
+                <a16:creationId xmlns:a16="http://schemas.microsoft.com/office/drawing/2014/main" id="{B876126E-FB60-4B48-9A97-59EAF2BD45F3}"/>
+              </a:ext>
+            </a:extLst>
+          </p:cNvPr>
+          <p:cNvCxnSpPr>
+            <a:cxnSpLocks/>
+            <a:stCxn id="83" idx="0"/>
+            <a:endCxn id="342" idx="4"/>
+          </p:cNvCxnSpPr>
+          <p:nvPr/>
+        </p:nvCxnSpPr>
+        <p:spPr>
+          <a:xfrm flipV="1">
+            <a:off x="6202481" y="3753039"/>
+            <a:ext cx="1656182" cy="1"/>
+          </a:xfrm>
+          <a:prstGeom prst="line">
+            <a:avLst/>
+          </a:prstGeom>
+        </p:spPr>
+        <p:style>
+          <a:lnRef idx="1">
+            <a:schemeClr val="dk1"/>
+          </a:lnRef>
+          <a:fillRef idx="0">
+            <a:schemeClr val="dk1"/>
+          </a:fillRef>
+          <a:effectRef idx="0">
+            <a:schemeClr val="dk1"/>
+          </a:effectRef>
+          <a:fontRef idx="minor">
+            <a:schemeClr val="tx1"/>
+          </a:fontRef>
+        </p:style>
+      </p:cxnSp>
+      <p:cxnSp>
+        <p:nvCxnSpPr>
+          <p:cNvPr id="355" name="Straight Connector 354">
+            <a:extLst>
+              <a:ext uri="{FF2B5EF4-FFF2-40B4-BE49-F238E27FC236}">
+                <a16:creationId xmlns:a16="http://schemas.microsoft.com/office/drawing/2014/main" id="{7BF65932-E589-4CCE-B327-37224EE8AB7D}"/>
+              </a:ext>
+            </a:extLst>
+          </p:cNvPr>
+          <p:cNvCxnSpPr>
+            <a:cxnSpLocks/>
+            <a:stCxn id="82" idx="0"/>
+            <a:endCxn id="342" idx="4"/>
+          </p:cNvCxnSpPr>
+          <p:nvPr/>
+        </p:nvCxnSpPr>
+        <p:spPr>
+          <a:xfrm>
+            <a:off x="6202481" y="3320992"/>
+            <a:ext cx="1656182" cy="432047"/>
+          </a:xfrm>
+          <a:prstGeom prst="line">
+            <a:avLst/>
+          </a:prstGeom>
+        </p:spPr>
+        <p:style>
+          <a:lnRef idx="1">
+            <a:schemeClr val="dk1"/>
+          </a:lnRef>
+          <a:fillRef idx="0">
+            <a:schemeClr val="dk1"/>
+          </a:fillRef>
+          <a:effectRef idx="0">
+            <a:schemeClr val="dk1"/>
+          </a:effectRef>
+          <a:fontRef idx="minor">
+            <a:schemeClr val="tx1"/>
+          </a:fontRef>
+        </p:style>
+      </p:cxnSp>
+      <p:sp>
+        <p:nvSpPr>
+          <p:cNvPr id="418" name="TextBox 417">
+            <a:extLst>
+              <a:ext uri="{FF2B5EF4-FFF2-40B4-BE49-F238E27FC236}">
+                <a16:creationId xmlns:a16="http://schemas.microsoft.com/office/drawing/2014/main" id="{4A77A60E-653A-468B-88C0-91B5E6C089AE}"/>
+              </a:ext>
+            </a:extLst>
+          </p:cNvPr>
+          <p:cNvSpPr txBox="1"/>
+          <p:nvPr/>
+        </p:nvSpPr>
+        <p:spPr>
+          <a:xfrm>
+            <a:off x="5191303" y="703749"/>
+            <a:ext cx="1662317" cy="584775"/>
+          </a:xfrm>
+          <a:prstGeom prst="rect">
+            <a:avLst/>
+          </a:prstGeom>
+          <a:noFill/>
+        </p:spPr>
+        <p:txBody>
+          <a:bodyPr wrap="square" rtlCol="0">
+            <a:spAutoFit/>
+          </a:bodyPr>
+          <a:lstStyle/>
+          <a:p>
+            <a:pPr algn="ctr"/>
+            <a:r>
+              <a:rPr lang="en-NZ" sz="1600" dirty="0"/>
+              <a:t>Fully connected hidden layer</a:t>
+            </a:r>
+          </a:p>
+        </p:txBody>
+      </p:sp>
+      <p:sp>
+        <p:nvSpPr>
+          <p:cNvPr id="419" name="TextBox 418">
+            <a:extLst>
+              <a:ext uri="{FF2B5EF4-FFF2-40B4-BE49-F238E27FC236}">
+                <a16:creationId xmlns:a16="http://schemas.microsoft.com/office/drawing/2014/main" id="{E53D1FB6-9C55-46F1-9B74-1C501FEA8817}"/>
+              </a:ext>
+            </a:extLst>
+          </p:cNvPr>
+          <p:cNvSpPr txBox="1"/>
+          <p:nvPr/>
+        </p:nvSpPr>
+        <p:spPr>
+          <a:xfrm>
+            <a:off x="7461086" y="703749"/>
+            <a:ext cx="1155194" cy="584775"/>
+          </a:xfrm>
+          <a:prstGeom prst="rect">
+            <a:avLst/>
+          </a:prstGeom>
+          <a:noFill/>
+        </p:spPr>
+        <p:txBody>
+          <a:bodyPr wrap="square" rtlCol="0">
+            <a:spAutoFit/>
+          </a:bodyPr>
+          <a:lstStyle/>
+          <a:p>
+            <a:pPr algn="ctr"/>
+            <a:r>
+              <a:rPr lang="en-NZ" sz="1600" dirty="0"/>
+              <a:t>Output layer</a:t>
+            </a:r>
+          </a:p>
+        </p:txBody>
+      </p:sp>
+    </p:spTree>
+    <p:extLst>
+      <p:ext uri="{BB962C8B-B14F-4D97-AF65-F5344CB8AC3E}">
+        <p14:creationId xmlns:p14="http://schemas.microsoft.com/office/powerpoint/2010/main" val="2204605006"/>
+      </p:ext>
+    </p:extLst>
+  </p:cSld>
+  <p:clrMapOvr>
+    <a:masterClrMapping/>
+  </p:clrMapOvr>
+</p:sld>
+</file>
+
+<file path=ppt/slides/slide4.xml><?xml version="1.0" encoding="utf-8"?>
+<p:sld xmlns:a="http://schemas.openxmlformats.org/drawingml/2006/main" xmlns:r="http://schemas.openxmlformats.org/officeDocument/2006/relationships" xmlns:p="http://schemas.openxmlformats.org/presentationml/2006/main" show="0">
   <p:cSld>
     <p:spTree>
       <p:nvGrpSpPr>
@@ -10474,7 +13847,7 @@
         </p:nvGrpSpPr>
         <p:grpSpPr>
           <a:xfrm rot="5400000">
-            <a:off x="1386547" y="2258637"/>
+            <a:off x="1386548" y="2258639"/>
             <a:ext cx="3694735" cy="2340725"/>
             <a:chOff x="4166023" y="1475876"/>
             <a:chExt cx="3694735" cy="2340725"/>
@@ -11185,7 +14558,7 @@
         </p:nvCxnSpPr>
         <p:spPr>
           <a:xfrm flipV="1">
-            <a:off x="4943872" y="3429000"/>
+            <a:off x="4943872" y="3429002"/>
             <a:ext cx="792088" cy="1"/>
           </a:xfrm>
           <a:prstGeom prst="straightConnector1">
@@ -11229,7 +14602,7 @@
         </p:nvCxnSpPr>
         <p:spPr>
           <a:xfrm flipV="1">
-            <a:off x="7536160" y="3428453"/>
+            <a:off x="7536160" y="3428455"/>
             <a:ext cx="900966" cy="547"/>
           </a:xfrm>
           <a:prstGeom prst="straightConnector1">
@@ -11271,7 +14644,7 @@
         </p:nvSpPr>
         <p:spPr>
           <a:xfrm>
-            <a:off x="3437925" y="1920624"/>
+            <a:off x="3437927" y="1920626"/>
             <a:ext cx="1392703" cy="584775"/>
           </a:xfrm>
           <a:prstGeom prst="rect">
@@ -11307,7 +14680,7 @@
         </p:nvSpPr>
         <p:spPr>
           <a:xfrm>
-            <a:off x="5900191" y="1920190"/>
+            <a:off x="5900193" y="1920192"/>
             <a:ext cx="1506875" cy="584775"/>
           </a:xfrm>
           <a:prstGeom prst="rect">
@@ -11343,7 +14716,7 @@
         </p:nvSpPr>
         <p:spPr>
           <a:xfrm>
-            <a:off x="8419548" y="1920190"/>
+            <a:off x="8419550" y="1920192"/>
             <a:ext cx="1506875" cy="584775"/>
           </a:xfrm>
           <a:prstGeom prst="rect">
@@ -11381,7 +14754,7 @@
             </p:nvSpPr>
             <p:spPr>
               <a:xfrm>
-                <a:off x="4040917" y="4345043"/>
+                <a:off x="4040917" y="4345045"/>
                 <a:ext cx="186718" cy="276999"/>
               </a:xfrm>
               <a:prstGeom prst="rect">
@@ -11395,6 +14768,7 @@
               </a:bodyPr>
               <a:lstStyle/>
               <a:p>
+                <a:pPr/>
                 <a14:m>
                   <m:oMathPara xmlns:m="http://schemas.openxmlformats.org/officeDocument/2006/math">
                     <m:oMathParaPr>
@@ -11405,14 +14779,14 @@
                         <m:accPr>
                           <m:chr m:val="̂"/>
                           <m:ctrlPr>
-                            <a:rPr lang="en-ZA" b="0" i="1" smtClean="0">
+                            <a:rPr lang="en-ZA" i="1">
                               <a:latin typeface="Cambria Math" panose="02040503050406030204" pitchFamily="18" charset="0"/>
                             </a:rPr>
                           </m:ctrlPr>
                         </m:accPr>
                         <m:e>
                           <m:r>
-                            <a:rPr lang="en-ZA" b="0" i="1" smtClean="0">
+                            <a:rPr lang="en-ZA" i="1">
                               <a:latin typeface="Cambria Math" panose="02040503050406030204" pitchFamily="18" charset="0"/>
                             </a:rPr>
                             <m:t>𝑦</m:t>
@@ -11444,7 +14818,7 @@
             </p:nvSpPr>
             <p:spPr>
               <a:xfrm>
-                <a:off x="4040917" y="4345043"/>
+                <a:off x="4040917" y="4345045"/>
                 <a:ext cx="186718" cy="276999"/>
               </a:xfrm>
               <a:prstGeom prst="rect">
@@ -11462,7 +14836,7 @@
               <a:lstStyle/>
               <a:p>
                 <a:r>
-                  <a:rPr lang="en-GB">
+                  <a:rPr lang="en-NZ">
                     <a:noFill/>
                   </a:rPr>
                   <a:t> </a:t>
@@ -11488,7 +14862,7 @@
             </p:nvSpPr>
             <p:spPr>
               <a:xfrm>
-                <a:off x="6271728" y="4345042"/>
+                <a:off x="6271730" y="4345044"/>
                 <a:ext cx="763799" cy="276999"/>
               </a:xfrm>
               <a:prstGeom prst="rect">
@@ -11502,6 +14876,7 @@
               </a:bodyPr>
               <a:lstStyle/>
               <a:p>
+                <a:pPr/>
                 <a14:m>
                   <m:oMathPara xmlns:m="http://schemas.openxmlformats.org/officeDocument/2006/math">
                     <m:oMathParaPr>
@@ -11512,14 +14887,14 @@
                         <m:accPr>
                           <m:chr m:val="̂"/>
                           <m:ctrlPr>
-                            <a:rPr lang="en-ZA" b="0" i="1" smtClean="0">
+                            <a:rPr lang="en-ZA" i="1">
                               <a:latin typeface="Cambria Math" panose="02040503050406030204" pitchFamily="18" charset="0"/>
                             </a:rPr>
                           </m:ctrlPr>
                         </m:accPr>
                         <m:e>
                           <m:r>
-                            <a:rPr lang="en-ZA" b="0" i="1" smtClean="0">
+                            <a:rPr lang="en-ZA" i="1">
                               <a:latin typeface="Cambria Math" panose="02040503050406030204" pitchFamily="18" charset="0"/>
                             </a:rPr>
                             <m:t>𝑦</m:t>
@@ -11527,7 +14902,7 @@
                         </m:e>
                       </m:acc>
                       <m:r>
-                        <a:rPr lang="en-ZA" b="0" i="1" smtClean="0">
+                        <a:rPr lang="en-ZA" i="1">
                           <a:latin typeface="Cambria Math" panose="02040503050406030204" pitchFamily="18" charset="0"/>
                         </a:rPr>
                         <m:t>+</m:t>
@@ -11535,14 +14910,14 @@
                       <m:sSub>
                         <m:sSubPr>
                           <m:ctrlPr>
-                            <a:rPr lang="pt-BR" b="0" i="1" smtClean="0">
+                            <a:rPr lang="pt-BR" i="1">
                               <a:latin typeface="Cambria Math" panose="02040503050406030204" pitchFamily="18" charset="0"/>
                             </a:rPr>
                           </m:ctrlPr>
                         </m:sSubPr>
                         <m:e>
                           <m:r>
-                            <a:rPr lang="en-ZA" b="0" i="1" smtClean="0">
+                            <a:rPr lang="en-ZA" i="1">
                               <a:latin typeface="Cambria Math" panose="02040503050406030204" pitchFamily="18" charset="0"/>
                             </a:rPr>
                             <m:t>𝑏</m:t>
@@ -11550,7 +14925,7 @@
                         </m:e>
                         <m:sub>
                           <m:r>
-                            <a:rPr lang="en-ZA" b="0" i="1" smtClean="0">
+                            <a:rPr lang="en-ZA" i="1">
                               <a:latin typeface="Cambria Math" panose="02040503050406030204" pitchFamily="18" charset="0"/>
                             </a:rPr>
                             <m:t>𝑢𝑖</m:t>
@@ -11582,7 +14957,7 @@
             </p:nvSpPr>
             <p:spPr>
               <a:xfrm>
-                <a:off x="6271728" y="4345042"/>
+                <a:off x="6271730" y="4345044"/>
                 <a:ext cx="763799" cy="276999"/>
               </a:xfrm>
               <a:prstGeom prst="rect">
@@ -11600,7 +14975,7 @@
               <a:lstStyle/>
               <a:p>
                 <a:r>
-                  <a:rPr lang="en-GB">
+                  <a:rPr lang="en-NZ">
                     <a:noFill/>
                   </a:rPr>
                   <a:t> </a:t>
@@ -11626,7 +15001,7 @@
             </p:nvSpPr>
             <p:spPr>
               <a:xfrm>
-                <a:off x="8561151" y="4345041"/>
+                <a:off x="8561151" y="4345043"/>
                 <a:ext cx="1223668" cy="276999"/>
               </a:xfrm>
               <a:prstGeom prst="rect">
@@ -11640,6 +15015,7 @@
               </a:bodyPr>
               <a:lstStyle/>
               <a:p>
+                <a:pPr/>
                 <a14:m>
                   <m:oMathPara xmlns:m="http://schemas.openxmlformats.org/officeDocument/2006/math">
                     <m:oMathParaPr>
@@ -11650,14 +15026,14 @@
                         <m:accPr>
                           <m:chr m:val="̂"/>
                           <m:ctrlPr>
-                            <a:rPr lang="en-ZA" b="0" i="1" smtClean="0">
+                            <a:rPr lang="en-ZA" i="1">
                               <a:latin typeface="Cambria Math" panose="02040503050406030204" pitchFamily="18" charset="0"/>
                             </a:rPr>
                           </m:ctrlPr>
                         </m:accPr>
                         <m:e>
                           <m:r>
-                            <a:rPr lang="en-ZA" b="0" i="1" smtClean="0">
+                            <a:rPr lang="en-ZA" i="1">
                               <a:latin typeface="Cambria Math" panose="02040503050406030204" pitchFamily="18" charset="0"/>
                             </a:rPr>
                             <m:t>𝑦</m:t>
@@ -11665,7 +15041,7 @@
                         </m:e>
                       </m:acc>
                       <m:r>
-                        <a:rPr lang="en-ZA" b="0" i="1" smtClean="0">
+                        <a:rPr lang="en-ZA" i="1">
                           <a:latin typeface="Cambria Math" panose="02040503050406030204" pitchFamily="18" charset="0"/>
                         </a:rPr>
                         <m:t>+</m:t>
@@ -11673,14 +15049,14 @@
                       <m:sSub>
                         <m:sSubPr>
                           <m:ctrlPr>
-                            <a:rPr lang="pt-BR" b="0" i="1" smtClean="0">
+                            <a:rPr lang="pt-BR" i="1">
                               <a:latin typeface="Cambria Math" panose="02040503050406030204" pitchFamily="18" charset="0"/>
                             </a:rPr>
                           </m:ctrlPr>
                         </m:sSubPr>
                         <m:e>
                           <m:r>
-                            <a:rPr lang="en-ZA" b="0" i="1" smtClean="0">
+                            <a:rPr lang="en-ZA" i="1">
                               <a:latin typeface="Cambria Math" panose="02040503050406030204" pitchFamily="18" charset="0"/>
                             </a:rPr>
                             <m:t>𝑏</m:t>
@@ -11688,7 +15064,7 @@
                         </m:e>
                         <m:sub>
                           <m:r>
-                            <a:rPr lang="en-ZA" b="0" i="1" smtClean="0">
+                            <a:rPr lang="en-ZA" i="1">
                               <a:latin typeface="Cambria Math" panose="02040503050406030204" pitchFamily="18" charset="0"/>
                             </a:rPr>
                             <m:t>𝑢𝑖</m:t>
@@ -11696,13 +15072,13 @@
                         </m:sub>
                       </m:sSub>
                       <m:r>
-                        <a:rPr lang="en-ZA" b="0" i="1" smtClean="0">
+                        <a:rPr lang="en-ZA" i="1">
                           <a:latin typeface="Cambria Math" panose="02040503050406030204" pitchFamily="18" charset="0"/>
                         </a:rPr>
                         <m:t>+ </m:t>
                       </m:r>
                       <m:r>
-                        <a:rPr lang="en-GB" i="1" dirty="0" smtClean="0">
+                        <a:rPr lang="en-GB" i="1" dirty="0">
                           <a:latin typeface="Cambria Math" panose="02040503050406030204" pitchFamily="18" charset="0"/>
                         </a:rPr>
                         <m:t>𝜇</m:t>
@@ -11732,7 +15108,7 @@
             </p:nvSpPr>
             <p:spPr>
               <a:xfrm>
-                <a:off x="8561151" y="4345041"/>
+                <a:off x="8561151" y="4345043"/>
                 <a:ext cx="1223668" cy="276999"/>
               </a:xfrm>
               <a:prstGeom prst="rect">
@@ -11750,7 +15126,7 @@
               <a:lstStyle/>
               <a:p>
                 <a:r>
-                  <a:rPr lang="en-GB">
+                  <a:rPr lang="en-NZ">
                     <a:noFill/>
                   </a:rPr>
                   <a:t> </a:t>
@@ -11773,7 +15149,7 @@
 </p:sld>
 </file>
 
-<file path=ppt/slides/slide4.xml><?xml version="1.0" encoding="utf-8"?>
+<file path=ppt/slides/slide5.xml><?xml version="1.0" encoding="utf-8"?>
 <p:sld xmlns:a="http://schemas.openxmlformats.org/drawingml/2006/main" xmlns:r="http://schemas.openxmlformats.org/officeDocument/2006/relationships" xmlns:p="http://schemas.openxmlformats.org/presentationml/2006/main" show="0">
   <p:cSld>
     <p:spTree>
@@ -11804,7 +15180,7 @@
         </p:nvSpPr>
         <p:spPr>
           <a:xfrm>
-            <a:off x="1476601" y="2103520"/>
+            <a:off x="1476602" y="2103520"/>
             <a:ext cx="1264227" cy="2650960"/>
           </a:xfrm>
           <a:prstGeom prst="roundRect">
@@ -11856,7 +15232,7 @@
         </p:nvSpPr>
         <p:spPr>
           <a:xfrm>
-            <a:off x="7435519" y="332879"/>
+            <a:off x="7435521" y="332881"/>
             <a:ext cx="2839451" cy="2650959"/>
           </a:xfrm>
           <a:prstGeom prst="roundRect">
@@ -11915,7 +15291,7 @@
         </p:nvSpPr>
         <p:spPr>
           <a:xfrm>
-            <a:off x="7395416" y="3874174"/>
+            <a:off x="7395418" y="3874176"/>
             <a:ext cx="2839451" cy="2650959"/>
           </a:xfrm>
           <a:prstGeom prst="roundRect">
@@ -12114,7 +15490,7 @@
         </p:nvCxnSpPr>
         <p:spPr>
           <a:xfrm flipV="1">
-            <a:off x="2943726" y="1658359"/>
+            <a:off x="2943726" y="1658361"/>
             <a:ext cx="2646948" cy="1500647"/>
           </a:xfrm>
           <a:prstGeom prst="straightConnector1">
@@ -12158,7 +15534,7 @@
         </p:nvCxnSpPr>
         <p:spPr>
           <a:xfrm>
-            <a:off x="2943726" y="3699005"/>
+            <a:off x="2943726" y="3699007"/>
             <a:ext cx="2646948" cy="1500647"/>
           </a:xfrm>
           <a:prstGeom prst="straightConnector1">
@@ -12200,7 +15576,7 @@
         </p:nvSpPr>
         <p:spPr>
           <a:xfrm>
-            <a:off x="1398849" y="1234609"/>
+            <a:off x="1398849" y="1234611"/>
             <a:ext cx="1419726" cy="646331"/>
           </a:xfrm>
           <a:prstGeom prst="rect">
@@ -12236,7 +15612,7 @@
         </p:nvSpPr>
         <p:spPr>
           <a:xfrm>
-            <a:off x="3525641" y="1019022"/>
+            <a:off x="3525643" y="1019022"/>
             <a:ext cx="1991639" cy="738664"/>
           </a:xfrm>
           <a:prstGeom prst="rect">
@@ -12306,7 +15682,7 @@
         </p:nvSpPr>
         <p:spPr>
           <a:xfrm>
-            <a:off x="5673306" y="1473686"/>
+            <a:off x="5673308" y="1473686"/>
             <a:ext cx="1679585" cy="369332"/>
           </a:xfrm>
           <a:prstGeom prst="rect">
@@ -12350,7 +15726,7 @@
         </p:nvSpPr>
         <p:spPr>
           <a:xfrm>
-            <a:off x="5653255" y="5014980"/>
+            <a:off x="5653257" y="5014980"/>
             <a:ext cx="1679585" cy="369332"/>
           </a:xfrm>
           <a:prstGeom prst="rect">
@@ -12462,7 +15838,7 @@
         </p:nvSpPr>
         <p:spPr>
           <a:xfrm>
-            <a:off x="6147343" y="865139"/>
+            <a:off x="6147345" y="865141"/>
             <a:ext cx="731509" cy="307777"/>
           </a:xfrm>
           <a:prstGeom prst="rect">
@@ -12498,7 +15874,7 @@
         </p:nvSpPr>
         <p:spPr>
           <a:xfrm>
-            <a:off x="6127292" y="4600597"/>
+            <a:off x="6127294" y="4600599"/>
             <a:ext cx="731509" cy="307777"/>
           </a:xfrm>
           <a:prstGeom prst="rect">
@@ -12534,7 +15910,7 @@
         </p:nvSpPr>
         <p:spPr>
           <a:xfrm>
-            <a:off x="10632322" y="865139"/>
+            <a:off x="10632324" y="865141"/>
             <a:ext cx="781643" cy="307777"/>
           </a:xfrm>
           <a:prstGeom prst="rect">
@@ -12570,7 +15946,7 @@
         </p:nvSpPr>
         <p:spPr>
           <a:xfrm>
-            <a:off x="10607255" y="4602433"/>
+            <a:off x="10607257" y="4602435"/>
             <a:ext cx="781643" cy="307777"/>
           </a:xfrm>
           <a:prstGeom prst="rect">
@@ -12605,8 +15981,8 @@
 </p:sld>
 </file>
 
-<file path=ppt/slides/slide5.xml><?xml version="1.0" encoding="utf-8"?>
-<p:sld xmlns:a="http://schemas.openxmlformats.org/drawingml/2006/main" xmlns:r="http://schemas.openxmlformats.org/officeDocument/2006/relationships" xmlns:p="http://schemas.openxmlformats.org/presentationml/2006/main" show="0">
+<file path=ppt/slides/slide6.xml><?xml version="1.0" encoding="utf-8"?>
+<p:sld xmlns:a="http://schemas.openxmlformats.org/drawingml/2006/main" xmlns:r="http://schemas.openxmlformats.org/officeDocument/2006/relationships" xmlns:p="http://schemas.openxmlformats.org/presentationml/2006/main">
   <p:cSld>
     <p:spTree>
       <p:nvGrpSpPr>
@@ -12662,6 +16038,12 @@
             <a:prstGeom prst="flowChartConnector">
               <a:avLst/>
             </a:prstGeom>
+            <a:solidFill>
+              <a:schemeClr val="accent2">
+                <a:lumMod val="60000"/>
+                <a:lumOff val="40000"/>
+              </a:schemeClr>
+            </a:solidFill>
           </p:spPr>
           <p:style>
             <a:lnRef idx="2">
@@ -12708,6 +16090,12 @@
             <a:prstGeom prst="flowChartConnector">
               <a:avLst/>
             </a:prstGeom>
+            <a:solidFill>
+              <a:schemeClr val="accent2">
+                <a:lumMod val="60000"/>
+                <a:lumOff val="40000"/>
+              </a:schemeClr>
+            </a:solidFill>
           </p:spPr>
           <p:style>
             <a:lnRef idx="2">
@@ -12754,6 +16142,12 @@
             <a:prstGeom prst="flowChartConnector">
               <a:avLst/>
             </a:prstGeom>
+            <a:solidFill>
+              <a:schemeClr val="accent2">
+                <a:lumMod val="60000"/>
+                <a:lumOff val="40000"/>
+              </a:schemeClr>
+            </a:solidFill>
           </p:spPr>
           <p:style>
             <a:lnRef idx="2">
@@ -12800,6 +16194,12 @@
             <a:prstGeom prst="flowChartConnector">
               <a:avLst/>
             </a:prstGeom>
+            <a:solidFill>
+              <a:schemeClr val="accent2">
+                <a:lumMod val="60000"/>
+                <a:lumOff val="40000"/>
+              </a:schemeClr>
+            </a:solidFill>
           </p:spPr>
           <p:style>
             <a:lnRef idx="2">
@@ -12846,6 +16246,12 @@
             <a:prstGeom prst="flowChartConnector">
               <a:avLst/>
             </a:prstGeom>
+            <a:solidFill>
+              <a:schemeClr val="accent1">
+                <a:lumMod val="60000"/>
+                <a:lumOff val="40000"/>
+              </a:schemeClr>
+            </a:solidFill>
           </p:spPr>
           <p:style>
             <a:lnRef idx="2">
@@ -12892,6 +16298,12 @@
             <a:prstGeom prst="flowChartConnector">
               <a:avLst/>
             </a:prstGeom>
+            <a:solidFill>
+              <a:schemeClr val="accent1">
+                <a:lumMod val="60000"/>
+                <a:lumOff val="40000"/>
+              </a:schemeClr>
+            </a:solidFill>
           </p:spPr>
           <p:style>
             <a:lnRef idx="2">
@@ -12938,6 +16350,12 @@
             <a:prstGeom prst="flowChartConnector">
               <a:avLst/>
             </a:prstGeom>
+            <a:solidFill>
+              <a:schemeClr val="accent1">
+                <a:lumMod val="60000"/>
+                <a:lumOff val="40000"/>
+              </a:schemeClr>
+            </a:solidFill>
           </p:spPr>
           <p:style>
             <a:lnRef idx="2">
@@ -12984,6 +16402,12 @@
             <a:prstGeom prst="flowChartConnector">
               <a:avLst/>
             </a:prstGeom>
+            <a:solidFill>
+              <a:schemeClr val="accent1">
+                <a:lumMod val="60000"/>
+                <a:lumOff val="40000"/>
+              </a:schemeClr>
+            </a:solidFill>
           </p:spPr>
           <p:style>
             <a:lnRef idx="2">
@@ -13306,6 +16730,12 @@
             <a:prstGeom prst="flowChartConnector">
               <a:avLst/>
             </a:prstGeom>
+            <a:solidFill>
+              <a:schemeClr val="accent6">
+                <a:lumMod val="60000"/>
+                <a:lumOff val="40000"/>
+              </a:schemeClr>
+            </a:solidFill>
           </p:spPr>
           <p:style>
             <a:lnRef idx="2">
@@ -14312,6 +17742,12 @@
             <a:prstGeom prst="roundRect">
               <a:avLst/>
             </a:prstGeom>
+            <a:solidFill>
+              <a:schemeClr val="accent1">
+                <a:lumMod val="60000"/>
+                <a:lumOff val="40000"/>
+              </a:schemeClr>
+            </a:solidFill>
           </p:spPr>
           <p:style>
             <a:lnRef idx="2">
@@ -14362,6 +17798,12 @@
             <a:prstGeom prst="roundRect">
               <a:avLst/>
             </a:prstGeom>
+            <a:solidFill>
+              <a:schemeClr val="accent2">
+                <a:lumMod val="60000"/>
+                <a:lumOff val="40000"/>
+              </a:schemeClr>
+            </a:solidFill>
           </p:spPr>
           <p:style>
             <a:lnRef idx="2">
@@ -15613,6 +19055,12 @@
           <a:prstGeom prst="flowChartConnector">
             <a:avLst/>
           </a:prstGeom>
+          <a:solidFill>
+            <a:schemeClr val="accent1">
+              <a:lumMod val="60000"/>
+              <a:lumOff val="40000"/>
+            </a:schemeClr>
+          </a:solidFill>
         </p:spPr>
         <p:style>
           <a:lnRef idx="2">
@@ -15659,6 +19107,12 @@
           <a:prstGeom prst="flowChartConnector">
             <a:avLst/>
           </a:prstGeom>
+          <a:solidFill>
+            <a:schemeClr val="accent1">
+              <a:lumMod val="60000"/>
+              <a:lumOff val="40000"/>
+            </a:schemeClr>
+          </a:solidFill>
         </p:spPr>
         <p:style>
           <a:lnRef idx="2">
@@ -15705,6 +19159,12 @@
           <a:prstGeom prst="flowChartConnector">
             <a:avLst/>
           </a:prstGeom>
+          <a:solidFill>
+            <a:schemeClr val="accent1">
+              <a:lumMod val="60000"/>
+              <a:lumOff val="40000"/>
+            </a:schemeClr>
+          </a:solidFill>
         </p:spPr>
         <p:style>
           <a:lnRef idx="2">
@@ -15751,6 +19211,12 @@
           <a:prstGeom prst="flowChartConnector">
             <a:avLst/>
           </a:prstGeom>
+          <a:solidFill>
+            <a:schemeClr val="accent1">
+              <a:lumMod val="60000"/>
+              <a:lumOff val="40000"/>
+            </a:schemeClr>
+          </a:solidFill>
         </p:spPr>
         <p:style>
           <a:lnRef idx="2">
@@ -15791,12 +19257,18 @@
         </p:nvSpPr>
         <p:spPr>
           <a:xfrm>
-            <a:off x="8925027" y="3908980"/>
+            <a:off x="8925029" y="3908982"/>
             <a:ext cx="1259181" cy="539999"/>
           </a:xfrm>
           <a:prstGeom prst="roundRect">
             <a:avLst/>
           </a:prstGeom>
+          <a:solidFill>
+            <a:schemeClr val="accent1">
+              <a:lumMod val="60000"/>
+              <a:lumOff val="40000"/>
+            </a:schemeClr>
+          </a:solidFill>
         </p:spPr>
         <p:style>
           <a:lnRef idx="2">
@@ -16031,6 +19503,12 @@
           <a:prstGeom prst="flowChartConnector">
             <a:avLst/>
           </a:prstGeom>
+          <a:solidFill>
+            <a:schemeClr val="accent6">
+              <a:lumMod val="60000"/>
+              <a:lumOff val="40000"/>
+            </a:schemeClr>
+          </a:solidFill>
         </p:spPr>
         <p:style>
           <a:lnRef idx="2">
@@ -16077,6 +19555,12 @@
           <a:prstGeom prst="flowChartConnector">
             <a:avLst/>
           </a:prstGeom>
+          <a:solidFill>
+            <a:schemeClr val="accent6">
+              <a:lumMod val="60000"/>
+              <a:lumOff val="40000"/>
+            </a:schemeClr>
+          </a:solidFill>
         </p:spPr>
         <p:style>
           <a:lnRef idx="2">
@@ -16123,6 +19607,12 @@
           <a:prstGeom prst="flowChartConnector">
             <a:avLst/>
           </a:prstGeom>
+          <a:solidFill>
+            <a:schemeClr val="accent6">
+              <a:lumMod val="60000"/>
+              <a:lumOff val="40000"/>
+            </a:schemeClr>
+          </a:solidFill>
         </p:spPr>
         <p:style>
           <a:lnRef idx="2">
@@ -16169,6 +19659,12 @@
           <a:prstGeom prst="flowChartConnector">
             <a:avLst/>
           </a:prstGeom>
+          <a:solidFill>
+            <a:schemeClr val="accent6">
+              <a:lumMod val="60000"/>
+              <a:lumOff val="40000"/>
+            </a:schemeClr>
+          </a:solidFill>
         </p:spPr>
         <p:style>
           <a:lnRef idx="2">
@@ -16209,12 +19705,18 @@
         </p:nvSpPr>
         <p:spPr>
           <a:xfrm>
-            <a:off x="8925027" y="1205888"/>
+            <a:off x="8925029" y="1205890"/>
             <a:ext cx="1259181" cy="539999"/>
           </a:xfrm>
           <a:prstGeom prst="roundRect">
             <a:avLst/>
           </a:prstGeom>
+          <a:solidFill>
+            <a:schemeClr val="accent6">
+              <a:lumMod val="60000"/>
+              <a:lumOff val="40000"/>
+            </a:schemeClr>
+          </a:solidFill>
         </p:spPr>
         <p:style>
           <a:lnRef idx="2">
@@ -16263,7 +19765,7 @@
         </p:nvCxnSpPr>
         <p:spPr>
           <a:xfrm flipH="1" flipV="1">
-            <a:off x="7300830" y="1745882"/>
+            <a:off x="7300832" y="1745882"/>
             <a:ext cx="630947" cy="811546"/>
           </a:xfrm>
           <a:prstGeom prst="line">
@@ -16343,7 +19845,7 @@
         </p:nvCxnSpPr>
         <p:spPr>
           <a:xfrm flipH="1" flipV="1">
-            <a:off x="7300830" y="1745882"/>
+            <a:off x="7300832" y="1745882"/>
             <a:ext cx="1892841" cy="811546"/>
           </a:xfrm>
           <a:prstGeom prst="line">
@@ -16463,7 +19965,7 @@
         </p:nvCxnSpPr>
         <p:spPr>
           <a:xfrm flipH="1" flipV="1">
-            <a:off x="7931777" y="1745882"/>
+            <a:off x="7931779" y="1745882"/>
             <a:ext cx="630947" cy="811546"/>
           </a:xfrm>
           <a:prstGeom prst="line">
@@ -16543,7 +20045,7 @@
         </p:nvCxnSpPr>
         <p:spPr>
           <a:xfrm flipH="1" flipV="1">
-            <a:off x="7931777" y="1745882"/>
+            <a:off x="7931779" y="1745882"/>
             <a:ext cx="1892841" cy="811546"/>
           </a:xfrm>
           <a:prstGeom prst="line">
@@ -16583,7 +20085,7 @@
         </p:nvCxnSpPr>
         <p:spPr>
           <a:xfrm flipV="1">
-            <a:off x="7931777" y="1745882"/>
+            <a:off x="7931779" y="1745882"/>
             <a:ext cx="630947" cy="811546"/>
           </a:xfrm>
           <a:prstGeom prst="line">
@@ -16663,7 +20165,7 @@
         </p:nvCxnSpPr>
         <p:spPr>
           <a:xfrm flipH="1" flipV="1">
-            <a:off x="8562724" y="1745882"/>
+            <a:off x="8562726" y="1745882"/>
             <a:ext cx="630947" cy="811546"/>
           </a:xfrm>
           <a:prstGeom prst="line">
@@ -16783,7 +20285,7 @@
         </p:nvCxnSpPr>
         <p:spPr>
           <a:xfrm flipV="1">
-            <a:off x="8562724" y="1745882"/>
+            <a:off x="8562726" y="1745882"/>
             <a:ext cx="1983787" cy="811546"/>
           </a:xfrm>
           <a:prstGeom prst="line">
@@ -16863,7 +20365,7 @@
         </p:nvCxnSpPr>
         <p:spPr>
           <a:xfrm flipV="1">
-            <a:off x="9824618" y="1745882"/>
+            <a:off x="9824620" y="1745882"/>
             <a:ext cx="721893" cy="811546"/>
           </a:xfrm>
           <a:prstGeom prst="line">
@@ -16903,7 +20405,7 @@
         </p:nvCxnSpPr>
         <p:spPr>
           <a:xfrm flipH="1">
-            <a:off x="7300830" y="3097428"/>
+            <a:off x="7300832" y="3097428"/>
             <a:ext cx="630947" cy="811546"/>
           </a:xfrm>
           <a:prstGeom prst="line">
@@ -16983,7 +20485,7 @@
         </p:nvCxnSpPr>
         <p:spPr>
           <a:xfrm flipH="1">
-            <a:off x="7300830" y="3097428"/>
+            <a:off x="7300832" y="3097428"/>
             <a:ext cx="1892841" cy="811546"/>
           </a:xfrm>
           <a:prstGeom prst="line">
@@ -17143,7 +20645,7 @@
         </p:nvCxnSpPr>
         <p:spPr>
           <a:xfrm flipH="1">
-            <a:off x="7931777" y="3097428"/>
+            <a:off x="7931779" y="3097428"/>
             <a:ext cx="630947" cy="811546"/>
           </a:xfrm>
           <a:prstGeom prst="line">
@@ -17183,7 +20685,7 @@
         </p:nvCxnSpPr>
         <p:spPr>
           <a:xfrm flipH="1">
-            <a:off x="7931777" y="3097428"/>
+            <a:off x="7931779" y="3097428"/>
             <a:ext cx="1892841" cy="811546"/>
           </a:xfrm>
           <a:prstGeom prst="line">
@@ -17223,7 +20725,7 @@
         </p:nvCxnSpPr>
         <p:spPr>
           <a:xfrm>
-            <a:off x="7931777" y="3097428"/>
+            <a:off x="7931779" y="3097428"/>
             <a:ext cx="630947" cy="811546"/>
           </a:xfrm>
           <a:prstGeom prst="line">
@@ -17303,7 +20805,7 @@
         </p:nvCxnSpPr>
         <p:spPr>
           <a:xfrm flipH="1">
-            <a:off x="8562724" y="3097428"/>
+            <a:off x="8562726" y="3097428"/>
             <a:ext cx="630947" cy="811546"/>
           </a:xfrm>
           <a:prstGeom prst="line">
@@ -17423,7 +20925,7 @@
         </p:nvCxnSpPr>
         <p:spPr>
           <a:xfrm flipH="1" flipV="1">
-            <a:off x="8562724" y="3097428"/>
+            <a:off x="8562726" y="3097428"/>
             <a:ext cx="1983787" cy="811546"/>
           </a:xfrm>
           <a:prstGeom prst="line">
@@ -17503,7 +21005,7 @@
         </p:nvCxnSpPr>
         <p:spPr>
           <a:xfrm flipH="1" flipV="1">
-            <a:off x="9824618" y="3097428"/>
+            <a:off x="9824620" y="3097428"/>
             <a:ext cx="721893" cy="811546"/>
           </a:xfrm>
           <a:prstGeom prst="line">
@@ -17539,7 +21041,7 @@
         </p:nvSpPr>
         <p:spPr>
           <a:xfrm>
-            <a:off x="2845840" y="5558589"/>
+            <a:off x="2845842" y="5558589"/>
             <a:ext cx="2006121" cy="555518"/>
           </a:xfrm>
           <a:prstGeom prst="rect">
@@ -17593,7 +21095,7 @@
         </p:nvCxnSpPr>
         <p:spPr>
           <a:xfrm flipV="1">
-            <a:off x="4922217" y="4681063"/>
+            <a:off x="4922219" y="4681065"/>
             <a:ext cx="2090985" cy="1017943"/>
           </a:xfrm>
           <a:prstGeom prst="straightConnector1">
@@ -17635,7 +21137,7 @@
         </p:nvSpPr>
         <p:spPr>
           <a:xfrm>
-            <a:off x="8338197" y="4720526"/>
+            <a:off x="8338199" y="4720528"/>
             <a:ext cx="1170947" cy="442575"/>
           </a:xfrm>
           <a:prstGeom prst="rect">
@@ -17691,7 +21193,7 @@
         </p:nvSpPr>
         <p:spPr>
           <a:xfrm>
-            <a:off x="8338196" y="444600"/>
+            <a:off x="8338198" y="444602"/>
             <a:ext cx="1170947" cy="442575"/>
           </a:xfrm>
           <a:prstGeom prst="rect">
@@ -17747,7 +21249,7 @@
         </p:nvSpPr>
         <p:spPr>
           <a:xfrm>
-            <a:off x="6079185" y="5489440"/>
+            <a:off x="6079187" y="5489442"/>
             <a:ext cx="2477591" cy="830997"/>
           </a:xfrm>
           <a:prstGeom prst="rect">
@@ -17789,7 +21291,7 @@
         </p:nvSpPr>
         <p:spPr>
           <a:xfrm>
-            <a:off x="1332410" y="3024473"/>
+            <a:off x="1332411" y="3024475"/>
             <a:ext cx="2560083" cy="584775"/>
           </a:xfrm>
           <a:prstGeom prst="rect">

--- a/figures/drawing-board.pptx
+++ b/figures/drawing-board.pptx
@@ -2,7 +2,7 @@
 <file path=ppt/presentation.xml><?xml version="1.0" encoding="utf-8"?>
 <p:presentation xmlns:a="http://schemas.openxmlformats.org/drawingml/2006/main" xmlns:r="http://schemas.openxmlformats.org/officeDocument/2006/relationships" xmlns:p="http://schemas.openxmlformats.org/presentationml/2006/main" saveSubsetFonts="1">
   <p:sldMasterIdLst>
-    <p:sldMasterId id="2147483720" r:id="rId1"/>
+    <p:sldMasterId id="2147483732" r:id="rId1"/>
   </p:sldMasterIdLst>
   <p:sldIdLst>
     <p:sldId id="258" r:id="rId2"/>
@@ -11,8 +11,9 @@
     <p:sldId id="261" r:id="rId5"/>
     <p:sldId id="259" r:id="rId6"/>
     <p:sldId id="257" r:id="rId7"/>
+    <p:sldId id="263" r:id="rId8"/>
   </p:sldIdLst>
-  <p:sldSz cx="12192000" cy="6858000"/>
+  <p:sldSz cx="9144000" cy="6858000" type="screen4x3"/>
   <p:notesSz cx="6858000" cy="9144000"/>
   <p:defaultTextStyle>
     <a:defPPr>
@@ -117,7 +118,7 @@
             <a:srgbClr val="A4A3A4"/>
           </p15:clr>
         </p15:guide>
-        <p15:guide id="2" pos="3885" userDrawn="1">
+        <p15:guide id="2" pos="2914" userDrawn="1">
           <p15:clr>
             <a:srgbClr val="A4A3A4"/>
           </p15:clr>
@@ -157,8 +158,8 @@
         </p:nvSpPr>
         <p:spPr>
           <a:xfrm>
-            <a:off x="1524000" y="1122363"/>
-            <a:ext cx="9144000" cy="2387600"/>
+            <a:off x="685800" y="1122363"/>
+            <a:ext cx="7772400" cy="2387600"/>
           </a:xfrm>
         </p:spPr>
         <p:txBody>
@@ -189,8 +190,8 @@
         </p:nvSpPr>
         <p:spPr>
           <a:xfrm>
-            <a:off x="1524000" y="3602038"/>
-            <a:ext cx="9144000" cy="1655762"/>
+            <a:off x="1143000" y="3602038"/>
+            <a:ext cx="6858000" cy="1655762"/>
           </a:xfrm>
         </p:spPr>
         <p:txBody>
@@ -259,7 +260,7 @@
           <a:p>
             <a:fld id="{7FCAF9BE-84FA-4DCA-8252-942D07F2383A}" type="datetimeFigureOut">
               <a:rPr lang="en-NZ" smtClean="0"/>
-              <a:t>9/09/2019</a:t>
+              <a:t>12/09/2019</a:t>
             </a:fld>
             <a:endParaRPr lang="en-NZ"/>
           </a:p>
@@ -310,7 +311,7 @@
     </p:spTree>
     <p:extLst>
       <p:ext uri="{BB962C8B-B14F-4D97-AF65-F5344CB8AC3E}">
-        <p14:creationId xmlns:p14="http://schemas.microsoft.com/office/powerpoint/2010/main" val="354541146"/>
+        <p14:creationId xmlns:p14="http://schemas.microsoft.com/office/powerpoint/2010/main" val="1696168851"/>
       </p:ext>
     </p:extLst>
   </p:cSld>
@@ -429,7 +430,7 @@
           <a:p>
             <a:fld id="{7FCAF9BE-84FA-4DCA-8252-942D07F2383A}" type="datetimeFigureOut">
               <a:rPr lang="en-NZ" smtClean="0"/>
-              <a:t>9/09/2019</a:t>
+              <a:t>12/09/2019</a:t>
             </a:fld>
             <a:endParaRPr lang="en-NZ"/>
           </a:p>
@@ -480,7 +481,7 @@
     </p:spTree>
     <p:extLst>
       <p:ext uri="{BB962C8B-B14F-4D97-AF65-F5344CB8AC3E}">
-        <p14:creationId xmlns:p14="http://schemas.microsoft.com/office/powerpoint/2010/main" val="944312351"/>
+        <p14:creationId xmlns:p14="http://schemas.microsoft.com/office/powerpoint/2010/main" val="2059505777"/>
       </p:ext>
     </p:extLst>
   </p:cSld>
@@ -519,8 +520,8 @@
         </p:nvSpPr>
         <p:spPr>
           <a:xfrm>
-            <a:off x="8724900" y="365125"/>
-            <a:ext cx="2628900" cy="5811838"/>
+            <a:off x="6543675" y="365125"/>
+            <a:ext cx="1971675" cy="5811838"/>
           </a:xfrm>
         </p:spPr>
         <p:txBody>
@@ -547,8 +548,8 @@
         </p:nvSpPr>
         <p:spPr>
           <a:xfrm>
-            <a:off x="838200" y="365125"/>
-            <a:ext cx="7734300" cy="5811838"/>
+            <a:off x="628650" y="365125"/>
+            <a:ext cx="5800725" cy="5811838"/>
           </a:xfrm>
         </p:spPr>
         <p:txBody>
@@ -609,7 +610,7 @@
           <a:p>
             <a:fld id="{7FCAF9BE-84FA-4DCA-8252-942D07F2383A}" type="datetimeFigureOut">
               <a:rPr lang="en-NZ" smtClean="0"/>
-              <a:t>9/09/2019</a:t>
+              <a:t>12/09/2019</a:t>
             </a:fld>
             <a:endParaRPr lang="en-NZ"/>
           </a:p>
@@ -660,7 +661,7 @@
     </p:spTree>
     <p:extLst>
       <p:ext uri="{BB962C8B-B14F-4D97-AF65-F5344CB8AC3E}">
-        <p14:creationId xmlns:p14="http://schemas.microsoft.com/office/powerpoint/2010/main" val="3620296674"/>
+        <p14:creationId xmlns:p14="http://schemas.microsoft.com/office/powerpoint/2010/main" val="2154194452"/>
       </p:ext>
     </p:extLst>
   </p:cSld>
@@ -779,7 +780,7 @@
           <a:p>
             <a:fld id="{7FCAF9BE-84FA-4DCA-8252-942D07F2383A}" type="datetimeFigureOut">
               <a:rPr lang="en-NZ" smtClean="0"/>
-              <a:t>9/09/2019</a:t>
+              <a:t>12/09/2019</a:t>
             </a:fld>
             <a:endParaRPr lang="en-NZ"/>
           </a:p>
@@ -830,7 +831,7 @@
     </p:spTree>
     <p:extLst>
       <p:ext uri="{BB962C8B-B14F-4D97-AF65-F5344CB8AC3E}">
-        <p14:creationId xmlns:p14="http://schemas.microsoft.com/office/powerpoint/2010/main" val="3744134600"/>
+        <p14:creationId xmlns:p14="http://schemas.microsoft.com/office/powerpoint/2010/main" val="3053587209"/>
       </p:ext>
     </p:extLst>
   </p:cSld>
@@ -869,8 +870,8 @@
         </p:nvSpPr>
         <p:spPr>
           <a:xfrm>
-            <a:off x="831850" y="1709738"/>
-            <a:ext cx="10515600" cy="2852737"/>
+            <a:off x="623888" y="1709739"/>
+            <a:ext cx="7886700" cy="2852737"/>
           </a:xfrm>
         </p:spPr>
         <p:txBody>
@@ -901,8 +902,8 @@
         </p:nvSpPr>
         <p:spPr>
           <a:xfrm>
-            <a:off x="831850" y="4589463"/>
-            <a:ext cx="10515600" cy="1500187"/>
+            <a:off x="623888" y="4589464"/>
+            <a:ext cx="7886700" cy="1500187"/>
           </a:xfrm>
         </p:spPr>
         <p:txBody>
@@ -912,9 +913,7 @@
               <a:buNone/>
               <a:defRPr sz="2400">
                 <a:solidFill>
-                  <a:schemeClr val="tx1">
-                    <a:tint val="75000"/>
-                  </a:schemeClr>
+                  <a:schemeClr val="tx1"/>
                 </a:solidFill>
               </a:defRPr>
             </a:lvl1pPr>
@@ -1025,7 +1024,7 @@
           <a:p>
             <a:fld id="{7FCAF9BE-84FA-4DCA-8252-942D07F2383A}" type="datetimeFigureOut">
               <a:rPr lang="en-NZ" smtClean="0"/>
-              <a:t>9/09/2019</a:t>
+              <a:t>12/09/2019</a:t>
             </a:fld>
             <a:endParaRPr lang="en-NZ"/>
           </a:p>
@@ -1076,7 +1075,7 @@
     </p:spTree>
     <p:extLst>
       <p:ext uri="{BB962C8B-B14F-4D97-AF65-F5344CB8AC3E}">
-        <p14:creationId xmlns:p14="http://schemas.microsoft.com/office/powerpoint/2010/main" val="3619879486"/>
+        <p14:creationId xmlns:p14="http://schemas.microsoft.com/office/powerpoint/2010/main" val="2596826148"/>
       </p:ext>
     </p:extLst>
   </p:cSld>
@@ -1138,8 +1137,8 @@
         </p:nvSpPr>
         <p:spPr>
           <a:xfrm>
-            <a:off x="838200" y="1825625"/>
-            <a:ext cx="5181600" cy="4351338"/>
+            <a:off x="628650" y="1825625"/>
+            <a:ext cx="3886200" cy="4351338"/>
           </a:xfrm>
         </p:spPr>
         <p:txBody>
@@ -1195,8 +1194,8 @@
         </p:nvSpPr>
         <p:spPr>
           <a:xfrm>
-            <a:off x="6172200" y="1825625"/>
-            <a:ext cx="5181600" cy="4351338"/>
+            <a:off x="4629150" y="1825625"/>
+            <a:ext cx="3886200" cy="4351338"/>
           </a:xfrm>
         </p:spPr>
         <p:txBody>
@@ -1257,7 +1256,7 @@
           <a:p>
             <a:fld id="{7FCAF9BE-84FA-4DCA-8252-942D07F2383A}" type="datetimeFigureOut">
               <a:rPr lang="en-NZ" smtClean="0"/>
-              <a:t>9/09/2019</a:t>
+              <a:t>12/09/2019</a:t>
             </a:fld>
             <a:endParaRPr lang="en-NZ"/>
           </a:p>
@@ -1308,7 +1307,7 @@
     </p:spTree>
     <p:extLst>
       <p:ext uri="{BB962C8B-B14F-4D97-AF65-F5344CB8AC3E}">
-        <p14:creationId xmlns:p14="http://schemas.microsoft.com/office/powerpoint/2010/main" val="2918286135"/>
+        <p14:creationId xmlns:p14="http://schemas.microsoft.com/office/powerpoint/2010/main" val="3018805379"/>
       </p:ext>
     </p:extLst>
   </p:cSld>
@@ -1347,8 +1346,8 @@
         </p:nvSpPr>
         <p:spPr>
           <a:xfrm>
-            <a:off x="839788" y="365125"/>
-            <a:ext cx="10515600" cy="1325563"/>
+            <a:off x="629841" y="365126"/>
+            <a:ext cx="7886700" cy="1325563"/>
           </a:xfrm>
         </p:spPr>
         <p:txBody>
@@ -1375,8 +1374,8 @@
         </p:nvSpPr>
         <p:spPr>
           <a:xfrm>
-            <a:off x="839788" y="1681163"/>
-            <a:ext cx="5157787" cy="823912"/>
+            <a:off x="629842" y="1681163"/>
+            <a:ext cx="3868340" cy="823912"/>
           </a:xfrm>
         </p:spPr>
         <p:txBody>
@@ -1440,8 +1439,8 @@
         </p:nvSpPr>
         <p:spPr>
           <a:xfrm>
-            <a:off x="839788" y="2505075"/>
-            <a:ext cx="5157787" cy="3684588"/>
+            <a:off x="629842" y="2505075"/>
+            <a:ext cx="3868340" cy="3684588"/>
           </a:xfrm>
         </p:spPr>
         <p:txBody>
@@ -1497,8 +1496,8 @@
         </p:nvSpPr>
         <p:spPr>
           <a:xfrm>
-            <a:off x="6172200" y="1681163"/>
-            <a:ext cx="5183188" cy="823912"/>
+            <a:off x="4629150" y="1681163"/>
+            <a:ext cx="3887391" cy="823912"/>
           </a:xfrm>
         </p:spPr>
         <p:txBody>
@@ -1562,8 +1561,8 @@
         </p:nvSpPr>
         <p:spPr>
           <a:xfrm>
-            <a:off x="6172200" y="2505075"/>
-            <a:ext cx="5183188" cy="3684588"/>
+            <a:off x="4629150" y="2505075"/>
+            <a:ext cx="3887391" cy="3684588"/>
           </a:xfrm>
         </p:spPr>
         <p:txBody>
@@ -1624,7 +1623,7 @@
           <a:p>
             <a:fld id="{7FCAF9BE-84FA-4DCA-8252-942D07F2383A}" type="datetimeFigureOut">
               <a:rPr lang="en-NZ" smtClean="0"/>
-              <a:t>9/09/2019</a:t>
+              <a:t>12/09/2019</a:t>
             </a:fld>
             <a:endParaRPr lang="en-NZ"/>
           </a:p>
@@ -1675,7 +1674,7 @@
     </p:spTree>
     <p:extLst>
       <p:ext uri="{BB962C8B-B14F-4D97-AF65-F5344CB8AC3E}">
-        <p14:creationId xmlns:p14="http://schemas.microsoft.com/office/powerpoint/2010/main" val="3480016870"/>
+        <p14:creationId xmlns:p14="http://schemas.microsoft.com/office/powerpoint/2010/main" val="2912523362"/>
       </p:ext>
     </p:extLst>
   </p:cSld>
@@ -1742,7 +1741,7 @@
           <a:p>
             <a:fld id="{7FCAF9BE-84FA-4DCA-8252-942D07F2383A}" type="datetimeFigureOut">
               <a:rPr lang="en-NZ" smtClean="0"/>
-              <a:t>9/09/2019</a:t>
+              <a:t>12/09/2019</a:t>
             </a:fld>
             <a:endParaRPr lang="en-NZ"/>
           </a:p>
@@ -1793,7 +1792,7 @@
     </p:spTree>
     <p:extLst>
       <p:ext uri="{BB962C8B-B14F-4D97-AF65-F5344CB8AC3E}">
-        <p14:creationId xmlns:p14="http://schemas.microsoft.com/office/powerpoint/2010/main" val="1299956459"/>
+        <p14:creationId xmlns:p14="http://schemas.microsoft.com/office/powerpoint/2010/main" val="3860181864"/>
       </p:ext>
     </p:extLst>
   </p:cSld>
@@ -1837,7 +1836,7 @@
           <a:p>
             <a:fld id="{7FCAF9BE-84FA-4DCA-8252-942D07F2383A}" type="datetimeFigureOut">
               <a:rPr lang="en-NZ" smtClean="0"/>
-              <a:t>9/09/2019</a:t>
+              <a:t>12/09/2019</a:t>
             </a:fld>
             <a:endParaRPr lang="en-NZ"/>
           </a:p>
@@ -1888,7 +1887,7 @@
     </p:spTree>
     <p:extLst>
       <p:ext uri="{BB962C8B-B14F-4D97-AF65-F5344CB8AC3E}">
-        <p14:creationId xmlns:p14="http://schemas.microsoft.com/office/powerpoint/2010/main" val="94176666"/>
+        <p14:creationId xmlns:p14="http://schemas.microsoft.com/office/powerpoint/2010/main" val="4078141391"/>
       </p:ext>
     </p:extLst>
   </p:cSld>
@@ -1927,8 +1926,8 @@
         </p:nvSpPr>
         <p:spPr>
           <a:xfrm>
-            <a:off x="839788" y="457200"/>
-            <a:ext cx="3932237" cy="1600200"/>
+            <a:off x="629841" y="457200"/>
+            <a:ext cx="2949178" cy="1600200"/>
           </a:xfrm>
         </p:spPr>
         <p:txBody>
@@ -1959,8 +1958,8 @@
         </p:nvSpPr>
         <p:spPr>
           <a:xfrm>
-            <a:off x="5183188" y="987425"/>
-            <a:ext cx="6172200" cy="4873625"/>
+            <a:off x="3887391" y="987426"/>
+            <a:ext cx="4629150" cy="4873625"/>
           </a:xfrm>
         </p:spPr>
         <p:txBody>
@@ -2044,8 +2043,8 @@
         </p:nvSpPr>
         <p:spPr>
           <a:xfrm>
-            <a:off x="839788" y="2057400"/>
-            <a:ext cx="3932237" cy="3811588"/>
+            <a:off x="629841" y="2057400"/>
+            <a:ext cx="2949178" cy="3811588"/>
           </a:xfrm>
         </p:spPr>
         <p:txBody>
@@ -2114,7 +2113,7 @@
           <a:p>
             <a:fld id="{7FCAF9BE-84FA-4DCA-8252-942D07F2383A}" type="datetimeFigureOut">
               <a:rPr lang="en-NZ" smtClean="0"/>
-              <a:t>9/09/2019</a:t>
+              <a:t>12/09/2019</a:t>
             </a:fld>
             <a:endParaRPr lang="en-NZ"/>
           </a:p>
@@ -2165,7 +2164,7 @@
     </p:spTree>
     <p:extLst>
       <p:ext uri="{BB962C8B-B14F-4D97-AF65-F5344CB8AC3E}">
-        <p14:creationId xmlns:p14="http://schemas.microsoft.com/office/powerpoint/2010/main" val="497573765"/>
+        <p14:creationId xmlns:p14="http://schemas.microsoft.com/office/powerpoint/2010/main" val="2480269369"/>
       </p:ext>
     </p:extLst>
   </p:cSld>
@@ -2204,8 +2203,8 @@
         </p:nvSpPr>
         <p:spPr>
           <a:xfrm>
-            <a:off x="839788" y="457200"/>
-            <a:ext cx="3932237" cy="1600200"/>
+            <a:off x="629841" y="457200"/>
+            <a:ext cx="2949178" cy="1600200"/>
           </a:xfrm>
         </p:spPr>
         <p:txBody>
@@ -2236,8 +2235,8 @@
         </p:nvSpPr>
         <p:spPr>
           <a:xfrm>
-            <a:off x="5183188" y="987425"/>
-            <a:ext cx="6172200" cy="4873625"/>
+            <a:off x="3887391" y="987426"/>
+            <a:ext cx="4629150" cy="4873625"/>
           </a:xfrm>
         </p:spPr>
         <p:txBody>
@@ -2301,8 +2300,8 @@
         </p:nvSpPr>
         <p:spPr>
           <a:xfrm>
-            <a:off x="839788" y="2057400"/>
-            <a:ext cx="3932237" cy="3811588"/>
+            <a:off x="629841" y="2057400"/>
+            <a:ext cx="2949178" cy="3811588"/>
           </a:xfrm>
         </p:spPr>
         <p:txBody>
@@ -2371,7 +2370,7 @@
           <a:p>
             <a:fld id="{7FCAF9BE-84FA-4DCA-8252-942D07F2383A}" type="datetimeFigureOut">
               <a:rPr lang="en-NZ" smtClean="0"/>
-              <a:t>9/09/2019</a:t>
+              <a:t>12/09/2019</a:t>
             </a:fld>
             <a:endParaRPr lang="en-NZ"/>
           </a:p>
@@ -2422,7 +2421,7 @@
     </p:spTree>
     <p:extLst>
       <p:ext uri="{BB962C8B-B14F-4D97-AF65-F5344CB8AC3E}">
-        <p14:creationId xmlns:p14="http://schemas.microsoft.com/office/powerpoint/2010/main" val="2247359936"/>
+        <p14:creationId xmlns:p14="http://schemas.microsoft.com/office/powerpoint/2010/main" val="1504981592"/>
       </p:ext>
     </p:extLst>
   </p:cSld>
@@ -2466,8 +2465,8 @@
         </p:nvSpPr>
         <p:spPr>
           <a:xfrm>
-            <a:off x="838200" y="365125"/>
-            <a:ext cx="10515600" cy="1325563"/>
+            <a:off x="628650" y="365126"/>
+            <a:ext cx="7886700" cy="1325563"/>
           </a:xfrm>
           <a:prstGeom prst="rect">
             <a:avLst/>
@@ -2499,8 +2498,8 @@
         </p:nvSpPr>
         <p:spPr>
           <a:xfrm>
-            <a:off x="838200" y="1825625"/>
-            <a:ext cx="10515600" cy="4351338"/>
+            <a:off x="628650" y="1825625"/>
+            <a:ext cx="7886700" cy="4351338"/>
           </a:xfrm>
           <a:prstGeom prst="rect">
             <a:avLst/>
@@ -2561,8 +2560,8 @@
         </p:nvSpPr>
         <p:spPr>
           <a:xfrm>
-            <a:off x="838200" y="6356350"/>
-            <a:ext cx="2743200" cy="365125"/>
+            <a:off x="628650" y="6356351"/>
+            <a:ext cx="2057400" cy="365125"/>
           </a:xfrm>
           <a:prstGeom prst="rect">
             <a:avLst/>
@@ -2584,7 +2583,7 @@
           <a:p>
             <a:fld id="{7FCAF9BE-84FA-4DCA-8252-942D07F2383A}" type="datetimeFigureOut">
               <a:rPr lang="en-NZ" smtClean="0"/>
-              <a:t>9/09/2019</a:t>
+              <a:t>12/09/2019</a:t>
             </a:fld>
             <a:endParaRPr lang="en-NZ"/>
           </a:p>
@@ -2602,8 +2601,8 @@
         </p:nvSpPr>
         <p:spPr>
           <a:xfrm>
-            <a:off x="4038600" y="6356350"/>
-            <a:ext cx="4114800" cy="365125"/>
+            <a:off x="3028950" y="6356351"/>
+            <a:ext cx="3086100" cy="365125"/>
           </a:xfrm>
           <a:prstGeom prst="rect">
             <a:avLst/>
@@ -2639,8 +2638,8 @@
         </p:nvSpPr>
         <p:spPr>
           <a:xfrm>
-            <a:off x="8610600" y="6356350"/>
-            <a:ext cx="2743200" cy="365125"/>
+            <a:off x="6457950" y="6356351"/>
+            <a:ext cx="2057400" cy="365125"/>
           </a:xfrm>
           <a:prstGeom prst="rect">
             <a:avLst/>
@@ -2671,23 +2670,23 @@
     </p:spTree>
     <p:extLst>
       <p:ext uri="{BB962C8B-B14F-4D97-AF65-F5344CB8AC3E}">
-        <p14:creationId xmlns:p14="http://schemas.microsoft.com/office/powerpoint/2010/main" val="3419635749"/>
+        <p14:creationId xmlns:p14="http://schemas.microsoft.com/office/powerpoint/2010/main" val="314400765"/>
       </p:ext>
     </p:extLst>
   </p:cSld>
   <p:clrMap bg1="lt1" tx1="dk1" bg2="lt2" tx2="dk2" accent1="accent1" accent2="accent2" accent3="accent3" accent4="accent4" accent5="accent5" accent6="accent6" hlink="hlink" folHlink="folHlink"/>
   <p:sldLayoutIdLst>
-    <p:sldLayoutId id="2147483721" r:id="rId1"/>
-    <p:sldLayoutId id="2147483722" r:id="rId2"/>
-    <p:sldLayoutId id="2147483723" r:id="rId3"/>
-    <p:sldLayoutId id="2147483724" r:id="rId4"/>
-    <p:sldLayoutId id="2147483725" r:id="rId5"/>
-    <p:sldLayoutId id="2147483726" r:id="rId6"/>
-    <p:sldLayoutId id="2147483727" r:id="rId7"/>
-    <p:sldLayoutId id="2147483728" r:id="rId8"/>
-    <p:sldLayoutId id="2147483729" r:id="rId9"/>
-    <p:sldLayoutId id="2147483730" r:id="rId10"/>
-    <p:sldLayoutId id="2147483731" r:id="rId11"/>
+    <p:sldLayoutId id="2147483733" r:id="rId1"/>
+    <p:sldLayoutId id="2147483734" r:id="rId2"/>
+    <p:sldLayoutId id="2147483735" r:id="rId3"/>
+    <p:sldLayoutId id="2147483736" r:id="rId4"/>
+    <p:sldLayoutId id="2147483737" r:id="rId5"/>
+    <p:sldLayoutId id="2147483738" r:id="rId6"/>
+    <p:sldLayoutId id="2147483739" r:id="rId7"/>
+    <p:sldLayoutId id="2147483740" r:id="rId8"/>
+    <p:sldLayoutId id="2147483741" r:id="rId9"/>
+    <p:sldLayoutId id="2147483742" r:id="rId10"/>
+    <p:sldLayoutId id="2147483743" r:id="rId11"/>
   </p:sldLayoutIdLst>
   <p:txStyles>
     <p:titleStyle>
@@ -3003,7 +3002,7 @@
         </p:nvSpPr>
         <p:spPr>
           <a:xfrm>
-            <a:off x="2813184" y="5077325"/>
+            <a:off x="1289184" y="5077325"/>
             <a:ext cx="540000" cy="540000"/>
           </a:xfrm>
           <a:prstGeom prst="flowChartConnector">
@@ -3055,7 +3054,7 @@
         </p:nvSpPr>
         <p:spPr>
           <a:xfrm>
-            <a:off x="2182237" y="5077325"/>
+            <a:off x="658237" y="5077325"/>
             <a:ext cx="540000" cy="540000"/>
           </a:xfrm>
           <a:prstGeom prst="flowChartConnector">
@@ -3107,7 +3106,7 @@
         </p:nvSpPr>
         <p:spPr>
           <a:xfrm>
-            <a:off x="3444131" y="5077325"/>
+            <a:off x="1920131" y="5077325"/>
             <a:ext cx="540000" cy="540000"/>
           </a:xfrm>
           <a:prstGeom prst="flowChartConnector">
@@ -3159,7 +3158,7 @@
         </p:nvSpPr>
         <p:spPr>
           <a:xfrm>
-            <a:off x="5427917" y="5077326"/>
+            <a:off x="3903917" y="5077326"/>
             <a:ext cx="540000" cy="540000"/>
           </a:xfrm>
           <a:prstGeom prst="flowChartConnector">
@@ -3211,7 +3210,7 @@
         </p:nvSpPr>
         <p:spPr>
           <a:xfrm>
-            <a:off x="6689811" y="5077326"/>
+            <a:off x="5165811" y="5077326"/>
             <a:ext cx="540000" cy="540000"/>
           </a:xfrm>
           <a:prstGeom prst="flowChartConnector">
@@ -3263,7 +3262,7 @@
         </p:nvSpPr>
         <p:spPr>
           <a:xfrm>
-            <a:off x="6058864" y="5077326"/>
+            <a:off x="4534864" y="5077326"/>
             <a:ext cx="540000" cy="540000"/>
           </a:xfrm>
           <a:prstGeom prst="flowChartConnector">
@@ -3315,7 +3314,7 @@
         </p:nvSpPr>
         <p:spPr>
           <a:xfrm>
-            <a:off x="7320758" y="5077326"/>
+            <a:off x="5796758" y="5077326"/>
             <a:ext cx="540000" cy="540000"/>
           </a:xfrm>
           <a:prstGeom prst="flowChartConnector">
@@ -3367,7 +3366,7 @@
         </p:nvSpPr>
         <p:spPr>
           <a:xfrm>
-            <a:off x="9304545" y="5077326"/>
+            <a:off x="7780545" y="5077326"/>
             <a:ext cx="540000" cy="540000"/>
           </a:xfrm>
           <a:prstGeom prst="flowChartConnector">
@@ -3419,7 +3418,7 @@
         </p:nvSpPr>
         <p:spPr>
           <a:xfrm>
-            <a:off x="4166023" y="3276601"/>
+            <a:off x="2642023" y="3276601"/>
             <a:ext cx="540000" cy="540000"/>
           </a:xfrm>
           <a:prstGeom prst="flowChartConnector">
@@ -3465,7 +3464,7 @@
         </p:nvSpPr>
         <p:spPr>
           <a:xfrm>
-            <a:off x="4796970" y="3276601"/>
+            <a:off x="3272970" y="3276601"/>
             <a:ext cx="540000" cy="540000"/>
           </a:xfrm>
           <a:prstGeom prst="flowChartConnector">
@@ -3511,7 +3510,7 @@
         </p:nvSpPr>
         <p:spPr>
           <a:xfrm>
-            <a:off x="5427917" y="3276601"/>
+            <a:off x="3903917" y="3276601"/>
             <a:ext cx="540000" cy="540000"/>
           </a:xfrm>
           <a:prstGeom prst="flowChartConnector">
@@ -3557,7 +3556,7 @@
         </p:nvSpPr>
         <p:spPr>
           <a:xfrm>
-            <a:off x="6689811" y="3276601"/>
+            <a:off x="5165811" y="3276601"/>
             <a:ext cx="540000" cy="540000"/>
           </a:xfrm>
           <a:prstGeom prst="flowChartConnector">
@@ -3603,7 +3602,7 @@
         </p:nvSpPr>
         <p:spPr>
           <a:xfrm>
-            <a:off x="6058864" y="3276601"/>
+            <a:off x="4534864" y="3276601"/>
             <a:ext cx="540000" cy="540000"/>
           </a:xfrm>
           <a:prstGeom prst="flowChartConnector">
@@ -3649,7 +3648,7 @@
         </p:nvSpPr>
         <p:spPr>
           <a:xfrm>
-            <a:off x="7320758" y="3276601"/>
+            <a:off x="5796758" y="3276601"/>
             <a:ext cx="540000" cy="540000"/>
           </a:xfrm>
           <a:prstGeom prst="flowChartConnector">
@@ -3695,7 +3694,7 @@
         </p:nvSpPr>
         <p:spPr>
           <a:xfrm>
-            <a:off x="5743390" y="1475876"/>
+            <a:off x="4219390" y="1475876"/>
             <a:ext cx="540000" cy="540000"/>
           </a:xfrm>
           <a:prstGeom prst="flowChartConnector">
@@ -3751,7 +3750,7 @@
         </p:nvCxnSpPr>
         <p:spPr>
           <a:xfrm>
-            <a:off x="7590766" y="3816609"/>
+            <a:off x="6066767" y="3816610"/>
             <a:ext cx="1983787" cy="1260725"/>
           </a:xfrm>
           <a:prstGeom prst="line">
@@ -3791,7 +3790,7 @@
         </p:nvCxnSpPr>
         <p:spPr>
           <a:xfrm>
-            <a:off x="4436023" y="3816609"/>
+            <a:off x="2912023" y="3816610"/>
             <a:ext cx="5138522" cy="1260725"/>
           </a:xfrm>
           <a:prstGeom prst="line">
@@ -3831,7 +3830,7 @@
         </p:nvCxnSpPr>
         <p:spPr>
           <a:xfrm>
-            <a:off x="5066978" y="3816609"/>
+            <a:off x="3542979" y="3816610"/>
             <a:ext cx="4507575" cy="1260725"/>
           </a:xfrm>
           <a:prstGeom prst="line">
@@ -3871,7 +3870,7 @@
         </p:nvCxnSpPr>
         <p:spPr>
           <a:xfrm>
-            <a:off x="5697917" y="3816609"/>
+            <a:off x="4173917" y="3816610"/>
             <a:ext cx="3876628" cy="1260725"/>
           </a:xfrm>
           <a:prstGeom prst="line">
@@ -3911,7 +3910,7 @@
         </p:nvCxnSpPr>
         <p:spPr>
           <a:xfrm>
-            <a:off x="6328872" y="3816609"/>
+            <a:off x="4804873" y="3816610"/>
             <a:ext cx="3245681" cy="1260725"/>
           </a:xfrm>
           <a:prstGeom prst="line">
@@ -3951,7 +3950,7 @@
         </p:nvCxnSpPr>
         <p:spPr>
           <a:xfrm>
-            <a:off x="6959811" y="3816609"/>
+            <a:off x="5435811" y="3816610"/>
             <a:ext cx="2614734" cy="1260725"/>
           </a:xfrm>
           <a:prstGeom prst="line">
@@ -3991,7 +3990,7 @@
         </p:nvCxnSpPr>
         <p:spPr>
           <a:xfrm>
-            <a:off x="4436031" y="3816609"/>
+            <a:off x="2912032" y="3816610"/>
             <a:ext cx="3154735" cy="1260725"/>
           </a:xfrm>
           <a:prstGeom prst="line">
@@ -4031,7 +4030,7 @@
         </p:nvCxnSpPr>
         <p:spPr>
           <a:xfrm>
-            <a:off x="5066970" y="3816609"/>
+            <a:off x="3542970" y="3816610"/>
             <a:ext cx="2523788" cy="1260725"/>
           </a:xfrm>
           <a:prstGeom prst="line">
@@ -4071,7 +4070,7 @@
         </p:nvCxnSpPr>
         <p:spPr>
           <a:xfrm>
-            <a:off x="5697925" y="3816609"/>
+            <a:off x="4173926" y="3816610"/>
             <a:ext cx="1892841" cy="1260725"/>
           </a:xfrm>
           <a:prstGeom prst="line">
@@ -4111,7 +4110,7 @@
         </p:nvCxnSpPr>
         <p:spPr>
           <a:xfrm>
-            <a:off x="6328864" y="3816609"/>
+            <a:off x="4804864" y="3816610"/>
             <a:ext cx="1261894" cy="1260725"/>
           </a:xfrm>
           <a:prstGeom prst="line">
@@ -4151,7 +4150,7 @@
         </p:nvCxnSpPr>
         <p:spPr>
           <a:xfrm>
-            <a:off x="6959819" y="3816609"/>
+            <a:off x="5435820" y="3816610"/>
             <a:ext cx="630947" cy="1260725"/>
           </a:xfrm>
           <a:prstGeom prst="line">
@@ -4191,7 +4190,7 @@
         </p:nvCxnSpPr>
         <p:spPr>
           <a:xfrm>
-            <a:off x="7590758" y="3816609"/>
+            <a:off x="6066758" y="3816610"/>
             <a:ext cx="0" cy="1260725"/>
           </a:xfrm>
           <a:prstGeom prst="line">
@@ -4231,7 +4230,7 @@
         </p:nvCxnSpPr>
         <p:spPr>
           <a:xfrm>
-            <a:off x="4436023" y="3816609"/>
+            <a:off x="2912023" y="3816610"/>
             <a:ext cx="2523788" cy="1260725"/>
           </a:xfrm>
           <a:prstGeom prst="line">
@@ -4271,7 +4270,7 @@
         </p:nvCxnSpPr>
         <p:spPr>
           <a:xfrm>
-            <a:off x="5066978" y="3816609"/>
+            <a:off x="3542979" y="3816610"/>
             <a:ext cx="1892841" cy="1260725"/>
           </a:xfrm>
           <a:prstGeom prst="line">
@@ -4311,7 +4310,7 @@
         </p:nvCxnSpPr>
         <p:spPr>
           <a:xfrm>
-            <a:off x="5697917" y="3816609"/>
+            <a:off x="4173917" y="3816610"/>
             <a:ext cx="1261894" cy="1260725"/>
           </a:xfrm>
           <a:prstGeom prst="line">
@@ -4351,7 +4350,7 @@
         </p:nvCxnSpPr>
         <p:spPr>
           <a:xfrm>
-            <a:off x="6328872" y="3816609"/>
+            <a:off x="4804873" y="3816610"/>
             <a:ext cx="630947" cy="1260725"/>
           </a:xfrm>
           <a:prstGeom prst="line">
@@ -4391,7 +4390,7 @@
         </p:nvCxnSpPr>
         <p:spPr>
           <a:xfrm>
-            <a:off x="6959811" y="3816609"/>
+            <a:off x="5435811" y="3816610"/>
             <a:ext cx="0" cy="1260725"/>
           </a:xfrm>
           <a:prstGeom prst="line">
@@ -4431,7 +4430,7 @@
         </p:nvCxnSpPr>
         <p:spPr>
           <a:xfrm flipH="1">
-            <a:off x="6959819" y="3816609"/>
+            <a:off x="5435820" y="3816610"/>
             <a:ext cx="630947" cy="1260725"/>
           </a:xfrm>
           <a:prstGeom prst="line">
@@ -4471,7 +4470,7 @@
         </p:nvCxnSpPr>
         <p:spPr>
           <a:xfrm>
-            <a:off x="4436031" y="3816609"/>
+            <a:off x="2912032" y="3816610"/>
             <a:ext cx="1892841" cy="1260725"/>
           </a:xfrm>
           <a:prstGeom prst="line">
@@ -4511,7 +4510,7 @@
         </p:nvCxnSpPr>
         <p:spPr>
           <a:xfrm>
-            <a:off x="5066970" y="3816609"/>
+            <a:off x="3542970" y="3816610"/>
             <a:ext cx="1261894" cy="1260725"/>
           </a:xfrm>
           <a:prstGeom prst="line">
@@ -4551,7 +4550,7 @@
         </p:nvCxnSpPr>
         <p:spPr>
           <a:xfrm>
-            <a:off x="5697925" y="3816609"/>
+            <a:off x="4173926" y="3816610"/>
             <a:ext cx="630947" cy="1260725"/>
           </a:xfrm>
           <a:prstGeom prst="line">
@@ -4591,7 +4590,7 @@
         </p:nvCxnSpPr>
         <p:spPr>
           <a:xfrm>
-            <a:off x="6328864" y="3816609"/>
+            <a:off x="4804864" y="3816610"/>
             <a:ext cx="0" cy="1260725"/>
           </a:xfrm>
           <a:prstGeom prst="line">
@@ -4631,7 +4630,7 @@
         </p:nvCxnSpPr>
         <p:spPr>
           <a:xfrm flipH="1">
-            <a:off x="6328872" y="3816609"/>
+            <a:off x="4804873" y="3816610"/>
             <a:ext cx="630947" cy="1260725"/>
           </a:xfrm>
           <a:prstGeom prst="line">
@@ -4671,7 +4670,7 @@
         </p:nvCxnSpPr>
         <p:spPr>
           <a:xfrm flipH="1">
-            <a:off x="6328864" y="3816609"/>
+            <a:off x="4804864" y="3816610"/>
             <a:ext cx="1261894" cy="1260725"/>
           </a:xfrm>
           <a:prstGeom prst="line">
@@ -4707,7 +4706,7 @@
         </p:nvSpPr>
         <p:spPr>
           <a:xfrm>
-            <a:off x="7953069" y="5077334"/>
+            <a:off x="6429070" y="5077335"/>
             <a:ext cx="1259181" cy="539999"/>
           </a:xfrm>
           <a:prstGeom prst="roundRect">
@@ -4763,7 +4762,7 @@
         </p:nvSpPr>
         <p:spPr>
           <a:xfrm>
-            <a:off x="4076441" y="5077334"/>
+            <a:off x="2552442" y="5077335"/>
             <a:ext cx="1259181" cy="539999"/>
           </a:xfrm>
           <a:prstGeom prst="roundRect">
@@ -4823,7 +4822,7 @@
         </p:nvCxnSpPr>
         <p:spPr>
           <a:xfrm>
-            <a:off x="4436023" y="3816609"/>
+            <a:off x="2912023" y="3816610"/>
             <a:ext cx="1261894" cy="1260725"/>
           </a:xfrm>
           <a:prstGeom prst="line">
@@ -4863,7 +4862,7 @@
         </p:nvCxnSpPr>
         <p:spPr>
           <a:xfrm>
-            <a:off x="5066978" y="3816609"/>
+            <a:off x="3542979" y="3816610"/>
             <a:ext cx="630947" cy="1260725"/>
           </a:xfrm>
           <a:prstGeom prst="line">
@@ -4903,7 +4902,7 @@
         </p:nvCxnSpPr>
         <p:spPr>
           <a:xfrm>
-            <a:off x="5697917" y="3816609"/>
+            <a:off x="4173917" y="3816610"/>
             <a:ext cx="0" cy="1260725"/>
           </a:xfrm>
           <a:prstGeom prst="line">
@@ -4943,7 +4942,7 @@
         </p:nvCxnSpPr>
         <p:spPr>
           <a:xfrm flipH="1">
-            <a:off x="5697925" y="3816609"/>
+            <a:off x="4173926" y="3816610"/>
             <a:ext cx="630947" cy="1260725"/>
           </a:xfrm>
           <a:prstGeom prst="line">
@@ -4983,7 +4982,7 @@
         </p:nvCxnSpPr>
         <p:spPr>
           <a:xfrm flipH="1">
-            <a:off x="5697917" y="3816609"/>
+            <a:off x="4173917" y="3816610"/>
             <a:ext cx="1261894" cy="1260725"/>
           </a:xfrm>
           <a:prstGeom prst="line">
@@ -5023,7 +5022,7 @@
         </p:nvCxnSpPr>
         <p:spPr>
           <a:xfrm flipH="1">
-            <a:off x="5697925" y="3816609"/>
+            <a:off x="4173926" y="3816610"/>
             <a:ext cx="1892841" cy="1260725"/>
           </a:xfrm>
           <a:prstGeom prst="line">
@@ -5063,7 +5062,7 @@
         </p:nvCxnSpPr>
         <p:spPr>
           <a:xfrm flipH="1">
-            <a:off x="3714131" y="3816601"/>
+            <a:off x="2190131" y="3816601"/>
             <a:ext cx="721892" cy="1260724"/>
           </a:xfrm>
           <a:prstGeom prst="line">
@@ -5103,7 +5102,7 @@
         </p:nvCxnSpPr>
         <p:spPr>
           <a:xfrm flipV="1">
-            <a:off x="3714139" y="3816601"/>
+            <a:off x="2190140" y="3816601"/>
             <a:ext cx="1352839" cy="1260724"/>
           </a:xfrm>
           <a:prstGeom prst="line">
@@ -5143,7 +5142,7 @@
         </p:nvCxnSpPr>
         <p:spPr>
           <a:xfrm flipV="1">
-            <a:off x="3714131" y="3816601"/>
+            <a:off x="2190131" y="3816601"/>
             <a:ext cx="1983786" cy="1260724"/>
           </a:xfrm>
           <a:prstGeom prst="line">
@@ -5183,7 +5182,7 @@
         </p:nvCxnSpPr>
         <p:spPr>
           <a:xfrm flipV="1">
-            <a:off x="3714139" y="3816601"/>
+            <a:off x="2190140" y="3816601"/>
             <a:ext cx="2614733" cy="1260724"/>
           </a:xfrm>
           <a:prstGeom prst="line">
@@ -5223,7 +5222,7 @@
         </p:nvCxnSpPr>
         <p:spPr>
           <a:xfrm flipV="1">
-            <a:off x="3714131" y="3816601"/>
+            <a:off x="2190131" y="3816601"/>
             <a:ext cx="3245680" cy="1260724"/>
           </a:xfrm>
           <a:prstGeom prst="line">
@@ -5263,7 +5262,7 @@
         </p:nvCxnSpPr>
         <p:spPr>
           <a:xfrm flipV="1">
-            <a:off x="3714139" y="3816601"/>
+            <a:off x="2190140" y="3816601"/>
             <a:ext cx="3876627" cy="1260724"/>
           </a:xfrm>
           <a:prstGeom prst="line">
@@ -5303,7 +5302,7 @@
         </p:nvCxnSpPr>
         <p:spPr>
           <a:xfrm flipV="1">
-            <a:off x="3083192" y="3816601"/>
+            <a:off x="1559193" y="3816601"/>
             <a:ext cx="1352839" cy="1260724"/>
           </a:xfrm>
           <a:prstGeom prst="line">
@@ -5343,7 +5342,7 @@
         </p:nvCxnSpPr>
         <p:spPr>
           <a:xfrm flipV="1">
-            <a:off x="3083184" y="3816601"/>
+            <a:off x="1559184" y="3816601"/>
             <a:ext cx="1983786" cy="1260724"/>
           </a:xfrm>
           <a:prstGeom prst="line">
@@ -5383,7 +5382,7 @@
         </p:nvCxnSpPr>
         <p:spPr>
           <a:xfrm flipV="1">
-            <a:off x="3083192" y="3816601"/>
+            <a:off x="1559193" y="3816601"/>
             <a:ext cx="2614733" cy="1260724"/>
           </a:xfrm>
           <a:prstGeom prst="line">
@@ -5423,7 +5422,7 @@
         </p:nvCxnSpPr>
         <p:spPr>
           <a:xfrm flipV="1">
-            <a:off x="3083184" y="3816601"/>
+            <a:off x="1559184" y="3816601"/>
             <a:ext cx="3245680" cy="1260724"/>
           </a:xfrm>
           <a:prstGeom prst="line">
@@ -5463,7 +5462,7 @@
         </p:nvCxnSpPr>
         <p:spPr>
           <a:xfrm flipV="1">
-            <a:off x="3083192" y="3816601"/>
+            <a:off x="1559193" y="3816601"/>
             <a:ext cx="3876627" cy="1260724"/>
           </a:xfrm>
           <a:prstGeom prst="line">
@@ -5503,7 +5502,7 @@
         </p:nvCxnSpPr>
         <p:spPr>
           <a:xfrm flipV="1">
-            <a:off x="3083184" y="3816601"/>
+            <a:off x="1559184" y="3816601"/>
             <a:ext cx="4507574" cy="1260724"/>
           </a:xfrm>
           <a:prstGeom prst="line">
@@ -5543,7 +5542,7 @@
         </p:nvCxnSpPr>
         <p:spPr>
           <a:xfrm flipV="1">
-            <a:off x="2452237" y="3816601"/>
+            <a:off x="928237" y="3816601"/>
             <a:ext cx="1983786" cy="1260724"/>
           </a:xfrm>
           <a:prstGeom prst="line">
@@ -5583,7 +5582,7 @@
         </p:nvCxnSpPr>
         <p:spPr>
           <a:xfrm flipV="1">
-            <a:off x="2452245" y="3816601"/>
+            <a:off x="928246" y="3816601"/>
             <a:ext cx="2614733" cy="1260724"/>
           </a:xfrm>
           <a:prstGeom prst="line">
@@ -5623,7 +5622,7 @@
         </p:nvCxnSpPr>
         <p:spPr>
           <a:xfrm flipV="1">
-            <a:off x="2452237" y="3816601"/>
+            <a:off x="928237" y="3816601"/>
             <a:ext cx="3245680" cy="1260724"/>
           </a:xfrm>
           <a:prstGeom prst="line">
@@ -5663,7 +5662,7 @@
         </p:nvCxnSpPr>
         <p:spPr>
           <a:xfrm flipV="1">
-            <a:off x="2452245" y="3816601"/>
+            <a:off x="928246" y="3816601"/>
             <a:ext cx="3876627" cy="1260724"/>
           </a:xfrm>
           <a:prstGeom prst="line">
@@ -5703,7 +5702,7 @@
         </p:nvCxnSpPr>
         <p:spPr>
           <a:xfrm flipV="1">
-            <a:off x="2452237" y="3816601"/>
+            <a:off x="928237" y="3816601"/>
             <a:ext cx="4507574" cy="1260724"/>
           </a:xfrm>
           <a:prstGeom prst="line">
@@ -5743,7 +5742,7 @@
         </p:nvCxnSpPr>
         <p:spPr>
           <a:xfrm flipV="1">
-            <a:off x="2452245" y="3816601"/>
+            <a:off x="928246" y="3816601"/>
             <a:ext cx="5138521" cy="1260724"/>
           </a:xfrm>
           <a:prstGeom prst="line">
@@ -5783,7 +5782,7 @@
         </p:nvCxnSpPr>
         <p:spPr>
           <a:xfrm flipV="1">
-            <a:off x="4436031" y="2015884"/>
+            <a:off x="2912032" y="2015885"/>
             <a:ext cx="1577367" cy="1260725"/>
           </a:xfrm>
           <a:prstGeom prst="line">
@@ -5823,7 +5822,7 @@
         </p:nvCxnSpPr>
         <p:spPr>
           <a:xfrm flipV="1">
-            <a:off x="5066970" y="2015884"/>
+            <a:off x="3542970" y="2015885"/>
             <a:ext cx="946420" cy="1260725"/>
           </a:xfrm>
           <a:prstGeom prst="line">
@@ -5863,7 +5862,7 @@
         </p:nvCxnSpPr>
         <p:spPr>
           <a:xfrm flipV="1">
-            <a:off x="5697925" y="2015884"/>
+            <a:off x="4173926" y="2015885"/>
             <a:ext cx="315473" cy="1260725"/>
           </a:xfrm>
           <a:prstGeom prst="line">
@@ -5903,7 +5902,7 @@
         </p:nvCxnSpPr>
         <p:spPr>
           <a:xfrm flipH="1" flipV="1">
-            <a:off x="6013390" y="2015884"/>
+            <a:off x="4489390" y="2015885"/>
             <a:ext cx="315474" cy="1260725"/>
           </a:xfrm>
           <a:prstGeom prst="line">
@@ -5943,7 +5942,7 @@
         </p:nvCxnSpPr>
         <p:spPr>
           <a:xfrm flipH="1" flipV="1">
-            <a:off x="6013398" y="2015884"/>
+            <a:off x="4489399" y="2015885"/>
             <a:ext cx="946421" cy="1260725"/>
           </a:xfrm>
           <a:prstGeom prst="line">
@@ -5983,7 +5982,7 @@
         </p:nvCxnSpPr>
         <p:spPr>
           <a:xfrm flipH="1" flipV="1">
-            <a:off x="6013390" y="2015884"/>
+            <a:off x="4489390" y="2015885"/>
             <a:ext cx="1577368" cy="1260725"/>
           </a:xfrm>
           <a:prstGeom prst="line">
@@ -6019,7 +6018,7 @@
         </p:nvSpPr>
         <p:spPr>
           <a:xfrm>
-            <a:off x="3398665" y="5951629"/>
+            <a:off x="1874666" y="5951630"/>
             <a:ext cx="1170947" cy="442575"/>
           </a:xfrm>
           <a:prstGeom prst="rect">
@@ -6075,7 +6074,7 @@
         </p:nvSpPr>
         <p:spPr>
           <a:xfrm>
-            <a:off x="7320765" y="5951628"/>
+            <a:off x="5796766" y="5951629"/>
             <a:ext cx="1170947" cy="442575"/>
           </a:xfrm>
           <a:prstGeom prst="rect">
@@ -6131,7 +6130,7 @@
         </p:nvSpPr>
         <p:spPr>
           <a:xfrm>
-            <a:off x="719303" y="3906963"/>
+            <a:off x="-804697" y="3906963"/>
             <a:ext cx="1898155" cy="540000"/>
           </a:xfrm>
           <a:prstGeom prst="wedgeRoundRectCallout">
@@ -6189,7 +6188,7 @@
         </p:nvSpPr>
         <p:spPr>
           <a:xfrm>
-            <a:off x="9507667" y="3906963"/>
+            <a:off x="7983668" y="3906963"/>
             <a:ext cx="1898155" cy="540000"/>
           </a:xfrm>
           <a:prstGeom prst="wedgeRoundRectCallout">
@@ -6247,7 +6246,7 @@
         </p:nvSpPr>
         <p:spPr>
           <a:xfrm>
-            <a:off x="2267876" y="2456575"/>
+            <a:off x="743877" y="2456575"/>
             <a:ext cx="1898155" cy="540000"/>
           </a:xfrm>
           <a:prstGeom prst="wedgeRoundRectCallout">
@@ -6305,7 +6304,7 @@
         </p:nvSpPr>
         <p:spPr>
           <a:xfrm>
-            <a:off x="5427925" y="755160"/>
+            <a:off x="3903926" y="755161"/>
             <a:ext cx="1170947" cy="442575"/>
           </a:xfrm>
           <a:prstGeom prst="rect">
@@ -6391,7 +6390,7 @@
         </p:nvSpPr>
         <p:spPr>
           <a:xfrm>
-            <a:off x="2810041" y="5187939"/>
+            <a:off x="1286042" y="5187940"/>
             <a:ext cx="1170947" cy="442575"/>
           </a:xfrm>
           <a:prstGeom prst="rect">
@@ -6447,7 +6446,7 @@
         </p:nvSpPr>
         <p:spPr>
           <a:xfrm>
-            <a:off x="2810042" y="1865044"/>
+            <a:off x="1286043" y="1865045"/>
             <a:ext cx="1170947" cy="442575"/>
           </a:xfrm>
           <a:prstGeom prst="rect">
@@ -6503,7 +6502,7 @@
         </p:nvGrpSpPr>
         <p:grpSpPr>
           <a:xfrm>
-            <a:off x="5113103" y="1042216"/>
+            <a:off x="3589103" y="1042217"/>
             <a:ext cx="2088232" cy="2088233"/>
             <a:chOff x="2880856" y="502148"/>
             <a:chExt cx="2088232" cy="2088233"/>
@@ -7944,7 +7943,7 @@
         </p:nvGrpSpPr>
         <p:grpSpPr>
           <a:xfrm>
-            <a:off x="5113103" y="4365111"/>
+            <a:off x="3589103" y="4365112"/>
             <a:ext cx="2088232" cy="2088233"/>
             <a:chOff x="2880856" y="4267619"/>
             <a:chExt cx="2088232" cy="2088233"/>
@@ -9400,7 +9399,7 @@
         </p:nvGrpSpPr>
         <p:grpSpPr>
           <a:xfrm>
-            <a:off x="8904319" y="1402249"/>
+            <a:off x="7380320" y="1402249"/>
             <a:ext cx="360041" cy="4248472"/>
             <a:chOff x="7104111" y="1268761"/>
             <a:chExt cx="360041" cy="4248472"/>
@@ -10021,7 +10020,7 @@
         </p:nvCxnSpPr>
         <p:spPr>
           <a:xfrm flipV="1">
-            <a:off x="4333623" y="1762289"/>
+            <a:off x="2809623" y="1762289"/>
             <a:ext cx="504056" cy="324034"/>
           </a:xfrm>
           <a:prstGeom prst="straightConnector1">
@@ -10065,7 +10064,7 @@
         </p:nvCxnSpPr>
         <p:spPr>
           <a:xfrm>
-            <a:off x="4333623" y="5409218"/>
+            <a:off x="2809623" y="5409218"/>
             <a:ext cx="492592" cy="0"/>
           </a:xfrm>
           <a:prstGeom prst="straightConnector1">
@@ -10107,7 +10106,7 @@
         </p:nvSpPr>
         <p:spPr>
           <a:xfrm>
-            <a:off x="7872804" y="1628800"/>
+            <a:off x="6348804" y="1628800"/>
             <a:ext cx="360040" cy="3780418"/>
           </a:xfrm>
           <a:prstGeom prst="rightBrace">
@@ -10161,7 +10160,7 @@
         </p:nvSpPr>
         <p:spPr>
           <a:xfrm>
-            <a:off x="2699162" y="163273"/>
+            <a:off x="1175163" y="163274"/>
             <a:ext cx="1392703" cy="584775"/>
           </a:xfrm>
           <a:prstGeom prst="rect">
@@ -10197,7 +10196,7 @@
         </p:nvSpPr>
         <p:spPr>
           <a:xfrm>
-            <a:off x="5376589" y="163273"/>
+            <a:off x="3852590" y="163274"/>
             <a:ext cx="1392703" cy="584775"/>
           </a:xfrm>
           <a:prstGeom prst="rect">
@@ -10233,7 +10232,7 @@
         </p:nvSpPr>
         <p:spPr>
           <a:xfrm>
-            <a:off x="8253181" y="163273"/>
+            <a:off x="6729182" y="163274"/>
             <a:ext cx="1662317" cy="584775"/>
           </a:xfrm>
           <a:prstGeom prst="rect">
@@ -10269,7 +10268,7 @@
         </p:nvCxnSpPr>
         <p:spPr>
           <a:xfrm>
-            <a:off x="5179721" y="3722569"/>
+            <a:off x="3655722" y="3722569"/>
             <a:ext cx="1991009" cy="0"/>
           </a:xfrm>
           <a:prstGeom prst="straightConnector1">
@@ -10314,7 +10313,7 @@
         </p:nvSpPr>
         <p:spPr>
           <a:xfrm>
-            <a:off x="5995201" y="3429000"/>
+            <a:off x="4471206" y="3429000"/>
             <a:ext cx="360040" cy="338554"/>
           </a:xfrm>
           <a:prstGeom prst="rect">
@@ -10350,7 +10349,7 @@
         </p:nvSpPr>
         <p:spPr>
           <a:xfrm>
-            <a:off x="7357049" y="5250690"/>
+            <a:off x="5833049" y="5250690"/>
             <a:ext cx="360040" cy="338554"/>
           </a:xfrm>
           <a:prstGeom prst="rect">
@@ -10388,7 +10387,7 @@
         </p:nvCxnSpPr>
         <p:spPr>
           <a:xfrm>
-            <a:off x="7393059" y="1126320"/>
+            <a:off x="5869059" y="1126320"/>
             <a:ext cx="0" cy="1954744"/>
           </a:xfrm>
           <a:prstGeom prst="straightConnector1">
@@ -10433,7 +10432,7 @@
         </p:nvSpPr>
         <p:spPr>
           <a:xfrm>
-            <a:off x="7357049" y="1917046"/>
+            <a:off x="5833049" y="1917046"/>
             <a:ext cx="360040" cy="338554"/>
           </a:xfrm>
           <a:prstGeom prst="rect">
@@ -10471,7 +10470,7 @@
         </p:nvCxnSpPr>
         <p:spPr>
           <a:xfrm>
-            <a:off x="7393059" y="4426584"/>
+            <a:off x="5869059" y="4426584"/>
             <a:ext cx="0" cy="1954744"/>
           </a:xfrm>
           <a:prstGeom prst="straightConnector1">
@@ -10541,7 +10540,7 @@
         </p:nvGrpSpPr>
         <p:grpSpPr>
           <a:xfrm>
-            <a:off x="3538185" y="1628800"/>
+            <a:off x="2014186" y="1628800"/>
             <a:ext cx="360041" cy="4248472"/>
             <a:chOff x="7104111" y="1268761"/>
             <a:chExt cx="360041" cy="4248472"/>
@@ -11160,7 +11159,7 @@
         </p:nvSpPr>
         <p:spPr>
           <a:xfrm>
-            <a:off x="2887047" y="703749"/>
+            <a:off x="1363048" y="703750"/>
             <a:ext cx="1662317" cy="584775"/>
           </a:xfrm>
           <a:prstGeom prst="rect">
@@ -11196,7 +11195,7 @@
         </p:nvSpPr>
         <p:spPr>
           <a:xfrm rot="5400000">
-            <a:off x="5842440" y="2708923"/>
+            <a:off x="4318440" y="2708924"/>
             <a:ext cx="360040" cy="360041"/>
           </a:xfrm>
           <a:prstGeom prst="flowChartConnector">
@@ -11254,7 +11253,7 @@
         </p:nvSpPr>
         <p:spPr>
           <a:xfrm rot="5400000">
-            <a:off x="5842440" y="3140971"/>
+            <a:off x="4318440" y="3140972"/>
             <a:ext cx="360040" cy="360041"/>
           </a:xfrm>
           <a:prstGeom prst="flowChartConnector">
@@ -11312,7 +11311,7 @@
         </p:nvSpPr>
         <p:spPr>
           <a:xfrm rot="5400000">
-            <a:off x="5842440" y="3573019"/>
+            <a:off x="4318440" y="3573020"/>
             <a:ext cx="360040" cy="360041"/>
           </a:xfrm>
           <a:prstGeom prst="flowChartConnector">
@@ -11370,7 +11369,7 @@
         </p:nvSpPr>
         <p:spPr>
           <a:xfrm rot="5400000">
-            <a:off x="5842440" y="4005067"/>
+            <a:off x="4318440" y="4005068"/>
             <a:ext cx="360040" cy="360041"/>
           </a:xfrm>
           <a:prstGeom prst="flowChartConnector">
@@ -11428,7 +11427,7 @@
         </p:nvSpPr>
         <p:spPr>
           <a:xfrm rot="5400000">
-            <a:off x="5842440" y="4437115"/>
+            <a:off x="4318440" y="4437116"/>
             <a:ext cx="360040" cy="360041"/>
           </a:xfrm>
           <a:prstGeom prst="flowChartConnector">
@@ -11490,7 +11489,7 @@
         </p:nvCxnSpPr>
         <p:spPr>
           <a:xfrm>
-            <a:off x="3898227" y="1808820"/>
+            <a:off x="2374228" y="1808820"/>
             <a:ext cx="1944215" cy="1080122"/>
           </a:xfrm>
           <a:prstGeom prst="line">
@@ -11530,7 +11529,7 @@
         </p:nvCxnSpPr>
         <p:spPr>
           <a:xfrm>
-            <a:off x="3898227" y="1808820"/>
+            <a:off x="2374228" y="1808820"/>
             <a:ext cx="1944215" cy="1512170"/>
           </a:xfrm>
           <a:prstGeom prst="line">
@@ -11570,7 +11569,7 @@
         </p:nvCxnSpPr>
         <p:spPr>
           <a:xfrm>
-            <a:off x="3898227" y="1808820"/>
+            <a:off x="2374228" y="1808820"/>
             <a:ext cx="1944215" cy="2808314"/>
           </a:xfrm>
           <a:prstGeom prst="line">
@@ -11610,7 +11609,7 @@
         </p:nvCxnSpPr>
         <p:spPr>
           <a:xfrm>
-            <a:off x="3898227" y="1808820"/>
+            <a:off x="2374228" y="1808820"/>
             <a:ext cx="1944215" cy="2376266"/>
           </a:xfrm>
           <a:prstGeom prst="line">
@@ -11650,7 +11649,7 @@
         </p:nvCxnSpPr>
         <p:spPr>
           <a:xfrm>
-            <a:off x="3898227" y="2240868"/>
+            <a:off x="2374228" y="2240868"/>
             <a:ext cx="1944215" cy="648074"/>
           </a:xfrm>
           <a:prstGeom prst="line">
@@ -11690,7 +11689,7 @@
         </p:nvCxnSpPr>
         <p:spPr>
           <a:xfrm>
-            <a:off x="3898227" y="2240868"/>
+            <a:off x="2374228" y="2240868"/>
             <a:ext cx="1944215" cy="1080122"/>
           </a:xfrm>
           <a:prstGeom prst="line">
@@ -11730,7 +11729,7 @@
         </p:nvCxnSpPr>
         <p:spPr>
           <a:xfrm>
-            <a:off x="3898227" y="2240868"/>
+            <a:off x="2374228" y="2240868"/>
             <a:ext cx="1944215" cy="1512170"/>
           </a:xfrm>
           <a:prstGeom prst="line">
@@ -11770,7 +11769,7 @@
         </p:nvCxnSpPr>
         <p:spPr>
           <a:xfrm>
-            <a:off x="3898227" y="2240868"/>
+            <a:off x="2374228" y="2240868"/>
             <a:ext cx="1944215" cy="1944218"/>
           </a:xfrm>
           <a:prstGeom prst="line">
@@ -11810,7 +11809,7 @@
         </p:nvCxnSpPr>
         <p:spPr>
           <a:xfrm>
-            <a:off x="3898227" y="2240868"/>
+            <a:off x="2374228" y="2240868"/>
             <a:ext cx="1944215" cy="2376266"/>
           </a:xfrm>
           <a:prstGeom prst="line">
@@ -11850,7 +11849,7 @@
         </p:nvCxnSpPr>
         <p:spPr>
           <a:xfrm>
-            <a:off x="3898227" y="2672916"/>
+            <a:off x="2374228" y="2672916"/>
             <a:ext cx="1944215" cy="216026"/>
           </a:xfrm>
           <a:prstGeom prst="line">
@@ -11890,7 +11889,7 @@
         </p:nvCxnSpPr>
         <p:spPr>
           <a:xfrm>
-            <a:off x="3898227" y="2672916"/>
+            <a:off x="2374228" y="2672916"/>
             <a:ext cx="1944215" cy="648074"/>
           </a:xfrm>
           <a:prstGeom prst="line">
@@ -11930,7 +11929,7 @@
         </p:nvCxnSpPr>
         <p:spPr>
           <a:xfrm>
-            <a:off x="3898227" y="2672916"/>
+            <a:off x="2374228" y="2672916"/>
             <a:ext cx="1944215" cy="1080122"/>
           </a:xfrm>
           <a:prstGeom prst="line">
@@ -11970,7 +11969,7 @@
         </p:nvCxnSpPr>
         <p:spPr>
           <a:xfrm>
-            <a:off x="3898227" y="2672916"/>
+            <a:off x="2374228" y="2672916"/>
             <a:ext cx="1944215" cy="1512170"/>
           </a:xfrm>
           <a:prstGeom prst="line">
@@ -12010,7 +12009,7 @@
         </p:nvCxnSpPr>
         <p:spPr>
           <a:xfrm>
-            <a:off x="3898227" y="1808820"/>
+            <a:off x="2374228" y="1808820"/>
             <a:ext cx="1944215" cy="1944218"/>
           </a:xfrm>
           <a:prstGeom prst="line">
@@ -12050,7 +12049,7 @@
         </p:nvCxnSpPr>
         <p:spPr>
           <a:xfrm flipV="1">
-            <a:off x="3898227" y="2888942"/>
+            <a:off x="2374228" y="2888942"/>
             <a:ext cx="1944215" cy="216022"/>
           </a:xfrm>
           <a:prstGeom prst="line">
@@ -12090,7 +12089,7 @@
         </p:nvCxnSpPr>
         <p:spPr>
           <a:xfrm>
-            <a:off x="3898227" y="3104964"/>
+            <a:off x="2374228" y="3104964"/>
             <a:ext cx="1944215" cy="216026"/>
           </a:xfrm>
           <a:prstGeom prst="line">
@@ -12130,7 +12129,7 @@
         </p:nvCxnSpPr>
         <p:spPr>
           <a:xfrm>
-            <a:off x="3898227" y="3104964"/>
+            <a:off x="2374228" y="3104964"/>
             <a:ext cx="1944215" cy="1080122"/>
           </a:xfrm>
           <a:prstGeom prst="line">
@@ -12170,7 +12169,7 @@
         </p:nvCxnSpPr>
         <p:spPr>
           <a:xfrm>
-            <a:off x="3898227" y="3104964"/>
+            <a:off x="2374228" y="3104964"/>
             <a:ext cx="1944215" cy="648074"/>
           </a:xfrm>
           <a:prstGeom prst="line">
@@ -12210,7 +12209,7 @@
         </p:nvCxnSpPr>
         <p:spPr>
           <a:xfrm>
-            <a:off x="3898227" y="3104964"/>
+            <a:off x="2374228" y="3104964"/>
             <a:ext cx="1944215" cy="1512170"/>
           </a:xfrm>
           <a:prstGeom prst="line">
@@ -12250,7 +12249,7 @@
         </p:nvCxnSpPr>
         <p:spPr>
           <a:xfrm flipV="1">
-            <a:off x="3898227" y="2888942"/>
+            <a:off x="2374228" y="2888942"/>
             <a:ext cx="1944215" cy="648070"/>
           </a:xfrm>
           <a:prstGeom prst="line">
@@ -12290,7 +12289,7 @@
         </p:nvCxnSpPr>
         <p:spPr>
           <a:xfrm flipV="1">
-            <a:off x="3898227" y="3320990"/>
+            <a:off x="2374228" y="3320990"/>
             <a:ext cx="1944215" cy="216022"/>
           </a:xfrm>
           <a:prstGeom prst="line">
@@ -12330,7 +12329,7 @@
         </p:nvCxnSpPr>
         <p:spPr>
           <a:xfrm>
-            <a:off x="3898227" y="2672916"/>
+            <a:off x="2374228" y="2672916"/>
             <a:ext cx="1944215" cy="1944218"/>
           </a:xfrm>
           <a:prstGeom prst="line">
@@ -12370,7 +12369,7 @@
         </p:nvCxnSpPr>
         <p:spPr>
           <a:xfrm>
-            <a:off x="3898227" y="3537012"/>
+            <a:off x="2374228" y="3537012"/>
             <a:ext cx="1944215" cy="648074"/>
           </a:xfrm>
           <a:prstGeom prst="line">
@@ -12410,7 +12409,7 @@
         </p:nvCxnSpPr>
         <p:spPr>
           <a:xfrm>
-            <a:off x="3898227" y="3537012"/>
+            <a:off x="2374228" y="3537012"/>
             <a:ext cx="1944215" cy="216026"/>
           </a:xfrm>
           <a:prstGeom prst="line">
@@ -12450,7 +12449,7 @@
         </p:nvCxnSpPr>
         <p:spPr>
           <a:xfrm>
-            <a:off x="3898227" y="3537012"/>
+            <a:off x="2374228" y="3537012"/>
             <a:ext cx="1944215" cy="1080122"/>
           </a:xfrm>
           <a:prstGeom prst="line">
@@ -12490,7 +12489,7 @@
         </p:nvCxnSpPr>
         <p:spPr>
           <a:xfrm flipV="1">
-            <a:off x="3898227" y="2888942"/>
+            <a:off x="2374228" y="2888942"/>
             <a:ext cx="1944215" cy="1080118"/>
           </a:xfrm>
           <a:prstGeom prst="line">
@@ -12530,7 +12529,7 @@
         </p:nvCxnSpPr>
         <p:spPr>
           <a:xfrm flipV="1">
-            <a:off x="3898227" y="3753038"/>
+            <a:off x="2374228" y="3753038"/>
             <a:ext cx="1944215" cy="216022"/>
           </a:xfrm>
           <a:prstGeom prst="line">
@@ -12570,7 +12569,7 @@
         </p:nvCxnSpPr>
         <p:spPr>
           <a:xfrm flipV="1">
-            <a:off x="3898227" y="3320990"/>
+            <a:off x="2374228" y="3320990"/>
             <a:ext cx="1944215" cy="648070"/>
           </a:xfrm>
           <a:prstGeom prst="line">
@@ -12610,7 +12609,7 @@
         </p:nvCxnSpPr>
         <p:spPr>
           <a:xfrm>
-            <a:off x="3898227" y="3969060"/>
+            <a:off x="2374228" y="3969060"/>
             <a:ext cx="1944215" cy="216026"/>
           </a:xfrm>
           <a:prstGeom prst="line">
@@ -12650,7 +12649,7 @@
         </p:nvCxnSpPr>
         <p:spPr>
           <a:xfrm flipV="1">
-            <a:off x="3898227" y="2888942"/>
+            <a:off x="2374228" y="2888942"/>
             <a:ext cx="1944215" cy="1512166"/>
           </a:xfrm>
           <a:prstGeom prst="line">
@@ -12690,7 +12689,7 @@
         </p:nvCxnSpPr>
         <p:spPr>
           <a:xfrm flipV="1">
-            <a:off x="3898227" y="3320990"/>
+            <a:off x="2374228" y="3320990"/>
             <a:ext cx="1944215" cy="1080118"/>
           </a:xfrm>
           <a:prstGeom prst="line">
@@ -12730,7 +12729,7 @@
         </p:nvCxnSpPr>
         <p:spPr>
           <a:xfrm flipV="1">
-            <a:off x="3898227" y="3753038"/>
+            <a:off x="2374228" y="3753038"/>
             <a:ext cx="1944215" cy="648070"/>
           </a:xfrm>
           <a:prstGeom prst="line">
@@ -12770,7 +12769,7 @@
         </p:nvCxnSpPr>
         <p:spPr>
           <a:xfrm flipV="1">
-            <a:off x="3898227" y="4185086"/>
+            <a:off x="2374228" y="4185086"/>
             <a:ext cx="1944215" cy="216022"/>
           </a:xfrm>
           <a:prstGeom prst="line">
@@ -12810,7 +12809,7 @@
         </p:nvCxnSpPr>
         <p:spPr>
           <a:xfrm>
-            <a:off x="3898227" y="4401108"/>
+            <a:off x="2374228" y="4401108"/>
             <a:ext cx="1944215" cy="216026"/>
           </a:xfrm>
           <a:prstGeom prst="line">
@@ -12850,7 +12849,7 @@
         </p:nvCxnSpPr>
         <p:spPr>
           <a:xfrm flipV="1">
-            <a:off x="3898227" y="2888942"/>
+            <a:off x="2374228" y="2888942"/>
             <a:ext cx="1944215" cy="1944214"/>
           </a:xfrm>
           <a:prstGeom prst="line">
@@ -12890,7 +12889,7 @@
         </p:nvCxnSpPr>
         <p:spPr>
           <a:xfrm flipV="1">
-            <a:off x="3898227" y="3320990"/>
+            <a:off x="2374228" y="3320990"/>
             <a:ext cx="1944215" cy="1512166"/>
           </a:xfrm>
           <a:prstGeom prst="line">
@@ -12930,7 +12929,7 @@
         </p:nvCxnSpPr>
         <p:spPr>
           <a:xfrm flipV="1">
-            <a:off x="3898227" y="3753038"/>
+            <a:off x="2374228" y="3753038"/>
             <a:ext cx="1944215" cy="1080118"/>
           </a:xfrm>
           <a:prstGeom prst="line">
@@ -12970,7 +12969,7 @@
         </p:nvCxnSpPr>
         <p:spPr>
           <a:xfrm flipV="1">
-            <a:off x="3898227" y="4617134"/>
+            <a:off x="2374228" y="4617134"/>
             <a:ext cx="1944215" cy="216022"/>
           </a:xfrm>
           <a:prstGeom prst="line">
@@ -13010,7 +13009,7 @@
         </p:nvCxnSpPr>
         <p:spPr>
           <a:xfrm flipV="1">
-            <a:off x="3898227" y="4185086"/>
+            <a:off x="2374228" y="4185086"/>
             <a:ext cx="1944215" cy="648070"/>
           </a:xfrm>
           <a:prstGeom prst="line">
@@ -13050,7 +13049,7 @@
         </p:nvCxnSpPr>
         <p:spPr>
           <a:xfrm>
-            <a:off x="3898227" y="3969060"/>
+            <a:off x="2374228" y="3969060"/>
             <a:ext cx="1944215" cy="648074"/>
           </a:xfrm>
           <a:prstGeom prst="line">
@@ -13090,7 +13089,7 @@
         </p:nvCxnSpPr>
         <p:spPr>
           <a:xfrm flipV="1">
-            <a:off x="3898227" y="2888942"/>
+            <a:off x="2374228" y="2888942"/>
             <a:ext cx="1944215" cy="2376262"/>
           </a:xfrm>
           <a:prstGeom prst="line">
@@ -13130,7 +13129,7 @@
         </p:nvCxnSpPr>
         <p:spPr>
           <a:xfrm flipV="1">
-            <a:off x="3898227" y="3753038"/>
+            <a:off x="2374228" y="3753038"/>
             <a:ext cx="1944215" cy="1512166"/>
           </a:xfrm>
           <a:prstGeom prst="line">
@@ -13170,7 +13169,7 @@
         </p:nvCxnSpPr>
         <p:spPr>
           <a:xfrm flipV="1">
-            <a:off x="3898227" y="4185086"/>
+            <a:off x="2374228" y="4185086"/>
             <a:ext cx="1944215" cy="1080118"/>
           </a:xfrm>
           <a:prstGeom prst="line">
@@ -13210,7 +13209,7 @@
         </p:nvCxnSpPr>
         <p:spPr>
           <a:xfrm flipV="1">
-            <a:off x="3898227" y="4617134"/>
+            <a:off x="2374228" y="4617134"/>
             <a:ext cx="1944215" cy="648070"/>
           </a:xfrm>
           <a:prstGeom prst="line">
@@ -13250,7 +13249,7 @@
         </p:nvCxnSpPr>
         <p:spPr>
           <a:xfrm flipV="1">
-            <a:off x="3898227" y="2888942"/>
+            <a:off x="2374228" y="2888942"/>
             <a:ext cx="1944215" cy="2808310"/>
           </a:xfrm>
           <a:prstGeom prst="line">
@@ -13290,7 +13289,7 @@
         </p:nvCxnSpPr>
         <p:spPr>
           <a:xfrm flipV="1">
-            <a:off x="3898227" y="3320990"/>
+            <a:off x="2374228" y="3320990"/>
             <a:ext cx="1944215" cy="2376262"/>
           </a:xfrm>
           <a:prstGeom prst="line">
@@ -13330,7 +13329,7 @@
         </p:nvCxnSpPr>
         <p:spPr>
           <a:xfrm flipV="1">
-            <a:off x="3898227" y="3753038"/>
+            <a:off x="2374228" y="3753038"/>
             <a:ext cx="1944215" cy="1944214"/>
           </a:xfrm>
           <a:prstGeom prst="line">
@@ -13370,7 +13369,7 @@
         </p:nvCxnSpPr>
         <p:spPr>
           <a:xfrm flipV="1">
-            <a:off x="3898227" y="3320990"/>
+            <a:off x="2374228" y="3320990"/>
             <a:ext cx="1944215" cy="1944214"/>
           </a:xfrm>
           <a:prstGeom prst="line">
@@ -13410,7 +13409,7 @@
         </p:nvCxnSpPr>
         <p:spPr>
           <a:xfrm flipV="1">
-            <a:off x="3898227" y="4185086"/>
+            <a:off x="2374228" y="4185086"/>
             <a:ext cx="1944215" cy="1512166"/>
           </a:xfrm>
           <a:prstGeom prst="line">
@@ -13450,7 +13449,7 @@
         </p:nvCxnSpPr>
         <p:spPr>
           <a:xfrm flipV="1">
-            <a:off x="3898227" y="4617134"/>
+            <a:off x="2374228" y="4617134"/>
             <a:ext cx="1944215" cy="1080118"/>
           </a:xfrm>
           <a:prstGeom prst="line">
@@ -13486,7 +13485,7 @@
         </p:nvSpPr>
         <p:spPr>
           <a:xfrm rot="5400000">
-            <a:off x="7858663" y="3573018"/>
+            <a:off x="6334663" y="3573019"/>
             <a:ext cx="360040" cy="360041"/>
           </a:xfrm>
           <a:prstGeom prst="flowChartConnector">
@@ -13549,7 +13548,7 @@
         </p:nvCxnSpPr>
         <p:spPr>
           <a:xfrm>
-            <a:off x="6202481" y="2888944"/>
+            <a:off x="4678481" y="2888945"/>
             <a:ext cx="1656182" cy="864095"/>
           </a:xfrm>
           <a:prstGeom prst="line">
@@ -13589,7 +13588,7 @@
         </p:nvCxnSpPr>
         <p:spPr>
           <a:xfrm flipV="1">
-            <a:off x="6202481" y="3753039"/>
+            <a:off x="4678481" y="3753040"/>
             <a:ext cx="1656182" cy="864097"/>
           </a:xfrm>
           <a:prstGeom prst="line">
@@ -13629,7 +13628,7 @@
         </p:nvCxnSpPr>
         <p:spPr>
           <a:xfrm flipV="1">
-            <a:off x="6202481" y="3753039"/>
+            <a:off x="4678481" y="3753040"/>
             <a:ext cx="1656182" cy="432049"/>
           </a:xfrm>
           <a:prstGeom prst="line">
@@ -13669,7 +13668,7 @@
         </p:nvCxnSpPr>
         <p:spPr>
           <a:xfrm flipV="1">
-            <a:off x="6202481" y="3753039"/>
+            <a:off x="4678481" y="3753040"/>
             <a:ext cx="1656182" cy="1"/>
           </a:xfrm>
           <a:prstGeom prst="line">
@@ -13709,7 +13708,7 @@
         </p:nvCxnSpPr>
         <p:spPr>
           <a:xfrm>
-            <a:off x="6202481" y="3320992"/>
+            <a:off x="4678481" y="3320993"/>
             <a:ext cx="1656182" cy="432047"/>
           </a:xfrm>
           <a:prstGeom prst="line">
@@ -13745,7 +13744,7 @@
         </p:nvSpPr>
         <p:spPr>
           <a:xfrm>
-            <a:off x="5191303" y="703749"/>
+            <a:off x="3667304" y="703750"/>
             <a:ext cx="1662317" cy="584775"/>
           </a:xfrm>
           <a:prstGeom prst="rect">
@@ -13781,7 +13780,7 @@
         </p:nvSpPr>
         <p:spPr>
           <a:xfrm>
-            <a:off x="7461086" y="703749"/>
+            <a:off x="5937086" y="703750"/>
             <a:ext cx="1155194" cy="584775"/>
           </a:xfrm>
           <a:prstGeom prst="rect">
@@ -13847,7 +13846,7 @@
         </p:nvGrpSpPr>
         <p:grpSpPr>
           <a:xfrm rot="5400000">
-            <a:off x="1386548" y="2258639"/>
+            <a:off x="-137452" y="2258640"/>
             <a:ext cx="3694735" cy="2340725"/>
             <a:chOff x="4166023" y="1475876"/>
             <a:chExt cx="3694735" cy="2340725"/>
@@ -14444,7 +14443,7 @@
         </p:nvSpPr>
         <p:spPr>
           <a:xfrm rot="5400000">
-            <a:off x="6383629" y="3158453"/>
+            <a:off x="4859629" y="3158453"/>
             <a:ext cx="540000" cy="540000"/>
           </a:xfrm>
           <a:prstGeom prst="flowChartConnector">
@@ -14504,7 +14503,7 @@
         </p:nvSpPr>
         <p:spPr>
           <a:xfrm rot="5400000">
-            <a:off x="8902986" y="3159000"/>
+            <a:off x="7378986" y="3159000"/>
             <a:ext cx="540000" cy="540000"/>
           </a:xfrm>
           <a:prstGeom prst="flowChartConnector">
@@ -14558,7 +14557,7 @@
         </p:nvCxnSpPr>
         <p:spPr>
           <a:xfrm flipV="1">
-            <a:off x="4943872" y="3429002"/>
+            <a:off x="3419872" y="3429003"/>
             <a:ext cx="792088" cy="1"/>
           </a:xfrm>
           <a:prstGeom prst="straightConnector1">
@@ -14602,7 +14601,7 @@
         </p:nvCxnSpPr>
         <p:spPr>
           <a:xfrm flipV="1">
-            <a:off x="7536160" y="3428455"/>
+            <a:off x="6012160" y="3428456"/>
             <a:ext cx="900966" cy="547"/>
           </a:xfrm>
           <a:prstGeom prst="straightConnector1">
@@ -14644,7 +14643,7 @@
         </p:nvSpPr>
         <p:spPr>
           <a:xfrm>
-            <a:off x="3437927" y="1920626"/>
+            <a:off x="1913928" y="1920627"/>
             <a:ext cx="1392703" cy="584775"/>
           </a:xfrm>
           <a:prstGeom prst="rect">
@@ -14680,7 +14679,7 @@
         </p:nvSpPr>
         <p:spPr>
           <a:xfrm>
-            <a:off x="5900193" y="1920192"/>
+            <a:off x="4376194" y="1920193"/>
             <a:ext cx="1506875" cy="584775"/>
           </a:xfrm>
           <a:prstGeom prst="rect">
@@ -14716,7 +14715,7 @@
         </p:nvSpPr>
         <p:spPr>
           <a:xfrm>
-            <a:off x="8419550" y="1920192"/>
+            <a:off x="6895551" y="1920193"/>
             <a:ext cx="1506875" cy="584775"/>
           </a:xfrm>
           <a:prstGeom prst="rect">
@@ -14754,7 +14753,7 @@
             </p:nvSpPr>
             <p:spPr>
               <a:xfrm>
-                <a:off x="4040917" y="4345045"/>
+                <a:off x="2516917" y="4345046"/>
                 <a:ext cx="186718" cy="276999"/>
               </a:xfrm>
               <a:prstGeom prst="rect">
@@ -14818,7 +14817,7 @@
             </p:nvSpPr>
             <p:spPr>
               <a:xfrm>
-                <a:off x="4040917" y="4345045"/>
+                <a:off x="2516917" y="4345046"/>
                 <a:ext cx="186718" cy="276999"/>
               </a:xfrm>
               <a:prstGeom prst="rect">
@@ -14836,7 +14835,7 @@
               <a:lstStyle/>
               <a:p>
                 <a:r>
-                  <a:rPr lang="en-NZ">
+                  <a:rPr lang="en-GB">
                     <a:noFill/>
                   </a:rPr>
                   <a:t> </a:t>
@@ -14862,7 +14861,7 @@
             </p:nvSpPr>
             <p:spPr>
               <a:xfrm>
-                <a:off x="6271730" y="4345044"/>
+                <a:off x="4747731" y="4345045"/>
                 <a:ext cx="763799" cy="276999"/>
               </a:xfrm>
               <a:prstGeom prst="rect">
@@ -14957,7 +14956,7 @@
             </p:nvSpPr>
             <p:spPr>
               <a:xfrm>
-                <a:off x="6271730" y="4345044"/>
+                <a:off x="4747731" y="4345045"/>
                 <a:ext cx="763799" cy="276999"/>
               </a:xfrm>
               <a:prstGeom prst="rect">
@@ -14975,7 +14974,7 @@
               <a:lstStyle/>
               <a:p>
                 <a:r>
-                  <a:rPr lang="en-NZ">
+                  <a:rPr lang="en-GB">
                     <a:noFill/>
                   </a:rPr>
                   <a:t> </a:t>
@@ -15001,7 +15000,7 @@
             </p:nvSpPr>
             <p:spPr>
               <a:xfrm>
-                <a:off x="8561151" y="4345043"/>
+                <a:off x="7037151" y="4345044"/>
                 <a:ext cx="1223668" cy="276999"/>
               </a:xfrm>
               <a:prstGeom prst="rect">
@@ -15108,7 +15107,7 @@
             </p:nvSpPr>
             <p:spPr>
               <a:xfrm>
-                <a:off x="8561151" y="4345043"/>
+                <a:off x="7037151" y="4345044"/>
                 <a:ext cx="1223668" cy="276999"/>
               </a:xfrm>
               <a:prstGeom prst="rect">
@@ -15126,7 +15125,7 @@
               <a:lstStyle/>
               <a:p>
                 <a:r>
-                  <a:rPr lang="en-NZ">
+                  <a:rPr lang="en-GB">
                     <a:noFill/>
                   </a:rPr>
                   <a:t> </a:t>
@@ -15180,7 +15179,7 @@
         </p:nvSpPr>
         <p:spPr>
           <a:xfrm>
-            <a:off x="1476602" y="2103520"/>
+            <a:off x="-47398" y="2103520"/>
             <a:ext cx="1264227" cy="2650960"/>
           </a:xfrm>
           <a:prstGeom prst="roundRect">
@@ -15232,7 +15231,7 @@
         </p:nvSpPr>
         <p:spPr>
           <a:xfrm>
-            <a:off x="7435521" y="332881"/>
+            <a:off x="5911522" y="332882"/>
             <a:ext cx="2839451" cy="2650959"/>
           </a:xfrm>
           <a:prstGeom prst="roundRect">
@@ -15291,7 +15290,7 @@
         </p:nvSpPr>
         <p:spPr>
           <a:xfrm>
-            <a:off x="7395418" y="3874176"/>
+            <a:off x="5871419" y="3874177"/>
             <a:ext cx="2839451" cy="2650959"/>
           </a:xfrm>
           <a:prstGeom prst="roundRect">
@@ -15350,7 +15349,7 @@
         </p:nvSpPr>
         <p:spPr>
           <a:xfrm>
-            <a:off x="1838713" y="2396416"/>
+            <a:off x="314713" y="2396416"/>
             <a:ext cx="540000" cy="540000"/>
           </a:xfrm>
           <a:prstGeom prst="flowChartConnector">
@@ -15396,7 +15395,7 @@
         </p:nvSpPr>
         <p:spPr>
           <a:xfrm>
-            <a:off x="1838713" y="3921584"/>
+            <a:off x="314713" y="3921584"/>
             <a:ext cx="540000" cy="540000"/>
           </a:xfrm>
           <a:prstGeom prst="flowChartConnector">
@@ -15442,7 +15441,7 @@
         </p:nvSpPr>
         <p:spPr>
           <a:xfrm>
-            <a:off x="1838713" y="3159000"/>
+            <a:off x="314713" y="3159000"/>
             <a:ext cx="540000" cy="540000"/>
           </a:xfrm>
           <a:prstGeom prst="flowChartConnector">
@@ -15490,7 +15489,7 @@
         </p:nvCxnSpPr>
         <p:spPr>
           <a:xfrm flipV="1">
-            <a:off x="2943726" y="1658361"/>
+            <a:off x="1419726" y="1658362"/>
             <a:ext cx="2646948" cy="1500647"/>
           </a:xfrm>
           <a:prstGeom prst="straightConnector1">
@@ -15534,7 +15533,7 @@
         </p:nvCxnSpPr>
         <p:spPr>
           <a:xfrm>
-            <a:off x="2943726" y="3699007"/>
+            <a:off x="1419726" y="3699008"/>
             <a:ext cx="2646948" cy="1500647"/>
           </a:xfrm>
           <a:prstGeom prst="straightConnector1">
@@ -15576,7 +15575,7 @@
         </p:nvSpPr>
         <p:spPr>
           <a:xfrm>
-            <a:off x="1398849" y="1234611"/>
+            <a:off x="-125151" y="1234612"/>
             <a:ext cx="1419726" cy="646331"/>
           </a:xfrm>
           <a:prstGeom prst="rect">
@@ -15612,7 +15611,7 @@
         </p:nvSpPr>
         <p:spPr>
           <a:xfrm>
-            <a:off x="3525643" y="1019022"/>
+            <a:off x="2001644" y="1019022"/>
             <a:ext cx="1991639" cy="738664"/>
           </a:xfrm>
           <a:prstGeom prst="rect">
@@ -15647,7 +15646,7 @@
         </p:nvSpPr>
         <p:spPr>
           <a:xfrm>
-            <a:off x="3504786" y="5199646"/>
+            <a:off x="1980786" y="5199646"/>
             <a:ext cx="2033336" cy="738664"/>
           </a:xfrm>
           <a:prstGeom prst="rect">
@@ -15682,7 +15681,7 @@
         </p:nvSpPr>
         <p:spPr>
           <a:xfrm>
-            <a:off x="5673308" y="1473686"/>
+            <a:off x="4149309" y="1473686"/>
             <a:ext cx="1679585" cy="369332"/>
           </a:xfrm>
           <a:prstGeom prst="rect">
@@ -15726,7 +15725,7 @@
         </p:nvSpPr>
         <p:spPr>
           <a:xfrm>
-            <a:off x="5653257" y="5014980"/>
+            <a:off x="4129258" y="5014980"/>
             <a:ext cx="1679585" cy="369332"/>
           </a:xfrm>
           <a:prstGeom prst="rect">
@@ -15766,7 +15765,7 @@
         </p:nvSpPr>
         <p:spPr>
           <a:xfrm>
-            <a:off x="10582183" y="1473686"/>
+            <a:off x="9058183" y="1473686"/>
             <a:ext cx="831776" cy="369332"/>
           </a:xfrm>
           <a:prstGeom prst="rect">
@@ -15802,7 +15801,7 @@
         </p:nvSpPr>
         <p:spPr>
           <a:xfrm>
-            <a:off x="10582183" y="5014980"/>
+            <a:off x="9058183" y="5014980"/>
             <a:ext cx="831776" cy="369332"/>
           </a:xfrm>
           <a:prstGeom prst="rect">
@@ -15838,7 +15837,7 @@
         </p:nvSpPr>
         <p:spPr>
           <a:xfrm>
-            <a:off x="6147345" y="865141"/>
+            <a:off x="4623346" y="865142"/>
             <a:ext cx="731509" cy="307777"/>
           </a:xfrm>
           <a:prstGeom prst="rect">
@@ -15874,7 +15873,7 @@
         </p:nvSpPr>
         <p:spPr>
           <a:xfrm>
-            <a:off x="6127294" y="4600599"/>
+            <a:off x="4603295" y="4600600"/>
             <a:ext cx="731509" cy="307777"/>
           </a:xfrm>
           <a:prstGeom prst="rect">
@@ -15910,7 +15909,7 @@
         </p:nvSpPr>
         <p:spPr>
           <a:xfrm>
-            <a:off x="10632324" y="865141"/>
+            <a:off x="9108325" y="865142"/>
             <a:ext cx="781643" cy="307777"/>
           </a:xfrm>
           <a:prstGeom prst="rect">
@@ -15946,7 +15945,7 @@
         </p:nvSpPr>
         <p:spPr>
           <a:xfrm>
-            <a:off x="10607257" y="4602435"/>
+            <a:off x="9083258" y="4602436"/>
             <a:ext cx="781643" cy="307777"/>
           </a:xfrm>
           <a:prstGeom prst="rect">
@@ -15982,7 +15981,7 @@
 </file>
 
 <file path=ppt/slides/slide6.xml><?xml version="1.0" encoding="utf-8"?>
-<p:sld xmlns:a="http://schemas.openxmlformats.org/drawingml/2006/main" xmlns:r="http://schemas.openxmlformats.org/officeDocument/2006/relationships" xmlns:p="http://schemas.openxmlformats.org/presentationml/2006/main">
+<p:sld xmlns:a="http://schemas.openxmlformats.org/drawingml/2006/main" xmlns:r="http://schemas.openxmlformats.org/officeDocument/2006/relationships" xmlns:p="http://schemas.openxmlformats.org/presentationml/2006/main" show="0">
   <p:cSld>
     <p:spTree>
       <p:nvGrpSpPr>
@@ -16012,7 +16011,7 @@
         </p:nvGrpSpPr>
         <p:grpSpPr>
           <a:xfrm>
-            <a:off x="930635" y="3900535"/>
+            <a:off x="-593365" y="3900535"/>
             <a:ext cx="3830400" cy="2070000"/>
             <a:chOff x="1123141" y="1475876"/>
             <a:chExt cx="7662308" cy="4141450"/>
@@ -19049,7 +19048,7 @@
         </p:nvSpPr>
         <p:spPr>
           <a:xfrm>
-            <a:off x="7661771" y="3908974"/>
+            <a:off x="6137771" y="3908974"/>
             <a:ext cx="540000" cy="540000"/>
           </a:xfrm>
           <a:prstGeom prst="flowChartConnector">
@@ -19101,7 +19100,7 @@
         </p:nvSpPr>
         <p:spPr>
           <a:xfrm>
-            <a:off x="7030824" y="3908974"/>
+            <a:off x="5506824" y="3908974"/>
             <a:ext cx="540000" cy="540000"/>
           </a:xfrm>
           <a:prstGeom prst="flowChartConnector">
@@ -19153,7 +19152,7 @@
         </p:nvSpPr>
         <p:spPr>
           <a:xfrm>
-            <a:off x="8292718" y="3908974"/>
+            <a:off x="6768718" y="3908974"/>
             <a:ext cx="540000" cy="540000"/>
           </a:xfrm>
           <a:prstGeom prst="flowChartConnector">
@@ -19205,7 +19204,7 @@
         </p:nvSpPr>
         <p:spPr>
           <a:xfrm>
-            <a:off x="10276505" y="3908974"/>
+            <a:off x="8752505" y="3908974"/>
             <a:ext cx="540000" cy="540000"/>
           </a:xfrm>
           <a:prstGeom prst="flowChartConnector">
@@ -19257,7 +19256,7 @@
         </p:nvSpPr>
         <p:spPr>
           <a:xfrm>
-            <a:off x="8925029" y="3908982"/>
+            <a:off x="7401030" y="3908983"/>
             <a:ext cx="1259181" cy="539999"/>
           </a:xfrm>
           <a:prstGeom prst="roundRect">
@@ -19313,7 +19312,7 @@
         </p:nvSpPr>
         <p:spPr>
           <a:xfrm>
-            <a:off x="7661771" y="2557428"/>
+            <a:off x="6137771" y="2557428"/>
             <a:ext cx="540000" cy="540000"/>
           </a:xfrm>
           <a:prstGeom prst="flowChartConnector">
@@ -19359,7 +19358,7 @@
         </p:nvSpPr>
         <p:spPr>
           <a:xfrm>
-            <a:off x="8292718" y="2557428"/>
+            <a:off x="6768718" y="2557428"/>
             <a:ext cx="540000" cy="540000"/>
           </a:xfrm>
           <a:prstGeom prst="flowChartConnector">
@@ -19405,7 +19404,7 @@
         </p:nvSpPr>
         <p:spPr>
           <a:xfrm>
-            <a:off x="8923665" y="2557428"/>
+            <a:off x="7399665" y="2557428"/>
             <a:ext cx="540000" cy="540000"/>
           </a:xfrm>
           <a:prstGeom prst="flowChartConnector">
@@ -19451,7 +19450,7 @@
         </p:nvSpPr>
         <p:spPr>
           <a:xfrm>
-            <a:off x="9554612" y="2557428"/>
+            <a:off x="8030612" y="2557428"/>
             <a:ext cx="540000" cy="540000"/>
           </a:xfrm>
           <a:prstGeom prst="flowChartConnector">
@@ -19497,7 +19496,7 @@
         </p:nvSpPr>
         <p:spPr>
           <a:xfrm>
-            <a:off x="7661771" y="1205882"/>
+            <a:off x="6137771" y="1205882"/>
             <a:ext cx="540000" cy="540000"/>
           </a:xfrm>
           <a:prstGeom prst="flowChartConnector">
@@ -19549,7 +19548,7 @@
         </p:nvSpPr>
         <p:spPr>
           <a:xfrm>
-            <a:off x="7030824" y="1205882"/>
+            <a:off x="5506824" y="1205882"/>
             <a:ext cx="540000" cy="540000"/>
           </a:xfrm>
           <a:prstGeom prst="flowChartConnector">
@@ -19601,7 +19600,7 @@
         </p:nvSpPr>
         <p:spPr>
           <a:xfrm>
-            <a:off x="8292718" y="1205882"/>
+            <a:off x="6768718" y="1205882"/>
             <a:ext cx="540000" cy="540000"/>
           </a:xfrm>
           <a:prstGeom prst="flowChartConnector">
@@ -19653,7 +19652,7 @@
         </p:nvSpPr>
         <p:spPr>
           <a:xfrm>
-            <a:off x="10276505" y="1205882"/>
+            <a:off x="8752505" y="1205882"/>
             <a:ext cx="540000" cy="540000"/>
           </a:xfrm>
           <a:prstGeom prst="flowChartConnector">
@@ -19705,7 +19704,7 @@
         </p:nvSpPr>
         <p:spPr>
           <a:xfrm>
-            <a:off x="8925029" y="1205890"/>
+            <a:off x="7401030" y="1205891"/>
             <a:ext cx="1259181" cy="539999"/>
           </a:xfrm>
           <a:prstGeom prst="roundRect">
@@ -19765,7 +19764,7 @@
         </p:nvCxnSpPr>
         <p:spPr>
           <a:xfrm flipH="1" flipV="1">
-            <a:off x="7300832" y="1745882"/>
+            <a:off x="5776833" y="1745882"/>
             <a:ext cx="630947" cy="811546"/>
           </a:xfrm>
           <a:prstGeom prst="line">
@@ -19805,7 +19804,7 @@
         </p:nvCxnSpPr>
         <p:spPr>
           <a:xfrm flipH="1" flipV="1">
-            <a:off x="7300824" y="1745882"/>
+            <a:off x="5776824" y="1745882"/>
             <a:ext cx="1261894" cy="811546"/>
           </a:xfrm>
           <a:prstGeom prst="line">
@@ -19845,7 +19844,7 @@
         </p:nvCxnSpPr>
         <p:spPr>
           <a:xfrm flipH="1" flipV="1">
-            <a:off x="7300832" y="1745882"/>
+            <a:off x="5776833" y="1745882"/>
             <a:ext cx="1892841" cy="811546"/>
           </a:xfrm>
           <a:prstGeom prst="line">
@@ -19885,7 +19884,7 @@
         </p:nvCxnSpPr>
         <p:spPr>
           <a:xfrm flipH="1" flipV="1">
-            <a:off x="7300824" y="1745882"/>
+            <a:off x="5776824" y="1745882"/>
             <a:ext cx="2523788" cy="811546"/>
           </a:xfrm>
           <a:prstGeom prst="line">
@@ -19925,7 +19924,7 @@
         </p:nvCxnSpPr>
         <p:spPr>
           <a:xfrm flipV="1">
-            <a:off x="7931771" y="1745882"/>
+            <a:off x="6407771" y="1745882"/>
             <a:ext cx="0" cy="811546"/>
           </a:xfrm>
           <a:prstGeom prst="line">
@@ -19965,7 +19964,7 @@
         </p:nvCxnSpPr>
         <p:spPr>
           <a:xfrm flipH="1" flipV="1">
-            <a:off x="7931779" y="1745882"/>
+            <a:off x="6407780" y="1745882"/>
             <a:ext cx="630947" cy="811546"/>
           </a:xfrm>
           <a:prstGeom prst="line">
@@ -20005,7 +20004,7 @@
         </p:nvCxnSpPr>
         <p:spPr>
           <a:xfrm flipH="1" flipV="1">
-            <a:off x="7931771" y="1745882"/>
+            <a:off x="6407771" y="1745882"/>
             <a:ext cx="1261894" cy="811546"/>
           </a:xfrm>
           <a:prstGeom prst="line">
@@ -20045,7 +20044,7 @@
         </p:nvCxnSpPr>
         <p:spPr>
           <a:xfrm flipH="1" flipV="1">
-            <a:off x="7931779" y="1745882"/>
+            <a:off x="6407780" y="1745882"/>
             <a:ext cx="1892841" cy="811546"/>
           </a:xfrm>
           <a:prstGeom prst="line">
@@ -20085,7 +20084,7 @@
         </p:nvCxnSpPr>
         <p:spPr>
           <a:xfrm flipV="1">
-            <a:off x="7931779" y="1745882"/>
+            <a:off x="6407780" y="1745882"/>
             <a:ext cx="630947" cy="811546"/>
           </a:xfrm>
           <a:prstGeom prst="line">
@@ -20125,7 +20124,7 @@
         </p:nvCxnSpPr>
         <p:spPr>
           <a:xfrm flipV="1">
-            <a:off x="8562718" y="1745882"/>
+            <a:off x="7038718" y="1745882"/>
             <a:ext cx="0" cy="811546"/>
           </a:xfrm>
           <a:prstGeom prst="line">
@@ -20165,7 +20164,7 @@
         </p:nvCxnSpPr>
         <p:spPr>
           <a:xfrm flipH="1" flipV="1">
-            <a:off x="8562726" y="1745882"/>
+            <a:off x="7038727" y="1745882"/>
             <a:ext cx="630947" cy="811546"/>
           </a:xfrm>
           <a:prstGeom prst="line">
@@ -20205,7 +20204,7 @@
         </p:nvCxnSpPr>
         <p:spPr>
           <a:xfrm flipH="1" flipV="1">
-            <a:off x="8562718" y="1745882"/>
+            <a:off x="7038718" y="1745882"/>
             <a:ext cx="1261894" cy="811546"/>
           </a:xfrm>
           <a:prstGeom prst="line">
@@ -20245,7 +20244,7 @@
         </p:nvCxnSpPr>
         <p:spPr>
           <a:xfrm flipV="1">
-            <a:off x="7931771" y="1745882"/>
+            <a:off x="6407771" y="1745882"/>
             <a:ext cx="2614734" cy="811546"/>
           </a:xfrm>
           <a:prstGeom prst="line">
@@ -20285,7 +20284,7 @@
         </p:nvCxnSpPr>
         <p:spPr>
           <a:xfrm flipV="1">
-            <a:off x="8562726" y="1745882"/>
+            <a:off x="7038727" y="1745882"/>
             <a:ext cx="1983787" cy="811546"/>
           </a:xfrm>
           <a:prstGeom prst="line">
@@ -20325,7 +20324,7 @@
         </p:nvCxnSpPr>
         <p:spPr>
           <a:xfrm flipV="1">
-            <a:off x="9193665" y="1745882"/>
+            <a:off x="7669665" y="1745882"/>
             <a:ext cx="1352840" cy="811546"/>
           </a:xfrm>
           <a:prstGeom prst="line">
@@ -20365,7 +20364,7 @@
         </p:nvCxnSpPr>
         <p:spPr>
           <a:xfrm flipV="1">
-            <a:off x="9824620" y="1745882"/>
+            <a:off x="8300621" y="1745882"/>
             <a:ext cx="721893" cy="811546"/>
           </a:xfrm>
           <a:prstGeom prst="line">
@@ -20405,7 +20404,7 @@
         </p:nvCxnSpPr>
         <p:spPr>
           <a:xfrm flipH="1">
-            <a:off x="7300832" y="3097428"/>
+            <a:off x="5776833" y="3097428"/>
             <a:ext cx="630947" cy="811546"/>
           </a:xfrm>
           <a:prstGeom prst="line">
@@ -20445,7 +20444,7 @@
         </p:nvCxnSpPr>
         <p:spPr>
           <a:xfrm flipH="1">
-            <a:off x="7300824" y="3097428"/>
+            <a:off x="5776824" y="3097428"/>
             <a:ext cx="1261894" cy="811546"/>
           </a:xfrm>
           <a:prstGeom prst="line">
@@ -20485,7 +20484,7 @@
         </p:nvCxnSpPr>
         <p:spPr>
           <a:xfrm flipH="1">
-            <a:off x="7300832" y="3097428"/>
+            <a:off x="5776833" y="3097428"/>
             <a:ext cx="1892841" cy="811546"/>
           </a:xfrm>
           <a:prstGeom prst="line">
@@ -20525,7 +20524,7 @@
         </p:nvCxnSpPr>
         <p:spPr>
           <a:xfrm flipH="1">
-            <a:off x="7300824" y="3097428"/>
+            <a:off x="5776824" y="3097428"/>
             <a:ext cx="2523788" cy="811546"/>
           </a:xfrm>
           <a:prstGeom prst="line">
@@ -20565,7 +20564,7 @@
         </p:nvCxnSpPr>
         <p:spPr>
           <a:xfrm>
-            <a:off x="7931771" y="3097428"/>
+            <a:off x="6407771" y="3097428"/>
             <a:ext cx="0" cy="811546"/>
           </a:xfrm>
           <a:prstGeom prst="line">
@@ -20605,7 +20604,7 @@
         </p:nvCxnSpPr>
         <p:spPr>
           <a:xfrm flipH="1">
-            <a:off x="7931771" y="3097428"/>
+            <a:off x="6407771" y="3097428"/>
             <a:ext cx="1261894" cy="811546"/>
           </a:xfrm>
           <a:prstGeom prst="line">
@@ -20645,7 +20644,7 @@
         </p:nvCxnSpPr>
         <p:spPr>
           <a:xfrm flipH="1">
-            <a:off x="7931779" y="3097428"/>
+            <a:off x="6407780" y="3097428"/>
             <a:ext cx="630947" cy="811546"/>
           </a:xfrm>
           <a:prstGeom prst="line">
@@ -20685,7 +20684,7 @@
         </p:nvCxnSpPr>
         <p:spPr>
           <a:xfrm flipH="1">
-            <a:off x="7931779" y="3097428"/>
+            <a:off x="6407780" y="3097428"/>
             <a:ext cx="1892841" cy="811546"/>
           </a:xfrm>
           <a:prstGeom prst="line">
@@ -20725,7 +20724,7 @@
         </p:nvCxnSpPr>
         <p:spPr>
           <a:xfrm>
-            <a:off x="7931779" y="3097428"/>
+            <a:off x="6407780" y="3097428"/>
             <a:ext cx="630947" cy="811546"/>
           </a:xfrm>
           <a:prstGeom prst="line">
@@ -20765,7 +20764,7 @@
         </p:nvCxnSpPr>
         <p:spPr>
           <a:xfrm>
-            <a:off x="8562718" y="3097428"/>
+            <a:off x="7038718" y="3097428"/>
             <a:ext cx="0" cy="811546"/>
           </a:xfrm>
           <a:prstGeom prst="line">
@@ -20805,7 +20804,7 @@
         </p:nvCxnSpPr>
         <p:spPr>
           <a:xfrm flipH="1">
-            <a:off x="8562726" y="3097428"/>
+            <a:off x="7038727" y="3097428"/>
             <a:ext cx="630947" cy="811546"/>
           </a:xfrm>
           <a:prstGeom prst="line">
@@ -20845,7 +20844,7 @@
         </p:nvCxnSpPr>
         <p:spPr>
           <a:xfrm flipH="1">
-            <a:off x="8562718" y="3097428"/>
+            <a:off x="7038718" y="3097428"/>
             <a:ext cx="1261894" cy="811546"/>
           </a:xfrm>
           <a:prstGeom prst="line">
@@ -20885,7 +20884,7 @@
         </p:nvCxnSpPr>
         <p:spPr>
           <a:xfrm flipH="1" flipV="1">
-            <a:off x="7931771" y="3097428"/>
+            <a:off x="6407771" y="3097428"/>
             <a:ext cx="2614734" cy="811546"/>
           </a:xfrm>
           <a:prstGeom prst="line">
@@ -20925,7 +20924,7 @@
         </p:nvCxnSpPr>
         <p:spPr>
           <a:xfrm flipH="1" flipV="1">
-            <a:off x="8562726" y="3097428"/>
+            <a:off x="7038727" y="3097428"/>
             <a:ext cx="1983787" cy="811546"/>
           </a:xfrm>
           <a:prstGeom prst="line">
@@ -20965,7 +20964,7 @@
         </p:nvCxnSpPr>
         <p:spPr>
           <a:xfrm flipH="1" flipV="1">
-            <a:off x="9193665" y="3097428"/>
+            <a:off x="7669665" y="3097428"/>
             <a:ext cx="1352840" cy="811546"/>
           </a:xfrm>
           <a:prstGeom prst="line">
@@ -21005,7 +21004,7 @@
         </p:nvCxnSpPr>
         <p:spPr>
           <a:xfrm flipH="1" flipV="1">
-            <a:off x="9824620" y="3097428"/>
+            <a:off x="8300621" y="3097428"/>
             <a:ext cx="721893" cy="811546"/>
           </a:xfrm>
           <a:prstGeom prst="line">
@@ -21041,7 +21040,7 @@
         </p:nvSpPr>
         <p:spPr>
           <a:xfrm>
-            <a:off x="2845842" y="5558589"/>
+            <a:off x="1321843" y="5558589"/>
             <a:ext cx="2006121" cy="555518"/>
           </a:xfrm>
           <a:prstGeom prst="rect">
@@ -21095,7 +21094,7 @@
         </p:nvCxnSpPr>
         <p:spPr>
           <a:xfrm flipV="1">
-            <a:off x="4922219" y="4681065"/>
+            <a:off x="3398220" y="4681066"/>
             <a:ext cx="2090985" cy="1017943"/>
           </a:xfrm>
           <a:prstGeom prst="straightConnector1">
@@ -21137,7 +21136,7 @@
         </p:nvSpPr>
         <p:spPr>
           <a:xfrm>
-            <a:off x="8338199" y="4720528"/>
+            <a:off x="6814200" y="4720529"/>
             <a:ext cx="1170947" cy="442575"/>
           </a:xfrm>
           <a:prstGeom prst="rect">
@@ -21193,7 +21192,7 @@
         </p:nvSpPr>
         <p:spPr>
           <a:xfrm>
-            <a:off x="8338198" y="444602"/>
+            <a:off x="6814199" y="444603"/>
             <a:ext cx="1170947" cy="442575"/>
           </a:xfrm>
           <a:prstGeom prst="rect">
@@ -21249,7 +21248,7 @@
         </p:nvSpPr>
         <p:spPr>
           <a:xfrm>
-            <a:off x="6079187" y="5489442"/>
+            <a:off x="4555188" y="5489443"/>
             <a:ext cx="2477591" cy="830997"/>
           </a:xfrm>
           <a:prstGeom prst="rect">
@@ -21291,7 +21290,7 @@
         </p:nvSpPr>
         <p:spPr>
           <a:xfrm>
-            <a:off x="1332411" y="3024475"/>
+            <a:off x="-191589" y="3024476"/>
             <a:ext cx="2560083" cy="584775"/>
           </a:xfrm>
           <a:prstGeom prst="rect">
@@ -21323,6 +21322,2248 @@
     <p:extLst>
       <p:ext uri="{BB962C8B-B14F-4D97-AF65-F5344CB8AC3E}">
         <p14:creationId xmlns:p14="http://schemas.microsoft.com/office/powerpoint/2010/main" val="1985841067"/>
+      </p:ext>
+    </p:extLst>
+  </p:cSld>
+  <p:clrMapOvr>
+    <a:masterClrMapping/>
+  </p:clrMapOvr>
+</p:sld>
+</file>
+
+<file path=ppt/slides/slide7.xml><?xml version="1.0" encoding="utf-8"?>
+<p:sld xmlns:a="http://schemas.openxmlformats.org/drawingml/2006/main" xmlns:r="http://schemas.openxmlformats.org/officeDocument/2006/relationships" xmlns:p="http://schemas.openxmlformats.org/presentationml/2006/main">
+  <p:cSld>
+    <p:spTree>
+      <p:nvGrpSpPr>
+        <p:cNvPr id="1" name=""/>
+        <p:cNvGrpSpPr/>
+        <p:nvPr/>
+      </p:nvGrpSpPr>
+      <p:grpSpPr>
+        <a:xfrm>
+          <a:off x="0" y="0"/>
+          <a:ext cx="0" cy="0"/>
+          <a:chOff x="0" y="0"/>
+          <a:chExt cx="0" cy="0"/>
+        </a:xfrm>
+      </p:grpSpPr>
+      <p:sp>
+        <p:nvSpPr>
+          <p:cNvPr id="74" name="Flowchart: Connector 73">
+            <a:extLst>
+              <a:ext uri="{FF2B5EF4-FFF2-40B4-BE49-F238E27FC236}">
+                <a16:creationId xmlns:a16="http://schemas.microsoft.com/office/drawing/2014/main" id="{7B6A216F-5477-4F0C-AFA2-AECBF1D82375}"/>
+              </a:ext>
+            </a:extLst>
+          </p:cNvPr>
+          <p:cNvSpPr/>
+          <p:nvPr/>
+        </p:nvSpPr>
+        <p:spPr>
+          <a:xfrm>
+            <a:off x="3399239" y="4510546"/>
+            <a:ext cx="540000" cy="540000"/>
+          </a:xfrm>
+          <a:prstGeom prst="flowChartConnector">
+            <a:avLst/>
+          </a:prstGeom>
+          <a:solidFill>
+            <a:schemeClr val="accent1">
+              <a:lumMod val="60000"/>
+              <a:lumOff val="40000"/>
+            </a:schemeClr>
+          </a:solidFill>
+        </p:spPr>
+        <p:style>
+          <a:lnRef idx="2">
+            <a:schemeClr val="accent1">
+              <a:shade val="50000"/>
+            </a:schemeClr>
+          </a:lnRef>
+          <a:fillRef idx="1">
+            <a:schemeClr val="accent1"/>
+          </a:fillRef>
+          <a:effectRef idx="0">
+            <a:schemeClr val="accent1"/>
+          </a:effectRef>
+          <a:fontRef idx="minor">
+            <a:schemeClr val="lt1"/>
+          </a:fontRef>
+        </p:style>
+        <p:txBody>
+          <a:bodyPr rtlCol="0" anchor="ctr"/>
+          <a:lstStyle/>
+          <a:p>
+            <a:pPr algn="ctr"/>
+            <a:endParaRPr lang="en-NZ"/>
+          </a:p>
+        </p:txBody>
+      </p:sp>
+      <p:sp>
+        <p:nvSpPr>
+          <p:cNvPr id="76" name="Flowchart: Connector 75">
+            <a:extLst>
+              <a:ext uri="{FF2B5EF4-FFF2-40B4-BE49-F238E27FC236}">
+                <a16:creationId xmlns:a16="http://schemas.microsoft.com/office/drawing/2014/main" id="{4F5910EB-6764-42CB-BA84-86AE0D1AF6A5}"/>
+              </a:ext>
+            </a:extLst>
+          </p:cNvPr>
+          <p:cNvSpPr/>
+          <p:nvPr/>
+        </p:nvSpPr>
+        <p:spPr>
+          <a:xfrm>
+            <a:off x="2768292" y="4510546"/>
+            <a:ext cx="540000" cy="540000"/>
+          </a:xfrm>
+          <a:prstGeom prst="flowChartConnector">
+            <a:avLst/>
+          </a:prstGeom>
+          <a:solidFill>
+            <a:schemeClr val="accent1">
+              <a:lumMod val="60000"/>
+              <a:lumOff val="40000"/>
+            </a:schemeClr>
+          </a:solidFill>
+        </p:spPr>
+        <p:style>
+          <a:lnRef idx="2">
+            <a:schemeClr val="accent1">
+              <a:shade val="50000"/>
+            </a:schemeClr>
+          </a:lnRef>
+          <a:fillRef idx="1">
+            <a:schemeClr val="accent1"/>
+          </a:fillRef>
+          <a:effectRef idx="0">
+            <a:schemeClr val="accent1"/>
+          </a:effectRef>
+          <a:fontRef idx="minor">
+            <a:schemeClr val="lt1"/>
+          </a:fontRef>
+        </p:style>
+        <p:txBody>
+          <a:bodyPr rtlCol="0" anchor="ctr"/>
+          <a:lstStyle/>
+          <a:p>
+            <a:pPr algn="ctr"/>
+            <a:endParaRPr lang="en-NZ"/>
+          </a:p>
+        </p:txBody>
+      </p:sp>
+      <p:sp>
+        <p:nvSpPr>
+          <p:cNvPr id="77" name="Flowchart: Connector 76">
+            <a:extLst>
+              <a:ext uri="{FF2B5EF4-FFF2-40B4-BE49-F238E27FC236}">
+                <a16:creationId xmlns:a16="http://schemas.microsoft.com/office/drawing/2014/main" id="{FCAB00BC-9CFB-4841-A2BA-7F04CD17CF05}"/>
+              </a:ext>
+            </a:extLst>
+          </p:cNvPr>
+          <p:cNvSpPr/>
+          <p:nvPr/>
+        </p:nvSpPr>
+        <p:spPr>
+          <a:xfrm>
+            <a:off x="4030186" y="4510546"/>
+            <a:ext cx="540000" cy="540000"/>
+          </a:xfrm>
+          <a:prstGeom prst="flowChartConnector">
+            <a:avLst/>
+          </a:prstGeom>
+          <a:solidFill>
+            <a:schemeClr val="accent1">
+              <a:lumMod val="60000"/>
+              <a:lumOff val="40000"/>
+            </a:schemeClr>
+          </a:solidFill>
+        </p:spPr>
+        <p:style>
+          <a:lnRef idx="2">
+            <a:schemeClr val="accent1">
+              <a:shade val="50000"/>
+            </a:schemeClr>
+          </a:lnRef>
+          <a:fillRef idx="1">
+            <a:schemeClr val="accent1"/>
+          </a:fillRef>
+          <a:effectRef idx="0">
+            <a:schemeClr val="accent1"/>
+          </a:effectRef>
+          <a:fontRef idx="minor">
+            <a:schemeClr val="lt1"/>
+          </a:fontRef>
+        </p:style>
+        <p:txBody>
+          <a:bodyPr rtlCol="0" anchor="ctr"/>
+          <a:lstStyle/>
+          <a:p>
+            <a:pPr algn="ctr"/>
+            <a:endParaRPr lang="en-NZ"/>
+          </a:p>
+        </p:txBody>
+      </p:sp>
+      <p:sp>
+        <p:nvSpPr>
+          <p:cNvPr id="79" name="Flowchart: Connector 78">
+            <a:extLst>
+              <a:ext uri="{FF2B5EF4-FFF2-40B4-BE49-F238E27FC236}">
+                <a16:creationId xmlns:a16="http://schemas.microsoft.com/office/drawing/2014/main" id="{51C0AB82-C188-45E6-9638-FC5C8F23277A}"/>
+              </a:ext>
+            </a:extLst>
+          </p:cNvPr>
+          <p:cNvSpPr/>
+          <p:nvPr/>
+        </p:nvSpPr>
+        <p:spPr>
+          <a:xfrm>
+            <a:off x="6013973" y="4510546"/>
+            <a:ext cx="540000" cy="540000"/>
+          </a:xfrm>
+          <a:prstGeom prst="flowChartConnector">
+            <a:avLst/>
+          </a:prstGeom>
+          <a:solidFill>
+            <a:schemeClr val="accent1">
+              <a:lumMod val="60000"/>
+              <a:lumOff val="40000"/>
+            </a:schemeClr>
+          </a:solidFill>
+        </p:spPr>
+        <p:style>
+          <a:lnRef idx="2">
+            <a:schemeClr val="accent1">
+              <a:shade val="50000"/>
+            </a:schemeClr>
+          </a:lnRef>
+          <a:fillRef idx="1">
+            <a:schemeClr val="accent1"/>
+          </a:fillRef>
+          <a:effectRef idx="0">
+            <a:schemeClr val="accent1"/>
+          </a:effectRef>
+          <a:fontRef idx="minor">
+            <a:schemeClr val="lt1"/>
+          </a:fontRef>
+        </p:style>
+        <p:txBody>
+          <a:bodyPr rtlCol="0" anchor="ctr"/>
+          <a:lstStyle/>
+          <a:p>
+            <a:pPr algn="ctr"/>
+            <a:endParaRPr lang="en-NZ"/>
+          </a:p>
+        </p:txBody>
+      </p:sp>
+      <p:sp>
+        <p:nvSpPr>
+          <p:cNvPr id="80" name="Rectangle: Rounded Corners 79">
+            <a:extLst>
+              <a:ext uri="{FF2B5EF4-FFF2-40B4-BE49-F238E27FC236}">
+                <a16:creationId xmlns:a16="http://schemas.microsoft.com/office/drawing/2014/main" id="{2D90F816-2551-49B4-BB47-255DBB571455}"/>
+              </a:ext>
+            </a:extLst>
+          </p:cNvPr>
+          <p:cNvSpPr/>
+          <p:nvPr/>
+        </p:nvSpPr>
+        <p:spPr>
+          <a:xfrm>
+            <a:off x="4662498" y="4510555"/>
+            <a:ext cx="1259181" cy="539999"/>
+          </a:xfrm>
+          <a:prstGeom prst="roundRect">
+            <a:avLst/>
+          </a:prstGeom>
+          <a:solidFill>
+            <a:schemeClr val="accent1">
+              <a:lumMod val="60000"/>
+              <a:lumOff val="40000"/>
+            </a:schemeClr>
+          </a:solidFill>
+        </p:spPr>
+        <p:style>
+          <a:lnRef idx="2">
+            <a:schemeClr val="accent1">
+              <a:shade val="50000"/>
+            </a:schemeClr>
+          </a:lnRef>
+          <a:fillRef idx="1">
+            <a:schemeClr val="accent1"/>
+          </a:fillRef>
+          <a:effectRef idx="0">
+            <a:schemeClr val="accent1"/>
+          </a:effectRef>
+          <a:fontRef idx="minor">
+            <a:schemeClr val="lt1"/>
+          </a:fontRef>
+        </p:style>
+        <p:txBody>
+          <a:bodyPr rtlCol="0" anchor="ctr"/>
+          <a:lstStyle/>
+          <a:p>
+            <a:pPr algn="ctr"/>
+            <a:r>
+              <a:rPr lang="en-US" dirty="0"/>
+              <a:t>. . .</a:t>
+            </a:r>
+            <a:endParaRPr lang="en-NZ" dirty="0"/>
+          </a:p>
+        </p:txBody>
+      </p:sp>
+      <p:sp>
+        <p:nvSpPr>
+          <p:cNvPr id="82" name="Flowchart: Connector 81">
+            <a:extLst>
+              <a:ext uri="{FF2B5EF4-FFF2-40B4-BE49-F238E27FC236}">
+                <a16:creationId xmlns:a16="http://schemas.microsoft.com/office/drawing/2014/main" id="{E1DCAB65-1531-466E-8DC2-339354E46348}"/>
+              </a:ext>
+            </a:extLst>
+          </p:cNvPr>
+          <p:cNvSpPr/>
+          <p:nvPr/>
+        </p:nvSpPr>
+        <p:spPr>
+          <a:xfrm>
+            <a:off x="3399239" y="3159000"/>
+            <a:ext cx="540000" cy="540000"/>
+          </a:xfrm>
+          <a:prstGeom prst="flowChartConnector">
+            <a:avLst/>
+          </a:prstGeom>
+        </p:spPr>
+        <p:style>
+          <a:lnRef idx="2">
+            <a:schemeClr val="accent3">
+              <a:shade val="50000"/>
+            </a:schemeClr>
+          </a:lnRef>
+          <a:fillRef idx="1">
+            <a:schemeClr val="accent3"/>
+          </a:fillRef>
+          <a:effectRef idx="0">
+            <a:schemeClr val="accent3"/>
+          </a:effectRef>
+          <a:fontRef idx="minor">
+            <a:schemeClr val="lt1"/>
+          </a:fontRef>
+        </p:style>
+        <p:txBody>
+          <a:bodyPr rtlCol="0" anchor="ctr"/>
+          <a:lstStyle/>
+          <a:p>
+            <a:pPr algn="ctr"/>
+            <a:endParaRPr lang="en-NZ"/>
+          </a:p>
+        </p:txBody>
+      </p:sp>
+      <p:sp>
+        <p:nvSpPr>
+          <p:cNvPr id="83" name="Flowchart: Connector 82">
+            <a:extLst>
+              <a:ext uri="{FF2B5EF4-FFF2-40B4-BE49-F238E27FC236}">
+                <a16:creationId xmlns:a16="http://schemas.microsoft.com/office/drawing/2014/main" id="{A24F49CC-5AE4-4676-B3C5-36109BC8DF82}"/>
+              </a:ext>
+            </a:extLst>
+          </p:cNvPr>
+          <p:cNvSpPr/>
+          <p:nvPr/>
+        </p:nvSpPr>
+        <p:spPr>
+          <a:xfrm>
+            <a:off x="4030186" y="3159000"/>
+            <a:ext cx="540000" cy="540000"/>
+          </a:xfrm>
+          <a:prstGeom prst="flowChartConnector">
+            <a:avLst/>
+          </a:prstGeom>
+        </p:spPr>
+        <p:style>
+          <a:lnRef idx="2">
+            <a:schemeClr val="accent3">
+              <a:shade val="50000"/>
+            </a:schemeClr>
+          </a:lnRef>
+          <a:fillRef idx="1">
+            <a:schemeClr val="accent3"/>
+          </a:fillRef>
+          <a:effectRef idx="0">
+            <a:schemeClr val="accent3"/>
+          </a:effectRef>
+          <a:fontRef idx="minor">
+            <a:schemeClr val="lt1"/>
+          </a:fontRef>
+        </p:style>
+        <p:txBody>
+          <a:bodyPr rtlCol="0" anchor="ctr"/>
+          <a:lstStyle/>
+          <a:p>
+            <a:pPr algn="ctr"/>
+            <a:endParaRPr lang="en-NZ"/>
+          </a:p>
+        </p:txBody>
+      </p:sp>
+      <p:sp>
+        <p:nvSpPr>
+          <p:cNvPr id="84" name="Flowchart: Connector 83">
+            <a:extLst>
+              <a:ext uri="{FF2B5EF4-FFF2-40B4-BE49-F238E27FC236}">
+                <a16:creationId xmlns:a16="http://schemas.microsoft.com/office/drawing/2014/main" id="{76468798-C610-492F-BDF2-12067DF6F4E4}"/>
+              </a:ext>
+            </a:extLst>
+          </p:cNvPr>
+          <p:cNvSpPr/>
+          <p:nvPr/>
+        </p:nvSpPr>
+        <p:spPr>
+          <a:xfrm>
+            <a:off x="4661133" y="3159000"/>
+            <a:ext cx="540000" cy="540000"/>
+          </a:xfrm>
+          <a:prstGeom prst="flowChartConnector">
+            <a:avLst/>
+          </a:prstGeom>
+        </p:spPr>
+        <p:style>
+          <a:lnRef idx="2">
+            <a:schemeClr val="accent3">
+              <a:shade val="50000"/>
+            </a:schemeClr>
+          </a:lnRef>
+          <a:fillRef idx="1">
+            <a:schemeClr val="accent3"/>
+          </a:fillRef>
+          <a:effectRef idx="0">
+            <a:schemeClr val="accent3"/>
+          </a:effectRef>
+          <a:fontRef idx="minor">
+            <a:schemeClr val="lt1"/>
+          </a:fontRef>
+        </p:style>
+        <p:txBody>
+          <a:bodyPr rtlCol="0" anchor="ctr"/>
+          <a:lstStyle/>
+          <a:p>
+            <a:pPr algn="ctr"/>
+            <a:endParaRPr lang="en-NZ"/>
+          </a:p>
+        </p:txBody>
+      </p:sp>
+      <p:sp>
+        <p:nvSpPr>
+          <p:cNvPr id="85" name="Flowchart: Connector 84">
+            <a:extLst>
+              <a:ext uri="{FF2B5EF4-FFF2-40B4-BE49-F238E27FC236}">
+                <a16:creationId xmlns:a16="http://schemas.microsoft.com/office/drawing/2014/main" id="{9DFEA177-CD61-4768-A8E2-F5B2DA5A7ACC}"/>
+              </a:ext>
+            </a:extLst>
+          </p:cNvPr>
+          <p:cNvSpPr/>
+          <p:nvPr/>
+        </p:nvSpPr>
+        <p:spPr>
+          <a:xfrm>
+            <a:off x="5292080" y="3159000"/>
+            <a:ext cx="540000" cy="540000"/>
+          </a:xfrm>
+          <a:prstGeom prst="flowChartConnector">
+            <a:avLst/>
+          </a:prstGeom>
+        </p:spPr>
+        <p:style>
+          <a:lnRef idx="2">
+            <a:schemeClr val="accent3">
+              <a:shade val="50000"/>
+            </a:schemeClr>
+          </a:lnRef>
+          <a:fillRef idx="1">
+            <a:schemeClr val="accent3"/>
+          </a:fillRef>
+          <a:effectRef idx="0">
+            <a:schemeClr val="accent3"/>
+          </a:effectRef>
+          <a:fontRef idx="minor">
+            <a:schemeClr val="lt1"/>
+          </a:fontRef>
+        </p:style>
+        <p:txBody>
+          <a:bodyPr rtlCol="0" anchor="ctr"/>
+          <a:lstStyle/>
+          <a:p>
+            <a:pPr algn="ctr"/>
+            <a:endParaRPr lang="en-NZ"/>
+          </a:p>
+        </p:txBody>
+      </p:sp>
+      <p:sp>
+        <p:nvSpPr>
+          <p:cNvPr id="86" name="Flowchart: Connector 85">
+            <a:extLst>
+              <a:ext uri="{FF2B5EF4-FFF2-40B4-BE49-F238E27FC236}">
+                <a16:creationId xmlns:a16="http://schemas.microsoft.com/office/drawing/2014/main" id="{9F2D17A5-2A2D-4179-AF98-CCF9ED6CEC08}"/>
+              </a:ext>
+            </a:extLst>
+          </p:cNvPr>
+          <p:cNvSpPr/>
+          <p:nvPr/>
+        </p:nvSpPr>
+        <p:spPr>
+          <a:xfrm>
+            <a:off x="3399239" y="1807454"/>
+            <a:ext cx="540000" cy="540000"/>
+          </a:xfrm>
+          <a:prstGeom prst="flowChartConnector">
+            <a:avLst/>
+          </a:prstGeom>
+          <a:solidFill>
+            <a:schemeClr val="accent6">
+              <a:lumMod val="60000"/>
+              <a:lumOff val="40000"/>
+            </a:schemeClr>
+          </a:solidFill>
+        </p:spPr>
+        <p:style>
+          <a:lnRef idx="2">
+            <a:schemeClr val="accent6">
+              <a:shade val="50000"/>
+            </a:schemeClr>
+          </a:lnRef>
+          <a:fillRef idx="1">
+            <a:schemeClr val="accent6"/>
+          </a:fillRef>
+          <a:effectRef idx="0">
+            <a:schemeClr val="accent6"/>
+          </a:effectRef>
+          <a:fontRef idx="minor">
+            <a:schemeClr val="lt1"/>
+          </a:fontRef>
+        </p:style>
+        <p:txBody>
+          <a:bodyPr rtlCol="0" anchor="ctr"/>
+          <a:lstStyle/>
+          <a:p>
+            <a:pPr algn="ctr"/>
+            <a:endParaRPr lang="en-NZ"/>
+          </a:p>
+        </p:txBody>
+      </p:sp>
+      <p:sp>
+        <p:nvSpPr>
+          <p:cNvPr id="87" name="Flowchart: Connector 86">
+            <a:extLst>
+              <a:ext uri="{FF2B5EF4-FFF2-40B4-BE49-F238E27FC236}">
+                <a16:creationId xmlns:a16="http://schemas.microsoft.com/office/drawing/2014/main" id="{88C26032-EC5D-4643-8945-65FA32A063FF}"/>
+              </a:ext>
+            </a:extLst>
+          </p:cNvPr>
+          <p:cNvSpPr/>
+          <p:nvPr/>
+        </p:nvSpPr>
+        <p:spPr>
+          <a:xfrm>
+            <a:off x="2768292" y="1807454"/>
+            <a:ext cx="540000" cy="540000"/>
+          </a:xfrm>
+          <a:prstGeom prst="flowChartConnector">
+            <a:avLst/>
+          </a:prstGeom>
+          <a:solidFill>
+            <a:schemeClr val="accent6">
+              <a:lumMod val="60000"/>
+              <a:lumOff val="40000"/>
+            </a:schemeClr>
+          </a:solidFill>
+        </p:spPr>
+        <p:style>
+          <a:lnRef idx="2">
+            <a:schemeClr val="accent6">
+              <a:shade val="50000"/>
+            </a:schemeClr>
+          </a:lnRef>
+          <a:fillRef idx="1">
+            <a:schemeClr val="accent6"/>
+          </a:fillRef>
+          <a:effectRef idx="0">
+            <a:schemeClr val="accent6"/>
+          </a:effectRef>
+          <a:fontRef idx="minor">
+            <a:schemeClr val="lt1"/>
+          </a:fontRef>
+        </p:style>
+        <p:txBody>
+          <a:bodyPr rtlCol="0" anchor="ctr"/>
+          <a:lstStyle/>
+          <a:p>
+            <a:pPr algn="ctr"/>
+            <a:endParaRPr lang="en-NZ"/>
+          </a:p>
+        </p:txBody>
+      </p:sp>
+      <p:sp>
+        <p:nvSpPr>
+          <p:cNvPr id="88" name="Flowchart: Connector 87">
+            <a:extLst>
+              <a:ext uri="{FF2B5EF4-FFF2-40B4-BE49-F238E27FC236}">
+                <a16:creationId xmlns:a16="http://schemas.microsoft.com/office/drawing/2014/main" id="{91EA3942-EBD2-443C-AB84-DA89472DBFA3}"/>
+              </a:ext>
+            </a:extLst>
+          </p:cNvPr>
+          <p:cNvSpPr/>
+          <p:nvPr/>
+        </p:nvSpPr>
+        <p:spPr>
+          <a:xfrm>
+            <a:off x="4030186" y="1807454"/>
+            <a:ext cx="540000" cy="540000"/>
+          </a:xfrm>
+          <a:prstGeom prst="flowChartConnector">
+            <a:avLst/>
+          </a:prstGeom>
+          <a:solidFill>
+            <a:schemeClr val="accent6">
+              <a:lumMod val="60000"/>
+              <a:lumOff val="40000"/>
+            </a:schemeClr>
+          </a:solidFill>
+        </p:spPr>
+        <p:style>
+          <a:lnRef idx="2">
+            <a:schemeClr val="accent6">
+              <a:shade val="50000"/>
+            </a:schemeClr>
+          </a:lnRef>
+          <a:fillRef idx="1">
+            <a:schemeClr val="accent6"/>
+          </a:fillRef>
+          <a:effectRef idx="0">
+            <a:schemeClr val="accent6"/>
+          </a:effectRef>
+          <a:fontRef idx="minor">
+            <a:schemeClr val="lt1"/>
+          </a:fontRef>
+        </p:style>
+        <p:txBody>
+          <a:bodyPr rtlCol="0" anchor="ctr"/>
+          <a:lstStyle/>
+          <a:p>
+            <a:pPr algn="ctr"/>
+            <a:endParaRPr lang="en-NZ"/>
+          </a:p>
+        </p:txBody>
+      </p:sp>
+      <p:sp>
+        <p:nvSpPr>
+          <p:cNvPr id="89" name="Flowchart: Connector 88">
+            <a:extLst>
+              <a:ext uri="{FF2B5EF4-FFF2-40B4-BE49-F238E27FC236}">
+                <a16:creationId xmlns:a16="http://schemas.microsoft.com/office/drawing/2014/main" id="{55975930-17E0-438D-96D7-043CCBFF4B7C}"/>
+              </a:ext>
+            </a:extLst>
+          </p:cNvPr>
+          <p:cNvSpPr/>
+          <p:nvPr/>
+        </p:nvSpPr>
+        <p:spPr>
+          <a:xfrm>
+            <a:off x="6013973" y="1807454"/>
+            <a:ext cx="540000" cy="540000"/>
+          </a:xfrm>
+          <a:prstGeom prst="flowChartConnector">
+            <a:avLst/>
+          </a:prstGeom>
+          <a:solidFill>
+            <a:schemeClr val="accent6">
+              <a:lumMod val="60000"/>
+              <a:lumOff val="40000"/>
+            </a:schemeClr>
+          </a:solidFill>
+        </p:spPr>
+        <p:style>
+          <a:lnRef idx="2">
+            <a:schemeClr val="accent6">
+              <a:shade val="50000"/>
+            </a:schemeClr>
+          </a:lnRef>
+          <a:fillRef idx="1">
+            <a:schemeClr val="accent6"/>
+          </a:fillRef>
+          <a:effectRef idx="0">
+            <a:schemeClr val="accent6"/>
+          </a:effectRef>
+          <a:fontRef idx="minor">
+            <a:schemeClr val="lt1"/>
+          </a:fontRef>
+        </p:style>
+        <p:txBody>
+          <a:bodyPr rtlCol="0" anchor="ctr"/>
+          <a:lstStyle/>
+          <a:p>
+            <a:pPr algn="ctr"/>
+            <a:endParaRPr lang="en-NZ"/>
+          </a:p>
+        </p:txBody>
+      </p:sp>
+      <p:sp>
+        <p:nvSpPr>
+          <p:cNvPr id="90" name="Rectangle: Rounded Corners 89">
+            <a:extLst>
+              <a:ext uri="{FF2B5EF4-FFF2-40B4-BE49-F238E27FC236}">
+                <a16:creationId xmlns:a16="http://schemas.microsoft.com/office/drawing/2014/main" id="{E6D76C06-6BA9-4DF6-B1EE-0E8C457C16E6}"/>
+              </a:ext>
+            </a:extLst>
+          </p:cNvPr>
+          <p:cNvSpPr/>
+          <p:nvPr/>
+        </p:nvSpPr>
+        <p:spPr>
+          <a:xfrm>
+            <a:off x="4662498" y="1807463"/>
+            <a:ext cx="1259181" cy="539999"/>
+          </a:xfrm>
+          <a:prstGeom prst="roundRect">
+            <a:avLst/>
+          </a:prstGeom>
+          <a:solidFill>
+            <a:schemeClr val="accent6">
+              <a:lumMod val="60000"/>
+              <a:lumOff val="40000"/>
+            </a:schemeClr>
+          </a:solidFill>
+        </p:spPr>
+        <p:style>
+          <a:lnRef idx="2">
+            <a:schemeClr val="accent6">
+              <a:shade val="50000"/>
+            </a:schemeClr>
+          </a:lnRef>
+          <a:fillRef idx="1">
+            <a:schemeClr val="accent6"/>
+          </a:fillRef>
+          <a:effectRef idx="0">
+            <a:schemeClr val="accent6"/>
+          </a:effectRef>
+          <a:fontRef idx="minor">
+            <a:schemeClr val="lt1"/>
+          </a:fontRef>
+        </p:style>
+        <p:txBody>
+          <a:bodyPr rtlCol="0" anchor="ctr"/>
+          <a:lstStyle/>
+          <a:p>
+            <a:pPr algn="ctr"/>
+            <a:r>
+              <a:rPr lang="en-US" dirty="0"/>
+              <a:t>. . .</a:t>
+            </a:r>
+            <a:endParaRPr lang="en-NZ" dirty="0"/>
+          </a:p>
+        </p:txBody>
+      </p:sp>
+      <p:cxnSp>
+        <p:nvCxnSpPr>
+          <p:cNvPr id="91" name="Straight Connector 90">
+            <a:extLst>
+              <a:ext uri="{FF2B5EF4-FFF2-40B4-BE49-F238E27FC236}">
+                <a16:creationId xmlns:a16="http://schemas.microsoft.com/office/drawing/2014/main" id="{F149CF73-58DC-40E3-A05C-8CC5AE09235E}"/>
+              </a:ext>
+            </a:extLst>
+          </p:cNvPr>
+          <p:cNvCxnSpPr>
+            <a:cxnSpLocks/>
+            <a:stCxn id="82" idx="0"/>
+            <a:endCxn id="87" idx="4"/>
+          </p:cNvCxnSpPr>
+          <p:nvPr/>
+        </p:nvCxnSpPr>
+        <p:spPr>
+          <a:xfrm flipH="1" flipV="1">
+            <a:off x="3038301" y="2347454"/>
+            <a:ext cx="630947" cy="811546"/>
+          </a:xfrm>
+          <a:prstGeom prst="line">
+            <a:avLst/>
+          </a:prstGeom>
+        </p:spPr>
+        <p:style>
+          <a:lnRef idx="1">
+            <a:schemeClr val="dk1"/>
+          </a:lnRef>
+          <a:fillRef idx="0">
+            <a:schemeClr val="dk1"/>
+          </a:fillRef>
+          <a:effectRef idx="0">
+            <a:schemeClr val="dk1"/>
+          </a:effectRef>
+          <a:fontRef idx="minor">
+            <a:schemeClr val="tx1"/>
+          </a:fontRef>
+        </p:style>
+      </p:cxnSp>
+      <p:cxnSp>
+        <p:nvCxnSpPr>
+          <p:cNvPr id="92" name="Straight Connector 91">
+            <a:extLst>
+              <a:ext uri="{FF2B5EF4-FFF2-40B4-BE49-F238E27FC236}">
+                <a16:creationId xmlns:a16="http://schemas.microsoft.com/office/drawing/2014/main" id="{26FB7093-5C82-4A0B-B792-D12130F480A9}"/>
+              </a:ext>
+            </a:extLst>
+          </p:cNvPr>
+          <p:cNvCxnSpPr>
+            <a:cxnSpLocks/>
+            <a:stCxn id="83" idx="0"/>
+            <a:endCxn id="87" idx="4"/>
+          </p:cNvCxnSpPr>
+          <p:nvPr/>
+        </p:nvCxnSpPr>
+        <p:spPr>
+          <a:xfrm flipH="1" flipV="1">
+            <a:off x="3038292" y="2347454"/>
+            <a:ext cx="1261894" cy="811546"/>
+          </a:xfrm>
+          <a:prstGeom prst="line">
+            <a:avLst/>
+          </a:prstGeom>
+        </p:spPr>
+        <p:style>
+          <a:lnRef idx="1">
+            <a:schemeClr val="dk1"/>
+          </a:lnRef>
+          <a:fillRef idx="0">
+            <a:schemeClr val="dk1"/>
+          </a:fillRef>
+          <a:effectRef idx="0">
+            <a:schemeClr val="dk1"/>
+          </a:effectRef>
+          <a:fontRef idx="minor">
+            <a:schemeClr val="tx1"/>
+          </a:fontRef>
+        </p:style>
+      </p:cxnSp>
+      <p:cxnSp>
+        <p:nvCxnSpPr>
+          <p:cNvPr id="95" name="Straight Connector 94">
+            <a:extLst>
+              <a:ext uri="{FF2B5EF4-FFF2-40B4-BE49-F238E27FC236}">
+                <a16:creationId xmlns:a16="http://schemas.microsoft.com/office/drawing/2014/main" id="{7DE45ABA-2B89-4654-94C3-E2CAEB30129E}"/>
+              </a:ext>
+            </a:extLst>
+          </p:cNvPr>
+          <p:cNvCxnSpPr>
+            <a:cxnSpLocks/>
+            <a:stCxn id="84" idx="0"/>
+            <a:endCxn id="87" idx="4"/>
+          </p:cNvCxnSpPr>
+          <p:nvPr/>
+        </p:nvCxnSpPr>
+        <p:spPr>
+          <a:xfrm flipH="1" flipV="1">
+            <a:off x="3038301" y="2347454"/>
+            <a:ext cx="1892841" cy="811546"/>
+          </a:xfrm>
+          <a:prstGeom prst="line">
+            <a:avLst/>
+          </a:prstGeom>
+        </p:spPr>
+        <p:style>
+          <a:lnRef idx="1">
+            <a:schemeClr val="dk1"/>
+          </a:lnRef>
+          <a:fillRef idx="0">
+            <a:schemeClr val="dk1"/>
+          </a:fillRef>
+          <a:effectRef idx="0">
+            <a:schemeClr val="dk1"/>
+          </a:effectRef>
+          <a:fontRef idx="minor">
+            <a:schemeClr val="tx1"/>
+          </a:fontRef>
+        </p:style>
+      </p:cxnSp>
+      <p:cxnSp>
+        <p:nvCxnSpPr>
+          <p:cNvPr id="98" name="Straight Connector 97">
+            <a:extLst>
+              <a:ext uri="{FF2B5EF4-FFF2-40B4-BE49-F238E27FC236}">
+                <a16:creationId xmlns:a16="http://schemas.microsoft.com/office/drawing/2014/main" id="{EF381515-FF09-4BE9-B715-98C701225F2A}"/>
+              </a:ext>
+            </a:extLst>
+          </p:cNvPr>
+          <p:cNvCxnSpPr>
+            <a:cxnSpLocks/>
+            <a:stCxn id="85" idx="0"/>
+            <a:endCxn id="87" idx="4"/>
+          </p:cNvCxnSpPr>
+          <p:nvPr/>
+        </p:nvCxnSpPr>
+        <p:spPr>
+          <a:xfrm flipH="1" flipV="1">
+            <a:off x="3038292" y="2347454"/>
+            <a:ext cx="2523788" cy="811546"/>
+          </a:xfrm>
+          <a:prstGeom prst="line">
+            <a:avLst/>
+          </a:prstGeom>
+        </p:spPr>
+        <p:style>
+          <a:lnRef idx="1">
+            <a:schemeClr val="dk1"/>
+          </a:lnRef>
+          <a:fillRef idx="0">
+            <a:schemeClr val="dk1"/>
+          </a:fillRef>
+          <a:effectRef idx="0">
+            <a:schemeClr val="dk1"/>
+          </a:effectRef>
+          <a:fontRef idx="minor">
+            <a:schemeClr val="tx1"/>
+          </a:fontRef>
+        </p:style>
+      </p:cxnSp>
+      <p:cxnSp>
+        <p:nvCxnSpPr>
+          <p:cNvPr id="101" name="Straight Connector 100">
+            <a:extLst>
+              <a:ext uri="{FF2B5EF4-FFF2-40B4-BE49-F238E27FC236}">
+                <a16:creationId xmlns:a16="http://schemas.microsoft.com/office/drawing/2014/main" id="{A43BAA8D-3881-4495-8834-270C1E931B85}"/>
+              </a:ext>
+            </a:extLst>
+          </p:cNvPr>
+          <p:cNvCxnSpPr>
+            <a:cxnSpLocks/>
+            <a:stCxn id="82" idx="0"/>
+            <a:endCxn id="86" idx="4"/>
+          </p:cNvCxnSpPr>
+          <p:nvPr/>
+        </p:nvCxnSpPr>
+        <p:spPr>
+          <a:xfrm flipV="1">
+            <a:off x="3669239" y="2347454"/>
+            <a:ext cx="0" cy="811546"/>
+          </a:xfrm>
+          <a:prstGeom prst="line">
+            <a:avLst/>
+          </a:prstGeom>
+        </p:spPr>
+        <p:style>
+          <a:lnRef idx="1">
+            <a:schemeClr val="dk1"/>
+          </a:lnRef>
+          <a:fillRef idx="0">
+            <a:schemeClr val="dk1"/>
+          </a:fillRef>
+          <a:effectRef idx="0">
+            <a:schemeClr val="dk1"/>
+          </a:effectRef>
+          <a:fontRef idx="minor">
+            <a:schemeClr val="tx1"/>
+          </a:fontRef>
+        </p:style>
+      </p:cxnSp>
+      <p:cxnSp>
+        <p:nvCxnSpPr>
+          <p:cNvPr id="104" name="Straight Connector 103">
+            <a:extLst>
+              <a:ext uri="{FF2B5EF4-FFF2-40B4-BE49-F238E27FC236}">
+                <a16:creationId xmlns:a16="http://schemas.microsoft.com/office/drawing/2014/main" id="{B719D5D8-CB28-4E18-9BB2-426E602BDF5F}"/>
+              </a:ext>
+            </a:extLst>
+          </p:cNvPr>
+          <p:cNvCxnSpPr>
+            <a:cxnSpLocks/>
+            <a:stCxn id="83" idx="0"/>
+            <a:endCxn id="86" idx="4"/>
+          </p:cNvCxnSpPr>
+          <p:nvPr/>
+        </p:nvCxnSpPr>
+        <p:spPr>
+          <a:xfrm flipH="1" flipV="1">
+            <a:off x="3669248" y="2347454"/>
+            <a:ext cx="630947" cy="811546"/>
+          </a:xfrm>
+          <a:prstGeom prst="line">
+            <a:avLst/>
+          </a:prstGeom>
+        </p:spPr>
+        <p:style>
+          <a:lnRef idx="1">
+            <a:schemeClr val="dk1"/>
+          </a:lnRef>
+          <a:fillRef idx="0">
+            <a:schemeClr val="dk1"/>
+          </a:fillRef>
+          <a:effectRef idx="0">
+            <a:schemeClr val="dk1"/>
+          </a:effectRef>
+          <a:fontRef idx="minor">
+            <a:schemeClr val="tx1"/>
+          </a:fontRef>
+        </p:style>
+      </p:cxnSp>
+      <p:cxnSp>
+        <p:nvCxnSpPr>
+          <p:cNvPr id="108" name="Straight Connector 107">
+            <a:extLst>
+              <a:ext uri="{FF2B5EF4-FFF2-40B4-BE49-F238E27FC236}">
+                <a16:creationId xmlns:a16="http://schemas.microsoft.com/office/drawing/2014/main" id="{944978C9-80AA-49CE-B832-CA7FBE47ED39}"/>
+              </a:ext>
+            </a:extLst>
+          </p:cNvPr>
+          <p:cNvCxnSpPr>
+            <a:cxnSpLocks/>
+            <a:stCxn id="84" idx="0"/>
+            <a:endCxn id="86" idx="4"/>
+          </p:cNvCxnSpPr>
+          <p:nvPr/>
+        </p:nvCxnSpPr>
+        <p:spPr>
+          <a:xfrm flipH="1" flipV="1">
+            <a:off x="3669239" y="2347454"/>
+            <a:ext cx="1261894" cy="811546"/>
+          </a:xfrm>
+          <a:prstGeom prst="line">
+            <a:avLst/>
+          </a:prstGeom>
+        </p:spPr>
+        <p:style>
+          <a:lnRef idx="1">
+            <a:schemeClr val="dk1"/>
+          </a:lnRef>
+          <a:fillRef idx="0">
+            <a:schemeClr val="dk1"/>
+          </a:fillRef>
+          <a:effectRef idx="0">
+            <a:schemeClr val="dk1"/>
+          </a:effectRef>
+          <a:fontRef idx="minor">
+            <a:schemeClr val="tx1"/>
+          </a:fontRef>
+        </p:style>
+      </p:cxnSp>
+      <p:cxnSp>
+        <p:nvCxnSpPr>
+          <p:cNvPr id="111" name="Straight Connector 110">
+            <a:extLst>
+              <a:ext uri="{FF2B5EF4-FFF2-40B4-BE49-F238E27FC236}">
+                <a16:creationId xmlns:a16="http://schemas.microsoft.com/office/drawing/2014/main" id="{85AE9326-2E1A-47E7-B4A7-ADFAF622FAED}"/>
+              </a:ext>
+            </a:extLst>
+          </p:cNvPr>
+          <p:cNvCxnSpPr>
+            <a:cxnSpLocks/>
+            <a:stCxn id="85" idx="0"/>
+            <a:endCxn id="86" idx="4"/>
+          </p:cNvCxnSpPr>
+          <p:nvPr/>
+        </p:nvCxnSpPr>
+        <p:spPr>
+          <a:xfrm flipH="1" flipV="1">
+            <a:off x="3669248" y="2347454"/>
+            <a:ext cx="1892841" cy="811546"/>
+          </a:xfrm>
+          <a:prstGeom prst="line">
+            <a:avLst/>
+          </a:prstGeom>
+        </p:spPr>
+        <p:style>
+          <a:lnRef idx="1">
+            <a:schemeClr val="dk1"/>
+          </a:lnRef>
+          <a:fillRef idx="0">
+            <a:schemeClr val="dk1"/>
+          </a:fillRef>
+          <a:effectRef idx="0">
+            <a:schemeClr val="dk1"/>
+          </a:effectRef>
+          <a:fontRef idx="minor">
+            <a:schemeClr val="tx1"/>
+          </a:fontRef>
+        </p:style>
+      </p:cxnSp>
+      <p:cxnSp>
+        <p:nvCxnSpPr>
+          <p:cNvPr id="115" name="Straight Connector 114">
+            <a:extLst>
+              <a:ext uri="{FF2B5EF4-FFF2-40B4-BE49-F238E27FC236}">
+                <a16:creationId xmlns:a16="http://schemas.microsoft.com/office/drawing/2014/main" id="{474F4FEE-8377-4C4B-9EF6-43EA28218F07}"/>
+              </a:ext>
+            </a:extLst>
+          </p:cNvPr>
+          <p:cNvCxnSpPr>
+            <a:cxnSpLocks/>
+            <a:stCxn id="82" idx="0"/>
+            <a:endCxn id="88" idx="4"/>
+          </p:cNvCxnSpPr>
+          <p:nvPr/>
+        </p:nvCxnSpPr>
+        <p:spPr>
+          <a:xfrm flipV="1">
+            <a:off x="3669248" y="2347454"/>
+            <a:ext cx="630947" cy="811546"/>
+          </a:xfrm>
+          <a:prstGeom prst="line">
+            <a:avLst/>
+          </a:prstGeom>
+        </p:spPr>
+        <p:style>
+          <a:lnRef idx="1">
+            <a:schemeClr val="dk1"/>
+          </a:lnRef>
+          <a:fillRef idx="0">
+            <a:schemeClr val="dk1"/>
+          </a:fillRef>
+          <a:effectRef idx="0">
+            <a:schemeClr val="dk1"/>
+          </a:effectRef>
+          <a:fontRef idx="minor">
+            <a:schemeClr val="tx1"/>
+          </a:fontRef>
+        </p:style>
+      </p:cxnSp>
+      <p:cxnSp>
+        <p:nvCxnSpPr>
+          <p:cNvPr id="124" name="Straight Connector 123">
+            <a:extLst>
+              <a:ext uri="{FF2B5EF4-FFF2-40B4-BE49-F238E27FC236}">
+                <a16:creationId xmlns:a16="http://schemas.microsoft.com/office/drawing/2014/main" id="{9484E478-332C-462D-A2D0-04C9B5DBB74D}"/>
+              </a:ext>
+            </a:extLst>
+          </p:cNvPr>
+          <p:cNvCxnSpPr>
+            <a:cxnSpLocks/>
+            <a:stCxn id="83" idx="0"/>
+            <a:endCxn id="88" idx="4"/>
+          </p:cNvCxnSpPr>
+          <p:nvPr/>
+        </p:nvCxnSpPr>
+        <p:spPr>
+          <a:xfrm flipV="1">
+            <a:off x="4300186" y="2347454"/>
+            <a:ext cx="0" cy="811546"/>
+          </a:xfrm>
+          <a:prstGeom prst="line">
+            <a:avLst/>
+          </a:prstGeom>
+        </p:spPr>
+        <p:style>
+          <a:lnRef idx="1">
+            <a:schemeClr val="dk1"/>
+          </a:lnRef>
+          <a:fillRef idx="0">
+            <a:schemeClr val="dk1"/>
+          </a:fillRef>
+          <a:effectRef idx="0">
+            <a:schemeClr val="dk1"/>
+          </a:effectRef>
+          <a:fontRef idx="minor">
+            <a:schemeClr val="tx1"/>
+          </a:fontRef>
+        </p:style>
+      </p:cxnSp>
+      <p:cxnSp>
+        <p:nvCxnSpPr>
+          <p:cNvPr id="127" name="Straight Connector 126">
+            <a:extLst>
+              <a:ext uri="{FF2B5EF4-FFF2-40B4-BE49-F238E27FC236}">
+                <a16:creationId xmlns:a16="http://schemas.microsoft.com/office/drawing/2014/main" id="{63B92B4C-2573-4861-81FB-87E70B3C78F9}"/>
+              </a:ext>
+            </a:extLst>
+          </p:cNvPr>
+          <p:cNvCxnSpPr>
+            <a:cxnSpLocks/>
+            <a:stCxn id="84" idx="0"/>
+            <a:endCxn id="88" idx="4"/>
+          </p:cNvCxnSpPr>
+          <p:nvPr/>
+        </p:nvCxnSpPr>
+        <p:spPr>
+          <a:xfrm flipH="1" flipV="1">
+            <a:off x="4300195" y="2347454"/>
+            <a:ext cx="630947" cy="811546"/>
+          </a:xfrm>
+          <a:prstGeom prst="line">
+            <a:avLst/>
+          </a:prstGeom>
+        </p:spPr>
+        <p:style>
+          <a:lnRef idx="1">
+            <a:schemeClr val="dk1"/>
+          </a:lnRef>
+          <a:fillRef idx="0">
+            <a:schemeClr val="dk1"/>
+          </a:fillRef>
+          <a:effectRef idx="0">
+            <a:schemeClr val="dk1"/>
+          </a:effectRef>
+          <a:fontRef idx="minor">
+            <a:schemeClr val="tx1"/>
+          </a:fontRef>
+        </p:style>
+      </p:cxnSp>
+      <p:cxnSp>
+        <p:nvCxnSpPr>
+          <p:cNvPr id="130" name="Straight Connector 129">
+            <a:extLst>
+              <a:ext uri="{FF2B5EF4-FFF2-40B4-BE49-F238E27FC236}">
+                <a16:creationId xmlns:a16="http://schemas.microsoft.com/office/drawing/2014/main" id="{B4EE7C21-3352-45CD-AFC0-21DA58A5019F}"/>
+              </a:ext>
+            </a:extLst>
+          </p:cNvPr>
+          <p:cNvCxnSpPr>
+            <a:cxnSpLocks/>
+            <a:stCxn id="85" idx="0"/>
+            <a:endCxn id="88" idx="4"/>
+          </p:cNvCxnSpPr>
+          <p:nvPr/>
+        </p:nvCxnSpPr>
+        <p:spPr>
+          <a:xfrm flipH="1" flipV="1">
+            <a:off x="4300186" y="2347454"/>
+            <a:ext cx="1261894" cy="811546"/>
+          </a:xfrm>
+          <a:prstGeom prst="line">
+            <a:avLst/>
+          </a:prstGeom>
+        </p:spPr>
+        <p:style>
+          <a:lnRef idx="1">
+            <a:schemeClr val="dk1"/>
+          </a:lnRef>
+          <a:fillRef idx="0">
+            <a:schemeClr val="dk1"/>
+          </a:fillRef>
+          <a:effectRef idx="0">
+            <a:schemeClr val="dk1"/>
+          </a:effectRef>
+          <a:fontRef idx="minor">
+            <a:schemeClr val="tx1"/>
+          </a:fontRef>
+        </p:style>
+      </p:cxnSp>
+      <p:cxnSp>
+        <p:nvCxnSpPr>
+          <p:cNvPr id="133" name="Straight Connector 132">
+            <a:extLst>
+              <a:ext uri="{FF2B5EF4-FFF2-40B4-BE49-F238E27FC236}">
+                <a16:creationId xmlns:a16="http://schemas.microsoft.com/office/drawing/2014/main" id="{A4FB6310-0E69-4D31-8273-4BC5B9CAB110}"/>
+              </a:ext>
+            </a:extLst>
+          </p:cNvPr>
+          <p:cNvCxnSpPr>
+            <a:cxnSpLocks/>
+            <a:stCxn id="82" idx="0"/>
+            <a:endCxn id="89" idx="4"/>
+          </p:cNvCxnSpPr>
+          <p:nvPr/>
+        </p:nvCxnSpPr>
+        <p:spPr>
+          <a:xfrm flipV="1">
+            <a:off x="3669239" y="2347454"/>
+            <a:ext cx="2614734" cy="811546"/>
+          </a:xfrm>
+          <a:prstGeom prst="line">
+            <a:avLst/>
+          </a:prstGeom>
+        </p:spPr>
+        <p:style>
+          <a:lnRef idx="1">
+            <a:schemeClr val="dk1"/>
+          </a:lnRef>
+          <a:fillRef idx="0">
+            <a:schemeClr val="dk1"/>
+          </a:fillRef>
+          <a:effectRef idx="0">
+            <a:schemeClr val="dk1"/>
+          </a:effectRef>
+          <a:fontRef idx="minor">
+            <a:schemeClr val="tx1"/>
+          </a:fontRef>
+        </p:style>
+      </p:cxnSp>
+      <p:cxnSp>
+        <p:nvCxnSpPr>
+          <p:cNvPr id="136" name="Straight Connector 135">
+            <a:extLst>
+              <a:ext uri="{FF2B5EF4-FFF2-40B4-BE49-F238E27FC236}">
+                <a16:creationId xmlns:a16="http://schemas.microsoft.com/office/drawing/2014/main" id="{088FBEE5-0F8F-4A4E-A16C-E8B87DCBB2B9}"/>
+              </a:ext>
+            </a:extLst>
+          </p:cNvPr>
+          <p:cNvCxnSpPr>
+            <a:cxnSpLocks/>
+            <a:stCxn id="83" idx="0"/>
+            <a:endCxn id="89" idx="4"/>
+          </p:cNvCxnSpPr>
+          <p:nvPr/>
+        </p:nvCxnSpPr>
+        <p:spPr>
+          <a:xfrm flipV="1">
+            <a:off x="4300195" y="2347454"/>
+            <a:ext cx="1983787" cy="811546"/>
+          </a:xfrm>
+          <a:prstGeom prst="line">
+            <a:avLst/>
+          </a:prstGeom>
+        </p:spPr>
+        <p:style>
+          <a:lnRef idx="1">
+            <a:schemeClr val="dk1"/>
+          </a:lnRef>
+          <a:fillRef idx="0">
+            <a:schemeClr val="dk1"/>
+          </a:fillRef>
+          <a:effectRef idx="0">
+            <a:schemeClr val="dk1"/>
+          </a:effectRef>
+          <a:fontRef idx="minor">
+            <a:schemeClr val="tx1"/>
+          </a:fontRef>
+        </p:style>
+      </p:cxnSp>
+      <p:cxnSp>
+        <p:nvCxnSpPr>
+          <p:cNvPr id="139" name="Straight Connector 138">
+            <a:extLst>
+              <a:ext uri="{FF2B5EF4-FFF2-40B4-BE49-F238E27FC236}">
+                <a16:creationId xmlns:a16="http://schemas.microsoft.com/office/drawing/2014/main" id="{A7732BE7-F8A5-4EA2-8F9F-F73E599DACCF}"/>
+              </a:ext>
+            </a:extLst>
+          </p:cNvPr>
+          <p:cNvCxnSpPr>
+            <a:cxnSpLocks/>
+            <a:stCxn id="84" idx="0"/>
+            <a:endCxn id="89" idx="4"/>
+          </p:cNvCxnSpPr>
+          <p:nvPr/>
+        </p:nvCxnSpPr>
+        <p:spPr>
+          <a:xfrm flipV="1">
+            <a:off x="4931133" y="2347454"/>
+            <a:ext cx="1352840" cy="811546"/>
+          </a:xfrm>
+          <a:prstGeom prst="line">
+            <a:avLst/>
+          </a:prstGeom>
+        </p:spPr>
+        <p:style>
+          <a:lnRef idx="1">
+            <a:schemeClr val="dk1"/>
+          </a:lnRef>
+          <a:fillRef idx="0">
+            <a:schemeClr val="dk1"/>
+          </a:fillRef>
+          <a:effectRef idx="0">
+            <a:schemeClr val="dk1"/>
+          </a:effectRef>
+          <a:fontRef idx="minor">
+            <a:schemeClr val="tx1"/>
+          </a:fontRef>
+        </p:style>
+      </p:cxnSp>
+      <p:cxnSp>
+        <p:nvCxnSpPr>
+          <p:cNvPr id="142" name="Straight Connector 141">
+            <a:extLst>
+              <a:ext uri="{FF2B5EF4-FFF2-40B4-BE49-F238E27FC236}">
+                <a16:creationId xmlns:a16="http://schemas.microsoft.com/office/drawing/2014/main" id="{50B4B92A-5E68-43DD-A256-45D5D2F443E0}"/>
+              </a:ext>
+            </a:extLst>
+          </p:cNvPr>
+          <p:cNvCxnSpPr>
+            <a:cxnSpLocks/>
+            <a:stCxn id="85" idx="0"/>
+            <a:endCxn id="89" idx="4"/>
+          </p:cNvCxnSpPr>
+          <p:nvPr/>
+        </p:nvCxnSpPr>
+        <p:spPr>
+          <a:xfrm flipV="1">
+            <a:off x="5562089" y="2347454"/>
+            <a:ext cx="721893" cy="811546"/>
+          </a:xfrm>
+          <a:prstGeom prst="line">
+            <a:avLst/>
+          </a:prstGeom>
+        </p:spPr>
+        <p:style>
+          <a:lnRef idx="1">
+            <a:schemeClr val="dk1"/>
+          </a:lnRef>
+          <a:fillRef idx="0">
+            <a:schemeClr val="dk1"/>
+          </a:fillRef>
+          <a:effectRef idx="0">
+            <a:schemeClr val="dk1"/>
+          </a:effectRef>
+          <a:fontRef idx="minor">
+            <a:schemeClr val="tx1"/>
+          </a:fontRef>
+        </p:style>
+      </p:cxnSp>
+      <p:cxnSp>
+        <p:nvCxnSpPr>
+          <p:cNvPr id="146" name="Straight Connector 145">
+            <a:extLst>
+              <a:ext uri="{FF2B5EF4-FFF2-40B4-BE49-F238E27FC236}">
+                <a16:creationId xmlns:a16="http://schemas.microsoft.com/office/drawing/2014/main" id="{CC665841-9317-40BA-90EF-B75F6468CE23}"/>
+              </a:ext>
+            </a:extLst>
+          </p:cNvPr>
+          <p:cNvCxnSpPr>
+            <a:cxnSpLocks/>
+            <a:stCxn id="82" idx="4"/>
+            <a:endCxn id="76" idx="0"/>
+          </p:cNvCxnSpPr>
+          <p:nvPr/>
+        </p:nvCxnSpPr>
+        <p:spPr>
+          <a:xfrm flipH="1">
+            <a:off x="3038301" y="3699000"/>
+            <a:ext cx="630947" cy="811546"/>
+          </a:xfrm>
+          <a:prstGeom prst="line">
+            <a:avLst/>
+          </a:prstGeom>
+        </p:spPr>
+        <p:style>
+          <a:lnRef idx="1">
+            <a:schemeClr val="dk1"/>
+          </a:lnRef>
+          <a:fillRef idx="0">
+            <a:schemeClr val="dk1"/>
+          </a:fillRef>
+          <a:effectRef idx="0">
+            <a:schemeClr val="dk1"/>
+          </a:effectRef>
+          <a:fontRef idx="minor">
+            <a:schemeClr val="tx1"/>
+          </a:fontRef>
+        </p:style>
+      </p:cxnSp>
+      <p:cxnSp>
+        <p:nvCxnSpPr>
+          <p:cNvPr id="149" name="Straight Connector 148">
+            <a:extLst>
+              <a:ext uri="{FF2B5EF4-FFF2-40B4-BE49-F238E27FC236}">
+                <a16:creationId xmlns:a16="http://schemas.microsoft.com/office/drawing/2014/main" id="{39CDD750-B1B8-4BEA-A5AA-8C03E653D76D}"/>
+              </a:ext>
+            </a:extLst>
+          </p:cNvPr>
+          <p:cNvCxnSpPr>
+            <a:cxnSpLocks/>
+            <a:stCxn id="83" idx="4"/>
+            <a:endCxn id="76" idx="0"/>
+          </p:cNvCxnSpPr>
+          <p:nvPr/>
+        </p:nvCxnSpPr>
+        <p:spPr>
+          <a:xfrm flipH="1">
+            <a:off x="3038292" y="3699000"/>
+            <a:ext cx="1261894" cy="811546"/>
+          </a:xfrm>
+          <a:prstGeom prst="line">
+            <a:avLst/>
+          </a:prstGeom>
+        </p:spPr>
+        <p:style>
+          <a:lnRef idx="1">
+            <a:schemeClr val="dk1"/>
+          </a:lnRef>
+          <a:fillRef idx="0">
+            <a:schemeClr val="dk1"/>
+          </a:fillRef>
+          <a:effectRef idx="0">
+            <a:schemeClr val="dk1"/>
+          </a:effectRef>
+          <a:fontRef idx="minor">
+            <a:schemeClr val="tx1"/>
+          </a:fontRef>
+        </p:style>
+      </p:cxnSp>
+      <p:cxnSp>
+        <p:nvCxnSpPr>
+          <p:cNvPr id="154" name="Straight Connector 153">
+            <a:extLst>
+              <a:ext uri="{FF2B5EF4-FFF2-40B4-BE49-F238E27FC236}">
+                <a16:creationId xmlns:a16="http://schemas.microsoft.com/office/drawing/2014/main" id="{C503BDFE-86DC-4640-9BB5-B7DFB00FF1FE}"/>
+              </a:ext>
+            </a:extLst>
+          </p:cNvPr>
+          <p:cNvCxnSpPr>
+            <a:cxnSpLocks/>
+            <a:stCxn id="84" idx="4"/>
+            <a:endCxn id="76" idx="0"/>
+          </p:cNvCxnSpPr>
+          <p:nvPr/>
+        </p:nvCxnSpPr>
+        <p:spPr>
+          <a:xfrm flipH="1">
+            <a:off x="3038301" y="3699000"/>
+            <a:ext cx="1892841" cy="811546"/>
+          </a:xfrm>
+          <a:prstGeom prst="line">
+            <a:avLst/>
+          </a:prstGeom>
+        </p:spPr>
+        <p:style>
+          <a:lnRef idx="1">
+            <a:schemeClr val="dk1"/>
+          </a:lnRef>
+          <a:fillRef idx="0">
+            <a:schemeClr val="dk1"/>
+          </a:fillRef>
+          <a:effectRef idx="0">
+            <a:schemeClr val="dk1"/>
+          </a:effectRef>
+          <a:fontRef idx="minor">
+            <a:schemeClr val="tx1"/>
+          </a:fontRef>
+        </p:style>
+      </p:cxnSp>
+      <p:cxnSp>
+        <p:nvCxnSpPr>
+          <p:cNvPr id="157" name="Straight Connector 156">
+            <a:extLst>
+              <a:ext uri="{FF2B5EF4-FFF2-40B4-BE49-F238E27FC236}">
+                <a16:creationId xmlns:a16="http://schemas.microsoft.com/office/drawing/2014/main" id="{4C48A2B6-A77D-4BFB-80F8-3F81BC7087AD}"/>
+              </a:ext>
+            </a:extLst>
+          </p:cNvPr>
+          <p:cNvCxnSpPr>
+            <a:cxnSpLocks/>
+            <a:stCxn id="85" idx="4"/>
+            <a:endCxn id="76" idx="0"/>
+          </p:cNvCxnSpPr>
+          <p:nvPr/>
+        </p:nvCxnSpPr>
+        <p:spPr>
+          <a:xfrm flipH="1">
+            <a:off x="3038292" y="3699000"/>
+            <a:ext cx="2523788" cy="811546"/>
+          </a:xfrm>
+          <a:prstGeom prst="line">
+            <a:avLst/>
+          </a:prstGeom>
+        </p:spPr>
+        <p:style>
+          <a:lnRef idx="1">
+            <a:schemeClr val="dk1"/>
+          </a:lnRef>
+          <a:fillRef idx="0">
+            <a:schemeClr val="dk1"/>
+          </a:fillRef>
+          <a:effectRef idx="0">
+            <a:schemeClr val="dk1"/>
+          </a:effectRef>
+          <a:fontRef idx="minor">
+            <a:schemeClr val="tx1"/>
+          </a:fontRef>
+        </p:style>
+      </p:cxnSp>
+      <p:cxnSp>
+        <p:nvCxnSpPr>
+          <p:cNvPr id="160" name="Straight Connector 159">
+            <a:extLst>
+              <a:ext uri="{FF2B5EF4-FFF2-40B4-BE49-F238E27FC236}">
+                <a16:creationId xmlns:a16="http://schemas.microsoft.com/office/drawing/2014/main" id="{C0E57431-8FC8-4B4B-A177-B042CC534A1B}"/>
+              </a:ext>
+            </a:extLst>
+          </p:cNvPr>
+          <p:cNvCxnSpPr>
+            <a:cxnSpLocks/>
+            <a:stCxn id="82" idx="4"/>
+            <a:endCxn id="74" idx="0"/>
+          </p:cNvCxnSpPr>
+          <p:nvPr/>
+        </p:nvCxnSpPr>
+        <p:spPr>
+          <a:xfrm>
+            <a:off x="3669239" y="3699000"/>
+            <a:ext cx="0" cy="811546"/>
+          </a:xfrm>
+          <a:prstGeom prst="line">
+            <a:avLst/>
+          </a:prstGeom>
+        </p:spPr>
+        <p:style>
+          <a:lnRef idx="1">
+            <a:schemeClr val="dk1"/>
+          </a:lnRef>
+          <a:fillRef idx="0">
+            <a:schemeClr val="dk1"/>
+          </a:fillRef>
+          <a:effectRef idx="0">
+            <a:schemeClr val="dk1"/>
+          </a:effectRef>
+          <a:fontRef idx="minor">
+            <a:schemeClr val="tx1"/>
+          </a:fontRef>
+        </p:style>
+      </p:cxnSp>
+      <p:cxnSp>
+        <p:nvCxnSpPr>
+          <p:cNvPr id="163" name="Straight Connector 162">
+            <a:extLst>
+              <a:ext uri="{FF2B5EF4-FFF2-40B4-BE49-F238E27FC236}">
+                <a16:creationId xmlns:a16="http://schemas.microsoft.com/office/drawing/2014/main" id="{26D890DC-4F98-48C8-9969-AACB47A70B84}"/>
+              </a:ext>
+            </a:extLst>
+          </p:cNvPr>
+          <p:cNvCxnSpPr>
+            <a:cxnSpLocks/>
+            <a:stCxn id="84" idx="4"/>
+            <a:endCxn id="74" idx="0"/>
+          </p:cNvCxnSpPr>
+          <p:nvPr/>
+        </p:nvCxnSpPr>
+        <p:spPr>
+          <a:xfrm flipH="1">
+            <a:off x="3669239" y="3699000"/>
+            <a:ext cx="1261894" cy="811546"/>
+          </a:xfrm>
+          <a:prstGeom prst="line">
+            <a:avLst/>
+          </a:prstGeom>
+        </p:spPr>
+        <p:style>
+          <a:lnRef idx="1">
+            <a:schemeClr val="dk1"/>
+          </a:lnRef>
+          <a:fillRef idx="0">
+            <a:schemeClr val="dk1"/>
+          </a:fillRef>
+          <a:effectRef idx="0">
+            <a:schemeClr val="dk1"/>
+          </a:effectRef>
+          <a:fontRef idx="minor">
+            <a:schemeClr val="tx1"/>
+          </a:fontRef>
+        </p:style>
+      </p:cxnSp>
+      <p:cxnSp>
+        <p:nvCxnSpPr>
+          <p:cNvPr id="166" name="Straight Connector 165">
+            <a:extLst>
+              <a:ext uri="{FF2B5EF4-FFF2-40B4-BE49-F238E27FC236}">
+                <a16:creationId xmlns:a16="http://schemas.microsoft.com/office/drawing/2014/main" id="{A62371D0-FC81-4C5B-8883-BC911AA6DF29}"/>
+              </a:ext>
+            </a:extLst>
+          </p:cNvPr>
+          <p:cNvCxnSpPr>
+            <a:cxnSpLocks/>
+            <a:stCxn id="83" idx="4"/>
+            <a:endCxn id="74" idx="0"/>
+          </p:cNvCxnSpPr>
+          <p:nvPr/>
+        </p:nvCxnSpPr>
+        <p:spPr>
+          <a:xfrm flipH="1">
+            <a:off x="3669248" y="3699000"/>
+            <a:ext cx="630947" cy="811546"/>
+          </a:xfrm>
+          <a:prstGeom prst="line">
+            <a:avLst/>
+          </a:prstGeom>
+        </p:spPr>
+        <p:style>
+          <a:lnRef idx="1">
+            <a:schemeClr val="dk1"/>
+          </a:lnRef>
+          <a:fillRef idx="0">
+            <a:schemeClr val="dk1"/>
+          </a:fillRef>
+          <a:effectRef idx="0">
+            <a:schemeClr val="dk1"/>
+          </a:effectRef>
+          <a:fontRef idx="minor">
+            <a:schemeClr val="tx1"/>
+          </a:fontRef>
+        </p:style>
+      </p:cxnSp>
+      <p:cxnSp>
+        <p:nvCxnSpPr>
+          <p:cNvPr id="172" name="Straight Connector 171">
+            <a:extLst>
+              <a:ext uri="{FF2B5EF4-FFF2-40B4-BE49-F238E27FC236}">
+                <a16:creationId xmlns:a16="http://schemas.microsoft.com/office/drawing/2014/main" id="{46BE4D06-AF55-4271-A131-2B4023427B5E}"/>
+              </a:ext>
+            </a:extLst>
+          </p:cNvPr>
+          <p:cNvCxnSpPr>
+            <a:cxnSpLocks/>
+            <a:stCxn id="85" idx="4"/>
+            <a:endCxn id="74" idx="0"/>
+          </p:cNvCxnSpPr>
+          <p:nvPr/>
+        </p:nvCxnSpPr>
+        <p:spPr>
+          <a:xfrm flipH="1">
+            <a:off x="3669248" y="3699000"/>
+            <a:ext cx="1892841" cy="811546"/>
+          </a:xfrm>
+          <a:prstGeom prst="line">
+            <a:avLst/>
+          </a:prstGeom>
+        </p:spPr>
+        <p:style>
+          <a:lnRef idx="1">
+            <a:schemeClr val="dk1"/>
+          </a:lnRef>
+          <a:fillRef idx="0">
+            <a:schemeClr val="dk1"/>
+          </a:fillRef>
+          <a:effectRef idx="0">
+            <a:schemeClr val="dk1"/>
+          </a:effectRef>
+          <a:fontRef idx="minor">
+            <a:schemeClr val="tx1"/>
+          </a:fontRef>
+        </p:style>
+      </p:cxnSp>
+      <p:cxnSp>
+        <p:nvCxnSpPr>
+          <p:cNvPr id="175" name="Straight Connector 174">
+            <a:extLst>
+              <a:ext uri="{FF2B5EF4-FFF2-40B4-BE49-F238E27FC236}">
+                <a16:creationId xmlns:a16="http://schemas.microsoft.com/office/drawing/2014/main" id="{753AC3A3-94A1-41C4-BBFA-E8C0F10C9466}"/>
+              </a:ext>
+            </a:extLst>
+          </p:cNvPr>
+          <p:cNvCxnSpPr>
+            <a:cxnSpLocks/>
+            <a:stCxn id="82" idx="4"/>
+            <a:endCxn id="77" idx="0"/>
+          </p:cNvCxnSpPr>
+          <p:nvPr/>
+        </p:nvCxnSpPr>
+        <p:spPr>
+          <a:xfrm>
+            <a:off x="3669248" y="3699000"/>
+            <a:ext cx="630947" cy="811546"/>
+          </a:xfrm>
+          <a:prstGeom prst="line">
+            <a:avLst/>
+          </a:prstGeom>
+        </p:spPr>
+        <p:style>
+          <a:lnRef idx="1">
+            <a:schemeClr val="dk1"/>
+          </a:lnRef>
+          <a:fillRef idx="0">
+            <a:schemeClr val="dk1"/>
+          </a:fillRef>
+          <a:effectRef idx="0">
+            <a:schemeClr val="dk1"/>
+          </a:effectRef>
+          <a:fontRef idx="minor">
+            <a:schemeClr val="tx1"/>
+          </a:fontRef>
+        </p:style>
+      </p:cxnSp>
+      <p:cxnSp>
+        <p:nvCxnSpPr>
+          <p:cNvPr id="178" name="Straight Connector 177">
+            <a:extLst>
+              <a:ext uri="{FF2B5EF4-FFF2-40B4-BE49-F238E27FC236}">
+                <a16:creationId xmlns:a16="http://schemas.microsoft.com/office/drawing/2014/main" id="{A90A53DF-D34B-40BB-82F7-51060A937492}"/>
+              </a:ext>
+            </a:extLst>
+          </p:cNvPr>
+          <p:cNvCxnSpPr>
+            <a:cxnSpLocks/>
+            <a:stCxn id="83" idx="4"/>
+            <a:endCxn id="77" idx="0"/>
+          </p:cNvCxnSpPr>
+          <p:nvPr/>
+        </p:nvCxnSpPr>
+        <p:spPr>
+          <a:xfrm>
+            <a:off x="4300186" y="3699000"/>
+            <a:ext cx="0" cy="811546"/>
+          </a:xfrm>
+          <a:prstGeom prst="line">
+            <a:avLst/>
+          </a:prstGeom>
+        </p:spPr>
+        <p:style>
+          <a:lnRef idx="1">
+            <a:schemeClr val="dk1"/>
+          </a:lnRef>
+          <a:fillRef idx="0">
+            <a:schemeClr val="dk1"/>
+          </a:fillRef>
+          <a:effectRef idx="0">
+            <a:schemeClr val="dk1"/>
+          </a:effectRef>
+          <a:fontRef idx="minor">
+            <a:schemeClr val="tx1"/>
+          </a:fontRef>
+        </p:style>
+      </p:cxnSp>
+      <p:cxnSp>
+        <p:nvCxnSpPr>
+          <p:cNvPr id="183" name="Straight Connector 182">
+            <a:extLst>
+              <a:ext uri="{FF2B5EF4-FFF2-40B4-BE49-F238E27FC236}">
+                <a16:creationId xmlns:a16="http://schemas.microsoft.com/office/drawing/2014/main" id="{CD34151D-297E-4562-A866-762C26BD87B8}"/>
+              </a:ext>
+            </a:extLst>
+          </p:cNvPr>
+          <p:cNvCxnSpPr>
+            <a:cxnSpLocks/>
+            <a:stCxn id="84" idx="4"/>
+            <a:endCxn id="77" idx="0"/>
+          </p:cNvCxnSpPr>
+          <p:nvPr/>
+        </p:nvCxnSpPr>
+        <p:spPr>
+          <a:xfrm flipH="1">
+            <a:off x="4300195" y="3699000"/>
+            <a:ext cx="630947" cy="811546"/>
+          </a:xfrm>
+          <a:prstGeom prst="line">
+            <a:avLst/>
+          </a:prstGeom>
+        </p:spPr>
+        <p:style>
+          <a:lnRef idx="1">
+            <a:schemeClr val="dk1"/>
+          </a:lnRef>
+          <a:fillRef idx="0">
+            <a:schemeClr val="dk1"/>
+          </a:fillRef>
+          <a:effectRef idx="0">
+            <a:schemeClr val="dk1"/>
+          </a:effectRef>
+          <a:fontRef idx="minor">
+            <a:schemeClr val="tx1"/>
+          </a:fontRef>
+        </p:style>
+      </p:cxnSp>
+      <p:cxnSp>
+        <p:nvCxnSpPr>
+          <p:cNvPr id="184" name="Straight Connector 183">
+            <a:extLst>
+              <a:ext uri="{FF2B5EF4-FFF2-40B4-BE49-F238E27FC236}">
+                <a16:creationId xmlns:a16="http://schemas.microsoft.com/office/drawing/2014/main" id="{90AB7F57-DF9C-4769-AAE7-767ACEFAA9C1}"/>
+              </a:ext>
+            </a:extLst>
+          </p:cNvPr>
+          <p:cNvCxnSpPr>
+            <a:cxnSpLocks/>
+            <a:stCxn id="85" idx="4"/>
+            <a:endCxn id="77" idx="0"/>
+          </p:cNvCxnSpPr>
+          <p:nvPr/>
+        </p:nvCxnSpPr>
+        <p:spPr>
+          <a:xfrm flipH="1">
+            <a:off x="4300186" y="3699000"/>
+            <a:ext cx="1261894" cy="811546"/>
+          </a:xfrm>
+          <a:prstGeom prst="line">
+            <a:avLst/>
+          </a:prstGeom>
+        </p:spPr>
+        <p:style>
+          <a:lnRef idx="1">
+            <a:schemeClr val="dk1"/>
+          </a:lnRef>
+          <a:fillRef idx="0">
+            <a:schemeClr val="dk1"/>
+          </a:fillRef>
+          <a:effectRef idx="0">
+            <a:schemeClr val="dk1"/>
+          </a:effectRef>
+          <a:fontRef idx="minor">
+            <a:schemeClr val="tx1"/>
+          </a:fontRef>
+        </p:style>
+      </p:cxnSp>
+      <p:cxnSp>
+        <p:nvCxnSpPr>
+          <p:cNvPr id="187" name="Straight Connector 186">
+            <a:extLst>
+              <a:ext uri="{FF2B5EF4-FFF2-40B4-BE49-F238E27FC236}">
+                <a16:creationId xmlns:a16="http://schemas.microsoft.com/office/drawing/2014/main" id="{BBC54E19-F2B4-4AA4-BF69-F603F3ADDEB4}"/>
+              </a:ext>
+            </a:extLst>
+          </p:cNvPr>
+          <p:cNvCxnSpPr>
+            <a:cxnSpLocks/>
+            <a:stCxn id="79" idx="0"/>
+            <a:endCxn id="82" idx="4"/>
+          </p:cNvCxnSpPr>
+          <p:nvPr/>
+        </p:nvCxnSpPr>
+        <p:spPr>
+          <a:xfrm flipH="1" flipV="1">
+            <a:off x="3669239" y="3699000"/>
+            <a:ext cx="2614734" cy="811546"/>
+          </a:xfrm>
+          <a:prstGeom prst="line">
+            <a:avLst/>
+          </a:prstGeom>
+        </p:spPr>
+        <p:style>
+          <a:lnRef idx="1">
+            <a:schemeClr val="dk1"/>
+          </a:lnRef>
+          <a:fillRef idx="0">
+            <a:schemeClr val="dk1"/>
+          </a:fillRef>
+          <a:effectRef idx="0">
+            <a:schemeClr val="dk1"/>
+          </a:effectRef>
+          <a:fontRef idx="minor">
+            <a:schemeClr val="tx1"/>
+          </a:fontRef>
+        </p:style>
+      </p:cxnSp>
+      <p:cxnSp>
+        <p:nvCxnSpPr>
+          <p:cNvPr id="190" name="Straight Connector 189">
+            <a:extLst>
+              <a:ext uri="{FF2B5EF4-FFF2-40B4-BE49-F238E27FC236}">
+                <a16:creationId xmlns:a16="http://schemas.microsoft.com/office/drawing/2014/main" id="{C0ADF617-FFE2-4531-9240-AA33228A4B01}"/>
+              </a:ext>
+            </a:extLst>
+          </p:cNvPr>
+          <p:cNvCxnSpPr>
+            <a:cxnSpLocks/>
+            <a:stCxn id="79" idx="0"/>
+            <a:endCxn id="83" idx="4"/>
+          </p:cNvCxnSpPr>
+          <p:nvPr/>
+        </p:nvCxnSpPr>
+        <p:spPr>
+          <a:xfrm flipH="1" flipV="1">
+            <a:off x="4300195" y="3699000"/>
+            <a:ext cx="1983787" cy="811546"/>
+          </a:xfrm>
+          <a:prstGeom prst="line">
+            <a:avLst/>
+          </a:prstGeom>
+        </p:spPr>
+        <p:style>
+          <a:lnRef idx="1">
+            <a:schemeClr val="dk1"/>
+          </a:lnRef>
+          <a:fillRef idx="0">
+            <a:schemeClr val="dk1"/>
+          </a:fillRef>
+          <a:effectRef idx="0">
+            <a:schemeClr val="dk1"/>
+          </a:effectRef>
+          <a:fontRef idx="minor">
+            <a:schemeClr val="tx1"/>
+          </a:fontRef>
+        </p:style>
+      </p:cxnSp>
+      <p:cxnSp>
+        <p:nvCxnSpPr>
+          <p:cNvPr id="193" name="Straight Connector 192">
+            <a:extLst>
+              <a:ext uri="{FF2B5EF4-FFF2-40B4-BE49-F238E27FC236}">
+                <a16:creationId xmlns:a16="http://schemas.microsoft.com/office/drawing/2014/main" id="{748EC4A3-D213-44A6-B801-F1144560E59A}"/>
+              </a:ext>
+            </a:extLst>
+          </p:cNvPr>
+          <p:cNvCxnSpPr>
+            <a:cxnSpLocks/>
+            <a:stCxn id="79" idx="0"/>
+            <a:endCxn id="84" idx="4"/>
+          </p:cNvCxnSpPr>
+          <p:nvPr/>
+        </p:nvCxnSpPr>
+        <p:spPr>
+          <a:xfrm flipH="1" flipV="1">
+            <a:off x="4931133" y="3699000"/>
+            <a:ext cx="1352840" cy="811546"/>
+          </a:xfrm>
+          <a:prstGeom prst="line">
+            <a:avLst/>
+          </a:prstGeom>
+        </p:spPr>
+        <p:style>
+          <a:lnRef idx="1">
+            <a:schemeClr val="dk1"/>
+          </a:lnRef>
+          <a:fillRef idx="0">
+            <a:schemeClr val="dk1"/>
+          </a:fillRef>
+          <a:effectRef idx="0">
+            <a:schemeClr val="dk1"/>
+          </a:effectRef>
+          <a:fontRef idx="minor">
+            <a:schemeClr val="tx1"/>
+          </a:fontRef>
+        </p:style>
+      </p:cxnSp>
+      <p:cxnSp>
+        <p:nvCxnSpPr>
+          <p:cNvPr id="196" name="Straight Connector 195">
+            <a:extLst>
+              <a:ext uri="{FF2B5EF4-FFF2-40B4-BE49-F238E27FC236}">
+                <a16:creationId xmlns:a16="http://schemas.microsoft.com/office/drawing/2014/main" id="{15728BE4-BBE5-42C3-BCBA-1E82F57F8F6F}"/>
+              </a:ext>
+            </a:extLst>
+          </p:cNvPr>
+          <p:cNvCxnSpPr>
+            <a:cxnSpLocks/>
+            <a:stCxn id="79" idx="0"/>
+            <a:endCxn id="85" idx="4"/>
+          </p:cNvCxnSpPr>
+          <p:nvPr/>
+        </p:nvCxnSpPr>
+        <p:spPr>
+          <a:xfrm flipH="1" flipV="1">
+            <a:off x="5562089" y="3699000"/>
+            <a:ext cx="721893" cy="811546"/>
+          </a:xfrm>
+          <a:prstGeom prst="line">
+            <a:avLst/>
+          </a:prstGeom>
+        </p:spPr>
+        <p:style>
+          <a:lnRef idx="1">
+            <a:schemeClr val="dk1"/>
+          </a:lnRef>
+          <a:fillRef idx="0">
+            <a:schemeClr val="dk1"/>
+          </a:fillRef>
+          <a:effectRef idx="0">
+            <a:schemeClr val="dk1"/>
+          </a:effectRef>
+          <a:fontRef idx="minor">
+            <a:schemeClr val="tx1"/>
+          </a:fontRef>
+        </p:style>
+      </p:cxnSp>
+      <p:sp>
+        <p:nvSpPr>
+          <p:cNvPr id="204" name="Rectangle 203">
+            <a:extLst>
+              <a:ext uri="{FF2B5EF4-FFF2-40B4-BE49-F238E27FC236}">
+                <a16:creationId xmlns:a16="http://schemas.microsoft.com/office/drawing/2014/main" id="{1FFC708D-2C10-4F71-95D8-462A17D1048B}"/>
+              </a:ext>
+            </a:extLst>
+          </p:cNvPr>
+          <p:cNvSpPr/>
+          <p:nvPr/>
+        </p:nvSpPr>
+        <p:spPr>
+          <a:xfrm>
+            <a:off x="4030185" y="5419517"/>
+            <a:ext cx="1170947" cy="442575"/>
+          </a:xfrm>
+          <a:prstGeom prst="rect">
+            <a:avLst/>
+          </a:prstGeom>
+        </p:spPr>
+        <p:style>
+          <a:lnRef idx="2">
+            <a:schemeClr val="accent1">
+              <a:shade val="50000"/>
+            </a:schemeClr>
+          </a:lnRef>
+          <a:fillRef idx="1">
+            <a:schemeClr val="accent1"/>
+          </a:fillRef>
+          <a:effectRef idx="0">
+            <a:schemeClr val="accent1"/>
+          </a:effectRef>
+          <a:fontRef idx="minor">
+            <a:schemeClr val="lt1"/>
+          </a:fontRef>
+        </p:style>
+        <p:txBody>
+          <a:bodyPr rtlCol="0" anchor="ctr"/>
+          <a:lstStyle/>
+          <a:p>
+            <a:pPr algn="ctr"/>
+            <a:r>
+              <a:rPr lang="en-US" dirty="0">
+                <a:latin typeface="Roboto Medium" panose="02000000000000000000" pitchFamily="2" charset="0"/>
+                <a:ea typeface="Roboto Medium" panose="02000000000000000000" pitchFamily="2" charset="0"/>
+              </a:rPr>
+              <a:t>Item ID</a:t>
+            </a:r>
+            <a:endParaRPr lang="en-NZ" dirty="0">
+              <a:latin typeface="Roboto Medium" panose="02000000000000000000" pitchFamily="2" charset="0"/>
+              <a:ea typeface="Roboto Medium" panose="02000000000000000000" pitchFamily="2" charset="0"/>
+            </a:endParaRPr>
+          </a:p>
+        </p:txBody>
+      </p:sp>
+      <p:sp>
+        <p:nvSpPr>
+          <p:cNvPr id="205" name="Rectangle 204">
+            <a:extLst>
+              <a:ext uri="{FF2B5EF4-FFF2-40B4-BE49-F238E27FC236}">
+                <a16:creationId xmlns:a16="http://schemas.microsoft.com/office/drawing/2014/main" id="{AD8F2AE8-D90C-4D3C-8B84-C74D3E7F3555}"/>
+              </a:ext>
+            </a:extLst>
+          </p:cNvPr>
+          <p:cNvSpPr/>
+          <p:nvPr/>
+        </p:nvSpPr>
+        <p:spPr>
+          <a:xfrm>
+            <a:off x="4030186" y="995424"/>
+            <a:ext cx="1170947" cy="442575"/>
+          </a:xfrm>
+          <a:prstGeom prst="rect">
+            <a:avLst/>
+          </a:prstGeom>
+        </p:spPr>
+        <p:style>
+          <a:lnRef idx="2">
+            <a:schemeClr val="accent6">
+              <a:shade val="50000"/>
+            </a:schemeClr>
+          </a:lnRef>
+          <a:fillRef idx="1">
+            <a:schemeClr val="accent6"/>
+          </a:fillRef>
+          <a:effectRef idx="0">
+            <a:schemeClr val="accent6"/>
+          </a:effectRef>
+          <a:fontRef idx="minor">
+            <a:schemeClr val="lt1"/>
+          </a:fontRef>
+        </p:style>
+        <p:txBody>
+          <a:bodyPr rtlCol="0" anchor="ctr"/>
+          <a:lstStyle/>
+          <a:p>
+            <a:pPr algn="ctr"/>
+            <a:r>
+              <a:rPr lang="en-US" dirty="0">
+                <a:latin typeface="Roboto Medium" panose="02000000000000000000" pitchFamily="2" charset="0"/>
+                <a:ea typeface="Roboto Medium" panose="02000000000000000000" pitchFamily="2" charset="0"/>
+              </a:rPr>
+              <a:t>Genre(s)</a:t>
+            </a:r>
+            <a:endParaRPr lang="en-NZ" dirty="0">
+              <a:latin typeface="Roboto Medium" panose="02000000000000000000" pitchFamily="2" charset="0"/>
+              <a:ea typeface="Roboto Medium" panose="02000000000000000000" pitchFamily="2" charset="0"/>
+            </a:endParaRPr>
+          </a:p>
+        </p:txBody>
+      </p:sp>
+      <p:sp>
+        <p:nvSpPr>
+          <p:cNvPr id="151" name="TextBox 150">
+            <a:extLst>
+              <a:ext uri="{FF2B5EF4-FFF2-40B4-BE49-F238E27FC236}">
+                <a16:creationId xmlns:a16="http://schemas.microsoft.com/office/drawing/2014/main" id="{6BD5F1F4-29F0-4280-8424-CE208B2BEF73}"/>
+              </a:ext>
+            </a:extLst>
+          </p:cNvPr>
+          <p:cNvSpPr txBox="1"/>
+          <p:nvPr/>
+        </p:nvSpPr>
+        <p:spPr>
+          <a:xfrm>
+            <a:off x="858355" y="4365047"/>
+            <a:ext cx="1547634" cy="830997"/>
+          </a:xfrm>
+          <a:prstGeom prst="rect">
+            <a:avLst/>
+          </a:prstGeom>
+          <a:noFill/>
+        </p:spPr>
+        <p:txBody>
+          <a:bodyPr wrap="square" rtlCol="0">
+            <a:spAutoFit/>
+          </a:bodyPr>
+          <a:lstStyle/>
+          <a:p>
+            <a:pPr algn="ctr"/>
+            <a:r>
+              <a:rPr lang="en-NZ" sz="1600" dirty="0"/>
+              <a:t>1. Item ID embedding lookup</a:t>
+            </a:r>
+          </a:p>
+        </p:txBody>
+      </p:sp>
+      <p:sp>
+        <p:nvSpPr>
+          <p:cNvPr id="152" name="TextBox 151">
+            <a:extLst>
+              <a:ext uri="{FF2B5EF4-FFF2-40B4-BE49-F238E27FC236}">
+                <a16:creationId xmlns:a16="http://schemas.microsoft.com/office/drawing/2014/main" id="{8CED1173-0339-4526-B8EB-97D1E2970936}"/>
+              </a:ext>
+            </a:extLst>
+          </p:cNvPr>
+          <p:cNvSpPr txBox="1"/>
+          <p:nvPr/>
+        </p:nvSpPr>
+        <p:spPr>
+          <a:xfrm>
+            <a:off x="859702" y="3259723"/>
+            <a:ext cx="1547634" cy="338554"/>
+          </a:xfrm>
+          <a:prstGeom prst="rect">
+            <a:avLst/>
+          </a:prstGeom>
+          <a:noFill/>
+        </p:spPr>
+        <p:txBody>
+          <a:bodyPr wrap="square" rtlCol="0">
+            <a:spAutoFit/>
+          </a:bodyPr>
+          <a:lstStyle/>
+          <a:p>
+            <a:pPr algn="ctr"/>
+            <a:r>
+              <a:rPr lang="en-NZ" sz="1600" dirty="0"/>
+              <a:t>2. Hidden layer</a:t>
+            </a:r>
+          </a:p>
+        </p:txBody>
+      </p:sp>
+      <p:sp>
+        <p:nvSpPr>
+          <p:cNvPr id="155" name="TextBox 154">
+            <a:extLst>
+              <a:ext uri="{FF2B5EF4-FFF2-40B4-BE49-F238E27FC236}">
+                <a16:creationId xmlns:a16="http://schemas.microsoft.com/office/drawing/2014/main" id="{9622B551-A71A-4610-8EB2-BEC9CF80E387}"/>
+              </a:ext>
+            </a:extLst>
+          </p:cNvPr>
+          <p:cNvSpPr txBox="1"/>
+          <p:nvPr/>
+        </p:nvSpPr>
+        <p:spPr>
+          <a:xfrm>
+            <a:off x="858355" y="1785066"/>
+            <a:ext cx="1547634" cy="584775"/>
+          </a:xfrm>
+          <a:prstGeom prst="rect">
+            <a:avLst/>
+          </a:prstGeom>
+          <a:noFill/>
+        </p:spPr>
+        <p:txBody>
+          <a:bodyPr wrap="square" rtlCol="0">
+            <a:spAutoFit/>
+          </a:bodyPr>
+          <a:lstStyle/>
+          <a:p>
+            <a:pPr algn="ctr"/>
+            <a:r>
+              <a:rPr lang="en-NZ" sz="1600" dirty="0"/>
+              <a:t>3. Output genre labels</a:t>
+            </a:r>
+          </a:p>
+        </p:txBody>
+      </p:sp>
+    </p:spTree>
+    <p:extLst>
+      <p:ext uri="{BB962C8B-B14F-4D97-AF65-F5344CB8AC3E}">
+        <p14:creationId xmlns:p14="http://schemas.microsoft.com/office/powerpoint/2010/main" val="3230882003"/>
       </p:ext>
     </p:extLst>
   </p:cSld>

--- a/figures/drawing-board.pptx
+++ b/figures/drawing-board.pptx
@@ -2,7 +2,7 @@
 <file path=ppt/presentation.xml><?xml version="1.0" encoding="utf-8"?>
 <p:presentation xmlns:a="http://schemas.openxmlformats.org/drawingml/2006/main" xmlns:r="http://schemas.openxmlformats.org/officeDocument/2006/relationships" xmlns:p="http://schemas.openxmlformats.org/presentationml/2006/main" saveSubsetFonts="1">
   <p:sldMasterIdLst>
-    <p:sldMasterId id="2147483732" r:id="rId1"/>
+    <p:sldMasterId id="2147483744" r:id="rId1"/>
   </p:sldMasterIdLst>
   <p:sldIdLst>
     <p:sldId id="258" r:id="rId2"/>
@@ -12,8 +12,9 @@
     <p:sldId id="259" r:id="rId6"/>
     <p:sldId id="257" r:id="rId7"/>
     <p:sldId id="263" r:id="rId8"/>
+    <p:sldId id="264" r:id="rId9"/>
   </p:sldIdLst>
-  <p:sldSz cx="9144000" cy="6858000" type="screen4x3"/>
+  <p:sldSz cx="12192000" cy="6858000"/>
   <p:notesSz cx="6858000" cy="9144000"/>
   <p:defaultTextStyle>
     <a:defPPr>
@@ -118,7 +119,7 @@
             <a:srgbClr val="A4A3A4"/>
           </p15:clr>
         </p15:guide>
-        <p15:guide id="2" pos="2914" userDrawn="1">
+        <p15:guide id="2" pos="3885" userDrawn="1">
           <p15:clr>
             <a:srgbClr val="A4A3A4"/>
           </p15:clr>
@@ -158,8 +159,8 @@
         </p:nvSpPr>
         <p:spPr>
           <a:xfrm>
-            <a:off x="685800" y="1122363"/>
-            <a:ext cx="7772400" cy="2387600"/>
+            <a:off x="1524000" y="1122363"/>
+            <a:ext cx="9144000" cy="2387600"/>
           </a:xfrm>
         </p:spPr>
         <p:txBody>
@@ -190,8 +191,8 @@
         </p:nvSpPr>
         <p:spPr>
           <a:xfrm>
-            <a:off x="1143000" y="3602038"/>
-            <a:ext cx="6858000" cy="1655762"/>
+            <a:off x="1524000" y="3602038"/>
+            <a:ext cx="9144000" cy="1655762"/>
           </a:xfrm>
         </p:spPr>
         <p:txBody>
@@ -260,7 +261,7 @@
           <a:p>
             <a:fld id="{7FCAF9BE-84FA-4DCA-8252-942D07F2383A}" type="datetimeFigureOut">
               <a:rPr lang="en-NZ" smtClean="0"/>
-              <a:t>12/09/2019</a:t>
+              <a:t>23/09/2019</a:t>
             </a:fld>
             <a:endParaRPr lang="en-NZ"/>
           </a:p>
@@ -311,7 +312,7 @@
     </p:spTree>
     <p:extLst>
       <p:ext uri="{BB962C8B-B14F-4D97-AF65-F5344CB8AC3E}">
-        <p14:creationId xmlns:p14="http://schemas.microsoft.com/office/powerpoint/2010/main" val="1696168851"/>
+        <p14:creationId xmlns:p14="http://schemas.microsoft.com/office/powerpoint/2010/main" val="3089563490"/>
       </p:ext>
     </p:extLst>
   </p:cSld>
@@ -430,7 +431,7 @@
           <a:p>
             <a:fld id="{7FCAF9BE-84FA-4DCA-8252-942D07F2383A}" type="datetimeFigureOut">
               <a:rPr lang="en-NZ" smtClean="0"/>
-              <a:t>12/09/2019</a:t>
+              <a:t>23/09/2019</a:t>
             </a:fld>
             <a:endParaRPr lang="en-NZ"/>
           </a:p>
@@ -481,7 +482,7 @@
     </p:spTree>
     <p:extLst>
       <p:ext uri="{BB962C8B-B14F-4D97-AF65-F5344CB8AC3E}">
-        <p14:creationId xmlns:p14="http://schemas.microsoft.com/office/powerpoint/2010/main" val="2059505777"/>
+        <p14:creationId xmlns:p14="http://schemas.microsoft.com/office/powerpoint/2010/main" val="3758139994"/>
       </p:ext>
     </p:extLst>
   </p:cSld>
@@ -520,8 +521,8 @@
         </p:nvSpPr>
         <p:spPr>
           <a:xfrm>
-            <a:off x="6543675" y="365125"/>
-            <a:ext cx="1971675" cy="5811838"/>
+            <a:off x="8724900" y="365125"/>
+            <a:ext cx="2628900" cy="5811838"/>
           </a:xfrm>
         </p:spPr>
         <p:txBody>
@@ -548,8 +549,8 @@
         </p:nvSpPr>
         <p:spPr>
           <a:xfrm>
-            <a:off x="628650" y="365125"/>
-            <a:ext cx="5800725" cy="5811838"/>
+            <a:off x="838200" y="365125"/>
+            <a:ext cx="7734300" cy="5811838"/>
           </a:xfrm>
         </p:spPr>
         <p:txBody>
@@ -610,7 +611,7 @@
           <a:p>
             <a:fld id="{7FCAF9BE-84FA-4DCA-8252-942D07F2383A}" type="datetimeFigureOut">
               <a:rPr lang="en-NZ" smtClean="0"/>
-              <a:t>12/09/2019</a:t>
+              <a:t>23/09/2019</a:t>
             </a:fld>
             <a:endParaRPr lang="en-NZ"/>
           </a:p>
@@ -661,7 +662,7 @@
     </p:spTree>
     <p:extLst>
       <p:ext uri="{BB962C8B-B14F-4D97-AF65-F5344CB8AC3E}">
-        <p14:creationId xmlns:p14="http://schemas.microsoft.com/office/powerpoint/2010/main" val="2154194452"/>
+        <p14:creationId xmlns:p14="http://schemas.microsoft.com/office/powerpoint/2010/main" val="973810842"/>
       </p:ext>
     </p:extLst>
   </p:cSld>
@@ -780,7 +781,7 @@
           <a:p>
             <a:fld id="{7FCAF9BE-84FA-4DCA-8252-942D07F2383A}" type="datetimeFigureOut">
               <a:rPr lang="en-NZ" smtClean="0"/>
-              <a:t>12/09/2019</a:t>
+              <a:t>23/09/2019</a:t>
             </a:fld>
             <a:endParaRPr lang="en-NZ"/>
           </a:p>
@@ -831,7 +832,7 @@
     </p:spTree>
     <p:extLst>
       <p:ext uri="{BB962C8B-B14F-4D97-AF65-F5344CB8AC3E}">
-        <p14:creationId xmlns:p14="http://schemas.microsoft.com/office/powerpoint/2010/main" val="3053587209"/>
+        <p14:creationId xmlns:p14="http://schemas.microsoft.com/office/powerpoint/2010/main" val="905995784"/>
       </p:ext>
     </p:extLst>
   </p:cSld>
@@ -870,8 +871,8 @@
         </p:nvSpPr>
         <p:spPr>
           <a:xfrm>
-            <a:off x="623888" y="1709739"/>
-            <a:ext cx="7886700" cy="2852737"/>
+            <a:off x="831850" y="1709738"/>
+            <a:ext cx="10515600" cy="2852737"/>
           </a:xfrm>
         </p:spPr>
         <p:txBody>
@@ -902,8 +903,8 @@
         </p:nvSpPr>
         <p:spPr>
           <a:xfrm>
-            <a:off x="623888" y="4589464"/>
-            <a:ext cx="7886700" cy="1500187"/>
+            <a:off x="831850" y="4589463"/>
+            <a:ext cx="10515600" cy="1500187"/>
           </a:xfrm>
         </p:spPr>
         <p:txBody>
@@ -913,7 +914,9 @@
               <a:buNone/>
               <a:defRPr sz="2400">
                 <a:solidFill>
-                  <a:schemeClr val="tx1"/>
+                  <a:schemeClr val="tx1">
+                    <a:tint val="75000"/>
+                  </a:schemeClr>
                 </a:solidFill>
               </a:defRPr>
             </a:lvl1pPr>
@@ -1024,7 +1027,7 @@
           <a:p>
             <a:fld id="{7FCAF9BE-84FA-4DCA-8252-942D07F2383A}" type="datetimeFigureOut">
               <a:rPr lang="en-NZ" smtClean="0"/>
-              <a:t>12/09/2019</a:t>
+              <a:t>23/09/2019</a:t>
             </a:fld>
             <a:endParaRPr lang="en-NZ"/>
           </a:p>
@@ -1075,7 +1078,7 @@
     </p:spTree>
     <p:extLst>
       <p:ext uri="{BB962C8B-B14F-4D97-AF65-F5344CB8AC3E}">
-        <p14:creationId xmlns:p14="http://schemas.microsoft.com/office/powerpoint/2010/main" val="2596826148"/>
+        <p14:creationId xmlns:p14="http://schemas.microsoft.com/office/powerpoint/2010/main" val="2082350237"/>
       </p:ext>
     </p:extLst>
   </p:cSld>
@@ -1137,8 +1140,8 @@
         </p:nvSpPr>
         <p:spPr>
           <a:xfrm>
-            <a:off x="628650" y="1825625"/>
-            <a:ext cx="3886200" cy="4351338"/>
+            <a:off x="838200" y="1825625"/>
+            <a:ext cx="5181600" cy="4351338"/>
           </a:xfrm>
         </p:spPr>
         <p:txBody>
@@ -1194,8 +1197,8 @@
         </p:nvSpPr>
         <p:spPr>
           <a:xfrm>
-            <a:off x="4629150" y="1825625"/>
-            <a:ext cx="3886200" cy="4351338"/>
+            <a:off x="6172200" y="1825625"/>
+            <a:ext cx="5181600" cy="4351338"/>
           </a:xfrm>
         </p:spPr>
         <p:txBody>
@@ -1256,7 +1259,7 @@
           <a:p>
             <a:fld id="{7FCAF9BE-84FA-4DCA-8252-942D07F2383A}" type="datetimeFigureOut">
               <a:rPr lang="en-NZ" smtClean="0"/>
-              <a:t>12/09/2019</a:t>
+              <a:t>23/09/2019</a:t>
             </a:fld>
             <a:endParaRPr lang="en-NZ"/>
           </a:p>
@@ -1307,7 +1310,7 @@
     </p:spTree>
     <p:extLst>
       <p:ext uri="{BB962C8B-B14F-4D97-AF65-F5344CB8AC3E}">
-        <p14:creationId xmlns:p14="http://schemas.microsoft.com/office/powerpoint/2010/main" val="3018805379"/>
+        <p14:creationId xmlns:p14="http://schemas.microsoft.com/office/powerpoint/2010/main" val="1486360905"/>
       </p:ext>
     </p:extLst>
   </p:cSld>
@@ -1346,8 +1349,8 @@
         </p:nvSpPr>
         <p:spPr>
           <a:xfrm>
-            <a:off x="629841" y="365126"/>
-            <a:ext cx="7886700" cy="1325563"/>
+            <a:off x="839788" y="365125"/>
+            <a:ext cx="10515600" cy="1325563"/>
           </a:xfrm>
         </p:spPr>
         <p:txBody>
@@ -1374,8 +1377,8 @@
         </p:nvSpPr>
         <p:spPr>
           <a:xfrm>
-            <a:off x="629842" y="1681163"/>
-            <a:ext cx="3868340" cy="823912"/>
+            <a:off x="839788" y="1681163"/>
+            <a:ext cx="5157787" cy="823912"/>
           </a:xfrm>
         </p:spPr>
         <p:txBody>
@@ -1439,8 +1442,8 @@
         </p:nvSpPr>
         <p:spPr>
           <a:xfrm>
-            <a:off x="629842" y="2505075"/>
-            <a:ext cx="3868340" cy="3684588"/>
+            <a:off x="839788" y="2505075"/>
+            <a:ext cx="5157787" cy="3684588"/>
           </a:xfrm>
         </p:spPr>
         <p:txBody>
@@ -1496,8 +1499,8 @@
         </p:nvSpPr>
         <p:spPr>
           <a:xfrm>
-            <a:off x="4629150" y="1681163"/>
-            <a:ext cx="3887391" cy="823912"/>
+            <a:off x="6172200" y="1681163"/>
+            <a:ext cx="5183188" cy="823912"/>
           </a:xfrm>
         </p:spPr>
         <p:txBody>
@@ -1561,8 +1564,8 @@
         </p:nvSpPr>
         <p:spPr>
           <a:xfrm>
-            <a:off x="4629150" y="2505075"/>
-            <a:ext cx="3887391" cy="3684588"/>
+            <a:off x="6172200" y="2505075"/>
+            <a:ext cx="5183188" cy="3684588"/>
           </a:xfrm>
         </p:spPr>
         <p:txBody>
@@ -1623,7 +1626,7 @@
           <a:p>
             <a:fld id="{7FCAF9BE-84FA-4DCA-8252-942D07F2383A}" type="datetimeFigureOut">
               <a:rPr lang="en-NZ" smtClean="0"/>
-              <a:t>12/09/2019</a:t>
+              <a:t>23/09/2019</a:t>
             </a:fld>
             <a:endParaRPr lang="en-NZ"/>
           </a:p>
@@ -1674,7 +1677,7 @@
     </p:spTree>
     <p:extLst>
       <p:ext uri="{BB962C8B-B14F-4D97-AF65-F5344CB8AC3E}">
-        <p14:creationId xmlns:p14="http://schemas.microsoft.com/office/powerpoint/2010/main" val="2912523362"/>
+        <p14:creationId xmlns:p14="http://schemas.microsoft.com/office/powerpoint/2010/main" val="1045311429"/>
       </p:ext>
     </p:extLst>
   </p:cSld>
@@ -1741,7 +1744,7 @@
           <a:p>
             <a:fld id="{7FCAF9BE-84FA-4DCA-8252-942D07F2383A}" type="datetimeFigureOut">
               <a:rPr lang="en-NZ" smtClean="0"/>
-              <a:t>12/09/2019</a:t>
+              <a:t>23/09/2019</a:t>
             </a:fld>
             <a:endParaRPr lang="en-NZ"/>
           </a:p>
@@ -1792,7 +1795,7 @@
     </p:spTree>
     <p:extLst>
       <p:ext uri="{BB962C8B-B14F-4D97-AF65-F5344CB8AC3E}">
-        <p14:creationId xmlns:p14="http://schemas.microsoft.com/office/powerpoint/2010/main" val="3860181864"/>
+        <p14:creationId xmlns:p14="http://schemas.microsoft.com/office/powerpoint/2010/main" val="347327045"/>
       </p:ext>
     </p:extLst>
   </p:cSld>
@@ -1836,7 +1839,7 @@
           <a:p>
             <a:fld id="{7FCAF9BE-84FA-4DCA-8252-942D07F2383A}" type="datetimeFigureOut">
               <a:rPr lang="en-NZ" smtClean="0"/>
-              <a:t>12/09/2019</a:t>
+              <a:t>23/09/2019</a:t>
             </a:fld>
             <a:endParaRPr lang="en-NZ"/>
           </a:p>
@@ -1887,7 +1890,7 @@
     </p:spTree>
     <p:extLst>
       <p:ext uri="{BB962C8B-B14F-4D97-AF65-F5344CB8AC3E}">
-        <p14:creationId xmlns:p14="http://schemas.microsoft.com/office/powerpoint/2010/main" val="4078141391"/>
+        <p14:creationId xmlns:p14="http://schemas.microsoft.com/office/powerpoint/2010/main" val="2786892973"/>
       </p:ext>
     </p:extLst>
   </p:cSld>
@@ -1926,8 +1929,8 @@
         </p:nvSpPr>
         <p:spPr>
           <a:xfrm>
-            <a:off x="629841" y="457200"/>
-            <a:ext cx="2949178" cy="1600200"/>
+            <a:off x="839788" y="457200"/>
+            <a:ext cx="3932237" cy="1600200"/>
           </a:xfrm>
         </p:spPr>
         <p:txBody>
@@ -1958,8 +1961,8 @@
         </p:nvSpPr>
         <p:spPr>
           <a:xfrm>
-            <a:off x="3887391" y="987426"/>
-            <a:ext cx="4629150" cy="4873625"/>
+            <a:off x="5183188" y="987425"/>
+            <a:ext cx="6172200" cy="4873625"/>
           </a:xfrm>
         </p:spPr>
         <p:txBody>
@@ -2043,8 +2046,8 @@
         </p:nvSpPr>
         <p:spPr>
           <a:xfrm>
-            <a:off x="629841" y="2057400"/>
-            <a:ext cx="2949178" cy="3811588"/>
+            <a:off x="839788" y="2057400"/>
+            <a:ext cx="3932237" cy="3811588"/>
           </a:xfrm>
         </p:spPr>
         <p:txBody>
@@ -2113,7 +2116,7 @@
           <a:p>
             <a:fld id="{7FCAF9BE-84FA-4DCA-8252-942D07F2383A}" type="datetimeFigureOut">
               <a:rPr lang="en-NZ" smtClean="0"/>
-              <a:t>12/09/2019</a:t>
+              <a:t>23/09/2019</a:t>
             </a:fld>
             <a:endParaRPr lang="en-NZ"/>
           </a:p>
@@ -2164,7 +2167,7 @@
     </p:spTree>
     <p:extLst>
       <p:ext uri="{BB962C8B-B14F-4D97-AF65-F5344CB8AC3E}">
-        <p14:creationId xmlns:p14="http://schemas.microsoft.com/office/powerpoint/2010/main" val="2480269369"/>
+        <p14:creationId xmlns:p14="http://schemas.microsoft.com/office/powerpoint/2010/main" val="3474331654"/>
       </p:ext>
     </p:extLst>
   </p:cSld>
@@ -2203,8 +2206,8 @@
         </p:nvSpPr>
         <p:spPr>
           <a:xfrm>
-            <a:off x="629841" y="457200"/>
-            <a:ext cx="2949178" cy="1600200"/>
+            <a:off x="839788" y="457200"/>
+            <a:ext cx="3932237" cy="1600200"/>
           </a:xfrm>
         </p:spPr>
         <p:txBody>
@@ -2235,8 +2238,8 @@
         </p:nvSpPr>
         <p:spPr>
           <a:xfrm>
-            <a:off x="3887391" y="987426"/>
-            <a:ext cx="4629150" cy="4873625"/>
+            <a:off x="5183188" y="987425"/>
+            <a:ext cx="6172200" cy="4873625"/>
           </a:xfrm>
         </p:spPr>
         <p:txBody>
@@ -2300,8 +2303,8 @@
         </p:nvSpPr>
         <p:spPr>
           <a:xfrm>
-            <a:off x="629841" y="2057400"/>
-            <a:ext cx="2949178" cy="3811588"/>
+            <a:off x="839788" y="2057400"/>
+            <a:ext cx="3932237" cy="3811588"/>
           </a:xfrm>
         </p:spPr>
         <p:txBody>
@@ -2370,7 +2373,7 @@
           <a:p>
             <a:fld id="{7FCAF9BE-84FA-4DCA-8252-942D07F2383A}" type="datetimeFigureOut">
               <a:rPr lang="en-NZ" smtClean="0"/>
-              <a:t>12/09/2019</a:t>
+              <a:t>23/09/2019</a:t>
             </a:fld>
             <a:endParaRPr lang="en-NZ"/>
           </a:p>
@@ -2421,7 +2424,7 @@
     </p:spTree>
     <p:extLst>
       <p:ext uri="{BB962C8B-B14F-4D97-AF65-F5344CB8AC3E}">
-        <p14:creationId xmlns:p14="http://schemas.microsoft.com/office/powerpoint/2010/main" val="1504981592"/>
+        <p14:creationId xmlns:p14="http://schemas.microsoft.com/office/powerpoint/2010/main" val="2064435628"/>
       </p:ext>
     </p:extLst>
   </p:cSld>
@@ -2465,8 +2468,8 @@
         </p:nvSpPr>
         <p:spPr>
           <a:xfrm>
-            <a:off x="628650" y="365126"/>
-            <a:ext cx="7886700" cy="1325563"/>
+            <a:off x="838200" y="365125"/>
+            <a:ext cx="10515600" cy="1325563"/>
           </a:xfrm>
           <a:prstGeom prst="rect">
             <a:avLst/>
@@ -2498,8 +2501,8 @@
         </p:nvSpPr>
         <p:spPr>
           <a:xfrm>
-            <a:off x="628650" y="1825625"/>
-            <a:ext cx="7886700" cy="4351338"/>
+            <a:off x="838200" y="1825625"/>
+            <a:ext cx="10515600" cy="4351338"/>
           </a:xfrm>
           <a:prstGeom prst="rect">
             <a:avLst/>
@@ -2560,8 +2563,8 @@
         </p:nvSpPr>
         <p:spPr>
           <a:xfrm>
-            <a:off x="628650" y="6356351"/>
-            <a:ext cx="2057400" cy="365125"/>
+            <a:off x="838200" y="6356350"/>
+            <a:ext cx="2743200" cy="365125"/>
           </a:xfrm>
           <a:prstGeom prst="rect">
             <a:avLst/>
@@ -2583,7 +2586,7 @@
           <a:p>
             <a:fld id="{7FCAF9BE-84FA-4DCA-8252-942D07F2383A}" type="datetimeFigureOut">
               <a:rPr lang="en-NZ" smtClean="0"/>
-              <a:t>12/09/2019</a:t>
+              <a:t>23/09/2019</a:t>
             </a:fld>
             <a:endParaRPr lang="en-NZ"/>
           </a:p>
@@ -2601,8 +2604,8 @@
         </p:nvSpPr>
         <p:spPr>
           <a:xfrm>
-            <a:off x="3028950" y="6356351"/>
-            <a:ext cx="3086100" cy="365125"/>
+            <a:off x="4038600" y="6356350"/>
+            <a:ext cx="4114800" cy="365125"/>
           </a:xfrm>
           <a:prstGeom prst="rect">
             <a:avLst/>
@@ -2638,8 +2641,8 @@
         </p:nvSpPr>
         <p:spPr>
           <a:xfrm>
-            <a:off x="6457950" y="6356351"/>
-            <a:ext cx="2057400" cy="365125"/>
+            <a:off x="8610600" y="6356350"/>
+            <a:ext cx="2743200" cy="365125"/>
           </a:xfrm>
           <a:prstGeom prst="rect">
             <a:avLst/>
@@ -2670,23 +2673,23 @@
     </p:spTree>
     <p:extLst>
       <p:ext uri="{BB962C8B-B14F-4D97-AF65-F5344CB8AC3E}">
-        <p14:creationId xmlns:p14="http://schemas.microsoft.com/office/powerpoint/2010/main" val="314400765"/>
+        <p14:creationId xmlns:p14="http://schemas.microsoft.com/office/powerpoint/2010/main" val="3463789360"/>
       </p:ext>
     </p:extLst>
   </p:cSld>
   <p:clrMap bg1="lt1" tx1="dk1" bg2="lt2" tx2="dk2" accent1="accent1" accent2="accent2" accent3="accent3" accent4="accent4" accent5="accent5" accent6="accent6" hlink="hlink" folHlink="folHlink"/>
   <p:sldLayoutIdLst>
-    <p:sldLayoutId id="2147483733" r:id="rId1"/>
-    <p:sldLayoutId id="2147483734" r:id="rId2"/>
-    <p:sldLayoutId id="2147483735" r:id="rId3"/>
-    <p:sldLayoutId id="2147483736" r:id="rId4"/>
-    <p:sldLayoutId id="2147483737" r:id="rId5"/>
-    <p:sldLayoutId id="2147483738" r:id="rId6"/>
-    <p:sldLayoutId id="2147483739" r:id="rId7"/>
-    <p:sldLayoutId id="2147483740" r:id="rId8"/>
-    <p:sldLayoutId id="2147483741" r:id="rId9"/>
-    <p:sldLayoutId id="2147483742" r:id="rId10"/>
-    <p:sldLayoutId id="2147483743" r:id="rId11"/>
+    <p:sldLayoutId id="2147483745" r:id="rId1"/>
+    <p:sldLayoutId id="2147483746" r:id="rId2"/>
+    <p:sldLayoutId id="2147483747" r:id="rId3"/>
+    <p:sldLayoutId id="2147483748" r:id="rId4"/>
+    <p:sldLayoutId id="2147483749" r:id="rId5"/>
+    <p:sldLayoutId id="2147483750" r:id="rId6"/>
+    <p:sldLayoutId id="2147483751" r:id="rId7"/>
+    <p:sldLayoutId id="2147483752" r:id="rId8"/>
+    <p:sldLayoutId id="2147483753" r:id="rId9"/>
+    <p:sldLayoutId id="2147483754" r:id="rId10"/>
+    <p:sldLayoutId id="2147483755" r:id="rId11"/>
   </p:sldLayoutIdLst>
   <p:txStyles>
     <p:titleStyle>
@@ -3002,7 +3005,7 @@
         </p:nvSpPr>
         <p:spPr>
           <a:xfrm>
-            <a:off x="1289184" y="5077325"/>
+            <a:off x="2813184" y="5077325"/>
             <a:ext cx="540000" cy="540000"/>
           </a:xfrm>
           <a:prstGeom prst="flowChartConnector">
@@ -3054,7 +3057,7 @@
         </p:nvSpPr>
         <p:spPr>
           <a:xfrm>
-            <a:off x="658237" y="5077325"/>
+            <a:off x="2182237" y="5077325"/>
             <a:ext cx="540000" cy="540000"/>
           </a:xfrm>
           <a:prstGeom prst="flowChartConnector">
@@ -3106,7 +3109,7 @@
         </p:nvSpPr>
         <p:spPr>
           <a:xfrm>
-            <a:off x="1920131" y="5077325"/>
+            <a:off x="3444131" y="5077325"/>
             <a:ext cx="540000" cy="540000"/>
           </a:xfrm>
           <a:prstGeom prst="flowChartConnector">
@@ -3158,7 +3161,7 @@
         </p:nvSpPr>
         <p:spPr>
           <a:xfrm>
-            <a:off x="3903917" y="5077326"/>
+            <a:off x="5427917" y="5077326"/>
             <a:ext cx="540000" cy="540000"/>
           </a:xfrm>
           <a:prstGeom prst="flowChartConnector">
@@ -3210,7 +3213,7 @@
         </p:nvSpPr>
         <p:spPr>
           <a:xfrm>
-            <a:off x="5165811" y="5077326"/>
+            <a:off x="6689811" y="5077326"/>
             <a:ext cx="540000" cy="540000"/>
           </a:xfrm>
           <a:prstGeom prst="flowChartConnector">
@@ -3262,7 +3265,7 @@
         </p:nvSpPr>
         <p:spPr>
           <a:xfrm>
-            <a:off x="4534864" y="5077326"/>
+            <a:off x="6058864" y="5077326"/>
             <a:ext cx="540000" cy="540000"/>
           </a:xfrm>
           <a:prstGeom prst="flowChartConnector">
@@ -3314,7 +3317,7 @@
         </p:nvSpPr>
         <p:spPr>
           <a:xfrm>
-            <a:off x="5796758" y="5077326"/>
+            <a:off x="7320758" y="5077326"/>
             <a:ext cx="540000" cy="540000"/>
           </a:xfrm>
           <a:prstGeom prst="flowChartConnector">
@@ -3366,7 +3369,7 @@
         </p:nvSpPr>
         <p:spPr>
           <a:xfrm>
-            <a:off x="7780545" y="5077326"/>
+            <a:off x="9304545" y="5077326"/>
             <a:ext cx="540000" cy="540000"/>
           </a:xfrm>
           <a:prstGeom prst="flowChartConnector">
@@ -3418,7 +3421,7 @@
         </p:nvSpPr>
         <p:spPr>
           <a:xfrm>
-            <a:off x="2642023" y="3276601"/>
+            <a:off x="4166023" y="3276601"/>
             <a:ext cx="540000" cy="540000"/>
           </a:xfrm>
           <a:prstGeom prst="flowChartConnector">
@@ -3464,7 +3467,7 @@
         </p:nvSpPr>
         <p:spPr>
           <a:xfrm>
-            <a:off x="3272970" y="3276601"/>
+            <a:off x="4796970" y="3276601"/>
             <a:ext cx="540000" cy="540000"/>
           </a:xfrm>
           <a:prstGeom prst="flowChartConnector">
@@ -3510,7 +3513,7 @@
         </p:nvSpPr>
         <p:spPr>
           <a:xfrm>
-            <a:off x="3903917" y="3276601"/>
+            <a:off x="5427917" y="3276601"/>
             <a:ext cx="540000" cy="540000"/>
           </a:xfrm>
           <a:prstGeom prst="flowChartConnector">
@@ -3556,7 +3559,7 @@
         </p:nvSpPr>
         <p:spPr>
           <a:xfrm>
-            <a:off x="5165811" y="3276601"/>
+            <a:off x="6689811" y="3276601"/>
             <a:ext cx="540000" cy="540000"/>
           </a:xfrm>
           <a:prstGeom prst="flowChartConnector">
@@ -3602,7 +3605,7 @@
         </p:nvSpPr>
         <p:spPr>
           <a:xfrm>
-            <a:off x="4534864" y="3276601"/>
+            <a:off x="6058864" y="3276601"/>
             <a:ext cx="540000" cy="540000"/>
           </a:xfrm>
           <a:prstGeom prst="flowChartConnector">
@@ -3648,7 +3651,7 @@
         </p:nvSpPr>
         <p:spPr>
           <a:xfrm>
-            <a:off x="5796758" y="3276601"/>
+            <a:off x="7320758" y="3276601"/>
             <a:ext cx="540000" cy="540000"/>
           </a:xfrm>
           <a:prstGeom prst="flowChartConnector">
@@ -3694,7 +3697,7 @@
         </p:nvSpPr>
         <p:spPr>
           <a:xfrm>
-            <a:off x="4219390" y="1475876"/>
+            <a:off x="5743390" y="1475876"/>
             <a:ext cx="540000" cy="540000"/>
           </a:xfrm>
           <a:prstGeom prst="flowChartConnector">
@@ -3750,7 +3753,7 @@
         </p:nvCxnSpPr>
         <p:spPr>
           <a:xfrm>
-            <a:off x="6066767" y="3816610"/>
+            <a:off x="7590768" y="3816611"/>
             <a:ext cx="1983787" cy="1260725"/>
           </a:xfrm>
           <a:prstGeom prst="line">
@@ -3790,7 +3793,7 @@
         </p:nvCxnSpPr>
         <p:spPr>
           <a:xfrm>
-            <a:off x="2912023" y="3816610"/>
+            <a:off x="4436023" y="3816611"/>
             <a:ext cx="5138522" cy="1260725"/>
           </a:xfrm>
           <a:prstGeom prst="line">
@@ -3830,7 +3833,7 @@
         </p:nvCxnSpPr>
         <p:spPr>
           <a:xfrm>
-            <a:off x="3542979" y="3816610"/>
+            <a:off x="5066980" y="3816611"/>
             <a:ext cx="4507575" cy="1260725"/>
           </a:xfrm>
           <a:prstGeom prst="line">
@@ -3870,7 +3873,7 @@
         </p:nvCxnSpPr>
         <p:spPr>
           <a:xfrm>
-            <a:off x="4173917" y="3816610"/>
+            <a:off x="5697917" y="3816611"/>
             <a:ext cx="3876628" cy="1260725"/>
           </a:xfrm>
           <a:prstGeom prst="line">
@@ -3910,7 +3913,7 @@
         </p:nvCxnSpPr>
         <p:spPr>
           <a:xfrm>
-            <a:off x="4804873" y="3816610"/>
+            <a:off x="6328874" y="3816611"/>
             <a:ext cx="3245681" cy="1260725"/>
           </a:xfrm>
           <a:prstGeom prst="line">
@@ -3950,7 +3953,7 @@
         </p:nvCxnSpPr>
         <p:spPr>
           <a:xfrm>
-            <a:off x="5435811" y="3816610"/>
+            <a:off x="6959811" y="3816611"/>
             <a:ext cx="2614734" cy="1260725"/>
           </a:xfrm>
           <a:prstGeom prst="line">
@@ -3990,7 +3993,7 @@
         </p:nvCxnSpPr>
         <p:spPr>
           <a:xfrm>
-            <a:off x="2912032" y="3816610"/>
+            <a:off x="4436033" y="3816611"/>
             <a:ext cx="3154735" cy="1260725"/>
           </a:xfrm>
           <a:prstGeom prst="line">
@@ -4030,7 +4033,7 @@
         </p:nvCxnSpPr>
         <p:spPr>
           <a:xfrm>
-            <a:off x="3542970" y="3816610"/>
+            <a:off x="5066970" y="3816611"/>
             <a:ext cx="2523788" cy="1260725"/>
           </a:xfrm>
           <a:prstGeom prst="line">
@@ -4070,7 +4073,7 @@
         </p:nvCxnSpPr>
         <p:spPr>
           <a:xfrm>
-            <a:off x="4173926" y="3816610"/>
+            <a:off x="5697927" y="3816611"/>
             <a:ext cx="1892841" cy="1260725"/>
           </a:xfrm>
           <a:prstGeom prst="line">
@@ -4110,7 +4113,7 @@
         </p:nvCxnSpPr>
         <p:spPr>
           <a:xfrm>
-            <a:off x="4804864" y="3816610"/>
+            <a:off x="6328864" y="3816611"/>
             <a:ext cx="1261894" cy="1260725"/>
           </a:xfrm>
           <a:prstGeom prst="line">
@@ -4150,7 +4153,7 @@
         </p:nvCxnSpPr>
         <p:spPr>
           <a:xfrm>
-            <a:off x="5435820" y="3816610"/>
+            <a:off x="6959821" y="3816611"/>
             <a:ext cx="630947" cy="1260725"/>
           </a:xfrm>
           <a:prstGeom prst="line">
@@ -4190,7 +4193,7 @@
         </p:nvCxnSpPr>
         <p:spPr>
           <a:xfrm>
-            <a:off x="6066758" y="3816610"/>
+            <a:off x="7590758" y="3816611"/>
             <a:ext cx="0" cy="1260725"/>
           </a:xfrm>
           <a:prstGeom prst="line">
@@ -4230,7 +4233,7 @@
         </p:nvCxnSpPr>
         <p:spPr>
           <a:xfrm>
-            <a:off x="2912023" y="3816610"/>
+            <a:off x="4436023" y="3816611"/>
             <a:ext cx="2523788" cy="1260725"/>
           </a:xfrm>
           <a:prstGeom prst="line">
@@ -4270,7 +4273,7 @@
         </p:nvCxnSpPr>
         <p:spPr>
           <a:xfrm>
-            <a:off x="3542979" y="3816610"/>
+            <a:off x="5066980" y="3816611"/>
             <a:ext cx="1892841" cy="1260725"/>
           </a:xfrm>
           <a:prstGeom prst="line">
@@ -4310,7 +4313,7 @@
         </p:nvCxnSpPr>
         <p:spPr>
           <a:xfrm>
-            <a:off x="4173917" y="3816610"/>
+            <a:off x="5697917" y="3816611"/>
             <a:ext cx="1261894" cy="1260725"/>
           </a:xfrm>
           <a:prstGeom prst="line">
@@ -4350,7 +4353,7 @@
         </p:nvCxnSpPr>
         <p:spPr>
           <a:xfrm>
-            <a:off x="4804873" y="3816610"/>
+            <a:off x="6328874" y="3816611"/>
             <a:ext cx="630947" cy="1260725"/>
           </a:xfrm>
           <a:prstGeom prst="line">
@@ -4390,7 +4393,7 @@
         </p:nvCxnSpPr>
         <p:spPr>
           <a:xfrm>
-            <a:off x="5435811" y="3816610"/>
+            <a:off x="6959811" y="3816611"/>
             <a:ext cx="0" cy="1260725"/>
           </a:xfrm>
           <a:prstGeom prst="line">
@@ -4430,7 +4433,7 @@
         </p:nvCxnSpPr>
         <p:spPr>
           <a:xfrm flipH="1">
-            <a:off x="5435820" y="3816610"/>
+            <a:off x="6959821" y="3816611"/>
             <a:ext cx="630947" cy="1260725"/>
           </a:xfrm>
           <a:prstGeom prst="line">
@@ -4470,7 +4473,7 @@
         </p:nvCxnSpPr>
         <p:spPr>
           <a:xfrm>
-            <a:off x="2912032" y="3816610"/>
+            <a:off x="4436033" y="3816611"/>
             <a:ext cx="1892841" cy="1260725"/>
           </a:xfrm>
           <a:prstGeom prst="line">
@@ -4510,7 +4513,7 @@
         </p:nvCxnSpPr>
         <p:spPr>
           <a:xfrm>
-            <a:off x="3542970" y="3816610"/>
+            <a:off x="5066970" y="3816611"/>
             <a:ext cx="1261894" cy="1260725"/>
           </a:xfrm>
           <a:prstGeom prst="line">
@@ -4550,7 +4553,7 @@
         </p:nvCxnSpPr>
         <p:spPr>
           <a:xfrm>
-            <a:off x="4173926" y="3816610"/>
+            <a:off x="5697927" y="3816611"/>
             <a:ext cx="630947" cy="1260725"/>
           </a:xfrm>
           <a:prstGeom prst="line">
@@ -4590,7 +4593,7 @@
         </p:nvCxnSpPr>
         <p:spPr>
           <a:xfrm>
-            <a:off x="4804864" y="3816610"/>
+            <a:off x="6328864" y="3816611"/>
             <a:ext cx="0" cy="1260725"/>
           </a:xfrm>
           <a:prstGeom prst="line">
@@ -4630,7 +4633,7 @@
         </p:nvCxnSpPr>
         <p:spPr>
           <a:xfrm flipH="1">
-            <a:off x="4804873" y="3816610"/>
+            <a:off x="6328874" y="3816611"/>
             <a:ext cx="630947" cy="1260725"/>
           </a:xfrm>
           <a:prstGeom prst="line">
@@ -4670,7 +4673,7 @@
         </p:nvCxnSpPr>
         <p:spPr>
           <a:xfrm flipH="1">
-            <a:off x="4804864" y="3816610"/>
+            <a:off x="6328864" y="3816611"/>
             <a:ext cx="1261894" cy="1260725"/>
           </a:xfrm>
           <a:prstGeom prst="line">
@@ -4706,7 +4709,7 @@
         </p:nvSpPr>
         <p:spPr>
           <a:xfrm>
-            <a:off x="6429070" y="5077335"/>
+            <a:off x="7953071" y="5077336"/>
             <a:ext cx="1259181" cy="539999"/>
           </a:xfrm>
           <a:prstGeom prst="roundRect">
@@ -4762,7 +4765,7 @@
         </p:nvSpPr>
         <p:spPr>
           <a:xfrm>
-            <a:off x="2552442" y="5077335"/>
+            <a:off x="4076443" y="5077336"/>
             <a:ext cx="1259181" cy="539999"/>
           </a:xfrm>
           <a:prstGeom prst="roundRect">
@@ -4822,7 +4825,7 @@
         </p:nvCxnSpPr>
         <p:spPr>
           <a:xfrm>
-            <a:off x="2912023" y="3816610"/>
+            <a:off x="4436023" y="3816611"/>
             <a:ext cx="1261894" cy="1260725"/>
           </a:xfrm>
           <a:prstGeom prst="line">
@@ -4862,7 +4865,7 @@
         </p:nvCxnSpPr>
         <p:spPr>
           <a:xfrm>
-            <a:off x="3542979" y="3816610"/>
+            <a:off x="5066980" y="3816611"/>
             <a:ext cx="630947" cy="1260725"/>
           </a:xfrm>
           <a:prstGeom prst="line">
@@ -4902,7 +4905,7 @@
         </p:nvCxnSpPr>
         <p:spPr>
           <a:xfrm>
-            <a:off x="4173917" y="3816610"/>
+            <a:off x="5697917" y="3816611"/>
             <a:ext cx="0" cy="1260725"/>
           </a:xfrm>
           <a:prstGeom prst="line">
@@ -4942,7 +4945,7 @@
         </p:nvCxnSpPr>
         <p:spPr>
           <a:xfrm flipH="1">
-            <a:off x="4173926" y="3816610"/>
+            <a:off x="5697927" y="3816611"/>
             <a:ext cx="630947" cy="1260725"/>
           </a:xfrm>
           <a:prstGeom prst="line">
@@ -4982,7 +4985,7 @@
         </p:nvCxnSpPr>
         <p:spPr>
           <a:xfrm flipH="1">
-            <a:off x="4173917" y="3816610"/>
+            <a:off x="5697917" y="3816611"/>
             <a:ext cx="1261894" cy="1260725"/>
           </a:xfrm>
           <a:prstGeom prst="line">
@@ -5022,7 +5025,7 @@
         </p:nvCxnSpPr>
         <p:spPr>
           <a:xfrm flipH="1">
-            <a:off x="4173926" y="3816610"/>
+            <a:off x="5697927" y="3816611"/>
             <a:ext cx="1892841" cy="1260725"/>
           </a:xfrm>
           <a:prstGeom prst="line">
@@ -5062,7 +5065,7 @@
         </p:nvCxnSpPr>
         <p:spPr>
           <a:xfrm flipH="1">
-            <a:off x="2190131" y="3816601"/>
+            <a:off x="3714131" y="3816601"/>
             <a:ext cx="721892" cy="1260724"/>
           </a:xfrm>
           <a:prstGeom prst="line">
@@ -5102,7 +5105,7 @@
         </p:nvCxnSpPr>
         <p:spPr>
           <a:xfrm flipV="1">
-            <a:off x="2190140" y="3816601"/>
+            <a:off x="3714141" y="3816601"/>
             <a:ext cx="1352839" cy="1260724"/>
           </a:xfrm>
           <a:prstGeom prst="line">
@@ -5142,7 +5145,7 @@
         </p:nvCxnSpPr>
         <p:spPr>
           <a:xfrm flipV="1">
-            <a:off x="2190131" y="3816601"/>
+            <a:off x="3714131" y="3816601"/>
             <a:ext cx="1983786" cy="1260724"/>
           </a:xfrm>
           <a:prstGeom prst="line">
@@ -5182,7 +5185,7 @@
         </p:nvCxnSpPr>
         <p:spPr>
           <a:xfrm flipV="1">
-            <a:off x="2190140" y="3816601"/>
+            <a:off x="3714141" y="3816601"/>
             <a:ext cx="2614733" cy="1260724"/>
           </a:xfrm>
           <a:prstGeom prst="line">
@@ -5222,7 +5225,7 @@
         </p:nvCxnSpPr>
         <p:spPr>
           <a:xfrm flipV="1">
-            <a:off x="2190131" y="3816601"/>
+            <a:off x="3714131" y="3816601"/>
             <a:ext cx="3245680" cy="1260724"/>
           </a:xfrm>
           <a:prstGeom prst="line">
@@ -5262,7 +5265,7 @@
         </p:nvCxnSpPr>
         <p:spPr>
           <a:xfrm flipV="1">
-            <a:off x="2190140" y="3816601"/>
+            <a:off x="3714141" y="3816601"/>
             <a:ext cx="3876627" cy="1260724"/>
           </a:xfrm>
           <a:prstGeom prst="line">
@@ -5302,7 +5305,7 @@
         </p:nvCxnSpPr>
         <p:spPr>
           <a:xfrm flipV="1">
-            <a:off x="1559193" y="3816601"/>
+            <a:off x="3083194" y="3816601"/>
             <a:ext cx="1352839" cy="1260724"/>
           </a:xfrm>
           <a:prstGeom prst="line">
@@ -5342,7 +5345,7 @@
         </p:nvCxnSpPr>
         <p:spPr>
           <a:xfrm flipV="1">
-            <a:off x="1559184" y="3816601"/>
+            <a:off x="3083184" y="3816601"/>
             <a:ext cx="1983786" cy="1260724"/>
           </a:xfrm>
           <a:prstGeom prst="line">
@@ -5382,7 +5385,7 @@
         </p:nvCxnSpPr>
         <p:spPr>
           <a:xfrm flipV="1">
-            <a:off x="1559193" y="3816601"/>
+            <a:off x="3083194" y="3816601"/>
             <a:ext cx="2614733" cy="1260724"/>
           </a:xfrm>
           <a:prstGeom prst="line">
@@ -5422,7 +5425,7 @@
         </p:nvCxnSpPr>
         <p:spPr>
           <a:xfrm flipV="1">
-            <a:off x="1559184" y="3816601"/>
+            <a:off x="3083184" y="3816601"/>
             <a:ext cx="3245680" cy="1260724"/>
           </a:xfrm>
           <a:prstGeom prst="line">
@@ -5462,7 +5465,7 @@
         </p:nvCxnSpPr>
         <p:spPr>
           <a:xfrm flipV="1">
-            <a:off x="1559193" y="3816601"/>
+            <a:off x="3083194" y="3816601"/>
             <a:ext cx="3876627" cy="1260724"/>
           </a:xfrm>
           <a:prstGeom prst="line">
@@ -5502,7 +5505,7 @@
         </p:nvCxnSpPr>
         <p:spPr>
           <a:xfrm flipV="1">
-            <a:off x="1559184" y="3816601"/>
+            <a:off x="3083184" y="3816601"/>
             <a:ext cx="4507574" cy="1260724"/>
           </a:xfrm>
           <a:prstGeom prst="line">
@@ -5542,7 +5545,7 @@
         </p:nvCxnSpPr>
         <p:spPr>
           <a:xfrm flipV="1">
-            <a:off x="928237" y="3816601"/>
+            <a:off x="2452237" y="3816601"/>
             <a:ext cx="1983786" cy="1260724"/>
           </a:xfrm>
           <a:prstGeom prst="line">
@@ -5582,7 +5585,7 @@
         </p:nvCxnSpPr>
         <p:spPr>
           <a:xfrm flipV="1">
-            <a:off x="928246" y="3816601"/>
+            <a:off x="2452247" y="3816601"/>
             <a:ext cx="2614733" cy="1260724"/>
           </a:xfrm>
           <a:prstGeom prst="line">
@@ -5622,7 +5625,7 @@
         </p:nvCxnSpPr>
         <p:spPr>
           <a:xfrm flipV="1">
-            <a:off x="928237" y="3816601"/>
+            <a:off x="2452237" y="3816601"/>
             <a:ext cx="3245680" cy="1260724"/>
           </a:xfrm>
           <a:prstGeom prst="line">
@@ -5662,7 +5665,7 @@
         </p:nvCxnSpPr>
         <p:spPr>
           <a:xfrm flipV="1">
-            <a:off x="928246" y="3816601"/>
+            <a:off x="2452247" y="3816601"/>
             <a:ext cx="3876627" cy="1260724"/>
           </a:xfrm>
           <a:prstGeom prst="line">
@@ -5702,7 +5705,7 @@
         </p:nvCxnSpPr>
         <p:spPr>
           <a:xfrm flipV="1">
-            <a:off x="928237" y="3816601"/>
+            <a:off x="2452237" y="3816601"/>
             <a:ext cx="4507574" cy="1260724"/>
           </a:xfrm>
           <a:prstGeom prst="line">
@@ -5742,7 +5745,7 @@
         </p:nvCxnSpPr>
         <p:spPr>
           <a:xfrm flipV="1">
-            <a:off x="928246" y="3816601"/>
+            <a:off x="2452247" y="3816601"/>
             <a:ext cx="5138521" cy="1260724"/>
           </a:xfrm>
           <a:prstGeom prst="line">
@@ -5782,7 +5785,7 @@
         </p:nvCxnSpPr>
         <p:spPr>
           <a:xfrm flipV="1">
-            <a:off x="2912032" y="2015885"/>
+            <a:off x="4436033" y="2015886"/>
             <a:ext cx="1577367" cy="1260725"/>
           </a:xfrm>
           <a:prstGeom prst="line">
@@ -5822,7 +5825,7 @@
         </p:nvCxnSpPr>
         <p:spPr>
           <a:xfrm flipV="1">
-            <a:off x="3542970" y="2015885"/>
+            <a:off x="5066970" y="2015886"/>
             <a:ext cx="946420" cy="1260725"/>
           </a:xfrm>
           <a:prstGeom prst="line">
@@ -5862,7 +5865,7 @@
         </p:nvCxnSpPr>
         <p:spPr>
           <a:xfrm flipV="1">
-            <a:off x="4173926" y="2015885"/>
+            <a:off x="5697927" y="2015886"/>
             <a:ext cx="315473" cy="1260725"/>
           </a:xfrm>
           <a:prstGeom prst="line">
@@ -5902,7 +5905,7 @@
         </p:nvCxnSpPr>
         <p:spPr>
           <a:xfrm flipH="1" flipV="1">
-            <a:off x="4489390" y="2015885"/>
+            <a:off x="6013390" y="2015886"/>
             <a:ext cx="315474" cy="1260725"/>
           </a:xfrm>
           <a:prstGeom prst="line">
@@ -5942,7 +5945,7 @@
         </p:nvCxnSpPr>
         <p:spPr>
           <a:xfrm flipH="1" flipV="1">
-            <a:off x="4489399" y="2015885"/>
+            <a:off x="6013400" y="2015886"/>
             <a:ext cx="946421" cy="1260725"/>
           </a:xfrm>
           <a:prstGeom prst="line">
@@ -5982,7 +5985,7 @@
         </p:nvCxnSpPr>
         <p:spPr>
           <a:xfrm flipH="1" flipV="1">
-            <a:off x="4489390" y="2015885"/>
+            <a:off x="6013390" y="2015886"/>
             <a:ext cx="1577368" cy="1260725"/>
           </a:xfrm>
           <a:prstGeom prst="line">
@@ -6018,7 +6021,7 @@
         </p:nvSpPr>
         <p:spPr>
           <a:xfrm>
-            <a:off x="1874666" y="5951630"/>
+            <a:off x="3398667" y="5951631"/>
             <a:ext cx="1170947" cy="442575"/>
           </a:xfrm>
           <a:prstGeom prst="rect">
@@ -6074,7 +6077,7 @@
         </p:nvSpPr>
         <p:spPr>
           <a:xfrm>
-            <a:off x="5796766" y="5951629"/>
+            <a:off x="7320767" y="5951630"/>
             <a:ext cx="1170947" cy="442575"/>
           </a:xfrm>
           <a:prstGeom prst="rect">
@@ -6130,7 +6133,7 @@
         </p:nvSpPr>
         <p:spPr>
           <a:xfrm>
-            <a:off x="-804697" y="3906963"/>
+            <a:off x="719304" y="3906963"/>
             <a:ext cx="1898155" cy="540000"/>
           </a:xfrm>
           <a:prstGeom prst="wedgeRoundRectCallout">
@@ -6188,7 +6191,7 @@
         </p:nvSpPr>
         <p:spPr>
           <a:xfrm>
-            <a:off x="7983668" y="3906963"/>
+            <a:off x="9507669" y="3906963"/>
             <a:ext cx="1898155" cy="540000"/>
           </a:xfrm>
           <a:prstGeom prst="wedgeRoundRectCallout">
@@ -6246,7 +6249,7 @@
         </p:nvSpPr>
         <p:spPr>
           <a:xfrm>
-            <a:off x="743877" y="2456575"/>
+            <a:off x="2267878" y="2456575"/>
             <a:ext cx="1898155" cy="540000"/>
           </a:xfrm>
           <a:prstGeom prst="wedgeRoundRectCallout">
@@ -6304,7 +6307,7 @@
         </p:nvSpPr>
         <p:spPr>
           <a:xfrm>
-            <a:off x="3903926" y="755161"/>
+            <a:off x="5427927" y="755162"/>
             <a:ext cx="1170947" cy="442575"/>
           </a:xfrm>
           <a:prstGeom prst="rect">
@@ -6390,7 +6393,7 @@
         </p:nvSpPr>
         <p:spPr>
           <a:xfrm>
-            <a:off x="1286042" y="5187940"/>
+            <a:off x="2810043" y="5187941"/>
             <a:ext cx="1170947" cy="442575"/>
           </a:xfrm>
           <a:prstGeom prst="rect">
@@ -6446,7 +6449,7 @@
         </p:nvSpPr>
         <p:spPr>
           <a:xfrm>
-            <a:off x="1286043" y="1865045"/>
+            <a:off x="2810044" y="1865046"/>
             <a:ext cx="1170947" cy="442575"/>
           </a:xfrm>
           <a:prstGeom prst="rect">
@@ -6502,7 +6505,7 @@
         </p:nvGrpSpPr>
         <p:grpSpPr>
           <a:xfrm>
-            <a:off x="3589103" y="1042217"/>
+            <a:off x="5113103" y="1042218"/>
             <a:ext cx="2088232" cy="2088233"/>
             <a:chOff x="2880856" y="502148"/>
             <a:chExt cx="2088232" cy="2088233"/>
@@ -7943,7 +7946,7 @@
         </p:nvGrpSpPr>
         <p:grpSpPr>
           <a:xfrm>
-            <a:off x="3589103" y="4365112"/>
+            <a:off x="5113103" y="4365113"/>
             <a:ext cx="2088232" cy="2088233"/>
             <a:chOff x="2880856" y="4267619"/>
             <a:chExt cx="2088232" cy="2088233"/>
@@ -9399,7 +9402,7 @@
         </p:nvGrpSpPr>
         <p:grpSpPr>
           <a:xfrm>
-            <a:off x="7380320" y="1402249"/>
+            <a:off x="8904321" y="1402249"/>
             <a:ext cx="360041" cy="4248472"/>
             <a:chOff x="7104111" y="1268761"/>
             <a:chExt cx="360041" cy="4248472"/>
@@ -10020,7 +10023,7 @@
         </p:nvCxnSpPr>
         <p:spPr>
           <a:xfrm flipV="1">
-            <a:off x="2809623" y="1762289"/>
+            <a:off x="4333623" y="1762289"/>
             <a:ext cx="504056" cy="324034"/>
           </a:xfrm>
           <a:prstGeom prst="straightConnector1">
@@ -10064,7 +10067,7 @@
         </p:nvCxnSpPr>
         <p:spPr>
           <a:xfrm>
-            <a:off x="2809623" y="5409218"/>
+            <a:off x="4333623" y="5409218"/>
             <a:ext cx="492592" cy="0"/>
           </a:xfrm>
           <a:prstGeom prst="straightConnector1">
@@ -10106,7 +10109,7 @@
         </p:nvSpPr>
         <p:spPr>
           <a:xfrm>
-            <a:off x="6348804" y="1628800"/>
+            <a:off x="7872804" y="1628800"/>
             <a:ext cx="360040" cy="3780418"/>
           </a:xfrm>
           <a:prstGeom prst="rightBrace">
@@ -10160,7 +10163,7 @@
         </p:nvSpPr>
         <p:spPr>
           <a:xfrm>
-            <a:off x="1175163" y="163274"/>
+            <a:off x="2699164" y="163275"/>
             <a:ext cx="1392703" cy="584775"/>
           </a:xfrm>
           <a:prstGeom prst="rect">
@@ -10196,7 +10199,7 @@
         </p:nvSpPr>
         <p:spPr>
           <a:xfrm>
-            <a:off x="3852590" y="163274"/>
+            <a:off x="5376591" y="163275"/>
             <a:ext cx="1392703" cy="584775"/>
           </a:xfrm>
           <a:prstGeom prst="rect">
@@ -10232,7 +10235,7 @@
         </p:nvSpPr>
         <p:spPr>
           <a:xfrm>
-            <a:off x="6729182" y="163274"/>
+            <a:off x="8253183" y="163275"/>
             <a:ext cx="1662317" cy="584775"/>
           </a:xfrm>
           <a:prstGeom prst="rect">
@@ -10268,7 +10271,7 @@
         </p:nvCxnSpPr>
         <p:spPr>
           <a:xfrm>
-            <a:off x="3655722" y="3722569"/>
+            <a:off x="5179723" y="3722569"/>
             <a:ext cx="1991009" cy="0"/>
           </a:xfrm>
           <a:prstGeom prst="straightConnector1">
@@ -10313,7 +10316,7 @@
         </p:nvSpPr>
         <p:spPr>
           <a:xfrm>
-            <a:off x="4471206" y="3429000"/>
+            <a:off x="5995206" y="3429000"/>
             <a:ext cx="360040" cy="338554"/>
           </a:xfrm>
           <a:prstGeom prst="rect">
@@ -10349,7 +10352,7 @@
         </p:nvSpPr>
         <p:spPr>
           <a:xfrm>
-            <a:off x="5833049" y="5250690"/>
+            <a:off x="7357049" y="5250690"/>
             <a:ext cx="360040" cy="338554"/>
           </a:xfrm>
           <a:prstGeom prst="rect">
@@ -10387,7 +10390,7 @@
         </p:nvCxnSpPr>
         <p:spPr>
           <a:xfrm>
-            <a:off x="5869059" y="1126320"/>
+            <a:off x="7393059" y="1126320"/>
             <a:ext cx="0" cy="1954744"/>
           </a:xfrm>
           <a:prstGeom prst="straightConnector1">
@@ -10432,7 +10435,7 @@
         </p:nvSpPr>
         <p:spPr>
           <a:xfrm>
-            <a:off x="5833049" y="1917046"/>
+            <a:off x="7357049" y="1917046"/>
             <a:ext cx="360040" cy="338554"/>
           </a:xfrm>
           <a:prstGeom prst="rect">
@@ -10470,7 +10473,7 @@
         </p:nvCxnSpPr>
         <p:spPr>
           <a:xfrm>
-            <a:off x="5869059" y="4426584"/>
+            <a:off x="7393059" y="4426584"/>
             <a:ext cx="0" cy="1954744"/>
           </a:xfrm>
           <a:prstGeom prst="straightConnector1">
@@ -10540,7 +10543,7 @@
         </p:nvGrpSpPr>
         <p:grpSpPr>
           <a:xfrm>
-            <a:off x="2014186" y="1628800"/>
+            <a:off x="3538187" y="1628800"/>
             <a:ext cx="360041" cy="4248472"/>
             <a:chOff x="7104111" y="1268761"/>
             <a:chExt cx="360041" cy="4248472"/>
@@ -11159,7 +11162,7 @@
         </p:nvSpPr>
         <p:spPr>
           <a:xfrm>
-            <a:off x="1363048" y="703750"/>
+            <a:off x="2887049" y="703751"/>
             <a:ext cx="1662317" cy="584775"/>
           </a:xfrm>
           <a:prstGeom prst="rect">
@@ -11195,7 +11198,7 @@
         </p:nvSpPr>
         <p:spPr>
           <a:xfrm rot="5400000">
-            <a:off x="4318440" y="2708924"/>
+            <a:off x="5842440" y="2708925"/>
             <a:ext cx="360040" cy="360041"/>
           </a:xfrm>
           <a:prstGeom prst="flowChartConnector">
@@ -11253,7 +11256,7 @@
         </p:nvSpPr>
         <p:spPr>
           <a:xfrm rot="5400000">
-            <a:off x="4318440" y="3140972"/>
+            <a:off x="5842440" y="3140973"/>
             <a:ext cx="360040" cy="360041"/>
           </a:xfrm>
           <a:prstGeom prst="flowChartConnector">
@@ -11311,7 +11314,7 @@
         </p:nvSpPr>
         <p:spPr>
           <a:xfrm rot="5400000">
-            <a:off x="4318440" y="3573020"/>
+            <a:off x="5842440" y="3573021"/>
             <a:ext cx="360040" cy="360041"/>
           </a:xfrm>
           <a:prstGeom prst="flowChartConnector">
@@ -11369,7 +11372,7 @@
         </p:nvSpPr>
         <p:spPr>
           <a:xfrm rot="5400000">
-            <a:off x="4318440" y="4005068"/>
+            <a:off x="5842440" y="4005069"/>
             <a:ext cx="360040" cy="360041"/>
           </a:xfrm>
           <a:prstGeom prst="flowChartConnector">
@@ -11427,7 +11430,7 @@
         </p:nvSpPr>
         <p:spPr>
           <a:xfrm rot="5400000">
-            <a:off x="4318440" y="4437116"/>
+            <a:off x="5842440" y="4437117"/>
             <a:ext cx="360040" cy="360041"/>
           </a:xfrm>
           <a:prstGeom prst="flowChartConnector">
@@ -11489,7 +11492,7 @@
         </p:nvCxnSpPr>
         <p:spPr>
           <a:xfrm>
-            <a:off x="2374228" y="1808820"/>
+            <a:off x="3898229" y="1808820"/>
             <a:ext cx="1944215" cy="1080122"/>
           </a:xfrm>
           <a:prstGeom prst="line">
@@ -11529,7 +11532,7 @@
         </p:nvCxnSpPr>
         <p:spPr>
           <a:xfrm>
-            <a:off x="2374228" y="1808820"/>
+            <a:off x="3898229" y="1808820"/>
             <a:ext cx="1944215" cy="1512170"/>
           </a:xfrm>
           <a:prstGeom prst="line">
@@ -11569,7 +11572,7 @@
         </p:nvCxnSpPr>
         <p:spPr>
           <a:xfrm>
-            <a:off x="2374228" y="1808820"/>
+            <a:off x="3898229" y="1808820"/>
             <a:ext cx="1944215" cy="2808314"/>
           </a:xfrm>
           <a:prstGeom prst="line">
@@ -11609,7 +11612,7 @@
         </p:nvCxnSpPr>
         <p:spPr>
           <a:xfrm>
-            <a:off x="2374228" y="1808820"/>
+            <a:off x="3898229" y="1808820"/>
             <a:ext cx="1944215" cy="2376266"/>
           </a:xfrm>
           <a:prstGeom prst="line">
@@ -11649,7 +11652,7 @@
         </p:nvCxnSpPr>
         <p:spPr>
           <a:xfrm>
-            <a:off x="2374228" y="2240868"/>
+            <a:off x="3898229" y="2240868"/>
             <a:ext cx="1944215" cy="648074"/>
           </a:xfrm>
           <a:prstGeom prst="line">
@@ -11689,7 +11692,7 @@
         </p:nvCxnSpPr>
         <p:spPr>
           <a:xfrm>
-            <a:off x="2374228" y="2240868"/>
+            <a:off x="3898229" y="2240868"/>
             <a:ext cx="1944215" cy="1080122"/>
           </a:xfrm>
           <a:prstGeom prst="line">
@@ -11729,7 +11732,7 @@
         </p:nvCxnSpPr>
         <p:spPr>
           <a:xfrm>
-            <a:off x="2374228" y="2240868"/>
+            <a:off x="3898229" y="2240868"/>
             <a:ext cx="1944215" cy="1512170"/>
           </a:xfrm>
           <a:prstGeom prst="line">
@@ -11769,7 +11772,7 @@
         </p:nvCxnSpPr>
         <p:spPr>
           <a:xfrm>
-            <a:off x="2374228" y="2240868"/>
+            <a:off x="3898229" y="2240868"/>
             <a:ext cx="1944215" cy="1944218"/>
           </a:xfrm>
           <a:prstGeom prst="line">
@@ -11809,7 +11812,7 @@
         </p:nvCxnSpPr>
         <p:spPr>
           <a:xfrm>
-            <a:off x="2374228" y="2240868"/>
+            <a:off x="3898229" y="2240868"/>
             <a:ext cx="1944215" cy="2376266"/>
           </a:xfrm>
           <a:prstGeom prst="line">
@@ -11849,7 +11852,7 @@
         </p:nvCxnSpPr>
         <p:spPr>
           <a:xfrm>
-            <a:off x="2374228" y="2672916"/>
+            <a:off x="3898229" y="2672916"/>
             <a:ext cx="1944215" cy="216026"/>
           </a:xfrm>
           <a:prstGeom prst="line">
@@ -11889,7 +11892,7 @@
         </p:nvCxnSpPr>
         <p:spPr>
           <a:xfrm>
-            <a:off x="2374228" y="2672916"/>
+            <a:off x="3898229" y="2672916"/>
             <a:ext cx="1944215" cy="648074"/>
           </a:xfrm>
           <a:prstGeom prst="line">
@@ -11929,7 +11932,7 @@
         </p:nvCxnSpPr>
         <p:spPr>
           <a:xfrm>
-            <a:off x="2374228" y="2672916"/>
+            <a:off x="3898229" y="2672916"/>
             <a:ext cx="1944215" cy="1080122"/>
           </a:xfrm>
           <a:prstGeom prst="line">
@@ -11969,7 +11972,7 @@
         </p:nvCxnSpPr>
         <p:spPr>
           <a:xfrm>
-            <a:off x="2374228" y="2672916"/>
+            <a:off x="3898229" y="2672916"/>
             <a:ext cx="1944215" cy="1512170"/>
           </a:xfrm>
           <a:prstGeom prst="line">
@@ -12009,7 +12012,7 @@
         </p:nvCxnSpPr>
         <p:spPr>
           <a:xfrm>
-            <a:off x="2374228" y="1808820"/>
+            <a:off x="3898229" y="1808820"/>
             <a:ext cx="1944215" cy="1944218"/>
           </a:xfrm>
           <a:prstGeom prst="line">
@@ -12049,7 +12052,7 @@
         </p:nvCxnSpPr>
         <p:spPr>
           <a:xfrm flipV="1">
-            <a:off x="2374228" y="2888942"/>
+            <a:off x="3898229" y="2888942"/>
             <a:ext cx="1944215" cy="216022"/>
           </a:xfrm>
           <a:prstGeom prst="line">
@@ -12089,7 +12092,7 @@
         </p:nvCxnSpPr>
         <p:spPr>
           <a:xfrm>
-            <a:off x="2374228" y="3104964"/>
+            <a:off x="3898229" y="3104964"/>
             <a:ext cx="1944215" cy="216026"/>
           </a:xfrm>
           <a:prstGeom prst="line">
@@ -12129,7 +12132,7 @@
         </p:nvCxnSpPr>
         <p:spPr>
           <a:xfrm>
-            <a:off x="2374228" y="3104964"/>
+            <a:off x="3898229" y="3104964"/>
             <a:ext cx="1944215" cy="1080122"/>
           </a:xfrm>
           <a:prstGeom prst="line">
@@ -12169,7 +12172,7 @@
         </p:nvCxnSpPr>
         <p:spPr>
           <a:xfrm>
-            <a:off x="2374228" y="3104964"/>
+            <a:off x="3898229" y="3104964"/>
             <a:ext cx="1944215" cy="648074"/>
           </a:xfrm>
           <a:prstGeom prst="line">
@@ -12209,7 +12212,7 @@
         </p:nvCxnSpPr>
         <p:spPr>
           <a:xfrm>
-            <a:off x="2374228" y="3104964"/>
+            <a:off x="3898229" y="3104964"/>
             <a:ext cx="1944215" cy="1512170"/>
           </a:xfrm>
           <a:prstGeom prst="line">
@@ -12249,7 +12252,7 @@
         </p:nvCxnSpPr>
         <p:spPr>
           <a:xfrm flipV="1">
-            <a:off x="2374228" y="2888942"/>
+            <a:off x="3898229" y="2888942"/>
             <a:ext cx="1944215" cy="648070"/>
           </a:xfrm>
           <a:prstGeom prst="line">
@@ -12289,7 +12292,7 @@
         </p:nvCxnSpPr>
         <p:spPr>
           <a:xfrm flipV="1">
-            <a:off x="2374228" y="3320990"/>
+            <a:off x="3898229" y="3320990"/>
             <a:ext cx="1944215" cy="216022"/>
           </a:xfrm>
           <a:prstGeom prst="line">
@@ -12329,7 +12332,7 @@
         </p:nvCxnSpPr>
         <p:spPr>
           <a:xfrm>
-            <a:off x="2374228" y="2672916"/>
+            <a:off x="3898229" y="2672916"/>
             <a:ext cx="1944215" cy="1944218"/>
           </a:xfrm>
           <a:prstGeom prst="line">
@@ -12369,7 +12372,7 @@
         </p:nvCxnSpPr>
         <p:spPr>
           <a:xfrm>
-            <a:off x="2374228" y="3537012"/>
+            <a:off x="3898229" y="3537012"/>
             <a:ext cx="1944215" cy="648074"/>
           </a:xfrm>
           <a:prstGeom prst="line">
@@ -12409,7 +12412,7 @@
         </p:nvCxnSpPr>
         <p:spPr>
           <a:xfrm>
-            <a:off x="2374228" y="3537012"/>
+            <a:off x="3898229" y="3537012"/>
             <a:ext cx="1944215" cy="216026"/>
           </a:xfrm>
           <a:prstGeom prst="line">
@@ -12449,7 +12452,7 @@
         </p:nvCxnSpPr>
         <p:spPr>
           <a:xfrm>
-            <a:off x="2374228" y="3537012"/>
+            <a:off x="3898229" y="3537012"/>
             <a:ext cx="1944215" cy="1080122"/>
           </a:xfrm>
           <a:prstGeom prst="line">
@@ -12489,7 +12492,7 @@
         </p:nvCxnSpPr>
         <p:spPr>
           <a:xfrm flipV="1">
-            <a:off x="2374228" y="2888942"/>
+            <a:off x="3898229" y="2888942"/>
             <a:ext cx="1944215" cy="1080118"/>
           </a:xfrm>
           <a:prstGeom prst="line">
@@ -12529,7 +12532,7 @@
         </p:nvCxnSpPr>
         <p:spPr>
           <a:xfrm flipV="1">
-            <a:off x="2374228" y="3753038"/>
+            <a:off x="3898229" y="3753038"/>
             <a:ext cx="1944215" cy="216022"/>
           </a:xfrm>
           <a:prstGeom prst="line">
@@ -12569,7 +12572,7 @@
         </p:nvCxnSpPr>
         <p:spPr>
           <a:xfrm flipV="1">
-            <a:off x="2374228" y="3320990"/>
+            <a:off x="3898229" y="3320990"/>
             <a:ext cx="1944215" cy="648070"/>
           </a:xfrm>
           <a:prstGeom prst="line">
@@ -12609,7 +12612,7 @@
         </p:nvCxnSpPr>
         <p:spPr>
           <a:xfrm>
-            <a:off x="2374228" y="3969060"/>
+            <a:off x="3898229" y="3969060"/>
             <a:ext cx="1944215" cy="216026"/>
           </a:xfrm>
           <a:prstGeom prst="line">
@@ -12649,7 +12652,7 @@
         </p:nvCxnSpPr>
         <p:spPr>
           <a:xfrm flipV="1">
-            <a:off x="2374228" y="2888942"/>
+            <a:off x="3898229" y="2888942"/>
             <a:ext cx="1944215" cy="1512166"/>
           </a:xfrm>
           <a:prstGeom prst="line">
@@ -12689,7 +12692,7 @@
         </p:nvCxnSpPr>
         <p:spPr>
           <a:xfrm flipV="1">
-            <a:off x="2374228" y="3320990"/>
+            <a:off x="3898229" y="3320990"/>
             <a:ext cx="1944215" cy="1080118"/>
           </a:xfrm>
           <a:prstGeom prst="line">
@@ -12729,7 +12732,7 @@
         </p:nvCxnSpPr>
         <p:spPr>
           <a:xfrm flipV="1">
-            <a:off x="2374228" y="3753038"/>
+            <a:off x="3898229" y="3753038"/>
             <a:ext cx="1944215" cy="648070"/>
           </a:xfrm>
           <a:prstGeom prst="line">
@@ -12769,7 +12772,7 @@
         </p:nvCxnSpPr>
         <p:spPr>
           <a:xfrm flipV="1">
-            <a:off x="2374228" y="4185086"/>
+            <a:off x="3898229" y="4185086"/>
             <a:ext cx="1944215" cy="216022"/>
           </a:xfrm>
           <a:prstGeom prst="line">
@@ -12809,7 +12812,7 @@
         </p:nvCxnSpPr>
         <p:spPr>
           <a:xfrm>
-            <a:off x="2374228" y="4401108"/>
+            <a:off x="3898229" y="4401108"/>
             <a:ext cx="1944215" cy="216026"/>
           </a:xfrm>
           <a:prstGeom prst="line">
@@ -12849,7 +12852,7 @@
         </p:nvCxnSpPr>
         <p:spPr>
           <a:xfrm flipV="1">
-            <a:off x="2374228" y="2888942"/>
+            <a:off x="3898229" y="2888942"/>
             <a:ext cx="1944215" cy="1944214"/>
           </a:xfrm>
           <a:prstGeom prst="line">
@@ -12889,7 +12892,7 @@
         </p:nvCxnSpPr>
         <p:spPr>
           <a:xfrm flipV="1">
-            <a:off x="2374228" y="3320990"/>
+            <a:off x="3898229" y="3320990"/>
             <a:ext cx="1944215" cy="1512166"/>
           </a:xfrm>
           <a:prstGeom prst="line">
@@ -12929,7 +12932,7 @@
         </p:nvCxnSpPr>
         <p:spPr>
           <a:xfrm flipV="1">
-            <a:off x="2374228" y="3753038"/>
+            <a:off x="3898229" y="3753038"/>
             <a:ext cx="1944215" cy="1080118"/>
           </a:xfrm>
           <a:prstGeom prst="line">
@@ -12969,7 +12972,7 @@
         </p:nvCxnSpPr>
         <p:spPr>
           <a:xfrm flipV="1">
-            <a:off x="2374228" y="4617134"/>
+            <a:off x="3898229" y="4617134"/>
             <a:ext cx="1944215" cy="216022"/>
           </a:xfrm>
           <a:prstGeom prst="line">
@@ -13009,7 +13012,7 @@
         </p:nvCxnSpPr>
         <p:spPr>
           <a:xfrm flipV="1">
-            <a:off x="2374228" y="4185086"/>
+            <a:off x="3898229" y="4185086"/>
             <a:ext cx="1944215" cy="648070"/>
           </a:xfrm>
           <a:prstGeom prst="line">
@@ -13049,7 +13052,7 @@
         </p:nvCxnSpPr>
         <p:spPr>
           <a:xfrm>
-            <a:off x="2374228" y="3969060"/>
+            <a:off x="3898229" y="3969060"/>
             <a:ext cx="1944215" cy="648074"/>
           </a:xfrm>
           <a:prstGeom prst="line">
@@ -13089,7 +13092,7 @@
         </p:nvCxnSpPr>
         <p:spPr>
           <a:xfrm flipV="1">
-            <a:off x="2374228" y="2888942"/>
+            <a:off x="3898229" y="2888942"/>
             <a:ext cx="1944215" cy="2376262"/>
           </a:xfrm>
           <a:prstGeom prst="line">
@@ -13129,7 +13132,7 @@
         </p:nvCxnSpPr>
         <p:spPr>
           <a:xfrm flipV="1">
-            <a:off x="2374228" y="3753038"/>
+            <a:off x="3898229" y="3753038"/>
             <a:ext cx="1944215" cy="1512166"/>
           </a:xfrm>
           <a:prstGeom prst="line">
@@ -13169,7 +13172,7 @@
         </p:nvCxnSpPr>
         <p:spPr>
           <a:xfrm flipV="1">
-            <a:off x="2374228" y="4185086"/>
+            <a:off x="3898229" y="4185086"/>
             <a:ext cx="1944215" cy="1080118"/>
           </a:xfrm>
           <a:prstGeom prst="line">
@@ -13209,7 +13212,7 @@
         </p:nvCxnSpPr>
         <p:spPr>
           <a:xfrm flipV="1">
-            <a:off x="2374228" y="4617134"/>
+            <a:off x="3898229" y="4617134"/>
             <a:ext cx="1944215" cy="648070"/>
           </a:xfrm>
           <a:prstGeom prst="line">
@@ -13249,7 +13252,7 @@
         </p:nvCxnSpPr>
         <p:spPr>
           <a:xfrm flipV="1">
-            <a:off x="2374228" y="2888942"/>
+            <a:off x="3898229" y="2888942"/>
             <a:ext cx="1944215" cy="2808310"/>
           </a:xfrm>
           <a:prstGeom prst="line">
@@ -13289,7 +13292,7 @@
         </p:nvCxnSpPr>
         <p:spPr>
           <a:xfrm flipV="1">
-            <a:off x="2374228" y="3320990"/>
+            <a:off x="3898229" y="3320990"/>
             <a:ext cx="1944215" cy="2376262"/>
           </a:xfrm>
           <a:prstGeom prst="line">
@@ -13329,7 +13332,7 @@
         </p:nvCxnSpPr>
         <p:spPr>
           <a:xfrm flipV="1">
-            <a:off x="2374228" y="3753038"/>
+            <a:off x="3898229" y="3753038"/>
             <a:ext cx="1944215" cy="1944214"/>
           </a:xfrm>
           <a:prstGeom prst="line">
@@ -13369,7 +13372,7 @@
         </p:nvCxnSpPr>
         <p:spPr>
           <a:xfrm flipV="1">
-            <a:off x="2374228" y="3320990"/>
+            <a:off x="3898229" y="3320990"/>
             <a:ext cx="1944215" cy="1944214"/>
           </a:xfrm>
           <a:prstGeom prst="line">
@@ -13409,7 +13412,7 @@
         </p:nvCxnSpPr>
         <p:spPr>
           <a:xfrm flipV="1">
-            <a:off x="2374228" y="4185086"/>
+            <a:off x="3898229" y="4185086"/>
             <a:ext cx="1944215" cy="1512166"/>
           </a:xfrm>
           <a:prstGeom prst="line">
@@ -13449,7 +13452,7 @@
         </p:nvCxnSpPr>
         <p:spPr>
           <a:xfrm flipV="1">
-            <a:off x="2374228" y="4617134"/>
+            <a:off x="3898229" y="4617134"/>
             <a:ext cx="1944215" cy="1080118"/>
           </a:xfrm>
           <a:prstGeom prst="line">
@@ -13485,7 +13488,7 @@
         </p:nvSpPr>
         <p:spPr>
           <a:xfrm rot="5400000">
-            <a:off x="6334663" y="3573019"/>
+            <a:off x="7858663" y="3573020"/>
             <a:ext cx="360040" cy="360041"/>
           </a:xfrm>
           <a:prstGeom prst="flowChartConnector">
@@ -13548,7 +13551,7 @@
         </p:nvCxnSpPr>
         <p:spPr>
           <a:xfrm>
-            <a:off x="4678481" y="2888945"/>
+            <a:off x="6202481" y="2888946"/>
             <a:ext cx="1656182" cy="864095"/>
           </a:xfrm>
           <a:prstGeom prst="line">
@@ -13588,7 +13591,7 @@
         </p:nvCxnSpPr>
         <p:spPr>
           <a:xfrm flipV="1">
-            <a:off x="4678481" y="3753040"/>
+            <a:off x="6202481" y="3753041"/>
             <a:ext cx="1656182" cy="864097"/>
           </a:xfrm>
           <a:prstGeom prst="line">
@@ -13628,7 +13631,7 @@
         </p:nvCxnSpPr>
         <p:spPr>
           <a:xfrm flipV="1">
-            <a:off x="4678481" y="3753040"/>
+            <a:off x="6202481" y="3753041"/>
             <a:ext cx="1656182" cy="432049"/>
           </a:xfrm>
           <a:prstGeom prst="line">
@@ -13668,7 +13671,7 @@
         </p:nvCxnSpPr>
         <p:spPr>
           <a:xfrm flipV="1">
-            <a:off x="4678481" y="3753040"/>
+            <a:off x="6202481" y="3753041"/>
             <a:ext cx="1656182" cy="1"/>
           </a:xfrm>
           <a:prstGeom prst="line">
@@ -13708,7 +13711,7 @@
         </p:nvCxnSpPr>
         <p:spPr>
           <a:xfrm>
-            <a:off x="4678481" y="3320993"/>
+            <a:off x="6202481" y="3320994"/>
             <a:ext cx="1656182" cy="432047"/>
           </a:xfrm>
           <a:prstGeom prst="line">
@@ -13744,7 +13747,7 @@
         </p:nvSpPr>
         <p:spPr>
           <a:xfrm>
-            <a:off x="3667304" y="703750"/>
+            <a:off x="5191305" y="703751"/>
             <a:ext cx="1662317" cy="584775"/>
           </a:xfrm>
           <a:prstGeom prst="rect">
@@ -13780,7 +13783,7 @@
         </p:nvSpPr>
         <p:spPr>
           <a:xfrm>
-            <a:off x="5937086" y="703750"/>
+            <a:off x="7461086" y="703751"/>
             <a:ext cx="1155194" cy="584775"/>
           </a:xfrm>
           <a:prstGeom prst="rect">
@@ -13846,7 +13849,7 @@
         </p:nvGrpSpPr>
         <p:grpSpPr>
           <a:xfrm rot="5400000">
-            <a:off x="-137452" y="2258640"/>
+            <a:off x="1386549" y="2258641"/>
             <a:ext cx="3694735" cy="2340725"/>
             <a:chOff x="4166023" y="1475876"/>
             <a:chExt cx="3694735" cy="2340725"/>
@@ -14443,7 +14446,7 @@
         </p:nvSpPr>
         <p:spPr>
           <a:xfrm rot="5400000">
-            <a:off x="4859629" y="3158453"/>
+            <a:off x="6383629" y="3158453"/>
             <a:ext cx="540000" cy="540000"/>
           </a:xfrm>
           <a:prstGeom prst="flowChartConnector">
@@ -14503,7 +14506,7 @@
         </p:nvSpPr>
         <p:spPr>
           <a:xfrm rot="5400000">
-            <a:off x="7378986" y="3159000"/>
+            <a:off x="8902986" y="3159000"/>
             <a:ext cx="540000" cy="540000"/>
           </a:xfrm>
           <a:prstGeom prst="flowChartConnector">
@@ -14557,7 +14560,7 @@
         </p:nvCxnSpPr>
         <p:spPr>
           <a:xfrm flipV="1">
-            <a:off x="3419872" y="3429003"/>
+            <a:off x="4943872" y="3429004"/>
             <a:ext cx="792088" cy="1"/>
           </a:xfrm>
           <a:prstGeom prst="straightConnector1">
@@ -14601,7 +14604,7 @@
         </p:nvCxnSpPr>
         <p:spPr>
           <a:xfrm flipV="1">
-            <a:off x="6012160" y="3428456"/>
+            <a:off x="7536160" y="3428457"/>
             <a:ext cx="900966" cy="547"/>
           </a:xfrm>
           <a:prstGeom prst="straightConnector1">
@@ -14643,7 +14646,7 @@
         </p:nvSpPr>
         <p:spPr>
           <a:xfrm>
-            <a:off x="1913928" y="1920627"/>
+            <a:off x="3437929" y="1920628"/>
             <a:ext cx="1392703" cy="584775"/>
           </a:xfrm>
           <a:prstGeom prst="rect">
@@ -14679,7 +14682,7 @@
         </p:nvSpPr>
         <p:spPr>
           <a:xfrm>
-            <a:off x="4376194" y="1920193"/>
+            <a:off x="5900195" y="1920194"/>
             <a:ext cx="1506875" cy="584775"/>
           </a:xfrm>
           <a:prstGeom prst="rect">
@@ -14715,7 +14718,7 @@
         </p:nvSpPr>
         <p:spPr>
           <a:xfrm>
-            <a:off x="6895551" y="1920193"/>
+            <a:off x="8419552" y="1920194"/>
             <a:ext cx="1506875" cy="584775"/>
           </a:xfrm>
           <a:prstGeom prst="rect">
@@ -14753,7 +14756,7 @@
             </p:nvSpPr>
             <p:spPr>
               <a:xfrm>
-                <a:off x="2516917" y="4345046"/>
+                <a:off x="4040917" y="4345047"/>
                 <a:ext cx="186718" cy="276999"/>
               </a:xfrm>
               <a:prstGeom prst="rect">
@@ -14817,7 +14820,7 @@
             </p:nvSpPr>
             <p:spPr>
               <a:xfrm>
-                <a:off x="2516917" y="4345046"/>
+                <a:off x="4040917" y="4345047"/>
                 <a:ext cx="186718" cy="276999"/>
               </a:xfrm>
               <a:prstGeom prst="rect">
@@ -14861,7 +14864,7 @@
             </p:nvSpPr>
             <p:spPr>
               <a:xfrm>
-                <a:off x="4747731" y="4345045"/>
+                <a:off x="6271732" y="4345046"/>
                 <a:ext cx="763799" cy="276999"/>
               </a:xfrm>
               <a:prstGeom prst="rect">
@@ -14956,7 +14959,7 @@
             </p:nvSpPr>
             <p:spPr>
               <a:xfrm>
-                <a:off x="4747731" y="4345045"/>
+                <a:off x="6271732" y="4345046"/>
                 <a:ext cx="763799" cy="276999"/>
               </a:xfrm>
               <a:prstGeom prst="rect">
@@ -15000,7 +15003,7 @@
             </p:nvSpPr>
             <p:spPr>
               <a:xfrm>
-                <a:off x="7037151" y="4345044"/>
+                <a:off x="8561151" y="4345045"/>
                 <a:ext cx="1223668" cy="276999"/>
               </a:xfrm>
               <a:prstGeom prst="rect">
@@ -15107,7 +15110,7 @@
             </p:nvSpPr>
             <p:spPr>
               <a:xfrm>
-                <a:off x="7037151" y="4345044"/>
+                <a:off x="8561151" y="4345045"/>
                 <a:ext cx="1223668" cy="276999"/>
               </a:xfrm>
               <a:prstGeom prst="rect">
@@ -15179,7 +15182,7 @@
         </p:nvSpPr>
         <p:spPr>
           <a:xfrm>
-            <a:off x="-47398" y="2103520"/>
+            <a:off x="1476603" y="2103520"/>
             <a:ext cx="1264227" cy="2650960"/>
           </a:xfrm>
           <a:prstGeom prst="roundRect">
@@ -15231,7 +15234,7 @@
         </p:nvSpPr>
         <p:spPr>
           <a:xfrm>
-            <a:off x="5911522" y="332882"/>
+            <a:off x="7435523" y="332883"/>
             <a:ext cx="2839451" cy="2650959"/>
           </a:xfrm>
           <a:prstGeom prst="roundRect">
@@ -15290,7 +15293,7 @@
         </p:nvSpPr>
         <p:spPr>
           <a:xfrm>
-            <a:off x="5871419" y="3874177"/>
+            <a:off x="7395420" y="3874178"/>
             <a:ext cx="2839451" cy="2650959"/>
           </a:xfrm>
           <a:prstGeom prst="roundRect">
@@ -15349,7 +15352,7 @@
         </p:nvSpPr>
         <p:spPr>
           <a:xfrm>
-            <a:off x="314713" y="2396416"/>
+            <a:off x="1838713" y="2396416"/>
             <a:ext cx="540000" cy="540000"/>
           </a:xfrm>
           <a:prstGeom prst="flowChartConnector">
@@ -15395,7 +15398,7 @@
         </p:nvSpPr>
         <p:spPr>
           <a:xfrm>
-            <a:off x="314713" y="3921584"/>
+            <a:off x="1838713" y="3921584"/>
             <a:ext cx="540000" cy="540000"/>
           </a:xfrm>
           <a:prstGeom prst="flowChartConnector">
@@ -15441,7 +15444,7 @@
         </p:nvSpPr>
         <p:spPr>
           <a:xfrm>
-            <a:off x="314713" y="3159000"/>
+            <a:off x="1838713" y="3159000"/>
             <a:ext cx="540000" cy="540000"/>
           </a:xfrm>
           <a:prstGeom prst="flowChartConnector">
@@ -15489,7 +15492,7 @@
         </p:nvCxnSpPr>
         <p:spPr>
           <a:xfrm flipV="1">
-            <a:off x="1419726" y="1658362"/>
+            <a:off x="2943726" y="1658363"/>
             <a:ext cx="2646948" cy="1500647"/>
           </a:xfrm>
           <a:prstGeom prst="straightConnector1">
@@ -15533,7 +15536,7 @@
         </p:nvCxnSpPr>
         <p:spPr>
           <a:xfrm>
-            <a:off x="1419726" y="3699008"/>
+            <a:off x="2943726" y="3699009"/>
             <a:ext cx="2646948" cy="1500647"/>
           </a:xfrm>
           <a:prstGeom prst="straightConnector1">
@@ -15575,7 +15578,7 @@
         </p:nvSpPr>
         <p:spPr>
           <a:xfrm>
-            <a:off x="-125151" y="1234612"/>
+            <a:off x="1398849" y="1234613"/>
             <a:ext cx="1419726" cy="646331"/>
           </a:xfrm>
           <a:prstGeom prst="rect">
@@ -15611,7 +15614,7 @@
         </p:nvSpPr>
         <p:spPr>
           <a:xfrm>
-            <a:off x="2001644" y="1019022"/>
+            <a:off x="3525645" y="1019022"/>
             <a:ext cx="1991639" cy="738664"/>
           </a:xfrm>
           <a:prstGeom prst="rect">
@@ -15646,7 +15649,7 @@
         </p:nvSpPr>
         <p:spPr>
           <a:xfrm>
-            <a:off x="1980786" y="5199646"/>
+            <a:off x="3504786" y="5199646"/>
             <a:ext cx="2033336" cy="738664"/>
           </a:xfrm>
           <a:prstGeom prst="rect">
@@ -15681,7 +15684,7 @@
         </p:nvSpPr>
         <p:spPr>
           <a:xfrm>
-            <a:off x="4149309" y="1473686"/>
+            <a:off x="5673310" y="1473686"/>
             <a:ext cx="1679585" cy="369332"/>
           </a:xfrm>
           <a:prstGeom prst="rect">
@@ -15725,7 +15728,7 @@
         </p:nvSpPr>
         <p:spPr>
           <a:xfrm>
-            <a:off x="4129258" y="5014980"/>
+            <a:off x="5653259" y="5014980"/>
             <a:ext cx="1679585" cy="369332"/>
           </a:xfrm>
           <a:prstGeom prst="rect">
@@ -15765,7 +15768,7 @@
         </p:nvSpPr>
         <p:spPr>
           <a:xfrm>
-            <a:off x="9058183" y="1473686"/>
+            <a:off x="10582183" y="1473686"/>
             <a:ext cx="831776" cy="369332"/>
           </a:xfrm>
           <a:prstGeom prst="rect">
@@ -15801,7 +15804,7 @@
         </p:nvSpPr>
         <p:spPr>
           <a:xfrm>
-            <a:off x="9058183" y="5014980"/>
+            <a:off x="10582183" y="5014980"/>
             <a:ext cx="831776" cy="369332"/>
           </a:xfrm>
           <a:prstGeom prst="rect">
@@ -15837,7 +15840,7 @@
         </p:nvSpPr>
         <p:spPr>
           <a:xfrm>
-            <a:off x="4623346" y="865142"/>
+            <a:off x="6147347" y="865143"/>
             <a:ext cx="731509" cy="307777"/>
           </a:xfrm>
           <a:prstGeom prst="rect">
@@ -15873,7 +15876,7 @@
         </p:nvSpPr>
         <p:spPr>
           <a:xfrm>
-            <a:off x="4603295" y="4600600"/>
+            <a:off x="6127296" y="4600601"/>
             <a:ext cx="731509" cy="307777"/>
           </a:xfrm>
           <a:prstGeom prst="rect">
@@ -15909,7 +15912,7 @@
         </p:nvSpPr>
         <p:spPr>
           <a:xfrm>
-            <a:off x="9108325" y="865142"/>
+            <a:off x="10632326" y="865143"/>
             <a:ext cx="781643" cy="307777"/>
           </a:xfrm>
           <a:prstGeom prst="rect">
@@ -15945,7 +15948,7 @@
         </p:nvSpPr>
         <p:spPr>
           <a:xfrm>
-            <a:off x="9083258" y="4602436"/>
+            <a:off x="10607259" y="4602437"/>
             <a:ext cx="781643" cy="307777"/>
           </a:xfrm>
           <a:prstGeom prst="rect">
@@ -16011,7 +16014,7 @@
         </p:nvGrpSpPr>
         <p:grpSpPr>
           <a:xfrm>
-            <a:off x="-593365" y="3900535"/>
+            <a:off x="930635" y="3900535"/>
             <a:ext cx="3830400" cy="2070000"/>
             <a:chOff x="1123141" y="1475876"/>
             <a:chExt cx="7662308" cy="4141450"/>
@@ -19048,7 +19051,7 @@
         </p:nvSpPr>
         <p:spPr>
           <a:xfrm>
-            <a:off x="6137771" y="3908974"/>
+            <a:off x="7661771" y="3908974"/>
             <a:ext cx="540000" cy="540000"/>
           </a:xfrm>
           <a:prstGeom prst="flowChartConnector">
@@ -19100,7 +19103,7 @@
         </p:nvSpPr>
         <p:spPr>
           <a:xfrm>
-            <a:off x="5506824" y="3908974"/>
+            <a:off x="7030824" y="3908974"/>
             <a:ext cx="540000" cy="540000"/>
           </a:xfrm>
           <a:prstGeom prst="flowChartConnector">
@@ -19152,7 +19155,7 @@
         </p:nvSpPr>
         <p:spPr>
           <a:xfrm>
-            <a:off x="6768718" y="3908974"/>
+            <a:off x="8292718" y="3908974"/>
             <a:ext cx="540000" cy="540000"/>
           </a:xfrm>
           <a:prstGeom prst="flowChartConnector">
@@ -19204,7 +19207,7 @@
         </p:nvSpPr>
         <p:spPr>
           <a:xfrm>
-            <a:off x="8752505" y="3908974"/>
+            <a:off x="10276505" y="3908974"/>
             <a:ext cx="540000" cy="540000"/>
           </a:xfrm>
           <a:prstGeom prst="flowChartConnector">
@@ -19256,7 +19259,7 @@
         </p:nvSpPr>
         <p:spPr>
           <a:xfrm>
-            <a:off x="7401030" y="3908983"/>
+            <a:off x="8925031" y="3908984"/>
             <a:ext cx="1259181" cy="539999"/>
           </a:xfrm>
           <a:prstGeom prst="roundRect">
@@ -19312,7 +19315,7 @@
         </p:nvSpPr>
         <p:spPr>
           <a:xfrm>
-            <a:off x="6137771" y="2557428"/>
+            <a:off x="7661771" y="2557428"/>
             <a:ext cx="540000" cy="540000"/>
           </a:xfrm>
           <a:prstGeom prst="flowChartConnector">
@@ -19358,7 +19361,7 @@
         </p:nvSpPr>
         <p:spPr>
           <a:xfrm>
-            <a:off x="6768718" y="2557428"/>
+            <a:off x="8292718" y="2557428"/>
             <a:ext cx="540000" cy="540000"/>
           </a:xfrm>
           <a:prstGeom prst="flowChartConnector">
@@ -19404,7 +19407,7 @@
         </p:nvSpPr>
         <p:spPr>
           <a:xfrm>
-            <a:off x="7399665" y="2557428"/>
+            <a:off x="8923665" y="2557428"/>
             <a:ext cx="540000" cy="540000"/>
           </a:xfrm>
           <a:prstGeom prst="flowChartConnector">
@@ -19450,7 +19453,7 @@
         </p:nvSpPr>
         <p:spPr>
           <a:xfrm>
-            <a:off x="8030612" y="2557428"/>
+            <a:off x="9554612" y="2557428"/>
             <a:ext cx="540000" cy="540000"/>
           </a:xfrm>
           <a:prstGeom prst="flowChartConnector">
@@ -19496,7 +19499,7 @@
         </p:nvSpPr>
         <p:spPr>
           <a:xfrm>
-            <a:off x="6137771" y="1205882"/>
+            <a:off x="7661771" y="1205882"/>
             <a:ext cx="540000" cy="540000"/>
           </a:xfrm>
           <a:prstGeom prst="flowChartConnector">
@@ -19548,7 +19551,7 @@
         </p:nvSpPr>
         <p:spPr>
           <a:xfrm>
-            <a:off x="5506824" y="1205882"/>
+            <a:off x="7030824" y="1205882"/>
             <a:ext cx="540000" cy="540000"/>
           </a:xfrm>
           <a:prstGeom prst="flowChartConnector">
@@ -19600,7 +19603,7 @@
         </p:nvSpPr>
         <p:spPr>
           <a:xfrm>
-            <a:off x="6768718" y="1205882"/>
+            <a:off x="8292718" y="1205882"/>
             <a:ext cx="540000" cy="540000"/>
           </a:xfrm>
           <a:prstGeom prst="flowChartConnector">
@@ -19652,7 +19655,7 @@
         </p:nvSpPr>
         <p:spPr>
           <a:xfrm>
-            <a:off x="8752505" y="1205882"/>
+            <a:off x="10276505" y="1205882"/>
             <a:ext cx="540000" cy="540000"/>
           </a:xfrm>
           <a:prstGeom prst="flowChartConnector">
@@ -19704,7 +19707,7 @@
         </p:nvSpPr>
         <p:spPr>
           <a:xfrm>
-            <a:off x="7401030" y="1205891"/>
+            <a:off x="8925031" y="1205892"/>
             <a:ext cx="1259181" cy="539999"/>
           </a:xfrm>
           <a:prstGeom prst="roundRect">
@@ -19764,7 +19767,7 @@
         </p:nvCxnSpPr>
         <p:spPr>
           <a:xfrm flipH="1" flipV="1">
-            <a:off x="5776833" y="1745882"/>
+            <a:off x="7300834" y="1745882"/>
             <a:ext cx="630947" cy="811546"/>
           </a:xfrm>
           <a:prstGeom prst="line">
@@ -19804,7 +19807,7 @@
         </p:nvCxnSpPr>
         <p:spPr>
           <a:xfrm flipH="1" flipV="1">
-            <a:off x="5776824" y="1745882"/>
+            <a:off x="7300824" y="1745882"/>
             <a:ext cx="1261894" cy="811546"/>
           </a:xfrm>
           <a:prstGeom prst="line">
@@ -19844,7 +19847,7 @@
         </p:nvCxnSpPr>
         <p:spPr>
           <a:xfrm flipH="1" flipV="1">
-            <a:off x="5776833" y="1745882"/>
+            <a:off x="7300834" y="1745882"/>
             <a:ext cx="1892841" cy="811546"/>
           </a:xfrm>
           <a:prstGeom prst="line">
@@ -19884,7 +19887,7 @@
         </p:nvCxnSpPr>
         <p:spPr>
           <a:xfrm flipH="1" flipV="1">
-            <a:off x="5776824" y="1745882"/>
+            <a:off x="7300824" y="1745882"/>
             <a:ext cx="2523788" cy="811546"/>
           </a:xfrm>
           <a:prstGeom prst="line">
@@ -19924,7 +19927,7 @@
         </p:nvCxnSpPr>
         <p:spPr>
           <a:xfrm flipV="1">
-            <a:off x="6407771" y="1745882"/>
+            <a:off x="7931771" y="1745882"/>
             <a:ext cx="0" cy="811546"/>
           </a:xfrm>
           <a:prstGeom prst="line">
@@ -19964,7 +19967,7 @@
         </p:nvCxnSpPr>
         <p:spPr>
           <a:xfrm flipH="1" flipV="1">
-            <a:off x="6407780" y="1745882"/>
+            <a:off x="7931781" y="1745882"/>
             <a:ext cx="630947" cy="811546"/>
           </a:xfrm>
           <a:prstGeom prst="line">
@@ -20004,7 +20007,7 @@
         </p:nvCxnSpPr>
         <p:spPr>
           <a:xfrm flipH="1" flipV="1">
-            <a:off x="6407771" y="1745882"/>
+            <a:off x="7931771" y="1745882"/>
             <a:ext cx="1261894" cy="811546"/>
           </a:xfrm>
           <a:prstGeom prst="line">
@@ -20044,7 +20047,7 @@
         </p:nvCxnSpPr>
         <p:spPr>
           <a:xfrm flipH="1" flipV="1">
-            <a:off x="6407780" y="1745882"/>
+            <a:off x="7931781" y="1745882"/>
             <a:ext cx="1892841" cy="811546"/>
           </a:xfrm>
           <a:prstGeom prst="line">
@@ -20084,7 +20087,7 @@
         </p:nvCxnSpPr>
         <p:spPr>
           <a:xfrm flipV="1">
-            <a:off x="6407780" y="1745882"/>
+            <a:off x="7931781" y="1745882"/>
             <a:ext cx="630947" cy="811546"/>
           </a:xfrm>
           <a:prstGeom prst="line">
@@ -20124,7 +20127,7 @@
         </p:nvCxnSpPr>
         <p:spPr>
           <a:xfrm flipV="1">
-            <a:off x="7038718" y="1745882"/>
+            <a:off x="8562718" y="1745882"/>
             <a:ext cx="0" cy="811546"/>
           </a:xfrm>
           <a:prstGeom prst="line">
@@ -20164,7 +20167,7 @@
         </p:nvCxnSpPr>
         <p:spPr>
           <a:xfrm flipH="1" flipV="1">
-            <a:off x="7038727" y="1745882"/>
+            <a:off x="8562728" y="1745882"/>
             <a:ext cx="630947" cy="811546"/>
           </a:xfrm>
           <a:prstGeom prst="line">
@@ -20204,7 +20207,7 @@
         </p:nvCxnSpPr>
         <p:spPr>
           <a:xfrm flipH="1" flipV="1">
-            <a:off x="7038718" y="1745882"/>
+            <a:off x="8562718" y="1745882"/>
             <a:ext cx="1261894" cy="811546"/>
           </a:xfrm>
           <a:prstGeom prst="line">
@@ -20244,7 +20247,7 @@
         </p:nvCxnSpPr>
         <p:spPr>
           <a:xfrm flipV="1">
-            <a:off x="6407771" y="1745882"/>
+            <a:off x="7931771" y="1745882"/>
             <a:ext cx="2614734" cy="811546"/>
           </a:xfrm>
           <a:prstGeom prst="line">
@@ -20284,7 +20287,7 @@
         </p:nvCxnSpPr>
         <p:spPr>
           <a:xfrm flipV="1">
-            <a:off x="7038727" y="1745882"/>
+            <a:off x="8562728" y="1745882"/>
             <a:ext cx="1983787" cy="811546"/>
           </a:xfrm>
           <a:prstGeom prst="line">
@@ -20324,7 +20327,7 @@
         </p:nvCxnSpPr>
         <p:spPr>
           <a:xfrm flipV="1">
-            <a:off x="7669665" y="1745882"/>
+            <a:off x="9193665" y="1745882"/>
             <a:ext cx="1352840" cy="811546"/>
           </a:xfrm>
           <a:prstGeom prst="line">
@@ -20364,7 +20367,7 @@
         </p:nvCxnSpPr>
         <p:spPr>
           <a:xfrm flipV="1">
-            <a:off x="8300621" y="1745882"/>
+            <a:off x="9824622" y="1745882"/>
             <a:ext cx="721893" cy="811546"/>
           </a:xfrm>
           <a:prstGeom prst="line">
@@ -20404,7 +20407,7 @@
         </p:nvCxnSpPr>
         <p:spPr>
           <a:xfrm flipH="1">
-            <a:off x="5776833" y="3097428"/>
+            <a:off x="7300834" y="3097428"/>
             <a:ext cx="630947" cy="811546"/>
           </a:xfrm>
           <a:prstGeom prst="line">
@@ -20444,7 +20447,7 @@
         </p:nvCxnSpPr>
         <p:spPr>
           <a:xfrm flipH="1">
-            <a:off x="5776824" y="3097428"/>
+            <a:off x="7300824" y="3097428"/>
             <a:ext cx="1261894" cy="811546"/>
           </a:xfrm>
           <a:prstGeom prst="line">
@@ -20484,7 +20487,7 @@
         </p:nvCxnSpPr>
         <p:spPr>
           <a:xfrm flipH="1">
-            <a:off x="5776833" y="3097428"/>
+            <a:off x="7300834" y="3097428"/>
             <a:ext cx="1892841" cy="811546"/>
           </a:xfrm>
           <a:prstGeom prst="line">
@@ -20524,7 +20527,7 @@
         </p:nvCxnSpPr>
         <p:spPr>
           <a:xfrm flipH="1">
-            <a:off x="5776824" y="3097428"/>
+            <a:off x="7300824" y="3097428"/>
             <a:ext cx="2523788" cy="811546"/>
           </a:xfrm>
           <a:prstGeom prst="line">
@@ -20564,7 +20567,7 @@
         </p:nvCxnSpPr>
         <p:spPr>
           <a:xfrm>
-            <a:off x="6407771" y="3097428"/>
+            <a:off x="7931771" y="3097428"/>
             <a:ext cx="0" cy="811546"/>
           </a:xfrm>
           <a:prstGeom prst="line">
@@ -20604,7 +20607,7 @@
         </p:nvCxnSpPr>
         <p:spPr>
           <a:xfrm flipH="1">
-            <a:off x="6407771" y="3097428"/>
+            <a:off x="7931771" y="3097428"/>
             <a:ext cx="1261894" cy="811546"/>
           </a:xfrm>
           <a:prstGeom prst="line">
@@ -20644,7 +20647,7 @@
         </p:nvCxnSpPr>
         <p:spPr>
           <a:xfrm flipH="1">
-            <a:off x="6407780" y="3097428"/>
+            <a:off x="7931781" y="3097428"/>
             <a:ext cx="630947" cy="811546"/>
           </a:xfrm>
           <a:prstGeom prst="line">
@@ -20684,7 +20687,7 @@
         </p:nvCxnSpPr>
         <p:spPr>
           <a:xfrm flipH="1">
-            <a:off x="6407780" y="3097428"/>
+            <a:off x="7931781" y="3097428"/>
             <a:ext cx="1892841" cy="811546"/>
           </a:xfrm>
           <a:prstGeom prst="line">
@@ -20724,7 +20727,7 @@
         </p:nvCxnSpPr>
         <p:spPr>
           <a:xfrm>
-            <a:off x="6407780" y="3097428"/>
+            <a:off x="7931781" y="3097428"/>
             <a:ext cx="630947" cy="811546"/>
           </a:xfrm>
           <a:prstGeom prst="line">
@@ -20764,7 +20767,7 @@
         </p:nvCxnSpPr>
         <p:spPr>
           <a:xfrm>
-            <a:off x="7038718" y="3097428"/>
+            <a:off x="8562718" y="3097428"/>
             <a:ext cx="0" cy="811546"/>
           </a:xfrm>
           <a:prstGeom prst="line">
@@ -20804,7 +20807,7 @@
         </p:nvCxnSpPr>
         <p:spPr>
           <a:xfrm flipH="1">
-            <a:off x="7038727" y="3097428"/>
+            <a:off x="8562728" y="3097428"/>
             <a:ext cx="630947" cy="811546"/>
           </a:xfrm>
           <a:prstGeom prst="line">
@@ -20844,7 +20847,7 @@
         </p:nvCxnSpPr>
         <p:spPr>
           <a:xfrm flipH="1">
-            <a:off x="7038718" y="3097428"/>
+            <a:off x="8562718" y="3097428"/>
             <a:ext cx="1261894" cy="811546"/>
           </a:xfrm>
           <a:prstGeom prst="line">
@@ -20884,7 +20887,7 @@
         </p:nvCxnSpPr>
         <p:spPr>
           <a:xfrm flipH="1" flipV="1">
-            <a:off x="6407771" y="3097428"/>
+            <a:off x="7931771" y="3097428"/>
             <a:ext cx="2614734" cy="811546"/>
           </a:xfrm>
           <a:prstGeom prst="line">
@@ -20924,7 +20927,7 @@
         </p:nvCxnSpPr>
         <p:spPr>
           <a:xfrm flipH="1" flipV="1">
-            <a:off x="7038727" y="3097428"/>
+            <a:off x="8562728" y="3097428"/>
             <a:ext cx="1983787" cy="811546"/>
           </a:xfrm>
           <a:prstGeom prst="line">
@@ -20964,7 +20967,7 @@
         </p:nvCxnSpPr>
         <p:spPr>
           <a:xfrm flipH="1" flipV="1">
-            <a:off x="7669665" y="3097428"/>
+            <a:off x="9193665" y="3097428"/>
             <a:ext cx="1352840" cy="811546"/>
           </a:xfrm>
           <a:prstGeom prst="line">
@@ -21004,7 +21007,7 @@
         </p:nvCxnSpPr>
         <p:spPr>
           <a:xfrm flipH="1" flipV="1">
-            <a:off x="8300621" y="3097428"/>
+            <a:off x="9824622" y="3097428"/>
             <a:ext cx="721893" cy="811546"/>
           </a:xfrm>
           <a:prstGeom prst="line">
@@ -21040,7 +21043,7 @@
         </p:nvSpPr>
         <p:spPr>
           <a:xfrm>
-            <a:off x="1321843" y="5558589"/>
+            <a:off x="2845844" y="5558589"/>
             <a:ext cx="2006121" cy="555518"/>
           </a:xfrm>
           <a:prstGeom prst="rect">
@@ -21094,7 +21097,7 @@
         </p:nvCxnSpPr>
         <p:spPr>
           <a:xfrm flipV="1">
-            <a:off x="3398220" y="4681066"/>
+            <a:off x="4922221" y="4681067"/>
             <a:ext cx="2090985" cy="1017943"/>
           </a:xfrm>
           <a:prstGeom prst="straightConnector1">
@@ -21136,7 +21139,7 @@
         </p:nvSpPr>
         <p:spPr>
           <a:xfrm>
-            <a:off x="6814200" y="4720529"/>
+            <a:off x="8338201" y="4720530"/>
             <a:ext cx="1170947" cy="442575"/>
           </a:xfrm>
           <a:prstGeom prst="rect">
@@ -21192,7 +21195,7 @@
         </p:nvSpPr>
         <p:spPr>
           <a:xfrm>
-            <a:off x="6814199" y="444603"/>
+            <a:off x="8338200" y="444604"/>
             <a:ext cx="1170947" cy="442575"/>
           </a:xfrm>
           <a:prstGeom prst="rect">
@@ -21248,7 +21251,7 @@
         </p:nvSpPr>
         <p:spPr>
           <a:xfrm>
-            <a:off x="4555188" y="5489443"/>
+            <a:off x="6079189" y="5489444"/>
             <a:ext cx="2477591" cy="830997"/>
           </a:xfrm>
           <a:prstGeom prst="rect">
@@ -21290,7 +21293,7 @@
         </p:nvSpPr>
         <p:spPr>
           <a:xfrm>
-            <a:off x="-191589" y="3024476"/>
+            <a:off x="1332412" y="3024477"/>
             <a:ext cx="2560083" cy="584775"/>
           </a:xfrm>
           <a:prstGeom prst="rect">
@@ -21332,7 +21335,7 @@
 </file>
 
 <file path=ppt/slides/slide7.xml><?xml version="1.0" encoding="utf-8"?>
-<p:sld xmlns:a="http://schemas.openxmlformats.org/drawingml/2006/main" xmlns:r="http://schemas.openxmlformats.org/officeDocument/2006/relationships" xmlns:p="http://schemas.openxmlformats.org/presentationml/2006/main">
+<p:sld xmlns:a="http://schemas.openxmlformats.org/drawingml/2006/main" xmlns:r="http://schemas.openxmlformats.org/officeDocument/2006/relationships" xmlns:p="http://schemas.openxmlformats.org/presentationml/2006/main" show="0">
   <p:cSld>
     <p:spTree>
       <p:nvGrpSpPr>
@@ -21362,7 +21365,7 @@
         </p:nvSpPr>
         <p:spPr>
           <a:xfrm>
-            <a:off x="3399239" y="4510546"/>
+            <a:off x="4923239" y="4510546"/>
             <a:ext cx="540000" cy="540000"/>
           </a:xfrm>
           <a:prstGeom prst="flowChartConnector">
@@ -21414,7 +21417,7 @@
         </p:nvSpPr>
         <p:spPr>
           <a:xfrm>
-            <a:off x="2768292" y="4510546"/>
+            <a:off x="4292292" y="4510546"/>
             <a:ext cx="540000" cy="540000"/>
           </a:xfrm>
           <a:prstGeom prst="flowChartConnector">
@@ -21466,7 +21469,7 @@
         </p:nvSpPr>
         <p:spPr>
           <a:xfrm>
-            <a:off x="4030186" y="4510546"/>
+            <a:off x="5554186" y="4510546"/>
             <a:ext cx="540000" cy="540000"/>
           </a:xfrm>
           <a:prstGeom prst="flowChartConnector">
@@ -21518,7 +21521,7 @@
         </p:nvSpPr>
         <p:spPr>
           <a:xfrm>
-            <a:off x="6013973" y="4510546"/>
+            <a:off x="7537973" y="4510546"/>
             <a:ext cx="540000" cy="540000"/>
           </a:xfrm>
           <a:prstGeom prst="flowChartConnector">
@@ -21570,7 +21573,7 @@
         </p:nvSpPr>
         <p:spPr>
           <a:xfrm>
-            <a:off x="4662498" y="4510555"/>
+            <a:off x="6186499" y="4510556"/>
             <a:ext cx="1259181" cy="539999"/>
           </a:xfrm>
           <a:prstGeom prst="roundRect">
@@ -21626,7 +21629,7 @@
         </p:nvSpPr>
         <p:spPr>
           <a:xfrm>
-            <a:off x="3399239" y="3159000"/>
+            <a:off x="4923239" y="3159000"/>
             <a:ext cx="540000" cy="540000"/>
           </a:xfrm>
           <a:prstGeom prst="flowChartConnector">
@@ -21672,7 +21675,7 @@
         </p:nvSpPr>
         <p:spPr>
           <a:xfrm>
-            <a:off x="4030186" y="3159000"/>
+            <a:off x="5554186" y="3159000"/>
             <a:ext cx="540000" cy="540000"/>
           </a:xfrm>
           <a:prstGeom prst="flowChartConnector">
@@ -21718,7 +21721,7 @@
         </p:nvSpPr>
         <p:spPr>
           <a:xfrm>
-            <a:off x="4661133" y="3159000"/>
+            <a:off x="6185133" y="3159000"/>
             <a:ext cx="540000" cy="540000"/>
           </a:xfrm>
           <a:prstGeom prst="flowChartConnector">
@@ -21764,7 +21767,7 @@
         </p:nvSpPr>
         <p:spPr>
           <a:xfrm>
-            <a:off x="5292080" y="3159000"/>
+            <a:off x="6816080" y="3159000"/>
             <a:ext cx="540000" cy="540000"/>
           </a:xfrm>
           <a:prstGeom prst="flowChartConnector">
@@ -21810,7 +21813,7 @@
         </p:nvSpPr>
         <p:spPr>
           <a:xfrm>
-            <a:off x="3399239" y="1807454"/>
+            <a:off x="4923239" y="1807454"/>
             <a:ext cx="540000" cy="540000"/>
           </a:xfrm>
           <a:prstGeom prst="flowChartConnector">
@@ -21862,7 +21865,7 @@
         </p:nvSpPr>
         <p:spPr>
           <a:xfrm>
-            <a:off x="2768292" y="1807454"/>
+            <a:off x="4292292" y="1807454"/>
             <a:ext cx="540000" cy="540000"/>
           </a:xfrm>
           <a:prstGeom prst="flowChartConnector">
@@ -21914,7 +21917,7 @@
         </p:nvSpPr>
         <p:spPr>
           <a:xfrm>
-            <a:off x="4030186" y="1807454"/>
+            <a:off x="5554186" y="1807454"/>
             <a:ext cx="540000" cy="540000"/>
           </a:xfrm>
           <a:prstGeom prst="flowChartConnector">
@@ -21966,7 +21969,7 @@
         </p:nvSpPr>
         <p:spPr>
           <a:xfrm>
-            <a:off x="6013973" y="1807454"/>
+            <a:off x="7537973" y="1807454"/>
             <a:ext cx="540000" cy="540000"/>
           </a:xfrm>
           <a:prstGeom prst="flowChartConnector">
@@ -22018,7 +22021,7 @@
         </p:nvSpPr>
         <p:spPr>
           <a:xfrm>
-            <a:off x="4662498" y="1807463"/>
+            <a:off x="6186499" y="1807464"/>
             <a:ext cx="1259181" cy="539999"/>
           </a:xfrm>
           <a:prstGeom prst="roundRect">
@@ -22078,7 +22081,7 @@
         </p:nvCxnSpPr>
         <p:spPr>
           <a:xfrm flipH="1" flipV="1">
-            <a:off x="3038301" y="2347454"/>
+            <a:off x="4562302" y="2347454"/>
             <a:ext cx="630947" cy="811546"/>
           </a:xfrm>
           <a:prstGeom prst="line">
@@ -22118,7 +22121,7 @@
         </p:nvCxnSpPr>
         <p:spPr>
           <a:xfrm flipH="1" flipV="1">
-            <a:off x="3038292" y="2347454"/>
+            <a:off x="4562292" y="2347454"/>
             <a:ext cx="1261894" cy="811546"/>
           </a:xfrm>
           <a:prstGeom prst="line">
@@ -22158,7 +22161,7 @@
         </p:nvCxnSpPr>
         <p:spPr>
           <a:xfrm flipH="1" flipV="1">
-            <a:off x="3038301" y="2347454"/>
+            <a:off x="4562302" y="2347454"/>
             <a:ext cx="1892841" cy="811546"/>
           </a:xfrm>
           <a:prstGeom prst="line">
@@ -22198,7 +22201,7 @@
         </p:nvCxnSpPr>
         <p:spPr>
           <a:xfrm flipH="1" flipV="1">
-            <a:off x="3038292" y="2347454"/>
+            <a:off x="4562292" y="2347454"/>
             <a:ext cx="2523788" cy="811546"/>
           </a:xfrm>
           <a:prstGeom prst="line">
@@ -22238,7 +22241,7 @@
         </p:nvCxnSpPr>
         <p:spPr>
           <a:xfrm flipV="1">
-            <a:off x="3669239" y="2347454"/>
+            <a:off x="5193239" y="2347454"/>
             <a:ext cx="0" cy="811546"/>
           </a:xfrm>
           <a:prstGeom prst="line">
@@ -22278,7 +22281,7 @@
         </p:nvCxnSpPr>
         <p:spPr>
           <a:xfrm flipH="1" flipV="1">
-            <a:off x="3669248" y="2347454"/>
+            <a:off x="5193249" y="2347454"/>
             <a:ext cx="630947" cy="811546"/>
           </a:xfrm>
           <a:prstGeom prst="line">
@@ -22318,7 +22321,7 @@
         </p:nvCxnSpPr>
         <p:spPr>
           <a:xfrm flipH="1" flipV="1">
-            <a:off x="3669239" y="2347454"/>
+            <a:off x="5193239" y="2347454"/>
             <a:ext cx="1261894" cy="811546"/>
           </a:xfrm>
           <a:prstGeom prst="line">
@@ -22358,7 +22361,7 @@
         </p:nvCxnSpPr>
         <p:spPr>
           <a:xfrm flipH="1" flipV="1">
-            <a:off x="3669248" y="2347454"/>
+            <a:off x="5193249" y="2347454"/>
             <a:ext cx="1892841" cy="811546"/>
           </a:xfrm>
           <a:prstGeom prst="line">
@@ -22398,7 +22401,7 @@
         </p:nvCxnSpPr>
         <p:spPr>
           <a:xfrm flipV="1">
-            <a:off x="3669248" y="2347454"/>
+            <a:off x="5193249" y="2347454"/>
             <a:ext cx="630947" cy="811546"/>
           </a:xfrm>
           <a:prstGeom prst="line">
@@ -22438,7 +22441,7 @@
         </p:nvCxnSpPr>
         <p:spPr>
           <a:xfrm flipV="1">
-            <a:off x="4300186" y="2347454"/>
+            <a:off x="5824186" y="2347454"/>
             <a:ext cx="0" cy="811546"/>
           </a:xfrm>
           <a:prstGeom prst="line">
@@ -22478,7 +22481,7 @@
         </p:nvCxnSpPr>
         <p:spPr>
           <a:xfrm flipH="1" flipV="1">
-            <a:off x="4300195" y="2347454"/>
+            <a:off x="5824196" y="2347454"/>
             <a:ext cx="630947" cy="811546"/>
           </a:xfrm>
           <a:prstGeom prst="line">
@@ -22518,7 +22521,7 @@
         </p:nvCxnSpPr>
         <p:spPr>
           <a:xfrm flipH="1" flipV="1">
-            <a:off x="4300186" y="2347454"/>
+            <a:off x="5824186" y="2347454"/>
             <a:ext cx="1261894" cy="811546"/>
           </a:xfrm>
           <a:prstGeom prst="line">
@@ -22558,7 +22561,7 @@
         </p:nvCxnSpPr>
         <p:spPr>
           <a:xfrm flipV="1">
-            <a:off x="3669239" y="2347454"/>
+            <a:off x="5193239" y="2347454"/>
             <a:ext cx="2614734" cy="811546"/>
           </a:xfrm>
           <a:prstGeom prst="line">
@@ -22598,7 +22601,7 @@
         </p:nvCxnSpPr>
         <p:spPr>
           <a:xfrm flipV="1">
-            <a:off x="4300195" y="2347454"/>
+            <a:off x="5824196" y="2347454"/>
             <a:ext cx="1983787" cy="811546"/>
           </a:xfrm>
           <a:prstGeom prst="line">
@@ -22638,7 +22641,7 @@
         </p:nvCxnSpPr>
         <p:spPr>
           <a:xfrm flipV="1">
-            <a:off x="4931133" y="2347454"/>
+            <a:off x="6455133" y="2347454"/>
             <a:ext cx="1352840" cy="811546"/>
           </a:xfrm>
           <a:prstGeom prst="line">
@@ -22678,7 +22681,7 @@
         </p:nvCxnSpPr>
         <p:spPr>
           <a:xfrm flipV="1">
-            <a:off x="5562089" y="2347454"/>
+            <a:off x="7086090" y="2347454"/>
             <a:ext cx="721893" cy="811546"/>
           </a:xfrm>
           <a:prstGeom prst="line">
@@ -22718,7 +22721,7 @@
         </p:nvCxnSpPr>
         <p:spPr>
           <a:xfrm flipH="1">
-            <a:off x="3038301" y="3699000"/>
+            <a:off x="4562302" y="3699000"/>
             <a:ext cx="630947" cy="811546"/>
           </a:xfrm>
           <a:prstGeom prst="line">
@@ -22758,7 +22761,7 @@
         </p:nvCxnSpPr>
         <p:spPr>
           <a:xfrm flipH="1">
-            <a:off x="3038292" y="3699000"/>
+            <a:off x="4562292" y="3699000"/>
             <a:ext cx="1261894" cy="811546"/>
           </a:xfrm>
           <a:prstGeom prst="line">
@@ -22798,7 +22801,7 @@
         </p:nvCxnSpPr>
         <p:spPr>
           <a:xfrm flipH="1">
-            <a:off x="3038301" y="3699000"/>
+            <a:off x="4562302" y="3699000"/>
             <a:ext cx="1892841" cy="811546"/>
           </a:xfrm>
           <a:prstGeom prst="line">
@@ -22838,7 +22841,7 @@
         </p:nvCxnSpPr>
         <p:spPr>
           <a:xfrm flipH="1">
-            <a:off x="3038292" y="3699000"/>
+            <a:off x="4562292" y="3699000"/>
             <a:ext cx="2523788" cy="811546"/>
           </a:xfrm>
           <a:prstGeom prst="line">
@@ -22878,7 +22881,7 @@
         </p:nvCxnSpPr>
         <p:spPr>
           <a:xfrm>
-            <a:off x="3669239" y="3699000"/>
+            <a:off x="5193239" y="3699000"/>
             <a:ext cx="0" cy="811546"/>
           </a:xfrm>
           <a:prstGeom prst="line">
@@ -22918,7 +22921,7 @@
         </p:nvCxnSpPr>
         <p:spPr>
           <a:xfrm flipH="1">
-            <a:off x="3669239" y="3699000"/>
+            <a:off x="5193239" y="3699000"/>
             <a:ext cx="1261894" cy="811546"/>
           </a:xfrm>
           <a:prstGeom prst="line">
@@ -22958,7 +22961,7 @@
         </p:nvCxnSpPr>
         <p:spPr>
           <a:xfrm flipH="1">
-            <a:off x="3669248" y="3699000"/>
+            <a:off x="5193249" y="3699000"/>
             <a:ext cx="630947" cy="811546"/>
           </a:xfrm>
           <a:prstGeom prst="line">
@@ -22998,7 +23001,7 @@
         </p:nvCxnSpPr>
         <p:spPr>
           <a:xfrm flipH="1">
-            <a:off x="3669248" y="3699000"/>
+            <a:off x="5193249" y="3699000"/>
             <a:ext cx="1892841" cy="811546"/>
           </a:xfrm>
           <a:prstGeom prst="line">
@@ -23038,7 +23041,7 @@
         </p:nvCxnSpPr>
         <p:spPr>
           <a:xfrm>
-            <a:off x="3669248" y="3699000"/>
+            <a:off x="5193249" y="3699000"/>
             <a:ext cx="630947" cy="811546"/>
           </a:xfrm>
           <a:prstGeom prst="line">
@@ -23078,7 +23081,7 @@
         </p:nvCxnSpPr>
         <p:spPr>
           <a:xfrm>
-            <a:off x="4300186" y="3699000"/>
+            <a:off x="5824186" y="3699000"/>
             <a:ext cx="0" cy="811546"/>
           </a:xfrm>
           <a:prstGeom prst="line">
@@ -23118,7 +23121,7 @@
         </p:nvCxnSpPr>
         <p:spPr>
           <a:xfrm flipH="1">
-            <a:off x="4300195" y="3699000"/>
+            <a:off x="5824196" y="3699000"/>
             <a:ext cx="630947" cy="811546"/>
           </a:xfrm>
           <a:prstGeom prst="line">
@@ -23158,7 +23161,7 @@
         </p:nvCxnSpPr>
         <p:spPr>
           <a:xfrm flipH="1">
-            <a:off x="4300186" y="3699000"/>
+            <a:off x="5824186" y="3699000"/>
             <a:ext cx="1261894" cy="811546"/>
           </a:xfrm>
           <a:prstGeom prst="line">
@@ -23198,7 +23201,7 @@
         </p:nvCxnSpPr>
         <p:spPr>
           <a:xfrm flipH="1" flipV="1">
-            <a:off x="3669239" y="3699000"/>
+            <a:off x="5193239" y="3699000"/>
             <a:ext cx="2614734" cy="811546"/>
           </a:xfrm>
           <a:prstGeom prst="line">
@@ -23238,7 +23241,7 @@
         </p:nvCxnSpPr>
         <p:spPr>
           <a:xfrm flipH="1" flipV="1">
-            <a:off x="4300195" y="3699000"/>
+            <a:off x="5824196" y="3699000"/>
             <a:ext cx="1983787" cy="811546"/>
           </a:xfrm>
           <a:prstGeom prst="line">
@@ -23278,7 +23281,7 @@
         </p:nvCxnSpPr>
         <p:spPr>
           <a:xfrm flipH="1" flipV="1">
-            <a:off x="4931133" y="3699000"/>
+            <a:off x="6455133" y="3699000"/>
             <a:ext cx="1352840" cy="811546"/>
           </a:xfrm>
           <a:prstGeom prst="line">
@@ -23318,7 +23321,7 @@
         </p:nvCxnSpPr>
         <p:spPr>
           <a:xfrm flipH="1" flipV="1">
-            <a:off x="5562089" y="3699000"/>
+            <a:off x="7086090" y="3699000"/>
             <a:ext cx="721893" cy="811546"/>
           </a:xfrm>
           <a:prstGeom prst="line">
@@ -23354,7 +23357,7 @@
         </p:nvSpPr>
         <p:spPr>
           <a:xfrm>
-            <a:off x="4030185" y="5419517"/>
+            <a:off x="5554186" y="5419518"/>
             <a:ext cx="1170947" cy="442575"/>
           </a:xfrm>
           <a:prstGeom prst="rect">
@@ -23410,7 +23413,7 @@
         </p:nvSpPr>
         <p:spPr>
           <a:xfrm>
-            <a:off x="4030186" y="995424"/>
+            <a:off x="5554187" y="995425"/>
             <a:ext cx="1170947" cy="442575"/>
           </a:xfrm>
           <a:prstGeom prst="rect">
@@ -23466,7 +23469,7 @@
         </p:nvSpPr>
         <p:spPr>
           <a:xfrm>
-            <a:off x="858355" y="4365047"/>
+            <a:off x="2382355" y="4365048"/>
             <a:ext cx="1547634" cy="830997"/>
           </a:xfrm>
           <a:prstGeom prst="rect">
@@ -23502,7 +23505,7 @@
         </p:nvSpPr>
         <p:spPr>
           <a:xfrm>
-            <a:off x="859702" y="3259723"/>
+            <a:off x="2383702" y="3259723"/>
             <a:ext cx="1547634" cy="338554"/>
           </a:xfrm>
           <a:prstGeom prst="rect">
@@ -23538,7 +23541,7 @@
         </p:nvSpPr>
         <p:spPr>
           <a:xfrm>
-            <a:off x="858355" y="1785066"/>
+            <a:off x="2382355" y="1785067"/>
             <a:ext cx="1547634" cy="584775"/>
           </a:xfrm>
           <a:prstGeom prst="rect">
@@ -23564,6 +23567,546 @@
     <p:extLst>
       <p:ext uri="{BB962C8B-B14F-4D97-AF65-F5344CB8AC3E}">
         <p14:creationId xmlns:p14="http://schemas.microsoft.com/office/powerpoint/2010/main" val="3230882003"/>
+      </p:ext>
+    </p:extLst>
+  </p:cSld>
+  <p:clrMapOvr>
+    <a:masterClrMapping/>
+  </p:clrMapOvr>
+</p:sld>
+</file>
+
+<file path=ppt/slides/slide8.xml><?xml version="1.0" encoding="utf-8"?>
+<p:sld xmlns:a="http://schemas.openxmlformats.org/drawingml/2006/main" xmlns:r="http://schemas.openxmlformats.org/officeDocument/2006/relationships" xmlns:p="http://schemas.openxmlformats.org/presentationml/2006/main">
+  <p:cSld>
+    <p:spTree>
+      <p:nvGrpSpPr>
+        <p:cNvPr id="1" name=""/>
+        <p:cNvGrpSpPr/>
+        <p:nvPr/>
+      </p:nvGrpSpPr>
+      <p:grpSpPr>
+        <a:xfrm>
+          <a:off x="0" y="0"/>
+          <a:ext cx="0" cy="0"/>
+          <a:chOff x="0" y="0"/>
+          <a:chExt cx="0" cy="0"/>
+        </a:xfrm>
+      </p:grpSpPr>
+      <p:pic>
+        <p:nvPicPr>
+          <p:cNvPr id="5" name="Graphic 4" descr="Male profile">
+            <a:extLst>
+              <a:ext uri="{FF2B5EF4-FFF2-40B4-BE49-F238E27FC236}">
+                <a16:creationId xmlns:a16="http://schemas.microsoft.com/office/drawing/2014/main" id="{7DF62D3E-F55D-4A96-94B6-90944A680CBD}"/>
+              </a:ext>
+            </a:extLst>
+          </p:cNvPr>
+          <p:cNvPicPr>
+            <a:picLocks noChangeAspect="1"/>
+          </p:cNvPicPr>
+          <p:nvPr/>
+        </p:nvPicPr>
+        <p:blipFill>
+          <a:blip r:embed="rId2">
+            <a:extLst>
+              <a:ext uri="{28A0092B-C50C-407E-A947-70E740481C1C}">
+                <a14:useLocalDpi xmlns:a14="http://schemas.microsoft.com/office/drawing/2010/main" val="0"/>
+              </a:ext>
+              <a:ext uri="{96DAC541-7B7A-43D3-8B79-37D633B846F1}">
+                <asvg:svgBlip xmlns:asvg="http://schemas.microsoft.com/office/drawing/2016/SVG/main" r:embed="rId3"/>
+              </a:ext>
+            </a:extLst>
+          </a:blip>
+          <a:stretch>
+            <a:fillRect/>
+          </a:stretch>
+        </p:blipFill>
+        <p:spPr>
+          <a:xfrm>
+            <a:off x="2207567" y="82080"/>
+            <a:ext cx="2016224" cy="2016224"/>
+          </a:xfrm>
+          <a:prstGeom prst="rect">
+            <a:avLst/>
+          </a:prstGeom>
+        </p:spPr>
+      </p:pic>
+      <p:pic>
+        <p:nvPicPr>
+          <p:cNvPr id="7" name="Graphic 6" descr="Female Profile">
+            <a:extLst>
+              <a:ext uri="{FF2B5EF4-FFF2-40B4-BE49-F238E27FC236}">
+                <a16:creationId xmlns:a16="http://schemas.microsoft.com/office/drawing/2014/main" id="{B2CE4A65-2601-4B0E-A0E2-53ECF9558681}"/>
+              </a:ext>
+            </a:extLst>
+          </p:cNvPr>
+          <p:cNvPicPr>
+            <a:picLocks noChangeAspect="1"/>
+          </p:cNvPicPr>
+          <p:nvPr/>
+        </p:nvPicPr>
+        <p:blipFill>
+          <a:blip r:embed="rId4">
+            <a:extLst>
+              <a:ext uri="{28A0092B-C50C-407E-A947-70E740481C1C}">
+                <a14:useLocalDpi xmlns:a14="http://schemas.microsoft.com/office/drawing/2010/main" val="0"/>
+              </a:ext>
+              <a:ext uri="{96DAC541-7B7A-43D3-8B79-37D633B846F1}">
+                <asvg:svgBlip xmlns:asvg="http://schemas.microsoft.com/office/drawing/2016/SVG/main" r:embed="rId5"/>
+              </a:ext>
+            </a:extLst>
+          </a:blip>
+          <a:stretch>
+            <a:fillRect/>
+          </a:stretch>
+        </p:blipFill>
+        <p:spPr>
+          <a:xfrm>
+            <a:off x="2207567" y="3251885"/>
+            <a:ext cx="2016224" cy="2016224"/>
+          </a:xfrm>
+          <a:prstGeom prst="rect">
+            <a:avLst/>
+          </a:prstGeom>
+        </p:spPr>
+      </p:pic>
+      <p:sp>
+        <p:nvSpPr>
+          <p:cNvPr id="59" name="TextBox 58">
+            <a:extLst>
+              <a:ext uri="{FF2B5EF4-FFF2-40B4-BE49-F238E27FC236}">
+                <a16:creationId xmlns:a16="http://schemas.microsoft.com/office/drawing/2014/main" id="{D8384758-BD92-4FDA-A4FC-6B0A2CFC2075}"/>
+              </a:ext>
+            </a:extLst>
+          </p:cNvPr>
+          <p:cNvSpPr txBox="1"/>
+          <p:nvPr/>
+        </p:nvSpPr>
+        <p:spPr>
+          <a:xfrm>
+            <a:off x="2298062" y="1844824"/>
+            <a:ext cx="1827071" cy="1200329"/>
+          </a:xfrm>
+          <a:prstGeom prst="rect">
+            <a:avLst/>
+          </a:prstGeom>
+          <a:noFill/>
+        </p:spPr>
+        <p:txBody>
+          <a:bodyPr wrap="square" rtlCol="0">
+            <a:spAutoFit/>
+          </a:bodyPr>
+          <a:lstStyle/>
+          <a:p>
+            <a:pPr algn="ctr"/>
+            <a:r>
+              <a:rPr lang="en-NZ" b="1" dirty="0"/>
+              <a:t>User A:</a:t>
+            </a:r>
+          </a:p>
+          <a:p>
+            <a:pPr algn="ctr"/>
+            <a:r>
+              <a:rPr lang="en-NZ" dirty="0">
+                <a:solidFill>
+                  <a:schemeClr val="accent6">
+                    <a:lumMod val="75000"/>
+                  </a:schemeClr>
+                </a:solidFill>
+              </a:rPr>
+              <a:t>+ Likes comedy </a:t>
+            </a:r>
+          </a:p>
+          <a:p>
+            <a:pPr algn="ctr"/>
+            <a:r>
+              <a:rPr lang="en-NZ" dirty="0">
+                <a:solidFill>
+                  <a:schemeClr val="accent6">
+                    <a:lumMod val="75000"/>
+                  </a:schemeClr>
+                </a:solidFill>
+              </a:rPr>
+              <a:t>+ Likes animation</a:t>
+            </a:r>
+          </a:p>
+          <a:p>
+            <a:pPr algn="ctr"/>
+            <a:r>
+              <a:rPr lang="en-NZ" dirty="0">
+                <a:solidFill>
+                  <a:srgbClr val="C00000"/>
+                </a:solidFill>
+              </a:rPr>
+              <a:t>- Dislikes horror</a:t>
+            </a:r>
+          </a:p>
+        </p:txBody>
+      </p:sp>
+      <p:sp>
+        <p:nvSpPr>
+          <p:cNvPr id="60" name="TextBox 59">
+            <a:extLst>
+              <a:ext uri="{FF2B5EF4-FFF2-40B4-BE49-F238E27FC236}">
+                <a16:creationId xmlns:a16="http://schemas.microsoft.com/office/drawing/2014/main" id="{49D73F56-F6E2-444E-AEED-0E9F779E1040}"/>
+              </a:ext>
+            </a:extLst>
+          </p:cNvPr>
+          <p:cNvSpPr txBox="1"/>
+          <p:nvPr/>
+        </p:nvSpPr>
+        <p:spPr>
+          <a:xfrm>
+            <a:off x="2207564" y="4971750"/>
+            <a:ext cx="2016223" cy="1200329"/>
+          </a:xfrm>
+          <a:prstGeom prst="rect">
+            <a:avLst/>
+          </a:prstGeom>
+          <a:noFill/>
+        </p:spPr>
+        <p:txBody>
+          <a:bodyPr wrap="square" rtlCol="0">
+            <a:spAutoFit/>
+          </a:bodyPr>
+          <a:lstStyle/>
+          <a:p>
+            <a:pPr algn="ctr"/>
+            <a:r>
+              <a:rPr lang="en-NZ" b="1" dirty="0"/>
+              <a:t>User B:</a:t>
+            </a:r>
+          </a:p>
+          <a:p>
+            <a:pPr algn="ctr"/>
+            <a:r>
+              <a:rPr lang="en-NZ" dirty="0">
+                <a:solidFill>
+                  <a:schemeClr val="accent6">
+                    <a:lumMod val="75000"/>
+                  </a:schemeClr>
+                </a:solidFill>
+              </a:rPr>
+              <a:t>+ Likes comedy</a:t>
+            </a:r>
+          </a:p>
+          <a:p>
+            <a:pPr algn="ctr"/>
+            <a:r>
+              <a:rPr lang="en-NZ" dirty="0">
+                <a:solidFill>
+                  <a:schemeClr val="accent6">
+                    <a:lumMod val="75000"/>
+                  </a:schemeClr>
+                </a:solidFill>
+              </a:rPr>
+              <a:t>+ Likes horror</a:t>
+            </a:r>
+          </a:p>
+          <a:p>
+            <a:pPr algn="ctr"/>
+            <a:r>
+              <a:rPr lang="en-NZ" dirty="0">
+                <a:solidFill>
+                  <a:srgbClr val="C00000"/>
+                </a:solidFill>
+              </a:rPr>
+              <a:t>- Dislikes animation</a:t>
+            </a:r>
+          </a:p>
+        </p:txBody>
+      </p:sp>
+      <p:pic>
+        <p:nvPicPr>
+          <p:cNvPr id="9" name="Graphic 8" descr="Clapper board">
+            <a:extLst>
+              <a:ext uri="{FF2B5EF4-FFF2-40B4-BE49-F238E27FC236}">
+                <a16:creationId xmlns:a16="http://schemas.microsoft.com/office/drawing/2014/main" id="{EB6E77E2-C130-4073-81CD-7AB34B57CADA}"/>
+              </a:ext>
+            </a:extLst>
+          </p:cNvPr>
+          <p:cNvPicPr>
+            <a:picLocks noChangeAspect="1"/>
+          </p:cNvPicPr>
+          <p:nvPr/>
+        </p:nvPicPr>
+        <p:blipFill>
+          <a:blip r:embed="rId6">
+            <a:extLst>
+              <a:ext uri="{28A0092B-C50C-407E-A947-70E740481C1C}">
+                <a14:useLocalDpi xmlns:a14="http://schemas.microsoft.com/office/drawing/2010/main" val="0"/>
+              </a:ext>
+              <a:ext uri="{96DAC541-7B7A-43D3-8B79-37D633B846F1}">
+                <asvg:svgBlip xmlns:asvg="http://schemas.microsoft.com/office/drawing/2016/SVG/main" r:embed="rId7"/>
+              </a:ext>
+            </a:extLst>
+          </a:blip>
+          <a:stretch>
+            <a:fillRect/>
+          </a:stretch>
+        </p:blipFill>
+        <p:spPr>
+          <a:xfrm>
+            <a:off x="7968210" y="1268760"/>
+            <a:ext cx="1152128" cy="1152128"/>
+          </a:xfrm>
+          <a:prstGeom prst="rect">
+            <a:avLst/>
+          </a:prstGeom>
+        </p:spPr>
+      </p:pic>
+      <p:sp>
+        <p:nvSpPr>
+          <p:cNvPr id="63" name="TextBox 62">
+            <a:extLst>
+              <a:ext uri="{FF2B5EF4-FFF2-40B4-BE49-F238E27FC236}">
+                <a16:creationId xmlns:a16="http://schemas.microsoft.com/office/drawing/2014/main" id="{E555A035-9B2B-4198-B331-666ED677A8A6}"/>
+              </a:ext>
+            </a:extLst>
+          </p:cNvPr>
+          <p:cNvSpPr txBox="1"/>
+          <p:nvPr/>
+        </p:nvSpPr>
+        <p:spPr>
+          <a:xfrm>
+            <a:off x="7608168" y="2420888"/>
+            <a:ext cx="1781929" cy="923330"/>
+          </a:xfrm>
+          <a:prstGeom prst="rect">
+            <a:avLst/>
+          </a:prstGeom>
+          <a:noFill/>
+          <a:ln>
+            <a:noFill/>
+          </a:ln>
+        </p:spPr>
+        <p:txBody>
+          <a:bodyPr wrap="square" rtlCol="0">
+            <a:spAutoFit/>
+          </a:bodyPr>
+          <a:lstStyle/>
+          <a:p>
+            <a:pPr algn="ctr"/>
+            <a:r>
+              <a:rPr lang="en-NZ" b="1" dirty="0"/>
+              <a:t>Movie A:</a:t>
+            </a:r>
+          </a:p>
+          <a:p>
+            <a:pPr algn="ctr"/>
+            <a:r>
+              <a:rPr lang="en-NZ" dirty="0">
+                <a:solidFill>
+                  <a:schemeClr val="accent6">
+                    <a:lumMod val="75000"/>
+                  </a:schemeClr>
+                </a:solidFill>
+              </a:rPr>
+              <a:t>+ Liked by user A</a:t>
+            </a:r>
+          </a:p>
+          <a:p>
+            <a:pPr algn="ctr"/>
+            <a:r>
+              <a:rPr lang="en-NZ" dirty="0">
+                <a:solidFill>
+                  <a:schemeClr val="accent6">
+                    <a:lumMod val="75000"/>
+                  </a:schemeClr>
+                </a:solidFill>
+              </a:rPr>
+              <a:t>+ Liked by user B</a:t>
+            </a:r>
+          </a:p>
+        </p:txBody>
+      </p:sp>
+      <p:cxnSp>
+        <p:nvCxnSpPr>
+          <p:cNvPr id="64" name="Straight Arrow Connector 63">
+            <a:extLst>
+              <a:ext uri="{FF2B5EF4-FFF2-40B4-BE49-F238E27FC236}">
+                <a16:creationId xmlns:a16="http://schemas.microsoft.com/office/drawing/2014/main" id="{F1F8D546-969D-43EE-B30F-B50E18E40B9A}"/>
+              </a:ext>
+            </a:extLst>
+          </p:cNvPr>
+          <p:cNvCxnSpPr>
+            <a:cxnSpLocks/>
+            <a:stCxn id="7" idx="3"/>
+          </p:cNvCxnSpPr>
+          <p:nvPr/>
+        </p:nvCxnSpPr>
+        <p:spPr>
+          <a:xfrm flipV="1">
+            <a:off x="4223791" y="2436714"/>
+            <a:ext cx="3312369" cy="1823283"/>
+          </a:xfrm>
+          <a:prstGeom prst="straightConnector1">
+            <a:avLst/>
+          </a:prstGeom>
+          <a:ln w="57150">
+            <a:solidFill>
+              <a:schemeClr val="accent6">
+                <a:lumMod val="75000"/>
+              </a:schemeClr>
+            </a:solidFill>
+            <a:tailEnd type="triangle"/>
+          </a:ln>
+        </p:spPr>
+        <p:style>
+          <a:lnRef idx="1">
+            <a:schemeClr val="accent1"/>
+          </a:lnRef>
+          <a:fillRef idx="0">
+            <a:schemeClr val="accent1"/>
+          </a:fillRef>
+          <a:effectRef idx="0">
+            <a:schemeClr val="accent1"/>
+          </a:effectRef>
+          <a:fontRef idx="minor">
+            <a:schemeClr val="tx1"/>
+          </a:fontRef>
+        </p:style>
+      </p:cxnSp>
+      <p:cxnSp>
+        <p:nvCxnSpPr>
+          <p:cNvPr id="67" name="Straight Arrow Connector 66">
+            <a:extLst>
+              <a:ext uri="{FF2B5EF4-FFF2-40B4-BE49-F238E27FC236}">
+                <a16:creationId xmlns:a16="http://schemas.microsoft.com/office/drawing/2014/main" id="{26167FF4-FB1C-4334-9325-4102590B1E17}"/>
+              </a:ext>
+            </a:extLst>
+          </p:cNvPr>
+          <p:cNvCxnSpPr>
+            <a:cxnSpLocks/>
+            <a:stCxn id="5" idx="3"/>
+          </p:cNvCxnSpPr>
+          <p:nvPr/>
+        </p:nvCxnSpPr>
+        <p:spPr>
+          <a:xfrm>
+            <a:off x="4223791" y="1090192"/>
+            <a:ext cx="3384376" cy="663391"/>
+          </a:xfrm>
+          <a:prstGeom prst="straightConnector1">
+            <a:avLst/>
+          </a:prstGeom>
+          <a:ln w="57150">
+            <a:solidFill>
+              <a:schemeClr val="accent6">
+                <a:lumMod val="75000"/>
+              </a:schemeClr>
+            </a:solidFill>
+            <a:tailEnd type="triangle"/>
+          </a:ln>
+        </p:spPr>
+        <p:style>
+          <a:lnRef idx="1">
+            <a:schemeClr val="accent1"/>
+          </a:lnRef>
+          <a:fillRef idx="0">
+            <a:schemeClr val="accent1"/>
+          </a:fillRef>
+          <a:effectRef idx="0">
+            <a:schemeClr val="accent1"/>
+          </a:effectRef>
+          <a:fontRef idx="minor">
+            <a:schemeClr val="tx1"/>
+          </a:fontRef>
+        </p:style>
+      </p:cxnSp>
+      <p:cxnSp>
+        <p:nvCxnSpPr>
+          <p:cNvPr id="70" name="Straight Arrow Connector 69">
+            <a:extLst>
+              <a:ext uri="{FF2B5EF4-FFF2-40B4-BE49-F238E27FC236}">
+                <a16:creationId xmlns:a16="http://schemas.microsoft.com/office/drawing/2014/main" id="{63D95D20-A6F2-49BD-9F6F-C964A130717F}"/>
+              </a:ext>
+            </a:extLst>
+          </p:cNvPr>
+          <p:cNvCxnSpPr>
+            <a:cxnSpLocks/>
+          </p:cNvCxnSpPr>
+          <p:nvPr/>
+        </p:nvCxnSpPr>
+        <p:spPr>
+          <a:xfrm>
+            <a:off x="8544274" y="3429000"/>
+            <a:ext cx="0" cy="1164902"/>
+          </a:xfrm>
+          <a:prstGeom prst="straightConnector1">
+            <a:avLst/>
+          </a:prstGeom>
+          <a:ln w="57150">
+            <a:solidFill>
+              <a:schemeClr val="tx1">
+                <a:lumMod val="95000"/>
+                <a:lumOff val="5000"/>
+              </a:schemeClr>
+            </a:solidFill>
+            <a:tailEnd type="triangle"/>
+          </a:ln>
+        </p:spPr>
+        <p:style>
+          <a:lnRef idx="1">
+            <a:schemeClr val="accent1"/>
+          </a:lnRef>
+          <a:fillRef idx="0">
+            <a:schemeClr val="accent1"/>
+          </a:fillRef>
+          <a:effectRef idx="0">
+            <a:schemeClr val="accent1"/>
+          </a:effectRef>
+          <a:fontRef idx="minor">
+            <a:schemeClr val="tx1"/>
+          </a:fontRef>
+        </p:style>
+      </p:cxnSp>
+      <p:sp>
+        <p:nvSpPr>
+          <p:cNvPr id="75" name="TextBox 74">
+            <a:extLst>
+              <a:ext uri="{FF2B5EF4-FFF2-40B4-BE49-F238E27FC236}">
+                <a16:creationId xmlns:a16="http://schemas.microsoft.com/office/drawing/2014/main" id="{AA4F63A5-8D10-49A4-82E2-06C96763F2F0}"/>
+              </a:ext>
+            </a:extLst>
+          </p:cNvPr>
+          <p:cNvSpPr txBox="1"/>
+          <p:nvPr/>
+        </p:nvSpPr>
+        <p:spPr>
+          <a:xfrm>
+            <a:off x="7653309" y="4678684"/>
+            <a:ext cx="1781929" cy="400110"/>
+          </a:xfrm>
+          <a:prstGeom prst="rect">
+            <a:avLst/>
+          </a:prstGeom>
+          <a:noFill/>
+        </p:spPr>
+        <p:txBody>
+          <a:bodyPr wrap="square" rtlCol="0">
+            <a:spAutoFit/>
+          </a:bodyPr>
+          <a:lstStyle/>
+          <a:p>
+            <a:pPr algn="ctr"/>
+            <a:r>
+              <a:rPr lang="en-NZ" sz="2000" b="1" dirty="0"/>
+              <a:t>Comedy</a:t>
+            </a:r>
+            <a:endParaRPr lang="en-NZ" sz="2000" dirty="0">
+              <a:solidFill>
+                <a:srgbClr val="C00000"/>
+              </a:solidFill>
+            </a:endParaRPr>
+          </a:p>
+        </p:txBody>
+      </p:sp>
+    </p:spTree>
+    <p:extLst>
+      <p:ext uri="{BB962C8B-B14F-4D97-AF65-F5344CB8AC3E}">
+        <p14:creationId xmlns:p14="http://schemas.microsoft.com/office/powerpoint/2010/main" val="765299857"/>
       </p:ext>
     </p:extLst>
   </p:cSld>

--- a/figures/drawing-board.pptx
+++ b/figures/drawing-board.pptx
@@ -13,6 +13,8 @@
     <p:sldId id="257" r:id="rId7"/>
     <p:sldId id="263" r:id="rId8"/>
     <p:sldId id="264" r:id="rId9"/>
+    <p:sldId id="265" r:id="rId10"/>
+    <p:sldId id="266" r:id="rId11"/>
   </p:sldIdLst>
   <p:sldSz cx="12192000" cy="6858000"/>
   <p:notesSz cx="6858000" cy="9144000"/>
@@ -261,7 +263,7 @@
           <a:p>
             <a:fld id="{7FCAF9BE-84FA-4DCA-8252-942D07F2383A}" type="datetimeFigureOut">
               <a:rPr lang="en-NZ" smtClean="0"/>
-              <a:t>23/09/2019</a:t>
+              <a:t>3/10/2019</a:t>
             </a:fld>
             <a:endParaRPr lang="en-NZ"/>
           </a:p>
@@ -431,7 +433,7 @@
           <a:p>
             <a:fld id="{7FCAF9BE-84FA-4DCA-8252-942D07F2383A}" type="datetimeFigureOut">
               <a:rPr lang="en-NZ" smtClean="0"/>
-              <a:t>23/09/2019</a:t>
+              <a:t>3/10/2019</a:t>
             </a:fld>
             <a:endParaRPr lang="en-NZ"/>
           </a:p>
@@ -611,7 +613,7 @@
           <a:p>
             <a:fld id="{7FCAF9BE-84FA-4DCA-8252-942D07F2383A}" type="datetimeFigureOut">
               <a:rPr lang="en-NZ" smtClean="0"/>
-              <a:t>23/09/2019</a:t>
+              <a:t>3/10/2019</a:t>
             </a:fld>
             <a:endParaRPr lang="en-NZ"/>
           </a:p>
@@ -781,7 +783,7 @@
           <a:p>
             <a:fld id="{7FCAF9BE-84FA-4DCA-8252-942D07F2383A}" type="datetimeFigureOut">
               <a:rPr lang="en-NZ" smtClean="0"/>
-              <a:t>23/09/2019</a:t>
+              <a:t>3/10/2019</a:t>
             </a:fld>
             <a:endParaRPr lang="en-NZ"/>
           </a:p>
@@ -1027,7 +1029,7 @@
           <a:p>
             <a:fld id="{7FCAF9BE-84FA-4DCA-8252-942D07F2383A}" type="datetimeFigureOut">
               <a:rPr lang="en-NZ" smtClean="0"/>
-              <a:t>23/09/2019</a:t>
+              <a:t>3/10/2019</a:t>
             </a:fld>
             <a:endParaRPr lang="en-NZ"/>
           </a:p>
@@ -1259,7 +1261,7 @@
           <a:p>
             <a:fld id="{7FCAF9BE-84FA-4DCA-8252-942D07F2383A}" type="datetimeFigureOut">
               <a:rPr lang="en-NZ" smtClean="0"/>
-              <a:t>23/09/2019</a:t>
+              <a:t>3/10/2019</a:t>
             </a:fld>
             <a:endParaRPr lang="en-NZ"/>
           </a:p>
@@ -1626,7 +1628,7 @@
           <a:p>
             <a:fld id="{7FCAF9BE-84FA-4DCA-8252-942D07F2383A}" type="datetimeFigureOut">
               <a:rPr lang="en-NZ" smtClean="0"/>
-              <a:t>23/09/2019</a:t>
+              <a:t>3/10/2019</a:t>
             </a:fld>
             <a:endParaRPr lang="en-NZ"/>
           </a:p>
@@ -1744,7 +1746,7 @@
           <a:p>
             <a:fld id="{7FCAF9BE-84FA-4DCA-8252-942D07F2383A}" type="datetimeFigureOut">
               <a:rPr lang="en-NZ" smtClean="0"/>
-              <a:t>23/09/2019</a:t>
+              <a:t>3/10/2019</a:t>
             </a:fld>
             <a:endParaRPr lang="en-NZ"/>
           </a:p>
@@ -1839,7 +1841,7 @@
           <a:p>
             <a:fld id="{7FCAF9BE-84FA-4DCA-8252-942D07F2383A}" type="datetimeFigureOut">
               <a:rPr lang="en-NZ" smtClean="0"/>
-              <a:t>23/09/2019</a:t>
+              <a:t>3/10/2019</a:t>
             </a:fld>
             <a:endParaRPr lang="en-NZ"/>
           </a:p>
@@ -2116,7 +2118,7 @@
           <a:p>
             <a:fld id="{7FCAF9BE-84FA-4DCA-8252-942D07F2383A}" type="datetimeFigureOut">
               <a:rPr lang="en-NZ" smtClean="0"/>
-              <a:t>23/09/2019</a:t>
+              <a:t>3/10/2019</a:t>
             </a:fld>
             <a:endParaRPr lang="en-NZ"/>
           </a:p>
@@ -2373,7 +2375,7 @@
           <a:p>
             <a:fld id="{7FCAF9BE-84FA-4DCA-8252-942D07F2383A}" type="datetimeFigureOut">
               <a:rPr lang="en-NZ" smtClean="0"/>
-              <a:t>23/09/2019</a:t>
+              <a:t>3/10/2019</a:t>
             </a:fld>
             <a:endParaRPr lang="en-NZ"/>
           </a:p>
@@ -2586,7 +2588,7 @@
           <a:p>
             <a:fld id="{7FCAF9BE-84FA-4DCA-8252-942D07F2383A}" type="datetimeFigureOut">
               <a:rPr lang="en-NZ" smtClean="0"/>
-              <a:t>23/09/2019</a:t>
+              <a:t>3/10/2019</a:t>
             </a:fld>
             <a:endParaRPr lang="en-NZ"/>
           </a:p>
@@ -6353,6 +6355,990 @@
     <p:extLst>
       <p:ext uri="{BB962C8B-B14F-4D97-AF65-F5344CB8AC3E}">
         <p14:creationId xmlns:p14="http://schemas.microsoft.com/office/powerpoint/2010/main" val="360633783"/>
+      </p:ext>
+    </p:extLst>
+  </p:cSld>
+  <p:clrMapOvr>
+    <a:masterClrMapping/>
+  </p:clrMapOvr>
+</p:sld>
+</file>
+
+<file path=ppt/slides/slide10.xml><?xml version="1.0" encoding="utf-8"?>
+<p:sld xmlns:a="http://schemas.openxmlformats.org/drawingml/2006/main" xmlns:r="http://schemas.openxmlformats.org/officeDocument/2006/relationships" xmlns:p="http://schemas.openxmlformats.org/presentationml/2006/main">
+  <p:cSld>
+    <p:spTree>
+      <p:nvGrpSpPr>
+        <p:cNvPr id="1" name=""/>
+        <p:cNvGrpSpPr/>
+        <p:nvPr/>
+      </p:nvGrpSpPr>
+      <p:grpSpPr>
+        <a:xfrm>
+          <a:off x="0" y="0"/>
+          <a:ext cx="0" cy="0"/>
+          <a:chOff x="0" y="0"/>
+          <a:chExt cx="0" cy="0"/>
+        </a:xfrm>
+      </p:grpSpPr>
+      <p:sp>
+        <p:nvSpPr>
+          <p:cNvPr id="5" name="Rectangle 4">
+            <a:extLst>
+              <a:ext uri="{FF2B5EF4-FFF2-40B4-BE49-F238E27FC236}">
+                <a16:creationId xmlns:a16="http://schemas.microsoft.com/office/drawing/2014/main" id="{9852D65D-5CED-45EF-846B-87148B475D28}"/>
+              </a:ext>
+            </a:extLst>
+          </p:cNvPr>
+          <p:cNvSpPr/>
+          <p:nvPr/>
+        </p:nvSpPr>
+        <p:spPr>
+          <a:xfrm>
+            <a:off x="620420" y="969292"/>
+            <a:ext cx="9000000" cy="576064"/>
+          </a:xfrm>
+          <a:prstGeom prst="rect">
+            <a:avLst/>
+          </a:prstGeom>
+          <a:noFill/>
+          <a:ln w="38100">
+            <a:solidFill>
+              <a:schemeClr val="tx1"/>
+            </a:solidFill>
+          </a:ln>
+        </p:spPr>
+        <p:style>
+          <a:lnRef idx="2">
+            <a:schemeClr val="accent1">
+              <a:shade val="50000"/>
+            </a:schemeClr>
+          </a:lnRef>
+          <a:fillRef idx="1">
+            <a:schemeClr val="accent1"/>
+          </a:fillRef>
+          <a:effectRef idx="0">
+            <a:schemeClr val="accent1"/>
+          </a:effectRef>
+          <a:fontRef idx="minor">
+            <a:schemeClr val="lt1"/>
+          </a:fontRef>
+        </p:style>
+        <p:txBody>
+          <a:bodyPr rtlCol="0" anchor="ctr"/>
+          <a:lstStyle/>
+          <a:p>
+            <a:pPr algn="ctr"/>
+            <a:endParaRPr lang="en-NZ"/>
+          </a:p>
+        </p:txBody>
+      </p:sp>
+      <p:sp>
+        <p:nvSpPr>
+          <p:cNvPr id="7" name="Rectangle 6">
+            <a:extLst>
+              <a:ext uri="{FF2B5EF4-FFF2-40B4-BE49-F238E27FC236}">
+                <a16:creationId xmlns:a16="http://schemas.microsoft.com/office/drawing/2014/main" id="{DA7274BB-2A40-4E68-A1AE-01A5956FFDD6}"/>
+              </a:ext>
+            </a:extLst>
+          </p:cNvPr>
+          <p:cNvSpPr/>
+          <p:nvPr/>
+        </p:nvSpPr>
+        <p:spPr>
+          <a:xfrm>
+            <a:off x="620419" y="2193428"/>
+            <a:ext cx="8100000" cy="576064"/>
+          </a:xfrm>
+          <a:prstGeom prst="rect">
+            <a:avLst/>
+          </a:prstGeom>
+          <a:solidFill>
+            <a:schemeClr val="accent6">
+              <a:lumMod val="40000"/>
+              <a:lumOff val="60000"/>
+            </a:schemeClr>
+          </a:solidFill>
+          <a:ln w="38100">
+            <a:solidFill>
+              <a:schemeClr val="accent6">
+                <a:lumMod val="75000"/>
+              </a:schemeClr>
+            </a:solidFill>
+          </a:ln>
+        </p:spPr>
+        <p:style>
+          <a:lnRef idx="2">
+            <a:schemeClr val="accent1">
+              <a:shade val="50000"/>
+            </a:schemeClr>
+          </a:lnRef>
+          <a:fillRef idx="1">
+            <a:schemeClr val="accent1"/>
+          </a:fillRef>
+          <a:effectRef idx="0">
+            <a:schemeClr val="accent1"/>
+          </a:effectRef>
+          <a:fontRef idx="minor">
+            <a:schemeClr val="lt1"/>
+          </a:fontRef>
+        </p:style>
+        <p:txBody>
+          <a:bodyPr rtlCol="0" anchor="ctr"/>
+          <a:lstStyle/>
+          <a:p>
+            <a:pPr algn="ctr"/>
+            <a:endParaRPr lang="en-NZ"/>
+          </a:p>
+        </p:txBody>
+      </p:sp>
+      <p:sp>
+        <p:nvSpPr>
+          <p:cNvPr id="11" name="Right Brace 10">
+            <a:extLst>
+              <a:ext uri="{FF2B5EF4-FFF2-40B4-BE49-F238E27FC236}">
+                <a16:creationId xmlns:a16="http://schemas.microsoft.com/office/drawing/2014/main" id="{38CA8665-2E42-417B-890E-AF80755A8BD0}"/>
+              </a:ext>
+            </a:extLst>
+          </p:cNvPr>
+          <p:cNvSpPr/>
+          <p:nvPr/>
+        </p:nvSpPr>
+        <p:spPr>
+          <a:xfrm rot="16200000">
+            <a:off x="4976403" y="-3747232"/>
+            <a:ext cx="288032" cy="8784977"/>
+          </a:xfrm>
+          <a:prstGeom prst="rightBrace">
+            <a:avLst/>
+          </a:prstGeom>
+          <a:ln>
+            <a:solidFill>
+              <a:schemeClr val="tx1">
+                <a:lumMod val="95000"/>
+                <a:lumOff val="5000"/>
+              </a:schemeClr>
+            </a:solidFill>
+          </a:ln>
+        </p:spPr>
+        <p:style>
+          <a:lnRef idx="1">
+            <a:schemeClr val="accent1"/>
+          </a:lnRef>
+          <a:fillRef idx="0">
+            <a:schemeClr val="accent1"/>
+          </a:fillRef>
+          <a:effectRef idx="0">
+            <a:schemeClr val="accent1"/>
+          </a:effectRef>
+          <a:fontRef idx="minor">
+            <a:schemeClr val="tx1"/>
+          </a:fontRef>
+        </p:style>
+        <p:txBody>
+          <a:bodyPr rtlCol="0" anchor="ctr"/>
+          <a:lstStyle/>
+          <a:p>
+            <a:pPr algn="ctr"/>
+            <a:endParaRPr lang="en-NZ"/>
+          </a:p>
+        </p:txBody>
+      </p:sp>
+      <p:sp>
+        <p:nvSpPr>
+          <p:cNvPr id="12" name="TextBox 11">
+            <a:extLst>
+              <a:ext uri="{FF2B5EF4-FFF2-40B4-BE49-F238E27FC236}">
+                <a16:creationId xmlns:a16="http://schemas.microsoft.com/office/drawing/2014/main" id="{8B10F358-C525-46C1-AAC9-CFAF03C514BE}"/>
+              </a:ext>
+            </a:extLst>
+          </p:cNvPr>
+          <p:cNvSpPr txBox="1"/>
+          <p:nvPr/>
+        </p:nvSpPr>
+        <p:spPr>
+          <a:xfrm>
+            <a:off x="4346602" y="116632"/>
+            <a:ext cx="1547634" cy="338554"/>
+          </a:xfrm>
+          <a:prstGeom prst="rect">
+            <a:avLst/>
+          </a:prstGeom>
+          <a:noFill/>
+        </p:spPr>
+        <p:txBody>
+          <a:bodyPr wrap="square" rtlCol="0">
+            <a:spAutoFit/>
+          </a:bodyPr>
+          <a:lstStyle/>
+          <a:p>
+            <a:pPr algn="ctr"/>
+            <a:r>
+              <a:rPr lang="en-NZ" sz="1600" dirty="0"/>
+              <a:t>Genre dataset</a:t>
+            </a:r>
+          </a:p>
+        </p:txBody>
+      </p:sp>
+      <p:sp>
+        <p:nvSpPr>
+          <p:cNvPr id="13" name="Rectangle 12">
+            <a:extLst>
+              <a:ext uri="{FF2B5EF4-FFF2-40B4-BE49-F238E27FC236}">
+                <a16:creationId xmlns:a16="http://schemas.microsoft.com/office/drawing/2014/main" id="{766D9B6A-E0BC-4AD2-8D07-AB6B2AE11C65}"/>
+              </a:ext>
+            </a:extLst>
+          </p:cNvPr>
+          <p:cNvSpPr/>
+          <p:nvPr/>
+        </p:nvSpPr>
+        <p:spPr>
+          <a:xfrm>
+            <a:off x="620420" y="2193428"/>
+            <a:ext cx="1620000" cy="576064"/>
+          </a:xfrm>
+          <a:prstGeom prst="rect">
+            <a:avLst/>
+          </a:prstGeom>
+          <a:solidFill>
+            <a:schemeClr val="accent2">
+              <a:lumMod val="40000"/>
+              <a:lumOff val="60000"/>
+            </a:schemeClr>
+          </a:solidFill>
+          <a:ln w="38100">
+            <a:solidFill>
+              <a:schemeClr val="accent2">
+                <a:lumMod val="75000"/>
+              </a:schemeClr>
+            </a:solidFill>
+          </a:ln>
+        </p:spPr>
+        <p:style>
+          <a:lnRef idx="2">
+            <a:schemeClr val="accent1">
+              <a:shade val="50000"/>
+            </a:schemeClr>
+          </a:lnRef>
+          <a:fillRef idx="1">
+            <a:schemeClr val="accent1"/>
+          </a:fillRef>
+          <a:effectRef idx="0">
+            <a:schemeClr val="accent1"/>
+          </a:effectRef>
+          <a:fontRef idx="minor">
+            <a:schemeClr val="lt1"/>
+          </a:fontRef>
+        </p:style>
+        <p:txBody>
+          <a:bodyPr rtlCol="0" anchor="ctr"/>
+          <a:lstStyle/>
+          <a:p>
+            <a:pPr algn="ctr"/>
+            <a:endParaRPr lang="en-NZ"/>
+          </a:p>
+        </p:txBody>
+      </p:sp>
+      <p:sp>
+        <p:nvSpPr>
+          <p:cNvPr id="14" name="Rectangle 13">
+            <a:extLst>
+              <a:ext uri="{FF2B5EF4-FFF2-40B4-BE49-F238E27FC236}">
+                <a16:creationId xmlns:a16="http://schemas.microsoft.com/office/drawing/2014/main" id="{B77EADB4-525E-43E2-BDE9-0EB110C7AFB8}"/>
+              </a:ext>
+            </a:extLst>
+          </p:cNvPr>
+          <p:cNvSpPr/>
+          <p:nvPr/>
+        </p:nvSpPr>
+        <p:spPr>
+          <a:xfrm>
+            <a:off x="620419" y="3105456"/>
+            <a:ext cx="8100000" cy="576064"/>
+          </a:xfrm>
+          <a:prstGeom prst="rect">
+            <a:avLst/>
+          </a:prstGeom>
+          <a:solidFill>
+            <a:schemeClr val="accent6">
+              <a:lumMod val="40000"/>
+              <a:lumOff val="60000"/>
+            </a:schemeClr>
+          </a:solidFill>
+          <a:ln w="38100">
+            <a:solidFill>
+              <a:schemeClr val="accent6">
+                <a:lumMod val="75000"/>
+              </a:schemeClr>
+            </a:solidFill>
+          </a:ln>
+        </p:spPr>
+        <p:style>
+          <a:lnRef idx="2">
+            <a:schemeClr val="accent1">
+              <a:shade val="50000"/>
+            </a:schemeClr>
+          </a:lnRef>
+          <a:fillRef idx="1">
+            <a:schemeClr val="accent1"/>
+          </a:fillRef>
+          <a:effectRef idx="0">
+            <a:schemeClr val="accent1"/>
+          </a:effectRef>
+          <a:fontRef idx="minor">
+            <a:schemeClr val="lt1"/>
+          </a:fontRef>
+        </p:style>
+        <p:txBody>
+          <a:bodyPr rtlCol="0" anchor="ctr"/>
+          <a:lstStyle/>
+          <a:p>
+            <a:pPr algn="ctr"/>
+            <a:endParaRPr lang="en-NZ" dirty="0"/>
+          </a:p>
+        </p:txBody>
+      </p:sp>
+      <p:sp>
+        <p:nvSpPr>
+          <p:cNvPr id="16" name="Rectangle 15">
+            <a:extLst>
+              <a:ext uri="{FF2B5EF4-FFF2-40B4-BE49-F238E27FC236}">
+                <a16:creationId xmlns:a16="http://schemas.microsoft.com/office/drawing/2014/main" id="{DF7DD2D0-0CFA-4F16-8315-BC7210C1375A}"/>
+              </a:ext>
+            </a:extLst>
+          </p:cNvPr>
+          <p:cNvSpPr/>
+          <p:nvPr/>
+        </p:nvSpPr>
+        <p:spPr>
+          <a:xfrm>
+            <a:off x="620419" y="4017484"/>
+            <a:ext cx="8100000" cy="576064"/>
+          </a:xfrm>
+          <a:prstGeom prst="rect">
+            <a:avLst/>
+          </a:prstGeom>
+          <a:solidFill>
+            <a:schemeClr val="accent6">
+              <a:lumMod val="40000"/>
+              <a:lumOff val="60000"/>
+            </a:schemeClr>
+          </a:solidFill>
+          <a:ln w="38100">
+            <a:solidFill>
+              <a:schemeClr val="accent6">
+                <a:lumMod val="75000"/>
+              </a:schemeClr>
+            </a:solidFill>
+          </a:ln>
+        </p:spPr>
+        <p:style>
+          <a:lnRef idx="2">
+            <a:schemeClr val="accent1">
+              <a:shade val="50000"/>
+            </a:schemeClr>
+          </a:lnRef>
+          <a:fillRef idx="1">
+            <a:schemeClr val="accent1"/>
+          </a:fillRef>
+          <a:effectRef idx="0">
+            <a:schemeClr val="accent1"/>
+          </a:effectRef>
+          <a:fontRef idx="minor">
+            <a:schemeClr val="lt1"/>
+          </a:fontRef>
+        </p:style>
+        <p:txBody>
+          <a:bodyPr rtlCol="0" anchor="ctr"/>
+          <a:lstStyle/>
+          <a:p>
+            <a:pPr algn="ctr"/>
+            <a:endParaRPr lang="en-NZ"/>
+          </a:p>
+        </p:txBody>
+      </p:sp>
+      <p:sp>
+        <p:nvSpPr>
+          <p:cNvPr id="17" name="Rectangle 16">
+            <a:extLst>
+              <a:ext uri="{FF2B5EF4-FFF2-40B4-BE49-F238E27FC236}">
+                <a16:creationId xmlns:a16="http://schemas.microsoft.com/office/drawing/2014/main" id="{EFAC7260-55AA-4F6B-8B7D-5C898910307D}"/>
+              </a:ext>
+            </a:extLst>
+          </p:cNvPr>
+          <p:cNvSpPr/>
+          <p:nvPr/>
+        </p:nvSpPr>
+        <p:spPr>
+          <a:xfrm>
+            <a:off x="620419" y="4929512"/>
+            <a:ext cx="8100000" cy="576064"/>
+          </a:xfrm>
+          <a:prstGeom prst="rect">
+            <a:avLst/>
+          </a:prstGeom>
+          <a:solidFill>
+            <a:schemeClr val="accent6">
+              <a:lumMod val="40000"/>
+              <a:lumOff val="60000"/>
+            </a:schemeClr>
+          </a:solidFill>
+          <a:ln w="38100">
+            <a:solidFill>
+              <a:schemeClr val="accent6">
+                <a:lumMod val="75000"/>
+              </a:schemeClr>
+            </a:solidFill>
+          </a:ln>
+        </p:spPr>
+        <p:style>
+          <a:lnRef idx="2">
+            <a:schemeClr val="accent1">
+              <a:shade val="50000"/>
+            </a:schemeClr>
+          </a:lnRef>
+          <a:fillRef idx="1">
+            <a:schemeClr val="accent1"/>
+          </a:fillRef>
+          <a:effectRef idx="0">
+            <a:schemeClr val="accent1"/>
+          </a:effectRef>
+          <a:fontRef idx="minor">
+            <a:schemeClr val="lt1"/>
+          </a:fontRef>
+        </p:style>
+        <p:txBody>
+          <a:bodyPr rtlCol="0" anchor="ctr"/>
+          <a:lstStyle/>
+          <a:p>
+            <a:pPr algn="ctr"/>
+            <a:endParaRPr lang="en-NZ"/>
+          </a:p>
+        </p:txBody>
+      </p:sp>
+      <p:sp>
+        <p:nvSpPr>
+          <p:cNvPr id="18" name="Rectangle 17">
+            <a:extLst>
+              <a:ext uri="{FF2B5EF4-FFF2-40B4-BE49-F238E27FC236}">
+                <a16:creationId xmlns:a16="http://schemas.microsoft.com/office/drawing/2014/main" id="{9FEEB0E2-1326-46C5-8989-327031944DA0}"/>
+              </a:ext>
+            </a:extLst>
+          </p:cNvPr>
+          <p:cNvSpPr/>
+          <p:nvPr/>
+        </p:nvSpPr>
+        <p:spPr>
+          <a:xfrm>
+            <a:off x="620419" y="5841540"/>
+            <a:ext cx="8100000" cy="576064"/>
+          </a:xfrm>
+          <a:prstGeom prst="rect">
+            <a:avLst/>
+          </a:prstGeom>
+          <a:solidFill>
+            <a:schemeClr val="accent6">
+              <a:lumMod val="40000"/>
+              <a:lumOff val="60000"/>
+            </a:schemeClr>
+          </a:solidFill>
+          <a:ln w="38100">
+            <a:solidFill>
+              <a:schemeClr val="accent6">
+                <a:lumMod val="75000"/>
+              </a:schemeClr>
+            </a:solidFill>
+          </a:ln>
+        </p:spPr>
+        <p:style>
+          <a:lnRef idx="2">
+            <a:schemeClr val="accent1">
+              <a:shade val="50000"/>
+            </a:schemeClr>
+          </a:lnRef>
+          <a:fillRef idx="1">
+            <a:schemeClr val="accent1"/>
+          </a:fillRef>
+          <a:effectRef idx="0">
+            <a:schemeClr val="accent1"/>
+          </a:effectRef>
+          <a:fontRef idx="minor">
+            <a:schemeClr val="lt1"/>
+          </a:fontRef>
+        </p:style>
+        <p:txBody>
+          <a:bodyPr rtlCol="0" anchor="ctr"/>
+          <a:lstStyle/>
+          <a:p>
+            <a:pPr algn="ctr"/>
+            <a:endParaRPr lang="en-NZ"/>
+          </a:p>
+        </p:txBody>
+      </p:sp>
+      <p:sp>
+        <p:nvSpPr>
+          <p:cNvPr id="22" name="Right Brace 21">
+            <a:extLst>
+              <a:ext uri="{FF2B5EF4-FFF2-40B4-BE49-F238E27FC236}">
+                <a16:creationId xmlns:a16="http://schemas.microsoft.com/office/drawing/2014/main" id="{19165035-DE11-46FC-8BBC-B9D1462B9A22}"/>
+              </a:ext>
+            </a:extLst>
+          </p:cNvPr>
+          <p:cNvSpPr/>
+          <p:nvPr/>
+        </p:nvSpPr>
+        <p:spPr>
+          <a:xfrm>
+            <a:off x="9062407" y="2193428"/>
+            <a:ext cx="216024" cy="4222561"/>
+          </a:xfrm>
+          <a:prstGeom prst="rightBrace">
+            <a:avLst/>
+          </a:prstGeom>
+          <a:ln>
+            <a:solidFill>
+              <a:schemeClr val="tx1">
+                <a:lumMod val="95000"/>
+                <a:lumOff val="5000"/>
+              </a:schemeClr>
+            </a:solidFill>
+          </a:ln>
+        </p:spPr>
+        <p:style>
+          <a:lnRef idx="1">
+            <a:schemeClr val="accent1"/>
+          </a:lnRef>
+          <a:fillRef idx="0">
+            <a:schemeClr val="accent1"/>
+          </a:fillRef>
+          <a:effectRef idx="0">
+            <a:schemeClr val="accent1"/>
+          </a:effectRef>
+          <a:fontRef idx="minor">
+            <a:schemeClr val="tx1"/>
+          </a:fontRef>
+        </p:style>
+        <p:txBody>
+          <a:bodyPr rtlCol="0" anchor="ctr"/>
+          <a:lstStyle/>
+          <a:p>
+            <a:pPr algn="ctr"/>
+            <a:endParaRPr lang="en-NZ"/>
+          </a:p>
+        </p:txBody>
+      </p:sp>
+      <p:sp>
+        <p:nvSpPr>
+          <p:cNvPr id="23" name="TextBox 22">
+            <a:extLst>
+              <a:ext uri="{FF2B5EF4-FFF2-40B4-BE49-F238E27FC236}">
+                <a16:creationId xmlns:a16="http://schemas.microsoft.com/office/drawing/2014/main" id="{F4D403E8-B268-4F7A-8FFC-2B631721BBBC}"/>
+              </a:ext>
+            </a:extLst>
+          </p:cNvPr>
+          <p:cNvSpPr txBox="1"/>
+          <p:nvPr/>
+        </p:nvSpPr>
+        <p:spPr>
+          <a:xfrm>
+            <a:off x="9584234" y="3889209"/>
+            <a:ext cx="1656184" cy="830997"/>
+          </a:xfrm>
+          <a:prstGeom prst="rect">
+            <a:avLst/>
+          </a:prstGeom>
+          <a:noFill/>
+        </p:spPr>
+        <p:txBody>
+          <a:bodyPr wrap="square" rtlCol="0">
+            <a:spAutoFit/>
+          </a:bodyPr>
+          <a:lstStyle/>
+          <a:p>
+            <a:pPr algn="ctr"/>
+            <a:r>
+              <a:rPr lang="en-NZ" sz="1600" dirty="0"/>
+              <a:t>2. Split remaining 90% into 5 cross validation folds</a:t>
+            </a:r>
+          </a:p>
+        </p:txBody>
+      </p:sp>
+      <p:sp>
+        <p:nvSpPr>
+          <p:cNvPr id="24" name="Rectangle 23">
+            <a:extLst>
+              <a:ext uri="{FF2B5EF4-FFF2-40B4-BE49-F238E27FC236}">
+                <a16:creationId xmlns:a16="http://schemas.microsoft.com/office/drawing/2014/main" id="{2DCD4564-D60B-4226-835D-5AFCFE2B951E}"/>
+              </a:ext>
+            </a:extLst>
+          </p:cNvPr>
+          <p:cNvSpPr/>
+          <p:nvPr/>
+        </p:nvSpPr>
+        <p:spPr>
+          <a:xfrm>
+            <a:off x="2240420" y="3105456"/>
+            <a:ext cx="1620000" cy="576064"/>
+          </a:xfrm>
+          <a:prstGeom prst="rect">
+            <a:avLst/>
+          </a:prstGeom>
+          <a:solidFill>
+            <a:schemeClr val="accent2">
+              <a:lumMod val="40000"/>
+              <a:lumOff val="60000"/>
+            </a:schemeClr>
+          </a:solidFill>
+          <a:ln w="38100">
+            <a:solidFill>
+              <a:schemeClr val="accent2">
+                <a:lumMod val="75000"/>
+              </a:schemeClr>
+            </a:solidFill>
+          </a:ln>
+        </p:spPr>
+        <p:style>
+          <a:lnRef idx="2">
+            <a:schemeClr val="accent1">
+              <a:shade val="50000"/>
+            </a:schemeClr>
+          </a:lnRef>
+          <a:fillRef idx="1">
+            <a:schemeClr val="accent1"/>
+          </a:fillRef>
+          <a:effectRef idx="0">
+            <a:schemeClr val="accent1"/>
+          </a:effectRef>
+          <a:fontRef idx="minor">
+            <a:schemeClr val="lt1"/>
+          </a:fontRef>
+        </p:style>
+        <p:txBody>
+          <a:bodyPr rtlCol="0" anchor="ctr"/>
+          <a:lstStyle/>
+          <a:p>
+            <a:pPr algn="ctr"/>
+            <a:endParaRPr lang="en-NZ"/>
+          </a:p>
+        </p:txBody>
+      </p:sp>
+      <p:sp>
+        <p:nvSpPr>
+          <p:cNvPr id="25" name="Rectangle 24">
+            <a:extLst>
+              <a:ext uri="{FF2B5EF4-FFF2-40B4-BE49-F238E27FC236}">
+                <a16:creationId xmlns:a16="http://schemas.microsoft.com/office/drawing/2014/main" id="{2E155CCE-C165-4B5C-985C-88113B9203E6}"/>
+              </a:ext>
+            </a:extLst>
+          </p:cNvPr>
+          <p:cNvSpPr/>
+          <p:nvPr/>
+        </p:nvSpPr>
+        <p:spPr>
+          <a:xfrm>
+            <a:off x="3860420" y="4016675"/>
+            <a:ext cx="1620000" cy="576064"/>
+          </a:xfrm>
+          <a:prstGeom prst="rect">
+            <a:avLst/>
+          </a:prstGeom>
+          <a:solidFill>
+            <a:schemeClr val="accent2">
+              <a:lumMod val="40000"/>
+              <a:lumOff val="60000"/>
+            </a:schemeClr>
+          </a:solidFill>
+          <a:ln w="38100">
+            <a:solidFill>
+              <a:schemeClr val="accent2">
+                <a:lumMod val="75000"/>
+              </a:schemeClr>
+            </a:solidFill>
+          </a:ln>
+        </p:spPr>
+        <p:style>
+          <a:lnRef idx="2">
+            <a:schemeClr val="accent1">
+              <a:shade val="50000"/>
+            </a:schemeClr>
+          </a:lnRef>
+          <a:fillRef idx="1">
+            <a:schemeClr val="accent1"/>
+          </a:fillRef>
+          <a:effectRef idx="0">
+            <a:schemeClr val="accent1"/>
+          </a:effectRef>
+          <a:fontRef idx="minor">
+            <a:schemeClr val="lt1"/>
+          </a:fontRef>
+        </p:style>
+        <p:txBody>
+          <a:bodyPr rtlCol="0" anchor="ctr"/>
+          <a:lstStyle/>
+          <a:p>
+            <a:pPr algn="ctr"/>
+            <a:endParaRPr lang="en-NZ"/>
+          </a:p>
+        </p:txBody>
+      </p:sp>
+      <p:sp>
+        <p:nvSpPr>
+          <p:cNvPr id="26" name="Rectangle 25">
+            <a:extLst>
+              <a:ext uri="{FF2B5EF4-FFF2-40B4-BE49-F238E27FC236}">
+                <a16:creationId xmlns:a16="http://schemas.microsoft.com/office/drawing/2014/main" id="{76D61EC4-A3AE-4703-BF62-A4100E3AE0C8}"/>
+              </a:ext>
+            </a:extLst>
+          </p:cNvPr>
+          <p:cNvSpPr/>
+          <p:nvPr/>
+        </p:nvSpPr>
+        <p:spPr>
+          <a:xfrm>
+            <a:off x="5480420" y="4929512"/>
+            <a:ext cx="1620000" cy="576064"/>
+          </a:xfrm>
+          <a:prstGeom prst="rect">
+            <a:avLst/>
+          </a:prstGeom>
+          <a:solidFill>
+            <a:schemeClr val="accent2">
+              <a:lumMod val="40000"/>
+              <a:lumOff val="60000"/>
+            </a:schemeClr>
+          </a:solidFill>
+          <a:ln w="38100">
+            <a:solidFill>
+              <a:schemeClr val="accent2">
+                <a:lumMod val="75000"/>
+              </a:schemeClr>
+            </a:solidFill>
+          </a:ln>
+        </p:spPr>
+        <p:style>
+          <a:lnRef idx="2">
+            <a:schemeClr val="accent1">
+              <a:shade val="50000"/>
+            </a:schemeClr>
+          </a:lnRef>
+          <a:fillRef idx="1">
+            <a:schemeClr val="accent1"/>
+          </a:fillRef>
+          <a:effectRef idx="0">
+            <a:schemeClr val="accent1"/>
+          </a:effectRef>
+          <a:fontRef idx="minor">
+            <a:schemeClr val="lt1"/>
+          </a:fontRef>
+        </p:style>
+        <p:txBody>
+          <a:bodyPr rtlCol="0" anchor="ctr"/>
+          <a:lstStyle/>
+          <a:p>
+            <a:pPr algn="ctr"/>
+            <a:endParaRPr lang="en-NZ"/>
+          </a:p>
+        </p:txBody>
+      </p:sp>
+      <p:sp>
+        <p:nvSpPr>
+          <p:cNvPr id="27" name="Rectangle 26">
+            <a:extLst>
+              <a:ext uri="{FF2B5EF4-FFF2-40B4-BE49-F238E27FC236}">
+                <a16:creationId xmlns:a16="http://schemas.microsoft.com/office/drawing/2014/main" id="{2CB5A05B-1185-46CB-8955-09BC1769741B}"/>
+              </a:ext>
+            </a:extLst>
+          </p:cNvPr>
+          <p:cNvSpPr/>
+          <p:nvPr/>
+        </p:nvSpPr>
+        <p:spPr>
+          <a:xfrm>
+            <a:off x="7100420" y="5841540"/>
+            <a:ext cx="1620000" cy="576064"/>
+          </a:xfrm>
+          <a:prstGeom prst="rect">
+            <a:avLst/>
+          </a:prstGeom>
+          <a:solidFill>
+            <a:schemeClr val="accent2">
+              <a:lumMod val="40000"/>
+              <a:lumOff val="60000"/>
+            </a:schemeClr>
+          </a:solidFill>
+          <a:ln w="38100">
+            <a:solidFill>
+              <a:schemeClr val="accent2">
+                <a:lumMod val="75000"/>
+              </a:schemeClr>
+            </a:solidFill>
+          </a:ln>
+        </p:spPr>
+        <p:style>
+          <a:lnRef idx="2">
+            <a:schemeClr val="accent1">
+              <a:shade val="50000"/>
+            </a:schemeClr>
+          </a:lnRef>
+          <a:fillRef idx="1">
+            <a:schemeClr val="accent1"/>
+          </a:fillRef>
+          <a:effectRef idx="0">
+            <a:schemeClr val="accent1"/>
+          </a:effectRef>
+          <a:fontRef idx="minor">
+            <a:schemeClr val="lt1"/>
+          </a:fontRef>
+        </p:style>
+        <p:txBody>
+          <a:bodyPr rtlCol="0" anchor="ctr"/>
+          <a:lstStyle/>
+          <a:p>
+            <a:pPr algn="ctr"/>
+            <a:endParaRPr lang="en-NZ"/>
+          </a:p>
+        </p:txBody>
+      </p:sp>
+      <p:sp>
+        <p:nvSpPr>
+          <p:cNvPr id="28" name="Rectangle 27">
+            <a:extLst>
+              <a:ext uri="{FF2B5EF4-FFF2-40B4-BE49-F238E27FC236}">
+                <a16:creationId xmlns:a16="http://schemas.microsoft.com/office/drawing/2014/main" id="{85532550-0FC7-45CB-9D54-663EE92E4E39}"/>
+              </a:ext>
+            </a:extLst>
+          </p:cNvPr>
+          <p:cNvSpPr/>
+          <p:nvPr/>
+        </p:nvSpPr>
+        <p:spPr>
+          <a:xfrm>
+            <a:off x="8720419" y="969292"/>
+            <a:ext cx="900001" cy="576064"/>
+          </a:xfrm>
+          <a:prstGeom prst="rect">
+            <a:avLst/>
+          </a:prstGeom>
+          <a:solidFill>
+            <a:schemeClr val="accent5">
+              <a:lumMod val="60000"/>
+              <a:lumOff val="40000"/>
+            </a:schemeClr>
+          </a:solidFill>
+          <a:ln w="38100">
+            <a:solidFill>
+              <a:schemeClr val="accent1">
+                <a:lumMod val="75000"/>
+              </a:schemeClr>
+            </a:solidFill>
+          </a:ln>
+        </p:spPr>
+        <p:style>
+          <a:lnRef idx="2">
+            <a:schemeClr val="accent1">
+              <a:shade val="50000"/>
+            </a:schemeClr>
+          </a:lnRef>
+          <a:fillRef idx="1">
+            <a:schemeClr val="accent1"/>
+          </a:fillRef>
+          <a:effectRef idx="0">
+            <a:schemeClr val="accent1"/>
+          </a:effectRef>
+          <a:fontRef idx="minor">
+            <a:schemeClr val="lt1"/>
+          </a:fontRef>
+        </p:style>
+        <p:txBody>
+          <a:bodyPr rtlCol="0" anchor="ctr"/>
+          <a:lstStyle/>
+          <a:p>
+            <a:pPr algn="ctr"/>
+            <a:endParaRPr lang="en-NZ"/>
+          </a:p>
+        </p:txBody>
+      </p:sp>
+      <p:sp>
+        <p:nvSpPr>
+          <p:cNvPr id="29" name="TextBox 28">
+            <a:extLst>
+              <a:ext uri="{FF2B5EF4-FFF2-40B4-BE49-F238E27FC236}">
+                <a16:creationId xmlns:a16="http://schemas.microsoft.com/office/drawing/2014/main" id="{C817A30C-21BE-418F-97AA-C748E7DD79A1}"/>
+              </a:ext>
+            </a:extLst>
+          </p:cNvPr>
+          <p:cNvSpPr txBox="1"/>
+          <p:nvPr/>
+        </p:nvSpPr>
+        <p:spPr>
+          <a:xfrm>
+            <a:off x="10056440" y="2137795"/>
+            <a:ext cx="1547634" cy="830997"/>
+          </a:xfrm>
+          <a:prstGeom prst="rect">
+            <a:avLst/>
+          </a:prstGeom>
+          <a:noFill/>
+        </p:spPr>
+        <p:txBody>
+          <a:bodyPr wrap="square" rtlCol="0">
+            <a:spAutoFit/>
+          </a:bodyPr>
+          <a:lstStyle/>
+          <a:p>
+            <a:pPr algn="ctr"/>
+            <a:r>
+              <a:rPr lang="en-NZ" sz="1600" dirty="0"/>
+              <a:t>1. Hold 10% of items out for testing</a:t>
+            </a:r>
+          </a:p>
+        </p:txBody>
+      </p:sp>
+      <p:cxnSp>
+        <p:nvCxnSpPr>
+          <p:cNvPr id="3" name="Straight Arrow Connector 2">
+            <a:extLst>
+              <a:ext uri="{FF2B5EF4-FFF2-40B4-BE49-F238E27FC236}">
+                <a16:creationId xmlns:a16="http://schemas.microsoft.com/office/drawing/2014/main" id="{8A5B3F5E-E606-4DB9-ADA9-93ACD78BA619}"/>
+              </a:ext>
+            </a:extLst>
+          </p:cNvPr>
+          <p:cNvCxnSpPr>
+            <a:cxnSpLocks/>
+          </p:cNvCxnSpPr>
+          <p:nvPr/>
+        </p:nvCxnSpPr>
+        <p:spPr>
+          <a:xfrm flipH="1" flipV="1">
+            <a:off x="9840416" y="1484784"/>
+            <a:ext cx="764380" cy="524505"/>
+          </a:xfrm>
+          <a:prstGeom prst="straightConnector1">
+            <a:avLst/>
+          </a:prstGeom>
+          <a:ln>
+            <a:tailEnd type="triangle"/>
+          </a:ln>
+        </p:spPr>
+        <p:style>
+          <a:lnRef idx="1">
+            <a:schemeClr val="accent1"/>
+          </a:lnRef>
+          <a:fillRef idx="0">
+            <a:schemeClr val="accent1"/>
+          </a:fillRef>
+          <a:effectRef idx="0">
+            <a:schemeClr val="accent1"/>
+          </a:effectRef>
+          <a:fontRef idx="minor">
+            <a:schemeClr val="tx1"/>
+          </a:fontRef>
+        </p:style>
+      </p:cxnSp>
+    </p:spTree>
+    <p:extLst>
+      <p:ext uri="{BB962C8B-B14F-4D97-AF65-F5344CB8AC3E}">
+        <p14:creationId xmlns:p14="http://schemas.microsoft.com/office/powerpoint/2010/main" val="1374799005"/>
       </p:ext>
     </p:extLst>
   </p:cSld>
@@ -14740,8 +15726,8 @@
           </a:p>
         </p:txBody>
       </p:sp>
-      <mc:AlternateContent xmlns:mc="http://schemas.openxmlformats.org/markup-compatibility/2006">
-        <mc:Choice xmlns:a14="http://schemas.microsoft.com/office/drawing/2010/main" Requires="a14">
+      <mc:AlternateContent xmlns:mc="http://schemas.openxmlformats.org/markup-compatibility/2006" xmlns:a14="http://schemas.microsoft.com/office/drawing/2010/main">
+        <mc:Choice Requires="a14">
           <p:sp>
             <p:nvSpPr>
               <p:cNvPr id="17" name="TextBox 16">
@@ -14803,7 +15789,7 @@
             </p:txBody>
           </p:sp>
         </mc:Choice>
-        <mc:Fallback>
+        <mc:Fallback xmlns="">
           <p:sp>
             <p:nvSpPr>
               <p:cNvPr id="17" name="TextBox 16">
@@ -14848,8 +15834,8 @@
           </p:sp>
         </mc:Fallback>
       </mc:AlternateContent>
-      <mc:AlternateContent xmlns:mc="http://schemas.openxmlformats.org/markup-compatibility/2006">
-        <mc:Choice xmlns:a14="http://schemas.microsoft.com/office/drawing/2010/main" Requires="a14">
+      <mc:AlternateContent xmlns:mc="http://schemas.openxmlformats.org/markup-compatibility/2006" xmlns:a14="http://schemas.microsoft.com/office/drawing/2010/main">
+        <mc:Choice Requires="a14">
           <p:sp>
             <p:nvSpPr>
               <p:cNvPr id="156" name="TextBox 155">
@@ -14942,7 +15928,7 @@
             </p:txBody>
           </p:sp>
         </mc:Choice>
-        <mc:Fallback>
+        <mc:Fallback xmlns="">
           <p:sp>
             <p:nvSpPr>
               <p:cNvPr id="156" name="TextBox 155">
@@ -14987,8 +15973,8 @@
           </p:sp>
         </mc:Fallback>
       </mc:AlternateContent>
-      <mc:AlternateContent xmlns:mc="http://schemas.openxmlformats.org/markup-compatibility/2006">
-        <mc:Choice xmlns:a14="http://schemas.microsoft.com/office/drawing/2010/main" Requires="a14">
+      <mc:AlternateContent xmlns:mc="http://schemas.openxmlformats.org/markup-compatibility/2006" xmlns:a14="http://schemas.microsoft.com/office/drawing/2010/main">
+        <mc:Choice Requires="a14">
           <p:sp>
             <p:nvSpPr>
               <p:cNvPr id="159" name="TextBox 158">
@@ -15093,7 +16079,7 @@
             </p:txBody>
           </p:sp>
         </mc:Choice>
-        <mc:Fallback>
+        <mc:Fallback xmlns="">
           <p:sp>
             <p:nvSpPr>
               <p:cNvPr id="159" name="TextBox 158">
@@ -23577,7 +24563,7 @@
 </file>
 
 <file path=ppt/slides/slide8.xml><?xml version="1.0" encoding="utf-8"?>
-<p:sld xmlns:a="http://schemas.openxmlformats.org/drawingml/2006/main" xmlns:r="http://schemas.openxmlformats.org/officeDocument/2006/relationships" xmlns:p="http://schemas.openxmlformats.org/presentationml/2006/main">
+<p:sld xmlns:a="http://schemas.openxmlformats.org/drawingml/2006/main" xmlns:r="http://schemas.openxmlformats.org/officeDocument/2006/relationships" xmlns:p="http://schemas.openxmlformats.org/presentationml/2006/main" show="0">
   <p:cSld>
     <p:spTree>
       <p:nvGrpSpPr>
@@ -24107,6 +25093,854 @@
     <p:extLst>
       <p:ext uri="{BB962C8B-B14F-4D97-AF65-F5344CB8AC3E}">
         <p14:creationId xmlns:p14="http://schemas.microsoft.com/office/powerpoint/2010/main" val="765299857"/>
+      </p:ext>
+    </p:extLst>
+  </p:cSld>
+  <p:clrMapOvr>
+    <a:masterClrMapping/>
+  </p:clrMapOvr>
+</p:sld>
+</file>
+
+<file path=ppt/slides/slide9.xml><?xml version="1.0" encoding="utf-8"?>
+<p:sld xmlns:a="http://schemas.openxmlformats.org/drawingml/2006/main" xmlns:r="http://schemas.openxmlformats.org/officeDocument/2006/relationships" xmlns:p="http://schemas.openxmlformats.org/presentationml/2006/main" show="0">
+  <p:cSld>
+    <p:spTree>
+      <p:nvGrpSpPr>
+        <p:cNvPr id="1" name=""/>
+        <p:cNvGrpSpPr/>
+        <p:nvPr/>
+      </p:nvGrpSpPr>
+      <p:grpSpPr>
+        <a:xfrm>
+          <a:off x="0" y="0"/>
+          <a:ext cx="0" cy="0"/>
+          <a:chOff x="0" y="0"/>
+          <a:chExt cx="0" cy="0"/>
+        </a:xfrm>
+      </p:grpSpPr>
+      <p:sp>
+        <p:nvSpPr>
+          <p:cNvPr id="5" name="Rectangle 4">
+            <a:extLst>
+              <a:ext uri="{FF2B5EF4-FFF2-40B4-BE49-F238E27FC236}">
+                <a16:creationId xmlns:a16="http://schemas.microsoft.com/office/drawing/2014/main" id="{9852D65D-5CED-45EF-846B-87148B475D28}"/>
+              </a:ext>
+            </a:extLst>
+          </p:cNvPr>
+          <p:cNvSpPr/>
+          <p:nvPr/>
+        </p:nvSpPr>
+        <p:spPr>
+          <a:xfrm>
+            <a:off x="620420" y="969292"/>
+            <a:ext cx="9000000" cy="576064"/>
+          </a:xfrm>
+          <a:prstGeom prst="rect">
+            <a:avLst/>
+          </a:prstGeom>
+          <a:noFill/>
+          <a:ln w="38100">
+            <a:solidFill>
+              <a:schemeClr val="tx1"/>
+            </a:solidFill>
+          </a:ln>
+        </p:spPr>
+        <p:style>
+          <a:lnRef idx="2">
+            <a:schemeClr val="accent1">
+              <a:shade val="50000"/>
+            </a:schemeClr>
+          </a:lnRef>
+          <a:fillRef idx="1">
+            <a:schemeClr val="accent1"/>
+          </a:fillRef>
+          <a:effectRef idx="0">
+            <a:schemeClr val="accent1"/>
+          </a:effectRef>
+          <a:fontRef idx="minor">
+            <a:schemeClr val="lt1"/>
+          </a:fontRef>
+        </p:style>
+        <p:txBody>
+          <a:bodyPr rtlCol="0" anchor="ctr"/>
+          <a:lstStyle/>
+          <a:p>
+            <a:pPr algn="ctr"/>
+            <a:endParaRPr lang="en-NZ"/>
+          </a:p>
+        </p:txBody>
+      </p:sp>
+      <p:sp>
+        <p:nvSpPr>
+          <p:cNvPr id="7" name="Rectangle 6">
+            <a:extLst>
+              <a:ext uri="{FF2B5EF4-FFF2-40B4-BE49-F238E27FC236}">
+                <a16:creationId xmlns:a16="http://schemas.microsoft.com/office/drawing/2014/main" id="{DA7274BB-2A40-4E68-A1AE-01A5956FFDD6}"/>
+              </a:ext>
+            </a:extLst>
+          </p:cNvPr>
+          <p:cNvSpPr/>
+          <p:nvPr/>
+        </p:nvSpPr>
+        <p:spPr>
+          <a:xfrm>
+            <a:off x="620419" y="2193428"/>
+            <a:ext cx="9000001" cy="576064"/>
+          </a:xfrm>
+          <a:prstGeom prst="rect">
+            <a:avLst/>
+          </a:prstGeom>
+          <a:solidFill>
+            <a:schemeClr val="accent6">
+              <a:lumMod val="40000"/>
+              <a:lumOff val="60000"/>
+            </a:schemeClr>
+          </a:solidFill>
+          <a:ln w="38100">
+            <a:solidFill>
+              <a:schemeClr val="accent6">
+                <a:lumMod val="75000"/>
+              </a:schemeClr>
+            </a:solidFill>
+          </a:ln>
+        </p:spPr>
+        <p:style>
+          <a:lnRef idx="2">
+            <a:schemeClr val="accent1">
+              <a:shade val="50000"/>
+            </a:schemeClr>
+          </a:lnRef>
+          <a:fillRef idx="1">
+            <a:schemeClr val="accent1"/>
+          </a:fillRef>
+          <a:effectRef idx="0">
+            <a:schemeClr val="accent1"/>
+          </a:effectRef>
+          <a:fontRef idx="minor">
+            <a:schemeClr val="lt1"/>
+          </a:fontRef>
+        </p:style>
+        <p:txBody>
+          <a:bodyPr rtlCol="0" anchor="ctr"/>
+          <a:lstStyle/>
+          <a:p>
+            <a:pPr algn="ctr"/>
+            <a:endParaRPr lang="en-NZ"/>
+          </a:p>
+        </p:txBody>
+      </p:sp>
+      <p:sp>
+        <p:nvSpPr>
+          <p:cNvPr id="11" name="Right Brace 10">
+            <a:extLst>
+              <a:ext uri="{FF2B5EF4-FFF2-40B4-BE49-F238E27FC236}">
+                <a16:creationId xmlns:a16="http://schemas.microsoft.com/office/drawing/2014/main" id="{38CA8665-2E42-417B-890E-AF80755A8BD0}"/>
+              </a:ext>
+            </a:extLst>
+          </p:cNvPr>
+          <p:cNvSpPr/>
+          <p:nvPr/>
+        </p:nvSpPr>
+        <p:spPr>
+          <a:xfrm rot="16200000">
+            <a:off x="4976403" y="-3747232"/>
+            <a:ext cx="288032" cy="8784977"/>
+          </a:xfrm>
+          <a:prstGeom prst="rightBrace">
+            <a:avLst/>
+          </a:prstGeom>
+          <a:ln>
+            <a:solidFill>
+              <a:schemeClr val="tx1">
+                <a:lumMod val="95000"/>
+                <a:lumOff val="5000"/>
+              </a:schemeClr>
+            </a:solidFill>
+          </a:ln>
+        </p:spPr>
+        <p:style>
+          <a:lnRef idx="1">
+            <a:schemeClr val="accent1"/>
+          </a:lnRef>
+          <a:fillRef idx="0">
+            <a:schemeClr val="accent1"/>
+          </a:fillRef>
+          <a:effectRef idx="0">
+            <a:schemeClr val="accent1"/>
+          </a:effectRef>
+          <a:fontRef idx="minor">
+            <a:schemeClr val="tx1"/>
+          </a:fontRef>
+        </p:style>
+        <p:txBody>
+          <a:bodyPr rtlCol="0" anchor="ctr"/>
+          <a:lstStyle/>
+          <a:p>
+            <a:pPr algn="ctr"/>
+            <a:endParaRPr lang="en-NZ"/>
+          </a:p>
+        </p:txBody>
+      </p:sp>
+      <p:sp>
+        <p:nvSpPr>
+          <p:cNvPr id="12" name="TextBox 11">
+            <a:extLst>
+              <a:ext uri="{FF2B5EF4-FFF2-40B4-BE49-F238E27FC236}">
+                <a16:creationId xmlns:a16="http://schemas.microsoft.com/office/drawing/2014/main" id="{8B10F358-C525-46C1-AAC9-CFAF03C514BE}"/>
+              </a:ext>
+            </a:extLst>
+          </p:cNvPr>
+          <p:cNvSpPr txBox="1"/>
+          <p:nvPr/>
+        </p:nvSpPr>
+        <p:spPr>
+          <a:xfrm>
+            <a:off x="4346602" y="116632"/>
+            <a:ext cx="1547634" cy="338554"/>
+          </a:xfrm>
+          <a:prstGeom prst="rect">
+            <a:avLst/>
+          </a:prstGeom>
+          <a:noFill/>
+        </p:spPr>
+        <p:txBody>
+          <a:bodyPr wrap="square" rtlCol="0">
+            <a:spAutoFit/>
+          </a:bodyPr>
+          <a:lstStyle/>
+          <a:p>
+            <a:pPr algn="ctr"/>
+            <a:r>
+              <a:rPr lang="en-NZ" sz="1600" dirty="0"/>
+              <a:t>Ratings dataset</a:t>
+            </a:r>
+          </a:p>
+        </p:txBody>
+      </p:sp>
+      <p:sp>
+        <p:nvSpPr>
+          <p:cNvPr id="13" name="Rectangle 12">
+            <a:extLst>
+              <a:ext uri="{FF2B5EF4-FFF2-40B4-BE49-F238E27FC236}">
+                <a16:creationId xmlns:a16="http://schemas.microsoft.com/office/drawing/2014/main" id="{766D9B6A-E0BC-4AD2-8D07-AB6B2AE11C65}"/>
+              </a:ext>
+            </a:extLst>
+          </p:cNvPr>
+          <p:cNvSpPr/>
+          <p:nvPr/>
+        </p:nvSpPr>
+        <p:spPr>
+          <a:xfrm>
+            <a:off x="620420" y="2193428"/>
+            <a:ext cx="1800000" cy="576064"/>
+          </a:xfrm>
+          <a:prstGeom prst="rect">
+            <a:avLst/>
+          </a:prstGeom>
+          <a:solidFill>
+            <a:schemeClr val="accent2">
+              <a:lumMod val="40000"/>
+              <a:lumOff val="60000"/>
+            </a:schemeClr>
+          </a:solidFill>
+          <a:ln w="38100">
+            <a:solidFill>
+              <a:schemeClr val="accent2">
+                <a:lumMod val="75000"/>
+              </a:schemeClr>
+            </a:solidFill>
+          </a:ln>
+        </p:spPr>
+        <p:style>
+          <a:lnRef idx="2">
+            <a:schemeClr val="accent1">
+              <a:shade val="50000"/>
+            </a:schemeClr>
+          </a:lnRef>
+          <a:fillRef idx="1">
+            <a:schemeClr val="accent1"/>
+          </a:fillRef>
+          <a:effectRef idx="0">
+            <a:schemeClr val="accent1"/>
+          </a:effectRef>
+          <a:fontRef idx="minor">
+            <a:schemeClr val="lt1"/>
+          </a:fontRef>
+        </p:style>
+        <p:txBody>
+          <a:bodyPr rtlCol="0" anchor="ctr"/>
+          <a:lstStyle/>
+          <a:p>
+            <a:pPr algn="ctr"/>
+            <a:endParaRPr lang="en-NZ"/>
+          </a:p>
+        </p:txBody>
+      </p:sp>
+      <p:sp>
+        <p:nvSpPr>
+          <p:cNvPr id="14" name="Rectangle 13">
+            <a:extLst>
+              <a:ext uri="{FF2B5EF4-FFF2-40B4-BE49-F238E27FC236}">
+                <a16:creationId xmlns:a16="http://schemas.microsoft.com/office/drawing/2014/main" id="{B77EADB4-525E-43E2-BDE9-0EB110C7AFB8}"/>
+              </a:ext>
+            </a:extLst>
+          </p:cNvPr>
+          <p:cNvSpPr/>
+          <p:nvPr/>
+        </p:nvSpPr>
+        <p:spPr>
+          <a:xfrm>
+            <a:off x="620419" y="3105456"/>
+            <a:ext cx="9000000" cy="576064"/>
+          </a:xfrm>
+          <a:prstGeom prst="rect">
+            <a:avLst/>
+          </a:prstGeom>
+          <a:solidFill>
+            <a:schemeClr val="accent6">
+              <a:lumMod val="40000"/>
+              <a:lumOff val="60000"/>
+            </a:schemeClr>
+          </a:solidFill>
+          <a:ln w="38100">
+            <a:solidFill>
+              <a:schemeClr val="accent6">
+                <a:lumMod val="75000"/>
+              </a:schemeClr>
+            </a:solidFill>
+          </a:ln>
+        </p:spPr>
+        <p:style>
+          <a:lnRef idx="2">
+            <a:schemeClr val="accent1">
+              <a:shade val="50000"/>
+            </a:schemeClr>
+          </a:lnRef>
+          <a:fillRef idx="1">
+            <a:schemeClr val="accent1"/>
+          </a:fillRef>
+          <a:effectRef idx="0">
+            <a:schemeClr val="accent1"/>
+          </a:effectRef>
+          <a:fontRef idx="minor">
+            <a:schemeClr val="lt1"/>
+          </a:fontRef>
+        </p:style>
+        <p:txBody>
+          <a:bodyPr rtlCol="0" anchor="ctr"/>
+          <a:lstStyle/>
+          <a:p>
+            <a:pPr algn="ctr"/>
+            <a:endParaRPr lang="en-NZ" dirty="0"/>
+          </a:p>
+        </p:txBody>
+      </p:sp>
+      <p:sp>
+        <p:nvSpPr>
+          <p:cNvPr id="15" name="Rectangle 14">
+            <a:extLst>
+              <a:ext uri="{FF2B5EF4-FFF2-40B4-BE49-F238E27FC236}">
+                <a16:creationId xmlns:a16="http://schemas.microsoft.com/office/drawing/2014/main" id="{2ADB12B7-0FD1-4FAC-8EA8-867F78EF492A}"/>
+              </a:ext>
+            </a:extLst>
+          </p:cNvPr>
+          <p:cNvSpPr/>
+          <p:nvPr/>
+        </p:nvSpPr>
+        <p:spPr>
+          <a:xfrm>
+            <a:off x="2420420" y="3105456"/>
+            <a:ext cx="1800000" cy="576064"/>
+          </a:xfrm>
+          <a:prstGeom prst="rect">
+            <a:avLst/>
+          </a:prstGeom>
+          <a:solidFill>
+            <a:schemeClr val="accent2">
+              <a:lumMod val="40000"/>
+              <a:lumOff val="60000"/>
+            </a:schemeClr>
+          </a:solidFill>
+          <a:ln w="38100">
+            <a:solidFill>
+              <a:schemeClr val="accent2">
+                <a:lumMod val="75000"/>
+              </a:schemeClr>
+            </a:solidFill>
+          </a:ln>
+        </p:spPr>
+        <p:style>
+          <a:lnRef idx="2">
+            <a:schemeClr val="accent1">
+              <a:shade val="50000"/>
+            </a:schemeClr>
+          </a:lnRef>
+          <a:fillRef idx="1">
+            <a:schemeClr val="accent1"/>
+          </a:fillRef>
+          <a:effectRef idx="0">
+            <a:schemeClr val="accent1"/>
+          </a:effectRef>
+          <a:fontRef idx="minor">
+            <a:schemeClr val="lt1"/>
+          </a:fontRef>
+        </p:style>
+        <p:txBody>
+          <a:bodyPr rtlCol="0" anchor="ctr"/>
+          <a:lstStyle/>
+          <a:p>
+            <a:pPr algn="ctr"/>
+            <a:endParaRPr lang="en-NZ"/>
+          </a:p>
+        </p:txBody>
+      </p:sp>
+      <p:sp>
+        <p:nvSpPr>
+          <p:cNvPr id="16" name="Rectangle 15">
+            <a:extLst>
+              <a:ext uri="{FF2B5EF4-FFF2-40B4-BE49-F238E27FC236}">
+                <a16:creationId xmlns:a16="http://schemas.microsoft.com/office/drawing/2014/main" id="{DF7DD2D0-0CFA-4F16-8315-BC7210C1375A}"/>
+              </a:ext>
+            </a:extLst>
+          </p:cNvPr>
+          <p:cNvSpPr/>
+          <p:nvPr/>
+        </p:nvSpPr>
+        <p:spPr>
+          <a:xfrm>
+            <a:off x="620419" y="4017484"/>
+            <a:ext cx="9000000" cy="576064"/>
+          </a:xfrm>
+          <a:prstGeom prst="rect">
+            <a:avLst/>
+          </a:prstGeom>
+          <a:solidFill>
+            <a:schemeClr val="accent6">
+              <a:lumMod val="40000"/>
+              <a:lumOff val="60000"/>
+            </a:schemeClr>
+          </a:solidFill>
+          <a:ln w="38100">
+            <a:solidFill>
+              <a:schemeClr val="accent6">
+                <a:lumMod val="75000"/>
+              </a:schemeClr>
+            </a:solidFill>
+          </a:ln>
+        </p:spPr>
+        <p:style>
+          <a:lnRef idx="2">
+            <a:schemeClr val="accent1">
+              <a:shade val="50000"/>
+            </a:schemeClr>
+          </a:lnRef>
+          <a:fillRef idx="1">
+            <a:schemeClr val="accent1"/>
+          </a:fillRef>
+          <a:effectRef idx="0">
+            <a:schemeClr val="accent1"/>
+          </a:effectRef>
+          <a:fontRef idx="minor">
+            <a:schemeClr val="lt1"/>
+          </a:fontRef>
+        </p:style>
+        <p:txBody>
+          <a:bodyPr rtlCol="0" anchor="ctr"/>
+          <a:lstStyle/>
+          <a:p>
+            <a:pPr algn="ctr"/>
+            <a:endParaRPr lang="en-NZ"/>
+          </a:p>
+        </p:txBody>
+      </p:sp>
+      <p:sp>
+        <p:nvSpPr>
+          <p:cNvPr id="17" name="Rectangle 16">
+            <a:extLst>
+              <a:ext uri="{FF2B5EF4-FFF2-40B4-BE49-F238E27FC236}">
+                <a16:creationId xmlns:a16="http://schemas.microsoft.com/office/drawing/2014/main" id="{EFAC7260-55AA-4F6B-8B7D-5C898910307D}"/>
+              </a:ext>
+            </a:extLst>
+          </p:cNvPr>
+          <p:cNvSpPr/>
+          <p:nvPr/>
+        </p:nvSpPr>
+        <p:spPr>
+          <a:xfrm>
+            <a:off x="620419" y="4929512"/>
+            <a:ext cx="9000000" cy="576064"/>
+          </a:xfrm>
+          <a:prstGeom prst="rect">
+            <a:avLst/>
+          </a:prstGeom>
+          <a:solidFill>
+            <a:schemeClr val="accent6">
+              <a:lumMod val="40000"/>
+              <a:lumOff val="60000"/>
+            </a:schemeClr>
+          </a:solidFill>
+          <a:ln w="38100">
+            <a:solidFill>
+              <a:schemeClr val="accent6">
+                <a:lumMod val="75000"/>
+              </a:schemeClr>
+            </a:solidFill>
+          </a:ln>
+        </p:spPr>
+        <p:style>
+          <a:lnRef idx="2">
+            <a:schemeClr val="accent1">
+              <a:shade val="50000"/>
+            </a:schemeClr>
+          </a:lnRef>
+          <a:fillRef idx="1">
+            <a:schemeClr val="accent1"/>
+          </a:fillRef>
+          <a:effectRef idx="0">
+            <a:schemeClr val="accent1"/>
+          </a:effectRef>
+          <a:fontRef idx="minor">
+            <a:schemeClr val="lt1"/>
+          </a:fontRef>
+        </p:style>
+        <p:txBody>
+          <a:bodyPr rtlCol="0" anchor="ctr"/>
+          <a:lstStyle/>
+          <a:p>
+            <a:pPr algn="ctr"/>
+            <a:endParaRPr lang="en-NZ"/>
+          </a:p>
+        </p:txBody>
+      </p:sp>
+      <p:sp>
+        <p:nvSpPr>
+          <p:cNvPr id="18" name="Rectangle 17">
+            <a:extLst>
+              <a:ext uri="{FF2B5EF4-FFF2-40B4-BE49-F238E27FC236}">
+                <a16:creationId xmlns:a16="http://schemas.microsoft.com/office/drawing/2014/main" id="{9FEEB0E2-1326-46C5-8989-327031944DA0}"/>
+              </a:ext>
+            </a:extLst>
+          </p:cNvPr>
+          <p:cNvSpPr/>
+          <p:nvPr/>
+        </p:nvSpPr>
+        <p:spPr>
+          <a:xfrm>
+            <a:off x="620419" y="5841540"/>
+            <a:ext cx="9000000" cy="576064"/>
+          </a:xfrm>
+          <a:prstGeom prst="rect">
+            <a:avLst/>
+          </a:prstGeom>
+          <a:solidFill>
+            <a:schemeClr val="accent6">
+              <a:lumMod val="40000"/>
+              <a:lumOff val="60000"/>
+            </a:schemeClr>
+          </a:solidFill>
+          <a:ln w="38100">
+            <a:solidFill>
+              <a:schemeClr val="accent6">
+                <a:lumMod val="75000"/>
+              </a:schemeClr>
+            </a:solidFill>
+          </a:ln>
+        </p:spPr>
+        <p:style>
+          <a:lnRef idx="2">
+            <a:schemeClr val="accent1">
+              <a:shade val="50000"/>
+            </a:schemeClr>
+          </a:lnRef>
+          <a:fillRef idx="1">
+            <a:schemeClr val="accent1"/>
+          </a:fillRef>
+          <a:effectRef idx="0">
+            <a:schemeClr val="accent1"/>
+          </a:effectRef>
+          <a:fontRef idx="minor">
+            <a:schemeClr val="lt1"/>
+          </a:fontRef>
+        </p:style>
+        <p:txBody>
+          <a:bodyPr rtlCol="0" anchor="ctr"/>
+          <a:lstStyle/>
+          <a:p>
+            <a:pPr algn="ctr"/>
+            <a:endParaRPr lang="en-NZ"/>
+          </a:p>
+        </p:txBody>
+      </p:sp>
+      <p:sp>
+        <p:nvSpPr>
+          <p:cNvPr id="19" name="Rectangle 18">
+            <a:extLst>
+              <a:ext uri="{FF2B5EF4-FFF2-40B4-BE49-F238E27FC236}">
+                <a16:creationId xmlns:a16="http://schemas.microsoft.com/office/drawing/2014/main" id="{42F11DE5-33C2-4255-B673-2AC86CE3FAF9}"/>
+              </a:ext>
+            </a:extLst>
+          </p:cNvPr>
+          <p:cNvSpPr/>
+          <p:nvPr/>
+        </p:nvSpPr>
+        <p:spPr>
+          <a:xfrm>
+            <a:off x="4220419" y="4017484"/>
+            <a:ext cx="1800000" cy="576064"/>
+          </a:xfrm>
+          <a:prstGeom prst="rect">
+            <a:avLst/>
+          </a:prstGeom>
+          <a:solidFill>
+            <a:schemeClr val="accent2">
+              <a:lumMod val="40000"/>
+              <a:lumOff val="60000"/>
+            </a:schemeClr>
+          </a:solidFill>
+          <a:ln w="38100">
+            <a:solidFill>
+              <a:schemeClr val="accent2">
+                <a:lumMod val="75000"/>
+              </a:schemeClr>
+            </a:solidFill>
+          </a:ln>
+        </p:spPr>
+        <p:style>
+          <a:lnRef idx="2">
+            <a:schemeClr val="accent1">
+              <a:shade val="50000"/>
+            </a:schemeClr>
+          </a:lnRef>
+          <a:fillRef idx="1">
+            <a:schemeClr val="accent1"/>
+          </a:fillRef>
+          <a:effectRef idx="0">
+            <a:schemeClr val="accent1"/>
+          </a:effectRef>
+          <a:fontRef idx="minor">
+            <a:schemeClr val="lt1"/>
+          </a:fontRef>
+        </p:style>
+        <p:txBody>
+          <a:bodyPr rtlCol="0" anchor="ctr"/>
+          <a:lstStyle/>
+          <a:p>
+            <a:pPr algn="ctr"/>
+            <a:endParaRPr lang="en-NZ"/>
+          </a:p>
+        </p:txBody>
+      </p:sp>
+      <p:sp>
+        <p:nvSpPr>
+          <p:cNvPr id="20" name="Rectangle 19">
+            <a:extLst>
+              <a:ext uri="{FF2B5EF4-FFF2-40B4-BE49-F238E27FC236}">
+                <a16:creationId xmlns:a16="http://schemas.microsoft.com/office/drawing/2014/main" id="{16E6D355-A864-4D96-B231-9CB28D2911D7}"/>
+              </a:ext>
+            </a:extLst>
+          </p:cNvPr>
+          <p:cNvSpPr/>
+          <p:nvPr/>
+        </p:nvSpPr>
+        <p:spPr>
+          <a:xfrm>
+            <a:off x="6020419" y="4929512"/>
+            <a:ext cx="1800000" cy="576064"/>
+          </a:xfrm>
+          <a:prstGeom prst="rect">
+            <a:avLst/>
+          </a:prstGeom>
+          <a:solidFill>
+            <a:schemeClr val="accent2">
+              <a:lumMod val="40000"/>
+              <a:lumOff val="60000"/>
+            </a:schemeClr>
+          </a:solidFill>
+          <a:ln w="38100">
+            <a:solidFill>
+              <a:schemeClr val="accent2">
+                <a:lumMod val="75000"/>
+              </a:schemeClr>
+            </a:solidFill>
+          </a:ln>
+        </p:spPr>
+        <p:style>
+          <a:lnRef idx="2">
+            <a:schemeClr val="accent1">
+              <a:shade val="50000"/>
+            </a:schemeClr>
+          </a:lnRef>
+          <a:fillRef idx="1">
+            <a:schemeClr val="accent1"/>
+          </a:fillRef>
+          <a:effectRef idx="0">
+            <a:schemeClr val="accent1"/>
+          </a:effectRef>
+          <a:fontRef idx="minor">
+            <a:schemeClr val="lt1"/>
+          </a:fontRef>
+        </p:style>
+        <p:txBody>
+          <a:bodyPr rtlCol="0" anchor="ctr"/>
+          <a:lstStyle/>
+          <a:p>
+            <a:pPr algn="ctr"/>
+            <a:endParaRPr lang="en-NZ"/>
+          </a:p>
+        </p:txBody>
+      </p:sp>
+      <p:sp>
+        <p:nvSpPr>
+          <p:cNvPr id="21" name="Rectangle 20">
+            <a:extLst>
+              <a:ext uri="{FF2B5EF4-FFF2-40B4-BE49-F238E27FC236}">
+                <a16:creationId xmlns:a16="http://schemas.microsoft.com/office/drawing/2014/main" id="{256FA82D-0B7B-4174-8173-EBD152900B56}"/>
+              </a:ext>
+            </a:extLst>
+          </p:cNvPr>
+          <p:cNvSpPr/>
+          <p:nvPr/>
+        </p:nvSpPr>
+        <p:spPr>
+          <a:xfrm>
+            <a:off x="7820419" y="5839925"/>
+            <a:ext cx="1800000" cy="576064"/>
+          </a:xfrm>
+          <a:prstGeom prst="rect">
+            <a:avLst/>
+          </a:prstGeom>
+          <a:solidFill>
+            <a:schemeClr val="accent2">
+              <a:lumMod val="40000"/>
+              <a:lumOff val="60000"/>
+            </a:schemeClr>
+          </a:solidFill>
+          <a:ln w="38100">
+            <a:solidFill>
+              <a:schemeClr val="accent2">
+                <a:lumMod val="75000"/>
+              </a:schemeClr>
+            </a:solidFill>
+          </a:ln>
+        </p:spPr>
+        <p:style>
+          <a:lnRef idx="2">
+            <a:schemeClr val="accent1">
+              <a:shade val="50000"/>
+            </a:schemeClr>
+          </a:lnRef>
+          <a:fillRef idx="1">
+            <a:schemeClr val="accent1"/>
+          </a:fillRef>
+          <a:effectRef idx="0">
+            <a:schemeClr val="accent1"/>
+          </a:effectRef>
+          <a:fontRef idx="minor">
+            <a:schemeClr val="lt1"/>
+          </a:fontRef>
+        </p:style>
+        <p:txBody>
+          <a:bodyPr rtlCol="0" anchor="ctr"/>
+          <a:lstStyle/>
+          <a:p>
+            <a:pPr algn="ctr"/>
+            <a:endParaRPr lang="en-NZ"/>
+          </a:p>
+        </p:txBody>
+      </p:sp>
+      <p:sp>
+        <p:nvSpPr>
+          <p:cNvPr id="22" name="Right Brace 21">
+            <a:extLst>
+              <a:ext uri="{FF2B5EF4-FFF2-40B4-BE49-F238E27FC236}">
+                <a16:creationId xmlns:a16="http://schemas.microsoft.com/office/drawing/2014/main" id="{19165035-DE11-46FC-8BBC-B9D1462B9A22}"/>
+              </a:ext>
+            </a:extLst>
+          </p:cNvPr>
+          <p:cNvSpPr/>
+          <p:nvPr/>
+        </p:nvSpPr>
+        <p:spPr>
+          <a:xfrm>
+            <a:off x="10128448" y="2193428"/>
+            <a:ext cx="216024" cy="4222561"/>
+          </a:xfrm>
+          <a:prstGeom prst="rightBrace">
+            <a:avLst/>
+          </a:prstGeom>
+          <a:ln>
+            <a:solidFill>
+              <a:schemeClr val="tx1">
+                <a:lumMod val="95000"/>
+                <a:lumOff val="5000"/>
+              </a:schemeClr>
+            </a:solidFill>
+          </a:ln>
+        </p:spPr>
+        <p:style>
+          <a:lnRef idx="1">
+            <a:schemeClr val="accent1"/>
+          </a:lnRef>
+          <a:fillRef idx="0">
+            <a:schemeClr val="accent1"/>
+          </a:fillRef>
+          <a:effectRef idx="0">
+            <a:schemeClr val="accent1"/>
+          </a:effectRef>
+          <a:fontRef idx="minor">
+            <a:schemeClr val="tx1"/>
+          </a:fontRef>
+        </p:style>
+        <p:txBody>
+          <a:bodyPr rtlCol="0" anchor="ctr"/>
+          <a:lstStyle/>
+          <a:p>
+            <a:pPr algn="ctr"/>
+            <a:endParaRPr lang="en-NZ"/>
+          </a:p>
+        </p:txBody>
+      </p:sp>
+      <p:sp>
+        <p:nvSpPr>
+          <p:cNvPr id="23" name="TextBox 22">
+            <a:extLst>
+              <a:ext uri="{FF2B5EF4-FFF2-40B4-BE49-F238E27FC236}">
+                <a16:creationId xmlns:a16="http://schemas.microsoft.com/office/drawing/2014/main" id="{F4D403E8-B268-4F7A-8FFC-2B631721BBBC}"/>
+              </a:ext>
+            </a:extLst>
+          </p:cNvPr>
+          <p:cNvSpPr txBox="1"/>
+          <p:nvPr/>
+        </p:nvSpPr>
+        <p:spPr>
+          <a:xfrm>
+            <a:off x="10418120" y="3889209"/>
+            <a:ext cx="1547634" cy="830997"/>
+          </a:xfrm>
+          <a:prstGeom prst="rect">
+            <a:avLst/>
+          </a:prstGeom>
+          <a:noFill/>
+        </p:spPr>
+        <p:txBody>
+          <a:bodyPr wrap="square" rtlCol="0">
+            <a:spAutoFit/>
+          </a:bodyPr>
+          <a:lstStyle/>
+          <a:p>
+            <a:pPr algn="ctr"/>
+            <a:r>
+              <a:rPr lang="en-NZ" sz="1600" dirty="0"/>
+              <a:t>Split dataset into 5 cross validation folds</a:t>
+            </a:r>
+          </a:p>
+        </p:txBody>
+      </p:sp>
+    </p:spTree>
+    <p:extLst>
+      <p:ext uri="{BB962C8B-B14F-4D97-AF65-F5344CB8AC3E}">
+        <p14:creationId xmlns:p14="http://schemas.microsoft.com/office/powerpoint/2010/main" val="1679529145"/>
       </p:ext>
     </p:extLst>
   </p:cSld>

--- a/figures/drawing-board.pptx
+++ b/figures/drawing-board.pptx
@@ -263,7 +263,7 @@
           <a:p>
             <a:fld id="{7FCAF9BE-84FA-4DCA-8252-942D07F2383A}" type="datetimeFigureOut">
               <a:rPr lang="en-NZ" smtClean="0"/>
-              <a:t>3/10/2019</a:t>
+              <a:t>19/11/2019</a:t>
             </a:fld>
             <a:endParaRPr lang="en-NZ"/>
           </a:p>
@@ -433,7 +433,7 @@
           <a:p>
             <a:fld id="{7FCAF9BE-84FA-4DCA-8252-942D07F2383A}" type="datetimeFigureOut">
               <a:rPr lang="en-NZ" smtClean="0"/>
-              <a:t>3/10/2019</a:t>
+              <a:t>19/11/2019</a:t>
             </a:fld>
             <a:endParaRPr lang="en-NZ"/>
           </a:p>
@@ -613,7 +613,7 @@
           <a:p>
             <a:fld id="{7FCAF9BE-84FA-4DCA-8252-942D07F2383A}" type="datetimeFigureOut">
               <a:rPr lang="en-NZ" smtClean="0"/>
-              <a:t>3/10/2019</a:t>
+              <a:t>19/11/2019</a:t>
             </a:fld>
             <a:endParaRPr lang="en-NZ"/>
           </a:p>
@@ -783,7 +783,7 @@
           <a:p>
             <a:fld id="{7FCAF9BE-84FA-4DCA-8252-942D07F2383A}" type="datetimeFigureOut">
               <a:rPr lang="en-NZ" smtClean="0"/>
-              <a:t>3/10/2019</a:t>
+              <a:t>19/11/2019</a:t>
             </a:fld>
             <a:endParaRPr lang="en-NZ"/>
           </a:p>
@@ -1029,7 +1029,7 @@
           <a:p>
             <a:fld id="{7FCAF9BE-84FA-4DCA-8252-942D07F2383A}" type="datetimeFigureOut">
               <a:rPr lang="en-NZ" smtClean="0"/>
-              <a:t>3/10/2019</a:t>
+              <a:t>19/11/2019</a:t>
             </a:fld>
             <a:endParaRPr lang="en-NZ"/>
           </a:p>
@@ -1261,7 +1261,7 @@
           <a:p>
             <a:fld id="{7FCAF9BE-84FA-4DCA-8252-942D07F2383A}" type="datetimeFigureOut">
               <a:rPr lang="en-NZ" smtClean="0"/>
-              <a:t>3/10/2019</a:t>
+              <a:t>19/11/2019</a:t>
             </a:fld>
             <a:endParaRPr lang="en-NZ"/>
           </a:p>
@@ -1628,7 +1628,7 @@
           <a:p>
             <a:fld id="{7FCAF9BE-84FA-4DCA-8252-942D07F2383A}" type="datetimeFigureOut">
               <a:rPr lang="en-NZ" smtClean="0"/>
-              <a:t>3/10/2019</a:t>
+              <a:t>19/11/2019</a:t>
             </a:fld>
             <a:endParaRPr lang="en-NZ"/>
           </a:p>
@@ -1746,7 +1746,7 @@
           <a:p>
             <a:fld id="{7FCAF9BE-84FA-4DCA-8252-942D07F2383A}" type="datetimeFigureOut">
               <a:rPr lang="en-NZ" smtClean="0"/>
-              <a:t>3/10/2019</a:t>
+              <a:t>19/11/2019</a:t>
             </a:fld>
             <a:endParaRPr lang="en-NZ"/>
           </a:p>
@@ -1841,7 +1841,7 @@
           <a:p>
             <a:fld id="{7FCAF9BE-84FA-4DCA-8252-942D07F2383A}" type="datetimeFigureOut">
               <a:rPr lang="en-NZ" smtClean="0"/>
-              <a:t>3/10/2019</a:t>
+              <a:t>19/11/2019</a:t>
             </a:fld>
             <a:endParaRPr lang="en-NZ"/>
           </a:p>
@@ -2118,7 +2118,7 @@
           <a:p>
             <a:fld id="{7FCAF9BE-84FA-4DCA-8252-942D07F2383A}" type="datetimeFigureOut">
               <a:rPr lang="en-NZ" smtClean="0"/>
-              <a:t>3/10/2019</a:t>
+              <a:t>19/11/2019</a:t>
             </a:fld>
             <a:endParaRPr lang="en-NZ"/>
           </a:p>
@@ -2375,7 +2375,7 @@
           <a:p>
             <a:fld id="{7FCAF9BE-84FA-4DCA-8252-942D07F2383A}" type="datetimeFigureOut">
               <a:rPr lang="en-NZ" smtClean="0"/>
-              <a:t>3/10/2019</a:t>
+              <a:t>19/11/2019</a:t>
             </a:fld>
             <a:endParaRPr lang="en-NZ"/>
           </a:p>
@@ -2588,7 +2588,7 @@
           <a:p>
             <a:fld id="{7FCAF9BE-84FA-4DCA-8252-942D07F2383A}" type="datetimeFigureOut">
               <a:rPr lang="en-NZ" smtClean="0"/>
-              <a:t>3/10/2019</a:t>
+              <a:t>19/11/2019</a:t>
             </a:fld>
             <a:endParaRPr lang="en-NZ"/>
           </a:p>
@@ -2977,7 +2977,7 @@
 </file>
 
 <file path=ppt/slides/slide1.xml><?xml version="1.0" encoding="utf-8"?>
-<p:sld xmlns:a="http://schemas.openxmlformats.org/drawingml/2006/main" xmlns:r="http://schemas.openxmlformats.org/officeDocument/2006/relationships" xmlns:p="http://schemas.openxmlformats.org/presentationml/2006/main" show="0">
+<p:sld xmlns:a="http://schemas.openxmlformats.org/drawingml/2006/main" xmlns:r="http://schemas.openxmlformats.org/officeDocument/2006/relationships" xmlns:p="http://schemas.openxmlformats.org/presentationml/2006/main">
   <p:cSld>
     <p:spTree>
       <p:nvGrpSpPr>
@@ -2993,6 +2993,48 @@
           <a:chExt cx="0" cy="0"/>
         </a:xfrm>
       </p:grpSpPr>
+      <p:cxnSp>
+        <p:nvCxnSpPr>
+          <p:cNvPr id="23" name="Straight Arrow Connector 22">
+            <a:extLst>
+              <a:ext uri="{FF2B5EF4-FFF2-40B4-BE49-F238E27FC236}">
+                <a16:creationId xmlns:a16="http://schemas.microsoft.com/office/drawing/2014/main" id="{28C569AD-5B26-4762-A354-A580A6EE8A4D}"/>
+              </a:ext>
+            </a:extLst>
+          </p:cNvPr>
+          <p:cNvCxnSpPr>
+            <a:cxnSpLocks/>
+            <a:stCxn id="272" idx="0"/>
+          </p:cNvCxnSpPr>
+          <p:nvPr/>
+        </p:nvCxnSpPr>
+        <p:spPr>
+          <a:xfrm flipV="1">
+            <a:off x="3984141" y="5733256"/>
+            <a:ext cx="0" cy="218375"/>
+          </a:xfrm>
+          <a:prstGeom prst="straightConnector1">
+            <a:avLst/>
+          </a:prstGeom>
+          <a:ln>
+            <a:tailEnd type="triangle"/>
+          </a:ln>
+        </p:spPr>
+        <p:style>
+          <a:lnRef idx="1">
+            <a:schemeClr val="dk1"/>
+          </a:lnRef>
+          <a:fillRef idx="0">
+            <a:schemeClr val="dk1"/>
+          </a:fillRef>
+          <a:effectRef idx="0">
+            <a:schemeClr val="dk1"/>
+          </a:effectRef>
+          <a:fontRef idx="minor">
+            <a:schemeClr val="tx1"/>
+          </a:fontRef>
+        </p:style>
+      </p:cxnSp>
       <p:sp>
         <p:nvSpPr>
           <p:cNvPr id="4" name="Flowchart: Connector 3">
@@ -6351,6 +6393,48 @@
           </a:p>
         </p:txBody>
       </p:sp>
+      <p:cxnSp>
+        <p:nvCxnSpPr>
+          <p:cNvPr id="103" name="Straight Arrow Connector 102">
+            <a:extLst>
+              <a:ext uri="{FF2B5EF4-FFF2-40B4-BE49-F238E27FC236}">
+                <a16:creationId xmlns:a16="http://schemas.microsoft.com/office/drawing/2014/main" id="{0C02EAAD-9967-4931-AA77-ABB88FCE1529}"/>
+              </a:ext>
+            </a:extLst>
+          </p:cNvPr>
+          <p:cNvCxnSpPr>
+            <a:cxnSpLocks/>
+            <a:stCxn id="273" idx="0"/>
+          </p:cNvCxnSpPr>
+          <p:nvPr/>
+        </p:nvCxnSpPr>
+        <p:spPr>
+          <a:xfrm flipV="1">
+            <a:off x="7906241" y="5733256"/>
+            <a:ext cx="0" cy="218374"/>
+          </a:xfrm>
+          <a:prstGeom prst="straightConnector1">
+            <a:avLst/>
+          </a:prstGeom>
+          <a:ln>
+            <a:tailEnd type="triangle"/>
+          </a:ln>
+        </p:spPr>
+        <p:style>
+          <a:lnRef idx="1">
+            <a:schemeClr val="dk1"/>
+          </a:lnRef>
+          <a:fillRef idx="0">
+            <a:schemeClr val="dk1"/>
+          </a:fillRef>
+          <a:effectRef idx="0">
+            <a:schemeClr val="dk1"/>
+          </a:effectRef>
+          <a:fontRef idx="minor">
+            <a:schemeClr val="tx1"/>
+          </a:fontRef>
+        </p:style>
+      </p:cxnSp>
     </p:spTree>
     <p:extLst>
       <p:ext uri="{BB962C8B-B14F-4D97-AF65-F5344CB8AC3E}">
@@ -6365,7 +6449,7 @@
 </file>
 
 <file path=ppt/slides/slide10.xml><?xml version="1.0" encoding="utf-8"?>
-<p:sld xmlns:a="http://schemas.openxmlformats.org/drawingml/2006/main" xmlns:r="http://schemas.openxmlformats.org/officeDocument/2006/relationships" xmlns:p="http://schemas.openxmlformats.org/presentationml/2006/main">
+<p:sld xmlns:a="http://schemas.openxmlformats.org/drawingml/2006/main" xmlns:r="http://schemas.openxmlformats.org/officeDocument/2006/relationships" xmlns:p="http://schemas.openxmlformats.org/presentationml/2006/main" show="0">
   <p:cSld>
     <p:spTree>
       <p:nvGrpSpPr>
@@ -22307,6 +22391,47 @@
           </a:p>
         </p:txBody>
       </p:sp>
+      <p:cxnSp>
+        <p:nvCxnSpPr>
+          <p:cNvPr id="131" name="Straight Arrow Connector 130">
+            <a:extLst>
+              <a:ext uri="{FF2B5EF4-FFF2-40B4-BE49-F238E27FC236}">
+                <a16:creationId xmlns:a16="http://schemas.microsoft.com/office/drawing/2014/main" id="{63B1FAC2-11A1-4FC7-BE1E-4636EF4C4CBB}"/>
+              </a:ext>
+            </a:extLst>
+          </p:cNvPr>
+          <p:cNvCxnSpPr>
+            <a:cxnSpLocks/>
+          </p:cNvCxnSpPr>
+          <p:nvPr/>
+        </p:nvCxnSpPr>
+        <p:spPr>
+          <a:xfrm flipV="1">
+            <a:off x="8923665" y="4502155"/>
+            <a:ext cx="0" cy="218375"/>
+          </a:xfrm>
+          <a:prstGeom prst="straightConnector1">
+            <a:avLst/>
+          </a:prstGeom>
+          <a:ln>
+            <a:tailEnd type="triangle"/>
+          </a:ln>
+        </p:spPr>
+        <p:style>
+          <a:lnRef idx="1">
+            <a:schemeClr val="dk1"/>
+          </a:lnRef>
+          <a:fillRef idx="0">
+            <a:schemeClr val="dk1"/>
+          </a:fillRef>
+          <a:effectRef idx="0">
+            <a:schemeClr val="dk1"/>
+          </a:effectRef>
+          <a:fontRef idx="minor">
+            <a:schemeClr val="tx1"/>
+          </a:fontRef>
+        </p:style>
+      </p:cxnSp>
     </p:spTree>
     <p:extLst>
       <p:ext uri="{BB962C8B-B14F-4D97-AF65-F5344CB8AC3E}">
@@ -24549,6 +24674,47 @@
           </a:p>
         </p:txBody>
       </p:sp>
+      <p:cxnSp>
+        <p:nvCxnSpPr>
+          <p:cNvPr id="53" name="Straight Arrow Connector 52">
+            <a:extLst>
+              <a:ext uri="{FF2B5EF4-FFF2-40B4-BE49-F238E27FC236}">
+                <a16:creationId xmlns:a16="http://schemas.microsoft.com/office/drawing/2014/main" id="{D18DE43A-52B3-4B35-83C7-2F98DF13007D}"/>
+              </a:ext>
+            </a:extLst>
+          </p:cNvPr>
+          <p:cNvCxnSpPr>
+            <a:cxnSpLocks/>
+          </p:cNvCxnSpPr>
+          <p:nvPr/>
+        </p:nvCxnSpPr>
+        <p:spPr>
+          <a:xfrm flipV="1">
+            <a:off x="6158748" y="5196045"/>
+            <a:ext cx="0" cy="218375"/>
+          </a:xfrm>
+          <a:prstGeom prst="straightConnector1">
+            <a:avLst/>
+          </a:prstGeom>
+          <a:ln>
+            <a:tailEnd type="triangle"/>
+          </a:ln>
+        </p:spPr>
+        <p:style>
+          <a:lnRef idx="1">
+            <a:schemeClr val="dk1"/>
+          </a:lnRef>
+          <a:fillRef idx="0">
+            <a:schemeClr val="dk1"/>
+          </a:fillRef>
+          <a:effectRef idx="0">
+            <a:schemeClr val="dk1"/>
+          </a:effectRef>
+          <a:fontRef idx="minor">
+            <a:schemeClr val="tx1"/>
+          </a:fontRef>
+        </p:style>
+      </p:cxnSp>
     </p:spTree>
     <p:extLst>
       <p:ext uri="{BB962C8B-B14F-4D97-AF65-F5344CB8AC3E}">
